--- a/Terahertz Metrology/Ch2/Terahertz Metrology_Ch2.pptx
+++ b/Terahertz Metrology/Ch2/Terahertz Metrology_Ch2.pptx
@@ -5,7 +5,7 @@
     <p:sldMasterId id="2147483660" r:id="rId1"/>
   </p:sldMasterIdLst>
   <p:notesMasterIdLst>
-    <p:notesMasterId r:id="rId13"/>
+    <p:notesMasterId r:id="rId14"/>
   </p:notesMasterIdLst>
   <p:sldIdLst>
     <p:sldId id="258" r:id="rId2"/>
@@ -14,11 +14,12 @@
     <p:sldId id="276" r:id="rId5"/>
     <p:sldId id="277" r:id="rId6"/>
     <p:sldId id="278" r:id="rId7"/>
-    <p:sldId id="279" r:id="rId8"/>
-    <p:sldId id="280" r:id="rId9"/>
-    <p:sldId id="281" r:id="rId10"/>
-    <p:sldId id="282" r:id="rId11"/>
-    <p:sldId id="275" r:id="rId12"/>
+    <p:sldId id="280" r:id="rId8"/>
+    <p:sldId id="281" r:id="rId9"/>
+    <p:sldId id="282" r:id="rId10"/>
+    <p:sldId id="283" r:id="rId11"/>
+    <p:sldId id="284" r:id="rId12"/>
+    <p:sldId id="275" r:id="rId13"/>
   </p:sldIdLst>
   <p:sldSz cx="9144000" cy="6858000" type="screen4x3"/>
   <p:notesSz cx="6858000" cy="9144000"/>
@@ -207,7 +208,7 @@
           <a:p>
             <a:fld id="{A9D6DECA-6E4E-4D09-9277-E151A2E3F74C}" type="datetimeFigureOut">
               <a:rPr lang="ko-KR" altLang="en-US" smtClean="0"/>
-              <a:t>2018-03-06</a:t>
+              <a:t>2018-03-07</a:t>
             </a:fld>
             <a:endParaRPr lang="ko-KR" altLang="en-US"/>
           </a:p>
@@ -633,7 +634,7 @@
     </p:spTree>
     <p:extLst>
       <p:ext uri="{BB962C8B-B14F-4D97-AF65-F5344CB8AC3E}">
-        <p14:creationId xmlns:p14="http://schemas.microsoft.com/office/powerpoint/2010/main" val="3525953992"/>
+        <p14:creationId xmlns:p14="http://schemas.microsoft.com/office/powerpoint/2010/main" val="47002435"/>
       </p:ext>
     </p:extLst>
   </p:cSld>
@@ -709,6 +710,90 @@
             <a:fld id="{6D0ABE42-EEBB-47F0-BC6E-2BB25FA03CFE}" type="slidenum">
               <a:rPr lang="ko-KR" altLang="en-US" smtClean="0"/>
               <a:t>11</a:t>
+            </a:fld>
+            <a:endParaRPr lang="ko-KR" altLang="en-US"/>
+          </a:p>
+        </p:txBody>
+      </p:sp>
+    </p:spTree>
+    <p:extLst>
+      <p:ext uri="{BB962C8B-B14F-4D97-AF65-F5344CB8AC3E}">
+        <p14:creationId xmlns:p14="http://schemas.microsoft.com/office/powerpoint/2010/main" val="392067599"/>
+      </p:ext>
+    </p:extLst>
+  </p:cSld>
+  <p:clrMapOvr>
+    <a:masterClrMapping/>
+  </p:clrMapOvr>
+</p:notes>
+</file>
+
+<file path=ppt/notesSlides/notesSlide12.xml><?xml version="1.0" encoding="utf-8"?>
+<p:notes xmlns:a="http://schemas.openxmlformats.org/drawingml/2006/main" xmlns:r="http://schemas.openxmlformats.org/officeDocument/2006/relationships" xmlns:p="http://schemas.openxmlformats.org/presentationml/2006/main">
+  <p:cSld>
+    <p:spTree>
+      <p:nvGrpSpPr>
+        <p:cNvPr id="1" name=""/>
+        <p:cNvGrpSpPr/>
+        <p:nvPr/>
+      </p:nvGrpSpPr>
+      <p:grpSpPr>
+        <a:xfrm>
+          <a:off x="0" y="0"/>
+          <a:ext cx="0" cy="0"/>
+          <a:chOff x="0" y="0"/>
+          <a:chExt cx="0" cy="0"/>
+        </a:xfrm>
+      </p:grpSpPr>
+      <p:sp>
+        <p:nvSpPr>
+          <p:cNvPr id="2" name="슬라이드 이미지 개체 틀 1"/>
+          <p:cNvSpPr>
+            <a:spLocks noGrp="1" noRot="1" noChangeAspect="1"/>
+          </p:cNvSpPr>
+          <p:nvPr>
+            <p:ph type="sldImg"/>
+          </p:nvPr>
+        </p:nvSpPr>
+        <p:spPr/>
+      </p:sp>
+      <p:sp>
+        <p:nvSpPr>
+          <p:cNvPr id="3" name="슬라이드 노트 개체 틀 2"/>
+          <p:cNvSpPr>
+            <a:spLocks noGrp="1"/>
+          </p:cNvSpPr>
+          <p:nvPr>
+            <p:ph type="body" idx="1"/>
+          </p:nvPr>
+        </p:nvSpPr>
+        <p:spPr/>
+        <p:txBody>
+          <a:bodyPr/>
+          <a:lstStyle/>
+          <a:p>
+            <a:endParaRPr lang="ko-KR" altLang="en-US"/>
+          </a:p>
+        </p:txBody>
+      </p:sp>
+      <p:sp>
+        <p:nvSpPr>
+          <p:cNvPr id="4" name="슬라이드 번호 개체 틀 3"/>
+          <p:cNvSpPr>
+            <a:spLocks noGrp="1"/>
+          </p:cNvSpPr>
+          <p:nvPr>
+            <p:ph type="sldNum" sz="quarter" idx="10"/>
+          </p:nvPr>
+        </p:nvSpPr>
+        <p:spPr/>
+        <p:txBody>
+          <a:bodyPr/>
+          <a:lstStyle/>
+          <a:p>
+            <a:fld id="{6D0ABE42-EEBB-47F0-BC6E-2BB25FA03CFE}" type="slidenum">
+              <a:rPr lang="ko-KR" altLang="en-US" smtClean="0"/>
+              <a:t>12</a:t>
             </a:fld>
             <a:endParaRPr lang="ko-KR" altLang="en-US"/>
           </a:p>
@@ -1221,7 +1306,7 @@
     </p:spTree>
     <p:extLst>
       <p:ext uri="{BB962C8B-B14F-4D97-AF65-F5344CB8AC3E}">
-        <p14:creationId xmlns:p14="http://schemas.microsoft.com/office/powerpoint/2010/main" val="1545552655"/>
+        <p14:creationId xmlns:p14="http://schemas.microsoft.com/office/powerpoint/2010/main" val="2881355691"/>
       </p:ext>
     </p:extLst>
   </p:cSld>
@@ -1305,7 +1390,7 @@
     </p:spTree>
     <p:extLst>
       <p:ext uri="{BB962C8B-B14F-4D97-AF65-F5344CB8AC3E}">
-        <p14:creationId xmlns:p14="http://schemas.microsoft.com/office/powerpoint/2010/main" val="2881355691"/>
+        <p14:creationId xmlns:p14="http://schemas.microsoft.com/office/powerpoint/2010/main" val="4135319957"/>
       </p:ext>
     </p:extLst>
   </p:cSld>
@@ -1389,7 +1474,7 @@
     </p:spTree>
     <p:extLst>
       <p:ext uri="{BB962C8B-B14F-4D97-AF65-F5344CB8AC3E}">
-        <p14:creationId xmlns:p14="http://schemas.microsoft.com/office/powerpoint/2010/main" val="4135319957"/>
+        <p14:creationId xmlns:p14="http://schemas.microsoft.com/office/powerpoint/2010/main" val="3525953992"/>
       </p:ext>
     </p:extLst>
   </p:cSld>
@@ -1530,7 +1615,7 @@
           <a:p>
             <a:fld id="{A4C346B5-C0DF-4EB7-A5EE-A79D8A2B2CA8}" type="datetimeFigureOut">
               <a:rPr lang="ko-KR" altLang="en-US" smtClean="0"/>
-              <a:t>2018-03-06</a:t>
+              <a:t>2018-03-07</a:t>
             </a:fld>
             <a:endParaRPr lang="ko-KR" altLang="en-US"/>
           </a:p>
@@ -1707,7 +1792,7 @@
           <a:p>
             <a:fld id="{A4C346B5-C0DF-4EB7-A5EE-A79D8A2B2CA8}" type="datetimeFigureOut">
               <a:rPr lang="ko-KR" altLang="en-US" smtClean="0"/>
-              <a:t>2018-03-06</a:t>
+              <a:t>2018-03-07</a:t>
             </a:fld>
             <a:endParaRPr lang="ko-KR" altLang="en-US"/>
           </a:p>
@@ -1887,7 +1972,7 @@
           <a:p>
             <a:fld id="{A4C346B5-C0DF-4EB7-A5EE-A79D8A2B2CA8}" type="datetimeFigureOut">
               <a:rPr lang="ko-KR" altLang="en-US" smtClean="0"/>
-              <a:t>2018-03-06</a:t>
+              <a:t>2018-03-07</a:t>
             </a:fld>
             <a:endParaRPr lang="ko-KR" altLang="en-US"/>
           </a:p>
@@ -2057,7 +2142,7 @@
           <a:p>
             <a:fld id="{A4C346B5-C0DF-4EB7-A5EE-A79D8A2B2CA8}" type="datetimeFigureOut">
               <a:rPr lang="ko-KR" altLang="en-US" smtClean="0"/>
-              <a:t>2018-03-06</a:t>
+              <a:t>2018-03-07</a:t>
             </a:fld>
             <a:endParaRPr lang="ko-KR" altLang="en-US"/>
           </a:p>
@@ -2301,7 +2386,7 @@
           <a:p>
             <a:fld id="{A4C346B5-C0DF-4EB7-A5EE-A79D8A2B2CA8}" type="datetimeFigureOut">
               <a:rPr lang="ko-KR" altLang="en-US" smtClean="0"/>
-              <a:t>2018-03-06</a:t>
+              <a:t>2018-03-07</a:t>
             </a:fld>
             <a:endParaRPr lang="ko-KR" altLang="en-US"/>
           </a:p>
@@ -2533,7 +2618,7 @@
           <a:p>
             <a:fld id="{A4C346B5-C0DF-4EB7-A5EE-A79D8A2B2CA8}" type="datetimeFigureOut">
               <a:rPr lang="ko-KR" altLang="en-US" smtClean="0"/>
-              <a:t>2018-03-06</a:t>
+              <a:t>2018-03-07</a:t>
             </a:fld>
             <a:endParaRPr lang="ko-KR" altLang="en-US"/>
           </a:p>
@@ -2900,7 +2985,7 @@
           <a:p>
             <a:fld id="{A4C346B5-C0DF-4EB7-A5EE-A79D8A2B2CA8}" type="datetimeFigureOut">
               <a:rPr lang="ko-KR" altLang="en-US" smtClean="0"/>
-              <a:t>2018-03-06</a:t>
+              <a:t>2018-03-07</a:t>
             </a:fld>
             <a:endParaRPr lang="ko-KR" altLang="en-US"/>
           </a:p>
@@ -3018,7 +3103,7 @@
           <a:p>
             <a:fld id="{A4C346B5-C0DF-4EB7-A5EE-A79D8A2B2CA8}" type="datetimeFigureOut">
               <a:rPr lang="ko-KR" altLang="en-US" smtClean="0"/>
-              <a:t>2018-03-06</a:t>
+              <a:t>2018-03-07</a:t>
             </a:fld>
             <a:endParaRPr lang="ko-KR" altLang="en-US"/>
           </a:p>
@@ -3113,7 +3198,7 @@
           <a:p>
             <a:fld id="{A4C346B5-C0DF-4EB7-A5EE-A79D8A2B2CA8}" type="datetimeFigureOut">
               <a:rPr lang="ko-KR" altLang="en-US" smtClean="0"/>
-              <a:t>2018-03-06</a:t>
+              <a:t>2018-03-07</a:t>
             </a:fld>
             <a:endParaRPr lang="ko-KR" altLang="en-US"/>
           </a:p>
@@ -3390,7 +3475,7 @@
           <a:p>
             <a:fld id="{A4C346B5-C0DF-4EB7-A5EE-A79D8A2B2CA8}" type="datetimeFigureOut">
               <a:rPr lang="ko-KR" altLang="en-US" smtClean="0"/>
-              <a:t>2018-03-06</a:t>
+              <a:t>2018-03-07</a:t>
             </a:fld>
             <a:endParaRPr lang="ko-KR" altLang="en-US"/>
           </a:p>
@@ -3647,7 +3732,7 @@
           <a:p>
             <a:fld id="{A4C346B5-C0DF-4EB7-A5EE-A79D8A2B2CA8}" type="datetimeFigureOut">
               <a:rPr lang="ko-KR" altLang="en-US" smtClean="0"/>
-              <a:t>2018-03-06</a:t>
+              <a:t>2018-03-07</a:t>
             </a:fld>
             <a:endParaRPr lang="ko-KR" altLang="en-US"/>
           </a:p>
@@ -3860,7 +3945,7 @@
           <a:p>
             <a:fld id="{A4C346B5-C0DF-4EB7-A5EE-A79D8A2B2CA8}" type="datetimeFigureOut">
               <a:rPr lang="ko-KR" altLang="en-US" smtClean="0"/>
-              <a:t>2018-03-06</a:t>
+              <a:t>2018-03-07</a:t>
             </a:fld>
             <a:endParaRPr lang="ko-KR" altLang="en-US"/>
           </a:p>
@@ -4541,21 +4626,354 @@
           <a:p>
             <a:pPr algn="ctr"/>
             <a:r>
-              <a:rPr lang="en-US" altLang="ko-KR" sz="2000" dirty="0" smtClean="0">
+              <a:rPr lang="en-US" altLang="ko-KR" sz="2800" dirty="0" smtClean="0">
                 <a:solidFill>
                   <a:schemeClr val="bg1"/>
                 </a:solidFill>
                 <a:latin typeface="Arial" panose="020B0604020202020204" pitchFamily="34" charset="0"/>
               </a:rPr>
-              <a:t>2.1 Transmission-mode Terahertz Time-Domain Spectrometers: Approximation</a:t>
-            </a:r>
+              <a:t>2.2 Transmission-Mode </a:t>
+            </a:r>
+            <a:r>
+              <a:rPr lang="en-US" altLang="ko-KR" sz="2800" dirty="0" smtClean="0">
+                <a:solidFill>
+                  <a:schemeClr val="bg1"/>
+                </a:solidFill>
+                <a:latin typeface="Arial" panose="020B0604020202020204" pitchFamily="34" charset="0"/>
+              </a:rPr>
+              <a:t>Terahertz </a:t>
+            </a:r>
+            <a:r>
+              <a:rPr lang="en-US" altLang="ko-KR" sz="2800" dirty="0" smtClean="0">
+                <a:solidFill>
+                  <a:schemeClr val="bg1"/>
+                </a:solidFill>
+                <a:latin typeface="Arial" panose="020B0604020202020204" pitchFamily="34" charset="0"/>
+              </a:rPr>
+              <a:t>TDS: </a:t>
+            </a:r>
+            <a:r>
+              <a:rPr lang="en-US" altLang="ko-KR" sz="2800" dirty="0" smtClean="0">
+                <a:solidFill>
+                  <a:schemeClr val="bg1"/>
+                </a:solidFill>
+                <a:latin typeface="Arial" panose="020B0604020202020204" pitchFamily="34" charset="0"/>
+              </a:rPr>
+              <a:t>Exact Solution</a:t>
+            </a:r>
+            <a:endParaRPr lang="en-US" altLang="ko-KR" sz="2800" dirty="0" smtClean="0">
+              <a:solidFill>
+                <a:schemeClr val="bg1"/>
+              </a:solidFill>
+              <a:latin typeface="Arial" panose="020B0604020202020204" pitchFamily="34" charset="0"/>
+            </a:endParaRPr>
+          </a:p>
+        </p:txBody>
+      </p:sp>
+      <p:sp>
+        <p:nvSpPr>
+          <p:cNvPr id="3" name="TextBox 2"/>
+          <p:cNvSpPr txBox="1"/>
+          <p:nvPr/>
+        </p:nvSpPr>
+        <p:spPr>
+          <a:xfrm>
+            <a:off x="345758" y="834251"/>
+            <a:ext cx="8560849" cy="646331"/>
+          </a:xfrm>
+          <a:prstGeom prst="rect">
+            <a:avLst/>
+          </a:prstGeom>
+          <a:noFill/>
+        </p:spPr>
+        <p:txBody>
+          <a:bodyPr wrap="square" rtlCol="0">
+            <a:spAutoFit/>
+          </a:bodyPr>
+          <a:lstStyle/>
+          <a:p>
+            <a:r>
+              <a:rPr lang="en-US" altLang="ko-KR" dirty="0" smtClean="0"/>
+              <a:t>It is based on </a:t>
+            </a:r>
+            <a:r>
+              <a:rPr lang="en-US" altLang="ko-KR" dirty="0" smtClean="0">
+                <a:solidFill>
+                  <a:srgbClr val="3333FF"/>
+                </a:solidFill>
+              </a:rPr>
+              <a:t>minimizing error </a:t>
+            </a:r>
+            <a:r>
+              <a:rPr lang="en-US" altLang="ko-KR" dirty="0" smtClean="0"/>
+              <a:t>in the magnitude and phase components of the modeled transfer function with </a:t>
+            </a:r>
+            <a:r>
+              <a:rPr lang="en-US" altLang="ko-KR" dirty="0" smtClean="0">
+                <a:solidFill>
+                  <a:srgbClr val="3333FF"/>
+                </a:solidFill>
+              </a:rPr>
+              <a:t>respect </a:t>
+            </a:r>
+            <a:r>
+              <a:rPr lang="en-US" altLang="ko-KR" dirty="0" err="1" smtClean="0">
+                <a:solidFill>
+                  <a:srgbClr val="3333FF"/>
+                </a:solidFill>
+              </a:rPr>
+              <a:t>th</a:t>
+            </a:r>
+            <a:r>
+              <a:rPr lang="en-US" altLang="ko-KR" dirty="0" smtClean="0">
+                <a:solidFill>
+                  <a:srgbClr val="3333FF"/>
+                </a:solidFill>
+              </a:rPr>
+              <a:t> the measured transfer function</a:t>
+            </a:r>
+            <a:endParaRPr lang="ko-KR" altLang="en-US" dirty="0">
+              <a:solidFill>
+                <a:srgbClr val="3333FF"/>
+              </a:solidFill>
+            </a:endParaRPr>
+          </a:p>
+        </p:txBody>
+      </p:sp>
+      <p:sp>
+        <p:nvSpPr>
+          <p:cNvPr id="4" name="TextBox 3"/>
+          <p:cNvSpPr txBox="1"/>
+          <p:nvPr/>
+        </p:nvSpPr>
+        <p:spPr>
+          <a:xfrm>
+            <a:off x="563750" y="1622683"/>
+            <a:ext cx="3199357" cy="400110"/>
+          </a:xfrm>
+          <a:prstGeom prst="rect">
+            <a:avLst/>
+          </a:prstGeom>
+          <a:noFill/>
+        </p:spPr>
+        <p:txBody>
+          <a:bodyPr wrap="square" rtlCol="0">
+            <a:spAutoFit/>
+          </a:bodyPr>
+          <a:lstStyle/>
+          <a:p>
+            <a:r>
+              <a:rPr lang="en-US" altLang="ko-KR" sz="2000" dirty="0" smtClean="0">
+                <a:solidFill>
+                  <a:srgbClr val="3333FF"/>
+                </a:solidFill>
+              </a:rPr>
+              <a:t>Gradient-Descent Algorithm</a:t>
+            </a:r>
+            <a:endParaRPr lang="ko-KR" altLang="en-US" sz="2000" dirty="0">
+              <a:solidFill>
+                <a:srgbClr val="3333FF"/>
+              </a:solidFill>
+            </a:endParaRPr>
+          </a:p>
+        </p:txBody>
+      </p:sp>
+      <p:sp>
+        <p:nvSpPr>
+          <p:cNvPr id="6" name="TextBox 5"/>
+          <p:cNvSpPr txBox="1"/>
+          <p:nvPr/>
+        </p:nvSpPr>
+        <p:spPr>
+          <a:xfrm>
+            <a:off x="345759" y="2164894"/>
+            <a:ext cx="5017550" cy="1754326"/>
+          </a:xfrm>
+          <a:prstGeom prst="rect">
+            <a:avLst/>
+          </a:prstGeom>
+          <a:noFill/>
+        </p:spPr>
+        <p:txBody>
+          <a:bodyPr wrap="square" rtlCol="0">
+            <a:spAutoFit/>
+          </a:bodyPr>
+          <a:lstStyle/>
+          <a:p>
+            <a:pPr marL="285750" indent="-285750">
+              <a:buFont typeface="Arial" panose="020B0604020202020204" pitchFamily="34" charset="0"/>
+              <a:buChar char="•"/>
+            </a:pPr>
+            <a:r>
+              <a:rPr lang="en-US" altLang="ko-KR" dirty="0" smtClean="0"/>
+              <a:t>Step 1: Estimate a range of possible thickness</a:t>
+            </a:r>
+          </a:p>
+          <a:p>
+            <a:pPr marL="285750" indent="-285750">
+              <a:buFont typeface="Arial" panose="020B0604020202020204" pitchFamily="34" charset="0"/>
+              <a:buChar char="•"/>
+            </a:pPr>
+            <a:r>
+              <a:rPr lang="en-US" altLang="ko-KR" dirty="0" smtClean="0"/>
+              <a:t>Step 2: Initialize the complex refractive index</a:t>
+            </a:r>
+          </a:p>
+          <a:p>
+            <a:pPr marL="285750" indent="-285750">
+              <a:buFont typeface="Arial" panose="020B0604020202020204" pitchFamily="34" charset="0"/>
+              <a:buChar char="•"/>
+            </a:pPr>
+            <a:r>
+              <a:rPr lang="en-US" altLang="ko-KR" dirty="0" smtClean="0"/>
+              <a:t>Step 3: Determine the modeled transfer function</a:t>
+            </a:r>
+          </a:p>
+          <a:p>
+            <a:pPr marL="285750" indent="-285750">
+              <a:buFont typeface="Arial" panose="020B0604020202020204" pitchFamily="34" charset="0"/>
+              <a:buChar char="•"/>
+            </a:pPr>
+            <a:r>
+              <a:rPr lang="en-US" altLang="ko-KR" dirty="0" smtClean="0"/>
+              <a:t>Step 4: Estimate the error</a:t>
+            </a:r>
+          </a:p>
+          <a:p>
+            <a:pPr marL="285750" indent="-285750">
+              <a:buFont typeface="Arial" panose="020B0604020202020204" pitchFamily="34" charset="0"/>
+              <a:buChar char="•"/>
+            </a:pPr>
+            <a:r>
+              <a:rPr lang="en-US" altLang="ko-KR" dirty="0" smtClean="0"/>
+              <a:t>Step 5: Update the complex refractive index</a:t>
+            </a:r>
+          </a:p>
+          <a:p>
+            <a:pPr marL="285750" indent="-285750">
+              <a:buFont typeface="Arial" panose="020B0604020202020204" pitchFamily="34" charset="0"/>
+              <a:buChar char="•"/>
+            </a:pPr>
+            <a:r>
+              <a:rPr lang="en-US" altLang="ko-KR" dirty="0" smtClean="0"/>
+              <a:t>Step 6: Determine the total variation</a:t>
+            </a:r>
+          </a:p>
+        </p:txBody>
+      </p:sp>
+      <p:pic>
+        <p:nvPicPr>
+          <p:cNvPr id="2" name="그림 1"/>
+          <p:cNvPicPr>
+            <a:picLocks noChangeAspect="1"/>
+          </p:cNvPicPr>
+          <p:nvPr/>
+        </p:nvPicPr>
+        <p:blipFill>
+          <a:blip r:embed="rId3"/>
+          <a:stretch>
+            <a:fillRect/>
+          </a:stretch>
+        </p:blipFill>
+        <p:spPr>
+          <a:xfrm>
+            <a:off x="5700757" y="1769126"/>
+            <a:ext cx="3205850" cy="4300188"/>
+          </a:xfrm>
+          <a:prstGeom prst="rect">
+            <a:avLst/>
+          </a:prstGeom>
+        </p:spPr>
+      </p:pic>
+      <p:sp>
+        <p:nvSpPr>
+          <p:cNvPr id="8" name="TextBox 7"/>
+          <p:cNvSpPr txBox="1"/>
+          <p:nvPr/>
+        </p:nvSpPr>
+        <p:spPr>
+          <a:xfrm>
+            <a:off x="268165" y="6338128"/>
+            <a:ext cx="8607669" cy="415498"/>
+          </a:xfrm>
+          <a:prstGeom prst="rect">
+            <a:avLst/>
+          </a:prstGeom>
+          <a:noFill/>
+        </p:spPr>
+        <p:txBody>
+          <a:bodyPr wrap="square" rtlCol="0">
+            <a:spAutoFit/>
+          </a:bodyPr>
+          <a:lstStyle/>
+          <a:p>
+            <a:r>
+              <a:rPr lang="en-US" altLang="ko-KR" sz="1050" dirty="0" err="1" smtClean="0">
+                <a:latin typeface="Times New Roman" panose="02020603050405020304" pitchFamily="18" charset="0"/>
+                <a:cs typeface="Times New Roman" panose="02020603050405020304" pitchFamily="18" charset="0"/>
+              </a:rPr>
+              <a:t>Dorney</a:t>
+            </a:r>
+            <a:r>
+              <a:rPr lang="en-US" altLang="ko-KR" sz="1050" dirty="0" smtClean="0">
+                <a:latin typeface="Times New Roman" panose="02020603050405020304" pitchFamily="18" charset="0"/>
+                <a:cs typeface="Times New Roman" panose="02020603050405020304" pitchFamily="18" charset="0"/>
+              </a:rPr>
+              <a:t>, T., R. </a:t>
+            </a:r>
+            <a:r>
+              <a:rPr lang="en-US" altLang="ko-KR" sz="1050" dirty="0" err="1" smtClean="0">
+                <a:latin typeface="Times New Roman" panose="02020603050405020304" pitchFamily="18" charset="0"/>
+                <a:cs typeface="Times New Roman" panose="02020603050405020304" pitchFamily="18" charset="0"/>
+              </a:rPr>
+              <a:t>Baraniuk</a:t>
+            </a:r>
+            <a:r>
+              <a:rPr lang="en-US" altLang="ko-KR" sz="1050" dirty="0" smtClean="0">
+                <a:latin typeface="Times New Roman" panose="02020603050405020304" pitchFamily="18" charset="0"/>
+                <a:cs typeface="Times New Roman" panose="02020603050405020304" pitchFamily="18" charset="0"/>
+              </a:rPr>
+              <a:t>, and D. </a:t>
+            </a:r>
+            <a:r>
+              <a:rPr lang="en-US" altLang="ko-KR" sz="1050" dirty="0" err="1" smtClean="0">
+                <a:latin typeface="Times New Roman" panose="02020603050405020304" pitchFamily="18" charset="0"/>
+                <a:cs typeface="Times New Roman" panose="02020603050405020304" pitchFamily="18" charset="0"/>
+              </a:rPr>
+              <a:t>Mittleman</a:t>
+            </a:r>
+            <a:r>
+              <a:rPr lang="en-US" altLang="ko-KR" sz="1050" dirty="0" smtClean="0">
+                <a:latin typeface="Times New Roman" panose="02020603050405020304" pitchFamily="18" charset="0"/>
+                <a:cs typeface="Times New Roman" panose="02020603050405020304" pitchFamily="18" charset="0"/>
+              </a:rPr>
+              <a:t>, “Material Parameter Estimation with Terahertz Time-Domain Spectroscopy,” </a:t>
+            </a:r>
+            <a:r>
+              <a:rPr lang="en-US" altLang="ko-KR" sz="1050" i="1" dirty="0" smtClean="0">
+                <a:latin typeface="Times New Roman" panose="02020603050405020304" pitchFamily="18" charset="0"/>
+                <a:cs typeface="Times New Roman" panose="02020603050405020304" pitchFamily="18" charset="0"/>
+              </a:rPr>
+              <a:t>Journal of the Optical Society of America A: Optics, Image Science, and Vision</a:t>
+            </a:r>
+            <a:r>
+              <a:rPr lang="en-US" altLang="ko-KR" sz="1050" dirty="0" smtClean="0">
+                <a:latin typeface="Times New Roman" panose="02020603050405020304" pitchFamily="18" charset="0"/>
+                <a:cs typeface="Times New Roman" panose="02020603050405020304" pitchFamily="18" charset="0"/>
+              </a:rPr>
+              <a:t>, Vol. 18, No. 7, 2001.</a:t>
+            </a:r>
+            <a:endParaRPr lang="en-US" altLang="ko-KR" sz="1050" dirty="0" smtClean="0">
+              <a:latin typeface="Times New Roman" panose="02020603050405020304" pitchFamily="18" charset="0"/>
+              <a:cs typeface="Times New Roman" panose="02020603050405020304" pitchFamily="18" charset="0"/>
+            </a:endParaRPr>
           </a:p>
         </p:txBody>
       </p:sp>
     </p:spTree>
     <p:extLst>
       <p:ext uri="{BB962C8B-B14F-4D97-AF65-F5344CB8AC3E}">
-        <p14:creationId xmlns:p14="http://schemas.microsoft.com/office/powerpoint/2010/main" val="2598623329"/>
+        <p14:creationId xmlns:p14="http://schemas.microsoft.com/office/powerpoint/2010/main" val="1815956482"/>
       </p:ext>
     </p:extLst>
   </p:cSld>
@@ -4646,6 +5064,305 @@
                 </a:solidFill>
                 <a:latin typeface="Arial" panose="020B0604020202020204" pitchFamily="34" charset="0"/>
               </a:rPr>
+              <a:t>2.3 Reflection-Mode </a:t>
+            </a:r>
+            <a:r>
+              <a:rPr lang="en-US" altLang="ko-KR" sz="2800" dirty="0" smtClean="0">
+                <a:solidFill>
+                  <a:schemeClr val="bg1"/>
+                </a:solidFill>
+                <a:latin typeface="Arial" panose="020B0604020202020204" pitchFamily="34" charset="0"/>
+              </a:rPr>
+              <a:t>Terahertz </a:t>
+            </a:r>
+            <a:r>
+              <a:rPr lang="en-US" altLang="ko-KR" sz="2800" dirty="0" smtClean="0">
+                <a:solidFill>
+                  <a:schemeClr val="bg1"/>
+                </a:solidFill>
+                <a:latin typeface="Arial" panose="020B0604020202020204" pitchFamily="34" charset="0"/>
+              </a:rPr>
+              <a:t>TDS: Single Reflection</a:t>
+            </a:r>
+            <a:endParaRPr lang="en-US" altLang="ko-KR" sz="2800" dirty="0" smtClean="0">
+              <a:solidFill>
+                <a:schemeClr val="bg1"/>
+              </a:solidFill>
+              <a:latin typeface="Arial" panose="020B0604020202020204" pitchFamily="34" charset="0"/>
+            </a:endParaRPr>
+          </a:p>
+        </p:txBody>
+      </p:sp>
+      <p:sp>
+        <p:nvSpPr>
+          <p:cNvPr id="3" name="TextBox 2"/>
+          <p:cNvSpPr txBox="1"/>
+          <p:nvPr/>
+        </p:nvSpPr>
+        <p:spPr>
+          <a:xfrm>
+            <a:off x="345758" y="834251"/>
+            <a:ext cx="8560849" cy="646331"/>
+          </a:xfrm>
+          <a:prstGeom prst="rect">
+            <a:avLst/>
+          </a:prstGeom>
+          <a:noFill/>
+        </p:spPr>
+        <p:txBody>
+          <a:bodyPr wrap="square" rtlCol="0">
+            <a:spAutoFit/>
+          </a:bodyPr>
+          <a:lstStyle/>
+          <a:p>
+            <a:r>
+              <a:rPr lang="en-US" altLang="ko-KR" dirty="0" smtClean="0"/>
+              <a:t>Single reflection </a:t>
+            </a:r>
+            <a:r>
+              <a:rPr lang="en-US" altLang="ko-KR" dirty="0" smtClean="0">
+                <a:sym typeface="Wingdings" panose="05000000000000000000" pitchFamily="2" charset="2"/>
+              </a:rPr>
+              <a:t> Two scan (reference</a:t>
+            </a:r>
+            <a:r>
+              <a:rPr lang="en-US" altLang="ko-KR" smtClean="0">
+                <a:sym typeface="Wingdings" panose="05000000000000000000" pitchFamily="2" charset="2"/>
+              </a:rPr>
+              <a:t>, sample)</a:t>
+            </a:r>
+            <a:endParaRPr lang="en-US" altLang="ko-KR" dirty="0" smtClean="0">
+              <a:sym typeface="Wingdings" panose="05000000000000000000" pitchFamily="2" charset="2"/>
+            </a:endParaRPr>
+          </a:p>
+          <a:p>
+            <a:r>
+              <a:rPr lang="en-US" altLang="ko-KR" dirty="0" smtClean="0">
+                <a:sym typeface="Wingdings" panose="05000000000000000000" pitchFamily="2" charset="2"/>
+              </a:rPr>
+              <a:t>Double reflection  One scan (combined)</a:t>
+            </a:r>
+            <a:endParaRPr lang="ko-KR" altLang="en-US" dirty="0"/>
+          </a:p>
+        </p:txBody>
+      </p:sp>
+      <p:sp>
+        <p:nvSpPr>
+          <p:cNvPr id="4" name="TextBox 3"/>
+          <p:cNvSpPr txBox="1"/>
+          <p:nvPr/>
+        </p:nvSpPr>
+        <p:spPr>
+          <a:xfrm>
+            <a:off x="563750" y="1622683"/>
+            <a:ext cx="3199357" cy="400110"/>
+          </a:xfrm>
+          <a:prstGeom prst="rect">
+            <a:avLst/>
+          </a:prstGeom>
+          <a:noFill/>
+        </p:spPr>
+        <p:txBody>
+          <a:bodyPr wrap="square" rtlCol="0">
+            <a:spAutoFit/>
+          </a:bodyPr>
+          <a:lstStyle/>
+          <a:p>
+            <a:r>
+              <a:rPr lang="en-US" altLang="ko-KR" sz="2000" dirty="0" smtClean="0">
+                <a:solidFill>
+                  <a:srgbClr val="3333FF"/>
+                </a:solidFill>
+              </a:rPr>
+              <a:t>Gradient-Descent Algorithm</a:t>
+            </a:r>
+            <a:endParaRPr lang="ko-KR" altLang="en-US" sz="2000" dirty="0">
+              <a:solidFill>
+                <a:srgbClr val="3333FF"/>
+              </a:solidFill>
+            </a:endParaRPr>
+          </a:p>
+        </p:txBody>
+      </p:sp>
+      <p:sp>
+        <p:nvSpPr>
+          <p:cNvPr id="8" name="TextBox 7"/>
+          <p:cNvSpPr txBox="1"/>
+          <p:nvPr/>
+        </p:nvSpPr>
+        <p:spPr>
+          <a:xfrm>
+            <a:off x="268165" y="6338128"/>
+            <a:ext cx="8607669" cy="415498"/>
+          </a:xfrm>
+          <a:prstGeom prst="rect">
+            <a:avLst/>
+          </a:prstGeom>
+          <a:noFill/>
+        </p:spPr>
+        <p:txBody>
+          <a:bodyPr wrap="square" rtlCol="0">
+            <a:spAutoFit/>
+          </a:bodyPr>
+          <a:lstStyle/>
+          <a:p>
+            <a:r>
+              <a:rPr lang="en-US" altLang="ko-KR" sz="1050" dirty="0" err="1" smtClean="0">
+                <a:latin typeface="Times New Roman" panose="02020603050405020304" pitchFamily="18" charset="0"/>
+                <a:cs typeface="Times New Roman" panose="02020603050405020304" pitchFamily="18" charset="0"/>
+              </a:rPr>
+              <a:t>Dorney</a:t>
+            </a:r>
+            <a:r>
+              <a:rPr lang="en-US" altLang="ko-KR" sz="1050" dirty="0" smtClean="0">
+                <a:latin typeface="Times New Roman" panose="02020603050405020304" pitchFamily="18" charset="0"/>
+                <a:cs typeface="Times New Roman" panose="02020603050405020304" pitchFamily="18" charset="0"/>
+              </a:rPr>
+              <a:t>, T., R. </a:t>
+            </a:r>
+            <a:r>
+              <a:rPr lang="en-US" altLang="ko-KR" sz="1050" dirty="0" err="1" smtClean="0">
+                <a:latin typeface="Times New Roman" panose="02020603050405020304" pitchFamily="18" charset="0"/>
+                <a:cs typeface="Times New Roman" panose="02020603050405020304" pitchFamily="18" charset="0"/>
+              </a:rPr>
+              <a:t>Baraniuk</a:t>
+            </a:r>
+            <a:r>
+              <a:rPr lang="en-US" altLang="ko-KR" sz="1050" dirty="0" smtClean="0">
+                <a:latin typeface="Times New Roman" panose="02020603050405020304" pitchFamily="18" charset="0"/>
+                <a:cs typeface="Times New Roman" panose="02020603050405020304" pitchFamily="18" charset="0"/>
+              </a:rPr>
+              <a:t>, and D. </a:t>
+            </a:r>
+            <a:r>
+              <a:rPr lang="en-US" altLang="ko-KR" sz="1050" dirty="0" err="1" smtClean="0">
+                <a:latin typeface="Times New Roman" panose="02020603050405020304" pitchFamily="18" charset="0"/>
+                <a:cs typeface="Times New Roman" panose="02020603050405020304" pitchFamily="18" charset="0"/>
+              </a:rPr>
+              <a:t>Mittleman</a:t>
+            </a:r>
+            <a:r>
+              <a:rPr lang="en-US" altLang="ko-KR" sz="1050" dirty="0" smtClean="0">
+                <a:latin typeface="Times New Roman" panose="02020603050405020304" pitchFamily="18" charset="0"/>
+                <a:cs typeface="Times New Roman" panose="02020603050405020304" pitchFamily="18" charset="0"/>
+              </a:rPr>
+              <a:t>, “Material Parameter Estimation with Terahertz Time-Domain Spectroscopy,” </a:t>
+            </a:r>
+            <a:r>
+              <a:rPr lang="en-US" altLang="ko-KR" sz="1050" i="1" dirty="0" smtClean="0">
+                <a:latin typeface="Times New Roman" panose="02020603050405020304" pitchFamily="18" charset="0"/>
+                <a:cs typeface="Times New Roman" panose="02020603050405020304" pitchFamily="18" charset="0"/>
+              </a:rPr>
+              <a:t>Journal of the Optical Society of America A: Optics, Image Science, and Vision</a:t>
+            </a:r>
+            <a:r>
+              <a:rPr lang="en-US" altLang="ko-KR" sz="1050" dirty="0" smtClean="0">
+                <a:latin typeface="Times New Roman" panose="02020603050405020304" pitchFamily="18" charset="0"/>
+                <a:cs typeface="Times New Roman" panose="02020603050405020304" pitchFamily="18" charset="0"/>
+              </a:rPr>
+              <a:t>, Vol. 18, No. 7, 2001.</a:t>
+            </a:r>
+            <a:endParaRPr lang="en-US" altLang="ko-KR" sz="1050" dirty="0" smtClean="0">
+              <a:latin typeface="Times New Roman" panose="02020603050405020304" pitchFamily="18" charset="0"/>
+              <a:cs typeface="Times New Roman" panose="02020603050405020304" pitchFamily="18" charset="0"/>
+            </a:endParaRPr>
+          </a:p>
+        </p:txBody>
+      </p:sp>
+    </p:spTree>
+    <p:extLst>
+      <p:ext uri="{BB962C8B-B14F-4D97-AF65-F5344CB8AC3E}">
+        <p14:creationId xmlns:p14="http://schemas.microsoft.com/office/powerpoint/2010/main" val="365023226"/>
+      </p:ext>
+    </p:extLst>
+  </p:cSld>
+  <p:clrMapOvr>
+    <a:masterClrMapping/>
+  </p:clrMapOvr>
+  <p:timing>
+    <p:tnLst>
+      <p:par>
+        <p:cTn id="1" dur="indefinite" restart="never" nodeType="tmRoot"/>
+      </p:par>
+    </p:tnLst>
+  </p:timing>
+</p:sld>
+</file>
+
+<file path=ppt/slides/slide12.xml><?xml version="1.0" encoding="utf-8"?>
+<p:sld xmlns:a="http://schemas.openxmlformats.org/drawingml/2006/main" xmlns:r="http://schemas.openxmlformats.org/officeDocument/2006/relationships" xmlns:p="http://schemas.openxmlformats.org/presentationml/2006/main">
+  <p:cSld>
+    <p:spTree>
+      <p:nvGrpSpPr>
+        <p:cNvPr id="1" name=""/>
+        <p:cNvGrpSpPr/>
+        <p:nvPr/>
+      </p:nvGrpSpPr>
+      <p:grpSpPr>
+        <a:xfrm>
+          <a:off x="0" y="0"/>
+          <a:ext cx="0" cy="0"/>
+          <a:chOff x="0" y="0"/>
+          <a:chExt cx="0" cy="0"/>
+        </a:xfrm>
+      </p:grpSpPr>
+      <p:sp>
+        <p:nvSpPr>
+          <p:cNvPr id="6199" name="Rectangle 55"/>
+          <p:cNvSpPr>
+            <a:spLocks noChangeArrowheads="1"/>
+          </p:cNvSpPr>
+          <p:nvPr/>
+        </p:nvSpPr>
+        <p:spPr bwMode="auto">
+          <a:xfrm>
+            <a:off x="0" y="0"/>
+            <a:ext cx="9144000" cy="692150"/>
+          </a:xfrm>
+          <a:prstGeom prst="rect">
+            <a:avLst/>
+          </a:prstGeom>
+          <a:solidFill>
+            <a:srgbClr val="3333FF"/>
+          </a:solidFill>
+          <a:ln>
+            <a:noFill/>
+          </a:ln>
+          <a:effectLst/>
+          <a:extLst>
+            <a:ext uri="{91240B29-F687-4F45-9708-019B960494DF}">
+              <a14:hiddenLine xmlns:a14="http://schemas.microsoft.com/office/drawing/2010/main" w="9525">
+                <a:solidFill>
+                  <a:schemeClr val="tx1"/>
+                </a:solidFill>
+                <a:miter lim="800000"/>
+                <a:headEnd/>
+                <a:tailEnd/>
+              </a14:hiddenLine>
+            </a:ext>
+            <a:ext uri="{AF507438-7753-43E0-B8FC-AC1667EBCBE1}">
+              <a14:hiddenEffects xmlns:a14="http://schemas.microsoft.com/office/drawing/2010/main">
+                <a:effectLst>
+                  <a:outerShdw dist="35921" dir="2700000" algn="ctr" rotWithShape="0">
+                    <a:schemeClr val="bg2"/>
+                  </a:outerShdw>
+                </a:effectLst>
+              </a14:hiddenEffects>
+            </a:ext>
+          </a:extLst>
+        </p:spPr>
+        <p:txBody>
+          <a:bodyPr wrap="none" anchor="ctr"/>
+          <a:lstStyle/>
+          <a:p>
+            <a:pPr algn="ctr"/>
+            <a:r>
+              <a:rPr lang="en-US" altLang="ko-KR" sz="2800" dirty="0" smtClean="0">
+                <a:solidFill>
+                  <a:schemeClr val="bg1"/>
+                </a:solidFill>
+                <a:latin typeface="Arial" panose="020B0604020202020204" pitchFamily="34" charset="0"/>
+              </a:rPr>
               <a:t>References</a:t>
             </a:r>
             <a:endParaRPr lang="en-US" altLang="ko-KR" sz="2800" dirty="0">
@@ -4666,7 +5383,7 @@
         <p:spPr>
           <a:xfrm>
             <a:off x="268165" y="1362807"/>
-            <a:ext cx="8607669" cy="369332"/>
+            <a:ext cx="8607669" cy="923330"/>
           </a:xfrm>
           <a:prstGeom prst="rect">
             <a:avLst/>
@@ -4684,18 +5401,60 @@
               <a:buChar char="•"/>
             </a:pPr>
             <a:r>
-              <a:rPr lang="en-US" altLang="ko-KR" dirty="0">
+              <a:rPr lang="en-US" altLang="ko-KR" dirty="0" err="1" smtClean="0">
                 <a:latin typeface="Times New Roman" panose="02020603050405020304" pitchFamily="18" charset="0"/>
                 <a:cs typeface="Times New Roman" panose="02020603050405020304" pitchFamily="18" charset="0"/>
               </a:rPr>
-              <a:t>Clough, B., J. Dai, and X. –C. Zhang, </a:t>
+              <a:t>Dorney</a:t>
             </a:r>
             <a:r>
               <a:rPr lang="en-US" altLang="ko-KR" dirty="0" smtClean="0">
                 <a:latin typeface="Times New Roman" panose="02020603050405020304" pitchFamily="18" charset="0"/>
                 <a:cs typeface="Times New Roman" panose="02020603050405020304" pitchFamily="18" charset="0"/>
               </a:rPr>
-              <a:t>“</a:t>
+              <a:t>, T., R. </a:t>
+            </a:r>
+            <a:r>
+              <a:rPr lang="en-US" altLang="ko-KR" dirty="0" err="1" smtClean="0">
+                <a:latin typeface="Times New Roman" panose="02020603050405020304" pitchFamily="18" charset="0"/>
+                <a:cs typeface="Times New Roman" panose="02020603050405020304" pitchFamily="18" charset="0"/>
+              </a:rPr>
+              <a:t>Baraniuk</a:t>
+            </a:r>
+            <a:r>
+              <a:rPr lang="en-US" altLang="ko-KR" dirty="0" smtClean="0">
+                <a:latin typeface="Times New Roman" panose="02020603050405020304" pitchFamily="18" charset="0"/>
+                <a:cs typeface="Times New Roman" panose="02020603050405020304" pitchFamily="18" charset="0"/>
+              </a:rPr>
+              <a:t>, and D. </a:t>
+            </a:r>
+            <a:r>
+              <a:rPr lang="en-US" altLang="ko-KR" dirty="0" err="1" smtClean="0">
+                <a:latin typeface="Times New Roman" panose="02020603050405020304" pitchFamily="18" charset="0"/>
+                <a:cs typeface="Times New Roman" panose="02020603050405020304" pitchFamily="18" charset="0"/>
+              </a:rPr>
+              <a:t>Mittleman</a:t>
+            </a:r>
+            <a:r>
+              <a:rPr lang="en-US" altLang="ko-KR" dirty="0" smtClean="0">
+                <a:latin typeface="Times New Roman" panose="02020603050405020304" pitchFamily="18" charset="0"/>
+                <a:cs typeface="Times New Roman" panose="02020603050405020304" pitchFamily="18" charset="0"/>
+              </a:rPr>
+              <a:t>, “Material Parameter Estimation with Terahertz Time-Domain Spectroscopy,” </a:t>
+            </a:r>
+            <a:r>
+              <a:rPr lang="en-US" altLang="ko-KR" i="1" dirty="0" smtClean="0">
+                <a:latin typeface="Times New Roman" panose="02020603050405020304" pitchFamily="18" charset="0"/>
+                <a:cs typeface="Times New Roman" panose="02020603050405020304" pitchFamily="18" charset="0"/>
+              </a:rPr>
+              <a:t>Journal of the Optical Society of America A: Optics, Image Science, and Vision</a:t>
+            </a:r>
+            <a:r>
+              <a:rPr lang="en-US" altLang="ko-KR" dirty="0" smtClean="0">
+                <a:latin typeface="Times New Roman" panose="02020603050405020304" pitchFamily="18" charset="0"/>
+                <a:cs typeface="Times New Roman" panose="02020603050405020304" pitchFamily="18" charset="0"/>
+              </a:rPr>
+              <a:t>, Vol. 18, No. 7, 2001, pp. 1562-1571.</a:t>
             </a:r>
             <a:endParaRPr lang="en-US" altLang="ko-KR" dirty="0" smtClean="0">
               <a:latin typeface="Times New Roman" panose="02020603050405020304" pitchFamily="18" charset="0"/>
@@ -4833,12 +5592,6 @@
               </a:rPr>
               <a:t> and Wave Propagation</a:t>
             </a:r>
-            <a:endParaRPr lang="en-US" altLang="ko-KR" sz="1600" dirty="0" smtClean="0">
-              <a:solidFill>
-                <a:srgbClr val="3333FF"/>
-              </a:solidFill>
-              <a:latin typeface="Arial" panose="020B0604020202020204" pitchFamily="34" charset="0"/>
-            </a:endParaRPr>
           </a:p>
           <a:p>
             <a:pPr marL="342900" indent="-342900">
@@ -5359,8 +6112,8 @@
             <a:chExt cx="2997134" cy="1718193"/>
           </a:xfrm>
         </p:grpSpPr>
-        <mc:AlternateContent xmlns:mc="http://schemas.openxmlformats.org/markup-compatibility/2006">
-          <mc:Choice xmlns:a14="http://schemas.microsoft.com/office/drawing/2010/main" Requires="a14">
+        <mc:AlternateContent xmlns:mc="http://schemas.openxmlformats.org/markup-compatibility/2006" xmlns:a14="http://schemas.microsoft.com/office/drawing/2010/main">
+          <mc:Choice Requires="a14">
             <p:sp>
               <p:nvSpPr>
                 <p:cNvPr id="3" name="TextBox 2"/>
@@ -5383,6 +6136,7 @@
                 </a:bodyPr>
                 <a:lstStyle/>
                 <a:p>
+                  <a:pPr/>
                   <a14:m>
                     <m:oMathPara xmlns:m="http://schemas.openxmlformats.org/officeDocument/2006/math">
                       <m:oMathParaPr>
@@ -5483,7 +6237,7 @@
               </p:txBody>
             </p:sp>
           </mc:Choice>
-          <mc:Fallback>
+          <mc:Fallback xmlns="">
             <p:sp>
               <p:nvSpPr>
                 <p:cNvPr id="3" name="TextBox 2"/>
@@ -5522,8 +6276,8 @@
             </p:sp>
           </mc:Fallback>
         </mc:AlternateContent>
-        <mc:AlternateContent xmlns:mc="http://schemas.openxmlformats.org/markup-compatibility/2006">
-          <mc:Choice xmlns:a14="http://schemas.microsoft.com/office/drawing/2010/main" Requires="a14">
+        <mc:AlternateContent xmlns:mc="http://schemas.openxmlformats.org/markup-compatibility/2006" xmlns:a14="http://schemas.microsoft.com/office/drawing/2010/main">
+          <mc:Choice Requires="a14">
             <p:sp>
               <p:nvSpPr>
                 <p:cNvPr id="5" name="TextBox 4"/>
@@ -5546,6 +6300,7 @@
                 </a:bodyPr>
                 <a:lstStyle/>
                 <a:p>
+                  <a:pPr/>
                   <a14:m>
                     <m:oMathPara xmlns:m="http://schemas.openxmlformats.org/officeDocument/2006/math">
                       <m:oMathParaPr>
@@ -5630,7 +6385,7 @@
               </p:txBody>
             </p:sp>
           </mc:Choice>
-          <mc:Fallback>
+          <mc:Fallback xmlns="">
             <p:sp>
               <p:nvSpPr>
                 <p:cNvPr id="5" name="TextBox 4"/>
@@ -5746,8 +6501,8 @@
           </p:txBody>
         </p:sp>
       </p:grpSp>
-      <mc:AlternateContent xmlns:mc="http://schemas.openxmlformats.org/markup-compatibility/2006">
-        <mc:Choice xmlns:a14="http://schemas.microsoft.com/office/drawing/2010/main" Requires="a14">
+      <mc:AlternateContent xmlns:mc="http://schemas.openxmlformats.org/markup-compatibility/2006" xmlns:a14="http://schemas.microsoft.com/office/drawing/2010/main">
+        <mc:Choice Requires="a14">
           <p:sp>
             <p:nvSpPr>
               <p:cNvPr id="8" name="TextBox 7"/>
@@ -5770,6 +6525,7 @@
               </a:bodyPr>
               <a:lstStyle/>
               <a:p>
+                <a:pPr/>
                 <a14:m>
                   <m:oMathPara xmlns:m="http://schemas.openxmlformats.org/officeDocument/2006/math">
                     <m:oMathParaPr>
@@ -5964,7 +6720,7 @@
             </p:txBody>
           </p:sp>
         </mc:Choice>
-        <mc:Fallback>
+        <mc:Fallback xmlns="">
           <p:sp>
             <p:nvSpPr>
               <p:cNvPr id="8" name="TextBox 7"/>
@@ -6003,8 +6759,8 @@
           </p:sp>
         </mc:Fallback>
       </mc:AlternateContent>
-      <mc:AlternateContent xmlns:mc="http://schemas.openxmlformats.org/markup-compatibility/2006">
-        <mc:Choice xmlns:a14="http://schemas.microsoft.com/office/drawing/2010/main" Requires="a14">
+      <mc:AlternateContent xmlns:mc="http://schemas.openxmlformats.org/markup-compatibility/2006" xmlns:a14="http://schemas.microsoft.com/office/drawing/2010/main">
+        <mc:Choice Requires="a14">
           <p:sp>
             <p:nvSpPr>
               <p:cNvPr id="10" name="TextBox 9"/>
@@ -6027,6 +6783,7 @@
               </a:bodyPr>
               <a:lstStyle/>
               <a:p>
+                <a:pPr/>
                 <a14:m>
                   <m:oMathPara xmlns:m="http://schemas.openxmlformats.org/officeDocument/2006/math">
                     <m:oMathParaPr>
@@ -6224,7 +6981,7 @@
             </p:txBody>
           </p:sp>
         </mc:Choice>
-        <mc:Fallback>
+        <mc:Fallback xmlns="">
           <p:sp>
             <p:nvSpPr>
               <p:cNvPr id="10" name="TextBox 9"/>
@@ -6277,8 +7034,8 @@
             <a:chExt cx="1318846" cy="653260"/>
           </a:xfrm>
         </p:grpSpPr>
-        <mc:AlternateContent xmlns:mc="http://schemas.openxmlformats.org/markup-compatibility/2006">
-          <mc:Choice xmlns:a14="http://schemas.microsoft.com/office/drawing/2010/main" Requires="a14">
+        <mc:AlternateContent xmlns:mc="http://schemas.openxmlformats.org/markup-compatibility/2006" xmlns:a14="http://schemas.microsoft.com/office/drawing/2010/main">
+          <mc:Choice Requires="a14">
             <p:sp>
               <p:nvSpPr>
                 <p:cNvPr id="4" name="TextBox 3"/>
@@ -6301,6 +7058,7 @@
                 </a:bodyPr>
                 <a:lstStyle/>
                 <a:p>
+                  <a:pPr/>
                   <a14:m>
                     <m:oMathPara xmlns:m="http://schemas.openxmlformats.org/officeDocument/2006/math">
                       <m:oMathParaPr>
@@ -6376,7 +7134,7 @@
               </p:txBody>
             </p:sp>
           </mc:Choice>
-          <mc:Fallback>
+          <mc:Fallback xmlns="">
             <p:sp>
               <p:nvSpPr>
                 <p:cNvPr id="4" name="TextBox 3"/>
@@ -6504,8 +7262,8 @@
           </a:p>
         </p:txBody>
       </p:sp>
-      <mc:AlternateContent xmlns:mc="http://schemas.openxmlformats.org/markup-compatibility/2006">
-        <mc:Choice xmlns:a14="http://schemas.microsoft.com/office/drawing/2010/main" Requires="a14">
+      <mc:AlternateContent xmlns:mc="http://schemas.openxmlformats.org/markup-compatibility/2006" xmlns:a14="http://schemas.microsoft.com/office/drawing/2010/main">
+        <mc:Choice Requires="a14">
           <p:sp>
             <p:nvSpPr>
               <p:cNvPr id="13" name="TextBox 12"/>
@@ -6528,6 +7286,7 @@
               </a:bodyPr>
               <a:lstStyle/>
               <a:p>
+                <a:pPr/>
                 <a14:m>
                   <m:oMathPara xmlns:m="http://schemas.openxmlformats.org/officeDocument/2006/math">
                     <m:oMathParaPr>
@@ -6784,7 +7543,7 @@
             </p:txBody>
           </p:sp>
         </mc:Choice>
-        <mc:Fallback>
+        <mc:Fallback xmlns="">
           <p:sp>
             <p:nvSpPr>
               <p:cNvPr id="13" name="TextBox 12"/>
@@ -6823,8 +7582,8 @@
           </p:sp>
         </mc:Fallback>
       </mc:AlternateContent>
-      <mc:AlternateContent xmlns:mc="http://schemas.openxmlformats.org/markup-compatibility/2006">
-        <mc:Choice xmlns:a14="http://schemas.microsoft.com/office/drawing/2010/main" Requires="a14">
+      <mc:AlternateContent xmlns:mc="http://schemas.openxmlformats.org/markup-compatibility/2006" xmlns:a14="http://schemas.microsoft.com/office/drawing/2010/main">
+        <mc:Choice Requires="a14">
           <p:sp>
             <p:nvSpPr>
               <p:cNvPr id="16" name="TextBox 15"/>
@@ -6847,6 +7606,7 @@
               </a:bodyPr>
               <a:lstStyle/>
               <a:p>
+                <a:pPr/>
                 <a14:m>
                   <m:oMathPara xmlns:m="http://schemas.openxmlformats.org/officeDocument/2006/math">
                     <m:oMathParaPr>
@@ -7147,7 +7907,7 @@
             </p:txBody>
           </p:sp>
         </mc:Choice>
-        <mc:Fallback>
+        <mc:Fallback xmlns="">
           <p:sp>
             <p:nvSpPr>
               <p:cNvPr id="16" name="TextBox 15"/>
@@ -7309,8 +8069,8 @@
           </a:prstGeom>
         </p:spPr>
       </p:pic>
-      <mc:AlternateContent xmlns:mc="http://schemas.openxmlformats.org/markup-compatibility/2006">
-        <mc:Choice xmlns:a14="http://schemas.microsoft.com/office/drawing/2010/main" Requires="a14">
+      <mc:AlternateContent xmlns:mc="http://schemas.openxmlformats.org/markup-compatibility/2006" xmlns:a14="http://schemas.microsoft.com/office/drawing/2010/main">
+        <mc:Choice Requires="a14">
           <p:sp>
             <p:nvSpPr>
               <p:cNvPr id="3" name="TextBox 2"/>
@@ -7333,6 +8093,7 @@
               </a:bodyPr>
               <a:lstStyle/>
               <a:p>
+                <a:pPr/>
                 <a14:m>
                   <m:oMathPara xmlns:m="http://schemas.openxmlformats.org/officeDocument/2006/math">
                     <m:oMathParaPr>
@@ -7655,7 +8416,7 @@
             </p:txBody>
           </p:sp>
         </mc:Choice>
-        <mc:Fallback>
+        <mc:Fallback xmlns="">
           <p:sp>
             <p:nvSpPr>
               <p:cNvPr id="3" name="TextBox 2"/>
@@ -7694,8 +8455,8 @@
           </p:sp>
         </mc:Fallback>
       </mc:AlternateContent>
-      <mc:AlternateContent xmlns:mc="http://schemas.openxmlformats.org/markup-compatibility/2006">
-        <mc:Choice xmlns:a14="http://schemas.microsoft.com/office/drawing/2010/main" Requires="a14">
+      <mc:AlternateContent xmlns:mc="http://schemas.openxmlformats.org/markup-compatibility/2006" xmlns:a14="http://schemas.microsoft.com/office/drawing/2010/main">
+        <mc:Choice Requires="a14">
           <p:sp>
             <p:nvSpPr>
               <p:cNvPr id="5" name="TextBox 4"/>
@@ -7718,6 +8479,7 @@
               </a:bodyPr>
               <a:lstStyle/>
               <a:p>
+                <a:pPr/>
                 <a14:m>
                   <m:oMathPara xmlns:m="http://schemas.openxmlformats.org/officeDocument/2006/math">
                     <m:oMathParaPr>
@@ -8124,7 +8886,7 @@
             </p:txBody>
           </p:sp>
         </mc:Choice>
-        <mc:Fallback>
+        <mc:Fallback xmlns="">
           <p:sp>
             <p:nvSpPr>
               <p:cNvPr id="5" name="TextBox 4"/>
@@ -8163,8 +8925,8 @@
           </p:sp>
         </mc:Fallback>
       </mc:AlternateContent>
-      <mc:AlternateContent xmlns:mc="http://schemas.openxmlformats.org/markup-compatibility/2006">
-        <mc:Choice xmlns:a14="http://schemas.microsoft.com/office/drawing/2010/main" Requires="a14">
+      <mc:AlternateContent xmlns:mc="http://schemas.openxmlformats.org/markup-compatibility/2006" xmlns:a14="http://schemas.microsoft.com/office/drawing/2010/main">
+        <mc:Choice Requires="a14">
           <p:sp>
             <p:nvSpPr>
               <p:cNvPr id="6" name="TextBox 5"/>
@@ -8187,6 +8949,7 @@
               </a:bodyPr>
               <a:lstStyle/>
               <a:p>
+                <a:pPr/>
                 <a14:m>
                   <m:oMathPara xmlns:m="http://schemas.openxmlformats.org/officeDocument/2006/math">
                     <m:oMathParaPr>
@@ -8509,7 +9272,7 @@
             </p:txBody>
           </p:sp>
         </mc:Choice>
-        <mc:Fallback>
+        <mc:Fallback xmlns="">
           <p:sp>
             <p:nvSpPr>
               <p:cNvPr id="6" name="TextBox 5"/>
@@ -8548,8 +9311,8 @@
           </p:sp>
         </mc:Fallback>
       </mc:AlternateContent>
-      <mc:AlternateContent xmlns:mc="http://schemas.openxmlformats.org/markup-compatibility/2006">
-        <mc:Choice xmlns:a14="http://schemas.microsoft.com/office/drawing/2010/main" Requires="a14">
+      <mc:AlternateContent xmlns:mc="http://schemas.openxmlformats.org/markup-compatibility/2006" xmlns:a14="http://schemas.microsoft.com/office/drawing/2010/main">
+        <mc:Choice Requires="a14">
           <p:sp>
             <p:nvSpPr>
               <p:cNvPr id="7" name="TextBox 6"/>
@@ -8572,6 +9335,7 @@
               </a:bodyPr>
               <a:lstStyle/>
               <a:p>
+                <a:pPr/>
                 <a14:m>
                   <m:oMathPara xmlns:m="http://schemas.openxmlformats.org/officeDocument/2006/math">
                     <m:oMathParaPr>
@@ -8978,7 +9742,7 @@
             </p:txBody>
           </p:sp>
         </mc:Choice>
-        <mc:Fallback>
+        <mc:Fallback xmlns="">
           <p:sp>
             <p:nvSpPr>
               <p:cNvPr id="7" name="TextBox 6"/>
@@ -9017,8 +9781,8 @@
           </p:sp>
         </mc:Fallback>
       </mc:AlternateContent>
-      <mc:AlternateContent xmlns:mc="http://schemas.openxmlformats.org/markup-compatibility/2006">
-        <mc:Choice xmlns:a14="http://schemas.microsoft.com/office/drawing/2010/main" Requires="a14">
+      <mc:AlternateContent xmlns:mc="http://schemas.openxmlformats.org/markup-compatibility/2006" xmlns:a14="http://schemas.microsoft.com/office/drawing/2010/main">
+        <mc:Choice Requires="a14">
           <p:sp>
             <p:nvSpPr>
               <p:cNvPr id="4" name="TextBox 3"/>
@@ -9041,6 +9805,7 @@
               </a:bodyPr>
               <a:lstStyle/>
               <a:p>
+                <a:pPr/>
                 <a14:m>
                   <m:oMathPara xmlns:m="http://schemas.openxmlformats.org/officeDocument/2006/math">
                     <m:oMathParaPr>
@@ -9139,7 +9904,7 @@
             </p:txBody>
           </p:sp>
         </mc:Choice>
-        <mc:Fallback>
+        <mc:Fallback xmlns="">
           <p:sp>
             <p:nvSpPr>
               <p:cNvPr id="4" name="TextBox 3"/>
@@ -9178,8 +9943,8 @@
           </p:sp>
         </mc:Fallback>
       </mc:AlternateContent>
-      <mc:AlternateContent xmlns:mc="http://schemas.openxmlformats.org/markup-compatibility/2006">
-        <mc:Choice xmlns:a14="http://schemas.microsoft.com/office/drawing/2010/main" Requires="a14">
+      <mc:AlternateContent xmlns:mc="http://schemas.openxmlformats.org/markup-compatibility/2006" xmlns:a14="http://schemas.microsoft.com/office/drawing/2010/main">
+        <mc:Choice Requires="a14">
           <p:sp>
             <p:nvSpPr>
               <p:cNvPr id="8" name="TextBox 7"/>
@@ -9202,6 +9967,7 @@
               </a:bodyPr>
               <a:lstStyle/>
               <a:p>
+                <a:pPr/>
                 <a14:m>
                   <m:oMathPara xmlns:m="http://schemas.openxmlformats.org/officeDocument/2006/math">
                     <m:oMathParaPr>
@@ -9347,7 +10113,7 @@
             </p:txBody>
           </p:sp>
         </mc:Choice>
-        <mc:Fallback>
+        <mc:Fallback xmlns="">
           <p:sp>
             <p:nvSpPr>
               <p:cNvPr id="8" name="TextBox 7"/>
@@ -9627,15 +10393,383 @@
                 </a:solidFill>
                 <a:latin typeface="Arial" panose="020B0604020202020204" pitchFamily="34" charset="0"/>
               </a:rPr>
-              <a:t>1.3 Plane Wave Propagation Through a Dielectric Slab</a:t>
+              <a:t>1.4 </a:t>
+            </a:r>
+            <a:r>
+              <a:rPr lang="en-US" altLang="ko-KR" sz="2800" dirty="0" err="1" smtClean="0">
+                <a:solidFill>
+                  <a:schemeClr val="bg1"/>
+                </a:solidFill>
+                <a:latin typeface="Arial" panose="020B0604020202020204" pitchFamily="34" charset="0"/>
+              </a:rPr>
+              <a:t>Fabry-Pérot</a:t>
+            </a:r>
+            <a:r>
+              <a:rPr lang="en-US" altLang="ko-KR" sz="2800" dirty="0" smtClean="0">
+                <a:solidFill>
+                  <a:schemeClr val="bg1"/>
+                </a:solidFill>
+                <a:latin typeface="Arial" panose="020B0604020202020204" pitchFamily="34" charset="0"/>
+              </a:rPr>
+              <a:t> Effect</a:t>
             </a:r>
           </a:p>
         </p:txBody>
       </p:sp>
+      <p:pic>
+        <p:nvPicPr>
+          <p:cNvPr id="2" name="그림 1"/>
+          <p:cNvPicPr>
+            <a:picLocks noChangeAspect="1"/>
+          </p:cNvPicPr>
+          <p:nvPr/>
+        </p:nvPicPr>
+        <p:blipFill>
+          <a:blip r:embed="rId3"/>
+          <a:stretch>
+            <a:fillRect/>
+          </a:stretch>
+        </p:blipFill>
+        <p:spPr>
+          <a:xfrm>
+            <a:off x="0" y="1264627"/>
+            <a:ext cx="4460382" cy="2647950"/>
+          </a:xfrm>
+          <a:prstGeom prst="rect">
+            <a:avLst/>
+          </a:prstGeom>
+        </p:spPr>
+      </p:pic>
+      <p:pic>
+        <p:nvPicPr>
+          <p:cNvPr id="3" name="그림 2"/>
+          <p:cNvPicPr>
+            <a:picLocks noChangeAspect="1"/>
+          </p:cNvPicPr>
+          <p:nvPr/>
+        </p:nvPicPr>
+        <p:blipFill>
+          <a:blip r:embed="rId4"/>
+          <a:stretch>
+            <a:fillRect/>
+          </a:stretch>
+        </p:blipFill>
+        <p:spPr>
+          <a:xfrm>
+            <a:off x="4738177" y="1264627"/>
+            <a:ext cx="4405823" cy="2761517"/>
+          </a:xfrm>
+          <a:prstGeom prst="rect">
+            <a:avLst/>
+          </a:prstGeom>
+        </p:spPr>
+      </p:pic>
+      <mc:AlternateContent xmlns:mc="http://schemas.openxmlformats.org/markup-compatibility/2006">
+        <mc:Choice xmlns:a14="http://schemas.microsoft.com/office/drawing/2010/main" Requires="a14">
+          <p:sp>
+            <p:nvSpPr>
+              <p:cNvPr id="4" name="TextBox 3"/>
+              <p:cNvSpPr txBox="1"/>
+              <p:nvPr/>
+            </p:nvSpPr>
+            <p:spPr>
+              <a:xfrm>
+                <a:off x="4050479" y="4290091"/>
+                <a:ext cx="1043042" cy="532325"/>
+              </a:xfrm>
+              <a:prstGeom prst="rect">
+                <a:avLst/>
+              </a:prstGeom>
+              <a:noFill/>
+            </p:spPr>
+            <p:txBody>
+              <a:bodyPr wrap="none" lIns="0" tIns="0" rIns="0" bIns="0" rtlCol="0">
+                <a:spAutoFit/>
+              </a:bodyPr>
+              <a:lstStyle/>
+              <a:p>
+                <a14:m>
+                  <m:oMathPara xmlns:m="http://schemas.openxmlformats.org/officeDocument/2006/math">
+                    <m:oMathParaPr>
+                      <m:jc m:val="centerGroup"/>
+                    </m:oMathParaPr>
+                    <m:oMath xmlns:m="http://schemas.openxmlformats.org/officeDocument/2006/math">
+                      <m:r>
+                        <a:rPr lang="ko-KR" altLang="en-US" i="1" smtClean="0">
+                          <a:latin typeface="Cambria Math" panose="02040503050406030204" pitchFamily="18" charset="0"/>
+                        </a:rPr>
+                        <m:t>∆</m:t>
+                      </m:r>
+                      <m:r>
+                        <a:rPr lang="en-US" altLang="ko-KR" b="0" i="1" smtClean="0">
+                          <a:latin typeface="Cambria Math" panose="02040503050406030204" pitchFamily="18" charset="0"/>
+                        </a:rPr>
+                        <m:t>𝑡</m:t>
+                      </m:r>
+                      <m:r>
+                        <a:rPr lang="en-US" altLang="ko-KR" b="0" i="1" smtClean="0">
+                          <a:latin typeface="Cambria Math" panose="02040503050406030204" pitchFamily="18" charset="0"/>
+                        </a:rPr>
+                        <m:t>=</m:t>
+                      </m:r>
+                      <m:f>
+                        <m:fPr>
+                          <m:ctrlPr>
+                            <a:rPr lang="en-US" altLang="ko-KR" b="0" i="1" smtClean="0">
+                              <a:latin typeface="Cambria Math" panose="02040503050406030204" pitchFamily="18" charset="0"/>
+                            </a:rPr>
+                          </m:ctrlPr>
+                        </m:fPr>
+                        <m:num>
+                          <m:r>
+                            <a:rPr lang="en-US" altLang="ko-KR" b="0" i="1" smtClean="0">
+                              <a:latin typeface="Cambria Math" panose="02040503050406030204" pitchFamily="18" charset="0"/>
+                            </a:rPr>
+                            <m:t>2</m:t>
+                          </m:r>
+                          <m:sSub>
+                            <m:sSubPr>
+                              <m:ctrlPr>
+                                <a:rPr lang="en-US" altLang="ko-KR" b="0" i="1" smtClean="0">
+                                  <a:latin typeface="Cambria Math" panose="02040503050406030204" pitchFamily="18" charset="0"/>
+                                </a:rPr>
+                              </m:ctrlPr>
+                            </m:sSubPr>
+                            <m:e>
+                              <m:r>
+                                <a:rPr lang="en-US" altLang="ko-KR" b="0" i="1" smtClean="0">
+                                  <a:latin typeface="Cambria Math" panose="02040503050406030204" pitchFamily="18" charset="0"/>
+                                </a:rPr>
+                                <m:t>𝑛</m:t>
+                              </m:r>
+                            </m:e>
+                            <m:sub>
+                              <m:r>
+                                <a:rPr lang="en-US" altLang="ko-KR" b="0" i="1" smtClean="0">
+                                  <a:latin typeface="Cambria Math" panose="02040503050406030204" pitchFamily="18" charset="0"/>
+                                </a:rPr>
+                                <m:t>𝑔</m:t>
+                              </m:r>
+                            </m:sub>
+                          </m:sSub>
+                          <m:r>
+                            <a:rPr lang="en-US" altLang="ko-KR" b="0" i="1" smtClean="0">
+                              <a:latin typeface="Cambria Math" panose="02040503050406030204" pitchFamily="18" charset="0"/>
+                            </a:rPr>
+                            <m:t>𝑙</m:t>
+                          </m:r>
+                        </m:num>
+                        <m:den>
+                          <m:r>
+                            <a:rPr lang="en-US" altLang="ko-KR" b="0" i="1" smtClean="0">
+                              <a:latin typeface="Cambria Math" panose="02040503050406030204" pitchFamily="18" charset="0"/>
+                            </a:rPr>
+                            <m:t>𝑐</m:t>
+                          </m:r>
+                        </m:den>
+                      </m:f>
+                    </m:oMath>
+                  </m:oMathPara>
+                </a14:m>
+                <a:endParaRPr lang="ko-KR" altLang="en-US" dirty="0"/>
+              </a:p>
+            </p:txBody>
+          </p:sp>
+        </mc:Choice>
+        <mc:Fallback>
+          <p:sp>
+            <p:nvSpPr>
+              <p:cNvPr id="4" name="TextBox 3"/>
+              <p:cNvSpPr txBox="1">
+                <a:spLocks noRot="1" noChangeAspect="1" noMove="1" noResize="1" noEditPoints="1" noAdjustHandles="1" noChangeArrowheads="1" noChangeShapeType="1" noTextEdit="1"/>
+              </p:cNvSpPr>
+              <p:nvPr/>
+            </p:nvSpPr>
+            <p:spPr>
+              <a:xfrm>
+                <a:off x="4050479" y="4290091"/>
+                <a:ext cx="1043042" cy="532325"/>
+              </a:xfrm>
+              <a:prstGeom prst="rect">
+                <a:avLst/>
+              </a:prstGeom>
+              <a:blipFill rotWithShape="0">
+                <a:blip r:embed="rId5"/>
+                <a:stretch>
+                  <a:fillRect/>
+                </a:stretch>
+              </a:blipFill>
+            </p:spPr>
+            <p:txBody>
+              <a:bodyPr/>
+              <a:lstStyle/>
+              <a:p>
+                <a:r>
+                  <a:rPr lang="ko-KR" altLang="en-US">
+                    <a:noFill/>
+                  </a:rPr>
+                  <a:t> </a:t>
+                </a:r>
+              </a:p>
+            </p:txBody>
+          </p:sp>
+        </mc:Fallback>
+      </mc:AlternateContent>
+      <mc:AlternateContent xmlns:mc="http://schemas.openxmlformats.org/markup-compatibility/2006">
+        <mc:Choice xmlns:a14="http://schemas.microsoft.com/office/drawing/2010/main" Requires="a14">
+          <p:sp>
+            <p:nvSpPr>
+              <p:cNvPr id="5" name="TextBox 4"/>
+              <p:cNvSpPr txBox="1"/>
+              <p:nvPr/>
+            </p:nvSpPr>
+            <p:spPr>
+              <a:xfrm>
+                <a:off x="4032301" y="4923572"/>
+                <a:ext cx="1079398" cy="552715"/>
+              </a:xfrm>
+              <a:prstGeom prst="rect">
+                <a:avLst/>
+              </a:prstGeom>
+              <a:noFill/>
+            </p:spPr>
+            <p:txBody>
+              <a:bodyPr wrap="none" lIns="0" tIns="0" rIns="0" bIns="0" rtlCol="0">
+                <a:spAutoFit/>
+              </a:bodyPr>
+              <a:lstStyle/>
+              <a:p>
+                <a14:m>
+                  <m:oMathPara xmlns:m="http://schemas.openxmlformats.org/officeDocument/2006/math">
+                    <m:oMathParaPr>
+                      <m:jc m:val="centerGroup"/>
+                    </m:oMathParaPr>
+                    <m:oMath xmlns:m="http://schemas.openxmlformats.org/officeDocument/2006/math">
+                      <m:r>
+                        <a:rPr lang="ko-KR" altLang="en-US" i="1" smtClean="0">
+                          <a:latin typeface="Cambria Math" panose="02040503050406030204" pitchFamily="18" charset="0"/>
+                        </a:rPr>
+                        <m:t>∆</m:t>
+                      </m:r>
+                      <m:r>
+                        <a:rPr lang="en-US" altLang="ko-KR" b="0" i="1" smtClean="0">
+                          <a:latin typeface="Cambria Math" panose="02040503050406030204" pitchFamily="18" charset="0"/>
+                        </a:rPr>
+                        <m:t>𝑓</m:t>
+                      </m:r>
+                      <m:r>
+                        <a:rPr lang="en-US" altLang="ko-KR" b="0" i="1" smtClean="0">
+                          <a:latin typeface="Cambria Math" panose="02040503050406030204" pitchFamily="18" charset="0"/>
+                        </a:rPr>
+                        <m:t>=</m:t>
+                      </m:r>
+                      <m:f>
+                        <m:fPr>
+                          <m:ctrlPr>
+                            <a:rPr lang="en-US" altLang="ko-KR" b="0" i="1" smtClean="0">
+                              <a:latin typeface="Cambria Math" panose="02040503050406030204" pitchFamily="18" charset="0"/>
+                            </a:rPr>
+                          </m:ctrlPr>
+                        </m:fPr>
+                        <m:num>
+                          <m:r>
+                            <a:rPr lang="en-US" altLang="ko-KR" b="0" i="1" smtClean="0">
+                              <a:latin typeface="Cambria Math" panose="02040503050406030204" pitchFamily="18" charset="0"/>
+                            </a:rPr>
+                            <m:t>𝑐</m:t>
+                          </m:r>
+                        </m:num>
+                        <m:den>
+                          <m:r>
+                            <a:rPr lang="en-US" altLang="ko-KR" b="0" i="1" smtClean="0">
+                              <a:latin typeface="Cambria Math" panose="02040503050406030204" pitchFamily="18" charset="0"/>
+                            </a:rPr>
+                            <m:t>2</m:t>
+                          </m:r>
+                          <m:sSub>
+                            <m:sSubPr>
+                              <m:ctrlPr>
+                                <a:rPr lang="en-US" altLang="ko-KR" b="0" i="1" smtClean="0">
+                                  <a:latin typeface="Cambria Math" panose="02040503050406030204" pitchFamily="18" charset="0"/>
+                                </a:rPr>
+                              </m:ctrlPr>
+                            </m:sSubPr>
+                            <m:e>
+                              <m:r>
+                                <a:rPr lang="en-US" altLang="ko-KR" b="0" i="1" smtClean="0">
+                                  <a:latin typeface="Cambria Math" panose="02040503050406030204" pitchFamily="18" charset="0"/>
+                                </a:rPr>
+                                <m:t>𝑛</m:t>
+                              </m:r>
+                            </m:e>
+                            <m:sub>
+                              <m:r>
+                                <a:rPr lang="en-US" altLang="ko-KR" b="0" i="1" smtClean="0">
+                                  <a:latin typeface="Cambria Math" panose="02040503050406030204" pitchFamily="18" charset="0"/>
+                                </a:rPr>
+                                <m:t>𝑔</m:t>
+                              </m:r>
+                            </m:sub>
+                          </m:sSub>
+                          <m:r>
+                            <a:rPr lang="en-US" altLang="ko-KR" b="0" i="1" smtClean="0">
+                              <a:latin typeface="Cambria Math" panose="02040503050406030204" pitchFamily="18" charset="0"/>
+                            </a:rPr>
+                            <m:t>𝑙</m:t>
+                          </m:r>
+                        </m:den>
+                      </m:f>
+                    </m:oMath>
+                  </m:oMathPara>
+                </a14:m>
+                <a:endParaRPr lang="ko-KR" altLang="en-US" dirty="0"/>
+              </a:p>
+            </p:txBody>
+          </p:sp>
+        </mc:Choice>
+        <mc:Fallback>
+          <p:sp>
+            <p:nvSpPr>
+              <p:cNvPr id="5" name="TextBox 4"/>
+              <p:cNvSpPr txBox="1">
+                <a:spLocks noRot="1" noChangeAspect="1" noMove="1" noResize="1" noEditPoints="1" noAdjustHandles="1" noChangeArrowheads="1" noChangeShapeType="1" noTextEdit="1"/>
+              </p:cNvSpPr>
+              <p:nvPr/>
+            </p:nvSpPr>
+            <p:spPr>
+              <a:xfrm>
+                <a:off x="4032301" y="4923572"/>
+                <a:ext cx="1079398" cy="552715"/>
+              </a:xfrm>
+              <a:prstGeom prst="rect">
+                <a:avLst/>
+              </a:prstGeom>
+              <a:blipFill rotWithShape="0">
+                <a:blip r:embed="rId6"/>
+                <a:stretch>
+                  <a:fillRect b="-1111"/>
+                </a:stretch>
+              </a:blipFill>
+            </p:spPr>
+            <p:txBody>
+              <a:bodyPr/>
+              <a:lstStyle/>
+              <a:p>
+                <a:r>
+                  <a:rPr lang="ko-KR" altLang="en-US">
+                    <a:noFill/>
+                  </a:rPr>
+                  <a:t> </a:t>
+                </a:r>
+              </a:p>
+            </p:txBody>
+          </p:sp>
+        </mc:Fallback>
+      </mc:AlternateContent>
     </p:spTree>
     <p:extLst>
       <p:ext uri="{BB962C8B-B14F-4D97-AF65-F5344CB8AC3E}">
-        <p14:creationId xmlns:p14="http://schemas.microsoft.com/office/powerpoint/2010/main" val="3880399769"/>
+        <p14:creationId xmlns:p14="http://schemas.microsoft.com/office/powerpoint/2010/main" val="2345460797"/>
       </p:ext>
     </p:extLst>
   </p:cSld>
@@ -9719,40 +10853,86 @@
           <a:lstStyle/>
           <a:p>
             <a:pPr algn="ctr"/>
-            <a:r>
-              <a:rPr lang="en-US" altLang="ko-KR" sz="2800" dirty="0" smtClean="0">
+            <a:endParaRPr lang="en-US" altLang="ko-KR" sz="2800" dirty="0">
+              <a:solidFill>
+                <a:schemeClr val="bg1"/>
+              </a:solidFill>
+              <a:latin typeface="Arial" panose="020B0604020202020204" pitchFamily="34" charset="0"/>
+            </a:endParaRPr>
+          </a:p>
+        </p:txBody>
+      </p:sp>
+      <p:sp>
+        <p:nvSpPr>
+          <p:cNvPr id="2" name="직사각형 1"/>
+          <p:cNvSpPr/>
+          <p:nvPr/>
+        </p:nvSpPr>
+        <p:spPr>
+          <a:xfrm>
+            <a:off x="906897" y="2356104"/>
+            <a:ext cx="7330206" cy="2145792"/>
+          </a:xfrm>
+          <a:prstGeom prst="rect">
+            <a:avLst/>
+          </a:prstGeom>
+          <a:noFill/>
+          <a:ln w="38100">
+            <a:solidFill>
+              <a:srgbClr val="3333FF"/>
+            </a:solidFill>
+          </a:ln>
+        </p:spPr>
+        <p:style>
+          <a:lnRef idx="2">
+            <a:schemeClr val="accent1">
+              <a:shade val="50000"/>
+            </a:schemeClr>
+          </a:lnRef>
+          <a:fillRef idx="1">
+            <a:schemeClr val="accent1"/>
+          </a:fillRef>
+          <a:effectRef idx="0">
+            <a:schemeClr val="accent1"/>
+          </a:effectRef>
+          <a:fontRef idx="minor">
+            <a:schemeClr val="lt1"/>
+          </a:fontRef>
+        </p:style>
+        <p:txBody>
+          <a:bodyPr rtlCol="0" anchor="ctr"/>
+          <a:lstStyle/>
+          <a:p>
+            <a:pPr algn="ctr"/>
+            <a:r>
+              <a:rPr lang="en-US" altLang="ko-KR" sz="3600" dirty="0" smtClean="0">
                 <a:solidFill>
-                  <a:schemeClr val="bg1"/>
+                  <a:srgbClr val="3333FF"/>
                 </a:solidFill>
                 <a:latin typeface="Arial" panose="020B0604020202020204" pitchFamily="34" charset="0"/>
               </a:rPr>
-              <a:t>1.4 </a:t>
-            </a:r>
-            <a:r>
-              <a:rPr lang="en-US" altLang="ko-KR" sz="2800" dirty="0" err="1" smtClean="0">
+              <a:t>Extracting Optical Parameters from</a:t>
+            </a:r>
+          </a:p>
+          <a:p>
+            <a:pPr algn="ctr"/>
+            <a:r>
+              <a:rPr lang="en-US" altLang="ko-KR" sz="3600" dirty="0" smtClean="0">
                 <a:solidFill>
-                  <a:schemeClr val="bg1"/>
+                  <a:srgbClr val="3333FF"/>
                 </a:solidFill>
                 <a:latin typeface="Arial" panose="020B0604020202020204" pitchFamily="34" charset="0"/>
               </a:rPr>
-              <a:t>Fabry-Pérot</a:t>
-            </a:r>
-            <a:r>
-              <a:rPr lang="en-US" altLang="ko-KR" sz="2800" dirty="0" smtClean="0">
-                <a:solidFill>
-                  <a:schemeClr val="bg1"/>
-                </a:solidFill>
-                <a:latin typeface="Arial" panose="020B0604020202020204" pitchFamily="34" charset="0"/>
-              </a:rPr>
-              <a:t> Effect</a:t>
-            </a:r>
+              <a:t>Terahertz TDS Data</a:t>
+            </a:r>
+            <a:endParaRPr lang="ko-KR" altLang="en-US" sz="3600" dirty="0"/>
           </a:p>
         </p:txBody>
       </p:sp>
     </p:spTree>
     <p:extLst>
       <p:ext uri="{BB962C8B-B14F-4D97-AF65-F5344CB8AC3E}">
-        <p14:creationId xmlns:p14="http://schemas.microsoft.com/office/powerpoint/2010/main" val="2345460797"/>
+        <p14:creationId xmlns:p14="http://schemas.microsoft.com/office/powerpoint/2010/main" val="1820596527"/>
       </p:ext>
     </p:extLst>
   </p:cSld>
@@ -9836,25 +11016,2608 @@
           <a:lstStyle/>
           <a:p>
             <a:pPr algn="ctr"/>
-            <a:endParaRPr lang="en-US" altLang="ko-KR" sz="2800" dirty="0">
-              <a:solidFill>
-                <a:schemeClr val="bg1"/>
-              </a:solidFill>
-              <a:latin typeface="Arial" panose="020B0604020202020204" pitchFamily="34" charset="0"/>
-            </a:endParaRPr>
+            <a:r>
+              <a:rPr lang="en-US" altLang="ko-KR" sz="2800" dirty="0" smtClean="0">
+                <a:solidFill>
+                  <a:schemeClr val="bg1"/>
+                </a:solidFill>
+                <a:latin typeface="Arial" panose="020B0604020202020204" pitchFamily="34" charset="0"/>
+              </a:rPr>
+              <a:t>2.1 </a:t>
+            </a:r>
+            <a:r>
+              <a:rPr lang="en-US" altLang="ko-KR" sz="2800" dirty="0" smtClean="0">
+                <a:solidFill>
+                  <a:schemeClr val="bg1"/>
+                </a:solidFill>
+                <a:latin typeface="Arial" panose="020B0604020202020204" pitchFamily="34" charset="0"/>
+              </a:rPr>
+              <a:t>Transmission-Mode </a:t>
+            </a:r>
+            <a:r>
+              <a:rPr lang="en-US" altLang="ko-KR" sz="2800" dirty="0" smtClean="0">
+                <a:solidFill>
+                  <a:schemeClr val="bg1"/>
+                </a:solidFill>
+                <a:latin typeface="Arial" panose="020B0604020202020204" pitchFamily="34" charset="0"/>
+              </a:rPr>
+              <a:t>Terahertz </a:t>
+            </a:r>
+            <a:r>
+              <a:rPr lang="en-US" altLang="ko-KR" sz="2800" dirty="0" smtClean="0">
+                <a:solidFill>
+                  <a:schemeClr val="bg1"/>
+                </a:solidFill>
+                <a:latin typeface="Arial" panose="020B0604020202020204" pitchFamily="34" charset="0"/>
+              </a:rPr>
+              <a:t>TDS: </a:t>
+            </a:r>
+            <a:r>
+              <a:rPr lang="en-US" altLang="ko-KR" sz="2800" dirty="0" smtClean="0">
+                <a:solidFill>
+                  <a:schemeClr val="bg1"/>
+                </a:solidFill>
+                <a:latin typeface="Arial" panose="020B0604020202020204" pitchFamily="34" charset="0"/>
+              </a:rPr>
+              <a:t>Approximation</a:t>
+            </a:r>
           </a:p>
         </p:txBody>
       </p:sp>
+      <mc:AlternateContent xmlns:mc="http://schemas.openxmlformats.org/markup-compatibility/2006">
+        <mc:Choice xmlns:a14="http://schemas.microsoft.com/office/drawing/2010/main" Requires="a14">
+          <p:sp>
+            <p:nvSpPr>
+              <p:cNvPr id="2" name="TextBox 1"/>
+              <p:cNvSpPr txBox="1"/>
+              <p:nvPr/>
+            </p:nvSpPr>
+            <p:spPr>
+              <a:xfrm>
+                <a:off x="345759" y="1244420"/>
+                <a:ext cx="4460773" cy="617861"/>
+              </a:xfrm>
+              <a:prstGeom prst="rect">
+                <a:avLst/>
+              </a:prstGeom>
+              <a:noFill/>
+            </p:spPr>
+            <p:txBody>
+              <a:bodyPr wrap="none" lIns="0" tIns="0" rIns="0" bIns="0" rtlCol="0">
+                <a:spAutoFit/>
+              </a:bodyPr>
+              <a:lstStyle/>
+              <a:p>
+                <a14:m>
+                  <m:oMathPara xmlns:m="http://schemas.openxmlformats.org/officeDocument/2006/math">
+                    <m:oMathParaPr>
+                      <m:jc m:val="centerGroup"/>
+                    </m:oMathParaPr>
+                    <m:oMath xmlns:m="http://schemas.openxmlformats.org/officeDocument/2006/math">
+                      <m:sSub>
+                        <m:sSubPr>
+                          <m:ctrlPr>
+                            <a:rPr lang="en-US" altLang="ko-KR" b="0" i="1" smtClean="0">
+                              <a:latin typeface="Cambria Math" panose="02040503050406030204" pitchFamily="18" charset="0"/>
+                            </a:rPr>
+                          </m:ctrlPr>
+                        </m:sSubPr>
+                        <m:e>
+                          <m:r>
+                            <a:rPr lang="en-US" altLang="ko-KR" b="0" i="1" smtClean="0">
+                              <a:latin typeface="Cambria Math" panose="02040503050406030204" pitchFamily="18" charset="0"/>
+                            </a:rPr>
+                            <m:t>𝐸</m:t>
+                          </m:r>
+                        </m:e>
+                        <m:sub>
+                          <m:r>
+                            <m:rPr>
+                              <m:sty m:val="p"/>
+                            </m:rPr>
+                            <a:rPr lang="en-US" altLang="ko-KR" b="0" i="0" smtClean="0">
+                              <a:latin typeface="Cambria Math" panose="02040503050406030204" pitchFamily="18" charset="0"/>
+                            </a:rPr>
+                            <m:t>sam</m:t>
+                          </m:r>
+                        </m:sub>
+                      </m:sSub>
+                      <m:d>
+                        <m:dPr>
+                          <m:ctrlPr>
+                            <a:rPr lang="en-US" altLang="ko-KR" b="0" i="1" smtClean="0">
+                              <a:latin typeface="Cambria Math" panose="02040503050406030204" pitchFamily="18" charset="0"/>
+                            </a:rPr>
+                          </m:ctrlPr>
+                        </m:dPr>
+                        <m:e>
+                          <m:r>
+                            <a:rPr lang="en-US" altLang="ko-KR" b="0" i="1" smtClean="0">
+                              <a:latin typeface="Cambria Math" panose="02040503050406030204" pitchFamily="18" charset="0"/>
+                            </a:rPr>
+                            <m:t>𝜔</m:t>
+                          </m:r>
+                        </m:e>
+                      </m:d>
+                      <m:r>
+                        <a:rPr lang="en-US" altLang="ko-KR" b="0" i="1" smtClean="0">
+                          <a:latin typeface="Cambria Math" panose="02040503050406030204" pitchFamily="18" charset="0"/>
+                        </a:rPr>
+                        <m:t>=</m:t>
+                      </m:r>
+                      <m:r>
+                        <a:rPr lang="en-US" altLang="ko-KR" b="0" i="1" smtClean="0">
+                          <a:latin typeface="Cambria Math" panose="02040503050406030204" pitchFamily="18" charset="0"/>
+                        </a:rPr>
+                        <m:t>𝜂</m:t>
+                      </m:r>
+                      <m:f>
+                        <m:fPr>
+                          <m:ctrlPr>
+                            <a:rPr lang="en-US" altLang="ko-KR" b="0" i="1" smtClean="0">
+                              <a:latin typeface="Cambria Math" panose="02040503050406030204" pitchFamily="18" charset="0"/>
+                            </a:rPr>
+                          </m:ctrlPr>
+                        </m:fPr>
+                        <m:num>
+                          <m:r>
+                            <a:rPr lang="en-US" altLang="ko-KR" b="0" i="1" smtClean="0">
+                              <a:latin typeface="Cambria Math" panose="02040503050406030204" pitchFamily="18" charset="0"/>
+                            </a:rPr>
+                            <m:t>4</m:t>
+                          </m:r>
+                          <m:sSub>
+                            <m:sSubPr>
+                              <m:ctrlPr>
+                                <a:rPr lang="en-US" altLang="ko-KR" b="0" i="1" smtClean="0">
+                                  <a:latin typeface="Cambria Math" panose="02040503050406030204" pitchFamily="18" charset="0"/>
+                                </a:rPr>
+                              </m:ctrlPr>
+                            </m:sSubPr>
+                            <m:e>
+                              <m:acc>
+                                <m:accPr>
+                                  <m:chr m:val="̅"/>
+                                  <m:ctrlPr>
+                                    <a:rPr lang="en-US" altLang="ko-KR" b="0" i="1" smtClean="0">
+                                      <a:latin typeface="Cambria Math" panose="02040503050406030204" pitchFamily="18" charset="0"/>
+                                    </a:rPr>
+                                  </m:ctrlPr>
+                                </m:accPr>
+                                <m:e>
+                                  <m:r>
+                                    <a:rPr lang="en-US" altLang="ko-KR" b="0" i="1" smtClean="0">
+                                      <a:latin typeface="Cambria Math" panose="02040503050406030204" pitchFamily="18" charset="0"/>
+                                    </a:rPr>
+                                    <m:t>𝑛</m:t>
+                                  </m:r>
+                                </m:e>
+                              </m:acc>
+                            </m:e>
+                            <m:sub>
+                              <m:r>
+                                <a:rPr lang="en-US" altLang="ko-KR" b="0" i="1" smtClean="0">
+                                  <a:latin typeface="Cambria Math" panose="02040503050406030204" pitchFamily="18" charset="0"/>
+                                </a:rPr>
+                                <m:t>𝑠</m:t>
+                              </m:r>
+                            </m:sub>
+                          </m:sSub>
+                          <m:sSub>
+                            <m:sSubPr>
+                              <m:ctrlPr>
+                                <a:rPr lang="en-US" altLang="ko-KR" b="0" i="1" smtClean="0">
+                                  <a:latin typeface="Cambria Math" panose="02040503050406030204" pitchFamily="18" charset="0"/>
+                                </a:rPr>
+                              </m:ctrlPr>
+                            </m:sSubPr>
+                            <m:e>
+                              <m:r>
+                                <a:rPr lang="en-US" altLang="ko-KR" b="0" i="1" smtClean="0">
+                                  <a:latin typeface="Cambria Math" panose="02040503050406030204" pitchFamily="18" charset="0"/>
+                                </a:rPr>
+                                <m:t>𝑛</m:t>
+                              </m:r>
+                            </m:e>
+                            <m:sub>
+                              <m:r>
+                                <a:rPr lang="en-US" altLang="ko-KR" b="0" i="1" smtClean="0">
+                                  <a:latin typeface="Cambria Math" panose="02040503050406030204" pitchFamily="18" charset="0"/>
+                                </a:rPr>
+                                <m:t>0</m:t>
+                              </m:r>
+                            </m:sub>
+                          </m:sSub>
+                        </m:num>
+                        <m:den>
+                          <m:sSup>
+                            <m:sSupPr>
+                              <m:ctrlPr>
+                                <a:rPr lang="en-US" altLang="ko-KR" b="0" i="1" smtClean="0">
+                                  <a:latin typeface="Cambria Math" panose="02040503050406030204" pitchFamily="18" charset="0"/>
+                                </a:rPr>
+                              </m:ctrlPr>
+                            </m:sSupPr>
+                            <m:e>
+                              <m:d>
+                                <m:dPr>
+                                  <m:begChr m:val="["/>
+                                  <m:endChr m:val="]"/>
+                                  <m:ctrlPr>
+                                    <a:rPr lang="en-US" altLang="ko-KR" b="0" i="1" smtClean="0">
+                                      <a:latin typeface="Cambria Math" panose="02040503050406030204" pitchFamily="18" charset="0"/>
+                                    </a:rPr>
+                                  </m:ctrlPr>
+                                </m:dPr>
+                                <m:e>
+                                  <m:sSub>
+                                    <m:sSubPr>
+                                      <m:ctrlPr>
+                                        <a:rPr lang="en-US" altLang="ko-KR" b="0" i="1" smtClean="0">
+                                          <a:latin typeface="Cambria Math" panose="02040503050406030204" pitchFamily="18" charset="0"/>
+                                        </a:rPr>
+                                      </m:ctrlPr>
+                                    </m:sSubPr>
+                                    <m:e>
+                                      <m:acc>
+                                        <m:accPr>
+                                          <m:chr m:val="̅"/>
+                                          <m:ctrlPr>
+                                            <a:rPr lang="en-US" altLang="ko-KR" b="0" i="1" smtClean="0">
+                                              <a:latin typeface="Cambria Math" panose="02040503050406030204" pitchFamily="18" charset="0"/>
+                                            </a:rPr>
+                                          </m:ctrlPr>
+                                        </m:accPr>
+                                        <m:e>
+                                          <m:r>
+                                            <a:rPr lang="en-US" altLang="ko-KR" b="0" i="1" smtClean="0">
+                                              <a:latin typeface="Cambria Math" panose="02040503050406030204" pitchFamily="18" charset="0"/>
+                                            </a:rPr>
+                                            <m:t>𝑛</m:t>
+                                          </m:r>
+                                        </m:e>
+                                      </m:acc>
+                                    </m:e>
+                                    <m:sub>
+                                      <m:r>
+                                        <a:rPr lang="en-US" altLang="ko-KR" b="0" i="1" smtClean="0">
+                                          <a:latin typeface="Cambria Math" panose="02040503050406030204" pitchFamily="18" charset="0"/>
+                                        </a:rPr>
+                                        <m:t>𝑠</m:t>
+                                      </m:r>
+                                    </m:sub>
+                                  </m:sSub>
+                                  <m:r>
+                                    <a:rPr lang="en-US" altLang="ko-KR" b="0" i="1" smtClean="0">
+                                      <a:latin typeface="Cambria Math" panose="02040503050406030204" pitchFamily="18" charset="0"/>
+                                    </a:rPr>
+                                    <m:t>+</m:t>
+                                  </m:r>
+                                  <m:sSub>
+                                    <m:sSubPr>
+                                      <m:ctrlPr>
+                                        <a:rPr lang="en-US" altLang="ko-KR" b="0" i="1" smtClean="0">
+                                          <a:latin typeface="Cambria Math" panose="02040503050406030204" pitchFamily="18" charset="0"/>
+                                        </a:rPr>
+                                      </m:ctrlPr>
+                                    </m:sSubPr>
+                                    <m:e>
+                                      <m:r>
+                                        <a:rPr lang="en-US" altLang="ko-KR" b="0" i="1" smtClean="0">
+                                          <a:latin typeface="Cambria Math" panose="02040503050406030204" pitchFamily="18" charset="0"/>
+                                        </a:rPr>
+                                        <m:t>𝑛</m:t>
+                                      </m:r>
+                                    </m:e>
+                                    <m:sub>
+                                      <m:r>
+                                        <a:rPr lang="en-US" altLang="ko-KR" b="0" i="1" smtClean="0">
+                                          <a:latin typeface="Cambria Math" panose="02040503050406030204" pitchFamily="18" charset="0"/>
+                                        </a:rPr>
+                                        <m:t>0</m:t>
+                                      </m:r>
+                                    </m:sub>
+                                  </m:sSub>
+                                </m:e>
+                              </m:d>
+                            </m:e>
+                            <m:sup>
+                              <m:r>
+                                <a:rPr lang="en-US" altLang="ko-KR" b="0" i="1" smtClean="0">
+                                  <a:latin typeface="Cambria Math" panose="02040503050406030204" pitchFamily="18" charset="0"/>
+                                </a:rPr>
+                                <m:t>2</m:t>
+                              </m:r>
+                            </m:sup>
+                          </m:sSup>
+                        </m:den>
+                      </m:f>
+                      <m:func>
+                        <m:funcPr>
+                          <m:ctrlPr>
+                            <a:rPr lang="en-US" altLang="ko-KR" b="0" i="1" smtClean="0">
+                              <a:latin typeface="Cambria Math" panose="02040503050406030204" pitchFamily="18" charset="0"/>
+                            </a:rPr>
+                          </m:ctrlPr>
+                        </m:funcPr>
+                        <m:fName>
+                          <m:r>
+                            <m:rPr>
+                              <m:sty m:val="p"/>
+                            </m:rPr>
+                            <a:rPr lang="en-US" altLang="ko-KR" b="0" i="0" smtClean="0">
+                              <a:latin typeface="Cambria Math" panose="02040503050406030204" pitchFamily="18" charset="0"/>
+                            </a:rPr>
+                            <m:t>exp</m:t>
+                          </m:r>
+                        </m:fName>
+                        <m:e>
+                          <m:d>
+                            <m:dPr>
+                              <m:begChr m:val="{"/>
+                              <m:endChr m:val="}"/>
+                              <m:ctrlPr>
+                                <a:rPr lang="en-US" altLang="ko-KR" b="0" i="1" smtClean="0">
+                                  <a:latin typeface="Cambria Math" panose="02040503050406030204" pitchFamily="18" charset="0"/>
+                                </a:rPr>
+                              </m:ctrlPr>
+                            </m:dPr>
+                            <m:e>
+                              <m:r>
+                                <a:rPr lang="en-US" altLang="ko-KR" b="0" i="1" smtClean="0">
+                                  <a:latin typeface="Cambria Math" panose="02040503050406030204" pitchFamily="18" charset="0"/>
+                                </a:rPr>
+                                <m:t>−</m:t>
+                              </m:r>
+                              <m:r>
+                                <a:rPr lang="en-US" altLang="ko-KR" b="0" i="1" smtClean="0">
+                                  <a:latin typeface="Cambria Math" panose="02040503050406030204" pitchFamily="18" charset="0"/>
+                                </a:rPr>
+                                <m:t>𝑗</m:t>
+                              </m:r>
+                              <m:sSub>
+                                <m:sSubPr>
+                                  <m:ctrlPr>
+                                    <a:rPr lang="en-US" altLang="ko-KR" b="0" i="1" smtClean="0">
+                                      <a:latin typeface="Cambria Math" panose="02040503050406030204" pitchFamily="18" charset="0"/>
+                                    </a:rPr>
+                                  </m:ctrlPr>
+                                </m:sSubPr>
+                                <m:e>
+                                  <m:acc>
+                                    <m:accPr>
+                                      <m:chr m:val="̅"/>
+                                      <m:ctrlPr>
+                                        <a:rPr lang="en-US" altLang="ko-KR" b="0" i="1" smtClean="0">
+                                          <a:latin typeface="Cambria Math" panose="02040503050406030204" pitchFamily="18" charset="0"/>
+                                        </a:rPr>
+                                      </m:ctrlPr>
+                                    </m:accPr>
+                                    <m:e>
+                                      <m:r>
+                                        <a:rPr lang="en-US" altLang="ko-KR" b="0" i="1" smtClean="0">
+                                          <a:latin typeface="Cambria Math" panose="02040503050406030204" pitchFamily="18" charset="0"/>
+                                        </a:rPr>
+                                        <m:t>𝑛</m:t>
+                                      </m:r>
+                                    </m:e>
+                                  </m:acc>
+                                </m:e>
+                                <m:sub>
+                                  <m:r>
+                                    <a:rPr lang="en-US" altLang="ko-KR" b="0" i="1" smtClean="0">
+                                      <a:latin typeface="Cambria Math" panose="02040503050406030204" pitchFamily="18" charset="0"/>
+                                    </a:rPr>
+                                    <m:t>𝑠</m:t>
+                                  </m:r>
+                                </m:sub>
+                              </m:sSub>
+                              <m:f>
+                                <m:fPr>
+                                  <m:ctrlPr>
+                                    <a:rPr lang="en-US" altLang="ko-KR" b="0" i="1" smtClean="0">
+                                      <a:latin typeface="Cambria Math" panose="02040503050406030204" pitchFamily="18" charset="0"/>
+                                    </a:rPr>
+                                  </m:ctrlPr>
+                                </m:fPr>
+                                <m:num>
+                                  <m:r>
+                                    <a:rPr lang="en-US" altLang="ko-KR" b="0" i="1" smtClean="0">
+                                      <a:latin typeface="Cambria Math" panose="02040503050406030204" pitchFamily="18" charset="0"/>
+                                    </a:rPr>
+                                    <m:t>𝜔</m:t>
+                                  </m:r>
+                                  <m:r>
+                                    <a:rPr lang="en-US" altLang="ko-KR" b="0" i="1" smtClean="0">
+                                      <a:latin typeface="Cambria Math" panose="02040503050406030204" pitchFamily="18" charset="0"/>
+                                    </a:rPr>
+                                    <m:t>𝑙</m:t>
+                                  </m:r>
+                                </m:num>
+                                <m:den>
+                                  <m:r>
+                                    <a:rPr lang="en-US" altLang="ko-KR" b="0" i="1" smtClean="0">
+                                      <a:latin typeface="Cambria Math" panose="02040503050406030204" pitchFamily="18" charset="0"/>
+                                    </a:rPr>
+                                    <m:t>𝑐</m:t>
+                                  </m:r>
+                                </m:den>
+                              </m:f>
+                            </m:e>
+                          </m:d>
+                        </m:e>
+                      </m:func>
+                      <m:sSub>
+                        <m:sSubPr>
+                          <m:ctrlPr>
+                            <a:rPr lang="en-US" altLang="ko-KR" b="0" i="1" smtClean="0">
+                              <a:latin typeface="Cambria Math" panose="02040503050406030204" pitchFamily="18" charset="0"/>
+                            </a:rPr>
+                          </m:ctrlPr>
+                        </m:sSubPr>
+                        <m:e>
+                          <m:r>
+                            <a:rPr lang="en-US" altLang="ko-KR" b="0" i="1" smtClean="0">
+                              <a:latin typeface="Cambria Math" panose="02040503050406030204" pitchFamily="18" charset="0"/>
+                            </a:rPr>
+                            <m:t>𝐸</m:t>
+                          </m:r>
+                        </m:e>
+                        <m:sub>
+                          <m:r>
+                            <a:rPr lang="en-US" altLang="ko-KR" b="0" i="1" smtClean="0">
+                              <a:latin typeface="Cambria Math" panose="02040503050406030204" pitchFamily="18" charset="0"/>
+                            </a:rPr>
+                            <m:t>0</m:t>
+                          </m:r>
+                        </m:sub>
+                      </m:sSub>
+                      <m:r>
+                        <a:rPr lang="en-US" altLang="ko-KR" b="0" i="1" smtClean="0">
+                          <a:latin typeface="Cambria Math" panose="02040503050406030204" pitchFamily="18" charset="0"/>
+                        </a:rPr>
+                        <m:t>(</m:t>
+                      </m:r>
+                      <m:r>
+                        <a:rPr lang="en-US" altLang="ko-KR" b="0" i="1" smtClean="0">
+                          <a:latin typeface="Cambria Math" panose="02040503050406030204" pitchFamily="18" charset="0"/>
+                        </a:rPr>
+                        <m:t>𝜔</m:t>
+                      </m:r>
+                      <m:r>
+                        <a:rPr lang="en-US" altLang="ko-KR" b="0" i="1" smtClean="0">
+                          <a:latin typeface="Cambria Math" panose="02040503050406030204" pitchFamily="18" charset="0"/>
+                        </a:rPr>
+                        <m:t>)</m:t>
+                      </m:r>
+                    </m:oMath>
+                  </m:oMathPara>
+                </a14:m>
+                <a:endParaRPr lang="ko-KR" altLang="en-US" dirty="0"/>
+              </a:p>
+            </p:txBody>
+          </p:sp>
+        </mc:Choice>
+        <mc:Fallback>
+          <p:sp>
+            <p:nvSpPr>
+              <p:cNvPr id="2" name="TextBox 1"/>
+              <p:cNvSpPr txBox="1">
+                <a:spLocks noRot="1" noChangeAspect="1" noMove="1" noResize="1" noEditPoints="1" noAdjustHandles="1" noChangeArrowheads="1" noChangeShapeType="1" noTextEdit="1"/>
+              </p:cNvSpPr>
+              <p:nvPr/>
+            </p:nvSpPr>
+            <p:spPr>
+              <a:xfrm>
+                <a:off x="345759" y="1244420"/>
+                <a:ext cx="4460773" cy="617861"/>
+              </a:xfrm>
+              <a:prstGeom prst="rect">
+                <a:avLst/>
+              </a:prstGeom>
+              <a:blipFill rotWithShape="0">
+                <a:blip r:embed="rId3"/>
+                <a:stretch>
+                  <a:fillRect b="-990"/>
+                </a:stretch>
+              </a:blipFill>
+            </p:spPr>
+            <p:txBody>
+              <a:bodyPr/>
+              <a:lstStyle/>
+              <a:p>
+                <a:r>
+                  <a:rPr lang="ko-KR" altLang="en-US">
+                    <a:noFill/>
+                  </a:rPr>
+                  <a:t> </a:t>
+                </a:r>
+              </a:p>
+            </p:txBody>
+          </p:sp>
+        </mc:Fallback>
+      </mc:AlternateContent>
+      <mc:AlternateContent xmlns:mc="http://schemas.openxmlformats.org/markup-compatibility/2006">
+        <mc:Choice xmlns:a14="http://schemas.microsoft.com/office/drawing/2010/main" Requires="a14">
+          <p:sp>
+            <p:nvSpPr>
+              <p:cNvPr id="3" name="TextBox 2"/>
+              <p:cNvSpPr txBox="1"/>
+              <p:nvPr/>
+            </p:nvSpPr>
+            <p:spPr>
+              <a:xfrm>
+                <a:off x="345759" y="1876923"/>
+                <a:ext cx="3388107" cy="617861"/>
+              </a:xfrm>
+              <a:prstGeom prst="rect">
+                <a:avLst/>
+              </a:prstGeom>
+              <a:noFill/>
+            </p:spPr>
+            <p:txBody>
+              <a:bodyPr wrap="none" lIns="0" tIns="0" rIns="0" bIns="0" rtlCol="0">
+                <a:spAutoFit/>
+              </a:bodyPr>
+              <a:lstStyle/>
+              <a:p>
+                <a14:m>
+                  <m:oMathPara xmlns:m="http://schemas.openxmlformats.org/officeDocument/2006/math">
+                    <m:oMathParaPr>
+                      <m:jc m:val="centerGroup"/>
+                    </m:oMathParaPr>
+                    <m:oMath xmlns:m="http://schemas.openxmlformats.org/officeDocument/2006/math">
+                      <m:sSub>
+                        <m:sSubPr>
+                          <m:ctrlPr>
+                            <a:rPr lang="en-US" altLang="ko-KR" b="0" i="1" smtClean="0">
+                              <a:latin typeface="Cambria Math" panose="02040503050406030204" pitchFamily="18" charset="0"/>
+                            </a:rPr>
+                          </m:ctrlPr>
+                        </m:sSubPr>
+                        <m:e>
+                          <m:r>
+                            <a:rPr lang="en-US" altLang="ko-KR" b="0" i="1" smtClean="0">
+                              <a:latin typeface="Cambria Math" panose="02040503050406030204" pitchFamily="18" charset="0"/>
+                            </a:rPr>
+                            <m:t>𝐸</m:t>
+                          </m:r>
+                        </m:e>
+                        <m:sub>
+                          <m:r>
+                            <m:rPr>
+                              <m:sty m:val="p"/>
+                            </m:rPr>
+                            <a:rPr lang="en-US" altLang="ko-KR" b="0" i="0" smtClean="0">
+                              <a:latin typeface="Cambria Math" panose="02040503050406030204" pitchFamily="18" charset="0"/>
+                            </a:rPr>
+                            <m:t>ref</m:t>
+                          </m:r>
+                        </m:sub>
+                      </m:sSub>
+                      <m:d>
+                        <m:dPr>
+                          <m:ctrlPr>
+                            <a:rPr lang="en-US" altLang="ko-KR" b="0" i="1" smtClean="0">
+                              <a:latin typeface="Cambria Math" panose="02040503050406030204" pitchFamily="18" charset="0"/>
+                            </a:rPr>
+                          </m:ctrlPr>
+                        </m:dPr>
+                        <m:e>
+                          <m:r>
+                            <a:rPr lang="en-US" altLang="ko-KR" b="0" i="1" smtClean="0">
+                              <a:latin typeface="Cambria Math" panose="02040503050406030204" pitchFamily="18" charset="0"/>
+                            </a:rPr>
+                            <m:t>𝜔</m:t>
+                          </m:r>
+                        </m:e>
+                      </m:d>
+                      <m:r>
+                        <a:rPr lang="en-US" altLang="ko-KR" b="0" i="1" smtClean="0">
+                          <a:latin typeface="Cambria Math" panose="02040503050406030204" pitchFamily="18" charset="0"/>
+                        </a:rPr>
+                        <m:t>=</m:t>
+                      </m:r>
+                      <m:r>
+                        <a:rPr lang="en-US" altLang="ko-KR" b="0" i="1" smtClean="0">
+                          <a:latin typeface="Cambria Math" panose="02040503050406030204" pitchFamily="18" charset="0"/>
+                        </a:rPr>
+                        <m:t>𝜂</m:t>
+                      </m:r>
+                      <m:func>
+                        <m:funcPr>
+                          <m:ctrlPr>
+                            <a:rPr lang="en-US" altLang="ko-KR" b="0" i="1" smtClean="0">
+                              <a:latin typeface="Cambria Math" panose="02040503050406030204" pitchFamily="18" charset="0"/>
+                            </a:rPr>
+                          </m:ctrlPr>
+                        </m:funcPr>
+                        <m:fName>
+                          <m:r>
+                            <m:rPr>
+                              <m:sty m:val="p"/>
+                            </m:rPr>
+                            <a:rPr lang="en-US" altLang="ko-KR" b="0" i="0" smtClean="0">
+                              <a:latin typeface="Cambria Math" panose="02040503050406030204" pitchFamily="18" charset="0"/>
+                            </a:rPr>
+                            <m:t>exp</m:t>
+                          </m:r>
+                        </m:fName>
+                        <m:e>
+                          <m:d>
+                            <m:dPr>
+                              <m:begChr m:val="{"/>
+                              <m:endChr m:val="}"/>
+                              <m:ctrlPr>
+                                <a:rPr lang="en-US" altLang="ko-KR" b="0" i="1" smtClean="0">
+                                  <a:latin typeface="Cambria Math" panose="02040503050406030204" pitchFamily="18" charset="0"/>
+                                </a:rPr>
+                              </m:ctrlPr>
+                            </m:dPr>
+                            <m:e>
+                              <m:r>
+                                <a:rPr lang="en-US" altLang="ko-KR" b="0" i="1" smtClean="0">
+                                  <a:latin typeface="Cambria Math" panose="02040503050406030204" pitchFamily="18" charset="0"/>
+                                </a:rPr>
+                                <m:t>−</m:t>
+                              </m:r>
+                              <m:r>
+                                <a:rPr lang="en-US" altLang="ko-KR" b="0" i="1" smtClean="0">
+                                  <a:latin typeface="Cambria Math" panose="02040503050406030204" pitchFamily="18" charset="0"/>
+                                </a:rPr>
+                                <m:t>𝑗</m:t>
+                              </m:r>
+                              <m:sSub>
+                                <m:sSubPr>
+                                  <m:ctrlPr>
+                                    <a:rPr lang="en-US" altLang="ko-KR" b="0" i="1" smtClean="0">
+                                      <a:latin typeface="Cambria Math" panose="02040503050406030204" pitchFamily="18" charset="0"/>
+                                    </a:rPr>
+                                  </m:ctrlPr>
+                                </m:sSubPr>
+                                <m:e>
+                                  <m:r>
+                                    <a:rPr lang="en-US" altLang="ko-KR" b="0" i="1" smtClean="0">
+                                      <a:latin typeface="Cambria Math" panose="02040503050406030204" pitchFamily="18" charset="0"/>
+                                    </a:rPr>
+                                    <m:t>𝑛</m:t>
+                                  </m:r>
+                                </m:e>
+                                <m:sub>
+                                  <m:r>
+                                    <a:rPr lang="en-US" altLang="ko-KR" b="0" i="1" smtClean="0">
+                                      <a:latin typeface="Cambria Math" panose="02040503050406030204" pitchFamily="18" charset="0"/>
+                                    </a:rPr>
+                                    <m:t>0</m:t>
+                                  </m:r>
+                                </m:sub>
+                              </m:sSub>
+                              <m:f>
+                                <m:fPr>
+                                  <m:ctrlPr>
+                                    <a:rPr lang="en-US" altLang="ko-KR" b="0" i="1" smtClean="0">
+                                      <a:latin typeface="Cambria Math" panose="02040503050406030204" pitchFamily="18" charset="0"/>
+                                    </a:rPr>
+                                  </m:ctrlPr>
+                                </m:fPr>
+                                <m:num>
+                                  <m:r>
+                                    <a:rPr lang="en-US" altLang="ko-KR" b="0" i="1" smtClean="0">
+                                      <a:latin typeface="Cambria Math" panose="02040503050406030204" pitchFamily="18" charset="0"/>
+                                    </a:rPr>
+                                    <m:t>𝜔</m:t>
+                                  </m:r>
+                                  <m:r>
+                                    <a:rPr lang="en-US" altLang="ko-KR" b="0" i="1" smtClean="0">
+                                      <a:latin typeface="Cambria Math" panose="02040503050406030204" pitchFamily="18" charset="0"/>
+                                    </a:rPr>
+                                    <m:t>𝑙</m:t>
+                                  </m:r>
+                                </m:num>
+                                <m:den>
+                                  <m:r>
+                                    <a:rPr lang="en-US" altLang="ko-KR" b="0" i="1" smtClean="0">
+                                      <a:latin typeface="Cambria Math" panose="02040503050406030204" pitchFamily="18" charset="0"/>
+                                    </a:rPr>
+                                    <m:t>𝑐</m:t>
+                                  </m:r>
+                                </m:den>
+                              </m:f>
+                            </m:e>
+                          </m:d>
+                        </m:e>
+                      </m:func>
+                      <m:sSub>
+                        <m:sSubPr>
+                          <m:ctrlPr>
+                            <a:rPr lang="en-US" altLang="ko-KR" b="0" i="1" smtClean="0">
+                              <a:latin typeface="Cambria Math" panose="02040503050406030204" pitchFamily="18" charset="0"/>
+                            </a:rPr>
+                          </m:ctrlPr>
+                        </m:sSubPr>
+                        <m:e>
+                          <m:r>
+                            <a:rPr lang="en-US" altLang="ko-KR" b="0" i="1" smtClean="0">
+                              <a:latin typeface="Cambria Math" panose="02040503050406030204" pitchFamily="18" charset="0"/>
+                            </a:rPr>
+                            <m:t>𝐸</m:t>
+                          </m:r>
+                        </m:e>
+                        <m:sub>
+                          <m:r>
+                            <a:rPr lang="en-US" altLang="ko-KR" b="0" i="1" smtClean="0">
+                              <a:latin typeface="Cambria Math" panose="02040503050406030204" pitchFamily="18" charset="0"/>
+                            </a:rPr>
+                            <m:t>0</m:t>
+                          </m:r>
+                        </m:sub>
+                      </m:sSub>
+                      <m:d>
+                        <m:dPr>
+                          <m:ctrlPr>
+                            <a:rPr lang="en-US" altLang="ko-KR" b="0" i="1" smtClean="0">
+                              <a:latin typeface="Cambria Math" panose="02040503050406030204" pitchFamily="18" charset="0"/>
+                            </a:rPr>
+                          </m:ctrlPr>
+                        </m:dPr>
+                        <m:e>
+                          <m:r>
+                            <a:rPr lang="en-US" altLang="ko-KR" b="0" i="1" smtClean="0">
+                              <a:latin typeface="Cambria Math" panose="02040503050406030204" pitchFamily="18" charset="0"/>
+                            </a:rPr>
+                            <m:t>𝜔</m:t>
+                          </m:r>
+                        </m:e>
+                      </m:d>
+                    </m:oMath>
+                  </m:oMathPara>
+                </a14:m>
+                <a:endParaRPr lang="ko-KR" altLang="en-US" dirty="0"/>
+              </a:p>
+            </p:txBody>
+          </p:sp>
+        </mc:Choice>
+        <mc:Fallback>
+          <p:sp>
+            <p:nvSpPr>
+              <p:cNvPr id="3" name="TextBox 2"/>
+              <p:cNvSpPr txBox="1">
+                <a:spLocks noRot="1" noChangeAspect="1" noMove="1" noResize="1" noEditPoints="1" noAdjustHandles="1" noChangeArrowheads="1" noChangeShapeType="1" noTextEdit="1"/>
+              </p:cNvSpPr>
+              <p:nvPr/>
+            </p:nvSpPr>
+            <p:spPr>
+              <a:xfrm>
+                <a:off x="345759" y="1876923"/>
+                <a:ext cx="3388107" cy="617861"/>
+              </a:xfrm>
+              <a:prstGeom prst="rect">
+                <a:avLst/>
+              </a:prstGeom>
+              <a:blipFill rotWithShape="0">
+                <a:blip r:embed="rId4"/>
+                <a:stretch>
+                  <a:fillRect b="-990"/>
+                </a:stretch>
+              </a:blipFill>
+            </p:spPr>
+            <p:txBody>
+              <a:bodyPr/>
+              <a:lstStyle/>
+              <a:p>
+                <a:r>
+                  <a:rPr lang="ko-KR" altLang="en-US">
+                    <a:noFill/>
+                  </a:rPr>
+                  <a:t> </a:t>
+                </a:r>
+              </a:p>
+            </p:txBody>
+          </p:sp>
+        </mc:Fallback>
+      </mc:AlternateContent>
+      <mc:AlternateContent xmlns:mc="http://schemas.openxmlformats.org/markup-compatibility/2006">
+        <mc:Choice xmlns:a14="http://schemas.microsoft.com/office/drawing/2010/main" Requires="a14">
+          <p:sp>
+            <p:nvSpPr>
+              <p:cNvPr id="4" name="TextBox 3"/>
+              <p:cNvSpPr txBox="1"/>
+              <p:nvPr/>
+            </p:nvSpPr>
+            <p:spPr>
+              <a:xfrm>
+                <a:off x="345759" y="2509426"/>
+                <a:ext cx="6143092" cy="626005"/>
+              </a:xfrm>
+              <a:prstGeom prst="rect">
+                <a:avLst/>
+              </a:prstGeom>
+              <a:noFill/>
+            </p:spPr>
+            <p:txBody>
+              <a:bodyPr wrap="none" lIns="0" tIns="0" rIns="0" bIns="0" rtlCol="0">
+                <a:spAutoFit/>
+              </a:bodyPr>
+              <a:lstStyle/>
+              <a:p>
+                <a14:m>
+                  <m:oMathPara xmlns:m="http://schemas.openxmlformats.org/officeDocument/2006/math">
+                    <m:oMathParaPr>
+                      <m:jc m:val="centerGroup"/>
+                    </m:oMathParaPr>
+                    <m:oMath xmlns:m="http://schemas.openxmlformats.org/officeDocument/2006/math">
+                      <m:f>
+                        <m:fPr>
+                          <m:ctrlPr>
+                            <a:rPr lang="en-US" altLang="ko-KR" b="0" i="1" smtClean="0">
+                              <a:latin typeface="Cambria Math" panose="02040503050406030204" pitchFamily="18" charset="0"/>
+                            </a:rPr>
+                          </m:ctrlPr>
+                        </m:fPr>
+                        <m:num>
+                          <m:sSub>
+                            <m:sSubPr>
+                              <m:ctrlPr>
+                                <a:rPr lang="en-US" altLang="ko-KR" b="0" i="1" smtClean="0">
+                                  <a:latin typeface="Cambria Math" panose="02040503050406030204" pitchFamily="18" charset="0"/>
+                                </a:rPr>
+                              </m:ctrlPr>
+                            </m:sSubPr>
+                            <m:e>
+                              <m:r>
+                                <a:rPr lang="en-US" altLang="ko-KR" b="0" i="1" smtClean="0">
+                                  <a:latin typeface="Cambria Math" panose="02040503050406030204" pitchFamily="18" charset="0"/>
+                                </a:rPr>
+                                <m:t>𝐸</m:t>
+                              </m:r>
+                            </m:e>
+                            <m:sub>
+                              <m:r>
+                                <m:rPr>
+                                  <m:sty m:val="p"/>
+                                </m:rPr>
+                                <a:rPr lang="en-US" altLang="ko-KR" b="0" i="0" smtClean="0">
+                                  <a:latin typeface="Cambria Math" panose="02040503050406030204" pitchFamily="18" charset="0"/>
+                                </a:rPr>
+                                <m:t>sam</m:t>
+                              </m:r>
+                            </m:sub>
+                          </m:sSub>
+                        </m:num>
+                        <m:den>
+                          <m:sSub>
+                            <m:sSubPr>
+                              <m:ctrlPr>
+                                <a:rPr lang="en-US" altLang="ko-KR" b="0" i="1" smtClean="0">
+                                  <a:latin typeface="Cambria Math" panose="02040503050406030204" pitchFamily="18" charset="0"/>
+                                </a:rPr>
+                              </m:ctrlPr>
+                            </m:sSubPr>
+                            <m:e>
+                              <m:r>
+                                <a:rPr lang="en-US" altLang="ko-KR" b="0" i="1" smtClean="0">
+                                  <a:latin typeface="Cambria Math" panose="02040503050406030204" pitchFamily="18" charset="0"/>
+                                </a:rPr>
+                                <m:t>𝐸</m:t>
+                              </m:r>
+                            </m:e>
+                            <m:sub>
+                              <m:r>
+                                <m:rPr>
+                                  <m:sty m:val="p"/>
+                                </m:rPr>
+                                <a:rPr lang="en-US" altLang="ko-KR" b="0" i="0" smtClean="0">
+                                  <a:latin typeface="Cambria Math" panose="02040503050406030204" pitchFamily="18" charset="0"/>
+                                </a:rPr>
+                                <m:t>ref</m:t>
+                              </m:r>
+                            </m:sub>
+                          </m:sSub>
+                        </m:den>
+                      </m:f>
+                      <m:r>
+                        <a:rPr lang="en-US" altLang="ko-KR" b="0" i="1" smtClean="0">
+                          <a:latin typeface="Cambria Math" panose="02040503050406030204" pitchFamily="18" charset="0"/>
+                        </a:rPr>
+                        <m:t>=</m:t>
+                      </m:r>
+                      <m:r>
+                        <a:rPr lang="en-US" altLang="ko-KR" b="0" i="1" smtClean="0">
+                          <a:latin typeface="Cambria Math" panose="02040503050406030204" pitchFamily="18" charset="0"/>
+                        </a:rPr>
+                        <m:t>𝐻</m:t>
+                      </m:r>
+                      <m:d>
+                        <m:dPr>
+                          <m:ctrlPr>
+                            <a:rPr lang="en-US" altLang="ko-KR" b="0" i="1" smtClean="0">
+                              <a:latin typeface="Cambria Math" panose="02040503050406030204" pitchFamily="18" charset="0"/>
+                            </a:rPr>
+                          </m:ctrlPr>
+                        </m:dPr>
+                        <m:e>
+                          <m:r>
+                            <a:rPr lang="en-US" altLang="ko-KR" b="0" i="1" smtClean="0">
+                              <a:latin typeface="Cambria Math" panose="02040503050406030204" pitchFamily="18" charset="0"/>
+                            </a:rPr>
+                            <m:t>𝜔</m:t>
+                          </m:r>
+                        </m:e>
+                      </m:d>
+                      <m:r>
+                        <a:rPr lang="en-US" altLang="ko-KR" b="0" i="1" smtClean="0">
+                          <a:latin typeface="Cambria Math" panose="02040503050406030204" pitchFamily="18" charset="0"/>
+                        </a:rPr>
+                        <m:t>=</m:t>
+                      </m:r>
+                      <m:f>
+                        <m:fPr>
+                          <m:ctrlPr>
+                            <a:rPr lang="en-US" altLang="ko-KR" b="0" i="1" smtClean="0">
+                              <a:latin typeface="Cambria Math" panose="02040503050406030204" pitchFamily="18" charset="0"/>
+                            </a:rPr>
+                          </m:ctrlPr>
+                        </m:fPr>
+                        <m:num>
+                          <m:r>
+                            <a:rPr lang="en-US" altLang="ko-KR" b="0" i="1" smtClean="0">
+                              <a:latin typeface="Cambria Math" panose="02040503050406030204" pitchFamily="18" charset="0"/>
+                            </a:rPr>
+                            <m:t>4</m:t>
+                          </m:r>
+                          <m:sSub>
+                            <m:sSubPr>
+                              <m:ctrlPr>
+                                <a:rPr lang="en-US" altLang="ko-KR" b="0" i="1" smtClean="0">
+                                  <a:latin typeface="Cambria Math" panose="02040503050406030204" pitchFamily="18" charset="0"/>
+                                </a:rPr>
+                              </m:ctrlPr>
+                            </m:sSubPr>
+                            <m:e>
+                              <m:r>
+                                <a:rPr lang="en-US" altLang="ko-KR" b="0" i="1" smtClean="0">
+                                  <a:latin typeface="Cambria Math" panose="02040503050406030204" pitchFamily="18" charset="0"/>
+                                </a:rPr>
+                                <m:t>𝑛</m:t>
+                              </m:r>
+                            </m:e>
+                            <m:sub>
+                              <m:r>
+                                <a:rPr lang="en-US" altLang="ko-KR" b="0" i="1" smtClean="0">
+                                  <a:latin typeface="Cambria Math" panose="02040503050406030204" pitchFamily="18" charset="0"/>
+                                </a:rPr>
+                                <m:t>𝑠</m:t>
+                              </m:r>
+                            </m:sub>
+                          </m:sSub>
+                          <m:sSub>
+                            <m:sSubPr>
+                              <m:ctrlPr>
+                                <a:rPr lang="en-US" altLang="ko-KR" b="0" i="1" smtClean="0">
+                                  <a:latin typeface="Cambria Math" panose="02040503050406030204" pitchFamily="18" charset="0"/>
+                                </a:rPr>
+                              </m:ctrlPr>
+                            </m:sSubPr>
+                            <m:e>
+                              <m:r>
+                                <a:rPr lang="en-US" altLang="ko-KR" b="0" i="1" smtClean="0">
+                                  <a:latin typeface="Cambria Math" panose="02040503050406030204" pitchFamily="18" charset="0"/>
+                                </a:rPr>
+                                <m:t>𝑛</m:t>
+                              </m:r>
+                            </m:e>
+                            <m:sub>
+                              <m:r>
+                                <a:rPr lang="en-US" altLang="ko-KR" b="0" i="1" smtClean="0">
+                                  <a:latin typeface="Cambria Math" panose="02040503050406030204" pitchFamily="18" charset="0"/>
+                                </a:rPr>
+                                <m:t>0</m:t>
+                              </m:r>
+                            </m:sub>
+                          </m:sSub>
+                        </m:num>
+                        <m:den>
+                          <m:sSup>
+                            <m:sSupPr>
+                              <m:ctrlPr>
+                                <a:rPr lang="en-US" altLang="ko-KR" b="0" i="1" smtClean="0">
+                                  <a:latin typeface="Cambria Math" panose="02040503050406030204" pitchFamily="18" charset="0"/>
+                                </a:rPr>
+                              </m:ctrlPr>
+                            </m:sSupPr>
+                            <m:e>
+                              <m:d>
+                                <m:dPr>
+                                  <m:begChr m:val="["/>
+                                  <m:endChr m:val="]"/>
+                                  <m:ctrlPr>
+                                    <a:rPr lang="en-US" altLang="ko-KR" b="0" i="1" smtClean="0">
+                                      <a:latin typeface="Cambria Math" panose="02040503050406030204" pitchFamily="18" charset="0"/>
+                                    </a:rPr>
+                                  </m:ctrlPr>
+                                </m:dPr>
+                                <m:e>
+                                  <m:sSub>
+                                    <m:sSubPr>
+                                      <m:ctrlPr>
+                                        <a:rPr lang="en-US" altLang="ko-KR" b="0" i="1" smtClean="0">
+                                          <a:latin typeface="Cambria Math" panose="02040503050406030204" pitchFamily="18" charset="0"/>
+                                        </a:rPr>
+                                      </m:ctrlPr>
+                                    </m:sSubPr>
+                                    <m:e>
+                                      <m:r>
+                                        <a:rPr lang="en-US" altLang="ko-KR" b="0" i="1" smtClean="0">
+                                          <a:latin typeface="Cambria Math" panose="02040503050406030204" pitchFamily="18" charset="0"/>
+                                        </a:rPr>
+                                        <m:t>𝑛</m:t>
+                                      </m:r>
+                                    </m:e>
+                                    <m:sub>
+                                      <m:r>
+                                        <a:rPr lang="en-US" altLang="ko-KR" b="0" i="1" smtClean="0">
+                                          <a:latin typeface="Cambria Math" panose="02040503050406030204" pitchFamily="18" charset="0"/>
+                                        </a:rPr>
+                                        <m:t>𝑠</m:t>
+                                      </m:r>
+                                    </m:sub>
+                                  </m:sSub>
+                                  <m:r>
+                                    <a:rPr lang="en-US" altLang="ko-KR" b="0" i="1" smtClean="0">
+                                      <a:latin typeface="Cambria Math" panose="02040503050406030204" pitchFamily="18" charset="0"/>
+                                    </a:rPr>
+                                    <m:t>+</m:t>
+                                  </m:r>
+                                  <m:sSub>
+                                    <m:sSubPr>
+                                      <m:ctrlPr>
+                                        <a:rPr lang="en-US" altLang="ko-KR" b="0" i="1" smtClean="0">
+                                          <a:latin typeface="Cambria Math" panose="02040503050406030204" pitchFamily="18" charset="0"/>
+                                        </a:rPr>
+                                      </m:ctrlPr>
+                                    </m:sSubPr>
+                                    <m:e>
+                                      <m:r>
+                                        <a:rPr lang="en-US" altLang="ko-KR" b="0" i="1" smtClean="0">
+                                          <a:latin typeface="Cambria Math" panose="02040503050406030204" pitchFamily="18" charset="0"/>
+                                        </a:rPr>
+                                        <m:t>𝑛</m:t>
+                                      </m:r>
+                                    </m:e>
+                                    <m:sub>
+                                      <m:r>
+                                        <a:rPr lang="en-US" altLang="ko-KR" b="0" i="1" smtClean="0">
+                                          <a:latin typeface="Cambria Math" panose="02040503050406030204" pitchFamily="18" charset="0"/>
+                                        </a:rPr>
+                                        <m:t>0</m:t>
+                                      </m:r>
+                                    </m:sub>
+                                  </m:sSub>
+                                </m:e>
+                              </m:d>
+                            </m:e>
+                            <m:sup>
+                              <m:r>
+                                <a:rPr lang="en-US" altLang="ko-KR" b="0" i="1" smtClean="0">
+                                  <a:latin typeface="Cambria Math" panose="02040503050406030204" pitchFamily="18" charset="0"/>
+                                </a:rPr>
+                                <m:t>2</m:t>
+                              </m:r>
+                            </m:sup>
+                          </m:sSup>
+                        </m:den>
+                      </m:f>
+                      <m:func>
+                        <m:funcPr>
+                          <m:ctrlPr>
+                            <a:rPr lang="en-US" altLang="ko-KR" b="0" i="1" smtClean="0">
+                              <a:latin typeface="Cambria Math" panose="02040503050406030204" pitchFamily="18" charset="0"/>
+                            </a:rPr>
+                          </m:ctrlPr>
+                        </m:funcPr>
+                        <m:fName>
+                          <m:r>
+                            <m:rPr>
+                              <m:sty m:val="p"/>
+                            </m:rPr>
+                            <a:rPr lang="en-US" altLang="ko-KR" b="0" i="0" smtClean="0">
+                              <a:latin typeface="Cambria Math" panose="02040503050406030204" pitchFamily="18" charset="0"/>
+                            </a:rPr>
+                            <m:t>exp</m:t>
+                          </m:r>
+                        </m:fName>
+                        <m:e>
+                          <m:d>
+                            <m:dPr>
+                              <m:begChr m:val="{"/>
+                              <m:endChr m:val="}"/>
+                              <m:ctrlPr>
+                                <a:rPr lang="en-US" altLang="ko-KR" b="0" i="1" smtClean="0">
+                                  <a:latin typeface="Cambria Math" panose="02040503050406030204" pitchFamily="18" charset="0"/>
+                                </a:rPr>
+                              </m:ctrlPr>
+                            </m:dPr>
+                            <m:e>
+                              <m:r>
+                                <a:rPr lang="en-US" altLang="ko-KR" b="0" i="1" smtClean="0">
+                                  <a:latin typeface="Cambria Math" panose="02040503050406030204" pitchFamily="18" charset="0"/>
+                                </a:rPr>
+                                <m:t>−</m:t>
+                              </m:r>
+                              <m:sSub>
+                                <m:sSubPr>
+                                  <m:ctrlPr>
+                                    <a:rPr lang="en-US" altLang="ko-KR" b="0" i="1" smtClean="0">
+                                      <a:latin typeface="Cambria Math" panose="02040503050406030204" pitchFamily="18" charset="0"/>
+                                    </a:rPr>
+                                  </m:ctrlPr>
+                                </m:sSubPr>
+                                <m:e>
+                                  <m:r>
+                                    <a:rPr lang="en-US" altLang="ko-KR" b="0" i="1" smtClean="0">
+                                      <a:latin typeface="Cambria Math" panose="02040503050406030204" pitchFamily="18" charset="0"/>
+                                    </a:rPr>
+                                    <m:t>𝜅</m:t>
+                                  </m:r>
+                                </m:e>
+                                <m:sub>
+                                  <m:r>
+                                    <a:rPr lang="en-US" altLang="ko-KR" b="0" i="1" smtClean="0">
+                                      <a:latin typeface="Cambria Math" panose="02040503050406030204" pitchFamily="18" charset="0"/>
+                                    </a:rPr>
+                                    <m:t>𝑠</m:t>
+                                  </m:r>
+                                </m:sub>
+                              </m:sSub>
+                              <m:f>
+                                <m:fPr>
+                                  <m:ctrlPr>
+                                    <a:rPr lang="en-US" altLang="ko-KR" b="0" i="1" smtClean="0">
+                                      <a:latin typeface="Cambria Math" panose="02040503050406030204" pitchFamily="18" charset="0"/>
+                                    </a:rPr>
+                                  </m:ctrlPr>
+                                </m:fPr>
+                                <m:num>
+                                  <m:r>
+                                    <a:rPr lang="en-US" altLang="ko-KR" b="0" i="1" smtClean="0">
+                                      <a:latin typeface="Cambria Math" panose="02040503050406030204" pitchFamily="18" charset="0"/>
+                                    </a:rPr>
+                                    <m:t>𝜔</m:t>
+                                  </m:r>
+                                  <m:r>
+                                    <a:rPr lang="en-US" altLang="ko-KR" b="0" i="1" smtClean="0">
+                                      <a:latin typeface="Cambria Math" panose="02040503050406030204" pitchFamily="18" charset="0"/>
+                                    </a:rPr>
+                                    <m:t>𝑙</m:t>
+                                  </m:r>
+                                </m:num>
+                                <m:den>
+                                  <m:r>
+                                    <a:rPr lang="en-US" altLang="ko-KR" b="0" i="1" smtClean="0">
+                                      <a:latin typeface="Cambria Math" panose="02040503050406030204" pitchFamily="18" charset="0"/>
+                                    </a:rPr>
+                                    <m:t>𝑐</m:t>
+                                  </m:r>
+                                </m:den>
+                              </m:f>
+                            </m:e>
+                          </m:d>
+                        </m:e>
+                      </m:func>
+                      <m:func>
+                        <m:funcPr>
+                          <m:ctrlPr>
+                            <a:rPr lang="en-US" altLang="ko-KR" b="0" i="1" smtClean="0">
+                              <a:latin typeface="Cambria Math" panose="02040503050406030204" pitchFamily="18" charset="0"/>
+                            </a:rPr>
+                          </m:ctrlPr>
+                        </m:funcPr>
+                        <m:fName>
+                          <m:r>
+                            <m:rPr>
+                              <m:sty m:val="p"/>
+                            </m:rPr>
+                            <a:rPr lang="en-US" altLang="ko-KR" b="0" i="0" smtClean="0">
+                              <a:latin typeface="Cambria Math" panose="02040503050406030204" pitchFamily="18" charset="0"/>
+                            </a:rPr>
+                            <m:t>exp</m:t>
+                          </m:r>
+                        </m:fName>
+                        <m:e>
+                          <m:d>
+                            <m:dPr>
+                              <m:begChr m:val="{"/>
+                              <m:endChr m:val="}"/>
+                              <m:ctrlPr>
+                                <a:rPr lang="en-US" altLang="ko-KR" b="0" i="1" smtClean="0">
+                                  <a:latin typeface="Cambria Math" panose="02040503050406030204" pitchFamily="18" charset="0"/>
+                                </a:rPr>
+                              </m:ctrlPr>
+                            </m:dPr>
+                            <m:e>
+                              <m:r>
+                                <a:rPr lang="en-US" altLang="ko-KR" b="0" i="1" smtClean="0">
+                                  <a:latin typeface="Cambria Math" panose="02040503050406030204" pitchFamily="18" charset="0"/>
+                                </a:rPr>
+                                <m:t>−</m:t>
+                              </m:r>
+                              <m:r>
+                                <a:rPr lang="en-US" altLang="ko-KR" b="0" i="1" smtClean="0">
+                                  <a:latin typeface="Cambria Math" panose="02040503050406030204" pitchFamily="18" charset="0"/>
+                                </a:rPr>
+                                <m:t>𝑗</m:t>
+                              </m:r>
+                              <m:d>
+                                <m:dPr>
+                                  <m:begChr m:val="["/>
+                                  <m:endChr m:val="]"/>
+                                  <m:ctrlPr>
+                                    <a:rPr lang="en-US" altLang="ko-KR" b="0" i="1" smtClean="0">
+                                      <a:latin typeface="Cambria Math" panose="02040503050406030204" pitchFamily="18" charset="0"/>
+                                    </a:rPr>
+                                  </m:ctrlPr>
+                                </m:dPr>
+                                <m:e>
+                                  <m:sSub>
+                                    <m:sSubPr>
+                                      <m:ctrlPr>
+                                        <a:rPr lang="en-US" altLang="ko-KR" b="0" i="1" smtClean="0">
+                                          <a:latin typeface="Cambria Math" panose="02040503050406030204" pitchFamily="18" charset="0"/>
+                                        </a:rPr>
+                                      </m:ctrlPr>
+                                    </m:sSubPr>
+                                    <m:e>
+                                      <m:r>
+                                        <a:rPr lang="en-US" altLang="ko-KR" b="0" i="1" smtClean="0">
+                                          <a:latin typeface="Cambria Math" panose="02040503050406030204" pitchFamily="18" charset="0"/>
+                                        </a:rPr>
+                                        <m:t>𝑛</m:t>
+                                      </m:r>
+                                    </m:e>
+                                    <m:sub>
+                                      <m:r>
+                                        <a:rPr lang="en-US" altLang="ko-KR" b="0" i="1" smtClean="0">
+                                          <a:latin typeface="Cambria Math" panose="02040503050406030204" pitchFamily="18" charset="0"/>
+                                        </a:rPr>
+                                        <m:t>𝑠</m:t>
+                                      </m:r>
+                                    </m:sub>
+                                  </m:sSub>
+                                  <m:r>
+                                    <a:rPr lang="en-US" altLang="ko-KR" b="0" i="1" smtClean="0">
+                                      <a:latin typeface="Cambria Math" panose="02040503050406030204" pitchFamily="18" charset="0"/>
+                                    </a:rPr>
+                                    <m:t>−</m:t>
+                                  </m:r>
+                                  <m:sSub>
+                                    <m:sSubPr>
+                                      <m:ctrlPr>
+                                        <a:rPr lang="en-US" altLang="ko-KR" b="0" i="1" smtClean="0">
+                                          <a:latin typeface="Cambria Math" panose="02040503050406030204" pitchFamily="18" charset="0"/>
+                                        </a:rPr>
+                                      </m:ctrlPr>
+                                    </m:sSubPr>
+                                    <m:e>
+                                      <m:r>
+                                        <a:rPr lang="en-US" altLang="ko-KR" b="0" i="1" smtClean="0">
+                                          <a:latin typeface="Cambria Math" panose="02040503050406030204" pitchFamily="18" charset="0"/>
+                                        </a:rPr>
+                                        <m:t>𝑛</m:t>
+                                      </m:r>
+                                    </m:e>
+                                    <m:sub>
+                                      <m:r>
+                                        <a:rPr lang="en-US" altLang="ko-KR" b="0" i="1" smtClean="0">
+                                          <a:latin typeface="Cambria Math" panose="02040503050406030204" pitchFamily="18" charset="0"/>
+                                        </a:rPr>
+                                        <m:t>0</m:t>
+                                      </m:r>
+                                    </m:sub>
+                                  </m:sSub>
+                                </m:e>
+                              </m:d>
+                              <m:f>
+                                <m:fPr>
+                                  <m:ctrlPr>
+                                    <a:rPr lang="en-US" altLang="ko-KR" b="0" i="1" smtClean="0">
+                                      <a:latin typeface="Cambria Math" panose="02040503050406030204" pitchFamily="18" charset="0"/>
+                                    </a:rPr>
+                                  </m:ctrlPr>
+                                </m:fPr>
+                                <m:num>
+                                  <m:r>
+                                    <a:rPr lang="en-US" altLang="ko-KR" b="0" i="1" smtClean="0">
+                                      <a:latin typeface="Cambria Math" panose="02040503050406030204" pitchFamily="18" charset="0"/>
+                                    </a:rPr>
+                                    <m:t>𝜔</m:t>
+                                  </m:r>
+                                  <m:r>
+                                    <a:rPr lang="en-US" altLang="ko-KR" b="0" i="1" smtClean="0">
+                                      <a:latin typeface="Cambria Math" panose="02040503050406030204" pitchFamily="18" charset="0"/>
+                                    </a:rPr>
+                                    <m:t>𝑙</m:t>
+                                  </m:r>
+                                </m:num>
+                                <m:den>
+                                  <m:r>
+                                    <a:rPr lang="en-US" altLang="ko-KR" b="0" i="1" smtClean="0">
+                                      <a:latin typeface="Cambria Math" panose="02040503050406030204" pitchFamily="18" charset="0"/>
+                                    </a:rPr>
+                                    <m:t>𝑐</m:t>
+                                  </m:r>
+                                </m:den>
+                              </m:f>
+                            </m:e>
+                          </m:d>
+                        </m:e>
+                      </m:func>
+                    </m:oMath>
+                  </m:oMathPara>
+                </a14:m>
+                <a:endParaRPr lang="ko-KR" altLang="en-US" dirty="0"/>
+              </a:p>
+            </p:txBody>
+          </p:sp>
+        </mc:Choice>
+        <mc:Fallback>
+          <p:sp>
+            <p:nvSpPr>
+              <p:cNvPr id="4" name="TextBox 3"/>
+              <p:cNvSpPr txBox="1">
+                <a:spLocks noRot="1" noChangeAspect="1" noMove="1" noResize="1" noEditPoints="1" noAdjustHandles="1" noChangeArrowheads="1" noChangeShapeType="1" noTextEdit="1"/>
+              </p:cNvSpPr>
+              <p:nvPr/>
+            </p:nvSpPr>
+            <p:spPr>
+              <a:xfrm>
+                <a:off x="345759" y="2509426"/>
+                <a:ext cx="6143092" cy="626005"/>
+              </a:xfrm>
+              <a:prstGeom prst="rect">
+                <a:avLst/>
+              </a:prstGeom>
+              <a:blipFill rotWithShape="0">
+                <a:blip r:embed="rId5"/>
+                <a:stretch>
+                  <a:fillRect/>
+                </a:stretch>
+              </a:blipFill>
+            </p:spPr>
+            <p:txBody>
+              <a:bodyPr/>
+              <a:lstStyle/>
+              <a:p>
+                <a:r>
+                  <a:rPr lang="ko-KR" altLang="en-US">
+                    <a:noFill/>
+                  </a:rPr>
+                  <a:t> </a:t>
+                </a:r>
+              </a:p>
+            </p:txBody>
+          </p:sp>
+        </mc:Fallback>
+      </mc:AlternateContent>
+      <mc:AlternateContent xmlns:mc="http://schemas.openxmlformats.org/markup-compatibility/2006">
+        <mc:Choice xmlns:a14="http://schemas.microsoft.com/office/drawing/2010/main" Requires="a14">
+          <p:sp>
+            <p:nvSpPr>
+              <p:cNvPr id="5" name="TextBox 4"/>
+              <p:cNvSpPr txBox="1"/>
+              <p:nvPr/>
+            </p:nvSpPr>
+            <p:spPr>
+              <a:xfrm>
+                <a:off x="3367884" y="3501337"/>
+                <a:ext cx="2408223" cy="524118"/>
+              </a:xfrm>
+              <a:prstGeom prst="rect">
+                <a:avLst/>
+              </a:prstGeom>
+              <a:noFill/>
+            </p:spPr>
+            <p:txBody>
+              <a:bodyPr wrap="none" lIns="0" tIns="0" rIns="0" bIns="0" rtlCol="0">
+                <a:spAutoFit/>
+              </a:bodyPr>
+              <a:lstStyle/>
+              <a:p>
+                <a14:m>
+                  <m:oMathPara xmlns:m="http://schemas.openxmlformats.org/officeDocument/2006/math">
+                    <m:oMathParaPr>
+                      <m:jc m:val="centerGroup"/>
+                    </m:oMathParaPr>
+                    <m:oMath xmlns:m="http://schemas.openxmlformats.org/officeDocument/2006/math">
+                      <m:r>
+                        <a:rPr lang="en-US" altLang="ko-KR" b="0" i="1" smtClean="0">
+                          <a:latin typeface="Cambria Math" panose="02040503050406030204" pitchFamily="18" charset="0"/>
+                        </a:rPr>
+                        <m:t>∠</m:t>
+                      </m:r>
+                      <m:r>
+                        <a:rPr lang="en-US" altLang="ko-KR" b="0" i="1" smtClean="0">
+                          <a:latin typeface="Cambria Math" panose="02040503050406030204" pitchFamily="18" charset="0"/>
+                        </a:rPr>
+                        <m:t>𝐻</m:t>
+                      </m:r>
+                      <m:d>
+                        <m:dPr>
+                          <m:ctrlPr>
+                            <a:rPr lang="en-US" altLang="ko-KR" b="0" i="1" smtClean="0">
+                              <a:latin typeface="Cambria Math" panose="02040503050406030204" pitchFamily="18" charset="0"/>
+                            </a:rPr>
+                          </m:ctrlPr>
+                        </m:dPr>
+                        <m:e>
+                          <m:r>
+                            <a:rPr lang="en-US" altLang="ko-KR" b="0" i="1" smtClean="0">
+                              <a:latin typeface="Cambria Math" panose="02040503050406030204" pitchFamily="18" charset="0"/>
+                            </a:rPr>
+                            <m:t>𝜔</m:t>
+                          </m:r>
+                        </m:e>
+                      </m:d>
+                      <m:r>
+                        <a:rPr lang="en-US" altLang="ko-KR" b="0" i="1" smtClean="0">
+                          <a:latin typeface="Cambria Math" panose="02040503050406030204" pitchFamily="18" charset="0"/>
+                        </a:rPr>
+                        <m:t>=−</m:t>
+                      </m:r>
+                      <m:d>
+                        <m:dPr>
+                          <m:begChr m:val="["/>
+                          <m:endChr m:val="]"/>
+                          <m:ctrlPr>
+                            <a:rPr lang="en-US" altLang="ko-KR" b="0" i="1" smtClean="0">
+                              <a:latin typeface="Cambria Math" panose="02040503050406030204" pitchFamily="18" charset="0"/>
+                            </a:rPr>
+                          </m:ctrlPr>
+                        </m:dPr>
+                        <m:e>
+                          <m:sSub>
+                            <m:sSubPr>
+                              <m:ctrlPr>
+                                <a:rPr lang="en-US" altLang="ko-KR" b="0" i="1" smtClean="0">
+                                  <a:latin typeface="Cambria Math" panose="02040503050406030204" pitchFamily="18" charset="0"/>
+                                </a:rPr>
+                              </m:ctrlPr>
+                            </m:sSubPr>
+                            <m:e>
+                              <m:r>
+                                <a:rPr lang="en-US" altLang="ko-KR" b="0" i="1" smtClean="0">
+                                  <a:latin typeface="Cambria Math" panose="02040503050406030204" pitchFamily="18" charset="0"/>
+                                </a:rPr>
+                                <m:t>𝑛</m:t>
+                              </m:r>
+                            </m:e>
+                            <m:sub>
+                              <m:r>
+                                <a:rPr lang="en-US" altLang="ko-KR" b="0" i="1" smtClean="0">
+                                  <a:latin typeface="Cambria Math" panose="02040503050406030204" pitchFamily="18" charset="0"/>
+                                </a:rPr>
+                                <m:t>𝑠</m:t>
+                              </m:r>
+                            </m:sub>
+                          </m:sSub>
+                          <m:r>
+                            <a:rPr lang="en-US" altLang="ko-KR" b="0" i="1" smtClean="0">
+                              <a:latin typeface="Cambria Math" panose="02040503050406030204" pitchFamily="18" charset="0"/>
+                            </a:rPr>
+                            <m:t>−</m:t>
+                          </m:r>
+                          <m:sSub>
+                            <m:sSubPr>
+                              <m:ctrlPr>
+                                <a:rPr lang="en-US" altLang="ko-KR" b="0" i="1" smtClean="0">
+                                  <a:latin typeface="Cambria Math" panose="02040503050406030204" pitchFamily="18" charset="0"/>
+                                </a:rPr>
+                              </m:ctrlPr>
+                            </m:sSubPr>
+                            <m:e>
+                              <m:r>
+                                <a:rPr lang="en-US" altLang="ko-KR" b="0" i="1" smtClean="0">
+                                  <a:latin typeface="Cambria Math" panose="02040503050406030204" pitchFamily="18" charset="0"/>
+                                </a:rPr>
+                                <m:t>𝑛</m:t>
+                              </m:r>
+                            </m:e>
+                            <m:sub>
+                              <m:r>
+                                <a:rPr lang="en-US" altLang="ko-KR" b="0" i="1" smtClean="0">
+                                  <a:latin typeface="Cambria Math" panose="02040503050406030204" pitchFamily="18" charset="0"/>
+                                </a:rPr>
+                                <m:t>0</m:t>
+                              </m:r>
+                            </m:sub>
+                          </m:sSub>
+                        </m:e>
+                      </m:d>
+                      <m:f>
+                        <m:fPr>
+                          <m:ctrlPr>
+                            <a:rPr lang="en-US" altLang="ko-KR" b="0" i="1" smtClean="0">
+                              <a:latin typeface="Cambria Math" panose="02040503050406030204" pitchFamily="18" charset="0"/>
+                            </a:rPr>
+                          </m:ctrlPr>
+                        </m:fPr>
+                        <m:num>
+                          <m:r>
+                            <a:rPr lang="en-US" altLang="ko-KR" b="0" i="1" smtClean="0">
+                              <a:latin typeface="Cambria Math" panose="02040503050406030204" pitchFamily="18" charset="0"/>
+                            </a:rPr>
+                            <m:t>𝜔</m:t>
+                          </m:r>
+                          <m:r>
+                            <a:rPr lang="en-US" altLang="ko-KR" b="0" i="1" smtClean="0">
+                              <a:latin typeface="Cambria Math" panose="02040503050406030204" pitchFamily="18" charset="0"/>
+                            </a:rPr>
+                            <m:t>𝑙</m:t>
+                          </m:r>
+                        </m:num>
+                        <m:den>
+                          <m:r>
+                            <a:rPr lang="en-US" altLang="ko-KR" b="0" i="1" smtClean="0">
+                              <a:latin typeface="Cambria Math" panose="02040503050406030204" pitchFamily="18" charset="0"/>
+                            </a:rPr>
+                            <m:t>𝑐</m:t>
+                          </m:r>
+                        </m:den>
+                      </m:f>
+                    </m:oMath>
+                  </m:oMathPara>
+                </a14:m>
+                <a:endParaRPr lang="ko-KR" altLang="en-US" dirty="0"/>
+              </a:p>
+            </p:txBody>
+          </p:sp>
+        </mc:Choice>
+        <mc:Fallback>
+          <p:sp>
+            <p:nvSpPr>
+              <p:cNvPr id="5" name="TextBox 4"/>
+              <p:cNvSpPr txBox="1">
+                <a:spLocks noRot="1" noChangeAspect="1" noMove="1" noResize="1" noEditPoints="1" noAdjustHandles="1" noChangeArrowheads="1" noChangeShapeType="1" noTextEdit="1"/>
+              </p:cNvSpPr>
+              <p:nvPr/>
+            </p:nvSpPr>
+            <p:spPr>
+              <a:xfrm>
+                <a:off x="3367884" y="3501337"/>
+                <a:ext cx="2408223" cy="524118"/>
+              </a:xfrm>
+              <a:prstGeom prst="rect">
+                <a:avLst/>
+              </a:prstGeom>
+              <a:blipFill rotWithShape="0">
+                <a:blip r:embed="rId6"/>
+                <a:stretch>
+                  <a:fillRect/>
+                </a:stretch>
+              </a:blipFill>
+            </p:spPr>
+            <p:txBody>
+              <a:bodyPr/>
+              <a:lstStyle/>
+              <a:p>
+                <a:r>
+                  <a:rPr lang="ko-KR" altLang="en-US">
+                    <a:noFill/>
+                  </a:rPr>
+                  <a:t> </a:t>
+                </a:r>
+              </a:p>
+            </p:txBody>
+          </p:sp>
+        </mc:Fallback>
+      </mc:AlternateContent>
+      <mc:AlternateContent xmlns:mc="http://schemas.openxmlformats.org/markup-compatibility/2006">
+        <mc:Choice xmlns:a14="http://schemas.microsoft.com/office/drawing/2010/main" Requires="a14">
+          <p:sp>
+            <p:nvSpPr>
+              <p:cNvPr id="6" name="TextBox 5"/>
+              <p:cNvSpPr txBox="1"/>
+              <p:nvPr/>
+            </p:nvSpPr>
+            <p:spPr>
+              <a:xfrm>
+                <a:off x="2842515" y="4158298"/>
+                <a:ext cx="3458960" cy="616387"/>
+              </a:xfrm>
+              <a:prstGeom prst="rect">
+                <a:avLst/>
+              </a:prstGeom>
+              <a:noFill/>
+            </p:spPr>
+            <p:txBody>
+              <a:bodyPr wrap="none" lIns="0" tIns="0" rIns="0" bIns="0" rtlCol="0">
+                <a:spAutoFit/>
+              </a:bodyPr>
+              <a:lstStyle/>
+              <a:p>
+                <a14:m>
+                  <m:oMathPara xmlns:m="http://schemas.openxmlformats.org/officeDocument/2006/math">
+                    <m:oMathParaPr>
+                      <m:jc m:val="centerGroup"/>
+                    </m:oMathParaPr>
+                    <m:oMath xmlns:m="http://schemas.openxmlformats.org/officeDocument/2006/math">
+                      <m:func>
+                        <m:funcPr>
+                          <m:ctrlPr>
+                            <a:rPr lang="en-US" altLang="ko-KR" b="0" i="1" smtClean="0">
+                              <a:latin typeface="Cambria Math" panose="02040503050406030204" pitchFamily="18" charset="0"/>
+                            </a:rPr>
+                          </m:ctrlPr>
+                        </m:funcPr>
+                        <m:fName>
+                          <m:r>
+                            <m:rPr>
+                              <m:sty m:val="p"/>
+                            </m:rPr>
+                            <a:rPr lang="en-US" altLang="ko-KR" b="0" i="0" smtClean="0">
+                              <a:latin typeface="Cambria Math" panose="02040503050406030204" pitchFamily="18" charset="0"/>
+                            </a:rPr>
+                            <m:t>ln</m:t>
+                          </m:r>
+                        </m:fName>
+                        <m:e>
+                          <m:d>
+                            <m:dPr>
+                              <m:begChr m:val="|"/>
+                              <m:endChr m:val="|"/>
+                              <m:ctrlPr>
+                                <a:rPr lang="en-US" altLang="ko-KR" b="0" i="1" smtClean="0">
+                                  <a:latin typeface="Cambria Math" panose="02040503050406030204" pitchFamily="18" charset="0"/>
+                                </a:rPr>
+                              </m:ctrlPr>
+                            </m:dPr>
+                            <m:e>
+                              <m:r>
+                                <a:rPr lang="en-US" altLang="ko-KR" b="0" i="1" smtClean="0">
+                                  <a:latin typeface="Cambria Math" panose="02040503050406030204" pitchFamily="18" charset="0"/>
+                                </a:rPr>
+                                <m:t>𝐻</m:t>
+                              </m:r>
+                              <m:d>
+                                <m:dPr>
+                                  <m:ctrlPr>
+                                    <a:rPr lang="en-US" altLang="ko-KR" b="0" i="1" smtClean="0">
+                                      <a:latin typeface="Cambria Math" panose="02040503050406030204" pitchFamily="18" charset="0"/>
+                                    </a:rPr>
+                                  </m:ctrlPr>
+                                </m:dPr>
+                                <m:e>
+                                  <m:r>
+                                    <a:rPr lang="en-US" altLang="ko-KR" b="0" i="1" smtClean="0">
+                                      <a:latin typeface="Cambria Math" panose="02040503050406030204" pitchFamily="18" charset="0"/>
+                                    </a:rPr>
+                                    <m:t>𝜔</m:t>
+                                  </m:r>
+                                </m:e>
+                              </m:d>
+                            </m:e>
+                          </m:d>
+                        </m:e>
+                      </m:func>
+                      <m:r>
+                        <a:rPr lang="en-US" altLang="ko-KR" b="0" i="1" smtClean="0">
+                          <a:latin typeface="Cambria Math" panose="02040503050406030204" pitchFamily="18" charset="0"/>
+                        </a:rPr>
+                        <m:t>=</m:t>
+                      </m:r>
+                      <m:func>
+                        <m:funcPr>
+                          <m:ctrlPr>
+                            <a:rPr lang="en-US" altLang="ko-KR" b="0" i="1" smtClean="0">
+                              <a:latin typeface="Cambria Math" panose="02040503050406030204" pitchFamily="18" charset="0"/>
+                            </a:rPr>
+                          </m:ctrlPr>
+                        </m:funcPr>
+                        <m:fName>
+                          <m:r>
+                            <m:rPr>
+                              <m:sty m:val="p"/>
+                            </m:rPr>
+                            <a:rPr lang="en-US" altLang="ko-KR" b="0" i="0" smtClean="0">
+                              <a:latin typeface="Cambria Math" panose="02040503050406030204" pitchFamily="18" charset="0"/>
+                            </a:rPr>
+                            <m:t>ln</m:t>
+                          </m:r>
+                        </m:fName>
+                        <m:e>
+                          <m:d>
+                            <m:dPr>
+                              <m:begChr m:val="["/>
+                              <m:endChr m:val="]"/>
+                              <m:ctrlPr>
+                                <a:rPr lang="en-US" altLang="ko-KR" b="0" i="1" smtClean="0">
+                                  <a:latin typeface="Cambria Math" panose="02040503050406030204" pitchFamily="18" charset="0"/>
+                                </a:rPr>
+                              </m:ctrlPr>
+                            </m:dPr>
+                            <m:e>
+                              <m:f>
+                                <m:fPr>
+                                  <m:ctrlPr>
+                                    <a:rPr lang="en-US" altLang="ko-KR" b="0" i="1" smtClean="0">
+                                      <a:latin typeface="Cambria Math" panose="02040503050406030204" pitchFamily="18" charset="0"/>
+                                    </a:rPr>
+                                  </m:ctrlPr>
+                                </m:fPr>
+                                <m:num>
+                                  <m:r>
+                                    <a:rPr lang="en-US" altLang="ko-KR" b="0" i="1" smtClean="0">
+                                      <a:latin typeface="Cambria Math" panose="02040503050406030204" pitchFamily="18" charset="0"/>
+                                    </a:rPr>
+                                    <m:t>4</m:t>
+                                  </m:r>
+                                  <m:sSub>
+                                    <m:sSubPr>
+                                      <m:ctrlPr>
+                                        <a:rPr lang="en-US" altLang="ko-KR" b="0" i="1" smtClean="0">
+                                          <a:latin typeface="Cambria Math" panose="02040503050406030204" pitchFamily="18" charset="0"/>
+                                        </a:rPr>
+                                      </m:ctrlPr>
+                                    </m:sSubPr>
+                                    <m:e>
+                                      <m:r>
+                                        <a:rPr lang="en-US" altLang="ko-KR" b="0" i="1" smtClean="0">
+                                          <a:latin typeface="Cambria Math" panose="02040503050406030204" pitchFamily="18" charset="0"/>
+                                        </a:rPr>
+                                        <m:t>𝑛</m:t>
+                                      </m:r>
+                                    </m:e>
+                                    <m:sub>
+                                      <m:r>
+                                        <a:rPr lang="en-US" altLang="ko-KR" b="0" i="1" smtClean="0">
+                                          <a:latin typeface="Cambria Math" panose="02040503050406030204" pitchFamily="18" charset="0"/>
+                                        </a:rPr>
+                                        <m:t>𝑠</m:t>
+                                      </m:r>
+                                    </m:sub>
+                                  </m:sSub>
+                                  <m:sSub>
+                                    <m:sSubPr>
+                                      <m:ctrlPr>
+                                        <a:rPr lang="en-US" altLang="ko-KR" b="0" i="1" smtClean="0">
+                                          <a:latin typeface="Cambria Math" panose="02040503050406030204" pitchFamily="18" charset="0"/>
+                                        </a:rPr>
+                                      </m:ctrlPr>
+                                    </m:sSubPr>
+                                    <m:e>
+                                      <m:r>
+                                        <a:rPr lang="en-US" altLang="ko-KR" b="0" i="1" smtClean="0">
+                                          <a:latin typeface="Cambria Math" panose="02040503050406030204" pitchFamily="18" charset="0"/>
+                                        </a:rPr>
+                                        <m:t>𝑛</m:t>
+                                      </m:r>
+                                    </m:e>
+                                    <m:sub>
+                                      <m:r>
+                                        <a:rPr lang="en-US" altLang="ko-KR" b="0" i="1" smtClean="0">
+                                          <a:latin typeface="Cambria Math" panose="02040503050406030204" pitchFamily="18" charset="0"/>
+                                        </a:rPr>
+                                        <m:t>0</m:t>
+                                      </m:r>
+                                    </m:sub>
+                                  </m:sSub>
+                                </m:num>
+                                <m:den>
+                                  <m:sSup>
+                                    <m:sSupPr>
+                                      <m:ctrlPr>
+                                        <a:rPr lang="en-US" altLang="ko-KR" b="0" i="1" smtClean="0">
+                                          <a:latin typeface="Cambria Math" panose="02040503050406030204" pitchFamily="18" charset="0"/>
+                                        </a:rPr>
+                                      </m:ctrlPr>
+                                    </m:sSupPr>
+                                    <m:e>
+                                      <m:d>
+                                        <m:dPr>
+                                          <m:ctrlPr>
+                                            <a:rPr lang="en-US" altLang="ko-KR" b="0" i="1" smtClean="0">
+                                              <a:latin typeface="Cambria Math" panose="02040503050406030204" pitchFamily="18" charset="0"/>
+                                            </a:rPr>
+                                          </m:ctrlPr>
+                                        </m:dPr>
+                                        <m:e>
+                                          <m:sSub>
+                                            <m:sSubPr>
+                                              <m:ctrlPr>
+                                                <a:rPr lang="en-US" altLang="ko-KR" b="0" i="1" smtClean="0">
+                                                  <a:latin typeface="Cambria Math" panose="02040503050406030204" pitchFamily="18" charset="0"/>
+                                                </a:rPr>
+                                              </m:ctrlPr>
+                                            </m:sSubPr>
+                                            <m:e>
+                                              <m:r>
+                                                <a:rPr lang="en-US" altLang="ko-KR" b="0" i="1" smtClean="0">
+                                                  <a:latin typeface="Cambria Math" panose="02040503050406030204" pitchFamily="18" charset="0"/>
+                                                </a:rPr>
+                                                <m:t>𝑛</m:t>
+                                              </m:r>
+                                            </m:e>
+                                            <m:sub>
+                                              <m:r>
+                                                <a:rPr lang="en-US" altLang="ko-KR" b="0" i="1" smtClean="0">
+                                                  <a:latin typeface="Cambria Math" panose="02040503050406030204" pitchFamily="18" charset="0"/>
+                                                </a:rPr>
+                                                <m:t>𝑠</m:t>
+                                              </m:r>
+                                            </m:sub>
+                                          </m:sSub>
+                                          <m:r>
+                                            <a:rPr lang="en-US" altLang="ko-KR" b="0" i="1" smtClean="0">
+                                              <a:latin typeface="Cambria Math" panose="02040503050406030204" pitchFamily="18" charset="0"/>
+                                            </a:rPr>
+                                            <m:t>+</m:t>
+                                          </m:r>
+                                          <m:sSub>
+                                            <m:sSubPr>
+                                              <m:ctrlPr>
+                                                <a:rPr lang="en-US" altLang="ko-KR" b="0" i="1" smtClean="0">
+                                                  <a:latin typeface="Cambria Math" panose="02040503050406030204" pitchFamily="18" charset="0"/>
+                                                </a:rPr>
+                                              </m:ctrlPr>
+                                            </m:sSubPr>
+                                            <m:e>
+                                              <m:r>
+                                                <a:rPr lang="en-US" altLang="ko-KR" b="0" i="1" smtClean="0">
+                                                  <a:latin typeface="Cambria Math" panose="02040503050406030204" pitchFamily="18" charset="0"/>
+                                                </a:rPr>
+                                                <m:t>𝑛</m:t>
+                                              </m:r>
+                                            </m:e>
+                                            <m:sub>
+                                              <m:r>
+                                                <a:rPr lang="en-US" altLang="ko-KR" b="0" i="1" smtClean="0">
+                                                  <a:latin typeface="Cambria Math" panose="02040503050406030204" pitchFamily="18" charset="0"/>
+                                                </a:rPr>
+                                                <m:t>0</m:t>
+                                              </m:r>
+                                            </m:sub>
+                                          </m:sSub>
+                                        </m:e>
+                                      </m:d>
+                                    </m:e>
+                                    <m:sup>
+                                      <m:r>
+                                        <a:rPr lang="en-US" altLang="ko-KR" b="0" i="1" smtClean="0">
+                                          <a:latin typeface="Cambria Math" panose="02040503050406030204" pitchFamily="18" charset="0"/>
+                                        </a:rPr>
+                                        <m:t>2</m:t>
+                                      </m:r>
+                                    </m:sup>
+                                  </m:sSup>
+                                </m:den>
+                              </m:f>
+                            </m:e>
+                          </m:d>
+                        </m:e>
+                      </m:func>
+                      <m:r>
+                        <a:rPr lang="en-US" altLang="ko-KR" b="0" i="1" smtClean="0">
+                          <a:latin typeface="Cambria Math" panose="02040503050406030204" pitchFamily="18" charset="0"/>
+                        </a:rPr>
+                        <m:t>−</m:t>
+                      </m:r>
+                      <m:sSub>
+                        <m:sSubPr>
+                          <m:ctrlPr>
+                            <a:rPr lang="en-US" altLang="ko-KR" b="0" i="1" smtClean="0">
+                              <a:latin typeface="Cambria Math" panose="02040503050406030204" pitchFamily="18" charset="0"/>
+                            </a:rPr>
+                          </m:ctrlPr>
+                        </m:sSubPr>
+                        <m:e>
+                          <m:r>
+                            <a:rPr lang="en-US" altLang="ko-KR" b="0" i="1" smtClean="0">
+                              <a:latin typeface="Cambria Math" panose="02040503050406030204" pitchFamily="18" charset="0"/>
+                            </a:rPr>
+                            <m:t>𝜅</m:t>
+                          </m:r>
+                        </m:e>
+                        <m:sub>
+                          <m:r>
+                            <a:rPr lang="en-US" altLang="ko-KR" b="0" i="1" smtClean="0">
+                              <a:latin typeface="Cambria Math" panose="02040503050406030204" pitchFamily="18" charset="0"/>
+                            </a:rPr>
+                            <m:t>𝑠</m:t>
+                          </m:r>
+                        </m:sub>
+                      </m:sSub>
+                      <m:f>
+                        <m:fPr>
+                          <m:ctrlPr>
+                            <a:rPr lang="en-US" altLang="ko-KR" b="0" i="1" smtClean="0">
+                              <a:latin typeface="Cambria Math" panose="02040503050406030204" pitchFamily="18" charset="0"/>
+                            </a:rPr>
+                          </m:ctrlPr>
+                        </m:fPr>
+                        <m:num>
+                          <m:r>
+                            <a:rPr lang="en-US" altLang="ko-KR" b="0" i="1" smtClean="0">
+                              <a:latin typeface="Cambria Math" panose="02040503050406030204" pitchFamily="18" charset="0"/>
+                            </a:rPr>
+                            <m:t>𝜔</m:t>
+                          </m:r>
+                          <m:r>
+                            <a:rPr lang="en-US" altLang="ko-KR" b="0" i="1" smtClean="0">
+                              <a:latin typeface="Cambria Math" panose="02040503050406030204" pitchFamily="18" charset="0"/>
+                            </a:rPr>
+                            <m:t>𝑙</m:t>
+                          </m:r>
+                        </m:num>
+                        <m:den>
+                          <m:r>
+                            <a:rPr lang="en-US" altLang="ko-KR" b="0" i="1" smtClean="0">
+                              <a:latin typeface="Cambria Math" panose="02040503050406030204" pitchFamily="18" charset="0"/>
+                            </a:rPr>
+                            <m:t>𝑐</m:t>
+                          </m:r>
+                        </m:den>
+                      </m:f>
+                    </m:oMath>
+                  </m:oMathPara>
+                </a14:m>
+                <a:endParaRPr lang="ko-KR" altLang="en-US" dirty="0"/>
+              </a:p>
+            </p:txBody>
+          </p:sp>
+        </mc:Choice>
+        <mc:Fallback>
+          <p:sp>
+            <p:nvSpPr>
+              <p:cNvPr id="6" name="TextBox 5"/>
+              <p:cNvSpPr txBox="1">
+                <a:spLocks noRot="1" noChangeAspect="1" noMove="1" noResize="1" noEditPoints="1" noAdjustHandles="1" noChangeArrowheads="1" noChangeShapeType="1" noTextEdit="1"/>
+              </p:cNvSpPr>
+              <p:nvPr/>
+            </p:nvSpPr>
+            <p:spPr>
+              <a:xfrm>
+                <a:off x="2842515" y="4158298"/>
+                <a:ext cx="3458960" cy="616387"/>
+              </a:xfrm>
+              <a:prstGeom prst="rect">
+                <a:avLst/>
+              </a:prstGeom>
+              <a:blipFill rotWithShape="0">
+                <a:blip r:embed="rId7"/>
+                <a:stretch>
+                  <a:fillRect b="-990"/>
+                </a:stretch>
+              </a:blipFill>
+            </p:spPr>
+            <p:txBody>
+              <a:bodyPr/>
+              <a:lstStyle/>
+              <a:p>
+                <a:r>
+                  <a:rPr lang="ko-KR" altLang="en-US">
+                    <a:noFill/>
+                  </a:rPr>
+                  <a:t> </a:t>
+                </a:r>
+              </a:p>
+            </p:txBody>
+          </p:sp>
+        </mc:Fallback>
+      </mc:AlternateContent>
+      <mc:AlternateContent xmlns:mc="http://schemas.openxmlformats.org/markup-compatibility/2006">
+        <mc:Choice xmlns:a14="http://schemas.microsoft.com/office/drawing/2010/main" Requires="a14">
+          <p:sp>
+            <p:nvSpPr>
+              <p:cNvPr id="7" name="TextBox 6"/>
+              <p:cNvSpPr txBox="1"/>
+              <p:nvPr/>
+            </p:nvSpPr>
+            <p:spPr>
+              <a:xfrm>
+                <a:off x="3417305" y="5129860"/>
+                <a:ext cx="2074286" cy="474297"/>
+              </a:xfrm>
+              <a:prstGeom prst="rect">
+                <a:avLst/>
+              </a:prstGeom>
+              <a:noFill/>
+            </p:spPr>
+            <p:txBody>
+              <a:bodyPr wrap="none" lIns="0" tIns="0" rIns="0" bIns="0" rtlCol="0">
+                <a:spAutoFit/>
+              </a:bodyPr>
+              <a:lstStyle/>
+              <a:p>
+                <a14:m>
+                  <m:oMathPara xmlns:m="http://schemas.openxmlformats.org/officeDocument/2006/math">
+                    <m:oMathParaPr>
+                      <m:jc m:val="centerGroup"/>
+                    </m:oMathParaPr>
+                    <m:oMath xmlns:m="http://schemas.openxmlformats.org/officeDocument/2006/math">
+                      <m:sSub>
+                        <m:sSubPr>
+                          <m:ctrlPr>
+                            <a:rPr lang="en-US" altLang="ko-KR" b="0" i="1" smtClean="0">
+                              <a:latin typeface="Cambria Math" panose="02040503050406030204" pitchFamily="18" charset="0"/>
+                            </a:rPr>
+                          </m:ctrlPr>
+                        </m:sSubPr>
+                        <m:e>
+                          <m:r>
+                            <a:rPr lang="en-US" altLang="ko-KR" b="0" i="1" smtClean="0">
+                              <a:latin typeface="Cambria Math" panose="02040503050406030204" pitchFamily="18" charset="0"/>
+                            </a:rPr>
+                            <m:t>𝑛</m:t>
+                          </m:r>
+                        </m:e>
+                        <m:sub>
+                          <m:r>
+                            <a:rPr lang="en-US" altLang="ko-KR" b="0" i="1" smtClean="0">
+                              <a:latin typeface="Cambria Math" panose="02040503050406030204" pitchFamily="18" charset="0"/>
+                            </a:rPr>
+                            <m:t>𝑠</m:t>
+                          </m:r>
+                        </m:sub>
+                      </m:sSub>
+                      <m:r>
+                        <a:rPr lang="en-US" altLang="ko-KR" b="0" i="1" smtClean="0">
+                          <a:latin typeface="Cambria Math" panose="02040503050406030204" pitchFamily="18" charset="0"/>
+                        </a:rPr>
+                        <m:t>=</m:t>
+                      </m:r>
+                      <m:sSub>
+                        <m:sSubPr>
+                          <m:ctrlPr>
+                            <a:rPr lang="en-US" altLang="ko-KR" b="0" i="1" smtClean="0">
+                              <a:latin typeface="Cambria Math" panose="02040503050406030204" pitchFamily="18" charset="0"/>
+                            </a:rPr>
+                          </m:ctrlPr>
+                        </m:sSubPr>
+                        <m:e>
+                          <m:r>
+                            <a:rPr lang="en-US" altLang="ko-KR" b="0" i="1" smtClean="0">
+                              <a:latin typeface="Cambria Math" panose="02040503050406030204" pitchFamily="18" charset="0"/>
+                            </a:rPr>
+                            <m:t>𝑛</m:t>
+                          </m:r>
+                        </m:e>
+                        <m:sub>
+                          <m:r>
+                            <a:rPr lang="en-US" altLang="ko-KR" b="0" i="1" smtClean="0">
+                              <a:latin typeface="Cambria Math" panose="02040503050406030204" pitchFamily="18" charset="0"/>
+                            </a:rPr>
+                            <m:t>0</m:t>
+                          </m:r>
+                        </m:sub>
+                      </m:sSub>
+                      <m:r>
+                        <a:rPr lang="en-US" altLang="ko-KR" b="0" i="1" smtClean="0">
+                          <a:latin typeface="Cambria Math" panose="02040503050406030204" pitchFamily="18" charset="0"/>
+                        </a:rPr>
+                        <m:t>−</m:t>
+                      </m:r>
+                      <m:f>
+                        <m:fPr>
+                          <m:ctrlPr>
+                            <a:rPr lang="en-US" altLang="ko-KR" b="0" i="1" smtClean="0">
+                              <a:latin typeface="Cambria Math" panose="02040503050406030204" pitchFamily="18" charset="0"/>
+                            </a:rPr>
+                          </m:ctrlPr>
+                        </m:fPr>
+                        <m:num>
+                          <m:r>
+                            <a:rPr lang="en-US" altLang="ko-KR" b="0" i="1" smtClean="0">
+                              <a:latin typeface="Cambria Math" panose="02040503050406030204" pitchFamily="18" charset="0"/>
+                            </a:rPr>
+                            <m:t>𝑐</m:t>
+                          </m:r>
+                        </m:num>
+                        <m:den>
+                          <m:r>
+                            <a:rPr lang="en-US" altLang="ko-KR" b="0" i="1" smtClean="0">
+                              <a:latin typeface="Cambria Math" panose="02040503050406030204" pitchFamily="18" charset="0"/>
+                            </a:rPr>
+                            <m:t>𝜔</m:t>
+                          </m:r>
+                          <m:r>
+                            <a:rPr lang="en-US" altLang="ko-KR" b="0" i="1" smtClean="0">
+                              <a:latin typeface="Cambria Math" panose="02040503050406030204" pitchFamily="18" charset="0"/>
+                            </a:rPr>
+                            <m:t>𝑙</m:t>
+                          </m:r>
+                        </m:den>
+                      </m:f>
+                      <m:r>
+                        <a:rPr lang="en-US" altLang="ko-KR" b="0" i="1" smtClean="0">
+                          <a:latin typeface="Cambria Math" panose="02040503050406030204" pitchFamily="18" charset="0"/>
+                        </a:rPr>
+                        <m:t>∠</m:t>
+                      </m:r>
+                      <m:r>
+                        <a:rPr lang="en-US" altLang="ko-KR" b="0" i="1" smtClean="0">
+                          <a:latin typeface="Cambria Math" panose="02040503050406030204" pitchFamily="18" charset="0"/>
+                        </a:rPr>
+                        <m:t>𝐻</m:t>
+                      </m:r>
+                      <m:d>
+                        <m:dPr>
+                          <m:ctrlPr>
+                            <a:rPr lang="en-US" altLang="ko-KR" b="0" i="1" smtClean="0">
+                              <a:latin typeface="Cambria Math" panose="02040503050406030204" pitchFamily="18" charset="0"/>
+                            </a:rPr>
+                          </m:ctrlPr>
+                        </m:dPr>
+                        <m:e>
+                          <m:r>
+                            <a:rPr lang="en-US" altLang="ko-KR" b="0" i="1" smtClean="0">
+                              <a:latin typeface="Cambria Math" panose="02040503050406030204" pitchFamily="18" charset="0"/>
+                            </a:rPr>
+                            <m:t>𝜔</m:t>
+                          </m:r>
+                        </m:e>
+                      </m:d>
+                    </m:oMath>
+                  </m:oMathPara>
+                </a14:m>
+                <a:endParaRPr lang="ko-KR" altLang="en-US" dirty="0"/>
+              </a:p>
+            </p:txBody>
+          </p:sp>
+        </mc:Choice>
+        <mc:Fallback>
+          <p:sp>
+            <p:nvSpPr>
+              <p:cNvPr id="7" name="TextBox 6"/>
+              <p:cNvSpPr txBox="1">
+                <a:spLocks noRot="1" noChangeAspect="1" noMove="1" noResize="1" noEditPoints="1" noAdjustHandles="1" noChangeArrowheads="1" noChangeShapeType="1" noTextEdit="1"/>
+              </p:cNvSpPr>
+              <p:nvPr/>
+            </p:nvSpPr>
+            <p:spPr>
+              <a:xfrm>
+                <a:off x="3417305" y="5129860"/>
+                <a:ext cx="2074286" cy="474297"/>
+              </a:xfrm>
+              <a:prstGeom prst="rect">
+                <a:avLst/>
+              </a:prstGeom>
+              <a:blipFill rotWithShape="0">
+                <a:blip r:embed="rId8"/>
+                <a:stretch>
+                  <a:fillRect/>
+                </a:stretch>
+              </a:blipFill>
+            </p:spPr>
+            <p:txBody>
+              <a:bodyPr/>
+              <a:lstStyle/>
+              <a:p>
+                <a:r>
+                  <a:rPr lang="ko-KR" altLang="en-US">
+                    <a:noFill/>
+                  </a:rPr>
+                  <a:t> </a:t>
+                </a:r>
+              </a:p>
+            </p:txBody>
+          </p:sp>
+        </mc:Fallback>
+      </mc:AlternateContent>
+      <mc:AlternateContent xmlns:mc="http://schemas.openxmlformats.org/markup-compatibility/2006">
+        <mc:Choice xmlns:a14="http://schemas.microsoft.com/office/drawing/2010/main" Requires="a14">
+          <p:sp>
+            <p:nvSpPr>
+              <p:cNvPr id="8" name="TextBox 7"/>
+              <p:cNvSpPr txBox="1"/>
+              <p:nvPr/>
+            </p:nvSpPr>
+            <p:spPr>
+              <a:xfrm>
+                <a:off x="2799188" y="5796256"/>
+                <a:ext cx="3689663" cy="617861"/>
+              </a:xfrm>
+              <a:prstGeom prst="rect">
+                <a:avLst/>
+              </a:prstGeom>
+              <a:noFill/>
+            </p:spPr>
+            <p:txBody>
+              <a:bodyPr wrap="none" lIns="0" tIns="0" rIns="0" bIns="0" rtlCol="0">
+                <a:spAutoFit/>
+              </a:bodyPr>
+              <a:lstStyle/>
+              <a:p>
+                <a14:m>
+                  <m:oMathPara xmlns:m="http://schemas.openxmlformats.org/officeDocument/2006/math">
+                    <m:oMathParaPr>
+                      <m:jc m:val="centerGroup"/>
+                    </m:oMathParaPr>
+                    <m:oMath xmlns:m="http://schemas.openxmlformats.org/officeDocument/2006/math">
+                      <m:sSub>
+                        <m:sSubPr>
+                          <m:ctrlPr>
+                            <a:rPr lang="en-US" altLang="ko-KR" b="0" i="1" smtClean="0">
+                              <a:latin typeface="Cambria Math" panose="02040503050406030204" pitchFamily="18" charset="0"/>
+                            </a:rPr>
+                          </m:ctrlPr>
+                        </m:sSubPr>
+                        <m:e>
+                          <m:r>
+                            <a:rPr lang="en-US" altLang="ko-KR" b="0" i="1" smtClean="0">
+                              <a:latin typeface="Cambria Math" panose="02040503050406030204" pitchFamily="18" charset="0"/>
+                            </a:rPr>
+                            <m:t>𝜅</m:t>
+                          </m:r>
+                        </m:e>
+                        <m:sub>
+                          <m:r>
+                            <a:rPr lang="en-US" altLang="ko-KR" b="0" i="1" smtClean="0">
+                              <a:latin typeface="Cambria Math" panose="02040503050406030204" pitchFamily="18" charset="0"/>
+                            </a:rPr>
+                            <m:t>𝑠</m:t>
+                          </m:r>
+                        </m:sub>
+                      </m:sSub>
+                      <m:r>
+                        <a:rPr lang="en-US" altLang="ko-KR" b="0" i="1" smtClean="0">
+                          <a:latin typeface="Cambria Math" panose="02040503050406030204" pitchFamily="18" charset="0"/>
+                        </a:rPr>
+                        <m:t>=</m:t>
+                      </m:r>
+                      <m:f>
+                        <m:fPr>
+                          <m:ctrlPr>
+                            <a:rPr lang="en-US" altLang="ko-KR" b="0" i="1" smtClean="0">
+                              <a:latin typeface="Cambria Math" panose="02040503050406030204" pitchFamily="18" charset="0"/>
+                            </a:rPr>
+                          </m:ctrlPr>
+                        </m:fPr>
+                        <m:num>
+                          <m:r>
+                            <a:rPr lang="en-US" altLang="ko-KR" b="0" i="1" smtClean="0">
+                              <a:latin typeface="Cambria Math" panose="02040503050406030204" pitchFamily="18" charset="0"/>
+                            </a:rPr>
+                            <m:t>𝑐</m:t>
+                          </m:r>
+                        </m:num>
+                        <m:den>
+                          <m:r>
+                            <a:rPr lang="en-US" altLang="ko-KR" b="0" i="1" smtClean="0">
+                              <a:latin typeface="Cambria Math" panose="02040503050406030204" pitchFamily="18" charset="0"/>
+                            </a:rPr>
+                            <m:t>𝜔</m:t>
+                          </m:r>
+                          <m:r>
+                            <a:rPr lang="en-US" altLang="ko-KR" b="0" i="1" smtClean="0">
+                              <a:latin typeface="Cambria Math" panose="02040503050406030204" pitchFamily="18" charset="0"/>
+                            </a:rPr>
+                            <m:t>𝑙</m:t>
+                          </m:r>
+                        </m:den>
+                      </m:f>
+                      <m:d>
+                        <m:dPr>
+                          <m:begChr m:val="{"/>
+                          <m:endChr m:val="}"/>
+                          <m:ctrlPr>
+                            <a:rPr lang="en-US" altLang="ko-KR" b="0" i="1" smtClean="0">
+                              <a:latin typeface="Cambria Math" panose="02040503050406030204" pitchFamily="18" charset="0"/>
+                            </a:rPr>
+                          </m:ctrlPr>
+                        </m:dPr>
+                        <m:e>
+                          <m:func>
+                            <m:funcPr>
+                              <m:ctrlPr>
+                                <a:rPr lang="en-US" altLang="ko-KR" b="0" i="1" smtClean="0">
+                                  <a:latin typeface="Cambria Math" panose="02040503050406030204" pitchFamily="18" charset="0"/>
+                                </a:rPr>
+                              </m:ctrlPr>
+                            </m:funcPr>
+                            <m:fName>
+                              <m:r>
+                                <m:rPr>
+                                  <m:sty m:val="p"/>
+                                </m:rPr>
+                                <a:rPr lang="en-US" altLang="ko-KR" b="0" i="0" smtClean="0">
+                                  <a:latin typeface="Cambria Math" panose="02040503050406030204" pitchFamily="18" charset="0"/>
+                                </a:rPr>
+                                <m:t>ln</m:t>
+                              </m:r>
+                            </m:fName>
+                            <m:e>
+                              <m:d>
+                                <m:dPr>
+                                  <m:begChr m:val="["/>
+                                  <m:endChr m:val="]"/>
+                                  <m:ctrlPr>
+                                    <a:rPr lang="en-US" altLang="ko-KR" b="0" i="1" smtClean="0">
+                                      <a:latin typeface="Cambria Math" panose="02040503050406030204" pitchFamily="18" charset="0"/>
+                                    </a:rPr>
+                                  </m:ctrlPr>
+                                </m:dPr>
+                                <m:e>
+                                  <m:f>
+                                    <m:fPr>
+                                      <m:ctrlPr>
+                                        <a:rPr lang="en-US" altLang="ko-KR" b="0" i="1" smtClean="0">
+                                          <a:latin typeface="Cambria Math" panose="02040503050406030204" pitchFamily="18" charset="0"/>
+                                        </a:rPr>
+                                      </m:ctrlPr>
+                                    </m:fPr>
+                                    <m:num>
+                                      <m:r>
+                                        <a:rPr lang="en-US" altLang="ko-KR" b="0" i="1" smtClean="0">
+                                          <a:latin typeface="Cambria Math" panose="02040503050406030204" pitchFamily="18" charset="0"/>
+                                        </a:rPr>
+                                        <m:t>4</m:t>
+                                      </m:r>
+                                      <m:sSub>
+                                        <m:sSubPr>
+                                          <m:ctrlPr>
+                                            <a:rPr lang="en-US" altLang="ko-KR" b="0" i="1" smtClean="0">
+                                              <a:latin typeface="Cambria Math" panose="02040503050406030204" pitchFamily="18" charset="0"/>
+                                            </a:rPr>
+                                          </m:ctrlPr>
+                                        </m:sSubPr>
+                                        <m:e>
+                                          <m:r>
+                                            <a:rPr lang="en-US" altLang="ko-KR" b="0" i="1" smtClean="0">
+                                              <a:latin typeface="Cambria Math" panose="02040503050406030204" pitchFamily="18" charset="0"/>
+                                            </a:rPr>
+                                            <m:t>𝑛</m:t>
+                                          </m:r>
+                                        </m:e>
+                                        <m:sub>
+                                          <m:r>
+                                            <a:rPr lang="en-US" altLang="ko-KR" b="0" i="1" smtClean="0">
+                                              <a:latin typeface="Cambria Math" panose="02040503050406030204" pitchFamily="18" charset="0"/>
+                                            </a:rPr>
+                                            <m:t>𝑠</m:t>
+                                          </m:r>
+                                        </m:sub>
+                                      </m:sSub>
+                                      <m:sSub>
+                                        <m:sSubPr>
+                                          <m:ctrlPr>
+                                            <a:rPr lang="en-US" altLang="ko-KR" b="0" i="1" smtClean="0">
+                                              <a:latin typeface="Cambria Math" panose="02040503050406030204" pitchFamily="18" charset="0"/>
+                                            </a:rPr>
+                                          </m:ctrlPr>
+                                        </m:sSubPr>
+                                        <m:e>
+                                          <m:r>
+                                            <a:rPr lang="en-US" altLang="ko-KR" b="0" i="1" smtClean="0">
+                                              <a:latin typeface="Cambria Math" panose="02040503050406030204" pitchFamily="18" charset="0"/>
+                                            </a:rPr>
+                                            <m:t>𝑛</m:t>
+                                          </m:r>
+                                        </m:e>
+                                        <m:sub>
+                                          <m:r>
+                                            <a:rPr lang="en-US" altLang="ko-KR" b="0" i="1" smtClean="0">
+                                              <a:latin typeface="Cambria Math" panose="02040503050406030204" pitchFamily="18" charset="0"/>
+                                            </a:rPr>
+                                            <m:t>0</m:t>
+                                          </m:r>
+                                        </m:sub>
+                                      </m:sSub>
+                                    </m:num>
+                                    <m:den>
+                                      <m:sSup>
+                                        <m:sSupPr>
+                                          <m:ctrlPr>
+                                            <a:rPr lang="en-US" altLang="ko-KR" b="0" i="1" smtClean="0">
+                                              <a:latin typeface="Cambria Math" panose="02040503050406030204" pitchFamily="18" charset="0"/>
+                                            </a:rPr>
+                                          </m:ctrlPr>
+                                        </m:sSupPr>
+                                        <m:e>
+                                          <m:d>
+                                            <m:dPr>
+                                              <m:ctrlPr>
+                                                <a:rPr lang="en-US" altLang="ko-KR" b="0" i="1" smtClean="0">
+                                                  <a:latin typeface="Cambria Math" panose="02040503050406030204" pitchFamily="18" charset="0"/>
+                                                </a:rPr>
+                                              </m:ctrlPr>
+                                            </m:dPr>
+                                            <m:e>
+                                              <m:sSub>
+                                                <m:sSubPr>
+                                                  <m:ctrlPr>
+                                                    <a:rPr lang="en-US" altLang="ko-KR" b="0" i="1" smtClean="0">
+                                                      <a:latin typeface="Cambria Math" panose="02040503050406030204" pitchFamily="18" charset="0"/>
+                                                    </a:rPr>
+                                                  </m:ctrlPr>
+                                                </m:sSubPr>
+                                                <m:e>
+                                                  <m:r>
+                                                    <a:rPr lang="en-US" altLang="ko-KR" b="0" i="1" smtClean="0">
+                                                      <a:latin typeface="Cambria Math" panose="02040503050406030204" pitchFamily="18" charset="0"/>
+                                                    </a:rPr>
+                                                    <m:t>𝑛</m:t>
+                                                  </m:r>
+                                                </m:e>
+                                                <m:sub>
+                                                  <m:r>
+                                                    <a:rPr lang="en-US" altLang="ko-KR" b="0" i="1" smtClean="0">
+                                                      <a:latin typeface="Cambria Math" panose="02040503050406030204" pitchFamily="18" charset="0"/>
+                                                    </a:rPr>
+                                                    <m:t>𝑠</m:t>
+                                                  </m:r>
+                                                </m:sub>
+                                              </m:sSub>
+                                              <m:r>
+                                                <a:rPr lang="en-US" altLang="ko-KR" b="0" i="1" smtClean="0">
+                                                  <a:latin typeface="Cambria Math" panose="02040503050406030204" pitchFamily="18" charset="0"/>
+                                                </a:rPr>
+                                                <m:t>+</m:t>
+                                              </m:r>
+                                              <m:sSub>
+                                                <m:sSubPr>
+                                                  <m:ctrlPr>
+                                                    <a:rPr lang="en-US" altLang="ko-KR" b="0" i="1" smtClean="0">
+                                                      <a:latin typeface="Cambria Math" panose="02040503050406030204" pitchFamily="18" charset="0"/>
+                                                    </a:rPr>
+                                                  </m:ctrlPr>
+                                                </m:sSubPr>
+                                                <m:e>
+                                                  <m:r>
+                                                    <a:rPr lang="en-US" altLang="ko-KR" b="0" i="1" smtClean="0">
+                                                      <a:latin typeface="Cambria Math" panose="02040503050406030204" pitchFamily="18" charset="0"/>
+                                                    </a:rPr>
+                                                    <m:t>𝑛</m:t>
+                                                  </m:r>
+                                                </m:e>
+                                                <m:sub>
+                                                  <m:r>
+                                                    <a:rPr lang="en-US" altLang="ko-KR" b="0" i="1" smtClean="0">
+                                                      <a:latin typeface="Cambria Math" panose="02040503050406030204" pitchFamily="18" charset="0"/>
+                                                    </a:rPr>
+                                                    <m:t>0</m:t>
+                                                  </m:r>
+                                                </m:sub>
+                                              </m:sSub>
+                                            </m:e>
+                                          </m:d>
+                                        </m:e>
+                                        <m:sup>
+                                          <m:r>
+                                            <a:rPr lang="en-US" altLang="ko-KR" b="0" i="1" smtClean="0">
+                                              <a:latin typeface="Cambria Math" panose="02040503050406030204" pitchFamily="18" charset="0"/>
+                                            </a:rPr>
+                                            <m:t>2</m:t>
+                                          </m:r>
+                                        </m:sup>
+                                      </m:sSup>
+                                    </m:den>
+                                  </m:f>
+                                </m:e>
+                              </m:d>
+                              <m:r>
+                                <a:rPr lang="en-US" altLang="ko-KR" b="0" i="1" smtClean="0">
+                                  <a:latin typeface="Cambria Math" panose="02040503050406030204" pitchFamily="18" charset="0"/>
+                                </a:rPr>
+                                <m:t>−</m:t>
+                              </m:r>
+                              <m:func>
+                                <m:funcPr>
+                                  <m:ctrlPr>
+                                    <a:rPr lang="en-US" altLang="ko-KR" b="0" i="1" smtClean="0">
+                                      <a:latin typeface="Cambria Math" panose="02040503050406030204" pitchFamily="18" charset="0"/>
+                                    </a:rPr>
+                                  </m:ctrlPr>
+                                </m:funcPr>
+                                <m:fName>
+                                  <m:r>
+                                    <m:rPr>
+                                      <m:sty m:val="p"/>
+                                    </m:rPr>
+                                    <a:rPr lang="en-US" altLang="ko-KR" b="0" i="0" smtClean="0">
+                                      <a:latin typeface="Cambria Math" panose="02040503050406030204" pitchFamily="18" charset="0"/>
+                                    </a:rPr>
+                                    <m:t>ln</m:t>
+                                  </m:r>
+                                </m:fName>
+                                <m:e>
+                                  <m:d>
+                                    <m:dPr>
+                                      <m:begChr m:val="|"/>
+                                      <m:endChr m:val="|"/>
+                                      <m:ctrlPr>
+                                        <a:rPr lang="en-US" altLang="ko-KR" b="0" i="1" smtClean="0">
+                                          <a:latin typeface="Cambria Math" panose="02040503050406030204" pitchFamily="18" charset="0"/>
+                                        </a:rPr>
+                                      </m:ctrlPr>
+                                    </m:dPr>
+                                    <m:e>
+                                      <m:r>
+                                        <a:rPr lang="en-US" altLang="ko-KR" b="0" i="1" smtClean="0">
+                                          <a:latin typeface="Cambria Math" panose="02040503050406030204" pitchFamily="18" charset="0"/>
+                                        </a:rPr>
+                                        <m:t>𝐻</m:t>
+                                      </m:r>
+                                      <m:d>
+                                        <m:dPr>
+                                          <m:ctrlPr>
+                                            <a:rPr lang="en-US" altLang="ko-KR" b="0" i="1" smtClean="0">
+                                              <a:latin typeface="Cambria Math" panose="02040503050406030204" pitchFamily="18" charset="0"/>
+                                            </a:rPr>
+                                          </m:ctrlPr>
+                                        </m:dPr>
+                                        <m:e>
+                                          <m:r>
+                                            <a:rPr lang="en-US" altLang="ko-KR" b="0" i="1" smtClean="0">
+                                              <a:latin typeface="Cambria Math" panose="02040503050406030204" pitchFamily="18" charset="0"/>
+                                            </a:rPr>
+                                            <m:t>𝜔</m:t>
+                                          </m:r>
+                                        </m:e>
+                                      </m:d>
+                                    </m:e>
+                                  </m:d>
+                                </m:e>
+                              </m:func>
+                            </m:e>
+                          </m:func>
+                        </m:e>
+                      </m:d>
+                    </m:oMath>
+                  </m:oMathPara>
+                </a14:m>
+                <a:endParaRPr lang="ko-KR" altLang="en-US" dirty="0"/>
+              </a:p>
+            </p:txBody>
+          </p:sp>
+        </mc:Choice>
+        <mc:Fallback>
+          <p:sp>
+            <p:nvSpPr>
+              <p:cNvPr id="8" name="TextBox 7"/>
+              <p:cNvSpPr txBox="1">
+                <a:spLocks noRot="1" noChangeAspect="1" noMove="1" noResize="1" noEditPoints="1" noAdjustHandles="1" noChangeArrowheads="1" noChangeShapeType="1" noTextEdit="1"/>
+              </p:cNvSpPr>
+              <p:nvPr/>
+            </p:nvSpPr>
+            <p:spPr>
+              <a:xfrm>
+                <a:off x="2799188" y="5796256"/>
+                <a:ext cx="3689663" cy="617861"/>
+              </a:xfrm>
+              <a:prstGeom prst="rect">
+                <a:avLst/>
+              </a:prstGeom>
+              <a:blipFill rotWithShape="0">
+                <a:blip r:embed="rId9"/>
+                <a:stretch>
+                  <a:fillRect b="-990"/>
+                </a:stretch>
+              </a:blipFill>
+            </p:spPr>
+            <p:txBody>
+              <a:bodyPr/>
+              <a:lstStyle/>
+              <a:p>
+                <a:r>
+                  <a:rPr lang="ko-KR" altLang="en-US">
+                    <a:noFill/>
+                  </a:rPr>
+                  <a:t> </a:t>
+                </a:r>
+              </a:p>
+            </p:txBody>
+          </p:sp>
+        </mc:Fallback>
+      </mc:AlternateContent>
       <p:sp>
         <p:nvSpPr>
-          <p:cNvPr id="2" name="직사각형 1"/>
+          <p:cNvPr id="9" name="직사각형 8"/>
           <p:cNvSpPr/>
           <p:nvPr/>
         </p:nvSpPr>
         <p:spPr>
           <a:xfrm>
-            <a:off x="906897" y="2356104"/>
-            <a:ext cx="7330206" cy="2145792"/>
+            <a:off x="2488223" y="4937760"/>
+            <a:ext cx="4167554" cy="1597562"/>
           </a:xfrm>
           <a:prstGeom prst="rect">
             <a:avLst/>
@@ -9887,35 +13650,52 @@
           <a:lstStyle/>
           <a:p>
             <a:pPr algn="ctr"/>
-            <a:r>
-              <a:rPr lang="en-US" altLang="ko-KR" sz="3600" dirty="0" smtClean="0">
+            <a:endParaRPr lang="ko-KR" altLang="en-US"/>
+          </a:p>
+        </p:txBody>
+      </p:sp>
+      <p:sp>
+        <p:nvSpPr>
+          <p:cNvPr id="10" name="TextBox 9"/>
+          <p:cNvSpPr txBox="1"/>
+          <p:nvPr/>
+        </p:nvSpPr>
+        <p:spPr>
+          <a:xfrm>
+            <a:off x="345759" y="834251"/>
+            <a:ext cx="3786624" cy="369332"/>
+          </a:xfrm>
+          <a:prstGeom prst="rect">
+            <a:avLst/>
+          </a:prstGeom>
+          <a:noFill/>
+        </p:spPr>
+        <p:txBody>
+          <a:bodyPr wrap="square" rtlCol="0">
+            <a:spAutoFit/>
+          </a:bodyPr>
+          <a:lstStyle/>
+          <a:p>
+            <a:r>
+              <a:rPr lang="en-US" altLang="ko-KR" dirty="0" smtClean="0">
                 <a:solidFill>
                   <a:srgbClr val="3333FF"/>
                 </a:solidFill>
-                <a:latin typeface="Arial" panose="020B0604020202020204" pitchFamily="34" charset="0"/>
               </a:rPr>
-              <a:t>Extracting Optical Parameters from</a:t>
-            </a:r>
-          </a:p>
-          <a:p>
-            <a:pPr algn="ctr"/>
-            <a:r>
-              <a:rPr lang="en-US" altLang="ko-KR" sz="3600" dirty="0" smtClean="0">
-                <a:solidFill>
-                  <a:srgbClr val="3333FF"/>
-                </a:solidFill>
-                <a:latin typeface="Arial" panose="020B0604020202020204" pitchFamily="34" charset="0"/>
-              </a:rPr>
-              <a:t>Terahertz TDS Data</a:t>
-            </a:r>
-            <a:endParaRPr lang="ko-KR" altLang="en-US" sz="3600" dirty="0"/>
+              <a:t>Dielectric slab at normal incidence</a:t>
+            </a:r>
+            <a:endParaRPr lang="ko-KR" altLang="en-US" dirty="0">
+              <a:solidFill>
+                <a:srgbClr val="3333FF"/>
+              </a:solidFill>
+            </a:endParaRPr>
           </a:p>
         </p:txBody>
       </p:sp>
     </p:spTree>
     <p:extLst>
       <p:ext uri="{BB962C8B-B14F-4D97-AF65-F5344CB8AC3E}">
-        <p14:creationId xmlns:p14="http://schemas.microsoft.com/office/powerpoint/2010/main" val="1820596527"/>
+        <p14:creationId xmlns:p14="http://schemas.microsoft.com/office/powerpoint/2010/main" val="2598623329"/>
       </p:ext>
     </p:extLst>
   </p:cSld>

--- a/Terahertz Metrology/Ch2/Terahertz Metrology_Ch2.pptx
+++ b/Terahertz Metrology/Ch2/Terahertz Metrology_Ch2.pptx
@@ -5,7 +5,7 @@
     <p:sldMasterId id="2147483660" r:id="rId1"/>
   </p:sldMasterIdLst>
   <p:notesMasterIdLst>
-    <p:notesMasterId r:id="rId14"/>
+    <p:notesMasterId r:id="rId21"/>
   </p:notesMasterIdLst>
   <p:sldIdLst>
     <p:sldId id="258" r:id="rId2"/>
@@ -19,7 +19,14 @@
     <p:sldId id="282" r:id="rId10"/>
     <p:sldId id="283" r:id="rId11"/>
     <p:sldId id="284" r:id="rId12"/>
-    <p:sldId id="275" r:id="rId13"/>
+    <p:sldId id="285" r:id="rId13"/>
+    <p:sldId id="286" r:id="rId14"/>
+    <p:sldId id="287" r:id="rId15"/>
+    <p:sldId id="288" r:id="rId16"/>
+    <p:sldId id="289" r:id="rId17"/>
+    <p:sldId id="290" r:id="rId18"/>
+    <p:sldId id="291" r:id="rId19"/>
+    <p:sldId id="275" r:id="rId20"/>
   </p:sldIdLst>
   <p:sldSz cx="9144000" cy="6858000" type="screen4x3"/>
   <p:notesSz cx="6858000" cy="9144000"/>
@@ -208,7 +215,7 @@
           <a:p>
             <a:fld id="{A9D6DECA-6E4E-4D09-9277-E151A2E3F74C}" type="datetimeFigureOut">
               <a:rPr lang="ko-KR" altLang="en-US" smtClean="0"/>
-              <a:t>2018-03-07</a:t>
+              <a:t>2018-03-08</a:t>
             </a:fld>
             <a:endParaRPr lang="ko-KR" altLang="en-US"/>
           </a:p>
@@ -794,6 +801,594 @@
             <a:fld id="{6D0ABE42-EEBB-47F0-BC6E-2BB25FA03CFE}" type="slidenum">
               <a:rPr lang="ko-KR" altLang="en-US" smtClean="0"/>
               <a:t>12</a:t>
+            </a:fld>
+            <a:endParaRPr lang="ko-KR" altLang="en-US"/>
+          </a:p>
+        </p:txBody>
+      </p:sp>
+    </p:spTree>
+    <p:extLst>
+      <p:ext uri="{BB962C8B-B14F-4D97-AF65-F5344CB8AC3E}">
+        <p14:creationId xmlns:p14="http://schemas.microsoft.com/office/powerpoint/2010/main" val="3045064872"/>
+      </p:ext>
+    </p:extLst>
+  </p:cSld>
+  <p:clrMapOvr>
+    <a:masterClrMapping/>
+  </p:clrMapOvr>
+</p:notes>
+</file>
+
+<file path=ppt/notesSlides/notesSlide13.xml><?xml version="1.0" encoding="utf-8"?>
+<p:notes xmlns:a="http://schemas.openxmlformats.org/drawingml/2006/main" xmlns:r="http://schemas.openxmlformats.org/officeDocument/2006/relationships" xmlns:p="http://schemas.openxmlformats.org/presentationml/2006/main">
+  <p:cSld>
+    <p:spTree>
+      <p:nvGrpSpPr>
+        <p:cNvPr id="1" name=""/>
+        <p:cNvGrpSpPr/>
+        <p:nvPr/>
+      </p:nvGrpSpPr>
+      <p:grpSpPr>
+        <a:xfrm>
+          <a:off x="0" y="0"/>
+          <a:ext cx="0" cy="0"/>
+          <a:chOff x="0" y="0"/>
+          <a:chExt cx="0" cy="0"/>
+        </a:xfrm>
+      </p:grpSpPr>
+      <p:sp>
+        <p:nvSpPr>
+          <p:cNvPr id="2" name="슬라이드 이미지 개체 틀 1"/>
+          <p:cNvSpPr>
+            <a:spLocks noGrp="1" noRot="1" noChangeAspect="1"/>
+          </p:cNvSpPr>
+          <p:nvPr>
+            <p:ph type="sldImg"/>
+          </p:nvPr>
+        </p:nvSpPr>
+        <p:spPr/>
+      </p:sp>
+      <p:sp>
+        <p:nvSpPr>
+          <p:cNvPr id="3" name="슬라이드 노트 개체 틀 2"/>
+          <p:cNvSpPr>
+            <a:spLocks noGrp="1"/>
+          </p:cNvSpPr>
+          <p:nvPr>
+            <p:ph type="body" idx="1"/>
+          </p:nvPr>
+        </p:nvSpPr>
+        <p:spPr/>
+        <p:txBody>
+          <a:bodyPr/>
+          <a:lstStyle/>
+          <a:p>
+            <a:endParaRPr lang="ko-KR" altLang="en-US"/>
+          </a:p>
+        </p:txBody>
+      </p:sp>
+      <p:sp>
+        <p:nvSpPr>
+          <p:cNvPr id="4" name="슬라이드 번호 개체 틀 3"/>
+          <p:cNvSpPr>
+            <a:spLocks noGrp="1"/>
+          </p:cNvSpPr>
+          <p:nvPr>
+            <p:ph type="sldNum" sz="quarter" idx="10"/>
+          </p:nvPr>
+        </p:nvSpPr>
+        <p:spPr/>
+        <p:txBody>
+          <a:bodyPr/>
+          <a:lstStyle/>
+          <a:p>
+            <a:fld id="{6D0ABE42-EEBB-47F0-BC6E-2BB25FA03CFE}" type="slidenum">
+              <a:rPr lang="ko-KR" altLang="en-US" smtClean="0"/>
+              <a:t>13</a:t>
+            </a:fld>
+            <a:endParaRPr lang="ko-KR" altLang="en-US"/>
+          </a:p>
+        </p:txBody>
+      </p:sp>
+    </p:spTree>
+    <p:extLst>
+      <p:ext uri="{BB962C8B-B14F-4D97-AF65-F5344CB8AC3E}">
+        <p14:creationId xmlns:p14="http://schemas.microsoft.com/office/powerpoint/2010/main" val="1363968736"/>
+      </p:ext>
+    </p:extLst>
+  </p:cSld>
+  <p:clrMapOvr>
+    <a:masterClrMapping/>
+  </p:clrMapOvr>
+</p:notes>
+</file>
+
+<file path=ppt/notesSlides/notesSlide14.xml><?xml version="1.0" encoding="utf-8"?>
+<p:notes xmlns:a="http://schemas.openxmlformats.org/drawingml/2006/main" xmlns:r="http://schemas.openxmlformats.org/officeDocument/2006/relationships" xmlns:p="http://schemas.openxmlformats.org/presentationml/2006/main">
+  <p:cSld>
+    <p:spTree>
+      <p:nvGrpSpPr>
+        <p:cNvPr id="1" name=""/>
+        <p:cNvGrpSpPr/>
+        <p:nvPr/>
+      </p:nvGrpSpPr>
+      <p:grpSpPr>
+        <a:xfrm>
+          <a:off x="0" y="0"/>
+          <a:ext cx="0" cy="0"/>
+          <a:chOff x="0" y="0"/>
+          <a:chExt cx="0" cy="0"/>
+        </a:xfrm>
+      </p:grpSpPr>
+      <p:sp>
+        <p:nvSpPr>
+          <p:cNvPr id="2" name="슬라이드 이미지 개체 틀 1"/>
+          <p:cNvSpPr>
+            <a:spLocks noGrp="1" noRot="1" noChangeAspect="1"/>
+          </p:cNvSpPr>
+          <p:nvPr>
+            <p:ph type="sldImg"/>
+          </p:nvPr>
+        </p:nvSpPr>
+        <p:spPr/>
+      </p:sp>
+      <p:sp>
+        <p:nvSpPr>
+          <p:cNvPr id="3" name="슬라이드 노트 개체 틀 2"/>
+          <p:cNvSpPr>
+            <a:spLocks noGrp="1"/>
+          </p:cNvSpPr>
+          <p:nvPr>
+            <p:ph type="body" idx="1"/>
+          </p:nvPr>
+        </p:nvSpPr>
+        <p:spPr/>
+        <p:txBody>
+          <a:bodyPr/>
+          <a:lstStyle/>
+          <a:p>
+            <a:endParaRPr lang="ko-KR" altLang="en-US"/>
+          </a:p>
+        </p:txBody>
+      </p:sp>
+      <p:sp>
+        <p:nvSpPr>
+          <p:cNvPr id="4" name="슬라이드 번호 개체 틀 3"/>
+          <p:cNvSpPr>
+            <a:spLocks noGrp="1"/>
+          </p:cNvSpPr>
+          <p:nvPr>
+            <p:ph type="sldNum" sz="quarter" idx="10"/>
+          </p:nvPr>
+        </p:nvSpPr>
+        <p:spPr/>
+        <p:txBody>
+          <a:bodyPr/>
+          <a:lstStyle/>
+          <a:p>
+            <a:fld id="{6D0ABE42-EEBB-47F0-BC6E-2BB25FA03CFE}" type="slidenum">
+              <a:rPr lang="ko-KR" altLang="en-US" smtClean="0"/>
+              <a:t>14</a:t>
+            </a:fld>
+            <a:endParaRPr lang="ko-KR" altLang="en-US"/>
+          </a:p>
+        </p:txBody>
+      </p:sp>
+    </p:spTree>
+    <p:extLst>
+      <p:ext uri="{BB962C8B-B14F-4D97-AF65-F5344CB8AC3E}">
+        <p14:creationId xmlns:p14="http://schemas.microsoft.com/office/powerpoint/2010/main" val="674264992"/>
+      </p:ext>
+    </p:extLst>
+  </p:cSld>
+  <p:clrMapOvr>
+    <a:masterClrMapping/>
+  </p:clrMapOvr>
+</p:notes>
+</file>
+
+<file path=ppt/notesSlides/notesSlide15.xml><?xml version="1.0" encoding="utf-8"?>
+<p:notes xmlns:a="http://schemas.openxmlformats.org/drawingml/2006/main" xmlns:r="http://schemas.openxmlformats.org/officeDocument/2006/relationships" xmlns:p="http://schemas.openxmlformats.org/presentationml/2006/main">
+  <p:cSld>
+    <p:spTree>
+      <p:nvGrpSpPr>
+        <p:cNvPr id="1" name=""/>
+        <p:cNvGrpSpPr/>
+        <p:nvPr/>
+      </p:nvGrpSpPr>
+      <p:grpSpPr>
+        <a:xfrm>
+          <a:off x="0" y="0"/>
+          <a:ext cx="0" cy="0"/>
+          <a:chOff x="0" y="0"/>
+          <a:chExt cx="0" cy="0"/>
+        </a:xfrm>
+      </p:grpSpPr>
+      <p:sp>
+        <p:nvSpPr>
+          <p:cNvPr id="2" name="슬라이드 이미지 개체 틀 1"/>
+          <p:cNvSpPr>
+            <a:spLocks noGrp="1" noRot="1" noChangeAspect="1"/>
+          </p:cNvSpPr>
+          <p:nvPr>
+            <p:ph type="sldImg"/>
+          </p:nvPr>
+        </p:nvSpPr>
+        <p:spPr/>
+      </p:sp>
+      <p:sp>
+        <p:nvSpPr>
+          <p:cNvPr id="3" name="슬라이드 노트 개체 틀 2"/>
+          <p:cNvSpPr>
+            <a:spLocks noGrp="1"/>
+          </p:cNvSpPr>
+          <p:nvPr>
+            <p:ph type="body" idx="1"/>
+          </p:nvPr>
+        </p:nvSpPr>
+        <p:spPr/>
+        <p:txBody>
+          <a:bodyPr/>
+          <a:lstStyle/>
+          <a:p>
+            <a:endParaRPr lang="ko-KR" altLang="en-US"/>
+          </a:p>
+        </p:txBody>
+      </p:sp>
+      <p:sp>
+        <p:nvSpPr>
+          <p:cNvPr id="4" name="슬라이드 번호 개체 틀 3"/>
+          <p:cNvSpPr>
+            <a:spLocks noGrp="1"/>
+          </p:cNvSpPr>
+          <p:nvPr>
+            <p:ph type="sldNum" sz="quarter" idx="10"/>
+          </p:nvPr>
+        </p:nvSpPr>
+        <p:spPr/>
+        <p:txBody>
+          <a:bodyPr/>
+          <a:lstStyle/>
+          <a:p>
+            <a:fld id="{6D0ABE42-EEBB-47F0-BC6E-2BB25FA03CFE}" type="slidenum">
+              <a:rPr lang="ko-KR" altLang="en-US" smtClean="0"/>
+              <a:t>15</a:t>
+            </a:fld>
+            <a:endParaRPr lang="ko-KR" altLang="en-US"/>
+          </a:p>
+        </p:txBody>
+      </p:sp>
+    </p:spTree>
+    <p:extLst>
+      <p:ext uri="{BB962C8B-B14F-4D97-AF65-F5344CB8AC3E}">
+        <p14:creationId xmlns:p14="http://schemas.microsoft.com/office/powerpoint/2010/main" val="1663564127"/>
+      </p:ext>
+    </p:extLst>
+  </p:cSld>
+  <p:clrMapOvr>
+    <a:masterClrMapping/>
+  </p:clrMapOvr>
+</p:notes>
+</file>
+
+<file path=ppt/notesSlides/notesSlide16.xml><?xml version="1.0" encoding="utf-8"?>
+<p:notes xmlns:a="http://schemas.openxmlformats.org/drawingml/2006/main" xmlns:r="http://schemas.openxmlformats.org/officeDocument/2006/relationships" xmlns:p="http://schemas.openxmlformats.org/presentationml/2006/main">
+  <p:cSld>
+    <p:spTree>
+      <p:nvGrpSpPr>
+        <p:cNvPr id="1" name=""/>
+        <p:cNvGrpSpPr/>
+        <p:nvPr/>
+      </p:nvGrpSpPr>
+      <p:grpSpPr>
+        <a:xfrm>
+          <a:off x="0" y="0"/>
+          <a:ext cx="0" cy="0"/>
+          <a:chOff x="0" y="0"/>
+          <a:chExt cx="0" cy="0"/>
+        </a:xfrm>
+      </p:grpSpPr>
+      <p:sp>
+        <p:nvSpPr>
+          <p:cNvPr id="2" name="슬라이드 이미지 개체 틀 1"/>
+          <p:cNvSpPr>
+            <a:spLocks noGrp="1" noRot="1" noChangeAspect="1"/>
+          </p:cNvSpPr>
+          <p:nvPr>
+            <p:ph type="sldImg"/>
+          </p:nvPr>
+        </p:nvSpPr>
+        <p:spPr/>
+      </p:sp>
+      <p:sp>
+        <p:nvSpPr>
+          <p:cNvPr id="3" name="슬라이드 노트 개체 틀 2"/>
+          <p:cNvSpPr>
+            <a:spLocks noGrp="1"/>
+          </p:cNvSpPr>
+          <p:nvPr>
+            <p:ph type="body" idx="1"/>
+          </p:nvPr>
+        </p:nvSpPr>
+        <p:spPr/>
+        <p:txBody>
+          <a:bodyPr/>
+          <a:lstStyle/>
+          <a:p>
+            <a:endParaRPr lang="ko-KR" altLang="en-US"/>
+          </a:p>
+        </p:txBody>
+      </p:sp>
+      <p:sp>
+        <p:nvSpPr>
+          <p:cNvPr id="4" name="슬라이드 번호 개체 틀 3"/>
+          <p:cNvSpPr>
+            <a:spLocks noGrp="1"/>
+          </p:cNvSpPr>
+          <p:nvPr>
+            <p:ph type="sldNum" sz="quarter" idx="10"/>
+          </p:nvPr>
+        </p:nvSpPr>
+        <p:spPr/>
+        <p:txBody>
+          <a:bodyPr/>
+          <a:lstStyle/>
+          <a:p>
+            <a:fld id="{6D0ABE42-EEBB-47F0-BC6E-2BB25FA03CFE}" type="slidenum">
+              <a:rPr lang="ko-KR" altLang="en-US" smtClean="0"/>
+              <a:t>16</a:t>
+            </a:fld>
+            <a:endParaRPr lang="ko-KR" altLang="en-US"/>
+          </a:p>
+        </p:txBody>
+      </p:sp>
+    </p:spTree>
+    <p:extLst>
+      <p:ext uri="{BB962C8B-B14F-4D97-AF65-F5344CB8AC3E}">
+        <p14:creationId xmlns:p14="http://schemas.microsoft.com/office/powerpoint/2010/main" val="2018191252"/>
+      </p:ext>
+    </p:extLst>
+  </p:cSld>
+  <p:clrMapOvr>
+    <a:masterClrMapping/>
+  </p:clrMapOvr>
+</p:notes>
+</file>
+
+<file path=ppt/notesSlides/notesSlide17.xml><?xml version="1.0" encoding="utf-8"?>
+<p:notes xmlns:a="http://schemas.openxmlformats.org/drawingml/2006/main" xmlns:r="http://schemas.openxmlformats.org/officeDocument/2006/relationships" xmlns:p="http://schemas.openxmlformats.org/presentationml/2006/main">
+  <p:cSld>
+    <p:spTree>
+      <p:nvGrpSpPr>
+        <p:cNvPr id="1" name=""/>
+        <p:cNvGrpSpPr/>
+        <p:nvPr/>
+      </p:nvGrpSpPr>
+      <p:grpSpPr>
+        <a:xfrm>
+          <a:off x="0" y="0"/>
+          <a:ext cx="0" cy="0"/>
+          <a:chOff x="0" y="0"/>
+          <a:chExt cx="0" cy="0"/>
+        </a:xfrm>
+      </p:grpSpPr>
+      <p:sp>
+        <p:nvSpPr>
+          <p:cNvPr id="2" name="슬라이드 이미지 개체 틀 1"/>
+          <p:cNvSpPr>
+            <a:spLocks noGrp="1" noRot="1" noChangeAspect="1"/>
+          </p:cNvSpPr>
+          <p:nvPr>
+            <p:ph type="sldImg"/>
+          </p:nvPr>
+        </p:nvSpPr>
+        <p:spPr/>
+      </p:sp>
+      <p:sp>
+        <p:nvSpPr>
+          <p:cNvPr id="3" name="슬라이드 노트 개체 틀 2"/>
+          <p:cNvSpPr>
+            <a:spLocks noGrp="1"/>
+          </p:cNvSpPr>
+          <p:nvPr>
+            <p:ph type="body" idx="1"/>
+          </p:nvPr>
+        </p:nvSpPr>
+        <p:spPr/>
+        <p:txBody>
+          <a:bodyPr/>
+          <a:lstStyle/>
+          <a:p>
+            <a:endParaRPr lang="ko-KR" altLang="en-US"/>
+          </a:p>
+        </p:txBody>
+      </p:sp>
+      <p:sp>
+        <p:nvSpPr>
+          <p:cNvPr id="4" name="슬라이드 번호 개체 틀 3"/>
+          <p:cNvSpPr>
+            <a:spLocks noGrp="1"/>
+          </p:cNvSpPr>
+          <p:nvPr>
+            <p:ph type="sldNum" sz="quarter" idx="10"/>
+          </p:nvPr>
+        </p:nvSpPr>
+        <p:spPr/>
+        <p:txBody>
+          <a:bodyPr/>
+          <a:lstStyle/>
+          <a:p>
+            <a:fld id="{6D0ABE42-EEBB-47F0-BC6E-2BB25FA03CFE}" type="slidenum">
+              <a:rPr lang="ko-KR" altLang="en-US" smtClean="0"/>
+              <a:t>17</a:t>
+            </a:fld>
+            <a:endParaRPr lang="ko-KR" altLang="en-US"/>
+          </a:p>
+        </p:txBody>
+      </p:sp>
+    </p:spTree>
+    <p:extLst>
+      <p:ext uri="{BB962C8B-B14F-4D97-AF65-F5344CB8AC3E}">
+        <p14:creationId xmlns:p14="http://schemas.microsoft.com/office/powerpoint/2010/main" val="2344098492"/>
+      </p:ext>
+    </p:extLst>
+  </p:cSld>
+  <p:clrMapOvr>
+    <a:masterClrMapping/>
+  </p:clrMapOvr>
+</p:notes>
+</file>
+
+<file path=ppt/notesSlides/notesSlide18.xml><?xml version="1.0" encoding="utf-8"?>
+<p:notes xmlns:a="http://schemas.openxmlformats.org/drawingml/2006/main" xmlns:r="http://schemas.openxmlformats.org/officeDocument/2006/relationships" xmlns:p="http://schemas.openxmlformats.org/presentationml/2006/main">
+  <p:cSld>
+    <p:spTree>
+      <p:nvGrpSpPr>
+        <p:cNvPr id="1" name=""/>
+        <p:cNvGrpSpPr/>
+        <p:nvPr/>
+      </p:nvGrpSpPr>
+      <p:grpSpPr>
+        <a:xfrm>
+          <a:off x="0" y="0"/>
+          <a:ext cx="0" cy="0"/>
+          <a:chOff x="0" y="0"/>
+          <a:chExt cx="0" cy="0"/>
+        </a:xfrm>
+      </p:grpSpPr>
+      <p:sp>
+        <p:nvSpPr>
+          <p:cNvPr id="2" name="슬라이드 이미지 개체 틀 1"/>
+          <p:cNvSpPr>
+            <a:spLocks noGrp="1" noRot="1" noChangeAspect="1"/>
+          </p:cNvSpPr>
+          <p:nvPr>
+            <p:ph type="sldImg"/>
+          </p:nvPr>
+        </p:nvSpPr>
+        <p:spPr/>
+      </p:sp>
+      <p:sp>
+        <p:nvSpPr>
+          <p:cNvPr id="3" name="슬라이드 노트 개체 틀 2"/>
+          <p:cNvSpPr>
+            <a:spLocks noGrp="1"/>
+          </p:cNvSpPr>
+          <p:nvPr>
+            <p:ph type="body" idx="1"/>
+          </p:nvPr>
+        </p:nvSpPr>
+        <p:spPr/>
+        <p:txBody>
+          <a:bodyPr/>
+          <a:lstStyle/>
+          <a:p>
+            <a:endParaRPr lang="ko-KR" altLang="en-US"/>
+          </a:p>
+        </p:txBody>
+      </p:sp>
+      <p:sp>
+        <p:nvSpPr>
+          <p:cNvPr id="4" name="슬라이드 번호 개체 틀 3"/>
+          <p:cNvSpPr>
+            <a:spLocks noGrp="1"/>
+          </p:cNvSpPr>
+          <p:nvPr>
+            <p:ph type="sldNum" sz="quarter" idx="10"/>
+          </p:nvPr>
+        </p:nvSpPr>
+        <p:spPr/>
+        <p:txBody>
+          <a:bodyPr/>
+          <a:lstStyle/>
+          <a:p>
+            <a:fld id="{6D0ABE42-EEBB-47F0-BC6E-2BB25FA03CFE}" type="slidenum">
+              <a:rPr lang="ko-KR" altLang="en-US" smtClean="0"/>
+              <a:t>18</a:t>
+            </a:fld>
+            <a:endParaRPr lang="ko-KR" altLang="en-US"/>
+          </a:p>
+        </p:txBody>
+      </p:sp>
+    </p:spTree>
+    <p:extLst>
+      <p:ext uri="{BB962C8B-B14F-4D97-AF65-F5344CB8AC3E}">
+        <p14:creationId xmlns:p14="http://schemas.microsoft.com/office/powerpoint/2010/main" val="1128497601"/>
+      </p:ext>
+    </p:extLst>
+  </p:cSld>
+  <p:clrMapOvr>
+    <a:masterClrMapping/>
+  </p:clrMapOvr>
+</p:notes>
+</file>
+
+<file path=ppt/notesSlides/notesSlide19.xml><?xml version="1.0" encoding="utf-8"?>
+<p:notes xmlns:a="http://schemas.openxmlformats.org/drawingml/2006/main" xmlns:r="http://schemas.openxmlformats.org/officeDocument/2006/relationships" xmlns:p="http://schemas.openxmlformats.org/presentationml/2006/main">
+  <p:cSld>
+    <p:spTree>
+      <p:nvGrpSpPr>
+        <p:cNvPr id="1" name=""/>
+        <p:cNvGrpSpPr/>
+        <p:nvPr/>
+      </p:nvGrpSpPr>
+      <p:grpSpPr>
+        <a:xfrm>
+          <a:off x="0" y="0"/>
+          <a:ext cx="0" cy="0"/>
+          <a:chOff x="0" y="0"/>
+          <a:chExt cx="0" cy="0"/>
+        </a:xfrm>
+      </p:grpSpPr>
+      <p:sp>
+        <p:nvSpPr>
+          <p:cNvPr id="2" name="슬라이드 이미지 개체 틀 1"/>
+          <p:cNvSpPr>
+            <a:spLocks noGrp="1" noRot="1" noChangeAspect="1"/>
+          </p:cNvSpPr>
+          <p:nvPr>
+            <p:ph type="sldImg"/>
+          </p:nvPr>
+        </p:nvSpPr>
+        <p:spPr/>
+      </p:sp>
+      <p:sp>
+        <p:nvSpPr>
+          <p:cNvPr id="3" name="슬라이드 노트 개체 틀 2"/>
+          <p:cNvSpPr>
+            <a:spLocks noGrp="1"/>
+          </p:cNvSpPr>
+          <p:nvPr>
+            <p:ph type="body" idx="1"/>
+          </p:nvPr>
+        </p:nvSpPr>
+        <p:spPr/>
+        <p:txBody>
+          <a:bodyPr/>
+          <a:lstStyle/>
+          <a:p>
+            <a:endParaRPr lang="ko-KR" altLang="en-US"/>
+          </a:p>
+        </p:txBody>
+      </p:sp>
+      <p:sp>
+        <p:nvSpPr>
+          <p:cNvPr id="4" name="슬라이드 번호 개체 틀 3"/>
+          <p:cNvSpPr>
+            <a:spLocks noGrp="1"/>
+          </p:cNvSpPr>
+          <p:nvPr>
+            <p:ph type="sldNum" sz="quarter" idx="10"/>
+          </p:nvPr>
+        </p:nvSpPr>
+        <p:spPr/>
+        <p:txBody>
+          <a:bodyPr/>
+          <a:lstStyle/>
+          <a:p>
+            <a:fld id="{6D0ABE42-EEBB-47F0-BC6E-2BB25FA03CFE}" type="slidenum">
+              <a:rPr lang="ko-KR" altLang="en-US" smtClean="0"/>
+              <a:t>19</a:t>
             </a:fld>
             <a:endParaRPr lang="ko-KR" altLang="en-US"/>
           </a:p>
@@ -1615,7 +2210,7 @@
           <a:p>
             <a:fld id="{A4C346B5-C0DF-4EB7-A5EE-A79D8A2B2CA8}" type="datetimeFigureOut">
               <a:rPr lang="ko-KR" altLang="en-US" smtClean="0"/>
-              <a:t>2018-03-07</a:t>
+              <a:t>2018-03-08</a:t>
             </a:fld>
             <a:endParaRPr lang="ko-KR" altLang="en-US"/>
           </a:p>
@@ -1792,7 +2387,7 @@
           <a:p>
             <a:fld id="{A4C346B5-C0DF-4EB7-A5EE-A79D8A2B2CA8}" type="datetimeFigureOut">
               <a:rPr lang="ko-KR" altLang="en-US" smtClean="0"/>
-              <a:t>2018-03-07</a:t>
+              <a:t>2018-03-08</a:t>
             </a:fld>
             <a:endParaRPr lang="ko-KR" altLang="en-US"/>
           </a:p>
@@ -1972,7 +2567,7 @@
           <a:p>
             <a:fld id="{A4C346B5-C0DF-4EB7-A5EE-A79D8A2B2CA8}" type="datetimeFigureOut">
               <a:rPr lang="ko-KR" altLang="en-US" smtClean="0"/>
-              <a:t>2018-03-07</a:t>
+              <a:t>2018-03-08</a:t>
             </a:fld>
             <a:endParaRPr lang="ko-KR" altLang="en-US"/>
           </a:p>
@@ -2142,7 +2737,7 @@
           <a:p>
             <a:fld id="{A4C346B5-C0DF-4EB7-A5EE-A79D8A2B2CA8}" type="datetimeFigureOut">
               <a:rPr lang="ko-KR" altLang="en-US" smtClean="0"/>
-              <a:t>2018-03-07</a:t>
+              <a:t>2018-03-08</a:t>
             </a:fld>
             <a:endParaRPr lang="ko-KR" altLang="en-US"/>
           </a:p>
@@ -2386,7 +2981,7 @@
           <a:p>
             <a:fld id="{A4C346B5-C0DF-4EB7-A5EE-A79D8A2B2CA8}" type="datetimeFigureOut">
               <a:rPr lang="ko-KR" altLang="en-US" smtClean="0"/>
-              <a:t>2018-03-07</a:t>
+              <a:t>2018-03-08</a:t>
             </a:fld>
             <a:endParaRPr lang="ko-KR" altLang="en-US"/>
           </a:p>
@@ -2618,7 +3213,7 @@
           <a:p>
             <a:fld id="{A4C346B5-C0DF-4EB7-A5EE-A79D8A2B2CA8}" type="datetimeFigureOut">
               <a:rPr lang="ko-KR" altLang="en-US" smtClean="0"/>
-              <a:t>2018-03-07</a:t>
+              <a:t>2018-03-08</a:t>
             </a:fld>
             <a:endParaRPr lang="ko-KR" altLang="en-US"/>
           </a:p>
@@ -2985,7 +3580,7 @@
           <a:p>
             <a:fld id="{A4C346B5-C0DF-4EB7-A5EE-A79D8A2B2CA8}" type="datetimeFigureOut">
               <a:rPr lang="ko-KR" altLang="en-US" smtClean="0"/>
-              <a:t>2018-03-07</a:t>
+              <a:t>2018-03-08</a:t>
             </a:fld>
             <a:endParaRPr lang="ko-KR" altLang="en-US"/>
           </a:p>
@@ -3103,7 +3698,7 @@
           <a:p>
             <a:fld id="{A4C346B5-C0DF-4EB7-A5EE-A79D8A2B2CA8}" type="datetimeFigureOut">
               <a:rPr lang="ko-KR" altLang="en-US" smtClean="0"/>
-              <a:t>2018-03-07</a:t>
+              <a:t>2018-03-08</a:t>
             </a:fld>
             <a:endParaRPr lang="ko-KR" altLang="en-US"/>
           </a:p>
@@ -3198,7 +3793,7 @@
           <a:p>
             <a:fld id="{A4C346B5-C0DF-4EB7-A5EE-A79D8A2B2CA8}" type="datetimeFigureOut">
               <a:rPr lang="ko-KR" altLang="en-US" smtClean="0"/>
-              <a:t>2018-03-07</a:t>
+              <a:t>2018-03-08</a:t>
             </a:fld>
             <a:endParaRPr lang="ko-KR" altLang="en-US"/>
           </a:p>
@@ -3475,7 +4070,7 @@
           <a:p>
             <a:fld id="{A4C346B5-C0DF-4EB7-A5EE-A79D8A2B2CA8}" type="datetimeFigureOut">
               <a:rPr lang="ko-KR" altLang="en-US" smtClean="0"/>
-              <a:t>2018-03-07</a:t>
+              <a:t>2018-03-08</a:t>
             </a:fld>
             <a:endParaRPr lang="ko-KR" altLang="en-US"/>
           </a:p>
@@ -3732,7 +4327,7 @@
           <a:p>
             <a:fld id="{A4C346B5-C0DF-4EB7-A5EE-A79D8A2B2CA8}" type="datetimeFigureOut">
               <a:rPr lang="ko-KR" altLang="en-US" smtClean="0"/>
-              <a:t>2018-03-07</a:t>
+              <a:t>2018-03-08</a:t>
             </a:fld>
             <a:endParaRPr lang="ko-KR" altLang="en-US"/>
           </a:p>
@@ -3945,7 +4540,7 @@
           <a:p>
             <a:fld id="{A4C346B5-C0DF-4EB7-A5EE-A79D8A2B2CA8}" type="datetimeFigureOut">
               <a:rPr lang="ko-KR" altLang="en-US" smtClean="0"/>
-              <a:t>2018-03-07</a:t>
+              <a:t>2018-03-08</a:t>
             </a:fld>
             <a:endParaRPr lang="ko-KR" altLang="en-US"/>
           </a:p>
@@ -4632,41 +5227,8 @@
                 </a:solidFill>
                 <a:latin typeface="Arial" panose="020B0604020202020204" pitchFamily="34" charset="0"/>
               </a:rPr>
-              <a:t>2.2 Transmission-Mode </a:t>
+              <a:t>2.2 Transmission-Mode Terahertz TDS: Exact Solution</a:t>
             </a:r>
-            <a:r>
-              <a:rPr lang="en-US" altLang="ko-KR" sz="2800" dirty="0" smtClean="0">
-                <a:solidFill>
-                  <a:schemeClr val="bg1"/>
-                </a:solidFill>
-                <a:latin typeface="Arial" panose="020B0604020202020204" pitchFamily="34" charset="0"/>
-              </a:rPr>
-              <a:t>Terahertz </a:t>
-            </a:r>
-            <a:r>
-              <a:rPr lang="en-US" altLang="ko-KR" sz="2800" dirty="0" smtClean="0">
-                <a:solidFill>
-                  <a:schemeClr val="bg1"/>
-                </a:solidFill>
-                <a:latin typeface="Arial" panose="020B0604020202020204" pitchFamily="34" charset="0"/>
-              </a:rPr>
-              <a:t>TDS: </a:t>
-            </a:r>
-            <a:r>
-              <a:rPr lang="en-US" altLang="ko-KR" sz="2800" dirty="0" smtClean="0">
-                <a:solidFill>
-                  <a:schemeClr val="bg1"/>
-                </a:solidFill>
-                <a:latin typeface="Arial" panose="020B0604020202020204" pitchFamily="34" charset="0"/>
-              </a:rPr>
-              <a:t>Exact Solution</a:t>
-            </a:r>
-            <a:endParaRPr lang="en-US" altLang="ko-KR" sz="2800" dirty="0" smtClean="0">
-              <a:solidFill>
-                <a:schemeClr val="bg1"/>
-              </a:solidFill>
-              <a:latin typeface="Arial" panose="020B0604020202020204" pitchFamily="34" charset="0"/>
-            </a:endParaRPr>
           </a:p>
         </p:txBody>
       </p:sp>
@@ -4963,10 +5525,6 @@
               </a:rPr>
               <a:t>, Vol. 18, No. 7, 2001.</a:t>
             </a:r>
-            <a:endParaRPr lang="en-US" altLang="ko-KR" sz="1050" dirty="0" smtClean="0">
-              <a:latin typeface="Times New Roman" panose="02020603050405020304" pitchFamily="18" charset="0"/>
-              <a:cs typeface="Times New Roman" panose="02020603050405020304" pitchFamily="18" charset="0"/>
-            </a:endParaRPr>
           </a:p>
         </p:txBody>
       </p:sp>
@@ -5064,32 +5622,8 @@
                 </a:solidFill>
                 <a:latin typeface="Arial" panose="020B0604020202020204" pitchFamily="34" charset="0"/>
               </a:rPr>
-              <a:t>2.3 Reflection-Mode </a:t>
+              <a:t>2.3 Reflection-Mode Terahertz TDS: Single Reflection</a:t>
             </a:r>
-            <a:r>
-              <a:rPr lang="en-US" altLang="ko-KR" sz="2800" dirty="0" smtClean="0">
-                <a:solidFill>
-                  <a:schemeClr val="bg1"/>
-                </a:solidFill>
-                <a:latin typeface="Arial" panose="020B0604020202020204" pitchFamily="34" charset="0"/>
-              </a:rPr>
-              <a:t>Terahertz </a:t>
-            </a:r>
-            <a:r>
-              <a:rPr lang="en-US" altLang="ko-KR" sz="2800" dirty="0" smtClean="0">
-                <a:solidFill>
-                  <a:schemeClr val="bg1"/>
-                </a:solidFill>
-                <a:latin typeface="Arial" panose="020B0604020202020204" pitchFamily="34" charset="0"/>
-              </a:rPr>
-              <a:t>TDS: Single Reflection</a:t>
-            </a:r>
-            <a:endParaRPr lang="en-US" altLang="ko-KR" sz="2800" dirty="0" smtClean="0">
-              <a:solidFill>
-                <a:schemeClr val="bg1"/>
-              </a:solidFill>
-              <a:latin typeface="Arial" panose="020B0604020202020204" pitchFamily="34" charset="0"/>
-            </a:endParaRPr>
           </a:p>
         </p:txBody>
       </p:sp>
@@ -5148,44 +5682,6 @@
       </p:sp>
       <p:sp>
         <p:nvSpPr>
-          <p:cNvPr id="4" name="TextBox 3"/>
-          <p:cNvSpPr txBox="1"/>
-          <p:nvPr/>
-        </p:nvSpPr>
-        <p:spPr>
-          <a:xfrm>
-            <a:off x="563750" y="1622683"/>
-            <a:ext cx="3199357" cy="400110"/>
-          </a:xfrm>
-          <a:prstGeom prst="rect">
-            <a:avLst/>
-          </a:prstGeom>
-          <a:noFill/>
-        </p:spPr>
-        <p:txBody>
-          <a:bodyPr wrap="square" rtlCol="0">
-            <a:spAutoFit/>
-          </a:bodyPr>
-          <a:lstStyle/>
-          <a:p>
-            <a:r>
-              <a:rPr lang="en-US" altLang="ko-KR" sz="2000" dirty="0" smtClean="0">
-                <a:solidFill>
-                  <a:srgbClr val="3333FF"/>
-                </a:solidFill>
-              </a:rPr>
-              <a:t>Gradient-Descent Algorithm</a:t>
-            </a:r>
-            <a:endParaRPr lang="ko-KR" altLang="en-US" sz="2000" dirty="0">
-              <a:solidFill>
-                <a:srgbClr val="3333FF"/>
-              </a:solidFill>
-            </a:endParaRPr>
-          </a:p>
-        </p:txBody>
-      </p:sp>
-      <p:sp>
-        <p:nvSpPr>
           <p:cNvPr id="8" name="TextBox 7"/>
           <p:cNvSpPr txBox="1"/>
           <p:nvPr/>
@@ -5207,64 +5703,1530 @@
           <a:lstStyle/>
           <a:p>
             <a:r>
-              <a:rPr lang="en-US" altLang="ko-KR" sz="1050" dirty="0" err="1" smtClean="0">
+              <a:rPr lang="en-US" altLang="ko-KR" sz="1050" dirty="0" err="1">
                 <a:latin typeface="Times New Roman" panose="02020603050405020304" pitchFamily="18" charset="0"/>
                 <a:cs typeface="Times New Roman" panose="02020603050405020304" pitchFamily="18" charset="0"/>
               </a:rPr>
-              <a:t>Dorney</a:t>
+              <a:t>Gatesman</a:t>
+            </a:r>
+            <a:r>
+              <a:rPr lang="en-US" altLang="ko-KR" sz="1050" dirty="0">
+                <a:latin typeface="Times New Roman" panose="02020603050405020304" pitchFamily="18" charset="0"/>
+                <a:cs typeface="Times New Roman" panose="02020603050405020304" pitchFamily="18" charset="0"/>
+              </a:rPr>
+              <a:t>, A. J., R. H. Giles, and J. Waldman, “High-Precision Reflectometer for Submillimeter wavelength,” </a:t>
+            </a:r>
+            <a:r>
+              <a:rPr lang="en-US" altLang="ko-KR" sz="1050" i="1" dirty="0">
+                <a:latin typeface="Times New Roman" panose="02020603050405020304" pitchFamily="18" charset="0"/>
+                <a:cs typeface="Times New Roman" panose="02020603050405020304" pitchFamily="18" charset="0"/>
+              </a:rPr>
+              <a:t>Journal of the Optical Society of America B: Optical Physics</a:t>
+            </a:r>
+            <a:r>
+              <a:rPr lang="en-US" altLang="ko-KR" sz="1050" dirty="0">
+                <a:latin typeface="Times New Roman" panose="02020603050405020304" pitchFamily="18" charset="0"/>
+                <a:cs typeface="Times New Roman" panose="02020603050405020304" pitchFamily="18" charset="0"/>
+              </a:rPr>
+              <a:t>, Vol. 12, No. 2, </a:t>
             </a:r>
             <a:r>
               <a:rPr lang="en-US" altLang="ko-KR" sz="1050" dirty="0" smtClean="0">
                 <a:latin typeface="Times New Roman" panose="02020603050405020304" pitchFamily="18" charset="0"/>
                 <a:cs typeface="Times New Roman" panose="02020603050405020304" pitchFamily="18" charset="0"/>
               </a:rPr>
-              <a:t>, T., R. </a:t>
+              <a:t>1995.</a:t>
+            </a:r>
+            <a:endParaRPr lang="en-US" altLang="ko-KR" sz="1050" dirty="0">
+              <a:latin typeface="Times New Roman" panose="02020603050405020304" pitchFamily="18" charset="0"/>
+              <a:cs typeface="Times New Roman" panose="02020603050405020304" pitchFamily="18" charset="0"/>
+            </a:endParaRPr>
+          </a:p>
+        </p:txBody>
+      </p:sp>
+      <p:pic>
+        <p:nvPicPr>
+          <p:cNvPr id="2" name="그림 1"/>
+          <p:cNvPicPr>
+            <a:picLocks noChangeAspect="1"/>
+          </p:cNvPicPr>
+          <p:nvPr/>
+        </p:nvPicPr>
+        <p:blipFill>
+          <a:blip r:embed="rId3"/>
+          <a:stretch>
+            <a:fillRect/>
+          </a:stretch>
+        </p:blipFill>
+        <p:spPr>
+          <a:xfrm>
+            <a:off x="408842" y="4189960"/>
+            <a:ext cx="5328139" cy="1834715"/>
+          </a:xfrm>
+          <a:prstGeom prst="rect">
+            <a:avLst/>
+          </a:prstGeom>
+        </p:spPr>
+      </p:pic>
+      <p:pic>
+        <p:nvPicPr>
+          <p:cNvPr id="5" name="그림 4"/>
+          <p:cNvPicPr>
+            <a:picLocks noChangeAspect="1"/>
+          </p:cNvPicPr>
+          <p:nvPr/>
+        </p:nvPicPr>
+        <p:blipFill>
+          <a:blip r:embed="rId4"/>
+          <a:stretch>
+            <a:fillRect/>
+          </a:stretch>
+        </p:blipFill>
+        <p:spPr>
+          <a:xfrm>
+            <a:off x="6119445" y="4189960"/>
+            <a:ext cx="2672862" cy="1831832"/>
+          </a:xfrm>
+          <a:prstGeom prst="rect">
+            <a:avLst/>
+          </a:prstGeom>
+        </p:spPr>
+      </p:pic>
+      <mc:AlternateContent xmlns:mc="http://schemas.openxmlformats.org/markup-compatibility/2006">
+        <mc:Choice xmlns:a14="http://schemas.microsoft.com/office/drawing/2010/main" Requires="a14">
+          <p:sp>
+            <p:nvSpPr>
+              <p:cNvPr id="6" name="TextBox 5"/>
+              <p:cNvSpPr txBox="1"/>
+              <p:nvPr/>
+            </p:nvSpPr>
+            <p:spPr>
+              <a:xfrm>
+                <a:off x="3637995" y="1590207"/>
+                <a:ext cx="1868011" cy="276999"/>
+              </a:xfrm>
+              <a:prstGeom prst="rect">
+                <a:avLst/>
+              </a:prstGeom>
+              <a:noFill/>
+            </p:spPr>
+            <p:txBody>
+              <a:bodyPr wrap="none" lIns="0" tIns="0" rIns="0" bIns="0" rtlCol="0">
+                <a:spAutoFit/>
+              </a:bodyPr>
+              <a:lstStyle/>
+              <a:p>
+                <a14:m>
+                  <m:oMathPara xmlns:m="http://schemas.openxmlformats.org/officeDocument/2006/math">
+                    <m:oMathParaPr>
+                      <m:jc m:val="centerGroup"/>
+                    </m:oMathParaPr>
+                    <m:oMath xmlns:m="http://schemas.openxmlformats.org/officeDocument/2006/math">
+                      <m:sSub>
+                        <m:sSubPr>
+                          <m:ctrlPr>
+                            <a:rPr lang="en-US" altLang="ko-KR" b="0" i="1" smtClean="0">
+                              <a:latin typeface="Cambria Math" panose="02040503050406030204" pitchFamily="18" charset="0"/>
+                            </a:rPr>
+                          </m:ctrlPr>
+                        </m:sSubPr>
+                        <m:e>
+                          <m:r>
+                            <a:rPr lang="en-US" altLang="ko-KR" b="0" i="1" smtClean="0">
+                              <a:latin typeface="Cambria Math" panose="02040503050406030204" pitchFamily="18" charset="0"/>
+                            </a:rPr>
+                            <m:t>𝐸</m:t>
+                          </m:r>
+                        </m:e>
+                        <m:sub>
+                          <m:r>
+                            <m:rPr>
+                              <m:sty m:val="p"/>
+                            </m:rPr>
+                            <a:rPr lang="en-US" altLang="ko-KR" b="0" i="0" smtClean="0">
+                              <a:latin typeface="Cambria Math" panose="02040503050406030204" pitchFamily="18" charset="0"/>
+                            </a:rPr>
+                            <m:t>ref</m:t>
+                          </m:r>
+                        </m:sub>
+                      </m:sSub>
+                      <m:d>
+                        <m:dPr>
+                          <m:ctrlPr>
+                            <a:rPr lang="en-US" altLang="ko-KR" b="0" i="1" smtClean="0">
+                              <a:latin typeface="Cambria Math" panose="02040503050406030204" pitchFamily="18" charset="0"/>
+                            </a:rPr>
+                          </m:ctrlPr>
+                        </m:dPr>
+                        <m:e>
+                          <m:r>
+                            <a:rPr lang="en-US" altLang="ko-KR" b="0" i="1" smtClean="0">
+                              <a:latin typeface="Cambria Math" panose="02040503050406030204" pitchFamily="18" charset="0"/>
+                            </a:rPr>
+                            <m:t>𝜔</m:t>
+                          </m:r>
+                        </m:e>
+                      </m:d>
+                      <m:r>
+                        <a:rPr lang="en-US" altLang="ko-KR" b="0" i="1" smtClean="0">
+                          <a:latin typeface="Cambria Math" panose="02040503050406030204" pitchFamily="18" charset="0"/>
+                        </a:rPr>
+                        <m:t>=−</m:t>
+                      </m:r>
+                      <m:sSub>
+                        <m:sSubPr>
+                          <m:ctrlPr>
+                            <a:rPr lang="en-US" altLang="ko-KR" b="0" i="1" smtClean="0">
+                              <a:latin typeface="Cambria Math" panose="02040503050406030204" pitchFamily="18" charset="0"/>
+                            </a:rPr>
+                          </m:ctrlPr>
+                        </m:sSubPr>
+                        <m:e>
+                          <m:r>
+                            <a:rPr lang="en-US" altLang="ko-KR" b="0" i="1" smtClean="0">
+                              <a:latin typeface="Cambria Math" panose="02040503050406030204" pitchFamily="18" charset="0"/>
+                            </a:rPr>
+                            <m:t>𝐸</m:t>
+                          </m:r>
+                        </m:e>
+                        <m:sub>
+                          <m:r>
+                            <a:rPr lang="en-US" altLang="ko-KR" b="0" i="1" smtClean="0">
+                              <a:latin typeface="Cambria Math" panose="02040503050406030204" pitchFamily="18" charset="0"/>
+                            </a:rPr>
+                            <m:t>0</m:t>
+                          </m:r>
+                        </m:sub>
+                      </m:sSub>
+                      <m:r>
+                        <a:rPr lang="en-US" altLang="ko-KR" b="0" i="1" smtClean="0">
+                          <a:latin typeface="Cambria Math" panose="02040503050406030204" pitchFamily="18" charset="0"/>
+                        </a:rPr>
+                        <m:t>(</m:t>
+                      </m:r>
+                      <m:r>
+                        <a:rPr lang="en-US" altLang="ko-KR" b="0" i="1" smtClean="0">
+                          <a:latin typeface="Cambria Math" panose="02040503050406030204" pitchFamily="18" charset="0"/>
+                        </a:rPr>
+                        <m:t>𝜔</m:t>
+                      </m:r>
+                      <m:r>
+                        <a:rPr lang="en-US" altLang="ko-KR" b="0" i="1" smtClean="0">
+                          <a:latin typeface="Cambria Math" panose="02040503050406030204" pitchFamily="18" charset="0"/>
+                        </a:rPr>
+                        <m:t>)</m:t>
+                      </m:r>
+                    </m:oMath>
+                  </m:oMathPara>
+                </a14:m>
+                <a:endParaRPr lang="ko-KR" altLang="en-US" dirty="0"/>
+              </a:p>
+            </p:txBody>
+          </p:sp>
+        </mc:Choice>
+        <mc:Fallback>
+          <p:sp>
+            <p:nvSpPr>
+              <p:cNvPr id="6" name="TextBox 5"/>
+              <p:cNvSpPr txBox="1">
+                <a:spLocks noRot="1" noChangeAspect="1" noMove="1" noResize="1" noEditPoints="1" noAdjustHandles="1" noChangeArrowheads="1" noChangeShapeType="1" noTextEdit="1"/>
+              </p:cNvSpPr>
+              <p:nvPr/>
+            </p:nvSpPr>
+            <p:spPr>
+              <a:xfrm>
+                <a:off x="3637995" y="1590207"/>
+                <a:ext cx="1868011" cy="276999"/>
+              </a:xfrm>
+              <a:prstGeom prst="rect">
+                <a:avLst/>
+              </a:prstGeom>
+              <a:blipFill rotWithShape="0">
+                <a:blip r:embed="rId5"/>
+                <a:stretch>
+                  <a:fillRect l="-2614" t="-2222" r="-4248" b="-35556"/>
+                </a:stretch>
+              </a:blipFill>
+            </p:spPr>
+            <p:txBody>
+              <a:bodyPr/>
+              <a:lstStyle/>
+              <a:p>
+                <a:r>
+                  <a:rPr lang="ko-KR" altLang="en-US">
+                    <a:noFill/>
+                  </a:rPr>
+                  <a:t> </a:t>
+                </a:r>
+              </a:p>
+            </p:txBody>
+          </p:sp>
+        </mc:Fallback>
+      </mc:AlternateContent>
+      <mc:AlternateContent xmlns:mc="http://schemas.openxmlformats.org/markup-compatibility/2006">
+        <mc:Choice xmlns:a14="http://schemas.microsoft.com/office/drawing/2010/main" Requires="a14">
+          <p:sp>
+            <p:nvSpPr>
+              <p:cNvPr id="7" name="TextBox 6"/>
+              <p:cNvSpPr txBox="1"/>
+              <p:nvPr/>
+            </p:nvSpPr>
+            <p:spPr>
+              <a:xfrm>
+                <a:off x="3609974" y="1867206"/>
+                <a:ext cx="1924053" cy="276999"/>
+              </a:xfrm>
+              <a:prstGeom prst="rect">
+                <a:avLst/>
+              </a:prstGeom>
+              <a:noFill/>
+            </p:spPr>
+            <p:txBody>
+              <a:bodyPr wrap="none" lIns="0" tIns="0" rIns="0" bIns="0" rtlCol="0">
+                <a:spAutoFit/>
+              </a:bodyPr>
+              <a:lstStyle/>
+              <a:p>
+                <a14:m>
+                  <m:oMathPara xmlns:m="http://schemas.openxmlformats.org/officeDocument/2006/math">
+                    <m:oMathParaPr>
+                      <m:jc m:val="centerGroup"/>
+                    </m:oMathParaPr>
+                    <m:oMath xmlns:m="http://schemas.openxmlformats.org/officeDocument/2006/math">
+                      <m:sSub>
+                        <m:sSubPr>
+                          <m:ctrlPr>
+                            <a:rPr lang="en-US" altLang="ko-KR" b="0" i="1" smtClean="0">
+                              <a:latin typeface="Cambria Math" panose="02040503050406030204" pitchFamily="18" charset="0"/>
+                            </a:rPr>
+                          </m:ctrlPr>
+                        </m:sSubPr>
+                        <m:e>
+                          <m:r>
+                            <a:rPr lang="en-US" altLang="ko-KR" b="0" i="1" smtClean="0">
+                              <a:latin typeface="Cambria Math" panose="02040503050406030204" pitchFamily="18" charset="0"/>
+                            </a:rPr>
+                            <m:t>𝐸</m:t>
+                          </m:r>
+                        </m:e>
+                        <m:sub>
+                          <m:r>
+                            <m:rPr>
+                              <m:sty m:val="p"/>
+                            </m:rPr>
+                            <a:rPr lang="en-US" altLang="ko-KR" b="0" i="0" smtClean="0">
+                              <a:latin typeface="Cambria Math" panose="02040503050406030204" pitchFamily="18" charset="0"/>
+                            </a:rPr>
+                            <m:t>sam</m:t>
+                          </m:r>
+                        </m:sub>
+                      </m:sSub>
+                      <m:d>
+                        <m:dPr>
+                          <m:ctrlPr>
+                            <a:rPr lang="en-US" altLang="ko-KR" b="0" i="1" smtClean="0">
+                              <a:latin typeface="Cambria Math" panose="02040503050406030204" pitchFamily="18" charset="0"/>
+                            </a:rPr>
+                          </m:ctrlPr>
+                        </m:dPr>
+                        <m:e>
+                          <m:r>
+                            <a:rPr lang="en-US" altLang="ko-KR" b="0" i="1" smtClean="0">
+                              <a:latin typeface="Cambria Math" panose="02040503050406030204" pitchFamily="18" charset="0"/>
+                            </a:rPr>
+                            <m:t>𝜔</m:t>
+                          </m:r>
+                        </m:e>
+                      </m:d>
+                      <m:r>
+                        <a:rPr lang="en-US" altLang="ko-KR" b="0" i="1" smtClean="0">
+                          <a:latin typeface="Cambria Math" panose="02040503050406030204" pitchFamily="18" charset="0"/>
+                        </a:rPr>
+                        <m:t>=</m:t>
+                      </m:r>
+                      <m:r>
+                        <a:rPr lang="en-US" altLang="ko-KR" b="0" i="1" smtClean="0">
+                          <a:latin typeface="Cambria Math" panose="02040503050406030204" pitchFamily="18" charset="0"/>
+                        </a:rPr>
+                        <m:t>𝑟</m:t>
+                      </m:r>
+                      <m:sSub>
+                        <m:sSubPr>
+                          <m:ctrlPr>
+                            <a:rPr lang="en-US" altLang="ko-KR" b="0" i="1" smtClean="0">
+                              <a:latin typeface="Cambria Math" panose="02040503050406030204" pitchFamily="18" charset="0"/>
+                            </a:rPr>
+                          </m:ctrlPr>
+                        </m:sSubPr>
+                        <m:e>
+                          <m:r>
+                            <a:rPr lang="en-US" altLang="ko-KR" b="0" i="1" smtClean="0">
+                              <a:latin typeface="Cambria Math" panose="02040503050406030204" pitchFamily="18" charset="0"/>
+                            </a:rPr>
+                            <m:t>𝐸</m:t>
+                          </m:r>
+                        </m:e>
+                        <m:sub>
+                          <m:r>
+                            <a:rPr lang="en-US" altLang="ko-KR" b="0" i="1" smtClean="0">
+                              <a:latin typeface="Cambria Math" panose="02040503050406030204" pitchFamily="18" charset="0"/>
+                            </a:rPr>
+                            <m:t>0</m:t>
+                          </m:r>
+                        </m:sub>
+                      </m:sSub>
+                      <m:d>
+                        <m:dPr>
+                          <m:ctrlPr>
+                            <a:rPr lang="en-US" altLang="ko-KR" b="0" i="1" smtClean="0">
+                              <a:latin typeface="Cambria Math" panose="02040503050406030204" pitchFamily="18" charset="0"/>
+                            </a:rPr>
+                          </m:ctrlPr>
+                        </m:dPr>
+                        <m:e>
+                          <m:r>
+                            <a:rPr lang="en-US" altLang="ko-KR" b="0" i="1" smtClean="0">
+                              <a:latin typeface="Cambria Math" panose="02040503050406030204" pitchFamily="18" charset="0"/>
+                            </a:rPr>
+                            <m:t>𝜔</m:t>
+                          </m:r>
+                        </m:e>
+                      </m:d>
+                    </m:oMath>
+                  </m:oMathPara>
+                </a14:m>
+                <a:endParaRPr lang="ko-KR" altLang="en-US" dirty="0"/>
+              </a:p>
+            </p:txBody>
+          </p:sp>
+        </mc:Choice>
+        <mc:Fallback>
+          <p:sp>
+            <p:nvSpPr>
+              <p:cNvPr id="7" name="TextBox 6"/>
+              <p:cNvSpPr txBox="1">
+                <a:spLocks noRot="1" noChangeAspect="1" noMove="1" noResize="1" noEditPoints="1" noAdjustHandles="1" noChangeArrowheads="1" noChangeShapeType="1" noTextEdit="1"/>
+              </p:cNvSpPr>
+              <p:nvPr/>
+            </p:nvSpPr>
+            <p:spPr>
+              <a:xfrm>
+                <a:off x="3609974" y="1867206"/>
+                <a:ext cx="1924053" cy="276999"/>
+              </a:xfrm>
+              <a:prstGeom prst="rect">
+                <a:avLst/>
+              </a:prstGeom>
+              <a:blipFill rotWithShape="0">
+                <a:blip r:embed="rId6"/>
+                <a:stretch>
+                  <a:fillRect l="-1899" b="-15217"/>
+                </a:stretch>
+              </a:blipFill>
+            </p:spPr>
+            <p:txBody>
+              <a:bodyPr/>
+              <a:lstStyle/>
+              <a:p>
+                <a:r>
+                  <a:rPr lang="ko-KR" altLang="en-US">
+                    <a:noFill/>
+                  </a:rPr>
+                  <a:t> </a:t>
+                </a:r>
+              </a:p>
+            </p:txBody>
+          </p:sp>
+        </mc:Fallback>
+      </mc:AlternateContent>
+      <mc:AlternateContent xmlns:mc="http://schemas.openxmlformats.org/markup-compatibility/2006">
+        <mc:Choice xmlns:a14="http://schemas.microsoft.com/office/drawing/2010/main" Requires="a14">
+          <p:sp>
+            <p:nvSpPr>
+              <p:cNvPr id="9" name="TextBox 8"/>
+              <p:cNvSpPr txBox="1"/>
+              <p:nvPr/>
+            </p:nvSpPr>
+            <p:spPr>
+              <a:xfrm>
+                <a:off x="1710992" y="2171926"/>
+                <a:ext cx="5722016" cy="584391"/>
+              </a:xfrm>
+              <a:prstGeom prst="rect">
+                <a:avLst/>
+              </a:prstGeom>
+              <a:noFill/>
+            </p:spPr>
+            <p:txBody>
+              <a:bodyPr wrap="none" lIns="0" tIns="0" rIns="0" bIns="0" rtlCol="0">
+                <a:spAutoFit/>
+              </a:bodyPr>
+              <a:lstStyle/>
+              <a:p>
+                <a14:m>
+                  <m:oMathPara xmlns:m="http://schemas.openxmlformats.org/officeDocument/2006/math">
+                    <m:oMathParaPr>
+                      <m:jc m:val="centerGroup"/>
+                    </m:oMathParaPr>
+                    <m:oMath xmlns:m="http://schemas.openxmlformats.org/officeDocument/2006/math">
+                      <m:r>
+                        <a:rPr lang="en-US" altLang="ko-KR" b="0" i="1" smtClean="0">
+                          <a:latin typeface="Cambria Math" panose="02040503050406030204" pitchFamily="18" charset="0"/>
+                        </a:rPr>
+                        <m:t>𝐻</m:t>
+                      </m:r>
+                      <m:d>
+                        <m:dPr>
+                          <m:ctrlPr>
+                            <a:rPr lang="en-US" altLang="ko-KR" b="0" i="1" smtClean="0">
+                              <a:latin typeface="Cambria Math" panose="02040503050406030204" pitchFamily="18" charset="0"/>
+                            </a:rPr>
+                          </m:ctrlPr>
+                        </m:dPr>
+                        <m:e>
+                          <m:r>
+                            <a:rPr lang="en-US" altLang="ko-KR" b="0" i="1" smtClean="0">
+                              <a:latin typeface="Cambria Math" panose="02040503050406030204" pitchFamily="18" charset="0"/>
+                            </a:rPr>
+                            <m:t>𝜔</m:t>
+                          </m:r>
+                        </m:e>
+                      </m:d>
+                      <m:r>
+                        <a:rPr lang="en-US" altLang="ko-KR" b="0" i="1" smtClean="0">
+                          <a:latin typeface="Cambria Math" panose="02040503050406030204" pitchFamily="18" charset="0"/>
+                        </a:rPr>
+                        <m:t>=</m:t>
+                      </m:r>
+                      <m:r>
+                        <a:rPr lang="en-US" altLang="ko-KR" b="0" i="1" smtClean="0">
+                          <a:latin typeface="Cambria Math" panose="02040503050406030204" pitchFamily="18" charset="0"/>
+                        </a:rPr>
+                        <m:t>𝐴</m:t>
+                      </m:r>
+                      <m:func>
+                        <m:funcPr>
+                          <m:ctrlPr>
+                            <a:rPr lang="en-US" altLang="ko-KR" b="0" i="1" smtClean="0">
+                              <a:latin typeface="Cambria Math" panose="02040503050406030204" pitchFamily="18" charset="0"/>
+                            </a:rPr>
+                          </m:ctrlPr>
+                        </m:funcPr>
+                        <m:fName>
+                          <m:r>
+                            <m:rPr>
+                              <m:sty m:val="p"/>
+                            </m:rPr>
+                            <a:rPr lang="en-US" altLang="ko-KR" b="0" i="0" smtClean="0">
+                              <a:latin typeface="Cambria Math" panose="02040503050406030204" pitchFamily="18" charset="0"/>
+                            </a:rPr>
+                            <m:t>exp</m:t>
+                          </m:r>
+                        </m:fName>
+                        <m:e>
+                          <m:d>
+                            <m:dPr>
+                              <m:ctrlPr>
+                                <a:rPr lang="en-US" altLang="ko-KR" b="0" i="1" smtClean="0">
+                                  <a:latin typeface="Cambria Math" panose="02040503050406030204" pitchFamily="18" charset="0"/>
+                                </a:rPr>
+                              </m:ctrlPr>
+                            </m:dPr>
+                            <m:e>
+                              <m:r>
+                                <a:rPr lang="en-US" altLang="ko-KR" b="0" i="1" smtClean="0">
+                                  <a:latin typeface="Cambria Math" panose="02040503050406030204" pitchFamily="18" charset="0"/>
+                                </a:rPr>
+                                <m:t>𝑗</m:t>
+                              </m:r>
+                              <m:r>
+                                <a:rPr lang="en-US" altLang="ko-KR" b="0" i="1" smtClean="0">
+                                  <a:latin typeface="Cambria Math" panose="02040503050406030204" pitchFamily="18" charset="0"/>
+                                </a:rPr>
+                                <m:t>𝜙</m:t>
+                              </m:r>
+                            </m:e>
+                          </m:d>
+                        </m:e>
+                      </m:func>
+                      <m:r>
+                        <a:rPr lang="en-US" altLang="ko-KR" b="0" i="1" smtClean="0">
+                          <a:latin typeface="Cambria Math" panose="02040503050406030204" pitchFamily="18" charset="0"/>
+                        </a:rPr>
+                        <m:t>=</m:t>
+                      </m:r>
+                      <m:f>
+                        <m:fPr>
+                          <m:ctrlPr>
+                            <a:rPr lang="en-US" altLang="ko-KR" b="0" i="1" smtClean="0">
+                              <a:latin typeface="Cambria Math" panose="02040503050406030204" pitchFamily="18" charset="0"/>
+                            </a:rPr>
+                          </m:ctrlPr>
+                        </m:fPr>
+                        <m:num>
+                          <m:sSub>
+                            <m:sSubPr>
+                              <m:ctrlPr>
+                                <a:rPr lang="en-US" altLang="ko-KR" b="0" i="1" smtClean="0">
+                                  <a:latin typeface="Cambria Math" panose="02040503050406030204" pitchFamily="18" charset="0"/>
+                                </a:rPr>
+                              </m:ctrlPr>
+                            </m:sSubPr>
+                            <m:e>
+                              <m:r>
+                                <a:rPr lang="en-US" altLang="ko-KR" b="0" i="1" smtClean="0">
+                                  <a:latin typeface="Cambria Math" panose="02040503050406030204" pitchFamily="18" charset="0"/>
+                                </a:rPr>
+                                <m:t>𝐸</m:t>
+                              </m:r>
+                            </m:e>
+                            <m:sub>
+                              <m:r>
+                                <m:rPr>
+                                  <m:sty m:val="p"/>
+                                </m:rPr>
+                                <a:rPr lang="en-US" altLang="ko-KR" b="0" i="0" smtClean="0">
+                                  <a:latin typeface="Cambria Math" panose="02040503050406030204" pitchFamily="18" charset="0"/>
+                                </a:rPr>
+                                <m:t>sam</m:t>
+                              </m:r>
+                            </m:sub>
+                          </m:sSub>
+                          <m:d>
+                            <m:dPr>
+                              <m:ctrlPr>
+                                <a:rPr lang="en-US" altLang="ko-KR" b="0" i="1" smtClean="0">
+                                  <a:latin typeface="Cambria Math" panose="02040503050406030204" pitchFamily="18" charset="0"/>
+                                </a:rPr>
+                              </m:ctrlPr>
+                            </m:dPr>
+                            <m:e>
+                              <m:r>
+                                <a:rPr lang="en-US" altLang="ko-KR" b="0" i="1" smtClean="0">
+                                  <a:latin typeface="Cambria Math" panose="02040503050406030204" pitchFamily="18" charset="0"/>
+                                </a:rPr>
+                                <m:t>𝜔</m:t>
+                              </m:r>
+                            </m:e>
+                          </m:d>
+                        </m:num>
+                        <m:den>
+                          <m:sSub>
+                            <m:sSubPr>
+                              <m:ctrlPr>
+                                <a:rPr lang="en-US" altLang="ko-KR" b="0" i="1" smtClean="0">
+                                  <a:latin typeface="Cambria Math" panose="02040503050406030204" pitchFamily="18" charset="0"/>
+                                </a:rPr>
+                              </m:ctrlPr>
+                            </m:sSubPr>
+                            <m:e>
+                              <m:r>
+                                <a:rPr lang="en-US" altLang="ko-KR" b="0" i="1" smtClean="0">
+                                  <a:latin typeface="Cambria Math" panose="02040503050406030204" pitchFamily="18" charset="0"/>
+                                </a:rPr>
+                                <m:t>𝐸</m:t>
+                              </m:r>
+                            </m:e>
+                            <m:sub>
+                              <m:r>
+                                <m:rPr>
+                                  <m:sty m:val="p"/>
+                                </m:rPr>
+                                <a:rPr lang="en-US" altLang="ko-KR" b="0" i="0" smtClean="0">
+                                  <a:latin typeface="Cambria Math" panose="02040503050406030204" pitchFamily="18" charset="0"/>
+                                </a:rPr>
+                                <m:t>ref</m:t>
+                              </m:r>
+                            </m:sub>
+                          </m:sSub>
+                          <m:d>
+                            <m:dPr>
+                              <m:ctrlPr>
+                                <a:rPr lang="en-US" altLang="ko-KR" b="0" i="1" smtClean="0">
+                                  <a:latin typeface="Cambria Math" panose="02040503050406030204" pitchFamily="18" charset="0"/>
+                                </a:rPr>
+                              </m:ctrlPr>
+                            </m:dPr>
+                            <m:e>
+                              <m:r>
+                                <a:rPr lang="en-US" altLang="ko-KR" b="0" i="1" smtClean="0">
+                                  <a:latin typeface="Cambria Math" panose="02040503050406030204" pitchFamily="18" charset="0"/>
+                                </a:rPr>
+                                <m:t>𝜔</m:t>
+                              </m:r>
+                            </m:e>
+                          </m:d>
+                        </m:den>
+                      </m:f>
+                      <m:r>
+                        <a:rPr lang="en-US" altLang="ko-KR" b="0" i="1" smtClean="0">
+                          <a:latin typeface="Cambria Math" panose="02040503050406030204" pitchFamily="18" charset="0"/>
+                        </a:rPr>
+                        <m:t>=−</m:t>
+                      </m:r>
+                      <m:r>
+                        <a:rPr lang="en-US" altLang="ko-KR" b="0" i="1" smtClean="0">
+                          <a:latin typeface="Cambria Math" panose="02040503050406030204" pitchFamily="18" charset="0"/>
+                        </a:rPr>
+                        <m:t>𝑟</m:t>
+                      </m:r>
+                      <m:r>
+                        <a:rPr lang="en-US" altLang="ko-KR" b="0" i="1" smtClean="0">
+                          <a:latin typeface="Cambria Math" panose="02040503050406030204" pitchFamily="18" charset="0"/>
+                        </a:rPr>
+                        <m:t>=</m:t>
+                      </m:r>
+                      <m:f>
+                        <m:fPr>
+                          <m:ctrlPr>
+                            <a:rPr lang="en-US" altLang="ko-KR" b="0" i="1" smtClean="0">
+                              <a:latin typeface="Cambria Math" panose="02040503050406030204" pitchFamily="18" charset="0"/>
+                            </a:rPr>
+                          </m:ctrlPr>
+                        </m:fPr>
+                        <m:num>
+                          <m:sSub>
+                            <m:sSubPr>
+                              <m:ctrlPr>
+                                <a:rPr lang="en-US" altLang="ko-KR" b="0" i="1" smtClean="0">
+                                  <a:latin typeface="Cambria Math" panose="02040503050406030204" pitchFamily="18" charset="0"/>
+                                </a:rPr>
+                              </m:ctrlPr>
+                            </m:sSubPr>
+                            <m:e>
+                              <m:r>
+                                <a:rPr lang="en-US" altLang="ko-KR" b="0" i="1" smtClean="0">
+                                  <a:latin typeface="Cambria Math" panose="02040503050406030204" pitchFamily="18" charset="0"/>
+                                </a:rPr>
+                                <m:t>𝑛</m:t>
+                              </m:r>
+                            </m:e>
+                            <m:sub>
+                              <m:r>
+                                <a:rPr lang="en-US" altLang="ko-KR" b="0" i="1" smtClean="0">
+                                  <a:latin typeface="Cambria Math" panose="02040503050406030204" pitchFamily="18" charset="0"/>
+                                </a:rPr>
+                                <m:t>𝑠</m:t>
+                              </m:r>
+                            </m:sub>
+                          </m:sSub>
+                          <m:func>
+                            <m:funcPr>
+                              <m:ctrlPr>
+                                <a:rPr lang="en-US" altLang="ko-KR" b="0" i="1" smtClean="0">
+                                  <a:latin typeface="Cambria Math" panose="02040503050406030204" pitchFamily="18" charset="0"/>
+                                </a:rPr>
+                              </m:ctrlPr>
+                            </m:funcPr>
+                            <m:fName>
+                              <m:r>
+                                <m:rPr>
+                                  <m:sty m:val="p"/>
+                                </m:rPr>
+                                <a:rPr lang="en-US" altLang="ko-KR" b="0" i="0" smtClean="0">
+                                  <a:latin typeface="Cambria Math" panose="02040503050406030204" pitchFamily="18" charset="0"/>
+                                </a:rPr>
+                                <m:t>cos</m:t>
+                              </m:r>
+                            </m:fName>
+                            <m:e>
+                              <m:sSub>
+                                <m:sSubPr>
+                                  <m:ctrlPr>
+                                    <a:rPr lang="en-US" altLang="ko-KR" b="0" i="1" smtClean="0">
+                                      <a:latin typeface="Cambria Math" panose="02040503050406030204" pitchFamily="18" charset="0"/>
+                                    </a:rPr>
+                                  </m:ctrlPr>
+                                </m:sSubPr>
+                                <m:e>
+                                  <m:r>
+                                    <a:rPr lang="en-US" altLang="ko-KR" b="0" i="1" smtClean="0">
+                                      <a:latin typeface="Cambria Math" panose="02040503050406030204" pitchFamily="18" charset="0"/>
+                                    </a:rPr>
+                                    <m:t>𝜃</m:t>
+                                  </m:r>
+                                </m:e>
+                                <m:sub>
+                                  <m:r>
+                                    <a:rPr lang="en-US" altLang="ko-KR" b="0" i="1" smtClean="0">
+                                      <a:latin typeface="Cambria Math" panose="02040503050406030204" pitchFamily="18" charset="0"/>
+                                    </a:rPr>
+                                    <m:t>𝑡</m:t>
+                                  </m:r>
+                                </m:sub>
+                              </m:sSub>
+                            </m:e>
+                          </m:func>
+                          <m:r>
+                            <a:rPr lang="en-US" altLang="ko-KR" b="0" i="1" smtClean="0">
+                              <a:latin typeface="Cambria Math" panose="02040503050406030204" pitchFamily="18" charset="0"/>
+                            </a:rPr>
+                            <m:t>−</m:t>
+                          </m:r>
+                          <m:func>
+                            <m:funcPr>
+                              <m:ctrlPr>
+                                <a:rPr lang="en-US" altLang="ko-KR" b="0" i="1" smtClean="0">
+                                  <a:latin typeface="Cambria Math" panose="02040503050406030204" pitchFamily="18" charset="0"/>
+                                </a:rPr>
+                              </m:ctrlPr>
+                            </m:funcPr>
+                            <m:fName>
+                              <m:r>
+                                <m:rPr>
+                                  <m:sty m:val="p"/>
+                                </m:rPr>
+                                <a:rPr lang="en-US" altLang="ko-KR" b="0" i="0" smtClean="0">
+                                  <a:latin typeface="Cambria Math" panose="02040503050406030204" pitchFamily="18" charset="0"/>
+                                </a:rPr>
+                                <m:t>cos</m:t>
+                              </m:r>
+                            </m:fName>
+                            <m:e>
+                              <m:sSub>
+                                <m:sSubPr>
+                                  <m:ctrlPr>
+                                    <a:rPr lang="en-US" altLang="ko-KR" b="0" i="1" smtClean="0">
+                                      <a:latin typeface="Cambria Math" panose="02040503050406030204" pitchFamily="18" charset="0"/>
+                                    </a:rPr>
+                                  </m:ctrlPr>
+                                </m:sSubPr>
+                                <m:e>
+                                  <m:r>
+                                    <a:rPr lang="en-US" altLang="ko-KR" b="0" i="1" smtClean="0">
+                                      <a:latin typeface="Cambria Math" panose="02040503050406030204" pitchFamily="18" charset="0"/>
+                                    </a:rPr>
+                                    <m:t>𝜃</m:t>
+                                  </m:r>
+                                </m:e>
+                                <m:sub>
+                                  <m:r>
+                                    <a:rPr lang="en-US" altLang="ko-KR" b="0" i="1" smtClean="0">
+                                      <a:latin typeface="Cambria Math" panose="02040503050406030204" pitchFamily="18" charset="0"/>
+                                    </a:rPr>
+                                    <m:t>𝑖</m:t>
+                                  </m:r>
+                                </m:sub>
+                              </m:sSub>
+                            </m:e>
+                          </m:func>
+                        </m:num>
+                        <m:den>
+                          <m:sSub>
+                            <m:sSubPr>
+                              <m:ctrlPr>
+                                <a:rPr lang="en-US" altLang="ko-KR" b="0" i="1" smtClean="0">
+                                  <a:latin typeface="Cambria Math" panose="02040503050406030204" pitchFamily="18" charset="0"/>
+                                </a:rPr>
+                              </m:ctrlPr>
+                            </m:sSubPr>
+                            <m:e>
+                              <m:r>
+                                <a:rPr lang="en-US" altLang="ko-KR" b="0" i="1" smtClean="0">
+                                  <a:latin typeface="Cambria Math" panose="02040503050406030204" pitchFamily="18" charset="0"/>
+                                </a:rPr>
+                                <m:t>𝑛</m:t>
+                              </m:r>
+                            </m:e>
+                            <m:sub>
+                              <m:r>
+                                <a:rPr lang="en-US" altLang="ko-KR" b="0" i="1" smtClean="0">
+                                  <a:latin typeface="Cambria Math" panose="02040503050406030204" pitchFamily="18" charset="0"/>
+                                </a:rPr>
+                                <m:t>𝑠</m:t>
+                              </m:r>
+                            </m:sub>
+                          </m:sSub>
+                          <m:func>
+                            <m:funcPr>
+                              <m:ctrlPr>
+                                <a:rPr lang="en-US" altLang="ko-KR" b="0" i="1" smtClean="0">
+                                  <a:latin typeface="Cambria Math" panose="02040503050406030204" pitchFamily="18" charset="0"/>
+                                </a:rPr>
+                              </m:ctrlPr>
+                            </m:funcPr>
+                            <m:fName>
+                              <m:r>
+                                <m:rPr>
+                                  <m:sty m:val="p"/>
+                                </m:rPr>
+                                <a:rPr lang="en-US" altLang="ko-KR" b="0" i="0" smtClean="0">
+                                  <a:latin typeface="Cambria Math" panose="02040503050406030204" pitchFamily="18" charset="0"/>
+                                </a:rPr>
+                                <m:t>cos</m:t>
+                              </m:r>
+                            </m:fName>
+                            <m:e>
+                              <m:sSub>
+                                <m:sSubPr>
+                                  <m:ctrlPr>
+                                    <a:rPr lang="en-US" altLang="ko-KR" b="0" i="1" smtClean="0">
+                                      <a:latin typeface="Cambria Math" panose="02040503050406030204" pitchFamily="18" charset="0"/>
+                                    </a:rPr>
+                                  </m:ctrlPr>
+                                </m:sSubPr>
+                                <m:e>
+                                  <m:r>
+                                    <a:rPr lang="en-US" altLang="ko-KR" b="0" i="1" smtClean="0">
+                                      <a:latin typeface="Cambria Math" panose="02040503050406030204" pitchFamily="18" charset="0"/>
+                                    </a:rPr>
+                                    <m:t>𝜃</m:t>
+                                  </m:r>
+                                </m:e>
+                                <m:sub>
+                                  <m:r>
+                                    <a:rPr lang="en-US" altLang="ko-KR" b="0" i="1" smtClean="0">
+                                      <a:latin typeface="Cambria Math" panose="02040503050406030204" pitchFamily="18" charset="0"/>
+                                    </a:rPr>
+                                    <m:t>𝑡</m:t>
+                                  </m:r>
+                                </m:sub>
+                              </m:sSub>
+                            </m:e>
+                          </m:func>
+                          <m:r>
+                            <a:rPr lang="en-US" altLang="ko-KR" b="0" i="1" smtClean="0">
+                              <a:latin typeface="Cambria Math" panose="02040503050406030204" pitchFamily="18" charset="0"/>
+                            </a:rPr>
+                            <m:t>−</m:t>
+                          </m:r>
+                          <m:func>
+                            <m:funcPr>
+                              <m:ctrlPr>
+                                <a:rPr lang="en-US" altLang="ko-KR" b="0" i="1" smtClean="0">
+                                  <a:latin typeface="Cambria Math" panose="02040503050406030204" pitchFamily="18" charset="0"/>
+                                </a:rPr>
+                              </m:ctrlPr>
+                            </m:funcPr>
+                            <m:fName>
+                              <m:r>
+                                <m:rPr>
+                                  <m:sty m:val="p"/>
+                                </m:rPr>
+                                <a:rPr lang="en-US" altLang="ko-KR" b="0" i="0" smtClean="0">
+                                  <a:latin typeface="Cambria Math" panose="02040503050406030204" pitchFamily="18" charset="0"/>
+                                </a:rPr>
+                                <m:t>cos</m:t>
+                              </m:r>
+                            </m:fName>
+                            <m:e>
+                              <m:sSub>
+                                <m:sSubPr>
+                                  <m:ctrlPr>
+                                    <a:rPr lang="en-US" altLang="ko-KR" b="0" i="1" smtClean="0">
+                                      <a:latin typeface="Cambria Math" panose="02040503050406030204" pitchFamily="18" charset="0"/>
+                                    </a:rPr>
+                                  </m:ctrlPr>
+                                </m:sSubPr>
+                                <m:e>
+                                  <m:r>
+                                    <a:rPr lang="en-US" altLang="ko-KR" b="0" i="1" smtClean="0">
+                                      <a:latin typeface="Cambria Math" panose="02040503050406030204" pitchFamily="18" charset="0"/>
+                                    </a:rPr>
+                                    <m:t>𝜃</m:t>
+                                  </m:r>
+                                </m:e>
+                                <m:sub>
+                                  <m:r>
+                                    <a:rPr lang="en-US" altLang="ko-KR" b="0" i="1" smtClean="0">
+                                      <a:latin typeface="Cambria Math" panose="02040503050406030204" pitchFamily="18" charset="0"/>
+                                    </a:rPr>
+                                    <m:t>𝑖</m:t>
+                                  </m:r>
+                                </m:sub>
+                              </m:sSub>
+                            </m:e>
+                          </m:func>
+                        </m:den>
+                      </m:f>
+                      <m:r>
+                        <a:rPr lang="en-US" altLang="ko-KR" b="0" i="1" smtClean="0">
+                          <a:latin typeface="Cambria Math" panose="02040503050406030204" pitchFamily="18" charset="0"/>
+                        </a:rPr>
+                        <m:t> </m:t>
+                      </m:r>
+                    </m:oMath>
+                  </m:oMathPara>
+                </a14:m>
+                <a:endParaRPr lang="ko-KR" altLang="en-US" dirty="0"/>
+              </a:p>
+            </p:txBody>
+          </p:sp>
+        </mc:Choice>
+        <mc:Fallback>
+          <p:sp>
+            <p:nvSpPr>
+              <p:cNvPr id="9" name="TextBox 8"/>
+              <p:cNvSpPr txBox="1">
+                <a:spLocks noRot="1" noChangeAspect="1" noMove="1" noResize="1" noEditPoints="1" noAdjustHandles="1" noChangeArrowheads="1" noChangeShapeType="1" noTextEdit="1"/>
+              </p:cNvSpPr>
+              <p:nvPr/>
+            </p:nvSpPr>
+            <p:spPr>
+              <a:xfrm>
+                <a:off x="1710992" y="2171926"/>
+                <a:ext cx="5722016" cy="584391"/>
+              </a:xfrm>
+              <a:prstGeom prst="rect">
+                <a:avLst/>
+              </a:prstGeom>
+              <a:blipFill rotWithShape="0">
+                <a:blip r:embed="rId7"/>
+                <a:stretch>
+                  <a:fillRect/>
+                </a:stretch>
+              </a:blipFill>
+            </p:spPr>
+            <p:txBody>
+              <a:bodyPr/>
+              <a:lstStyle/>
+              <a:p>
+                <a:r>
+                  <a:rPr lang="ko-KR" altLang="en-US">
+                    <a:noFill/>
+                  </a:rPr>
+                  <a:t> </a:t>
+                </a:r>
+              </a:p>
+            </p:txBody>
+          </p:sp>
+        </mc:Fallback>
+      </mc:AlternateContent>
+      <mc:AlternateContent xmlns:mc="http://schemas.openxmlformats.org/markup-compatibility/2006">
+        <mc:Choice xmlns:a14="http://schemas.microsoft.com/office/drawing/2010/main" Requires="a14">
+          <p:sp>
+            <p:nvSpPr>
+              <p:cNvPr id="10" name="TextBox 9"/>
+              <p:cNvSpPr txBox="1"/>
+              <p:nvPr/>
+            </p:nvSpPr>
+            <p:spPr>
+              <a:xfrm>
+                <a:off x="1828800" y="3026277"/>
+                <a:ext cx="2718116" cy="602473"/>
+              </a:xfrm>
+              <a:prstGeom prst="rect">
+                <a:avLst/>
+              </a:prstGeom>
+              <a:noFill/>
+            </p:spPr>
+            <p:txBody>
+              <a:bodyPr wrap="none" lIns="0" tIns="0" rIns="0" bIns="0" rtlCol="0">
+                <a:spAutoFit/>
+              </a:bodyPr>
+              <a:lstStyle/>
+              <a:p>
+                <a14:m>
+                  <m:oMathPara xmlns:m="http://schemas.openxmlformats.org/officeDocument/2006/math">
+                    <m:oMathParaPr>
+                      <m:jc m:val="centerGroup"/>
+                    </m:oMathParaPr>
+                    <m:oMath xmlns:m="http://schemas.openxmlformats.org/officeDocument/2006/math">
+                      <m:sSub>
+                        <m:sSubPr>
+                          <m:ctrlPr>
+                            <a:rPr lang="en-US" altLang="ko-KR" b="0" i="1" smtClean="0">
+                              <a:latin typeface="Cambria Math" panose="02040503050406030204" pitchFamily="18" charset="0"/>
+                            </a:rPr>
+                          </m:ctrlPr>
+                        </m:sSubPr>
+                        <m:e>
+                          <m:r>
+                            <a:rPr lang="en-US" altLang="ko-KR" b="0" i="1" smtClean="0">
+                              <a:latin typeface="Cambria Math" panose="02040503050406030204" pitchFamily="18" charset="0"/>
+                            </a:rPr>
+                            <m:t>𝑛</m:t>
+                          </m:r>
+                        </m:e>
+                        <m:sub>
+                          <m:r>
+                            <a:rPr lang="en-US" altLang="ko-KR" b="0" i="1" smtClean="0">
+                              <a:latin typeface="Cambria Math" panose="02040503050406030204" pitchFamily="18" charset="0"/>
+                            </a:rPr>
+                            <m:t>𝑠</m:t>
+                          </m:r>
+                        </m:sub>
+                      </m:sSub>
+                      <m:d>
+                        <m:dPr>
+                          <m:ctrlPr>
+                            <a:rPr lang="en-US" altLang="ko-KR" b="0" i="1" smtClean="0">
+                              <a:latin typeface="Cambria Math" panose="02040503050406030204" pitchFamily="18" charset="0"/>
+                            </a:rPr>
+                          </m:ctrlPr>
+                        </m:dPr>
+                        <m:e>
+                          <m:r>
+                            <a:rPr lang="en-US" altLang="ko-KR" b="0" i="1" smtClean="0">
+                              <a:latin typeface="Cambria Math" panose="02040503050406030204" pitchFamily="18" charset="0"/>
+                            </a:rPr>
+                            <m:t>𝜔</m:t>
+                          </m:r>
+                        </m:e>
+                      </m:d>
+                      <m:r>
+                        <a:rPr lang="en-US" altLang="ko-KR" b="0" i="1" smtClean="0">
+                          <a:latin typeface="Cambria Math" panose="02040503050406030204" pitchFamily="18" charset="0"/>
+                        </a:rPr>
+                        <m:t>=</m:t>
+                      </m:r>
+                      <m:f>
+                        <m:fPr>
+                          <m:ctrlPr>
+                            <a:rPr lang="en-US" altLang="ko-KR" b="0" i="1" smtClean="0">
+                              <a:latin typeface="Cambria Math" panose="02040503050406030204" pitchFamily="18" charset="0"/>
+                            </a:rPr>
+                          </m:ctrlPr>
+                        </m:fPr>
+                        <m:num>
+                          <m:r>
+                            <a:rPr lang="en-US" altLang="ko-KR" b="0" i="1" smtClean="0">
+                              <a:latin typeface="Cambria Math" panose="02040503050406030204" pitchFamily="18" charset="0"/>
+                            </a:rPr>
+                            <m:t>1−</m:t>
+                          </m:r>
+                          <m:sSup>
+                            <m:sSupPr>
+                              <m:ctrlPr>
+                                <a:rPr lang="en-US" altLang="ko-KR" b="0" i="1" smtClean="0">
+                                  <a:latin typeface="Cambria Math" panose="02040503050406030204" pitchFamily="18" charset="0"/>
+                                </a:rPr>
+                              </m:ctrlPr>
+                            </m:sSupPr>
+                            <m:e>
+                              <m:r>
+                                <a:rPr lang="en-US" altLang="ko-KR" b="0" i="1" smtClean="0">
+                                  <a:latin typeface="Cambria Math" panose="02040503050406030204" pitchFamily="18" charset="0"/>
+                                </a:rPr>
+                                <m:t>𝐴</m:t>
+                              </m:r>
+                            </m:e>
+                            <m:sup>
+                              <m:r>
+                                <a:rPr lang="en-US" altLang="ko-KR" b="0" i="1" smtClean="0">
+                                  <a:latin typeface="Cambria Math" panose="02040503050406030204" pitchFamily="18" charset="0"/>
+                                </a:rPr>
+                                <m:t>2</m:t>
+                              </m:r>
+                            </m:sup>
+                          </m:sSup>
+                        </m:num>
+                        <m:den>
+                          <m:r>
+                            <a:rPr lang="en-US" altLang="ko-KR" b="0" i="1" smtClean="0">
+                              <a:latin typeface="Cambria Math" panose="02040503050406030204" pitchFamily="18" charset="0"/>
+                            </a:rPr>
+                            <m:t>1+</m:t>
+                          </m:r>
+                          <m:sSup>
+                            <m:sSupPr>
+                              <m:ctrlPr>
+                                <a:rPr lang="en-US" altLang="ko-KR" b="0" i="1" smtClean="0">
+                                  <a:latin typeface="Cambria Math" panose="02040503050406030204" pitchFamily="18" charset="0"/>
+                                </a:rPr>
+                              </m:ctrlPr>
+                            </m:sSupPr>
+                            <m:e>
+                              <m:r>
+                                <a:rPr lang="en-US" altLang="ko-KR" b="0" i="1" smtClean="0">
+                                  <a:latin typeface="Cambria Math" panose="02040503050406030204" pitchFamily="18" charset="0"/>
+                                </a:rPr>
+                                <m:t>𝐴</m:t>
+                              </m:r>
+                            </m:e>
+                            <m:sup>
+                              <m:r>
+                                <a:rPr lang="en-US" altLang="ko-KR" b="0" i="1" smtClean="0">
+                                  <a:latin typeface="Cambria Math" panose="02040503050406030204" pitchFamily="18" charset="0"/>
+                                </a:rPr>
+                                <m:t>2</m:t>
+                              </m:r>
+                            </m:sup>
+                          </m:sSup>
+                          <m:r>
+                            <a:rPr lang="en-US" altLang="ko-KR" b="0" i="1" smtClean="0">
+                              <a:latin typeface="Cambria Math" panose="02040503050406030204" pitchFamily="18" charset="0"/>
+                            </a:rPr>
+                            <m:t>−2</m:t>
+                          </m:r>
+                          <m:r>
+                            <a:rPr lang="en-US" altLang="ko-KR" b="0" i="1" smtClean="0">
+                              <a:latin typeface="Cambria Math" panose="02040503050406030204" pitchFamily="18" charset="0"/>
+                            </a:rPr>
+                            <m:t>𝐴</m:t>
+                          </m:r>
+                          <m:func>
+                            <m:funcPr>
+                              <m:ctrlPr>
+                                <a:rPr lang="en-US" altLang="ko-KR" b="0" i="1" smtClean="0">
+                                  <a:latin typeface="Cambria Math" panose="02040503050406030204" pitchFamily="18" charset="0"/>
+                                </a:rPr>
+                              </m:ctrlPr>
+                            </m:funcPr>
+                            <m:fName>
+                              <m:r>
+                                <m:rPr>
+                                  <m:sty m:val="p"/>
+                                </m:rPr>
+                                <a:rPr lang="en-US" altLang="ko-KR" b="0" i="0" smtClean="0">
+                                  <a:latin typeface="Cambria Math" panose="02040503050406030204" pitchFamily="18" charset="0"/>
+                                </a:rPr>
+                                <m:t>cos</m:t>
+                              </m:r>
+                            </m:fName>
+                            <m:e>
+                              <m:r>
+                                <a:rPr lang="en-US" altLang="ko-KR" b="0" i="1" smtClean="0">
+                                  <a:latin typeface="Cambria Math" panose="02040503050406030204" pitchFamily="18" charset="0"/>
+                                </a:rPr>
+                                <m:t>𝜙</m:t>
+                              </m:r>
+                            </m:e>
+                          </m:func>
+                        </m:den>
+                      </m:f>
+                    </m:oMath>
+                  </m:oMathPara>
+                </a14:m>
+                <a:endParaRPr lang="ko-KR" altLang="en-US" dirty="0"/>
+              </a:p>
+            </p:txBody>
+          </p:sp>
+        </mc:Choice>
+        <mc:Fallback>
+          <p:sp>
+            <p:nvSpPr>
+              <p:cNvPr id="10" name="TextBox 9"/>
+              <p:cNvSpPr txBox="1">
+                <a:spLocks noRot="1" noChangeAspect="1" noMove="1" noResize="1" noEditPoints="1" noAdjustHandles="1" noChangeArrowheads="1" noChangeShapeType="1" noTextEdit="1"/>
+              </p:cNvSpPr>
+              <p:nvPr/>
+            </p:nvSpPr>
+            <p:spPr>
+              <a:xfrm>
+                <a:off x="1828800" y="3026277"/>
+                <a:ext cx="2718116" cy="602473"/>
+              </a:xfrm>
+              <a:prstGeom prst="rect">
+                <a:avLst/>
+              </a:prstGeom>
+              <a:blipFill rotWithShape="0">
+                <a:blip r:embed="rId8"/>
+                <a:stretch>
+                  <a:fillRect/>
+                </a:stretch>
+              </a:blipFill>
+            </p:spPr>
+            <p:txBody>
+              <a:bodyPr/>
+              <a:lstStyle/>
+              <a:p>
+                <a:r>
+                  <a:rPr lang="ko-KR" altLang="en-US">
+                    <a:noFill/>
+                  </a:rPr>
+                  <a:t> </a:t>
+                </a:r>
+              </a:p>
+            </p:txBody>
+          </p:sp>
+        </mc:Fallback>
+      </mc:AlternateContent>
+      <mc:AlternateContent xmlns:mc="http://schemas.openxmlformats.org/markup-compatibility/2006">
+        <mc:Choice xmlns:a14="http://schemas.microsoft.com/office/drawing/2010/main" Requires="a14">
+          <p:sp>
+            <p:nvSpPr>
+              <p:cNvPr id="12" name="TextBox 11"/>
+              <p:cNvSpPr txBox="1"/>
+              <p:nvPr/>
+            </p:nvSpPr>
+            <p:spPr>
+              <a:xfrm>
+                <a:off x="4826976" y="3032048"/>
+                <a:ext cx="2710101" cy="590931"/>
+              </a:xfrm>
+              <a:prstGeom prst="rect">
+                <a:avLst/>
+              </a:prstGeom>
+              <a:noFill/>
+            </p:spPr>
+            <p:txBody>
+              <a:bodyPr wrap="none" lIns="0" tIns="0" rIns="0" bIns="0" rtlCol="0">
+                <a:spAutoFit/>
+              </a:bodyPr>
+              <a:lstStyle/>
+              <a:p>
+                <a14:m>
+                  <m:oMathPara xmlns:m="http://schemas.openxmlformats.org/officeDocument/2006/math">
+                    <m:oMathParaPr>
+                      <m:jc m:val="centerGroup"/>
+                    </m:oMathParaPr>
+                    <m:oMath xmlns:m="http://schemas.openxmlformats.org/officeDocument/2006/math">
+                      <m:sSub>
+                        <m:sSubPr>
+                          <m:ctrlPr>
+                            <a:rPr lang="en-US" altLang="ko-KR" b="0" i="1" smtClean="0">
+                              <a:latin typeface="Cambria Math" panose="02040503050406030204" pitchFamily="18" charset="0"/>
+                            </a:rPr>
+                          </m:ctrlPr>
+                        </m:sSubPr>
+                        <m:e>
+                          <m:r>
+                            <a:rPr lang="en-US" altLang="ko-KR" b="0" i="1" smtClean="0">
+                              <a:latin typeface="Cambria Math" panose="02040503050406030204" pitchFamily="18" charset="0"/>
+                            </a:rPr>
+                            <m:t>𝜅</m:t>
+                          </m:r>
+                        </m:e>
+                        <m:sub>
+                          <m:r>
+                            <a:rPr lang="en-US" altLang="ko-KR" b="0" i="1" smtClean="0">
+                              <a:latin typeface="Cambria Math" panose="02040503050406030204" pitchFamily="18" charset="0"/>
+                            </a:rPr>
+                            <m:t>𝑠</m:t>
+                          </m:r>
+                        </m:sub>
+                      </m:sSub>
+                      <m:d>
+                        <m:dPr>
+                          <m:ctrlPr>
+                            <a:rPr lang="en-US" altLang="ko-KR" b="0" i="1" smtClean="0">
+                              <a:latin typeface="Cambria Math" panose="02040503050406030204" pitchFamily="18" charset="0"/>
+                            </a:rPr>
+                          </m:ctrlPr>
+                        </m:dPr>
+                        <m:e>
+                          <m:r>
+                            <a:rPr lang="en-US" altLang="ko-KR" b="0" i="1" smtClean="0">
+                              <a:latin typeface="Cambria Math" panose="02040503050406030204" pitchFamily="18" charset="0"/>
+                            </a:rPr>
+                            <m:t>𝜔</m:t>
+                          </m:r>
+                        </m:e>
+                      </m:d>
+                      <m:r>
+                        <a:rPr lang="en-US" altLang="ko-KR" b="0" i="1" smtClean="0">
+                          <a:latin typeface="Cambria Math" panose="02040503050406030204" pitchFamily="18" charset="0"/>
+                        </a:rPr>
+                        <m:t>=</m:t>
+                      </m:r>
+                      <m:f>
+                        <m:fPr>
+                          <m:ctrlPr>
+                            <a:rPr lang="en-US" altLang="ko-KR" b="0" i="1" smtClean="0">
+                              <a:latin typeface="Cambria Math" panose="02040503050406030204" pitchFamily="18" charset="0"/>
+                            </a:rPr>
+                          </m:ctrlPr>
+                        </m:fPr>
+                        <m:num>
+                          <m:r>
+                            <a:rPr lang="en-US" altLang="ko-KR" b="0" i="1" smtClean="0">
+                              <a:latin typeface="Cambria Math" panose="02040503050406030204" pitchFamily="18" charset="0"/>
+                            </a:rPr>
+                            <m:t>−2</m:t>
+                          </m:r>
+                          <m:r>
+                            <a:rPr lang="en-US" altLang="ko-KR" b="0" i="1" smtClean="0">
+                              <a:latin typeface="Cambria Math" panose="02040503050406030204" pitchFamily="18" charset="0"/>
+                            </a:rPr>
+                            <m:t>𝐴</m:t>
+                          </m:r>
+                          <m:func>
+                            <m:funcPr>
+                              <m:ctrlPr>
+                                <a:rPr lang="en-US" altLang="ko-KR" b="0" i="1" smtClean="0">
+                                  <a:latin typeface="Cambria Math" panose="02040503050406030204" pitchFamily="18" charset="0"/>
+                                </a:rPr>
+                              </m:ctrlPr>
+                            </m:funcPr>
+                            <m:fName>
+                              <m:r>
+                                <m:rPr>
+                                  <m:sty m:val="p"/>
+                                </m:rPr>
+                                <a:rPr lang="en-US" altLang="ko-KR" b="0" i="0" smtClean="0">
+                                  <a:latin typeface="Cambria Math" panose="02040503050406030204" pitchFamily="18" charset="0"/>
+                                </a:rPr>
+                                <m:t>sin</m:t>
+                              </m:r>
+                            </m:fName>
+                            <m:e>
+                              <m:r>
+                                <a:rPr lang="en-US" altLang="ko-KR" b="0" i="1" smtClean="0">
+                                  <a:latin typeface="Cambria Math" panose="02040503050406030204" pitchFamily="18" charset="0"/>
+                                </a:rPr>
+                                <m:t>𝜙</m:t>
+                              </m:r>
+                            </m:e>
+                          </m:func>
+                        </m:num>
+                        <m:den>
+                          <m:r>
+                            <a:rPr lang="en-US" altLang="ko-KR" b="0" i="1" smtClean="0">
+                              <a:latin typeface="Cambria Math" panose="02040503050406030204" pitchFamily="18" charset="0"/>
+                            </a:rPr>
+                            <m:t>1+</m:t>
+                          </m:r>
+                          <m:sSup>
+                            <m:sSupPr>
+                              <m:ctrlPr>
+                                <a:rPr lang="en-US" altLang="ko-KR" b="0" i="1" smtClean="0">
+                                  <a:latin typeface="Cambria Math" panose="02040503050406030204" pitchFamily="18" charset="0"/>
+                                </a:rPr>
+                              </m:ctrlPr>
+                            </m:sSupPr>
+                            <m:e>
+                              <m:r>
+                                <a:rPr lang="en-US" altLang="ko-KR" b="0" i="1" smtClean="0">
+                                  <a:latin typeface="Cambria Math" panose="02040503050406030204" pitchFamily="18" charset="0"/>
+                                </a:rPr>
+                                <m:t>𝐴</m:t>
+                              </m:r>
+                            </m:e>
+                            <m:sup>
+                              <m:r>
+                                <a:rPr lang="en-US" altLang="ko-KR" b="0" i="1" smtClean="0">
+                                  <a:latin typeface="Cambria Math" panose="02040503050406030204" pitchFamily="18" charset="0"/>
+                                </a:rPr>
+                                <m:t>2</m:t>
+                              </m:r>
+                            </m:sup>
+                          </m:sSup>
+                          <m:r>
+                            <a:rPr lang="en-US" altLang="ko-KR" b="0" i="1" smtClean="0">
+                              <a:latin typeface="Cambria Math" panose="02040503050406030204" pitchFamily="18" charset="0"/>
+                            </a:rPr>
+                            <m:t>−2</m:t>
+                          </m:r>
+                          <m:r>
+                            <a:rPr lang="en-US" altLang="ko-KR" b="0" i="1" smtClean="0">
+                              <a:latin typeface="Cambria Math" panose="02040503050406030204" pitchFamily="18" charset="0"/>
+                            </a:rPr>
+                            <m:t>𝐴</m:t>
+                          </m:r>
+                          <m:func>
+                            <m:funcPr>
+                              <m:ctrlPr>
+                                <a:rPr lang="en-US" altLang="ko-KR" b="0" i="1" smtClean="0">
+                                  <a:latin typeface="Cambria Math" panose="02040503050406030204" pitchFamily="18" charset="0"/>
+                                </a:rPr>
+                              </m:ctrlPr>
+                            </m:funcPr>
+                            <m:fName>
+                              <m:r>
+                                <m:rPr>
+                                  <m:sty m:val="p"/>
+                                </m:rPr>
+                                <a:rPr lang="en-US" altLang="ko-KR" b="0" i="0" smtClean="0">
+                                  <a:latin typeface="Cambria Math" panose="02040503050406030204" pitchFamily="18" charset="0"/>
+                                </a:rPr>
+                                <m:t>cos</m:t>
+                              </m:r>
+                            </m:fName>
+                            <m:e>
+                              <m:r>
+                                <a:rPr lang="en-US" altLang="ko-KR" b="0" i="1" smtClean="0">
+                                  <a:latin typeface="Cambria Math" panose="02040503050406030204" pitchFamily="18" charset="0"/>
+                                </a:rPr>
+                                <m:t>𝜙</m:t>
+                              </m:r>
+                            </m:e>
+                          </m:func>
+                        </m:den>
+                      </m:f>
+                    </m:oMath>
+                  </m:oMathPara>
+                </a14:m>
+                <a:endParaRPr lang="ko-KR" altLang="en-US" dirty="0"/>
+              </a:p>
+            </p:txBody>
+          </p:sp>
+        </mc:Choice>
+        <mc:Fallback>
+          <p:sp>
+            <p:nvSpPr>
+              <p:cNvPr id="12" name="TextBox 11"/>
+              <p:cNvSpPr txBox="1">
+                <a:spLocks noRot="1" noChangeAspect="1" noMove="1" noResize="1" noEditPoints="1" noAdjustHandles="1" noChangeArrowheads="1" noChangeShapeType="1" noTextEdit="1"/>
+              </p:cNvSpPr>
+              <p:nvPr/>
+            </p:nvSpPr>
+            <p:spPr>
+              <a:xfrm>
+                <a:off x="4826976" y="3032048"/>
+                <a:ext cx="2710101" cy="590931"/>
+              </a:xfrm>
+              <a:prstGeom prst="rect">
+                <a:avLst/>
+              </a:prstGeom>
+              <a:blipFill rotWithShape="0">
+                <a:blip r:embed="rId9"/>
+                <a:stretch>
+                  <a:fillRect/>
+                </a:stretch>
+              </a:blipFill>
+            </p:spPr>
+            <p:txBody>
+              <a:bodyPr/>
+              <a:lstStyle/>
+              <a:p>
+                <a:r>
+                  <a:rPr lang="ko-KR" altLang="en-US">
+                    <a:noFill/>
+                  </a:rPr>
+                  <a:t> </a:t>
+                </a:r>
+              </a:p>
+            </p:txBody>
+          </p:sp>
+        </mc:Fallback>
+      </mc:AlternateContent>
+      <p:sp>
+        <p:nvSpPr>
+          <p:cNvPr id="14" name="TextBox 13"/>
+          <p:cNvSpPr txBox="1"/>
+          <p:nvPr/>
+        </p:nvSpPr>
+        <p:spPr>
+          <a:xfrm>
+            <a:off x="345758" y="3725235"/>
+            <a:ext cx="8560849" cy="369332"/>
+          </a:xfrm>
+          <a:prstGeom prst="rect">
+            <a:avLst/>
+          </a:prstGeom>
+          <a:noFill/>
+        </p:spPr>
+        <p:txBody>
+          <a:bodyPr wrap="square" rtlCol="0">
+            <a:spAutoFit/>
+          </a:bodyPr>
+          <a:lstStyle/>
+          <a:p>
+            <a:r>
+              <a:rPr lang="en-US" altLang="ko-KR" dirty="0" smtClean="0"/>
+              <a:t>Mirror and sample </a:t>
             </a:r>
             <a:r>
-              <a:rPr lang="en-US" altLang="ko-KR" sz="1050" dirty="0" err="1" smtClean="0">
-                <a:latin typeface="Times New Roman" panose="02020603050405020304" pitchFamily="18" charset="0"/>
-                <a:cs typeface="Times New Roman" panose="02020603050405020304" pitchFamily="18" charset="0"/>
+              <a:rPr lang="en-US" altLang="ko-KR" dirty="0" smtClean="0">
+                <a:solidFill>
+                  <a:srgbClr val="3333FF"/>
+                </a:solidFill>
               </a:rPr>
-              <a:t>Baraniuk</a:t>
+              <a:t>positioning become </a:t>
             </a:r>
             <a:r>
-              <a:rPr lang="en-US" altLang="ko-KR" sz="1050" dirty="0" smtClean="0">
-                <a:latin typeface="Times New Roman" panose="02020603050405020304" pitchFamily="18" charset="0"/>
-                <a:cs typeface="Times New Roman" panose="02020603050405020304" pitchFamily="18" charset="0"/>
+              <a:rPr lang="en-US" altLang="ko-KR" dirty="0" err="1" smtClean="0">
+                <a:solidFill>
+                  <a:srgbClr val="3333FF"/>
+                </a:solidFill>
               </a:rPr>
-              <a:t>, and D. </a:t>
+              <a:t>cruical</a:t>
             </a:r>
-            <a:r>
-              <a:rPr lang="en-US" altLang="ko-KR" sz="1050" dirty="0" err="1" smtClean="0">
-                <a:latin typeface="Times New Roman" panose="02020603050405020304" pitchFamily="18" charset="0"/>
-                <a:cs typeface="Times New Roman" panose="02020603050405020304" pitchFamily="18" charset="0"/>
-              </a:rPr>
-              <a:t>Mittleman</a:t>
-            </a:r>
-            <a:r>
-              <a:rPr lang="en-US" altLang="ko-KR" sz="1050" dirty="0" smtClean="0">
-                <a:latin typeface="Times New Roman" panose="02020603050405020304" pitchFamily="18" charset="0"/>
-                <a:cs typeface="Times New Roman" panose="02020603050405020304" pitchFamily="18" charset="0"/>
-              </a:rPr>
-              <a:t>, “Material Parameter Estimation with Terahertz Time-Domain Spectroscopy,” </a:t>
-            </a:r>
-            <a:r>
-              <a:rPr lang="en-US" altLang="ko-KR" sz="1050" i="1" dirty="0" smtClean="0">
-                <a:latin typeface="Times New Roman" panose="02020603050405020304" pitchFamily="18" charset="0"/>
-                <a:cs typeface="Times New Roman" panose="02020603050405020304" pitchFamily="18" charset="0"/>
-              </a:rPr>
-              <a:t>Journal of the Optical Society of America A: Optics, Image Science, and Vision</a:t>
-            </a:r>
-            <a:r>
-              <a:rPr lang="en-US" altLang="ko-KR" sz="1050" dirty="0" smtClean="0">
-                <a:latin typeface="Times New Roman" panose="02020603050405020304" pitchFamily="18" charset="0"/>
-                <a:cs typeface="Times New Roman" panose="02020603050405020304" pitchFamily="18" charset="0"/>
-              </a:rPr>
-              <a:t>, Vol. 18, No. 7, 2001.</a:t>
-            </a:r>
-            <a:endParaRPr lang="en-US" altLang="ko-KR" sz="1050" dirty="0" smtClean="0">
-              <a:latin typeface="Times New Roman" panose="02020603050405020304" pitchFamily="18" charset="0"/>
-              <a:cs typeface="Times New Roman" panose="02020603050405020304" pitchFamily="18" charset="0"/>
+            <a:endParaRPr lang="ko-KR" altLang="en-US" dirty="0">
+              <a:solidFill>
+                <a:srgbClr val="3333FF"/>
+              </a:solidFill>
             </a:endParaRPr>
           </a:p>
         </p:txBody>
@@ -5363,6 +7325,5067 @@
                 </a:solidFill>
                 <a:latin typeface="Arial" panose="020B0604020202020204" pitchFamily="34" charset="0"/>
               </a:rPr>
+              <a:t>2.4 </a:t>
+            </a:r>
+            <a:r>
+              <a:rPr lang="en-US" altLang="ko-KR" sz="2800" dirty="0" smtClean="0">
+                <a:solidFill>
+                  <a:schemeClr val="bg1"/>
+                </a:solidFill>
+                <a:latin typeface="Arial" panose="020B0604020202020204" pitchFamily="34" charset="0"/>
+              </a:rPr>
+              <a:t>Reflection-Mode Terahertz TDS: </a:t>
+            </a:r>
+            <a:r>
+              <a:rPr lang="en-US" altLang="ko-KR" sz="2800" dirty="0" smtClean="0">
+                <a:solidFill>
+                  <a:schemeClr val="bg1"/>
+                </a:solidFill>
+                <a:latin typeface="Arial" panose="020B0604020202020204" pitchFamily="34" charset="0"/>
+              </a:rPr>
+              <a:t>Double</a:t>
+            </a:r>
+            <a:r>
+              <a:rPr lang="en-US" altLang="ko-KR" sz="2800" dirty="0" smtClean="0">
+                <a:solidFill>
+                  <a:schemeClr val="bg1"/>
+                </a:solidFill>
+                <a:latin typeface="Arial" panose="020B0604020202020204" pitchFamily="34" charset="0"/>
+              </a:rPr>
+              <a:t> </a:t>
+            </a:r>
+            <a:r>
+              <a:rPr lang="en-US" altLang="ko-KR" sz="2800" dirty="0" smtClean="0">
+                <a:solidFill>
+                  <a:schemeClr val="bg1"/>
+                </a:solidFill>
+                <a:latin typeface="Arial" panose="020B0604020202020204" pitchFamily="34" charset="0"/>
+              </a:rPr>
+              <a:t>Reflection</a:t>
+            </a:r>
+          </a:p>
+        </p:txBody>
+      </p:sp>
+      <mc:AlternateContent xmlns:mc="http://schemas.openxmlformats.org/markup-compatibility/2006">
+        <mc:Choice xmlns:a14="http://schemas.microsoft.com/office/drawing/2010/main" Requires="a14">
+          <p:sp>
+            <p:nvSpPr>
+              <p:cNvPr id="6" name="TextBox 5"/>
+              <p:cNvSpPr txBox="1"/>
+              <p:nvPr/>
+            </p:nvSpPr>
+            <p:spPr>
+              <a:xfrm>
+                <a:off x="268165" y="939841"/>
+                <a:ext cx="2023053" cy="276999"/>
+              </a:xfrm>
+              <a:prstGeom prst="rect">
+                <a:avLst/>
+              </a:prstGeom>
+              <a:noFill/>
+            </p:spPr>
+            <p:txBody>
+              <a:bodyPr wrap="none" lIns="0" tIns="0" rIns="0" bIns="0" rtlCol="0">
+                <a:spAutoFit/>
+              </a:bodyPr>
+              <a:lstStyle/>
+              <a:p>
+                <a14:m>
+                  <m:oMathPara xmlns:m="http://schemas.openxmlformats.org/officeDocument/2006/math">
+                    <m:oMathParaPr>
+                      <m:jc m:val="centerGroup"/>
+                    </m:oMathParaPr>
+                    <m:oMath xmlns:m="http://schemas.openxmlformats.org/officeDocument/2006/math">
+                      <m:sSub>
+                        <m:sSubPr>
+                          <m:ctrlPr>
+                            <a:rPr lang="en-US" altLang="ko-KR" b="0" i="1" smtClean="0">
+                              <a:latin typeface="Cambria Math" panose="02040503050406030204" pitchFamily="18" charset="0"/>
+                            </a:rPr>
+                          </m:ctrlPr>
+                        </m:sSubPr>
+                        <m:e>
+                          <m:r>
+                            <a:rPr lang="en-US" altLang="ko-KR" b="0" i="1" smtClean="0">
+                              <a:latin typeface="Cambria Math" panose="02040503050406030204" pitchFamily="18" charset="0"/>
+                            </a:rPr>
+                            <m:t>𝐸</m:t>
+                          </m:r>
+                        </m:e>
+                        <m:sub>
+                          <m:r>
+                            <m:rPr>
+                              <m:sty m:val="p"/>
+                            </m:rPr>
+                            <a:rPr lang="en-US" altLang="ko-KR" b="0" i="0" smtClean="0">
+                              <a:latin typeface="Cambria Math" panose="02040503050406030204" pitchFamily="18" charset="0"/>
+                            </a:rPr>
+                            <m:t>ref</m:t>
+                          </m:r>
+                        </m:sub>
+                      </m:sSub>
+                      <m:d>
+                        <m:dPr>
+                          <m:ctrlPr>
+                            <a:rPr lang="en-US" altLang="ko-KR" b="0" i="1" smtClean="0">
+                              <a:latin typeface="Cambria Math" panose="02040503050406030204" pitchFamily="18" charset="0"/>
+                            </a:rPr>
+                          </m:ctrlPr>
+                        </m:dPr>
+                        <m:e>
+                          <m:r>
+                            <a:rPr lang="en-US" altLang="ko-KR" b="0" i="1" smtClean="0">
+                              <a:latin typeface="Cambria Math" panose="02040503050406030204" pitchFamily="18" charset="0"/>
+                            </a:rPr>
+                            <m:t>𝜔</m:t>
+                          </m:r>
+                        </m:e>
+                      </m:d>
+                      <m:r>
+                        <a:rPr lang="en-US" altLang="ko-KR" b="0" i="1" smtClean="0">
+                          <a:latin typeface="Cambria Math" panose="02040503050406030204" pitchFamily="18" charset="0"/>
+                        </a:rPr>
+                        <m:t>=</m:t>
+                      </m:r>
+                      <m:sSub>
+                        <m:sSubPr>
+                          <m:ctrlPr>
+                            <a:rPr lang="en-US" altLang="ko-KR" b="0" i="1" smtClean="0">
+                              <a:latin typeface="Cambria Math" panose="02040503050406030204" pitchFamily="18" charset="0"/>
+                            </a:rPr>
+                          </m:ctrlPr>
+                        </m:sSubPr>
+                        <m:e>
+                          <m:r>
+                            <a:rPr lang="en-US" altLang="ko-KR" b="0" i="1" smtClean="0">
+                              <a:latin typeface="Cambria Math" panose="02040503050406030204" pitchFamily="18" charset="0"/>
+                            </a:rPr>
+                            <m:t>𝑟</m:t>
+                          </m:r>
+                        </m:e>
+                        <m:sub>
+                          <m:r>
+                            <a:rPr lang="en-US" altLang="ko-KR" b="0" i="1" smtClean="0">
+                              <a:latin typeface="Cambria Math" panose="02040503050406030204" pitchFamily="18" charset="0"/>
+                            </a:rPr>
+                            <m:t>𝑎𝑤</m:t>
+                          </m:r>
+                        </m:sub>
+                      </m:sSub>
+                      <m:sSub>
+                        <m:sSubPr>
+                          <m:ctrlPr>
+                            <a:rPr lang="en-US" altLang="ko-KR" b="0" i="1" smtClean="0">
+                              <a:latin typeface="Cambria Math" panose="02040503050406030204" pitchFamily="18" charset="0"/>
+                            </a:rPr>
+                          </m:ctrlPr>
+                        </m:sSubPr>
+                        <m:e>
+                          <m:r>
+                            <a:rPr lang="en-US" altLang="ko-KR" b="0" i="1" smtClean="0">
+                              <a:latin typeface="Cambria Math" panose="02040503050406030204" pitchFamily="18" charset="0"/>
+                            </a:rPr>
+                            <m:t>𝐸</m:t>
+                          </m:r>
+                        </m:e>
+                        <m:sub>
+                          <m:r>
+                            <a:rPr lang="en-US" altLang="ko-KR" b="0" i="1" smtClean="0">
+                              <a:latin typeface="Cambria Math" panose="02040503050406030204" pitchFamily="18" charset="0"/>
+                            </a:rPr>
+                            <m:t>0</m:t>
+                          </m:r>
+                        </m:sub>
+                      </m:sSub>
+                      <m:r>
+                        <a:rPr lang="en-US" altLang="ko-KR" b="0" i="1" smtClean="0">
+                          <a:latin typeface="Cambria Math" panose="02040503050406030204" pitchFamily="18" charset="0"/>
+                        </a:rPr>
+                        <m:t>(</m:t>
+                      </m:r>
+                      <m:r>
+                        <a:rPr lang="en-US" altLang="ko-KR" b="0" i="1" smtClean="0">
+                          <a:latin typeface="Cambria Math" panose="02040503050406030204" pitchFamily="18" charset="0"/>
+                        </a:rPr>
+                        <m:t>𝜔</m:t>
+                      </m:r>
+                      <m:r>
+                        <a:rPr lang="en-US" altLang="ko-KR" b="0" i="1" smtClean="0">
+                          <a:latin typeface="Cambria Math" panose="02040503050406030204" pitchFamily="18" charset="0"/>
+                        </a:rPr>
+                        <m:t>)</m:t>
+                      </m:r>
+                    </m:oMath>
+                  </m:oMathPara>
+                </a14:m>
+                <a:endParaRPr lang="ko-KR" altLang="en-US" dirty="0"/>
+              </a:p>
+            </p:txBody>
+          </p:sp>
+        </mc:Choice>
+        <mc:Fallback>
+          <p:sp>
+            <p:nvSpPr>
+              <p:cNvPr id="6" name="TextBox 5"/>
+              <p:cNvSpPr txBox="1">
+                <a:spLocks noRot="1" noChangeAspect="1" noMove="1" noResize="1" noEditPoints="1" noAdjustHandles="1" noChangeArrowheads="1" noChangeShapeType="1" noTextEdit="1"/>
+              </p:cNvSpPr>
+              <p:nvPr/>
+            </p:nvSpPr>
+            <p:spPr>
+              <a:xfrm>
+                <a:off x="268165" y="939841"/>
+                <a:ext cx="2023053" cy="276999"/>
+              </a:xfrm>
+              <a:prstGeom prst="rect">
+                <a:avLst/>
+              </a:prstGeom>
+              <a:blipFill rotWithShape="0">
+                <a:blip r:embed="rId3"/>
+                <a:stretch>
+                  <a:fillRect l="-2410" t="-2174" r="-3614" b="-32609"/>
+                </a:stretch>
+              </a:blipFill>
+            </p:spPr>
+            <p:txBody>
+              <a:bodyPr/>
+              <a:lstStyle/>
+              <a:p>
+                <a:r>
+                  <a:rPr lang="ko-KR" altLang="en-US">
+                    <a:noFill/>
+                  </a:rPr>
+                  <a:t> </a:t>
+                </a:r>
+              </a:p>
+            </p:txBody>
+          </p:sp>
+        </mc:Fallback>
+      </mc:AlternateContent>
+      <mc:AlternateContent xmlns:mc="http://schemas.openxmlformats.org/markup-compatibility/2006">
+        <mc:Choice xmlns:a14="http://schemas.microsoft.com/office/drawing/2010/main" Requires="a14">
+          <p:sp>
+            <p:nvSpPr>
+              <p:cNvPr id="7" name="TextBox 6"/>
+              <p:cNvSpPr txBox="1"/>
+              <p:nvPr/>
+            </p:nvSpPr>
+            <p:spPr>
+              <a:xfrm>
+                <a:off x="268165" y="1236868"/>
+                <a:ext cx="4389343" cy="616387"/>
+              </a:xfrm>
+              <a:prstGeom prst="rect">
+                <a:avLst/>
+              </a:prstGeom>
+              <a:noFill/>
+            </p:spPr>
+            <p:txBody>
+              <a:bodyPr wrap="none" lIns="0" tIns="0" rIns="0" bIns="0" rtlCol="0">
+                <a:spAutoFit/>
+              </a:bodyPr>
+              <a:lstStyle/>
+              <a:p>
+                <a14:m>
+                  <m:oMathPara xmlns:m="http://schemas.openxmlformats.org/officeDocument/2006/math">
+                    <m:oMathParaPr>
+                      <m:jc m:val="centerGroup"/>
+                    </m:oMathParaPr>
+                    <m:oMath xmlns:m="http://schemas.openxmlformats.org/officeDocument/2006/math">
+                      <m:sSub>
+                        <m:sSubPr>
+                          <m:ctrlPr>
+                            <a:rPr lang="en-US" altLang="ko-KR" b="0" i="1" smtClean="0">
+                              <a:latin typeface="Cambria Math" panose="02040503050406030204" pitchFamily="18" charset="0"/>
+                            </a:rPr>
+                          </m:ctrlPr>
+                        </m:sSubPr>
+                        <m:e>
+                          <m:r>
+                            <a:rPr lang="en-US" altLang="ko-KR" b="0" i="1" smtClean="0">
+                              <a:latin typeface="Cambria Math" panose="02040503050406030204" pitchFamily="18" charset="0"/>
+                            </a:rPr>
+                            <m:t>𝐸</m:t>
+                          </m:r>
+                        </m:e>
+                        <m:sub>
+                          <m:r>
+                            <m:rPr>
+                              <m:sty m:val="p"/>
+                            </m:rPr>
+                            <a:rPr lang="en-US" altLang="ko-KR" b="0" i="0" smtClean="0">
+                              <a:latin typeface="Cambria Math" panose="02040503050406030204" pitchFamily="18" charset="0"/>
+                            </a:rPr>
+                            <m:t>sam</m:t>
+                          </m:r>
+                        </m:sub>
+                      </m:sSub>
+                      <m:d>
+                        <m:dPr>
+                          <m:ctrlPr>
+                            <a:rPr lang="en-US" altLang="ko-KR" b="0" i="1" smtClean="0">
+                              <a:latin typeface="Cambria Math" panose="02040503050406030204" pitchFamily="18" charset="0"/>
+                            </a:rPr>
+                          </m:ctrlPr>
+                        </m:dPr>
+                        <m:e>
+                          <m:r>
+                            <a:rPr lang="en-US" altLang="ko-KR" b="0" i="1" smtClean="0">
+                              <a:latin typeface="Cambria Math" panose="02040503050406030204" pitchFamily="18" charset="0"/>
+                            </a:rPr>
+                            <m:t>𝜔</m:t>
+                          </m:r>
+                        </m:e>
+                      </m:d>
+                      <m:r>
+                        <a:rPr lang="en-US" altLang="ko-KR" b="0" i="1" smtClean="0">
+                          <a:latin typeface="Cambria Math" panose="02040503050406030204" pitchFamily="18" charset="0"/>
+                        </a:rPr>
+                        <m:t>=</m:t>
+                      </m:r>
+                      <m:sSub>
+                        <m:sSubPr>
+                          <m:ctrlPr>
+                            <a:rPr lang="en-US" altLang="ko-KR" b="0" i="1" smtClean="0">
+                              <a:latin typeface="Cambria Math" panose="02040503050406030204" pitchFamily="18" charset="0"/>
+                            </a:rPr>
+                          </m:ctrlPr>
+                        </m:sSubPr>
+                        <m:e>
+                          <m:r>
+                            <a:rPr lang="en-US" altLang="ko-KR" b="0" i="1" smtClean="0">
+                              <a:latin typeface="Cambria Math" panose="02040503050406030204" pitchFamily="18" charset="0"/>
+                            </a:rPr>
+                            <m:t>𝑡</m:t>
+                          </m:r>
+                        </m:e>
+                        <m:sub>
+                          <m:r>
+                            <a:rPr lang="en-US" altLang="ko-KR" b="0" i="1" smtClean="0">
+                              <a:latin typeface="Cambria Math" panose="02040503050406030204" pitchFamily="18" charset="0"/>
+                            </a:rPr>
+                            <m:t>𝑎𝑤</m:t>
+                          </m:r>
+                        </m:sub>
+                      </m:sSub>
+                      <m:sSub>
+                        <m:sSubPr>
+                          <m:ctrlPr>
+                            <a:rPr lang="en-US" altLang="ko-KR" b="0" i="1" smtClean="0">
+                              <a:latin typeface="Cambria Math" panose="02040503050406030204" pitchFamily="18" charset="0"/>
+                            </a:rPr>
+                          </m:ctrlPr>
+                        </m:sSubPr>
+                        <m:e>
+                          <m:r>
+                            <a:rPr lang="en-US" altLang="ko-KR" b="0" i="1" smtClean="0">
+                              <a:latin typeface="Cambria Math" panose="02040503050406030204" pitchFamily="18" charset="0"/>
+                            </a:rPr>
+                            <m:t>𝑡</m:t>
+                          </m:r>
+                        </m:e>
+                        <m:sub>
+                          <m:r>
+                            <a:rPr lang="en-US" altLang="ko-KR" b="0" i="1" smtClean="0">
+                              <a:latin typeface="Cambria Math" panose="02040503050406030204" pitchFamily="18" charset="0"/>
+                            </a:rPr>
+                            <m:t>𝑤𝑎</m:t>
+                          </m:r>
+                        </m:sub>
+                      </m:sSub>
+                      <m:sSub>
+                        <m:sSubPr>
+                          <m:ctrlPr>
+                            <a:rPr lang="en-US" altLang="ko-KR" b="0" i="1" smtClean="0">
+                              <a:latin typeface="Cambria Math" panose="02040503050406030204" pitchFamily="18" charset="0"/>
+                            </a:rPr>
+                          </m:ctrlPr>
+                        </m:sSubPr>
+                        <m:e>
+                          <m:r>
+                            <a:rPr lang="en-US" altLang="ko-KR" b="0" i="1" smtClean="0">
+                              <a:latin typeface="Cambria Math" panose="02040503050406030204" pitchFamily="18" charset="0"/>
+                            </a:rPr>
+                            <m:t>𝑟</m:t>
+                          </m:r>
+                        </m:e>
+                        <m:sub>
+                          <m:r>
+                            <a:rPr lang="en-US" altLang="ko-KR" b="0" i="1" smtClean="0">
+                              <a:latin typeface="Cambria Math" panose="02040503050406030204" pitchFamily="18" charset="0"/>
+                            </a:rPr>
+                            <m:t>𝑤𝑠</m:t>
+                          </m:r>
+                        </m:sub>
+                      </m:sSub>
+                      <m:func>
+                        <m:funcPr>
+                          <m:ctrlPr>
+                            <a:rPr lang="en-US" altLang="ko-KR" b="0" i="1" smtClean="0">
+                              <a:latin typeface="Cambria Math" panose="02040503050406030204" pitchFamily="18" charset="0"/>
+                            </a:rPr>
+                          </m:ctrlPr>
+                        </m:funcPr>
+                        <m:fName>
+                          <m:r>
+                            <m:rPr>
+                              <m:sty m:val="p"/>
+                            </m:rPr>
+                            <a:rPr lang="en-US" altLang="ko-KR" b="0" i="0" smtClean="0">
+                              <a:latin typeface="Cambria Math" panose="02040503050406030204" pitchFamily="18" charset="0"/>
+                            </a:rPr>
+                            <m:t>exp</m:t>
+                          </m:r>
+                        </m:fName>
+                        <m:e>
+                          <m:d>
+                            <m:dPr>
+                              <m:begChr m:val="["/>
+                              <m:endChr m:val="]"/>
+                              <m:ctrlPr>
+                                <a:rPr lang="en-US" altLang="ko-KR" b="0" i="1" smtClean="0">
+                                  <a:latin typeface="Cambria Math" panose="02040503050406030204" pitchFamily="18" charset="0"/>
+                                </a:rPr>
+                              </m:ctrlPr>
+                            </m:dPr>
+                            <m:e>
+                              <m:r>
+                                <a:rPr lang="en-US" altLang="ko-KR" b="0" i="1" smtClean="0">
+                                  <a:latin typeface="Cambria Math" panose="02040503050406030204" pitchFamily="18" charset="0"/>
+                                </a:rPr>
+                                <m:t>−2</m:t>
+                              </m:r>
+                              <m:r>
+                                <a:rPr lang="en-US" altLang="ko-KR" b="0" i="1" smtClean="0">
+                                  <a:latin typeface="Cambria Math" panose="02040503050406030204" pitchFamily="18" charset="0"/>
+                                </a:rPr>
+                                <m:t>𝑗</m:t>
+                              </m:r>
+                              <m:sSub>
+                                <m:sSubPr>
+                                  <m:ctrlPr>
+                                    <a:rPr lang="en-US" altLang="ko-KR" b="0" i="1" smtClean="0">
+                                      <a:latin typeface="Cambria Math" panose="02040503050406030204" pitchFamily="18" charset="0"/>
+                                    </a:rPr>
+                                  </m:ctrlPr>
+                                </m:sSubPr>
+                                <m:e>
+                                  <m:r>
+                                    <a:rPr lang="en-US" altLang="ko-KR" b="0" i="1" smtClean="0">
+                                      <a:latin typeface="Cambria Math" panose="02040503050406030204" pitchFamily="18" charset="0"/>
+                                    </a:rPr>
+                                    <m:t>𝑛</m:t>
+                                  </m:r>
+                                </m:e>
+                                <m:sub>
+                                  <m:r>
+                                    <a:rPr lang="en-US" altLang="ko-KR" b="0" i="1" smtClean="0">
+                                      <a:latin typeface="Cambria Math" panose="02040503050406030204" pitchFamily="18" charset="0"/>
+                                    </a:rPr>
+                                    <m:t>𝑤</m:t>
+                                  </m:r>
+                                </m:sub>
+                              </m:sSub>
+                              <m:f>
+                                <m:fPr>
+                                  <m:ctrlPr>
+                                    <a:rPr lang="en-US" altLang="ko-KR" b="0" i="1" smtClean="0">
+                                      <a:latin typeface="Cambria Math" panose="02040503050406030204" pitchFamily="18" charset="0"/>
+                                    </a:rPr>
+                                  </m:ctrlPr>
+                                </m:fPr>
+                                <m:num>
+                                  <m:r>
+                                    <a:rPr lang="en-US" altLang="ko-KR" b="0" i="1" smtClean="0">
+                                      <a:latin typeface="Cambria Math" panose="02040503050406030204" pitchFamily="18" charset="0"/>
+                                    </a:rPr>
+                                    <m:t>𝜔</m:t>
+                                  </m:r>
+                                  <m:r>
+                                    <a:rPr lang="en-US" altLang="ko-KR" b="0" i="1" smtClean="0">
+                                      <a:latin typeface="Cambria Math" panose="02040503050406030204" pitchFamily="18" charset="0"/>
+                                    </a:rPr>
+                                    <m:t>𝑙</m:t>
+                                  </m:r>
+                                </m:num>
+                                <m:den>
+                                  <m:r>
+                                    <a:rPr lang="en-US" altLang="ko-KR" b="0" i="1" smtClean="0">
+                                      <a:latin typeface="Cambria Math" panose="02040503050406030204" pitchFamily="18" charset="0"/>
+                                    </a:rPr>
+                                    <m:t>𝑐</m:t>
+                                  </m:r>
+                                </m:den>
+                              </m:f>
+                            </m:e>
+                          </m:d>
+                        </m:e>
+                      </m:func>
+                      <m:sSub>
+                        <m:sSubPr>
+                          <m:ctrlPr>
+                            <a:rPr lang="en-US" altLang="ko-KR" b="0" i="1" smtClean="0">
+                              <a:latin typeface="Cambria Math" panose="02040503050406030204" pitchFamily="18" charset="0"/>
+                            </a:rPr>
+                          </m:ctrlPr>
+                        </m:sSubPr>
+                        <m:e>
+                          <m:r>
+                            <a:rPr lang="en-US" altLang="ko-KR" b="0" i="1" smtClean="0">
+                              <a:latin typeface="Cambria Math" panose="02040503050406030204" pitchFamily="18" charset="0"/>
+                            </a:rPr>
+                            <m:t>𝐸</m:t>
+                          </m:r>
+                        </m:e>
+                        <m:sub>
+                          <m:r>
+                            <a:rPr lang="en-US" altLang="ko-KR" b="0" i="1" smtClean="0">
+                              <a:latin typeface="Cambria Math" panose="02040503050406030204" pitchFamily="18" charset="0"/>
+                            </a:rPr>
+                            <m:t>0</m:t>
+                          </m:r>
+                        </m:sub>
+                      </m:sSub>
+                      <m:d>
+                        <m:dPr>
+                          <m:ctrlPr>
+                            <a:rPr lang="en-US" altLang="ko-KR" b="0" i="1" smtClean="0">
+                              <a:latin typeface="Cambria Math" panose="02040503050406030204" pitchFamily="18" charset="0"/>
+                            </a:rPr>
+                          </m:ctrlPr>
+                        </m:dPr>
+                        <m:e>
+                          <m:r>
+                            <a:rPr lang="en-US" altLang="ko-KR" b="0" i="1" smtClean="0">
+                              <a:latin typeface="Cambria Math" panose="02040503050406030204" pitchFamily="18" charset="0"/>
+                            </a:rPr>
+                            <m:t>𝜔</m:t>
+                          </m:r>
+                        </m:e>
+                      </m:d>
+                    </m:oMath>
+                  </m:oMathPara>
+                </a14:m>
+                <a:endParaRPr lang="ko-KR" altLang="en-US" dirty="0"/>
+              </a:p>
+            </p:txBody>
+          </p:sp>
+        </mc:Choice>
+        <mc:Fallback>
+          <p:sp>
+            <p:nvSpPr>
+              <p:cNvPr id="7" name="TextBox 6"/>
+              <p:cNvSpPr txBox="1">
+                <a:spLocks noRot="1" noChangeAspect="1" noMove="1" noResize="1" noEditPoints="1" noAdjustHandles="1" noChangeArrowheads="1" noChangeShapeType="1" noTextEdit="1"/>
+              </p:cNvSpPr>
+              <p:nvPr/>
+            </p:nvSpPr>
+            <p:spPr>
+              <a:xfrm>
+                <a:off x="268165" y="1236868"/>
+                <a:ext cx="4389343" cy="616387"/>
+              </a:xfrm>
+              <a:prstGeom prst="rect">
+                <a:avLst/>
+              </a:prstGeom>
+              <a:blipFill rotWithShape="0">
+                <a:blip r:embed="rId4"/>
+                <a:stretch>
+                  <a:fillRect/>
+                </a:stretch>
+              </a:blipFill>
+            </p:spPr>
+            <p:txBody>
+              <a:bodyPr/>
+              <a:lstStyle/>
+              <a:p>
+                <a:r>
+                  <a:rPr lang="ko-KR" altLang="en-US">
+                    <a:noFill/>
+                  </a:rPr>
+                  <a:t> </a:t>
+                </a:r>
+              </a:p>
+            </p:txBody>
+          </p:sp>
+        </mc:Fallback>
+      </mc:AlternateContent>
+      <mc:AlternateContent xmlns:mc="http://schemas.openxmlformats.org/markup-compatibility/2006">
+        <mc:Choice xmlns:a14="http://schemas.microsoft.com/office/drawing/2010/main" Requires="a14">
+          <p:sp>
+            <p:nvSpPr>
+              <p:cNvPr id="10" name="TextBox 9"/>
+              <p:cNvSpPr txBox="1"/>
+              <p:nvPr/>
+            </p:nvSpPr>
+            <p:spPr>
+              <a:xfrm>
+                <a:off x="1828800" y="2728664"/>
+                <a:ext cx="2718116" cy="602473"/>
+              </a:xfrm>
+              <a:prstGeom prst="rect">
+                <a:avLst/>
+              </a:prstGeom>
+              <a:noFill/>
+            </p:spPr>
+            <p:txBody>
+              <a:bodyPr wrap="none" lIns="0" tIns="0" rIns="0" bIns="0" rtlCol="0">
+                <a:spAutoFit/>
+              </a:bodyPr>
+              <a:lstStyle/>
+              <a:p>
+                <a14:m>
+                  <m:oMathPara xmlns:m="http://schemas.openxmlformats.org/officeDocument/2006/math">
+                    <m:oMathParaPr>
+                      <m:jc m:val="centerGroup"/>
+                    </m:oMathParaPr>
+                    <m:oMath xmlns:m="http://schemas.openxmlformats.org/officeDocument/2006/math">
+                      <m:sSub>
+                        <m:sSubPr>
+                          <m:ctrlPr>
+                            <a:rPr lang="en-US" altLang="ko-KR" b="0" i="1" smtClean="0">
+                              <a:latin typeface="Cambria Math" panose="02040503050406030204" pitchFamily="18" charset="0"/>
+                            </a:rPr>
+                          </m:ctrlPr>
+                        </m:sSubPr>
+                        <m:e>
+                          <m:r>
+                            <a:rPr lang="en-US" altLang="ko-KR" b="0" i="1" smtClean="0">
+                              <a:latin typeface="Cambria Math" panose="02040503050406030204" pitchFamily="18" charset="0"/>
+                            </a:rPr>
+                            <m:t>𝑛</m:t>
+                          </m:r>
+                        </m:e>
+                        <m:sub>
+                          <m:r>
+                            <a:rPr lang="en-US" altLang="ko-KR" b="0" i="1" smtClean="0">
+                              <a:latin typeface="Cambria Math" panose="02040503050406030204" pitchFamily="18" charset="0"/>
+                            </a:rPr>
+                            <m:t>𝑠</m:t>
+                          </m:r>
+                        </m:sub>
+                      </m:sSub>
+                      <m:d>
+                        <m:dPr>
+                          <m:ctrlPr>
+                            <a:rPr lang="en-US" altLang="ko-KR" b="0" i="1" smtClean="0">
+                              <a:latin typeface="Cambria Math" panose="02040503050406030204" pitchFamily="18" charset="0"/>
+                            </a:rPr>
+                          </m:ctrlPr>
+                        </m:dPr>
+                        <m:e>
+                          <m:r>
+                            <a:rPr lang="en-US" altLang="ko-KR" b="0" i="1" smtClean="0">
+                              <a:latin typeface="Cambria Math" panose="02040503050406030204" pitchFamily="18" charset="0"/>
+                            </a:rPr>
+                            <m:t>𝜔</m:t>
+                          </m:r>
+                        </m:e>
+                      </m:d>
+                      <m:r>
+                        <a:rPr lang="en-US" altLang="ko-KR" b="0" i="1" smtClean="0">
+                          <a:latin typeface="Cambria Math" panose="02040503050406030204" pitchFamily="18" charset="0"/>
+                        </a:rPr>
+                        <m:t>=</m:t>
+                      </m:r>
+                      <m:f>
+                        <m:fPr>
+                          <m:ctrlPr>
+                            <a:rPr lang="en-US" altLang="ko-KR" b="0" i="1" smtClean="0">
+                              <a:latin typeface="Cambria Math" panose="02040503050406030204" pitchFamily="18" charset="0"/>
+                            </a:rPr>
+                          </m:ctrlPr>
+                        </m:fPr>
+                        <m:num>
+                          <m:sSub>
+                            <m:sSubPr>
+                              <m:ctrlPr>
+                                <a:rPr lang="en-US" altLang="ko-KR" b="0" i="1" smtClean="0">
+                                  <a:latin typeface="Cambria Math" panose="02040503050406030204" pitchFamily="18" charset="0"/>
+                                </a:rPr>
+                              </m:ctrlPr>
+                            </m:sSubPr>
+                            <m:e>
+                              <m:r>
+                                <a:rPr lang="en-US" altLang="ko-KR" b="0" i="1" smtClean="0">
+                                  <a:latin typeface="Cambria Math" panose="02040503050406030204" pitchFamily="18" charset="0"/>
+                                </a:rPr>
+                                <m:t>𝑛</m:t>
+                              </m:r>
+                            </m:e>
+                            <m:sub>
+                              <m:r>
+                                <a:rPr lang="en-US" altLang="ko-KR" b="0" i="1" smtClean="0">
+                                  <a:latin typeface="Cambria Math" panose="02040503050406030204" pitchFamily="18" charset="0"/>
+                                </a:rPr>
+                                <m:t>𝑤</m:t>
+                              </m:r>
+                            </m:sub>
+                          </m:sSub>
+                          <m:d>
+                            <m:dPr>
+                              <m:ctrlPr>
+                                <a:rPr lang="en-US" altLang="ko-KR" b="0" i="1" smtClean="0">
+                                  <a:latin typeface="Cambria Math" panose="02040503050406030204" pitchFamily="18" charset="0"/>
+                                </a:rPr>
+                              </m:ctrlPr>
+                            </m:dPr>
+                            <m:e>
+                              <m:r>
+                                <a:rPr lang="en-US" altLang="ko-KR" b="0" i="1" smtClean="0">
+                                  <a:latin typeface="Cambria Math" panose="02040503050406030204" pitchFamily="18" charset="0"/>
+                                </a:rPr>
+                                <m:t>1−</m:t>
+                              </m:r>
+                              <m:sSup>
+                                <m:sSupPr>
+                                  <m:ctrlPr>
+                                    <a:rPr lang="en-US" altLang="ko-KR" b="0" i="1" smtClean="0">
+                                      <a:latin typeface="Cambria Math" panose="02040503050406030204" pitchFamily="18" charset="0"/>
+                                    </a:rPr>
+                                  </m:ctrlPr>
+                                </m:sSupPr>
+                                <m:e>
+                                  <m:r>
+                                    <a:rPr lang="en-US" altLang="ko-KR" b="0" i="1" smtClean="0">
+                                      <a:latin typeface="Cambria Math" panose="02040503050406030204" pitchFamily="18" charset="0"/>
+                                    </a:rPr>
+                                    <m:t>𝐴</m:t>
+                                  </m:r>
+                                </m:e>
+                                <m:sup>
+                                  <m:r>
+                                    <a:rPr lang="en-US" altLang="ko-KR" b="0" i="1" smtClean="0">
+                                      <a:latin typeface="Cambria Math" panose="02040503050406030204" pitchFamily="18" charset="0"/>
+                                    </a:rPr>
+                                    <m:t>2</m:t>
+                                  </m:r>
+                                </m:sup>
+                              </m:sSup>
+                            </m:e>
+                          </m:d>
+                        </m:num>
+                        <m:den>
+                          <m:r>
+                            <a:rPr lang="en-US" altLang="ko-KR" b="0" i="1" smtClean="0">
+                              <a:latin typeface="Cambria Math" panose="02040503050406030204" pitchFamily="18" charset="0"/>
+                            </a:rPr>
+                            <m:t>1+</m:t>
+                          </m:r>
+                          <m:sSup>
+                            <m:sSupPr>
+                              <m:ctrlPr>
+                                <a:rPr lang="en-US" altLang="ko-KR" b="0" i="1" smtClean="0">
+                                  <a:latin typeface="Cambria Math" panose="02040503050406030204" pitchFamily="18" charset="0"/>
+                                </a:rPr>
+                              </m:ctrlPr>
+                            </m:sSupPr>
+                            <m:e>
+                              <m:r>
+                                <a:rPr lang="en-US" altLang="ko-KR" b="0" i="1" smtClean="0">
+                                  <a:latin typeface="Cambria Math" panose="02040503050406030204" pitchFamily="18" charset="0"/>
+                                </a:rPr>
+                                <m:t>𝐴</m:t>
+                              </m:r>
+                            </m:e>
+                            <m:sup>
+                              <m:r>
+                                <a:rPr lang="en-US" altLang="ko-KR" b="0" i="1" smtClean="0">
+                                  <a:latin typeface="Cambria Math" panose="02040503050406030204" pitchFamily="18" charset="0"/>
+                                </a:rPr>
+                                <m:t>2</m:t>
+                              </m:r>
+                            </m:sup>
+                          </m:sSup>
+                          <m:r>
+                            <a:rPr lang="en-US" altLang="ko-KR" b="0" i="1" smtClean="0">
+                              <a:latin typeface="Cambria Math" panose="02040503050406030204" pitchFamily="18" charset="0"/>
+                            </a:rPr>
+                            <m:t>−2</m:t>
+                          </m:r>
+                          <m:r>
+                            <a:rPr lang="en-US" altLang="ko-KR" b="0" i="1" smtClean="0">
+                              <a:latin typeface="Cambria Math" panose="02040503050406030204" pitchFamily="18" charset="0"/>
+                            </a:rPr>
+                            <m:t>𝐴</m:t>
+                          </m:r>
+                          <m:func>
+                            <m:funcPr>
+                              <m:ctrlPr>
+                                <a:rPr lang="en-US" altLang="ko-KR" b="0" i="1" smtClean="0">
+                                  <a:latin typeface="Cambria Math" panose="02040503050406030204" pitchFamily="18" charset="0"/>
+                                </a:rPr>
+                              </m:ctrlPr>
+                            </m:funcPr>
+                            <m:fName>
+                              <m:r>
+                                <m:rPr>
+                                  <m:sty m:val="p"/>
+                                </m:rPr>
+                                <a:rPr lang="en-US" altLang="ko-KR" b="0" i="0" smtClean="0">
+                                  <a:latin typeface="Cambria Math" panose="02040503050406030204" pitchFamily="18" charset="0"/>
+                                </a:rPr>
+                                <m:t>cos</m:t>
+                              </m:r>
+                            </m:fName>
+                            <m:e>
+                              <m:r>
+                                <a:rPr lang="en-US" altLang="ko-KR" b="0" i="1" smtClean="0">
+                                  <a:latin typeface="Cambria Math" panose="02040503050406030204" pitchFamily="18" charset="0"/>
+                                </a:rPr>
+                                <m:t>𝜙</m:t>
+                              </m:r>
+                            </m:e>
+                          </m:func>
+                        </m:den>
+                      </m:f>
+                    </m:oMath>
+                  </m:oMathPara>
+                </a14:m>
+                <a:endParaRPr lang="ko-KR" altLang="en-US" dirty="0"/>
+              </a:p>
+            </p:txBody>
+          </p:sp>
+        </mc:Choice>
+        <mc:Fallback>
+          <p:sp>
+            <p:nvSpPr>
+              <p:cNvPr id="10" name="TextBox 9"/>
+              <p:cNvSpPr txBox="1">
+                <a:spLocks noRot="1" noChangeAspect="1" noMove="1" noResize="1" noEditPoints="1" noAdjustHandles="1" noChangeArrowheads="1" noChangeShapeType="1" noTextEdit="1"/>
+              </p:cNvSpPr>
+              <p:nvPr/>
+            </p:nvSpPr>
+            <p:spPr>
+              <a:xfrm>
+                <a:off x="1828800" y="2728664"/>
+                <a:ext cx="2718116" cy="602473"/>
+              </a:xfrm>
+              <a:prstGeom prst="rect">
+                <a:avLst/>
+              </a:prstGeom>
+              <a:blipFill rotWithShape="0">
+                <a:blip r:embed="rId5"/>
+                <a:stretch>
+                  <a:fillRect/>
+                </a:stretch>
+              </a:blipFill>
+            </p:spPr>
+            <p:txBody>
+              <a:bodyPr/>
+              <a:lstStyle/>
+              <a:p>
+                <a:r>
+                  <a:rPr lang="ko-KR" altLang="en-US">
+                    <a:noFill/>
+                  </a:rPr>
+                  <a:t> </a:t>
+                </a:r>
+              </a:p>
+            </p:txBody>
+          </p:sp>
+        </mc:Fallback>
+      </mc:AlternateContent>
+      <mc:AlternateContent xmlns:mc="http://schemas.openxmlformats.org/markup-compatibility/2006">
+        <mc:Choice xmlns:a14="http://schemas.microsoft.com/office/drawing/2010/main" Requires="a14">
+          <p:sp>
+            <p:nvSpPr>
+              <p:cNvPr id="12" name="TextBox 11"/>
+              <p:cNvSpPr txBox="1"/>
+              <p:nvPr/>
+            </p:nvSpPr>
+            <p:spPr>
+              <a:xfrm>
+                <a:off x="4826976" y="2734435"/>
+                <a:ext cx="2710101" cy="590931"/>
+              </a:xfrm>
+              <a:prstGeom prst="rect">
+                <a:avLst/>
+              </a:prstGeom>
+              <a:noFill/>
+            </p:spPr>
+            <p:txBody>
+              <a:bodyPr wrap="none" lIns="0" tIns="0" rIns="0" bIns="0" rtlCol="0">
+                <a:spAutoFit/>
+              </a:bodyPr>
+              <a:lstStyle/>
+              <a:p>
+                <a14:m>
+                  <m:oMathPara xmlns:m="http://schemas.openxmlformats.org/officeDocument/2006/math">
+                    <m:oMathParaPr>
+                      <m:jc m:val="centerGroup"/>
+                    </m:oMathParaPr>
+                    <m:oMath xmlns:m="http://schemas.openxmlformats.org/officeDocument/2006/math">
+                      <m:sSub>
+                        <m:sSubPr>
+                          <m:ctrlPr>
+                            <a:rPr lang="en-US" altLang="ko-KR" b="0" i="1" smtClean="0">
+                              <a:latin typeface="Cambria Math" panose="02040503050406030204" pitchFamily="18" charset="0"/>
+                            </a:rPr>
+                          </m:ctrlPr>
+                        </m:sSubPr>
+                        <m:e>
+                          <m:r>
+                            <a:rPr lang="en-US" altLang="ko-KR" b="0" i="1" smtClean="0">
+                              <a:latin typeface="Cambria Math" panose="02040503050406030204" pitchFamily="18" charset="0"/>
+                            </a:rPr>
+                            <m:t>𝜅</m:t>
+                          </m:r>
+                        </m:e>
+                        <m:sub>
+                          <m:r>
+                            <a:rPr lang="en-US" altLang="ko-KR" b="0" i="1" smtClean="0">
+                              <a:latin typeface="Cambria Math" panose="02040503050406030204" pitchFamily="18" charset="0"/>
+                            </a:rPr>
+                            <m:t>𝑠</m:t>
+                          </m:r>
+                        </m:sub>
+                      </m:sSub>
+                      <m:d>
+                        <m:dPr>
+                          <m:ctrlPr>
+                            <a:rPr lang="en-US" altLang="ko-KR" b="0" i="1" smtClean="0">
+                              <a:latin typeface="Cambria Math" panose="02040503050406030204" pitchFamily="18" charset="0"/>
+                            </a:rPr>
+                          </m:ctrlPr>
+                        </m:dPr>
+                        <m:e>
+                          <m:r>
+                            <a:rPr lang="en-US" altLang="ko-KR" b="0" i="1" smtClean="0">
+                              <a:latin typeface="Cambria Math" panose="02040503050406030204" pitchFamily="18" charset="0"/>
+                            </a:rPr>
+                            <m:t>𝜔</m:t>
+                          </m:r>
+                        </m:e>
+                      </m:d>
+                      <m:r>
+                        <a:rPr lang="en-US" altLang="ko-KR" b="0" i="1" smtClean="0">
+                          <a:latin typeface="Cambria Math" panose="02040503050406030204" pitchFamily="18" charset="0"/>
+                        </a:rPr>
+                        <m:t>=</m:t>
+                      </m:r>
+                      <m:f>
+                        <m:fPr>
+                          <m:ctrlPr>
+                            <a:rPr lang="en-US" altLang="ko-KR" b="0" i="1" smtClean="0">
+                              <a:latin typeface="Cambria Math" panose="02040503050406030204" pitchFamily="18" charset="0"/>
+                            </a:rPr>
+                          </m:ctrlPr>
+                        </m:fPr>
+                        <m:num>
+                          <m:r>
+                            <a:rPr lang="en-US" altLang="ko-KR" b="0" i="1" smtClean="0">
+                              <a:latin typeface="Cambria Math" panose="02040503050406030204" pitchFamily="18" charset="0"/>
+                            </a:rPr>
+                            <m:t>−2</m:t>
+                          </m:r>
+                          <m:sSub>
+                            <m:sSubPr>
+                              <m:ctrlPr>
+                                <a:rPr lang="en-US" altLang="ko-KR" b="0" i="1" smtClean="0">
+                                  <a:latin typeface="Cambria Math" panose="02040503050406030204" pitchFamily="18" charset="0"/>
+                                </a:rPr>
+                              </m:ctrlPr>
+                            </m:sSubPr>
+                            <m:e>
+                              <m:r>
+                                <a:rPr lang="en-US" altLang="ko-KR" b="0" i="1" smtClean="0">
+                                  <a:latin typeface="Cambria Math" panose="02040503050406030204" pitchFamily="18" charset="0"/>
+                                </a:rPr>
+                                <m:t>𝑛</m:t>
+                              </m:r>
+                            </m:e>
+                            <m:sub>
+                              <m:r>
+                                <a:rPr lang="en-US" altLang="ko-KR" b="0" i="1" smtClean="0">
+                                  <a:latin typeface="Cambria Math" panose="02040503050406030204" pitchFamily="18" charset="0"/>
+                                </a:rPr>
+                                <m:t>𝑤</m:t>
+                              </m:r>
+                            </m:sub>
+                          </m:sSub>
+                          <m:r>
+                            <a:rPr lang="en-US" altLang="ko-KR" b="0" i="1" smtClean="0">
+                              <a:latin typeface="Cambria Math" panose="02040503050406030204" pitchFamily="18" charset="0"/>
+                            </a:rPr>
+                            <m:t>𝐴</m:t>
+                          </m:r>
+                          <m:func>
+                            <m:funcPr>
+                              <m:ctrlPr>
+                                <a:rPr lang="en-US" altLang="ko-KR" b="0" i="1" smtClean="0">
+                                  <a:latin typeface="Cambria Math" panose="02040503050406030204" pitchFamily="18" charset="0"/>
+                                </a:rPr>
+                              </m:ctrlPr>
+                            </m:funcPr>
+                            <m:fName>
+                              <m:r>
+                                <m:rPr>
+                                  <m:sty m:val="p"/>
+                                </m:rPr>
+                                <a:rPr lang="en-US" altLang="ko-KR" b="0" i="0" smtClean="0">
+                                  <a:latin typeface="Cambria Math" panose="02040503050406030204" pitchFamily="18" charset="0"/>
+                                </a:rPr>
+                                <m:t>sin</m:t>
+                              </m:r>
+                            </m:fName>
+                            <m:e>
+                              <m:r>
+                                <a:rPr lang="en-US" altLang="ko-KR" b="0" i="1" smtClean="0">
+                                  <a:latin typeface="Cambria Math" panose="02040503050406030204" pitchFamily="18" charset="0"/>
+                                </a:rPr>
+                                <m:t>𝜙</m:t>
+                              </m:r>
+                            </m:e>
+                          </m:func>
+                        </m:num>
+                        <m:den>
+                          <m:r>
+                            <a:rPr lang="en-US" altLang="ko-KR" b="0" i="1" smtClean="0">
+                              <a:latin typeface="Cambria Math" panose="02040503050406030204" pitchFamily="18" charset="0"/>
+                            </a:rPr>
+                            <m:t>1+</m:t>
+                          </m:r>
+                          <m:sSup>
+                            <m:sSupPr>
+                              <m:ctrlPr>
+                                <a:rPr lang="en-US" altLang="ko-KR" b="0" i="1" smtClean="0">
+                                  <a:latin typeface="Cambria Math" panose="02040503050406030204" pitchFamily="18" charset="0"/>
+                                </a:rPr>
+                              </m:ctrlPr>
+                            </m:sSupPr>
+                            <m:e>
+                              <m:r>
+                                <a:rPr lang="en-US" altLang="ko-KR" b="0" i="1" smtClean="0">
+                                  <a:latin typeface="Cambria Math" panose="02040503050406030204" pitchFamily="18" charset="0"/>
+                                </a:rPr>
+                                <m:t>𝐴</m:t>
+                              </m:r>
+                            </m:e>
+                            <m:sup>
+                              <m:r>
+                                <a:rPr lang="en-US" altLang="ko-KR" b="0" i="1" smtClean="0">
+                                  <a:latin typeface="Cambria Math" panose="02040503050406030204" pitchFamily="18" charset="0"/>
+                                </a:rPr>
+                                <m:t>2</m:t>
+                              </m:r>
+                            </m:sup>
+                          </m:sSup>
+                          <m:r>
+                            <a:rPr lang="en-US" altLang="ko-KR" b="0" i="1" smtClean="0">
+                              <a:latin typeface="Cambria Math" panose="02040503050406030204" pitchFamily="18" charset="0"/>
+                            </a:rPr>
+                            <m:t>−2</m:t>
+                          </m:r>
+                          <m:r>
+                            <a:rPr lang="en-US" altLang="ko-KR" b="0" i="1" smtClean="0">
+                              <a:latin typeface="Cambria Math" panose="02040503050406030204" pitchFamily="18" charset="0"/>
+                            </a:rPr>
+                            <m:t>𝐴</m:t>
+                          </m:r>
+                          <m:func>
+                            <m:funcPr>
+                              <m:ctrlPr>
+                                <a:rPr lang="en-US" altLang="ko-KR" b="0" i="1" smtClean="0">
+                                  <a:latin typeface="Cambria Math" panose="02040503050406030204" pitchFamily="18" charset="0"/>
+                                </a:rPr>
+                              </m:ctrlPr>
+                            </m:funcPr>
+                            <m:fName>
+                              <m:r>
+                                <m:rPr>
+                                  <m:sty m:val="p"/>
+                                </m:rPr>
+                                <a:rPr lang="en-US" altLang="ko-KR" b="0" i="0" smtClean="0">
+                                  <a:latin typeface="Cambria Math" panose="02040503050406030204" pitchFamily="18" charset="0"/>
+                                </a:rPr>
+                                <m:t>cos</m:t>
+                              </m:r>
+                            </m:fName>
+                            <m:e>
+                              <m:r>
+                                <a:rPr lang="en-US" altLang="ko-KR" b="0" i="1" smtClean="0">
+                                  <a:latin typeface="Cambria Math" panose="02040503050406030204" pitchFamily="18" charset="0"/>
+                                </a:rPr>
+                                <m:t>𝜙</m:t>
+                              </m:r>
+                            </m:e>
+                          </m:func>
+                        </m:den>
+                      </m:f>
+                    </m:oMath>
+                  </m:oMathPara>
+                </a14:m>
+                <a:endParaRPr lang="ko-KR" altLang="en-US" dirty="0"/>
+              </a:p>
+            </p:txBody>
+          </p:sp>
+        </mc:Choice>
+        <mc:Fallback>
+          <p:sp>
+            <p:nvSpPr>
+              <p:cNvPr id="12" name="TextBox 11"/>
+              <p:cNvSpPr txBox="1">
+                <a:spLocks noRot="1" noChangeAspect="1" noMove="1" noResize="1" noEditPoints="1" noAdjustHandles="1" noChangeArrowheads="1" noChangeShapeType="1" noTextEdit="1"/>
+              </p:cNvSpPr>
+              <p:nvPr/>
+            </p:nvSpPr>
+            <p:spPr>
+              <a:xfrm>
+                <a:off x="4826976" y="2734435"/>
+                <a:ext cx="2710101" cy="590931"/>
+              </a:xfrm>
+              <a:prstGeom prst="rect">
+                <a:avLst/>
+              </a:prstGeom>
+              <a:blipFill rotWithShape="0">
+                <a:blip r:embed="rId6"/>
+                <a:stretch>
+                  <a:fillRect/>
+                </a:stretch>
+              </a:blipFill>
+            </p:spPr>
+            <p:txBody>
+              <a:bodyPr/>
+              <a:lstStyle/>
+              <a:p>
+                <a:r>
+                  <a:rPr lang="ko-KR" altLang="en-US">
+                    <a:noFill/>
+                  </a:rPr>
+                  <a:t> </a:t>
+                </a:r>
+              </a:p>
+            </p:txBody>
+          </p:sp>
+        </mc:Fallback>
+      </mc:AlternateContent>
+      <p:pic>
+        <p:nvPicPr>
+          <p:cNvPr id="4" name="그림 3"/>
+          <p:cNvPicPr>
+            <a:picLocks noChangeAspect="1"/>
+          </p:cNvPicPr>
+          <p:nvPr/>
+        </p:nvPicPr>
+        <p:blipFill>
+          <a:blip r:embed="rId7"/>
+          <a:stretch>
+            <a:fillRect/>
+          </a:stretch>
+        </p:blipFill>
+        <p:spPr>
+          <a:xfrm>
+            <a:off x="2691912" y="3542660"/>
+            <a:ext cx="3760177" cy="2650706"/>
+          </a:xfrm>
+          <a:prstGeom prst="rect">
+            <a:avLst/>
+          </a:prstGeom>
+        </p:spPr>
+      </p:pic>
+      <mc:AlternateContent xmlns:mc="http://schemas.openxmlformats.org/markup-compatibility/2006">
+        <mc:Choice xmlns:a14="http://schemas.microsoft.com/office/drawing/2010/main" Requires="a14">
+          <p:sp>
+            <p:nvSpPr>
+              <p:cNvPr id="13" name="TextBox 12"/>
+              <p:cNvSpPr txBox="1"/>
+              <p:nvPr/>
+            </p:nvSpPr>
+            <p:spPr>
+              <a:xfrm>
+                <a:off x="268165" y="1853255"/>
+                <a:ext cx="5235151" cy="625299"/>
+              </a:xfrm>
+              <a:prstGeom prst="rect">
+                <a:avLst/>
+              </a:prstGeom>
+              <a:noFill/>
+            </p:spPr>
+            <p:txBody>
+              <a:bodyPr wrap="none" lIns="0" tIns="0" rIns="0" bIns="0" rtlCol="0">
+                <a:spAutoFit/>
+              </a:bodyPr>
+              <a:lstStyle/>
+              <a:p>
+                <a14:m>
+                  <m:oMathPara xmlns:m="http://schemas.openxmlformats.org/officeDocument/2006/math">
+                    <m:oMathParaPr>
+                      <m:jc m:val="centerGroup"/>
+                    </m:oMathParaPr>
+                    <m:oMath xmlns:m="http://schemas.openxmlformats.org/officeDocument/2006/math">
+                      <m:r>
+                        <a:rPr lang="en-US" altLang="ko-KR" b="0" i="1" smtClean="0">
+                          <a:latin typeface="Cambria Math" panose="02040503050406030204" pitchFamily="18" charset="0"/>
+                        </a:rPr>
+                        <m:t>𝐻</m:t>
+                      </m:r>
+                      <m:d>
+                        <m:dPr>
+                          <m:ctrlPr>
+                            <a:rPr lang="en-US" altLang="ko-KR" b="0" i="1" smtClean="0">
+                              <a:latin typeface="Cambria Math" panose="02040503050406030204" pitchFamily="18" charset="0"/>
+                            </a:rPr>
+                          </m:ctrlPr>
+                        </m:dPr>
+                        <m:e>
+                          <m:r>
+                            <a:rPr lang="en-US" altLang="ko-KR" b="0" i="1" smtClean="0">
+                              <a:latin typeface="Cambria Math" panose="02040503050406030204" pitchFamily="18" charset="0"/>
+                            </a:rPr>
+                            <m:t>𝜔</m:t>
+                          </m:r>
+                        </m:e>
+                      </m:d>
+                      <m:r>
+                        <a:rPr lang="en-US" altLang="ko-KR" b="0" i="1" smtClean="0">
+                          <a:latin typeface="Cambria Math" panose="02040503050406030204" pitchFamily="18" charset="0"/>
+                        </a:rPr>
+                        <m:t>=</m:t>
+                      </m:r>
+                      <m:f>
+                        <m:fPr>
+                          <m:ctrlPr>
+                            <a:rPr lang="en-US" altLang="ko-KR" b="0" i="1" smtClean="0">
+                              <a:latin typeface="Cambria Math" panose="02040503050406030204" pitchFamily="18" charset="0"/>
+                            </a:rPr>
+                          </m:ctrlPr>
+                        </m:fPr>
+                        <m:num>
+                          <m:sSub>
+                            <m:sSubPr>
+                              <m:ctrlPr>
+                                <a:rPr lang="en-US" altLang="ko-KR" b="0" i="1" smtClean="0">
+                                  <a:latin typeface="Cambria Math" panose="02040503050406030204" pitchFamily="18" charset="0"/>
+                                </a:rPr>
+                              </m:ctrlPr>
+                            </m:sSubPr>
+                            <m:e>
+                              <m:r>
+                                <a:rPr lang="en-US" altLang="ko-KR" b="0" i="1" smtClean="0">
+                                  <a:latin typeface="Cambria Math" panose="02040503050406030204" pitchFamily="18" charset="0"/>
+                                </a:rPr>
+                                <m:t>𝐸</m:t>
+                              </m:r>
+                            </m:e>
+                            <m:sub>
+                              <m:r>
+                                <a:rPr lang="en-US" altLang="ko-KR" b="0" i="1" smtClean="0">
+                                  <a:latin typeface="Cambria Math" panose="02040503050406030204" pitchFamily="18" charset="0"/>
+                                </a:rPr>
+                                <m:t>𝑠𝑎𝑚</m:t>
+                              </m:r>
+                            </m:sub>
+                          </m:sSub>
+                          <m:d>
+                            <m:dPr>
+                              <m:ctrlPr>
+                                <a:rPr lang="en-US" altLang="ko-KR" b="0" i="1" smtClean="0">
+                                  <a:latin typeface="Cambria Math" panose="02040503050406030204" pitchFamily="18" charset="0"/>
+                                </a:rPr>
+                              </m:ctrlPr>
+                            </m:dPr>
+                            <m:e>
+                              <m:r>
+                                <a:rPr lang="en-US" altLang="ko-KR" b="0" i="1" smtClean="0">
+                                  <a:latin typeface="Cambria Math" panose="02040503050406030204" pitchFamily="18" charset="0"/>
+                                </a:rPr>
+                                <m:t>𝜔</m:t>
+                              </m:r>
+                            </m:e>
+                          </m:d>
+                        </m:num>
+                        <m:den>
+                          <m:sSub>
+                            <m:sSubPr>
+                              <m:ctrlPr>
+                                <a:rPr lang="en-US" altLang="ko-KR" b="0" i="1" smtClean="0">
+                                  <a:latin typeface="Cambria Math" panose="02040503050406030204" pitchFamily="18" charset="0"/>
+                                </a:rPr>
+                              </m:ctrlPr>
+                            </m:sSubPr>
+                            <m:e>
+                              <m:r>
+                                <a:rPr lang="en-US" altLang="ko-KR" b="0" i="1" smtClean="0">
+                                  <a:latin typeface="Cambria Math" panose="02040503050406030204" pitchFamily="18" charset="0"/>
+                                </a:rPr>
+                                <m:t>𝐸</m:t>
+                              </m:r>
+                            </m:e>
+                            <m:sub>
+                              <m:r>
+                                <a:rPr lang="en-US" altLang="ko-KR" b="0" i="1" smtClean="0">
+                                  <a:latin typeface="Cambria Math" panose="02040503050406030204" pitchFamily="18" charset="0"/>
+                                </a:rPr>
+                                <m:t>𝑟𝑒𝑓</m:t>
+                              </m:r>
+                            </m:sub>
+                          </m:sSub>
+                          <m:d>
+                            <m:dPr>
+                              <m:ctrlPr>
+                                <a:rPr lang="en-US" altLang="ko-KR" b="0" i="1" smtClean="0">
+                                  <a:latin typeface="Cambria Math" panose="02040503050406030204" pitchFamily="18" charset="0"/>
+                                </a:rPr>
+                              </m:ctrlPr>
+                            </m:dPr>
+                            <m:e>
+                              <m:r>
+                                <a:rPr lang="en-US" altLang="ko-KR" b="0" i="1" smtClean="0">
+                                  <a:latin typeface="Cambria Math" panose="02040503050406030204" pitchFamily="18" charset="0"/>
+                                </a:rPr>
+                                <m:t>𝜔</m:t>
+                              </m:r>
+                            </m:e>
+                          </m:d>
+                        </m:den>
+                      </m:f>
+                      <m:r>
+                        <a:rPr lang="en-US" altLang="ko-KR" b="0" i="1" smtClean="0">
+                          <a:latin typeface="Cambria Math" panose="02040503050406030204" pitchFamily="18" charset="0"/>
+                        </a:rPr>
+                        <m:t>=</m:t>
+                      </m:r>
+                      <m:f>
+                        <m:fPr>
+                          <m:ctrlPr>
+                            <a:rPr lang="en-US" altLang="ko-KR" b="0" i="1" smtClean="0">
+                              <a:latin typeface="Cambria Math" panose="02040503050406030204" pitchFamily="18" charset="0"/>
+                            </a:rPr>
+                          </m:ctrlPr>
+                        </m:fPr>
+                        <m:num>
+                          <m:sSub>
+                            <m:sSubPr>
+                              <m:ctrlPr>
+                                <a:rPr lang="en-US" altLang="ko-KR" b="0" i="1" smtClean="0">
+                                  <a:latin typeface="Cambria Math" panose="02040503050406030204" pitchFamily="18" charset="0"/>
+                                </a:rPr>
+                              </m:ctrlPr>
+                            </m:sSubPr>
+                            <m:e>
+                              <m:r>
+                                <a:rPr lang="en-US" altLang="ko-KR" b="0" i="1" smtClean="0">
+                                  <a:latin typeface="Cambria Math" panose="02040503050406030204" pitchFamily="18" charset="0"/>
+                                </a:rPr>
+                                <m:t>𝑡</m:t>
+                              </m:r>
+                            </m:e>
+                            <m:sub>
+                              <m:r>
+                                <a:rPr lang="en-US" altLang="ko-KR" b="0" i="1" smtClean="0">
+                                  <a:latin typeface="Cambria Math" panose="02040503050406030204" pitchFamily="18" charset="0"/>
+                                </a:rPr>
+                                <m:t>𝑎𝑤</m:t>
+                              </m:r>
+                            </m:sub>
+                          </m:sSub>
+                          <m:sSub>
+                            <m:sSubPr>
+                              <m:ctrlPr>
+                                <a:rPr lang="en-US" altLang="ko-KR" b="0" i="1" smtClean="0">
+                                  <a:latin typeface="Cambria Math" panose="02040503050406030204" pitchFamily="18" charset="0"/>
+                                </a:rPr>
+                              </m:ctrlPr>
+                            </m:sSubPr>
+                            <m:e>
+                              <m:r>
+                                <a:rPr lang="en-US" altLang="ko-KR" b="0" i="1" smtClean="0">
+                                  <a:latin typeface="Cambria Math" panose="02040503050406030204" pitchFamily="18" charset="0"/>
+                                </a:rPr>
+                                <m:t>𝑡</m:t>
+                              </m:r>
+                            </m:e>
+                            <m:sub>
+                              <m:r>
+                                <a:rPr lang="en-US" altLang="ko-KR" b="0" i="1" smtClean="0">
+                                  <a:latin typeface="Cambria Math" panose="02040503050406030204" pitchFamily="18" charset="0"/>
+                                </a:rPr>
+                                <m:t>𝑤𝑎</m:t>
+                              </m:r>
+                            </m:sub>
+                          </m:sSub>
+                        </m:num>
+                        <m:den>
+                          <m:sSub>
+                            <m:sSubPr>
+                              <m:ctrlPr>
+                                <a:rPr lang="en-US" altLang="ko-KR" b="0" i="1" smtClean="0">
+                                  <a:latin typeface="Cambria Math" panose="02040503050406030204" pitchFamily="18" charset="0"/>
+                                </a:rPr>
+                              </m:ctrlPr>
+                            </m:sSubPr>
+                            <m:e>
+                              <m:r>
+                                <a:rPr lang="en-US" altLang="ko-KR" b="0" i="1" smtClean="0">
+                                  <a:latin typeface="Cambria Math" panose="02040503050406030204" pitchFamily="18" charset="0"/>
+                                </a:rPr>
+                                <m:t>𝑟</m:t>
+                              </m:r>
+                            </m:e>
+                            <m:sub>
+                              <m:r>
+                                <a:rPr lang="en-US" altLang="ko-KR" b="0" i="1" smtClean="0">
+                                  <a:latin typeface="Cambria Math" panose="02040503050406030204" pitchFamily="18" charset="0"/>
+                                </a:rPr>
+                                <m:t>𝑎𝑤</m:t>
+                              </m:r>
+                            </m:sub>
+                          </m:sSub>
+                        </m:den>
+                      </m:f>
+                      <m:func>
+                        <m:funcPr>
+                          <m:ctrlPr>
+                            <a:rPr lang="en-US" altLang="ko-KR" b="0" i="1" smtClean="0">
+                              <a:latin typeface="Cambria Math" panose="02040503050406030204" pitchFamily="18" charset="0"/>
+                            </a:rPr>
+                          </m:ctrlPr>
+                        </m:funcPr>
+                        <m:fName>
+                          <m:r>
+                            <m:rPr>
+                              <m:sty m:val="p"/>
+                            </m:rPr>
+                            <a:rPr lang="en-US" altLang="ko-KR" b="0" i="0" smtClean="0">
+                              <a:latin typeface="Cambria Math" panose="02040503050406030204" pitchFamily="18" charset="0"/>
+                            </a:rPr>
+                            <m:t>exp</m:t>
+                          </m:r>
+                        </m:fName>
+                        <m:e>
+                          <m:d>
+                            <m:dPr>
+                              <m:begChr m:val="["/>
+                              <m:endChr m:val="]"/>
+                              <m:ctrlPr>
+                                <a:rPr lang="en-US" altLang="ko-KR" b="0" i="1" smtClean="0">
+                                  <a:latin typeface="Cambria Math" panose="02040503050406030204" pitchFamily="18" charset="0"/>
+                                </a:rPr>
+                              </m:ctrlPr>
+                            </m:dPr>
+                            <m:e>
+                              <m:r>
+                                <a:rPr lang="en-US" altLang="ko-KR" b="0" i="1" smtClean="0">
+                                  <a:latin typeface="Cambria Math" panose="02040503050406030204" pitchFamily="18" charset="0"/>
+                                </a:rPr>
+                                <m:t>−2</m:t>
+                              </m:r>
+                              <m:r>
+                                <a:rPr lang="en-US" altLang="ko-KR" b="0" i="1" smtClean="0">
+                                  <a:latin typeface="Cambria Math" panose="02040503050406030204" pitchFamily="18" charset="0"/>
+                                </a:rPr>
+                                <m:t>𝑗</m:t>
+                              </m:r>
+                              <m:sSub>
+                                <m:sSubPr>
+                                  <m:ctrlPr>
+                                    <a:rPr lang="en-US" altLang="ko-KR" b="0" i="1" smtClean="0">
+                                      <a:latin typeface="Cambria Math" panose="02040503050406030204" pitchFamily="18" charset="0"/>
+                                    </a:rPr>
+                                  </m:ctrlPr>
+                                </m:sSubPr>
+                                <m:e>
+                                  <m:r>
+                                    <a:rPr lang="en-US" altLang="ko-KR" b="0" i="1" smtClean="0">
+                                      <a:latin typeface="Cambria Math" panose="02040503050406030204" pitchFamily="18" charset="0"/>
+                                    </a:rPr>
+                                    <m:t>𝑛</m:t>
+                                  </m:r>
+                                </m:e>
+                                <m:sub>
+                                  <m:r>
+                                    <a:rPr lang="en-US" altLang="ko-KR" b="0" i="1" smtClean="0">
+                                      <a:latin typeface="Cambria Math" panose="02040503050406030204" pitchFamily="18" charset="0"/>
+                                    </a:rPr>
+                                    <m:t>𝑤</m:t>
+                                  </m:r>
+                                </m:sub>
+                              </m:sSub>
+                              <m:f>
+                                <m:fPr>
+                                  <m:ctrlPr>
+                                    <a:rPr lang="en-US" altLang="ko-KR" b="0" i="1" smtClean="0">
+                                      <a:latin typeface="Cambria Math" panose="02040503050406030204" pitchFamily="18" charset="0"/>
+                                    </a:rPr>
+                                  </m:ctrlPr>
+                                </m:fPr>
+                                <m:num>
+                                  <m:r>
+                                    <a:rPr lang="en-US" altLang="ko-KR" b="0" i="1" smtClean="0">
+                                      <a:latin typeface="Cambria Math" panose="02040503050406030204" pitchFamily="18" charset="0"/>
+                                    </a:rPr>
+                                    <m:t>𝜔</m:t>
+                                  </m:r>
+                                  <m:r>
+                                    <a:rPr lang="en-US" altLang="ko-KR" b="0" i="1" smtClean="0">
+                                      <a:latin typeface="Cambria Math" panose="02040503050406030204" pitchFamily="18" charset="0"/>
+                                    </a:rPr>
+                                    <m:t>𝑙</m:t>
+                                  </m:r>
+                                </m:num>
+                                <m:den>
+                                  <m:r>
+                                    <a:rPr lang="en-US" altLang="ko-KR" b="0" i="1" smtClean="0">
+                                      <a:latin typeface="Cambria Math" panose="02040503050406030204" pitchFamily="18" charset="0"/>
+                                    </a:rPr>
+                                    <m:t>𝑐</m:t>
+                                  </m:r>
+                                </m:den>
+                              </m:f>
+                            </m:e>
+                          </m:d>
+                        </m:e>
+                      </m:func>
+                      <m:f>
+                        <m:fPr>
+                          <m:ctrlPr>
+                            <a:rPr lang="en-US" altLang="ko-KR" b="0" i="1" smtClean="0">
+                              <a:latin typeface="Cambria Math" panose="02040503050406030204" pitchFamily="18" charset="0"/>
+                            </a:rPr>
+                          </m:ctrlPr>
+                        </m:fPr>
+                        <m:num>
+                          <m:sSub>
+                            <m:sSubPr>
+                              <m:ctrlPr>
+                                <a:rPr lang="en-US" altLang="ko-KR" b="0" i="1" smtClean="0">
+                                  <a:latin typeface="Cambria Math" panose="02040503050406030204" pitchFamily="18" charset="0"/>
+                                </a:rPr>
+                              </m:ctrlPr>
+                            </m:sSubPr>
+                            <m:e>
+                              <m:r>
+                                <a:rPr lang="en-US" altLang="ko-KR" b="0" i="1" smtClean="0">
+                                  <a:latin typeface="Cambria Math" panose="02040503050406030204" pitchFamily="18" charset="0"/>
+                                </a:rPr>
+                                <m:t>𝑛</m:t>
+                              </m:r>
+                            </m:e>
+                            <m:sub>
+                              <m:r>
+                                <a:rPr lang="en-US" altLang="ko-KR" b="0" i="1" smtClean="0">
+                                  <a:latin typeface="Cambria Math" panose="02040503050406030204" pitchFamily="18" charset="0"/>
+                                </a:rPr>
+                                <m:t>𝑤</m:t>
+                              </m:r>
+                            </m:sub>
+                          </m:sSub>
+                          <m:r>
+                            <a:rPr lang="en-US" altLang="ko-KR" b="0" i="1" smtClean="0">
+                              <a:latin typeface="Cambria Math" panose="02040503050406030204" pitchFamily="18" charset="0"/>
+                            </a:rPr>
+                            <m:t>−</m:t>
+                          </m:r>
+                          <m:sSub>
+                            <m:sSubPr>
+                              <m:ctrlPr>
+                                <a:rPr lang="en-US" altLang="ko-KR" b="0" i="1" smtClean="0">
+                                  <a:latin typeface="Cambria Math" panose="02040503050406030204" pitchFamily="18" charset="0"/>
+                                </a:rPr>
+                              </m:ctrlPr>
+                            </m:sSubPr>
+                            <m:e>
+                              <m:r>
+                                <a:rPr lang="en-US" altLang="ko-KR" b="0" i="1" smtClean="0">
+                                  <a:latin typeface="Cambria Math" panose="02040503050406030204" pitchFamily="18" charset="0"/>
+                                </a:rPr>
+                                <m:t>𝑛</m:t>
+                              </m:r>
+                            </m:e>
+                            <m:sub>
+                              <m:r>
+                                <a:rPr lang="en-US" altLang="ko-KR" b="0" i="1" smtClean="0">
+                                  <a:latin typeface="Cambria Math" panose="02040503050406030204" pitchFamily="18" charset="0"/>
+                                </a:rPr>
+                                <m:t>𝑠</m:t>
+                              </m:r>
+                            </m:sub>
+                          </m:sSub>
+                        </m:num>
+                        <m:den>
+                          <m:sSub>
+                            <m:sSubPr>
+                              <m:ctrlPr>
+                                <a:rPr lang="en-US" altLang="ko-KR" b="0" i="1" smtClean="0">
+                                  <a:latin typeface="Cambria Math" panose="02040503050406030204" pitchFamily="18" charset="0"/>
+                                </a:rPr>
+                              </m:ctrlPr>
+                            </m:sSubPr>
+                            <m:e>
+                              <m:r>
+                                <a:rPr lang="en-US" altLang="ko-KR" b="0" i="1" smtClean="0">
+                                  <a:latin typeface="Cambria Math" panose="02040503050406030204" pitchFamily="18" charset="0"/>
+                                </a:rPr>
+                                <m:t>𝑛</m:t>
+                              </m:r>
+                            </m:e>
+                            <m:sub>
+                              <m:r>
+                                <a:rPr lang="en-US" altLang="ko-KR" b="0" i="1" smtClean="0">
+                                  <a:latin typeface="Cambria Math" panose="02040503050406030204" pitchFamily="18" charset="0"/>
+                                </a:rPr>
+                                <m:t>𝑤</m:t>
+                              </m:r>
+                            </m:sub>
+                          </m:sSub>
+                          <m:r>
+                            <a:rPr lang="en-US" altLang="ko-KR" b="0" i="1" smtClean="0">
+                              <a:latin typeface="Cambria Math" panose="02040503050406030204" pitchFamily="18" charset="0"/>
+                            </a:rPr>
+                            <m:t>−</m:t>
+                          </m:r>
+                          <m:sSub>
+                            <m:sSubPr>
+                              <m:ctrlPr>
+                                <a:rPr lang="en-US" altLang="ko-KR" b="0" i="1" smtClean="0">
+                                  <a:latin typeface="Cambria Math" panose="02040503050406030204" pitchFamily="18" charset="0"/>
+                                </a:rPr>
+                              </m:ctrlPr>
+                            </m:sSubPr>
+                            <m:e>
+                              <m:r>
+                                <a:rPr lang="en-US" altLang="ko-KR" b="0" i="1" smtClean="0">
+                                  <a:latin typeface="Cambria Math" panose="02040503050406030204" pitchFamily="18" charset="0"/>
+                                </a:rPr>
+                                <m:t>𝑛</m:t>
+                              </m:r>
+                            </m:e>
+                            <m:sub>
+                              <m:r>
+                                <a:rPr lang="en-US" altLang="ko-KR" b="0" i="1" smtClean="0">
+                                  <a:latin typeface="Cambria Math" panose="02040503050406030204" pitchFamily="18" charset="0"/>
+                                </a:rPr>
+                                <m:t>𝑆</m:t>
+                              </m:r>
+                            </m:sub>
+                          </m:sSub>
+                        </m:den>
+                      </m:f>
+                    </m:oMath>
+                  </m:oMathPara>
+                </a14:m>
+                <a:endParaRPr lang="ko-KR" altLang="en-US" dirty="0"/>
+              </a:p>
+            </p:txBody>
+          </p:sp>
+        </mc:Choice>
+        <mc:Fallback>
+          <p:sp>
+            <p:nvSpPr>
+              <p:cNvPr id="13" name="TextBox 12"/>
+              <p:cNvSpPr txBox="1">
+                <a:spLocks noRot="1" noChangeAspect="1" noMove="1" noResize="1" noEditPoints="1" noAdjustHandles="1" noChangeArrowheads="1" noChangeShapeType="1" noTextEdit="1"/>
+              </p:cNvSpPr>
+              <p:nvPr/>
+            </p:nvSpPr>
+            <p:spPr>
+              <a:xfrm>
+                <a:off x="268165" y="1853255"/>
+                <a:ext cx="5235151" cy="625299"/>
+              </a:xfrm>
+              <a:prstGeom prst="rect">
+                <a:avLst/>
+              </a:prstGeom>
+              <a:blipFill rotWithShape="0">
+                <a:blip r:embed="rId8"/>
+                <a:stretch>
+                  <a:fillRect/>
+                </a:stretch>
+              </a:blipFill>
+            </p:spPr>
+            <p:txBody>
+              <a:bodyPr/>
+              <a:lstStyle/>
+              <a:p>
+                <a:r>
+                  <a:rPr lang="ko-KR" altLang="en-US">
+                    <a:noFill/>
+                  </a:rPr>
+                  <a:t> </a:t>
+                </a:r>
+              </a:p>
+            </p:txBody>
+          </p:sp>
+        </mc:Fallback>
+      </mc:AlternateContent>
+    </p:spTree>
+    <p:extLst>
+      <p:ext uri="{BB962C8B-B14F-4D97-AF65-F5344CB8AC3E}">
+        <p14:creationId xmlns:p14="http://schemas.microsoft.com/office/powerpoint/2010/main" val="1352325583"/>
+      </p:ext>
+    </p:extLst>
+  </p:cSld>
+  <p:clrMapOvr>
+    <a:masterClrMapping/>
+  </p:clrMapOvr>
+  <p:timing>
+    <p:tnLst>
+      <p:par>
+        <p:cTn id="1" dur="indefinite" restart="never" nodeType="tmRoot"/>
+      </p:par>
+    </p:tnLst>
+  </p:timing>
+</p:sld>
+</file>
+
+<file path=ppt/slides/slide13.xml><?xml version="1.0" encoding="utf-8"?>
+<p:sld xmlns:a="http://schemas.openxmlformats.org/drawingml/2006/main" xmlns:r="http://schemas.openxmlformats.org/officeDocument/2006/relationships" xmlns:p="http://schemas.openxmlformats.org/presentationml/2006/main">
+  <p:cSld>
+    <p:spTree>
+      <p:nvGrpSpPr>
+        <p:cNvPr id="1" name=""/>
+        <p:cNvGrpSpPr/>
+        <p:nvPr/>
+      </p:nvGrpSpPr>
+      <p:grpSpPr>
+        <a:xfrm>
+          <a:off x="0" y="0"/>
+          <a:ext cx="0" cy="0"/>
+          <a:chOff x="0" y="0"/>
+          <a:chExt cx="0" cy="0"/>
+        </a:xfrm>
+      </p:grpSpPr>
+      <p:sp>
+        <p:nvSpPr>
+          <p:cNvPr id="6199" name="Rectangle 55"/>
+          <p:cNvSpPr>
+            <a:spLocks noChangeArrowheads="1"/>
+          </p:cNvSpPr>
+          <p:nvPr/>
+        </p:nvSpPr>
+        <p:spPr bwMode="auto">
+          <a:xfrm>
+            <a:off x="0" y="0"/>
+            <a:ext cx="9144000" cy="692150"/>
+          </a:xfrm>
+          <a:prstGeom prst="rect">
+            <a:avLst/>
+          </a:prstGeom>
+          <a:solidFill>
+            <a:srgbClr val="3333FF"/>
+          </a:solidFill>
+          <a:ln>
+            <a:noFill/>
+          </a:ln>
+          <a:effectLst/>
+          <a:extLst>
+            <a:ext uri="{91240B29-F687-4F45-9708-019B960494DF}">
+              <a14:hiddenLine xmlns:a14="http://schemas.microsoft.com/office/drawing/2010/main" w="9525">
+                <a:solidFill>
+                  <a:schemeClr val="tx1"/>
+                </a:solidFill>
+                <a:miter lim="800000"/>
+                <a:headEnd/>
+                <a:tailEnd/>
+              </a14:hiddenLine>
+            </a:ext>
+            <a:ext uri="{AF507438-7753-43E0-B8FC-AC1667EBCBE1}">
+              <a14:hiddenEffects xmlns:a14="http://schemas.microsoft.com/office/drawing/2010/main">
+                <a:effectLst>
+                  <a:outerShdw dist="35921" dir="2700000" algn="ctr" rotWithShape="0">
+                    <a:schemeClr val="bg2"/>
+                  </a:outerShdw>
+                </a:effectLst>
+              </a14:hiddenEffects>
+            </a:ext>
+          </a:extLst>
+        </p:spPr>
+        <p:txBody>
+          <a:bodyPr wrap="none" anchor="ctr"/>
+          <a:lstStyle/>
+          <a:p>
+            <a:pPr algn="ctr"/>
+            <a:r>
+              <a:rPr lang="en-US" altLang="ko-KR" sz="2800" dirty="0" smtClean="0">
+                <a:solidFill>
+                  <a:schemeClr val="bg1"/>
+                </a:solidFill>
+                <a:latin typeface="Arial" panose="020B0604020202020204" pitchFamily="34" charset="0"/>
+              </a:rPr>
+              <a:t>2.5 Attenuated Total Reflection</a:t>
+            </a:r>
+            <a:endParaRPr lang="en-US" altLang="ko-KR" sz="2800" dirty="0" smtClean="0">
+              <a:solidFill>
+                <a:schemeClr val="bg1"/>
+              </a:solidFill>
+              <a:latin typeface="Arial" panose="020B0604020202020204" pitchFamily="34" charset="0"/>
+            </a:endParaRPr>
+          </a:p>
+        </p:txBody>
+      </p:sp>
+      <p:sp>
+        <p:nvSpPr>
+          <p:cNvPr id="8" name="TextBox 7"/>
+          <p:cNvSpPr txBox="1"/>
+          <p:nvPr/>
+        </p:nvSpPr>
+        <p:spPr>
+          <a:xfrm>
+            <a:off x="268165" y="6338128"/>
+            <a:ext cx="8607669" cy="577081"/>
+          </a:xfrm>
+          <a:prstGeom prst="rect">
+            <a:avLst/>
+          </a:prstGeom>
+          <a:noFill/>
+        </p:spPr>
+        <p:txBody>
+          <a:bodyPr wrap="square" rtlCol="0">
+            <a:spAutoFit/>
+          </a:bodyPr>
+          <a:lstStyle/>
+          <a:p>
+            <a:r>
+              <a:rPr lang="en-US" altLang="ko-KR" sz="1050" dirty="0" err="1">
+                <a:latin typeface="Times New Roman" panose="02020603050405020304" pitchFamily="18" charset="0"/>
+                <a:cs typeface="Times New Roman" panose="02020603050405020304" pitchFamily="18" charset="0"/>
+              </a:rPr>
+              <a:t>Møller</a:t>
+            </a:r>
+            <a:r>
+              <a:rPr lang="en-US" altLang="ko-KR" sz="1050" dirty="0">
+                <a:latin typeface="Times New Roman" panose="02020603050405020304" pitchFamily="18" charset="0"/>
+                <a:cs typeface="Times New Roman" panose="02020603050405020304" pitchFamily="18" charset="0"/>
+              </a:rPr>
+              <a:t>, U., et al., “Terahertz Reflection Spectroscopy of Debye Relaxation in Polar Liquids,” </a:t>
+            </a:r>
+            <a:r>
+              <a:rPr lang="en-US" altLang="ko-KR" sz="1050" i="1" dirty="0">
+                <a:latin typeface="Times New Roman" panose="02020603050405020304" pitchFamily="18" charset="0"/>
+                <a:cs typeface="Times New Roman" panose="02020603050405020304" pitchFamily="18" charset="0"/>
+              </a:rPr>
+              <a:t>JOSA B</a:t>
+            </a:r>
+            <a:r>
+              <a:rPr lang="en-US" altLang="ko-KR" sz="1050" dirty="0">
+                <a:latin typeface="Times New Roman" panose="02020603050405020304" pitchFamily="18" charset="0"/>
+                <a:cs typeface="Times New Roman" panose="02020603050405020304" pitchFamily="18" charset="0"/>
+              </a:rPr>
+              <a:t>, Vol. 26, No. 9, </a:t>
+            </a:r>
+            <a:r>
+              <a:rPr lang="en-US" altLang="ko-KR" sz="1050" dirty="0" smtClean="0">
+                <a:latin typeface="Times New Roman" panose="02020603050405020304" pitchFamily="18" charset="0"/>
+                <a:cs typeface="Times New Roman" panose="02020603050405020304" pitchFamily="18" charset="0"/>
+              </a:rPr>
+              <a:t>2009.</a:t>
+            </a:r>
+          </a:p>
+          <a:p>
+            <a:r>
+              <a:rPr lang="en-US" altLang="ko-KR" sz="1050" dirty="0">
+                <a:latin typeface="Times New Roman" panose="02020603050405020304" pitchFamily="18" charset="0"/>
+                <a:cs typeface="Times New Roman" panose="02020603050405020304" pitchFamily="18" charset="0"/>
+              </a:rPr>
+              <a:t>Nagai, </a:t>
+            </a:r>
+            <a:r>
+              <a:rPr lang="en-US" altLang="ko-KR" sz="1050" dirty="0" err="1">
+                <a:latin typeface="Times New Roman" panose="02020603050405020304" pitchFamily="18" charset="0"/>
+                <a:cs typeface="Times New Roman" panose="02020603050405020304" pitchFamily="18" charset="0"/>
+              </a:rPr>
+              <a:t>M.m</a:t>
+            </a:r>
+            <a:r>
+              <a:rPr lang="en-US" altLang="ko-KR" sz="1050" dirty="0">
+                <a:latin typeface="Times New Roman" panose="02020603050405020304" pitchFamily="18" charset="0"/>
+                <a:cs typeface="Times New Roman" panose="02020603050405020304" pitchFamily="18" charset="0"/>
+              </a:rPr>
+              <a:t> et al, “Terahertz Time-Domain Attenuated Total Reflection Spectroscopy in Water and Biological Solution,” </a:t>
+            </a:r>
+            <a:r>
+              <a:rPr lang="en-US" altLang="ko-KR" sz="1050" i="1" dirty="0">
+                <a:latin typeface="Times New Roman" panose="02020603050405020304" pitchFamily="18" charset="0"/>
+                <a:cs typeface="Times New Roman" panose="02020603050405020304" pitchFamily="18" charset="0"/>
+              </a:rPr>
+              <a:t>International Journal of Infrared and Millimeter Waves</a:t>
+            </a:r>
+            <a:r>
+              <a:rPr lang="en-US" altLang="ko-KR" sz="1050" dirty="0">
+                <a:latin typeface="Times New Roman" panose="02020603050405020304" pitchFamily="18" charset="0"/>
+                <a:cs typeface="Times New Roman" panose="02020603050405020304" pitchFamily="18" charset="0"/>
+              </a:rPr>
+              <a:t>, Vol. 27, No. 4, </a:t>
+            </a:r>
+            <a:r>
+              <a:rPr lang="en-US" altLang="ko-KR" sz="1050" dirty="0" smtClean="0">
+                <a:latin typeface="Times New Roman" panose="02020603050405020304" pitchFamily="18" charset="0"/>
+                <a:cs typeface="Times New Roman" panose="02020603050405020304" pitchFamily="18" charset="0"/>
+              </a:rPr>
+              <a:t>2006</a:t>
+            </a:r>
+            <a:r>
+              <a:rPr lang="en-US" altLang="ko-KR" sz="1050" dirty="0">
+                <a:latin typeface="Times New Roman" panose="02020603050405020304" pitchFamily="18" charset="0"/>
+                <a:cs typeface="Times New Roman" panose="02020603050405020304" pitchFamily="18" charset="0"/>
+              </a:rPr>
+              <a:t>.</a:t>
+            </a:r>
+          </a:p>
+        </p:txBody>
+      </p:sp>
+      <p:pic>
+        <p:nvPicPr>
+          <p:cNvPr id="2" name="그림 1"/>
+          <p:cNvPicPr>
+            <a:picLocks noChangeAspect="1"/>
+          </p:cNvPicPr>
+          <p:nvPr/>
+        </p:nvPicPr>
+        <p:blipFill>
+          <a:blip r:embed="rId3"/>
+          <a:stretch>
+            <a:fillRect/>
+          </a:stretch>
+        </p:blipFill>
+        <p:spPr>
+          <a:xfrm>
+            <a:off x="2014536" y="3947746"/>
+            <a:ext cx="5114925" cy="2057400"/>
+          </a:xfrm>
+          <a:prstGeom prst="rect">
+            <a:avLst/>
+          </a:prstGeom>
+        </p:spPr>
+      </p:pic>
+      <mc:AlternateContent xmlns:mc="http://schemas.openxmlformats.org/markup-compatibility/2006">
+        <mc:Choice xmlns:a14="http://schemas.microsoft.com/office/drawing/2010/main" Requires="a14">
+          <p:sp>
+            <p:nvSpPr>
+              <p:cNvPr id="5" name="TextBox 4"/>
+              <p:cNvSpPr txBox="1"/>
+              <p:nvPr/>
+            </p:nvSpPr>
+            <p:spPr>
+              <a:xfrm>
+                <a:off x="18104" y="1218010"/>
+                <a:ext cx="4026743" cy="734625"/>
+              </a:xfrm>
+              <a:prstGeom prst="rect">
+                <a:avLst/>
+              </a:prstGeom>
+              <a:noFill/>
+            </p:spPr>
+            <p:txBody>
+              <a:bodyPr wrap="none" lIns="0" tIns="0" rIns="0" bIns="0" rtlCol="0">
+                <a:spAutoFit/>
+              </a:bodyPr>
+              <a:lstStyle/>
+              <a:p>
+                <a14:m>
+                  <m:oMathPara xmlns:m="http://schemas.openxmlformats.org/officeDocument/2006/math">
+                    <m:oMathParaPr>
+                      <m:jc m:val="centerGroup"/>
+                    </m:oMathParaPr>
+                    <m:oMath xmlns:m="http://schemas.openxmlformats.org/officeDocument/2006/math">
+                      <m:sSubSup>
+                        <m:sSubSupPr>
+                          <m:ctrlPr>
+                            <a:rPr lang="en-US" altLang="ko-KR" b="0" i="1" smtClean="0">
+                              <a:latin typeface="Cambria Math" panose="02040503050406030204" pitchFamily="18" charset="0"/>
+                            </a:rPr>
+                          </m:ctrlPr>
+                        </m:sSubSupPr>
+                        <m:e>
+                          <m:r>
+                            <a:rPr lang="en-US" altLang="ko-KR" b="0" i="1" smtClean="0">
+                              <a:latin typeface="Cambria Math" panose="02040503050406030204" pitchFamily="18" charset="0"/>
+                            </a:rPr>
+                            <m:t>𝑟</m:t>
+                          </m:r>
+                        </m:e>
+                        <m:sub>
+                          <m:r>
+                            <a:rPr lang="en-US" altLang="ko-KR" b="0" i="1" smtClean="0">
+                              <a:latin typeface="Cambria Math" panose="02040503050406030204" pitchFamily="18" charset="0"/>
+                            </a:rPr>
+                            <m:t>1/2</m:t>
+                          </m:r>
+                        </m:sub>
+                        <m:sup>
+                          <m:r>
+                            <a:rPr lang="en-US" altLang="ko-KR" b="0" i="1" smtClean="0">
+                              <a:latin typeface="Cambria Math" panose="02040503050406030204" pitchFamily="18" charset="0"/>
+                            </a:rPr>
+                            <m:t>𝑝</m:t>
+                          </m:r>
+                        </m:sup>
+                      </m:sSubSup>
+                      <m:r>
+                        <a:rPr lang="en-US" altLang="ko-KR" b="0" i="1" smtClean="0">
+                          <a:latin typeface="Cambria Math" panose="02040503050406030204" pitchFamily="18" charset="0"/>
+                        </a:rPr>
+                        <m:t>=</m:t>
+                      </m:r>
+                      <m:f>
+                        <m:fPr>
+                          <m:ctrlPr>
+                            <a:rPr lang="en-US" altLang="ko-KR" b="0" i="1" smtClean="0">
+                              <a:latin typeface="Cambria Math" panose="02040503050406030204" pitchFamily="18" charset="0"/>
+                            </a:rPr>
+                          </m:ctrlPr>
+                        </m:fPr>
+                        <m:num>
+                          <m:sSubSup>
+                            <m:sSubSupPr>
+                              <m:ctrlPr>
+                                <a:rPr lang="en-US" altLang="ko-KR" b="0" i="1" smtClean="0">
+                                  <a:latin typeface="Cambria Math" panose="02040503050406030204" pitchFamily="18" charset="0"/>
+                                </a:rPr>
+                              </m:ctrlPr>
+                            </m:sSubSupPr>
+                            <m:e>
+                              <m:r>
+                                <a:rPr lang="en-US" altLang="ko-KR" b="0" i="1" smtClean="0">
+                                  <a:latin typeface="Cambria Math" panose="02040503050406030204" pitchFamily="18" charset="0"/>
+                                </a:rPr>
+                                <m:t>𝜀</m:t>
+                              </m:r>
+                            </m:e>
+                            <m:sub>
+                              <m:r>
+                                <a:rPr lang="en-US" altLang="ko-KR" b="0" i="1" smtClean="0">
+                                  <a:latin typeface="Cambria Math" panose="02040503050406030204" pitchFamily="18" charset="0"/>
+                                </a:rPr>
+                                <m:t>1</m:t>
+                              </m:r>
+                            </m:sub>
+                            <m:sup>
+                              <m:r>
+                                <a:rPr lang="en-US" altLang="ko-KR" b="0" i="1" smtClean="0">
+                                  <a:latin typeface="Cambria Math" panose="02040503050406030204" pitchFamily="18" charset="0"/>
+                                </a:rPr>
+                                <m:t>1/2</m:t>
+                              </m:r>
+                            </m:sup>
+                          </m:sSubSup>
+                          <m:sSup>
+                            <m:sSupPr>
+                              <m:ctrlPr>
+                                <a:rPr lang="en-US" altLang="ko-KR" b="0" i="1" smtClean="0">
+                                  <a:latin typeface="Cambria Math" panose="02040503050406030204" pitchFamily="18" charset="0"/>
+                                </a:rPr>
+                              </m:ctrlPr>
+                            </m:sSupPr>
+                            <m:e>
+                              <m:d>
+                                <m:dPr>
+                                  <m:ctrlPr>
+                                    <a:rPr lang="en-US" altLang="ko-KR" b="0" i="1" smtClean="0">
+                                      <a:latin typeface="Cambria Math" panose="02040503050406030204" pitchFamily="18" charset="0"/>
+                                    </a:rPr>
+                                  </m:ctrlPr>
+                                </m:dPr>
+                                <m:e>
+                                  <m:sSub>
+                                    <m:sSubPr>
+                                      <m:ctrlPr>
+                                        <a:rPr lang="en-US" altLang="ko-KR" b="0" i="1" smtClean="0">
+                                          <a:latin typeface="Cambria Math" panose="02040503050406030204" pitchFamily="18" charset="0"/>
+                                        </a:rPr>
+                                      </m:ctrlPr>
+                                    </m:sSubPr>
+                                    <m:e>
+                                      <m:r>
+                                        <a:rPr lang="en-US" altLang="ko-KR" b="0" i="1" smtClean="0">
+                                          <a:latin typeface="Cambria Math" panose="02040503050406030204" pitchFamily="18" charset="0"/>
+                                        </a:rPr>
+                                        <m:t>𝜀</m:t>
+                                      </m:r>
+                                    </m:e>
+                                    <m:sub>
+                                      <m:r>
+                                        <a:rPr lang="en-US" altLang="ko-KR" b="0" i="1" smtClean="0">
+                                          <a:latin typeface="Cambria Math" panose="02040503050406030204" pitchFamily="18" charset="0"/>
+                                        </a:rPr>
+                                        <m:t>2</m:t>
+                                      </m:r>
+                                    </m:sub>
+                                  </m:sSub>
+                                  <m:r>
+                                    <a:rPr lang="en-US" altLang="ko-KR" b="0" i="1" smtClean="0">
+                                      <a:latin typeface="Cambria Math" panose="02040503050406030204" pitchFamily="18" charset="0"/>
+                                    </a:rPr>
+                                    <m:t>−</m:t>
+                                  </m:r>
+                                  <m:sSub>
+                                    <m:sSubPr>
+                                      <m:ctrlPr>
+                                        <a:rPr lang="en-US" altLang="ko-KR" b="0" i="1" smtClean="0">
+                                          <a:latin typeface="Cambria Math" panose="02040503050406030204" pitchFamily="18" charset="0"/>
+                                        </a:rPr>
+                                      </m:ctrlPr>
+                                    </m:sSubPr>
+                                    <m:e>
+                                      <m:r>
+                                        <a:rPr lang="en-US" altLang="ko-KR" b="0" i="1" smtClean="0">
+                                          <a:latin typeface="Cambria Math" panose="02040503050406030204" pitchFamily="18" charset="0"/>
+                                        </a:rPr>
+                                        <m:t>𝜀</m:t>
+                                      </m:r>
+                                    </m:e>
+                                    <m:sub>
+                                      <m:r>
+                                        <a:rPr lang="en-US" altLang="ko-KR" b="0" i="1" smtClean="0">
+                                          <a:latin typeface="Cambria Math" panose="02040503050406030204" pitchFamily="18" charset="0"/>
+                                        </a:rPr>
+                                        <m:t>1</m:t>
+                                      </m:r>
+                                    </m:sub>
+                                  </m:sSub>
+                                  <m:func>
+                                    <m:funcPr>
+                                      <m:ctrlPr>
+                                        <a:rPr lang="en-US" altLang="ko-KR" b="0" i="1" smtClean="0">
+                                          <a:latin typeface="Cambria Math" panose="02040503050406030204" pitchFamily="18" charset="0"/>
+                                        </a:rPr>
+                                      </m:ctrlPr>
+                                    </m:funcPr>
+                                    <m:fName>
+                                      <m:sSup>
+                                        <m:sSupPr>
+                                          <m:ctrlPr>
+                                            <a:rPr lang="en-US" altLang="ko-KR" b="0" i="1" smtClean="0">
+                                              <a:latin typeface="Cambria Math" panose="02040503050406030204" pitchFamily="18" charset="0"/>
+                                            </a:rPr>
+                                          </m:ctrlPr>
+                                        </m:sSupPr>
+                                        <m:e>
+                                          <m:r>
+                                            <m:rPr>
+                                              <m:sty m:val="p"/>
+                                            </m:rPr>
+                                            <a:rPr lang="en-US" altLang="ko-KR" b="0" i="0" smtClean="0">
+                                              <a:latin typeface="Cambria Math" panose="02040503050406030204" pitchFamily="18" charset="0"/>
+                                            </a:rPr>
+                                            <m:t>sin</m:t>
+                                          </m:r>
+                                        </m:e>
+                                        <m:sup>
+                                          <m:r>
+                                            <a:rPr lang="en-US" altLang="ko-KR" b="0" i="1" smtClean="0">
+                                              <a:latin typeface="Cambria Math" panose="02040503050406030204" pitchFamily="18" charset="0"/>
+                                            </a:rPr>
+                                            <m:t>2</m:t>
+                                          </m:r>
+                                        </m:sup>
+                                      </m:sSup>
+                                    </m:fName>
+                                    <m:e>
+                                      <m:sSub>
+                                        <m:sSubPr>
+                                          <m:ctrlPr>
+                                            <a:rPr lang="en-US" altLang="ko-KR" b="0" i="1" smtClean="0">
+                                              <a:latin typeface="Cambria Math" panose="02040503050406030204" pitchFamily="18" charset="0"/>
+                                            </a:rPr>
+                                          </m:ctrlPr>
+                                        </m:sSubPr>
+                                        <m:e>
+                                          <m:r>
+                                            <a:rPr lang="en-US" altLang="ko-KR" b="0" i="1" smtClean="0">
+                                              <a:latin typeface="Cambria Math" panose="02040503050406030204" pitchFamily="18" charset="0"/>
+                                            </a:rPr>
+                                            <m:t>𝜃</m:t>
+                                          </m:r>
+                                        </m:e>
+                                        <m:sub>
+                                          <m:r>
+                                            <a:rPr lang="en-US" altLang="ko-KR" b="0" i="1" smtClean="0">
+                                              <a:latin typeface="Cambria Math" panose="02040503050406030204" pitchFamily="18" charset="0"/>
+                                            </a:rPr>
+                                            <m:t>𝑖</m:t>
+                                          </m:r>
+                                        </m:sub>
+                                      </m:sSub>
+                                    </m:e>
+                                  </m:func>
+                                </m:e>
+                              </m:d>
+                            </m:e>
+                            <m:sup>
+                              <m:r>
+                                <a:rPr lang="en-US" altLang="ko-KR" b="0" i="1" smtClean="0">
+                                  <a:latin typeface="Cambria Math" panose="02040503050406030204" pitchFamily="18" charset="0"/>
+                                </a:rPr>
+                                <m:t>1/2</m:t>
+                              </m:r>
+                            </m:sup>
+                          </m:sSup>
+                          <m:r>
+                            <a:rPr lang="en-US" altLang="ko-KR" b="0" i="1" smtClean="0">
+                              <a:latin typeface="Cambria Math" panose="02040503050406030204" pitchFamily="18" charset="0"/>
+                            </a:rPr>
+                            <m:t>−</m:t>
+                          </m:r>
+                          <m:sSub>
+                            <m:sSubPr>
+                              <m:ctrlPr>
+                                <a:rPr lang="en-US" altLang="ko-KR" b="0" i="1" smtClean="0">
+                                  <a:latin typeface="Cambria Math" panose="02040503050406030204" pitchFamily="18" charset="0"/>
+                                </a:rPr>
+                              </m:ctrlPr>
+                            </m:sSubPr>
+                            <m:e>
+                              <m:r>
+                                <a:rPr lang="en-US" altLang="ko-KR" b="0" i="1" smtClean="0">
+                                  <a:latin typeface="Cambria Math" panose="02040503050406030204" pitchFamily="18" charset="0"/>
+                                </a:rPr>
+                                <m:t>𝜀</m:t>
+                              </m:r>
+                            </m:e>
+                            <m:sub>
+                              <m:r>
+                                <a:rPr lang="en-US" altLang="ko-KR" b="0" i="1" smtClean="0">
+                                  <a:latin typeface="Cambria Math" panose="02040503050406030204" pitchFamily="18" charset="0"/>
+                                </a:rPr>
+                                <m:t>2</m:t>
+                              </m:r>
+                            </m:sub>
+                          </m:sSub>
+                          <m:func>
+                            <m:funcPr>
+                              <m:ctrlPr>
+                                <a:rPr lang="en-US" altLang="ko-KR" b="0" i="1" smtClean="0">
+                                  <a:latin typeface="Cambria Math" panose="02040503050406030204" pitchFamily="18" charset="0"/>
+                                </a:rPr>
+                              </m:ctrlPr>
+                            </m:funcPr>
+                            <m:fName>
+                              <m:r>
+                                <m:rPr>
+                                  <m:sty m:val="p"/>
+                                </m:rPr>
+                                <a:rPr lang="en-US" altLang="ko-KR" b="0" i="0" smtClean="0">
+                                  <a:latin typeface="Cambria Math" panose="02040503050406030204" pitchFamily="18" charset="0"/>
+                                </a:rPr>
+                                <m:t>cos</m:t>
+                              </m:r>
+                            </m:fName>
+                            <m:e>
+                              <m:sSub>
+                                <m:sSubPr>
+                                  <m:ctrlPr>
+                                    <a:rPr lang="en-US" altLang="ko-KR" b="0" i="1" smtClean="0">
+                                      <a:latin typeface="Cambria Math" panose="02040503050406030204" pitchFamily="18" charset="0"/>
+                                    </a:rPr>
+                                  </m:ctrlPr>
+                                </m:sSubPr>
+                                <m:e>
+                                  <m:r>
+                                    <a:rPr lang="en-US" altLang="ko-KR" b="0" i="1" smtClean="0">
+                                      <a:latin typeface="Cambria Math" panose="02040503050406030204" pitchFamily="18" charset="0"/>
+                                    </a:rPr>
+                                    <m:t>𝜃</m:t>
+                                  </m:r>
+                                </m:e>
+                                <m:sub>
+                                  <m:r>
+                                    <a:rPr lang="en-US" altLang="ko-KR" b="0" i="1" smtClean="0">
+                                      <a:latin typeface="Cambria Math" panose="02040503050406030204" pitchFamily="18" charset="0"/>
+                                    </a:rPr>
+                                    <m:t>𝑖</m:t>
+                                  </m:r>
+                                </m:sub>
+                              </m:sSub>
+                            </m:e>
+                          </m:func>
+                        </m:num>
+                        <m:den>
+                          <m:sSubSup>
+                            <m:sSubSupPr>
+                              <m:ctrlPr>
+                                <a:rPr lang="en-US" altLang="ko-KR" i="1">
+                                  <a:latin typeface="Cambria Math" panose="02040503050406030204" pitchFamily="18" charset="0"/>
+                                </a:rPr>
+                              </m:ctrlPr>
+                            </m:sSubSupPr>
+                            <m:e>
+                              <m:r>
+                                <a:rPr lang="en-US" altLang="ko-KR" i="1">
+                                  <a:latin typeface="Cambria Math" panose="02040503050406030204" pitchFamily="18" charset="0"/>
+                                </a:rPr>
+                                <m:t>𝜀</m:t>
+                              </m:r>
+                            </m:e>
+                            <m:sub>
+                              <m:r>
+                                <a:rPr lang="en-US" altLang="ko-KR" i="1">
+                                  <a:latin typeface="Cambria Math" panose="02040503050406030204" pitchFamily="18" charset="0"/>
+                                </a:rPr>
+                                <m:t>1</m:t>
+                              </m:r>
+                            </m:sub>
+                            <m:sup>
+                              <m:r>
+                                <a:rPr lang="en-US" altLang="ko-KR" i="1">
+                                  <a:latin typeface="Cambria Math" panose="02040503050406030204" pitchFamily="18" charset="0"/>
+                                </a:rPr>
+                                <m:t>1/2</m:t>
+                              </m:r>
+                            </m:sup>
+                          </m:sSubSup>
+                          <m:sSup>
+                            <m:sSupPr>
+                              <m:ctrlPr>
+                                <a:rPr lang="en-US" altLang="ko-KR" i="1">
+                                  <a:latin typeface="Cambria Math" panose="02040503050406030204" pitchFamily="18" charset="0"/>
+                                </a:rPr>
+                              </m:ctrlPr>
+                            </m:sSupPr>
+                            <m:e>
+                              <m:d>
+                                <m:dPr>
+                                  <m:ctrlPr>
+                                    <a:rPr lang="en-US" altLang="ko-KR" i="1">
+                                      <a:latin typeface="Cambria Math" panose="02040503050406030204" pitchFamily="18" charset="0"/>
+                                    </a:rPr>
+                                  </m:ctrlPr>
+                                </m:dPr>
+                                <m:e>
+                                  <m:sSub>
+                                    <m:sSubPr>
+                                      <m:ctrlPr>
+                                        <a:rPr lang="en-US" altLang="ko-KR" i="1">
+                                          <a:latin typeface="Cambria Math" panose="02040503050406030204" pitchFamily="18" charset="0"/>
+                                        </a:rPr>
+                                      </m:ctrlPr>
+                                    </m:sSubPr>
+                                    <m:e>
+                                      <m:r>
+                                        <a:rPr lang="en-US" altLang="ko-KR" i="1">
+                                          <a:latin typeface="Cambria Math" panose="02040503050406030204" pitchFamily="18" charset="0"/>
+                                        </a:rPr>
+                                        <m:t>𝜀</m:t>
+                                      </m:r>
+                                    </m:e>
+                                    <m:sub>
+                                      <m:r>
+                                        <a:rPr lang="en-US" altLang="ko-KR" i="1">
+                                          <a:latin typeface="Cambria Math" panose="02040503050406030204" pitchFamily="18" charset="0"/>
+                                        </a:rPr>
+                                        <m:t>2</m:t>
+                                      </m:r>
+                                    </m:sub>
+                                  </m:sSub>
+                                  <m:r>
+                                    <a:rPr lang="en-US" altLang="ko-KR" i="1">
+                                      <a:latin typeface="Cambria Math" panose="02040503050406030204" pitchFamily="18" charset="0"/>
+                                    </a:rPr>
+                                    <m:t>−</m:t>
+                                  </m:r>
+                                  <m:sSub>
+                                    <m:sSubPr>
+                                      <m:ctrlPr>
+                                        <a:rPr lang="en-US" altLang="ko-KR" i="1">
+                                          <a:latin typeface="Cambria Math" panose="02040503050406030204" pitchFamily="18" charset="0"/>
+                                        </a:rPr>
+                                      </m:ctrlPr>
+                                    </m:sSubPr>
+                                    <m:e>
+                                      <m:r>
+                                        <a:rPr lang="en-US" altLang="ko-KR" i="1">
+                                          <a:latin typeface="Cambria Math" panose="02040503050406030204" pitchFamily="18" charset="0"/>
+                                        </a:rPr>
+                                        <m:t>𝜀</m:t>
+                                      </m:r>
+                                    </m:e>
+                                    <m:sub>
+                                      <m:r>
+                                        <a:rPr lang="en-US" altLang="ko-KR" i="1">
+                                          <a:latin typeface="Cambria Math" panose="02040503050406030204" pitchFamily="18" charset="0"/>
+                                        </a:rPr>
+                                        <m:t>1</m:t>
+                                      </m:r>
+                                    </m:sub>
+                                  </m:sSub>
+                                  <m:func>
+                                    <m:funcPr>
+                                      <m:ctrlPr>
+                                        <a:rPr lang="en-US" altLang="ko-KR" i="1">
+                                          <a:latin typeface="Cambria Math" panose="02040503050406030204" pitchFamily="18" charset="0"/>
+                                        </a:rPr>
+                                      </m:ctrlPr>
+                                    </m:funcPr>
+                                    <m:fName>
+                                      <m:sSup>
+                                        <m:sSupPr>
+                                          <m:ctrlPr>
+                                            <a:rPr lang="en-US" altLang="ko-KR" i="1">
+                                              <a:latin typeface="Cambria Math" panose="02040503050406030204" pitchFamily="18" charset="0"/>
+                                            </a:rPr>
+                                          </m:ctrlPr>
+                                        </m:sSupPr>
+                                        <m:e>
+                                          <m:r>
+                                            <m:rPr>
+                                              <m:sty m:val="p"/>
+                                            </m:rPr>
+                                            <a:rPr lang="en-US" altLang="ko-KR">
+                                              <a:latin typeface="Cambria Math" panose="02040503050406030204" pitchFamily="18" charset="0"/>
+                                            </a:rPr>
+                                            <m:t>sin</m:t>
+                                          </m:r>
+                                        </m:e>
+                                        <m:sup>
+                                          <m:r>
+                                            <a:rPr lang="en-US" altLang="ko-KR" i="1">
+                                              <a:latin typeface="Cambria Math" panose="02040503050406030204" pitchFamily="18" charset="0"/>
+                                            </a:rPr>
+                                            <m:t>2</m:t>
+                                          </m:r>
+                                        </m:sup>
+                                      </m:sSup>
+                                    </m:fName>
+                                    <m:e>
+                                      <m:sSub>
+                                        <m:sSubPr>
+                                          <m:ctrlPr>
+                                            <a:rPr lang="en-US" altLang="ko-KR" i="1">
+                                              <a:latin typeface="Cambria Math" panose="02040503050406030204" pitchFamily="18" charset="0"/>
+                                            </a:rPr>
+                                          </m:ctrlPr>
+                                        </m:sSubPr>
+                                        <m:e>
+                                          <m:r>
+                                            <a:rPr lang="en-US" altLang="ko-KR" i="1">
+                                              <a:latin typeface="Cambria Math" panose="02040503050406030204" pitchFamily="18" charset="0"/>
+                                            </a:rPr>
+                                            <m:t>𝜃</m:t>
+                                          </m:r>
+                                        </m:e>
+                                        <m:sub>
+                                          <m:r>
+                                            <a:rPr lang="en-US" altLang="ko-KR" i="1">
+                                              <a:latin typeface="Cambria Math" panose="02040503050406030204" pitchFamily="18" charset="0"/>
+                                            </a:rPr>
+                                            <m:t>𝑖</m:t>
+                                          </m:r>
+                                        </m:sub>
+                                      </m:sSub>
+                                    </m:e>
+                                  </m:func>
+                                </m:e>
+                              </m:d>
+                            </m:e>
+                            <m:sup>
+                              <m:r>
+                                <a:rPr lang="en-US" altLang="ko-KR" i="1">
+                                  <a:latin typeface="Cambria Math" panose="02040503050406030204" pitchFamily="18" charset="0"/>
+                                </a:rPr>
+                                <m:t>1/2</m:t>
+                              </m:r>
+                            </m:sup>
+                          </m:sSup>
+                          <m:r>
+                            <a:rPr lang="en-US" altLang="ko-KR" b="0" i="1" smtClean="0">
+                              <a:latin typeface="Cambria Math" panose="02040503050406030204" pitchFamily="18" charset="0"/>
+                            </a:rPr>
+                            <m:t>+</m:t>
+                          </m:r>
+                          <m:sSub>
+                            <m:sSubPr>
+                              <m:ctrlPr>
+                                <a:rPr lang="en-US" altLang="ko-KR" i="1">
+                                  <a:latin typeface="Cambria Math" panose="02040503050406030204" pitchFamily="18" charset="0"/>
+                                </a:rPr>
+                              </m:ctrlPr>
+                            </m:sSubPr>
+                            <m:e>
+                              <m:r>
+                                <a:rPr lang="en-US" altLang="ko-KR" i="1">
+                                  <a:latin typeface="Cambria Math" panose="02040503050406030204" pitchFamily="18" charset="0"/>
+                                </a:rPr>
+                                <m:t>𝜀</m:t>
+                              </m:r>
+                            </m:e>
+                            <m:sub>
+                              <m:r>
+                                <a:rPr lang="en-US" altLang="ko-KR" i="1">
+                                  <a:latin typeface="Cambria Math" panose="02040503050406030204" pitchFamily="18" charset="0"/>
+                                </a:rPr>
+                                <m:t>2</m:t>
+                              </m:r>
+                            </m:sub>
+                          </m:sSub>
+                          <m:func>
+                            <m:funcPr>
+                              <m:ctrlPr>
+                                <a:rPr lang="en-US" altLang="ko-KR" i="1">
+                                  <a:latin typeface="Cambria Math" panose="02040503050406030204" pitchFamily="18" charset="0"/>
+                                </a:rPr>
+                              </m:ctrlPr>
+                            </m:funcPr>
+                            <m:fName>
+                              <m:r>
+                                <m:rPr>
+                                  <m:sty m:val="p"/>
+                                </m:rPr>
+                                <a:rPr lang="en-US" altLang="ko-KR">
+                                  <a:latin typeface="Cambria Math" panose="02040503050406030204" pitchFamily="18" charset="0"/>
+                                </a:rPr>
+                                <m:t>cos</m:t>
+                              </m:r>
+                            </m:fName>
+                            <m:e>
+                              <m:sSub>
+                                <m:sSubPr>
+                                  <m:ctrlPr>
+                                    <a:rPr lang="en-US" altLang="ko-KR" i="1">
+                                      <a:latin typeface="Cambria Math" panose="02040503050406030204" pitchFamily="18" charset="0"/>
+                                    </a:rPr>
+                                  </m:ctrlPr>
+                                </m:sSubPr>
+                                <m:e>
+                                  <m:r>
+                                    <a:rPr lang="en-US" altLang="ko-KR" i="1">
+                                      <a:latin typeface="Cambria Math" panose="02040503050406030204" pitchFamily="18" charset="0"/>
+                                    </a:rPr>
+                                    <m:t>𝜃</m:t>
+                                  </m:r>
+                                </m:e>
+                                <m:sub>
+                                  <m:r>
+                                    <a:rPr lang="en-US" altLang="ko-KR" i="1">
+                                      <a:latin typeface="Cambria Math" panose="02040503050406030204" pitchFamily="18" charset="0"/>
+                                    </a:rPr>
+                                    <m:t>𝑖</m:t>
+                                  </m:r>
+                                </m:sub>
+                              </m:sSub>
+                            </m:e>
+                          </m:func>
+                        </m:den>
+                      </m:f>
+                    </m:oMath>
+                  </m:oMathPara>
+                </a14:m>
+                <a:endParaRPr lang="ko-KR" altLang="en-US" dirty="0"/>
+              </a:p>
+            </p:txBody>
+          </p:sp>
+        </mc:Choice>
+        <mc:Fallback>
+          <p:sp>
+            <p:nvSpPr>
+              <p:cNvPr id="5" name="TextBox 4"/>
+              <p:cNvSpPr txBox="1">
+                <a:spLocks noRot="1" noChangeAspect="1" noMove="1" noResize="1" noEditPoints="1" noAdjustHandles="1" noChangeArrowheads="1" noChangeShapeType="1" noTextEdit="1"/>
+              </p:cNvSpPr>
+              <p:nvPr/>
+            </p:nvSpPr>
+            <p:spPr>
+              <a:xfrm>
+                <a:off x="18104" y="1218010"/>
+                <a:ext cx="4026743" cy="734625"/>
+              </a:xfrm>
+              <a:prstGeom prst="rect">
+                <a:avLst/>
+              </a:prstGeom>
+              <a:blipFill rotWithShape="0">
+                <a:blip r:embed="rId4"/>
+                <a:stretch>
+                  <a:fillRect/>
+                </a:stretch>
+              </a:blipFill>
+            </p:spPr>
+            <p:txBody>
+              <a:bodyPr/>
+              <a:lstStyle/>
+              <a:p>
+                <a:r>
+                  <a:rPr lang="ko-KR" altLang="en-US">
+                    <a:noFill/>
+                  </a:rPr>
+                  <a:t> </a:t>
+                </a:r>
+              </a:p>
+            </p:txBody>
+          </p:sp>
+        </mc:Fallback>
+      </mc:AlternateContent>
+      <mc:AlternateContent xmlns:mc="http://schemas.openxmlformats.org/markup-compatibility/2006">
+        <mc:Choice xmlns:a14="http://schemas.microsoft.com/office/drawing/2010/main" Requires="a14">
+          <p:sp>
+            <p:nvSpPr>
+              <p:cNvPr id="13" name="TextBox 12"/>
+              <p:cNvSpPr txBox="1"/>
+              <p:nvPr/>
+            </p:nvSpPr>
+            <p:spPr>
+              <a:xfrm>
+                <a:off x="4044847" y="734839"/>
+                <a:ext cx="4321055" cy="869341"/>
+              </a:xfrm>
+              <a:prstGeom prst="rect">
+                <a:avLst/>
+              </a:prstGeom>
+              <a:noFill/>
+            </p:spPr>
+            <p:txBody>
+              <a:bodyPr wrap="none" lIns="0" tIns="0" rIns="0" bIns="0" rtlCol="0">
+                <a:spAutoFit/>
+              </a:bodyPr>
+              <a:lstStyle/>
+              <a:p>
+                <a14:m>
+                  <m:oMathPara xmlns:m="http://schemas.openxmlformats.org/officeDocument/2006/math">
+                    <m:oMathParaPr>
+                      <m:jc m:val="centerGroup"/>
+                    </m:oMathParaPr>
+                    <m:oMath xmlns:m="http://schemas.openxmlformats.org/officeDocument/2006/math">
+                      <m:sSub>
+                        <m:sSubPr>
+                          <m:ctrlPr>
+                            <a:rPr lang="en-US" altLang="ko-KR" b="0" i="1" smtClean="0">
+                              <a:latin typeface="Cambria Math" panose="02040503050406030204" pitchFamily="18" charset="0"/>
+                            </a:rPr>
+                          </m:ctrlPr>
+                        </m:sSubPr>
+                        <m:e>
+                          <m:r>
+                            <a:rPr lang="en-US" altLang="ko-KR" b="0" i="1" smtClean="0">
+                              <a:latin typeface="Cambria Math" panose="02040503050406030204" pitchFamily="18" charset="0"/>
+                            </a:rPr>
+                            <m:t>𝑟</m:t>
+                          </m:r>
+                        </m:e>
+                        <m:sub>
+                          <m:r>
+                            <m:rPr>
+                              <m:sty m:val="p"/>
+                            </m:rPr>
+                            <a:rPr lang="en-US" altLang="ko-KR" b="0" i="0" smtClean="0">
+                              <a:latin typeface="Cambria Math" panose="02040503050406030204" pitchFamily="18" charset="0"/>
+                            </a:rPr>
+                            <m:t>ref</m:t>
+                          </m:r>
+                        </m:sub>
+                      </m:sSub>
+                      <m:r>
+                        <a:rPr lang="en-US" altLang="ko-KR" b="0" i="1" smtClean="0">
+                          <a:latin typeface="Cambria Math" panose="02040503050406030204" pitchFamily="18" charset="0"/>
+                        </a:rPr>
+                        <m:t>=</m:t>
+                      </m:r>
+                      <m:f>
+                        <m:fPr>
+                          <m:ctrlPr>
+                            <a:rPr lang="en-US" altLang="ko-KR" b="0" i="1" smtClean="0">
+                              <a:latin typeface="Cambria Math" panose="02040503050406030204" pitchFamily="18" charset="0"/>
+                            </a:rPr>
+                          </m:ctrlPr>
+                        </m:fPr>
+                        <m:num>
+                          <m:sSubSup>
+                            <m:sSubSupPr>
+                              <m:ctrlPr>
+                                <a:rPr lang="en-US" altLang="ko-KR" b="0" i="1" smtClean="0">
+                                  <a:latin typeface="Cambria Math" panose="02040503050406030204" pitchFamily="18" charset="0"/>
+                                </a:rPr>
+                              </m:ctrlPr>
+                            </m:sSubSupPr>
+                            <m:e>
+                              <m:r>
+                                <a:rPr lang="en-US" altLang="ko-KR" b="0" i="1" smtClean="0">
+                                  <a:latin typeface="Cambria Math" panose="02040503050406030204" pitchFamily="18" charset="0"/>
+                                </a:rPr>
+                                <m:t>𝜀</m:t>
+                              </m:r>
+                            </m:e>
+                            <m:sub>
+                              <m:r>
+                                <m:rPr>
+                                  <m:sty m:val="p"/>
+                                </m:rPr>
+                                <a:rPr lang="en-US" altLang="ko-KR" b="0" i="0" smtClean="0">
+                                  <a:latin typeface="Cambria Math" panose="02040503050406030204" pitchFamily="18" charset="0"/>
+                                </a:rPr>
+                                <m:t>prism</m:t>
+                              </m:r>
+                            </m:sub>
+                            <m:sup>
+                              <m:r>
+                                <a:rPr lang="en-US" altLang="ko-KR" b="0" i="1" smtClean="0">
+                                  <a:latin typeface="Cambria Math" panose="02040503050406030204" pitchFamily="18" charset="0"/>
+                                </a:rPr>
+                                <m:t>1/2</m:t>
+                              </m:r>
+                            </m:sup>
+                          </m:sSubSup>
+                          <m:sSup>
+                            <m:sSupPr>
+                              <m:ctrlPr>
+                                <a:rPr lang="en-US" altLang="ko-KR" b="0" i="1" smtClean="0">
+                                  <a:latin typeface="Cambria Math" panose="02040503050406030204" pitchFamily="18" charset="0"/>
+                                </a:rPr>
+                              </m:ctrlPr>
+                            </m:sSupPr>
+                            <m:e>
+                              <m:d>
+                                <m:dPr>
+                                  <m:ctrlPr>
+                                    <a:rPr lang="en-US" altLang="ko-KR" b="0" i="1" smtClean="0">
+                                      <a:latin typeface="Cambria Math" panose="02040503050406030204" pitchFamily="18" charset="0"/>
+                                    </a:rPr>
+                                  </m:ctrlPr>
+                                </m:dPr>
+                                <m:e>
+                                  <m:r>
+                                    <a:rPr lang="en-US" altLang="ko-KR" b="0" i="1" smtClean="0">
+                                      <a:latin typeface="Cambria Math" panose="02040503050406030204" pitchFamily="18" charset="0"/>
+                                    </a:rPr>
+                                    <m:t>1−</m:t>
+                                  </m:r>
+                                  <m:sSub>
+                                    <m:sSubPr>
+                                      <m:ctrlPr>
+                                        <a:rPr lang="en-US" altLang="ko-KR" b="0" i="1" smtClean="0">
+                                          <a:latin typeface="Cambria Math" panose="02040503050406030204" pitchFamily="18" charset="0"/>
+                                        </a:rPr>
+                                      </m:ctrlPr>
+                                    </m:sSubPr>
+                                    <m:e>
+                                      <m:r>
+                                        <a:rPr lang="en-US" altLang="ko-KR" b="0" i="1" smtClean="0">
+                                          <a:latin typeface="Cambria Math" panose="02040503050406030204" pitchFamily="18" charset="0"/>
+                                        </a:rPr>
+                                        <m:t>𝜀</m:t>
+                                      </m:r>
+                                    </m:e>
+                                    <m:sub>
+                                      <m:r>
+                                        <m:rPr>
+                                          <m:sty m:val="p"/>
+                                        </m:rPr>
+                                        <a:rPr lang="en-US" altLang="ko-KR" i="0">
+                                          <a:latin typeface="Cambria Math" panose="02040503050406030204" pitchFamily="18" charset="0"/>
+                                        </a:rPr>
+                                        <m:t>prism</m:t>
+                                      </m:r>
+                                    </m:sub>
+                                  </m:sSub>
+                                  <m:func>
+                                    <m:funcPr>
+                                      <m:ctrlPr>
+                                        <a:rPr lang="en-US" altLang="ko-KR" b="0" i="1" smtClean="0">
+                                          <a:latin typeface="Cambria Math" panose="02040503050406030204" pitchFamily="18" charset="0"/>
+                                        </a:rPr>
+                                      </m:ctrlPr>
+                                    </m:funcPr>
+                                    <m:fName>
+                                      <m:sSup>
+                                        <m:sSupPr>
+                                          <m:ctrlPr>
+                                            <a:rPr lang="en-US" altLang="ko-KR" b="0" i="1" smtClean="0">
+                                              <a:latin typeface="Cambria Math" panose="02040503050406030204" pitchFamily="18" charset="0"/>
+                                            </a:rPr>
+                                          </m:ctrlPr>
+                                        </m:sSupPr>
+                                        <m:e>
+                                          <m:r>
+                                            <m:rPr>
+                                              <m:sty m:val="p"/>
+                                            </m:rPr>
+                                            <a:rPr lang="en-US" altLang="ko-KR" b="0" i="0" smtClean="0">
+                                              <a:latin typeface="Cambria Math" panose="02040503050406030204" pitchFamily="18" charset="0"/>
+                                            </a:rPr>
+                                            <m:t>sin</m:t>
+                                          </m:r>
+                                        </m:e>
+                                        <m:sup>
+                                          <m:r>
+                                            <a:rPr lang="en-US" altLang="ko-KR" b="0" i="1" smtClean="0">
+                                              <a:latin typeface="Cambria Math" panose="02040503050406030204" pitchFamily="18" charset="0"/>
+                                            </a:rPr>
+                                            <m:t>2</m:t>
+                                          </m:r>
+                                        </m:sup>
+                                      </m:sSup>
+                                    </m:fName>
+                                    <m:e>
+                                      <m:sSub>
+                                        <m:sSubPr>
+                                          <m:ctrlPr>
+                                            <a:rPr lang="en-US" altLang="ko-KR" b="0" i="1" smtClean="0">
+                                              <a:latin typeface="Cambria Math" panose="02040503050406030204" pitchFamily="18" charset="0"/>
+                                            </a:rPr>
+                                          </m:ctrlPr>
+                                        </m:sSubPr>
+                                        <m:e>
+                                          <m:r>
+                                            <a:rPr lang="en-US" altLang="ko-KR" b="0" i="1" smtClean="0">
+                                              <a:latin typeface="Cambria Math" panose="02040503050406030204" pitchFamily="18" charset="0"/>
+                                            </a:rPr>
+                                            <m:t>𝜃</m:t>
+                                          </m:r>
+                                        </m:e>
+                                        <m:sub>
+                                          <m:r>
+                                            <a:rPr lang="en-US" altLang="ko-KR" b="0" i="1" smtClean="0">
+                                              <a:latin typeface="Cambria Math" panose="02040503050406030204" pitchFamily="18" charset="0"/>
+                                            </a:rPr>
+                                            <m:t>𝑖</m:t>
+                                          </m:r>
+                                        </m:sub>
+                                      </m:sSub>
+                                    </m:e>
+                                  </m:func>
+                                </m:e>
+                              </m:d>
+                            </m:e>
+                            <m:sup>
+                              <m:r>
+                                <a:rPr lang="en-US" altLang="ko-KR" b="0" i="1" smtClean="0">
+                                  <a:latin typeface="Cambria Math" panose="02040503050406030204" pitchFamily="18" charset="0"/>
+                                </a:rPr>
+                                <m:t>1/2</m:t>
+                              </m:r>
+                            </m:sup>
+                          </m:sSup>
+                          <m:r>
+                            <a:rPr lang="en-US" altLang="ko-KR" b="0" i="1" smtClean="0">
+                              <a:latin typeface="Cambria Math" panose="02040503050406030204" pitchFamily="18" charset="0"/>
+                            </a:rPr>
+                            <m:t>−</m:t>
+                          </m:r>
+                          <m:func>
+                            <m:funcPr>
+                              <m:ctrlPr>
+                                <a:rPr lang="en-US" altLang="ko-KR" b="0" i="1" smtClean="0">
+                                  <a:latin typeface="Cambria Math" panose="02040503050406030204" pitchFamily="18" charset="0"/>
+                                </a:rPr>
+                              </m:ctrlPr>
+                            </m:funcPr>
+                            <m:fName>
+                              <m:r>
+                                <m:rPr>
+                                  <m:sty m:val="p"/>
+                                </m:rPr>
+                                <a:rPr lang="en-US" altLang="ko-KR" b="0" i="0" smtClean="0">
+                                  <a:latin typeface="Cambria Math" panose="02040503050406030204" pitchFamily="18" charset="0"/>
+                                </a:rPr>
+                                <m:t>cos</m:t>
+                              </m:r>
+                            </m:fName>
+                            <m:e>
+                              <m:sSub>
+                                <m:sSubPr>
+                                  <m:ctrlPr>
+                                    <a:rPr lang="en-US" altLang="ko-KR" b="0" i="1" smtClean="0">
+                                      <a:latin typeface="Cambria Math" panose="02040503050406030204" pitchFamily="18" charset="0"/>
+                                    </a:rPr>
+                                  </m:ctrlPr>
+                                </m:sSubPr>
+                                <m:e>
+                                  <m:r>
+                                    <a:rPr lang="en-US" altLang="ko-KR" b="0" i="1" smtClean="0">
+                                      <a:latin typeface="Cambria Math" panose="02040503050406030204" pitchFamily="18" charset="0"/>
+                                    </a:rPr>
+                                    <m:t>𝜃</m:t>
+                                  </m:r>
+                                </m:e>
+                                <m:sub>
+                                  <m:r>
+                                    <a:rPr lang="en-US" altLang="ko-KR" b="0" i="1" smtClean="0">
+                                      <a:latin typeface="Cambria Math" panose="02040503050406030204" pitchFamily="18" charset="0"/>
+                                    </a:rPr>
+                                    <m:t>𝑖</m:t>
+                                  </m:r>
+                                </m:sub>
+                              </m:sSub>
+                            </m:e>
+                          </m:func>
+                        </m:num>
+                        <m:den>
+                          <m:sSubSup>
+                            <m:sSubSupPr>
+                              <m:ctrlPr>
+                                <a:rPr lang="en-US" altLang="ko-KR" i="1">
+                                  <a:latin typeface="Cambria Math" panose="02040503050406030204" pitchFamily="18" charset="0"/>
+                                </a:rPr>
+                              </m:ctrlPr>
+                            </m:sSubSupPr>
+                            <m:e>
+                              <m:r>
+                                <a:rPr lang="en-US" altLang="ko-KR" i="1">
+                                  <a:latin typeface="Cambria Math" panose="02040503050406030204" pitchFamily="18" charset="0"/>
+                                </a:rPr>
+                                <m:t>𝜀</m:t>
+                              </m:r>
+                            </m:e>
+                            <m:sub>
+                              <m:r>
+                                <m:rPr>
+                                  <m:sty m:val="p"/>
+                                </m:rPr>
+                                <a:rPr lang="en-US" altLang="ko-KR" i="0">
+                                  <a:latin typeface="Cambria Math" panose="02040503050406030204" pitchFamily="18" charset="0"/>
+                                </a:rPr>
+                                <m:t>prism</m:t>
+                              </m:r>
+                            </m:sub>
+                            <m:sup>
+                              <m:r>
+                                <a:rPr lang="en-US" altLang="ko-KR" i="1">
+                                  <a:latin typeface="Cambria Math" panose="02040503050406030204" pitchFamily="18" charset="0"/>
+                                </a:rPr>
+                                <m:t>1/2</m:t>
+                              </m:r>
+                            </m:sup>
+                          </m:sSubSup>
+                          <m:sSup>
+                            <m:sSupPr>
+                              <m:ctrlPr>
+                                <a:rPr lang="en-US" altLang="ko-KR" i="1">
+                                  <a:latin typeface="Cambria Math" panose="02040503050406030204" pitchFamily="18" charset="0"/>
+                                </a:rPr>
+                              </m:ctrlPr>
+                            </m:sSupPr>
+                            <m:e>
+                              <m:d>
+                                <m:dPr>
+                                  <m:ctrlPr>
+                                    <a:rPr lang="en-US" altLang="ko-KR" i="1">
+                                      <a:latin typeface="Cambria Math" panose="02040503050406030204" pitchFamily="18" charset="0"/>
+                                    </a:rPr>
+                                  </m:ctrlPr>
+                                </m:dPr>
+                                <m:e>
+                                  <m:r>
+                                    <a:rPr lang="en-US" altLang="ko-KR" b="0" i="1" smtClean="0">
+                                      <a:latin typeface="Cambria Math" panose="02040503050406030204" pitchFamily="18" charset="0"/>
+                                    </a:rPr>
+                                    <m:t>1</m:t>
+                                  </m:r>
+                                  <m:r>
+                                    <a:rPr lang="en-US" altLang="ko-KR" i="1">
+                                      <a:latin typeface="Cambria Math" panose="02040503050406030204" pitchFamily="18" charset="0"/>
+                                    </a:rPr>
+                                    <m:t>−</m:t>
+                                  </m:r>
+                                  <m:sSub>
+                                    <m:sSubPr>
+                                      <m:ctrlPr>
+                                        <a:rPr lang="en-US" altLang="ko-KR" i="1">
+                                          <a:latin typeface="Cambria Math" panose="02040503050406030204" pitchFamily="18" charset="0"/>
+                                        </a:rPr>
+                                      </m:ctrlPr>
+                                    </m:sSubPr>
+                                    <m:e>
+                                      <m:r>
+                                        <a:rPr lang="en-US" altLang="ko-KR" i="1">
+                                          <a:latin typeface="Cambria Math" panose="02040503050406030204" pitchFamily="18" charset="0"/>
+                                        </a:rPr>
+                                        <m:t>𝜀</m:t>
+                                      </m:r>
+                                    </m:e>
+                                    <m:sub>
+                                      <m:r>
+                                        <m:rPr>
+                                          <m:sty m:val="p"/>
+                                        </m:rPr>
+                                        <a:rPr lang="en-US" altLang="ko-KR" i="0">
+                                          <a:latin typeface="Cambria Math" panose="02040503050406030204" pitchFamily="18" charset="0"/>
+                                        </a:rPr>
+                                        <m:t>prism</m:t>
+                                      </m:r>
+                                    </m:sub>
+                                  </m:sSub>
+                                  <m:func>
+                                    <m:funcPr>
+                                      <m:ctrlPr>
+                                        <a:rPr lang="en-US" altLang="ko-KR" i="1">
+                                          <a:latin typeface="Cambria Math" panose="02040503050406030204" pitchFamily="18" charset="0"/>
+                                        </a:rPr>
+                                      </m:ctrlPr>
+                                    </m:funcPr>
+                                    <m:fName>
+                                      <m:sSup>
+                                        <m:sSupPr>
+                                          <m:ctrlPr>
+                                            <a:rPr lang="en-US" altLang="ko-KR" i="1">
+                                              <a:latin typeface="Cambria Math" panose="02040503050406030204" pitchFamily="18" charset="0"/>
+                                            </a:rPr>
+                                          </m:ctrlPr>
+                                        </m:sSupPr>
+                                        <m:e>
+                                          <m:r>
+                                            <m:rPr>
+                                              <m:sty m:val="p"/>
+                                            </m:rPr>
+                                            <a:rPr lang="en-US" altLang="ko-KR">
+                                              <a:latin typeface="Cambria Math" panose="02040503050406030204" pitchFamily="18" charset="0"/>
+                                            </a:rPr>
+                                            <m:t>sin</m:t>
+                                          </m:r>
+                                        </m:e>
+                                        <m:sup>
+                                          <m:r>
+                                            <a:rPr lang="en-US" altLang="ko-KR" i="1">
+                                              <a:latin typeface="Cambria Math" panose="02040503050406030204" pitchFamily="18" charset="0"/>
+                                            </a:rPr>
+                                            <m:t>2</m:t>
+                                          </m:r>
+                                        </m:sup>
+                                      </m:sSup>
+                                    </m:fName>
+                                    <m:e>
+                                      <m:sSub>
+                                        <m:sSubPr>
+                                          <m:ctrlPr>
+                                            <a:rPr lang="en-US" altLang="ko-KR" i="1">
+                                              <a:latin typeface="Cambria Math" panose="02040503050406030204" pitchFamily="18" charset="0"/>
+                                            </a:rPr>
+                                          </m:ctrlPr>
+                                        </m:sSubPr>
+                                        <m:e>
+                                          <m:r>
+                                            <a:rPr lang="en-US" altLang="ko-KR" i="1">
+                                              <a:latin typeface="Cambria Math" panose="02040503050406030204" pitchFamily="18" charset="0"/>
+                                            </a:rPr>
+                                            <m:t>𝜃</m:t>
+                                          </m:r>
+                                        </m:e>
+                                        <m:sub>
+                                          <m:r>
+                                            <a:rPr lang="en-US" altLang="ko-KR" i="1">
+                                              <a:latin typeface="Cambria Math" panose="02040503050406030204" pitchFamily="18" charset="0"/>
+                                            </a:rPr>
+                                            <m:t>𝑖</m:t>
+                                          </m:r>
+                                        </m:sub>
+                                      </m:sSub>
+                                    </m:e>
+                                  </m:func>
+                                </m:e>
+                              </m:d>
+                            </m:e>
+                            <m:sup>
+                              <m:r>
+                                <a:rPr lang="en-US" altLang="ko-KR" i="1">
+                                  <a:latin typeface="Cambria Math" panose="02040503050406030204" pitchFamily="18" charset="0"/>
+                                </a:rPr>
+                                <m:t>1/2</m:t>
+                              </m:r>
+                            </m:sup>
+                          </m:sSup>
+                          <m:r>
+                            <a:rPr lang="en-US" altLang="ko-KR" b="0" i="1" smtClean="0">
+                              <a:latin typeface="Cambria Math" panose="02040503050406030204" pitchFamily="18" charset="0"/>
+                            </a:rPr>
+                            <m:t>+</m:t>
+                          </m:r>
+                          <m:func>
+                            <m:funcPr>
+                              <m:ctrlPr>
+                                <a:rPr lang="en-US" altLang="ko-KR" i="1">
+                                  <a:latin typeface="Cambria Math" panose="02040503050406030204" pitchFamily="18" charset="0"/>
+                                </a:rPr>
+                              </m:ctrlPr>
+                            </m:funcPr>
+                            <m:fName>
+                              <m:r>
+                                <m:rPr>
+                                  <m:sty m:val="p"/>
+                                </m:rPr>
+                                <a:rPr lang="en-US" altLang="ko-KR">
+                                  <a:latin typeface="Cambria Math" panose="02040503050406030204" pitchFamily="18" charset="0"/>
+                                </a:rPr>
+                                <m:t>cos</m:t>
+                              </m:r>
+                            </m:fName>
+                            <m:e>
+                              <m:sSub>
+                                <m:sSubPr>
+                                  <m:ctrlPr>
+                                    <a:rPr lang="en-US" altLang="ko-KR" i="1">
+                                      <a:latin typeface="Cambria Math" panose="02040503050406030204" pitchFamily="18" charset="0"/>
+                                    </a:rPr>
+                                  </m:ctrlPr>
+                                </m:sSubPr>
+                                <m:e>
+                                  <m:r>
+                                    <a:rPr lang="en-US" altLang="ko-KR" i="1">
+                                      <a:latin typeface="Cambria Math" panose="02040503050406030204" pitchFamily="18" charset="0"/>
+                                    </a:rPr>
+                                    <m:t>𝜃</m:t>
+                                  </m:r>
+                                </m:e>
+                                <m:sub>
+                                  <m:r>
+                                    <a:rPr lang="en-US" altLang="ko-KR" i="1">
+                                      <a:latin typeface="Cambria Math" panose="02040503050406030204" pitchFamily="18" charset="0"/>
+                                    </a:rPr>
+                                    <m:t>𝑖</m:t>
+                                  </m:r>
+                                </m:sub>
+                              </m:sSub>
+                            </m:e>
+                          </m:func>
+                        </m:den>
+                      </m:f>
+                    </m:oMath>
+                  </m:oMathPara>
+                </a14:m>
+                <a:endParaRPr lang="ko-KR" altLang="en-US" dirty="0"/>
+              </a:p>
+            </p:txBody>
+          </p:sp>
+        </mc:Choice>
+        <mc:Fallback>
+          <p:sp>
+            <p:nvSpPr>
+              <p:cNvPr id="13" name="TextBox 12"/>
+              <p:cNvSpPr txBox="1">
+                <a:spLocks noRot="1" noChangeAspect="1" noMove="1" noResize="1" noEditPoints="1" noAdjustHandles="1" noChangeArrowheads="1" noChangeShapeType="1" noTextEdit="1"/>
+              </p:cNvSpPr>
+              <p:nvPr/>
+            </p:nvSpPr>
+            <p:spPr>
+              <a:xfrm>
+                <a:off x="4044847" y="734839"/>
+                <a:ext cx="4321055" cy="869341"/>
+              </a:xfrm>
+              <a:prstGeom prst="rect">
+                <a:avLst/>
+              </a:prstGeom>
+              <a:blipFill rotWithShape="0">
+                <a:blip r:embed="rId5"/>
+                <a:stretch>
+                  <a:fillRect b="-704"/>
+                </a:stretch>
+              </a:blipFill>
+            </p:spPr>
+            <p:txBody>
+              <a:bodyPr/>
+              <a:lstStyle/>
+              <a:p>
+                <a:r>
+                  <a:rPr lang="ko-KR" altLang="en-US">
+                    <a:noFill/>
+                  </a:rPr>
+                  <a:t> </a:t>
+                </a:r>
+              </a:p>
+            </p:txBody>
+          </p:sp>
+        </mc:Fallback>
+      </mc:AlternateContent>
+      <mc:AlternateContent xmlns:mc="http://schemas.openxmlformats.org/markup-compatibility/2006">
+        <mc:Choice xmlns:a14="http://schemas.microsoft.com/office/drawing/2010/main" Requires="a14">
+          <p:sp>
+            <p:nvSpPr>
+              <p:cNvPr id="14" name="TextBox 13"/>
+              <p:cNvSpPr txBox="1"/>
+              <p:nvPr/>
+            </p:nvSpPr>
+            <p:spPr>
+              <a:xfrm>
+                <a:off x="4044847" y="1604180"/>
+                <a:ext cx="5099153" cy="875881"/>
+              </a:xfrm>
+              <a:prstGeom prst="rect">
+                <a:avLst/>
+              </a:prstGeom>
+              <a:noFill/>
+            </p:spPr>
+            <p:txBody>
+              <a:bodyPr wrap="none" lIns="0" tIns="0" rIns="0" bIns="0" rtlCol="0">
+                <a:spAutoFit/>
+              </a:bodyPr>
+              <a:lstStyle/>
+              <a:p>
+                <a14:m>
+                  <m:oMathPara xmlns:m="http://schemas.openxmlformats.org/officeDocument/2006/math">
+                    <m:oMathParaPr>
+                      <m:jc m:val="centerGroup"/>
+                    </m:oMathParaPr>
+                    <m:oMath xmlns:m="http://schemas.openxmlformats.org/officeDocument/2006/math">
+                      <m:sSub>
+                        <m:sSubPr>
+                          <m:ctrlPr>
+                            <a:rPr lang="en-US" altLang="ko-KR" b="0" i="1" smtClean="0">
+                              <a:latin typeface="Cambria Math" panose="02040503050406030204" pitchFamily="18" charset="0"/>
+                            </a:rPr>
+                          </m:ctrlPr>
+                        </m:sSubPr>
+                        <m:e>
+                          <m:r>
+                            <a:rPr lang="en-US" altLang="ko-KR" b="0" i="1" smtClean="0">
+                              <a:latin typeface="Cambria Math" panose="02040503050406030204" pitchFamily="18" charset="0"/>
+                            </a:rPr>
+                            <m:t>𝑟</m:t>
+                          </m:r>
+                        </m:e>
+                        <m:sub>
+                          <m:r>
+                            <m:rPr>
+                              <m:sty m:val="p"/>
+                            </m:rPr>
+                            <a:rPr lang="en-US" altLang="ko-KR" b="0" i="0" smtClean="0">
+                              <a:latin typeface="Cambria Math" panose="02040503050406030204" pitchFamily="18" charset="0"/>
+                            </a:rPr>
+                            <m:t>sam</m:t>
+                          </m:r>
+                        </m:sub>
+                      </m:sSub>
+                      <m:r>
+                        <a:rPr lang="en-US" altLang="ko-KR" b="0" i="1" smtClean="0">
+                          <a:latin typeface="Cambria Math" panose="02040503050406030204" pitchFamily="18" charset="0"/>
+                        </a:rPr>
+                        <m:t>=</m:t>
+                      </m:r>
+                      <m:f>
+                        <m:fPr>
+                          <m:ctrlPr>
+                            <a:rPr lang="en-US" altLang="ko-KR" b="0" i="1" smtClean="0">
+                              <a:latin typeface="Cambria Math" panose="02040503050406030204" pitchFamily="18" charset="0"/>
+                            </a:rPr>
+                          </m:ctrlPr>
+                        </m:fPr>
+                        <m:num>
+                          <m:sSubSup>
+                            <m:sSubSupPr>
+                              <m:ctrlPr>
+                                <a:rPr lang="en-US" altLang="ko-KR" b="0" i="1" smtClean="0">
+                                  <a:latin typeface="Cambria Math" panose="02040503050406030204" pitchFamily="18" charset="0"/>
+                                </a:rPr>
+                              </m:ctrlPr>
+                            </m:sSubSupPr>
+                            <m:e>
+                              <m:r>
+                                <a:rPr lang="en-US" altLang="ko-KR" b="0" i="1" smtClean="0">
+                                  <a:latin typeface="Cambria Math" panose="02040503050406030204" pitchFamily="18" charset="0"/>
+                                </a:rPr>
+                                <m:t>𝜀</m:t>
+                              </m:r>
+                            </m:e>
+                            <m:sub>
+                              <m:r>
+                                <m:rPr>
+                                  <m:sty m:val="p"/>
+                                </m:rPr>
+                                <a:rPr lang="en-US" altLang="ko-KR" b="0" i="0" smtClean="0">
+                                  <a:latin typeface="Cambria Math" panose="02040503050406030204" pitchFamily="18" charset="0"/>
+                                </a:rPr>
+                                <m:t>prism</m:t>
+                              </m:r>
+                            </m:sub>
+                            <m:sup>
+                              <m:r>
+                                <a:rPr lang="en-US" altLang="ko-KR" b="0" i="1" smtClean="0">
+                                  <a:latin typeface="Cambria Math" panose="02040503050406030204" pitchFamily="18" charset="0"/>
+                                </a:rPr>
+                                <m:t>1/2</m:t>
+                              </m:r>
+                            </m:sup>
+                          </m:sSubSup>
+                          <m:sSup>
+                            <m:sSupPr>
+                              <m:ctrlPr>
+                                <a:rPr lang="en-US" altLang="ko-KR" b="0" i="1" smtClean="0">
+                                  <a:latin typeface="Cambria Math" panose="02040503050406030204" pitchFamily="18" charset="0"/>
+                                </a:rPr>
+                              </m:ctrlPr>
+                            </m:sSupPr>
+                            <m:e>
+                              <m:d>
+                                <m:dPr>
+                                  <m:ctrlPr>
+                                    <a:rPr lang="en-US" altLang="ko-KR" b="0" i="1" smtClean="0">
+                                      <a:latin typeface="Cambria Math" panose="02040503050406030204" pitchFamily="18" charset="0"/>
+                                    </a:rPr>
+                                  </m:ctrlPr>
+                                </m:dPr>
+                                <m:e>
+                                  <m:sSub>
+                                    <m:sSubPr>
+                                      <m:ctrlPr>
+                                        <a:rPr lang="en-US" altLang="ko-KR" b="0" smtClean="0">
+                                          <a:latin typeface="Cambria Math" panose="02040503050406030204" pitchFamily="18" charset="0"/>
+                                        </a:rPr>
+                                      </m:ctrlPr>
+                                    </m:sSubPr>
+                                    <m:e>
+                                      <m:r>
+                                        <m:rPr>
+                                          <m:sty m:val="p"/>
+                                        </m:rPr>
+                                        <a:rPr lang="en-US" altLang="ko-KR" b="0" i="0" smtClean="0">
+                                          <a:latin typeface="Cambria Math" panose="02040503050406030204" pitchFamily="18" charset="0"/>
+                                        </a:rPr>
+                                        <m:t>ε</m:t>
+                                      </m:r>
+                                    </m:e>
+                                    <m:sub>
+                                      <m:r>
+                                        <m:rPr>
+                                          <m:sty m:val="p"/>
+                                        </m:rPr>
+                                        <a:rPr lang="en-US" altLang="ko-KR" b="0" i="0" smtClean="0">
+                                          <a:latin typeface="Cambria Math" panose="02040503050406030204" pitchFamily="18" charset="0"/>
+                                        </a:rPr>
+                                        <m:t>sam</m:t>
+                                      </m:r>
+                                    </m:sub>
+                                  </m:sSub>
+                                  <m:r>
+                                    <a:rPr lang="en-US" altLang="ko-KR" b="0" i="1" smtClean="0">
+                                      <a:latin typeface="Cambria Math" panose="02040503050406030204" pitchFamily="18" charset="0"/>
+                                    </a:rPr>
+                                    <m:t>−</m:t>
+                                  </m:r>
+                                  <m:sSub>
+                                    <m:sSubPr>
+                                      <m:ctrlPr>
+                                        <a:rPr lang="en-US" altLang="ko-KR" b="0" i="1" smtClean="0">
+                                          <a:latin typeface="Cambria Math" panose="02040503050406030204" pitchFamily="18" charset="0"/>
+                                        </a:rPr>
+                                      </m:ctrlPr>
+                                    </m:sSubPr>
+                                    <m:e>
+                                      <m:r>
+                                        <a:rPr lang="en-US" altLang="ko-KR" b="0" i="1" smtClean="0">
+                                          <a:latin typeface="Cambria Math" panose="02040503050406030204" pitchFamily="18" charset="0"/>
+                                        </a:rPr>
+                                        <m:t>𝜀</m:t>
+                                      </m:r>
+                                    </m:e>
+                                    <m:sub>
+                                      <m:r>
+                                        <m:rPr>
+                                          <m:sty m:val="p"/>
+                                        </m:rPr>
+                                        <a:rPr lang="en-US" altLang="ko-KR" i="0">
+                                          <a:latin typeface="Cambria Math" panose="02040503050406030204" pitchFamily="18" charset="0"/>
+                                        </a:rPr>
+                                        <m:t>prism</m:t>
+                                      </m:r>
+                                    </m:sub>
+                                  </m:sSub>
+                                  <m:func>
+                                    <m:funcPr>
+                                      <m:ctrlPr>
+                                        <a:rPr lang="en-US" altLang="ko-KR" b="0" i="1" smtClean="0">
+                                          <a:latin typeface="Cambria Math" panose="02040503050406030204" pitchFamily="18" charset="0"/>
+                                        </a:rPr>
+                                      </m:ctrlPr>
+                                    </m:funcPr>
+                                    <m:fName>
+                                      <m:sSup>
+                                        <m:sSupPr>
+                                          <m:ctrlPr>
+                                            <a:rPr lang="en-US" altLang="ko-KR" b="0" i="1" smtClean="0">
+                                              <a:latin typeface="Cambria Math" panose="02040503050406030204" pitchFamily="18" charset="0"/>
+                                            </a:rPr>
+                                          </m:ctrlPr>
+                                        </m:sSupPr>
+                                        <m:e>
+                                          <m:r>
+                                            <m:rPr>
+                                              <m:sty m:val="p"/>
+                                            </m:rPr>
+                                            <a:rPr lang="en-US" altLang="ko-KR" b="0" i="0" smtClean="0">
+                                              <a:latin typeface="Cambria Math" panose="02040503050406030204" pitchFamily="18" charset="0"/>
+                                            </a:rPr>
+                                            <m:t>sin</m:t>
+                                          </m:r>
+                                        </m:e>
+                                        <m:sup>
+                                          <m:r>
+                                            <a:rPr lang="en-US" altLang="ko-KR" b="0" i="1" smtClean="0">
+                                              <a:latin typeface="Cambria Math" panose="02040503050406030204" pitchFamily="18" charset="0"/>
+                                            </a:rPr>
+                                            <m:t>2</m:t>
+                                          </m:r>
+                                        </m:sup>
+                                      </m:sSup>
+                                    </m:fName>
+                                    <m:e>
+                                      <m:sSub>
+                                        <m:sSubPr>
+                                          <m:ctrlPr>
+                                            <a:rPr lang="en-US" altLang="ko-KR" b="0" i="1" smtClean="0">
+                                              <a:latin typeface="Cambria Math" panose="02040503050406030204" pitchFamily="18" charset="0"/>
+                                            </a:rPr>
+                                          </m:ctrlPr>
+                                        </m:sSubPr>
+                                        <m:e>
+                                          <m:r>
+                                            <a:rPr lang="en-US" altLang="ko-KR" b="0" i="1" smtClean="0">
+                                              <a:latin typeface="Cambria Math" panose="02040503050406030204" pitchFamily="18" charset="0"/>
+                                            </a:rPr>
+                                            <m:t>𝜃</m:t>
+                                          </m:r>
+                                        </m:e>
+                                        <m:sub>
+                                          <m:r>
+                                            <a:rPr lang="en-US" altLang="ko-KR" b="0" i="1" smtClean="0">
+                                              <a:latin typeface="Cambria Math" panose="02040503050406030204" pitchFamily="18" charset="0"/>
+                                            </a:rPr>
+                                            <m:t>𝑖</m:t>
+                                          </m:r>
+                                        </m:sub>
+                                      </m:sSub>
+                                    </m:e>
+                                  </m:func>
+                                </m:e>
+                              </m:d>
+                            </m:e>
+                            <m:sup>
+                              <m:r>
+                                <a:rPr lang="en-US" altLang="ko-KR" b="0" i="1" smtClean="0">
+                                  <a:latin typeface="Cambria Math" panose="02040503050406030204" pitchFamily="18" charset="0"/>
+                                </a:rPr>
+                                <m:t>1/2</m:t>
+                              </m:r>
+                            </m:sup>
+                          </m:sSup>
+                          <m:r>
+                            <a:rPr lang="en-US" altLang="ko-KR" b="0" i="1" smtClean="0">
+                              <a:latin typeface="Cambria Math" panose="02040503050406030204" pitchFamily="18" charset="0"/>
+                            </a:rPr>
+                            <m:t>−</m:t>
+                          </m:r>
+                          <m:func>
+                            <m:funcPr>
+                              <m:ctrlPr>
+                                <a:rPr lang="en-US" altLang="ko-KR" b="0" i="1" smtClean="0">
+                                  <a:latin typeface="Cambria Math" panose="02040503050406030204" pitchFamily="18" charset="0"/>
+                                </a:rPr>
+                              </m:ctrlPr>
+                            </m:funcPr>
+                            <m:fName>
+                              <m:sSub>
+                                <m:sSubPr>
+                                  <m:ctrlPr>
+                                    <a:rPr lang="en-US" altLang="ko-KR" i="1">
+                                      <a:latin typeface="Cambria Math" panose="02040503050406030204" pitchFamily="18" charset="0"/>
+                                    </a:rPr>
+                                  </m:ctrlPr>
+                                </m:sSubPr>
+                                <m:e>
+                                  <m:r>
+                                    <m:rPr>
+                                      <m:sty m:val="p"/>
+                                    </m:rPr>
+                                    <a:rPr lang="en-US" altLang="ko-KR">
+                                      <a:latin typeface="Cambria Math" panose="02040503050406030204" pitchFamily="18" charset="0"/>
+                                    </a:rPr>
+                                    <m:t>ε</m:t>
+                                  </m:r>
+                                </m:e>
+                                <m:sub>
+                                  <m:r>
+                                    <m:rPr>
+                                      <m:sty m:val="p"/>
+                                    </m:rPr>
+                                    <a:rPr lang="en-US" altLang="ko-KR">
+                                      <a:latin typeface="Cambria Math" panose="02040503050406030204" pitchFamily="18" charset="0"/>
+                                    </a:rPr>
+                                    <m:t>sam</m:t>
+                                  </m:r>
+                                </m:sub>
+                              </m:sSub>
+                              <m:r>
+                                <m:rPr>
+                                  <m:sty m:val="p"/>
+                                </m:rPr>
+                                <a:rPr lang="en-US" altLang="ko-KR" b="0" i="0" smtClean="0">
+                                  <a:latin typeface="Cambria Math" panose="02040503050406030204" pitchFamily="18" charset="0"/>
+                                </a:rPr>
+                                <m:t>cos</m:t>
+                              </m:r>
+                            </m:fName>
+                            <m:e>
+                              <m:sSub>
+                                <m:sSubPr>
+                                  <m:ctrlPr>
+                                    <a:rPr lang="en-US" altLang="ko-KR" b="0" i="1" smtClean="0">
+                                      <a:latin typeface="Cambria Math" panose="02040503050406030204" pitchFamily="18" charset="0"/>
+                                    </a:rPr>
+                                  </m:ctrlPr>
+                                </m:sSubPr>
+                                <m:e>
+                                  <m:r>
+                                    <a:rPr lang="en-US" altLang="ko-KR" b="0" i="1" smtClean="0">
+                                      <a:latin typeface="Cambria Math" panose="02040503050406030204" pitchFamily="18" charset="0"/>
+                                    </a:rPr>
+                                    <m:t>𝜃</m:t>
+                                  </m:r>
+                                </m:e>
+                                <m:sub>
+                                  <m:r>
+                                    <a:rPr lang="en-US" altLang="ko-KR" b="0" i="1" smtClean="0">
+                                      <a:latin typeface="Cambria Math" panose="02040503050406030204" pitchFamily="18" charset="0"/>
+                                    </a:rPr>
+                                    <m:t>𝑖</m:t>
+                                  </m:r>
+                                </m:sub>
+                              </m:sSub>
+                            </m:e>
+                          </m:func>
+                        </m:num>
+                        <m:den>
+                          <m:sSubSup>
+                            <m:sSubSupPr>
+                              <m:ctrlPr>
+                                <a:rPr lang="en-US" altLang="ko-KR" i="1">
+                                  <a:latin typeface="Cambria Math" panose="02040503050406030204" pitchFamily="18" charset="0"/>
+                                </a:rPr>
+                              </m:ctrlPr>
+                            </m:sSubSupPr>
+                            <m:e>
+                              <m:r>
+                                <a:rPr lang="en-US" altLang="ko-KR" i="1">
+                                  <a:latin typeface="Cambria Math" panose="02040503050406030204" pitchFamily="18" charset="0"/>
+                                </a:rPr>
+                                <m:t>𝜀</m:t>
+                              </m:r>
+                            </m:e>
+                            <m:sub>
+                              <m:r>
+                                <m:rPr>
+                                  <m:sty m:val="p"/>
+                                </m:rPr>
+                                <a:rPr lang="en-US" altLang="ko-KR" i="0">
+                                  <a:latin typeface="Cambria Math" panose="02040503050406030204" pitchFamily="18" charset="0"/>
+                                </a:rPr>
+                                <m:t>prism</m:t>
+                              </m:r>
+                            </m:sub>
+                            <m:sup>
+                              <m:r>
+                                <a:rPr lang="en-US" altLang="ko-KR" i="1">
+                                  <a:latin typeface="Cambria Math" panose="02040503050406030204" pitchFamily="18" charset="0"/>
+                                </a:rPr>
+                                <m:t>1/2</m:t>
+                              </m:r>
+                            </m:sup>
+                          </m:sSubSup>
+                          <m:sSup>
+                            <m:sSupPr>
+                              <m:ctrlPr>
+                                <a:rPr lang="en-US" altLang="ko-KR" i="1">
+                                  <a:latin typeface="Cambria Math" panose="02040503050406030204" pitchFamily="18" charset="0"/>
+                                </a:rPr>
+                              </m:ctrlPr>
+                            </m:sSupPr>
+                            <m:e>
+                              <m:d>
+                                <m:dPr>
+                                  <m:ctrlPr>
+                                    <a:rPr lang="en-US" altLang="ko-KR" i="1">
+                                      <a:latin typeface="Cambria Math" panose="02040503050406030204" pitchFamily="18" charset="0"/>
+                                    </a:rPr>
+                                  </m:ctrlPr>
+                                </m:dPr>
+                                <m:e>
+                                  <m:sSub>
+                                    <m:sSubPr>
+                                      <m:ctrlPr>
+                                        <a:rPr lang="en-US" altLang="ko-KR" i="1">
+                                          <a:latin typeface="Cambria Math" panose="02040503050406030204" pitchFamily="18" charset="0"/>
+                                        </a:rPr>
+                                      </m:ctrlPr>
+                                    </m:sSubPr>
+                                    <m:e>
+                                      <m:r>
+                                        <m:rPr>
+                                          <m:sty m:val="p"/>
+                                        </m:rPr>
+                                        <a:rPr lang="en-US" altLang="ko-KR">
+                                          <a:latin typeface="Cambria Math" panose="02040503050406030204" pitchFamily="18" charset="0"/>
+                                        </a:rPr>
+                                        <m:t>ε</m:t>
+                                      </m:r>
+                                    </m:e>
+                                    <m:sub>
+                                      <m:r>
+                                        <m:rPr>
+                                          <m:sty m:val="p"/>
+                                        </m:rPr>
+                                        <a:rPr lang="en-US" altLang="ko-KR">
+                                          <a:latin typeface="Cambria Math" panose="02040503050406030204" pitchFamily="18" charset="0"/>
+                                        </a:rPr>
+                                        <m:t>sam</m:t>
+                                      </m:r>
+                                    </m:sub>
+                                  </m:sSub>
+                                  <m:r>
+                                    <a:rPr lang="en-US" altLang="ko-KR" i="1">
+                                      <a:latin typeface="Cambria Math" panose="02040503050406030204" pitchFamily="18" charset="0"/>
+                                    </a:rPr>
+                                    <m:t>−</m:t>
+                                  </m:r>
+                                  <m:sSub>
+                                    <m:sSubPr>
+                                      <m:ctrlPr>
+                                        <a:rPr lang="en-US" altLang="ko-KR" i="1">
+                                          <a:latin typeface="Cambria Math" panose="02040503050406030204" pitchFamily="18" charset="0"/>
+                                        </a:rPr>
+                                      </m:ctrlPr>
+                                    </m:sSubPr>
+                                    <m:e>
+                                      <m:r>
+                                        <a:rPr lang="en-US" altLang="ko-KR" i="1">
+                                          <a:latin typeface="Cambria Math" panose="02040503050406030204" pitchFamily="18" charset="0"/>
+                                        </a:rPr>
+                                        <m:t>𝜀</m:t>
+                                      </m:r>
+                                    </m:e>
+                                    <m:sub>
+                                      <m:r>
+                                        <m:rPr>
+                                          <m:sty m:val="p"/>
+                                        </m:rPr>
+                                        <a:rPr lang="en-US" altLang="ko-KR" i="0">
+                                          <a:latin typeface="Cambria Math" panose="02040503050406030204" pitchFamily="18" charset="0"/>
+                                        </a:rPr>
+                                        <m:t>prism</m:t>
+                                      </m:r>
+                                    </m:sub>
+                                  </m:sSub>
+                                  <m:func>
+                                    <m:funcPr>
+                                      <m:ctrlPr>
+                                        <a:rPr lang="en-US" altLang="ko-KR" i="1">
+                                          <a:latin typeface="Cambria Math" panose="02040503050406030204" pitchFamily="18" charset="0"/>
+                                        </a:rPr>
+                                      </m:ctrlPr>
+                                    </m:funcPr>
+                                    <m:fName>
+                                      <m:sSup>
+                                        <m:sSupPr>
+                                          <m:ctrlPr>
+                                            <a:rPr lang="en-US" altLang="ko-KR" i="1">
+                                              <a:latin typeface="Cambria Math" panose="02040503050406030204" pitchFamily="18" charset="0"/>
+                                            </a:rPr>
+                                          </m:ctrlPr>
+                                        </m:sSupPr>
+                                        <m:e>
+                                          <m:r>
+                                            <m:rPr>
+                                              <m:sty m:val="p"/>
+                                            </m:rPr>
+                                            <a:rPr lang="en-US" altLang="ko-KR">
+                                              <a:latin typeface="Cambria Math" panose="02040503050406030204" pitchFamily="18" charset="0"/>
+                                            </a:rPr>
+                                            <m:t>sin</m:t>
+                                          </m:r>
+                                        </m:e>
+                                        <m:sup>
+                                          <m:r>
+                                            <a:rPr lang="en-US" altLang="ko-KR" i="1">
+                                              <a:latin typeface="Cambria Math" panose="02040503050406030204" pitchFamily="18" charset="0"/>
+                                            </a:rPr>
+                                            <m:t>2</m:t>
+                                          </m:r>
+                                        </m:sup>
+                                      </m:sSup>
+                                    </m:fName>
+                                    <m:e>
+                                      <m:sSub>
+                                        <m:sSubPr>
+                                          <m:ctrlPr>
+                                            <a:rPr lang="en-US" altLang="ko-KR" i="1">
+                                              <a:latin typeface="Cambria Math" panose="02040503050406030204" pitchFamily="18" charset="0"/>
+                                            </a:rPr>
+                                          </m:ctrlPr>
+                                        </m:sSubPr>
+                                        <m:e>
+                                          <m:r>
+                                            <a:rPr lang="en-US" altLang="ko-KR" i="1">
+                                              <a:latin typeface="Cambria Math" panose="02040503050406030204" pitchFamily="18" charset="0"/>
+                                            </a:rPr>
+                                            <m:t>𝜃</m:t>
+                                          </m:r>
+                                        </m:e>
+                                        <m:sub>
+                                          <m:r>
+                                            <a:rPr lang="en-US" altLang="ko-KR" i="1">
+                                              <a:latin typeface="Cambria Math" panose="02040503050406030204" pitchFamily="18" charset="0"/>
+                                            </a:rPr>
+                                            <m:t>𝑖</m:t>
+                                          </m:r>
+                                        </m:sub>
+                                      </m:sSub>
+                                    </m:e>
+                                  </m:func>
+                                </m:e>
+                              </m:d>
+                            </m:e>
+                            <m:sup>
+                              <m:r>
+                                <a:rPr lang="en-US" altLang="ko-KR" i="1">
+                                  <a:latin typeface="Cambria Math" panose="02040503050406030204" pitchFamily="18" charset="0"/>
+                                </a:rPr>
+                                <m:t>1/2</m:t>
+                              </m:r>
+                            </m:sup>
+                          </m:sSup>
+                          <m:r>
+                            <a:rPr lang="en-US" altLang="ko-KR" b="0" i="1" smtClean="0">
+                              <a:latin typeface="Cambria Math" panose="02040503050406030204" pitchFamily="18" charset="0"/>
+                            </a:rPr>
+                            <m:t>+</m:t>
+                          </m:r>
+                          <m:sSub>
+                            <m:sSubPr>
+                              <m:ctrlPr>
+                                <a:rPr lang="en-US" altLang="ko-KR" i="1">
+                                  <a:latin typeface="Cambria Math" panose="02040503050406030204" pitchFamily="18" charset="0"/>
+                                </a:rPr>
+                              </m:ctrlPr>
+                            </m:sSubPr>
+                            <m:e>
+                              <m:r>
+                                <m:rPr>
+                                  <m:sty m:val="p"/>
+                                </m:rPr>
+                                <a:rPr lang="en-US" altLang="ko-KR">
+                                  <a:latin typeface="Cambria Math" panose="02040503050406030204" pitchFamily="18" charset="0"/>
+                                </a:rPr>
+                                <m:t>ε</m:t>
+                              </m:r>
+                            </m:e>
+                            <m:sub>
+                              <m:r>
+                                <m:rPr>
+                                  <m:sty m:val="p"/>
+                                </m:rPr>
+                                <a:rPr lang="en-US" altLang="ko-KR">
+                                  <a:latin typeface="Cambria Math" panose="02040503050406030204" pitchFamily="18" charset="0"/>
+                                </a:rPr>
+                                <m:t>sam</m:t>
+                              </m:r>
+                            </m:sub>
+                          </m:sSub>
+                          <m:func>
+                            <m:funcPr>
+                              <m:ctrlPr>
+                                <a:rPr lang="en-US" altLang="ko-KR" i="1">
+                                  <a:latin typeface="Cambria Math" panose="02040503050406030204" pitchFamily="18" charset="0"/>
+                                </a:rPr>
+                              </m:ctrlPr>
+                            </m:funcPr>
+                            <m:fName>
+                              <m:r>
+                                <m:rPr>
+                                  <m:sty m:val="p"/>
+                                </m:rPr>
+                                <a:rPr lang="en-US" altLang="ko-KR">
+                                  <a:latin typeface="Cambria Math" panose="02040503050406030204" pitchFamily="18" charset="0"/>
+                                </a:rPr>
+                                <m:t>cos</m:t>
+                              </m:r>
+                            </m:fName>
+                            <m:e>
+                              <m:sSub>
+                                <m:sSubPr>
+                                  <m:ctrlPr>
+                                    <a:rPr lang="en-US" altLang="ko-KR" i="1">
+                                      <a:latin typeface="Cambria Math" panose="02040503050406030204" pitchFamily="18" charset="0"/>
+                                    </a:rPr>
+                                  </m:ctrlPr>
+                                </m:sSubPr>
+                                <m:e>
+                                  <m:r>
+                                    <a:rPr lang="en-US" altLang="ko-KR" i="1">
+                                      <a:latin typeface="Cambria Math" panose="02040503050406030204" pitchFamily="18" charset="0"/>
+                                    </a:rPr>
+                                    <m:t>𝜃</m:t>
+                                  </m:r>
+                                </m:e>
+                                <m:sub>
+                                  <m:r>
+                                    <a:rPr lang="en-US" altLang="ko-KR" i="1">
+                                      <a:latin typeface="Cambria Math" panose="02040503050406030204" pitchFamily="18" charset="0"/>
+                                    </a:rPr>
+                                    <m:t>𝑖</m:t>
+                                  </m:r>
+                                </m:sub>
+                              </m:sSub>
+                            </m:e>
+                          </m:func>
+                        </m:den>
+                      </m:f>
+                    </m:oMath>
+                  </m:oMathPara>
+                </a14:m>
+                <a:endParaRPr lang="ko-KR" altLang="en-US" dirty="0"/>
+              </a:p>
+            </p:txBody>
+          </p:sp>
+        </mc:Choice>
+        <mc:Fallback>
+          <p:sp>
+            <p:nvSpPr>
+              <p:cNvPr id="14" name="TextBox 13"/>
+              <p:cNvSpPr txBox="1">
+                <a:spLocks noRot="1" noChangeAspect="1" noMove="1" noResize="1" noEditPoints="1" noAdjustHandles="1" noChangeArrowheads="1" noChangeShapeType="1" noTextEdit="1"/>
+              </p:cNvSpPr>
+              <p:nvPr/>
+            </p:nvSpPr>
+            <p:spPr>
+              <a:xfrm>
+                <a:off x="4044847" y="1604180"/>
+                <a:ext cx="5099153" cy="875881"/>
+              </a:xfrm>
+              <a:prstGeom prst="rect">
+                <a:avLst/>
+              </a:prstGeom>
+              <a:blipFill rotWithShape="0">
+                <a:blip r:embed="rId6"/>
+                <a:stretch>
+                  <a:fillRect/>
+                </a:stretch>
+              </a:blipFill>
+            </p:spPr>
+            <p:txBody>
+              <a:bodyPr/>
+              <a:lstStyle/>
+              <a:p>
+                <a:r>
+                  <a:rPr lang="ko-KR" altLang="en-US">
+                    <a:noFill/>
+                  </a:rPr>
+                  <a:t> </a:t>
+                </a:r>
+              </a:p>
+            </p:txBody>
+          </p:sp>
+        </mc:Fallback>
+      </mc:AlternateContent>
+      <mc:AlternateContent xmlns:mc="http://schemas.openxmlformats.org/markup-compatibility/2006">
+        <mc:Choice xmlns:a14="http://schemas.microsoft.com/office/drawing/2010/main" Requires="a14">
+          <p:sp>
+            <p:nvSpPr>
+              <p:cNvPr id="11" name="TextBox 10"/>
+              <p:cNvSpPr txBox="1"/>
+              <p:nvPr/>
+            </p:nvSpPr>
+            <p:spPr>
+              <a:xfrm>
+                <a:off x="3393290" y="2720040"/>
+                <a:ext cx="1303114" cy="521168"/>
+              </a:xfrm>
+              <a:prstGeom prst="rect">
+                <a:avLst/>
+              </a:prstGeom>
+              <a:noFill/>
+            </p:spPr>
+            <p:txBody>
+              <a:bodyPr wrap="none" lIns="0" tIns="0" rIns="0" bIns="0" rtlCol="0">
+                <a:spAutoFit/>
+              </a:bodyPr>
+              <a:lstStyle/>
+              <a:p>
+                <a14:m>
+                  <m:oMathPara xmlns:m="http://schemas.openxmlformats.org/officeDocument/2006/math">
+                    <m:oMathParaPr>
+                      <m:jc m:val="centerGroup"/>
+                    </m:oMathParaPr>
+                    <m:oMath xmlns:m="http://schemas.openxmlformats.org/officeDocument/2006/math">
+                      <m:r>
+                        <a:rPr lang="en-US" altLang="ko-KR" b="0" i="1" smtClean="0">
+                          <a:latin typeface="Cambria Math" panose="02040503050406030204" pitchFamily="18" charset="0"/>
+                        </a:rPr>
+                        <m:t>𝐻</m:t>
+                      </m:r>
+                      <m:d>
+                        <m:dPr>
+                          <m:ctrlPr>
+                            <a:rPr lang="en-US" altLang="ko-KR" b="0" i="1" smtClean="0">
+                              <a:latin typeface="Cambria Math" panose="02040503050406030204" pitchFamily="18" charset="0"/>
+                            </a:rPr>
+                          </m:ctrlPr>
+                        </m:dPr>
+                        <m:e>
+                          <m:r>
+                            <a:rPr lang="en-US" altLang="ko-KR" b="0" i="1" smtClean="0">
+                              <a:latin typeface="Cambria Math" panose="02040503050406030204" pitchFamily="18" charset="0"/>
+                            </a:rPr>
+                            <m:t>𝜔</m:t>
+                          </m:r>
+                        </m:e>
+                      </m:d>
+                      <m:r>
+                        <a:rPr lang="en-US" altLang="ko-KR" b="0" i="1" smtClean="0">
+                          <a:latin typeface="Cambria Math" panose="02040503050406030204" pitchFamily="18" charset="0"/>
+                        </a:rPr>
+                        <m:t>=</m:t>
+                      </m:r>
+                      <m:f>
+                        <m:fPr>
+                          <m:ctrlPr>
+                            <a:rPr lang="en-US" altLang="ko-KR" b="0" i="1" smtClean="0">
+                              <a:latin typeface="Cambria Math" panose="02040503050406030204" pitchFamily="18" charset="0"/>
+                            </a:rPr>
+                          </m:ctrlPr>
+                        </m:fPr>
+                        <m:num>
+                          <m:sSub>
+                            <m:sSubPr>
+                              <m:ctrlPr>
+                                <a:rPr lang="en-US" altLang="ko-KR" b="0" i="1" smtClean="0">
+                                  <a:latin typeface="Cambria Math" panose="02040503050406030204" pitchFamily="18" charset="0"/>
+                                </a:rPr>
+                              </m:ctrlPr>
+                            </m:sSubPr>
+                            <m:e>
+                              <m:r>
+                                <a:rPr lang="en-US" altLang="ko-KR" b="0" i="1" smtClean="0">
+                                  <a:latin typeface="Cambria Math" panose="02040503050406030204" pitchFamily="18" charset="0"/>
+                                </a:rPr>
+                                <m:t>𝑟</m:t>
+                              </m:r>
+                            </m:e>
+                            <m:sub>
+                              <m:r>
+                                <m:rPr>
+                                  <m:sty m:val="p"/>
+                                </m:rPr>
+                                <a:rPr lang="en-US" altLang="ko-KR" b="0" i="0" smtClean="0">
+                                  <a:latin typeface="Cambria Math" panose="02040503050406030204" pitchFamily="18" charset="0"/>
+                                </a:rPr>
+                                <m:t>sam</m:t>
+                              </m:r>
+                            </m:sub>
+                          </m:sSub>
+                        </m:num>
+                        <m:den>
+                          <m:sSub>
+                            <m:sSubPr>
+                              <m:ctrlPr>
+                                <a:rPr lang="en-US" altLang="ko-KR" b="0" i="1" smtClean="0">
+                                  <a:latin typeface="Cambria Math" panose="02040503050406030204" pitchFamily="18" charset="0"/>
+                                </a:rPr>
+                              </m:ctrlPr>
+                            </m:sSubPr>
+                            <m:e>
+                              <m:r>
+                                <a:rPr lang="en-US" altLang="ko-KR" b="0" i="1" smtClean="0">
+                                  <a:latin typeface="Cambria Math" panose="02040503050406030204" pitchFamily="18" charset="0"/>
+                                </a:rPr>
+                                <m:t>𝑟</m:t>
+                              </m:r>
+                            </m:e>
+                            <m:sub>
+                              <m:r>
+                                <m:rPr>
+                                  <m:sty m:val="p"/>
+                                </m:rPr>
+                                <a:rPr lang="en-US" altLang="ko-KR" b="0" i="0" smtClean="0">
+                                  <a:latin typeface="Cambria Math" panose="02040503050406030204" pitchFamily="18" charset="0"/>
+                                </a:rPr>
+                                <m:t>ref</m:t>
+                              </m:r>
+                            </m:sub>
+                          </m:sSub>
+                        </m:den>
+                      </m:f>
+                    </m:oMath>
+                  </m:oMathPara>
+                </a14:m>
+                <a:endParaRPr lang="ko-KR" altLang="en-US" dirty="0"/>
+              </a:p>
+            </p:txBody>
+          </p:sp>
+        </mc:Choice>
+        <mc:Fallback>
+          <p:sp>
+            <p:nvSpPr>
+              <p:cNvPr id="11" name="TextBox 10"/>
+              <p:cNvSpPr txBox="1">
+                <a:spLocks noRot="1" noChangeAspect="1" noMove="1" noResize="1" noEditPoints="1" noAdjustHandles="1" noChangeArrowheads="1" noChangeShapeType="1" noTextEdit="1"/>
+              </p:cNvSpPr>
+              <p:nvPr/>
+            </p:nvSpPr>
+            <p:spPr>
+              <a:xfrm>
+                <a:off x="3393290" y="2720040"/>
+                <a:ext cx="1303114" cy="521168"/>
+              </a:xfrm>
+              <a:prstGeom prst="rect">
+                <a:avLst/>
+              </a:prstGeom>
+              <a:blipFill rotWithShape="0">
+                <a:blip r:embed="rId7"/>
+                <a:stretch>
+                  <a:fillRect/>
+                </a:stretch>
+              </a:blipFill>
+            </p:spPr>
+            <p:txBody>
+              <a:bodyPr/>
+              <a:lstStyle/>
+              <a:p>
+                <a:r>
+                  <a:rPr lang="ko-KR" altLang="en-US">
+                    <a:noFill/>
+                  </a:rPr>
+                  <a:t> </a:t>
+                </a:r>
+              </a:p>
+            </p:txBody>
+          </p:sp>
+        </mc:Fallback>
+      </mc:AlternateContent>
+    </p:spTree>
+    <p:extLst>
+      <p:ext uri="{BB962C8B-B14F-4D97-AF65-F5344CB8AC3E}">
+        <p14:creationId xmlns:p14="http://schemas.microsoft.com/office/powerpoint/2010/main" val="4177878658"/>
+      </p:ext>
+    </p:extLst>
+  </p:cSld>
+  <p:clrMapOvr>
+    <a:masterClrMapping/>
+  </p:clrMapOvr>
+  <p:timing>
+    <p:tnLst>
+      <p:par>
+        <p:cTn id="1" dur="indefinite" restart="never" nodeType="tmRoot"/>
+      </p:par>
+    </p:tnLst>
+  </p:timing>
+</p:sld>
+</file>
+
+<file path=ppt/slides/slide14.xml><?xml version="1.0" encoding="utf-8"?>
+<p:sld xmlns:a="http://schemas.openxmlformats.org/drawingml/2006/main" xmlns:r="http://schemas.openxmlformats.org/officeDocument/2006/relationships" xmlns:p="http://schemas.openxmlformats.org/presentationml/2006/main">
+  <p:cSld>
+    <p:spTree>
+      <p:nvGrpSpPr>
+        <p:cNvPr id="1" name=""/>
+        <p:cNvGrpSpPr/>
+        <p:nvPr/>
+      </p:nvGrpSpPr>
+      <p:grpSpPr>
+        <a:xfrm>
+          <a:off x="0" y="0"/>
+          <a:ext cx="0" cy="0"/>
+          <a:chOff x="0" y="0"/>
+          <a:chExt cx="0" cy="0"/>
+        </a:xfrm>
+      </p:grpSpPr>
+      <p:sp>
+        <p:nvSpPr>
+          <p:cNvPr id="6199" name="Rectangle 55"/>
+          <p:cNvSpPr>
+            <a:spLocks noChangeArrowheads="1"/>
+          </p:cNvSpPr>
+          <p:nvPr/>
+        </p:nvSpPr>
+        <p:spPr bwMode="auto">
+          <a:xfrm>
+            <a:off x="0" y="0"/>
+            <a:ext cx="9144000" cy="692150"/>
+          </a:xfrm>
+          <a:prstGeom prst="rect">
+            <a:avLst/>
+          </a:prstGeom>
+          <a:solidFill>
+            <a:srgbClr val="3333FF"/>
+          </a:solidFill>
+          <a:ln>
+            <a:noFill/>
+          </a:ln>
+          <a:effectLst/>
+          <a:extLst>
+            <a:ext uri="{91240B29-F687-4F45-9708-019B960494DF}">
+              <a14:hiddenLine xmlns:a14="http://schemas.microsoft.com/office/drawing/2010/main" w="9525">
+                <a:solidFill>
+                  <a:schemeClr val="tx1"/>
+                </a:solidFill>
+                <a:miter lim="800000"/>
+                <a:headEnd/>
+                <a:tailEnd/>
+              </a14:hiddenLine>
+            </a:ext>
+            <a:ext uri="{AF507438-7753-43E0-B8FC-AC1667EBCBE1}">
+              <a14:hiddenEffects xmlns:a14="http://schemas.microsoft.com/office/drawing/2010/main">
+                <a:effectLst>
+                  <a:outerShdw dist="35921" dir="2700000" algn="ctr" rotWithShape="0">
+                    <a:schemeClr val="bg2"/>
+                  </a:outerShdw>
+                </a:effectLst>
+              </a14:hiddenEffects>
+            </a:ext>
+          </a:extLst>
+        </p:spPr>
+        <p:txBody>
+          <a:bodyPr wrap="none" anchor="ctr"/>
+          <a:lstStyle/>
+          <a:p>
+            <a:pPr algn="ctr"/>
+            <a:endParaRPr lang="en-US" altLang="ko-KR" sz="2800" dirty="0">
+              <a:solidFill>
+                <a:schemeClr val="bg1"/>
+              </a:solidFill>
+              <a:latin typeface="Arial" panose="020B0604020202020204" pitchFamily="34" charset="0"/>
+            </a:endParaRPr>
+          </a:p>
+        </p:txBody>
+      </p:sp>
+      <p:sp>
+        <p:nvSpPr>
+          <p:cNvPr id="2" name="직사각형 1"/>
+          <p:cNvSpPr/>
+          <p:nvPr/>
+        </p:nvSpPr>
+        <p:spPr>
+          <a:xfrm>
+            <a:off x="906897" y="2356104"/>
+            <a:ext cx="7330206" cy="2145792"/>
+          </a:xfrm>
+          <a:prstGeom prst="rect">
+            <a:avLst/>
+          </a:prstGeom>
+          <a:noFill/>
+          <a:ln w="38100">
+            <a:solidFill>
+              <a:srgbClr val="3333FF"/>
+            </a:solidFill>
+          </a:ln>
+        </p:spPr>
+        <p:style>
+          <a:lnRef idx="2">
+            <a:schemeClr val="accent1">
+              <a:shade val="50000"/>
+            </a:schemeClr>
+          </a:lnRef>
+          <a:fillRef idx="1">
+            <a:schemeClr val="accent1"/>
+          </a:fillRef>
+          <a:effectRef idx="0">
+            <a:schemeClr val="accent1"/>
+          </a:effectRef>
+          <a:fontRef idx="minor">
+            <a:schemeClr val="lt1"/>
+          </a:fontRef>
+        </p:style>
+        <p:txBody>
+          <a:bodyPr rtlCol="0" anchor="ctr"/>
+          <a:lstStyle/>
+          <a:p>
+            <a:pPr algn="ctr"/>
+            <a:r>
+              <a:rPr lang="en-US" altLang="ko-KR" sz="3600" dirty="0" smtClean="0">
+                <a:solidFill>
+                  <a:srgbClr val="3333FF"/>
+                </a:solidFill>
+                <a:latin typeface="Arial" panose="020B0604020202020204" pitchFamily="34" charset="0"/>
+              </a:rPr>
+              <a:t>Preprocessing and</a:t>
+            </a:r>
+          </a:p>
+          <a:p>
+            <a:pPr algn="ctr"/>
+            <a:r>
+              <a:rPr lang="en-US" altLang="ko-KR" sz="3600" dirty="0" err="1" smtClean="0">
+                <a:solidFill>
+                  <a:srgbClr val="3333FF"/>
+                </a:solidFill>
+                <a:latin typeface="Arial" panose="020B0604020202020204" pitchFamily="34" charset="0"/>
+              </a:rPr>
+              <a:t>Postprocessing</a:t>
+            </a:r>
+            <a:r>
+              <a:rPr lang="en-US" altLang="ko-KR" sz="3600" dirty="0" smtClean="0">
+                <a:solidFill>
+                  <a:srgbClr val="3333FF"/>
+                </a:solidFill>
+                <a:latin typeface="Arial" panose="020B0604020202020204" pitchFamily="34" charset="0"/>
+              </a:rPr>
+              <a:t> of Data</a:t>
+            </a:r>
+            <a:endParaRPr lang="ko-KR" altLang="en-US" sz="3600" dirty="0"/>
+          </a:p>
+        </p:txBody>
+      </p:sp>
+    </p:spTree>
+    <p:extLst>
+      <p:ext uri="{BB962C8B-B14F-4D97-AF65-F5344CB8AC3E}">
+        <p14:creationId xmlns:p14="http://schemas.microsoft.com/office/powerpoint/2010/main" val="3565030123"/>
+      </p:ext>
+    </p:extLst>
+  </p:cSld>
+  <p:clrMapOvr>
+    <a:masterClrMapping/>
+  </p:clrMapOvr>
+  <p:timing>
+    <p:tnLst>
+      <p:par>
+        <p:cTn id="1" dur="indefinite" restart="never" nodeType="tmRoot"/>
+      </p:par>
+    </p:tnLst>
+  </p:timing>
+</p:sld>
+</file>
+
+<file path=ppt/slides/slide15.xml><?xml version="1.0" encoding="utf-8"?>
+<p:sld xmlns:a="http://schemas.openxmlformats.org/drawingml/2006/main" xmlns:r="http://schemas.openxmlformats.org/officeDocument/2006/relationships" xmlns:p="http://schemas.openxmlformats.org/presentationml/2006/main">
+  <p:cSld>
+    <p:spTree>
+      <p:nvGrpSpPr>
+        <p:cNvPr id="1" name=""/>
+        <p:cNvGrpSpPr/>
+        <p:nvPr/>
+      </p:nvGrpSpPr>
+      <p:grpSpPr>
+        <a:xfrm>
+          <a:off x="0" y="0"/>
+          <a:ext cx="0" cy="0"/>
+          <a:chOff x="0" y="0"/>
+          <a:chExt cx="0" cy="0"/>
+        </a:xfrm>
+      </p:grpSpPr>
+      <p:sp>
+        <p:nvSpPr>
+          <p:cNvPr id="6199" name="Rectangle 55"/>
+          <p:cNvSpPr>
+            <a:spLocks noChangeArrowheads="1"/>
+          </p:cNvSpPr>
+          <p:nvPr/>
+        </p:nvSpPr>
+        <p:spPr bwMode="auto">
+          <a:xfrm>
+            <a:off x="0" y="0"/>
+            <a:ext cx="9144000" cy="692150"/>
+          </a:xfrm>
+          <a:prstGeom prst="rect">
+            <a:avLst/>
+          </a:prstGeom>
+          <a:solidFill>
+            <a:srgbClr val="3333FF"/>
+          </a:solidFill>
+          <a:ln>
+            <a:noFill/>
+          </a:ln>
+          <a:effectLst/>
+          <a:extLst>
+            <a:ext uri="{91240B29-F687-4F45-9708-019B960494DF}">
+              <a14:hiddenLine xmlns:a14="http://schemas.microsoft.com/office/drawing/2010/main" w="9525">
+                <a:solidFill>
+                  <a:schemeClr val="tx1"/>
+                </a:solidFill>
+                <a:miter lim="800000"/>
+                <a:headEnd/>
+                <a:tailEnd/>
+              </a14:hiddenLine>
+            </a:ext>
+            <a:ext uri="{AF507438-7753-43E0-B8FC-AC1667EBCBE1}">
+              <a14:hiddenEffects xmlns:a14="http://schemas.microsoft.com/office/drawing/2010/main">
+                <a:effectLst>
+                  <a:outerShdw dist="35921" dir="2700000" algn="ctr" rotWithShape="0">
+                    <a:schemeClr val="bg2"/>
+                  </a:outerShdw>
+                </a:effectLst>
+              </a14:hiddenEffects>
+            </a:ext>
+          </a:extLst>
+        </p:spPr>
+        <p:txBody>
+          <a:bodyPr wrap="none" anchor="ctr"/>
+          <a:lstStyle/>
+          <a:p>
+            <a:pPr algn="ctr"/>
+            <a:r>
+              <a:rPr lang="en-US" altLang="ko-KR" sz="2700" dirty="0" smtClean="0">
+                <a:solidFill>
+                  <a:schemeClr val="bg1"/>
+                </a:solidFill>
+                <a:latin typeface="Arial" panose="020B0604020202020204" pitchFamily="34" charset="0"/>
+              </a:rPr>
+              <a:t>3.1 Signal Averaging in the Time and Frequency Domains</a:t>
+            </a:r>
+            <a:endParaRPr lang="en-US" altLang="ko-KR" sz="2700" dirty="0" smtClean="0">
+              <a:solidFill>
+                <a:schemeClr val="bg1"/>
+              </a:solidFill>
+              <a:latin typeface="Arial" panose="020B0604020202020204" pitchFamily="34" charset="0"/>
+            </a:endParaRPr>
+          </a:p>
+        </p:txBody>
+      </p:sp>
+      <p:sp>
+        <p:nvSpPr>
+          <p:cNvPr id="8" name="TextBox 7"/>
+          <p:cNvSpPr txBox="1"/>
+          <p:nvPr/>
+        </p:nvSpPr>
+        <p:spPr>
+          <a:xfrm>
+            <a:off x="268165" y="6338128"/>
+            <a:ext cx="8607669" cy="415498"/>
+          </a:xfrm>
+          <a:prstGeom prst="rect">
+            <a:avLst/>
+          </a:prstGeom>
+          <a:noFill/>
+        </p:spPr>
+        <p:txBody>
+          <a:bodyPr wrap="square" rtlCol="0">
+            <a:spAutoFit/>
+          </a:bodyPr>
+          <a:lstStyle/>
+          <a:p>
+            <a:r>
+              <a:rPr lang="en-US" altLang="ko-KR" sz="1050" dirty="0">
+                <a:latin typeface="Times New Roman" panose="02020603050405020304" pitchFamily="18" charset="0"/>
+                <a:cs typeface="Times New Roman" panose="02020603050405020304" pitchFamily="18" charset="0"/>
+              </a:rPr>
+              <a:t>Fischer, B. M., M. Hoffmann, and P. U. Jepsen, “Dynamic Range and Numerical Error Propagation in Terahertz Time-Domain Spectroscopy,” in </a:t>
+            </a:r>
+            <a:r>
+              <a:rPr lang="en-US" altLang="ko-KR" sz="1050" i="1" dirty="0">
+                <a:latin typeface="Times New Roman" panose="02020603050405020304" pitchFamily="18" charset="0"/>
+                <a:cs typeface="Times New Roman" panose="02020603050405020304" pitchFamily="18" charset="0"/>
+              </a:rPr>
+              <a:t>Optical Terahertz Science and Technology, Technical Digest (CD). </a:t>
+            </a:r>
+            <a:r>
+              <a:rPr lang="en-US" altLang="ko-KR" sz="1050" dirty="0">
+                <a:latin typeface="Times New Roman" panose="02020603050405020304" pitchFamily="18" charset="0"/>
+                <a:cs typeface="Times New Roman" panose="02020603050405020304" pitchFamily="18" charset="0"/>
+              </a:rPr>
+              <a:t>Optical Society of America, 2005, paper TuD1.</a:t>
+            </a:r>
+          </a:p>
+        </p:txBody>
+      </p:sp>
+      <p:sp>
+        <p:nvSpPr>
+          <p:cNvPr id="9" name="TextBox 8"/>
+          <p:cNvSpPr txBox="1"/>
+          <p:nvPr/>
+        </p:nvSpPr>
+        <p:spPr>
+          <a:xfrm>
+            <a:off x="345758" y="834251"/>
+            <a:ext cx="8560849" cy="369332"/>
+          </a:xfrm>
+          <a:prstGeom prst="rect">
+            <a:avLst/>
+          </a:prstGeom>
+          <a:noFill/>
+        </p:spPr>
+        <p:txBody>
+          <a:bodyPr wrap="square" rtlCol="0">
+            <a:spAutoFit/>
+          </a:bodyPr>
+          <a:lstStyle/>
+          <a:p>
+            <a:r>
+              <a:rPr lang="en-US" altLang="ko-KR" dirty="0" smtClean="0"/>
+              <a:t>The averaging is </a:t>
+            </a:r>
+            <a:r>
+              <a:rPr lang="en-US" altLang="ko-KR" dirty="0" smtClean="0">
+                <a:solidFill>
+                  <a:srgbClr val="3333FF"/>
+                </a:solidFill>
+              </a:rPr>
+              <a:t>effective in the time domain</a:t>
+            </a:r>
+            <a:r>
+              <a:rPr lang="en-US" altLang="ko-KR" dirty="0" smtClean="0"/>
+              <a:t>, but not in the frequency domain</a:t>
+            </a:r>
+            <a:endParaRPr lang="ko-KR" altLang="en-US" dirty="0">
+              <a:solidFill>
+                <a:srgbClr val="3333FF"/>
+              </a:solidFill>
+            </a:endParaRPr>
+          </a:p>
+        </p:txBody>
+      </p:sp>
+      <p:pic>
+        <p:nvPicPr>
+          <p:cNvPr id="10" name="그림 9"/>
+          <p:cNvPicPr>
+            <a:picLocks noChangeAspect="1"/>
+          </p:cNvPicPr>
+          <p:nvPr/>
+        </p:nvPicPr>
+        <p:blipFill>
+          <a:blip r:embed="rId3"/>
+          <a:stretch>
+            <a:fillRect/>
+          </a:stretch>
+        </p:blipFill>
+        <p:spPr>
+          <a:xfrm>
+            <a:off x="1334947" y="3597521"/>
+            <a:ext cx="6474106" cy="2603344"/>
+          </a:xfrm>
+          <a:prstGeom prst="rect">
+            <a:avLst/>
+          </a:prstGeom>
+        </p:spPr>
+      </p:pic>
+      <p:pic>
+        <p:nvPicPr>
+          <p:cNvPr id="12" name="그림 11"/>
+          <p:cNvPicPr>
+            <a:picLocks noChangeAspect="1"/>
+          </p:cNvPicPr>
+          <p:nvPr/>
+        </p:nvPicPr>
+        <p:blipFill>
+          <a:blip r:embed="rId4"/>
+          <a:stretch>
+            <a:fillRect/>
+          </a:stretch>
+        </p:blipFill>
+        <p:spPr>
+          <a:xfrm>
+            <a:off x="2784195" y="1203583"/>
+            <a:ext cx="3575611" cy="2393938"/>
+          </a:xfrm>
+          <a:prstGeom prst="rect">
+            <a:avLst/>
+          </a:prstGeom>
+        </p:spPr>
+      </p:pic>
+    </p:spTree>
+    <p:extLst>
+      <p:ext uri="{BB962C8B-B14F-4D97-AF65-F5344CB8AC3E}">
+        <p14:creationId xmlns:p14="http://schemas.microsoft.com/office/powerpoint/2010/main" val="720543820"/>
+      </p:ext>
+    </p:extLst>
+  </p:cSld>
+  <p:clrMapOvr>
+    <a:masterClrMapping/>
+  </p:clrMapOvr>
+  <p:timing>
+    <p:tnLst>
+      <p:par>
+        <p:cTn id="1" dur="indefinite" restart="never" nodeType="tmRoot"/>
+      </p:par>
+    </p:tnLst>
+  </p:timing>
+</p:sld>
+</file>
+
+<file path=ppt/slides/slide16.xml><?xml version="1.0" encoding="utf-8"?>
+<p:sld xmlns:a="http://schemas.openxmlformats.org/drawingml/2006/main" xmlns:r="http://schemas.openxmlformats.org/officeDocument/2006/relationships" xmlns:p="http://schemas.openxmlformats.org/presentationml/2006/main">
+  <p:cSld>
+    <p:spTree>
+      <p:nvGrpSpPr>
+        <p:cNvPr id="1" name=""/>
+        <p:cNvGrpSpPr/>
+        <p:nvPr/>
+      </p:nvGrpSpPr>
+      <p:grpSpPr>
+        <a:xfrm>
+          <a:off x="0" y="0"/>
+          <a:ext cx="0" cy="0"/>
+          <a:chOff x="0" y="0"/>
+          <a:chExt cx="0" cy="0"/>
+        </a:xfrm>
+      </p:grpSpPr>
+      <p:sp>
+        <p:nvSpPr>
+          <p:cNvPr id="6199" name="Rectangle 55"/>
+          <p:cNvSpPr>
+            <a:spLocks noChangeArrowheads="1"/>
+          </p:cNvSpPr>
+          <p:nvPr/>
+        </p:nvSpPr>
+        <p:spPr bwMode="auto">
+          <a:xfrm>
+            <a:off x="0" y="0"/>
+            <a:ext cx="9144000" cy="692150"/>
+          </a:xfrm>
+          <a:prstGeom prst="rect">
+            <a:avLst/>
+          </a:prstGeom>
+          <a:solidFill>
+            <a:srgbClr val="3333FF"/>
+          </a:solidFill>
+          <a:ln>
+            <a:noFill/>
+          </a:ln>
+          <a:effectLst/>
+          <a:extLst>
+            <a:ext uri="{91240B29-F687-4F45-9708-019B960494DF}">
+              <a14:hiddenLine xmlns:a14="http://schemas.microsoft.com/office/drawing/2010/main" w="9525">
+                <a:solidFill>
+                  <a:schemeClr val="tx1"/>
+                </a:solidFill>
+                <a:miter lim="800000"/>
+                <a:headEnd/>
+                <a:tailEnd/>
+              </a14:hiddenLine>
+            </a:ext>
+            <a:ext uri="{AF507438-7753-43E0-B8FC-AC1667EBCBE1}">
+              <a14:hiddenEffects xmlns:a14="http://schemas.microsoft.com/office/drawing/2010/main">
+                <a:effectLst>
+                  <a:outerShdw dist="35921" dir="2700000" algn="ctr" rotWithShape="0">
+                    <a:schemeClr val="bg2"/>
+                  </a:outerShdw>
+                </a:effectLst>
+              </a14:hiddenEffects>
+            </a:ext>
+          </a:extLst>
+        </p:spPr>
+        <p:txBody>
+          <a:bodyPr wrap="none" anchor="ctr"/>
+          <a:lstStyle/>
+          <a:p>
+            <a:pPr algn="ctr"/>
+            <a:r>
+              <a:rPr lang="en-US" altLang="ko-KR" sz="2700" dirty="0" smtClean="0">
+                <a:solidFill>
+                  <a:schemeClr val="bg1"/>
+                </a:solidFill>
+                <a:latin typeface="Arial" panose="020B0604020202020204" pitchFamily="34" charset="0"/>
+              </a:rPr>
+              <a:t>3.2 Signal </a:t>
+            </a:r>
+            <a:r>
+              <a:rPr lang="en-US" altLang="ko-KR" sz="2700" dirty="0" err="1" smtClean="0">
+                <a:solidFill>
+                  <a:schemeClr val="bg1"/>
+                </a:solidFill>
+                <a:latin typeface="Arial" panose="020B0604020202020204" pitchFamily="34" charset="0"/>
+              </a:rPr>
+              <a:t>Denoising</a:t>
+            </a:r>
+            <a:endParaRPr lang="en-US" altLang="ko-KR" sz="2700" dirty="0" smtClean="0">
+              <a:solidFill>
+                <a:schemeClr val="bg1"/>
+              </a:solidFill>
+              <a:latin typeface="Arial" panose="020B0604020202020204" pitchFamily="34" charset="0"/>
+            </a:endParaRPr>
+          </a:p>
+        </p:txBody>
+      </p:sp>
+      <p:sp>
+        <p:nvSpPr>
+          <p:cNvPr id="8" name="TextBox 7"/>
+          <p:cNvSpPr txBox="1"/>
+          <p:nvPr/>
+        </p:nvSpPr>
+        <p:spPr>
+          <a:xfrm>
+            <a:off x="268165" y="6338128"/>
+            <a:ext cx="8607669" cy="415498"/>
+          </a:xfrm>
+          <a:prstGeom prst="rect">
+            <a:avLst/>
+          </a:prstGeom>
+          <a:noFill/>
+        </p:spPr>
+        <p:txBody>
+          <a:bodyPr wrap="square" rtlCol="0">
+            <a:spAutoFit/>
+          </a:bodyPr>
+          <a:lstStyle/>
+          <a:p>
+            <a:r>
+              <a:rPr lang="en-US" altLang="ko-KR" sz="1050" dirty="0">
+                <a:latin typeface="Times New Roman" panose="02020603050405020304" pitchFamily="18" charset="0"/>
+                <a:cs typeface="Times New Roman" panose="02020603050405020304" pitchFamily="18" charset="0"/>
+              </a:rPr>
+              <a:t>Fischer, B. M., M. Hoffmann, and P. U. Jepsen, “Dynamic Range and Numerical Error Propagation in Terahertz Time-Domain Spectroscopy,” in </a:t>
+            </a:r>
+            <a:r>
+              <a:rPr lang="en-US" altLang="ko-KR" sz="1050" i="1" dirty="0">
+                <a:latin typeface="Times New Roman" panose="02020603050405020304" pitchFamily="18" charset="0"/>
+                <a:cs typeface="Times New Roman" panose="02020603050405020304" pitchFamily="18" charset="0"/>
+              </a:rPr>
+              <a:t>Optical Terahertz Science and Technology, Technical Digest (CD). </a:t>
+            </a:r>
+            <a:r>
+              <a:rPr lang="en-US" altLang="ko-KR" sz="1050" dirty="0">
+                <a:latin typeface="Times New Roman" panose="02020603050405020304" pitchFamily="18" charset="0"/>
+                <a:cs typeface="Times New Roman" panose="02020603050405020304" pitchFamily="18" charset="0"/>
+              </a:rPr>
+              <a:t>Optical Society of America, 2005, paper TuD1.</a:t>
+            </a:r>
+          </a:p>
+        </p:txBody>
+      </p:sp>
+      <p:sp>
+        <p:nvSpPr>
+          <p:cNvPr id="9" name="TextBox 8"/>
+          <p:cNvSpPr txBox="1"/>
+          <p:nvPr/>
+        </p:nvSpPr>
+        <p:spPr>
+          <a:xfrm>
+            <a:off x="345758" y="834251"/>
+            <a:ext cx="8560849" cy="646331"/>
+          </a:xfrm>
+          <a:prstGeom prst="rect">
+            <a:avLst/>
+          </a:prstGeom>
+          <a:noFill/>
+        </p:spPr>
+        <p:txBody>
+          <a:bodyPr wrap="square" rtlCol="0">
+            <a:spAutoFit/>
+          </a:bodyPr>
+          <a:lstStyle/>
+          <a:p>
+            <a:r>
+              <a:rPr lang="en-US" altLang="ko-KR" dirty="0" smtClean="0"/>
+              <a:t>Noise in a terahertz signal could be reduced by </a:t>
+            </a:r>
+            <a:r>
+              <a:rPr lang="en-US" altLang="ko-KR" dirty="0" smtClean="0">
+                <a:solidFill>
+                  <a:srgbClr val="3333FF"/>
+                </a:solidFill>
+              </a:rPr>
+              <a:t>digital signal processing</a:t>
+            </a:r>
+            <a:r>
+              <a:rPr lang="en-US" altLang="ko-KR" dirty="0" smtClean="0"/>
+              <a:t> techniques in addition to signal averaging.</a:t>
+            </a:r>
+            <a:endParaRPr lang="ko-KR" altLang="en-US" dirty="0">
+              <a:solidFill>
+                <a:srgbClr val="3333FF"/>
+              </a:solidFill>
+            </a:endParaRPr>
+          </a:p>
+        </p:txBody>
+      </p:sp>
+    </p:spTree>
+    <p:extLst>
+      <p:ext uri="{BB962C8B-B14F-4D97-AF65-F5344CB8AC3E}">
+        <p14:creationId xmlns:p14="http://schemas.microsoft.com/office/powerpoint/2010/main" val="1423108730"/>
+      </p:ext>
+    </p:extLst>
+  </p:cSld>
+  <p:clrMapOvr>
+    <a:masterClrMapping/>
+  </p:clrMapOvr>
+  <p:timing>
+    <p:tnLst>
+      <p:par>
+        <p:cTn id="1" dur="indefinite" restart="never" nodeType="tmRoot"/>
+      </p:par>
+    </p:tnLst>
+  </p:timing>
+</p:sld>
+</file>
+
+<file path=ppt/slides/slide17.xml><?xml version="1.0" encoding="utf-8"?>
+<p:sld xmlns:a="http://schemas.openxmlformats.org/drawingml/2006/main" xmlns:r="http://schemas.openxmlformats.org/officeDocument/2006/relationships" xmlns:p="http://schemas.openxmlformats.org/presentationml/2006/main">
+  <p:cSld>
+    <p:spTree>
+      <p:nvGrpSpPr>
+        <p:cNvPr id="1" name=""/>
+        <p:cNvGrpSpPr/>
+        <p:nvPr/>
+      </p:nvGrpSpPr>
+      <p:grpSpPr>
+        <a:xfrm>
+          <a:off x="0" y="0"/>
+          <a:ext cx="0" cy="0"/>
+          <a:chOff x="0" y="0"/>
+          <a:chExt cx="0" cy="0"/>
+        </a:xfrm>
+      </p:grpSpPr>
+      <p:sp>
+        <p:nvSpPr>
+          <p:cNvPr id="6199" name="Rectangle 55"/>
+          <p:cNvSpPr>
+            <a:spLocks noChangeArrowheads="1"/>
+          </p:cNvSpPr>
+          <p:nvPr/>
+        </p:nvSpPr>
+        <p:spPr bwMode="auto">
+          <a:xfrm>
+            <a:off x="0" y="0"/>
+            <a:ext cx="9144000" cy="692150"/>
+          </a:xfrm>
+          <a:prstGeom prst="rect">
+            <a:avLst/>
+          </a:prstGeom>
+          <a:solidFill>
+            <a:srgbClr val="3333FF"/>
+          </a:solidFill>
+          <a:ln>
+            <a:noFill/>
+          </a:ln>
+          <a:effectLst/>
+          <a:extLst>
+            <a:ext uri="{91240B29-F687-4F45-9708-019B960494DF}">
+              <a14:hiddenLine xmlns:a14="http://schemas.microsoft.com/office/drawing/2010/main" w="9525">
+                <a:solidFill>
+                  <a:schemeClr val="tx1"/>
+                </a:solidFill>
+                <a:miter lim="800000"/>
+                <a:headEnd/>
+                <a:tailEnd/>
+              </a14:hiddenLine>
+            </a:ext>
+            <a:ext uri="{AF507438-7753-43E0-B8FC-AC1667EBCBE1}">
+              <a14:hiddenEffects xmlns:a14="http://schemas.microsoft.com/office/drawing/2010/main">
+                <a:effectLst>
+                  <a:outerShdw dist="35921" dir="2700000" algn="ctr" rotWithShape="0">
+                    <a:schemeClr val="bg2"/>
+                  </a:outerShdw>
+                </a:effectLst>
+              </a14:hiddenEffects>
+            </a:ext>
+          </a:extLst>
+        </p:spPr>
+        <p:txBody>
+          <a:bodyPr wrap="none" anchor="ctr"/>
+          <a:lstStyle/>
+          <a:p>
+            <a:pPr algn="ctr"/>
+            <a:r>
+              <a:rPr lang="en-US" altLang="ko-KR" sz="2700" dirty="0" smtClean="0">
+                <a:solidFill>
+                  <a:schemeClr val="bg1"/>
+                </a:solidFill>
+                <a:latin typeface="Arial" panose="020B0604020202020204" pitchFamily="34" charset="0"/>
+              </a:rPr>
+              <a:t>3.3 Phase Unwrapping</a:t>
+            </a:r>
+            <a:endParaRPr lang="en-US" altLang="ko-KR" sz="2700" dirty="0" smtClean="0">
+              <a:solidFill>
+                <a:schemeClr val="bg1"/>
+              </a:solidFill>
+              <a:latin typeface="Arial" panose="020B0604020202020204" pitchFamily="34" charset="0"/>
+            </a:endParaRPr>
+          </a:p>
+        </p:txBody>
+      </p:sp>
+      <p:sp>
+        <p:nvSpPr>
+          <p:cNvPr id="8" name="TextBox 7"/>
+          <p:cNvSpPr txBox="1"/>
+          <p:nvPr/>
+        </p:nvSpPr>
+        <p:spPr>
+          <a:xfrm>
+            <a:off x="268165" y="6338128"/>
+            <a:ext cx="8607669" cy="415498"/>
+          </a:xfrm>
+          <a:prstGeom prst="rect">
+            <a:avLst/>
+          </a:prstGeom>
+          <a:noFill/>
+        </p:spPr>
+        <p:txBody>
+          <a:bodyPr wrap="square" rtlCol="0">
+            <a:spAutoFit/>
+          </a:bodyPr>
+          <a:lstStyle/>
+          <a:p>
+            <a:r>
+              <a:rPr lang="en-US" altLang="ko-KR" sz="1050" dirty="0">
+                <a:latin typeface="Times New Roman" panose="02020603050405020304" pitchFamily="18" charset="0"/>
+                <a:cs typeface="Times New Roman" panose="02020603050405020304" pitchFamily="18" charset="0"/>
+              </a:rPr>
+              <a:t>Fischer, B. M., M. Hoffmann, and P. U. Jepsen, “Dynamic Range and Numerical Error Propagation in Terahertz Time-Domain Spectroscopy,” in </a:t>
+            </a:r>
+            <a:r>
+              <a:rPr lang="en-US" altLang="ko-KR" sz="1050" i="1" dirty="0">
+                <a:latin typeface="Times New Roman" panose="02020603050405020304" pitchFamily="18" charset="0"/>
+                <a:cs typeface="Times New Roman" panose="02020603050405020304" pitchFamily="18" charset="0"/>
+              </a:rPr>
+              <a:t>Optical Terahertz Science and Technology, Technical Digest (CD). </a:t>
+            </a:r>
+            <a:r>
+              <a:rPr lang="en-US" altLang="ko-KR" sz="1050" dirty="0">
+                <a:latin typeface="Times New Roman" panose="02020603050405020304" pitchFamily="18" charset="0"/>
+                <a:cs typeface="Times New Roman" panose="02020603050405020304" pitchFamily="18" charset="0"/>
+              </a:rPr>
+              <a:t>Optical Society of America, 2005, paper TuD1.</a:t>
+            </a:r>
+          </a:p>
+        </p:txBody>
+      </p:sp>
+      <p:sp>
+        <p:nvSpPr>
+          <p:cNvPr id="9" name="TextBox 8"/>
+          <p:cNvSpPr txBox="1"/>
+          <p:nvPr/>
+        </p:nvSpPr>
+        <p:spPr>
+          <a:xfrm>
+            <a:off x="345758" y="834251"/>
+            <a:ext cx="8560849" cy="646331"/>
+          </a:xfrm>
+          <a:prstGeom prst="rect">
+            <a:avLst/>
+          </a:prstGeom>
+          <a:noFill/>
+        </p:spPr>
+        <p:txBody>
+          <a:bodyPr wrap="square" rtlCol="0">
+            <a:spAutoFit/>
+          </a:bodyPr>
+          <a:lstStyle/>
+          <a:p>
+            <a:r>
+              <a:rPr lang="en-US" altLang="ko-KR" dirty="0" smtClean="0"/>
+              <a:t>In most case the assumption of a linear phase is sufficient. Phase-jumping causes discontinuities in a phase spectrum</a:t>
+            </a:r>
+            <a:endParaRPr lang="ko-KR" altLang="en-US" dirty="0">
+              <a:solidFill>
+                <a:srgbClr val="3333FF"/>
+              </a:solidFill>
+            </a:endParaRPr>
+          </a:p>
+        </p:txBody>
+      </p:sp>
+    </p:spTree>
+    <p:extLst>
+      <p:ext uri="{BB962C8B-B14F-4D97-AF65-F5344CB8AC3E}">
+        <p14:creationId xmlns:p14="http://schemas.microsoft.com/office/powerpoint/2010/main" val="1806746010"/>
+      </p:ext>
+    </p:extLst>
+  </p:cSld>
+  <p:clrMapOvr>
+    <a:masterClrMapping/>
+  </p:clrMapOvr>
+  <p:timing>
+    <p:tnLst>
+      <p:par>
+        <p:cTn id="1" dur="indefinite" restart="never" nodeType="tmRoot"/>
+      </p:par>
+    </p:tnLst>
+  </p:timing>
+</p:sld>
+</file>
+
+<file path=ppt/slides/slide18.xml><?xml version="1.0" encoding="utf-8"?>
+<p:sld xmlns:a="http://schemas.openxmlformats.org/drawingml/2006/main" xmlns:r="http://schemas.openxmlformats.org/officeDocument/2006/relationships" xmlns:p="http://schemas.openxmlformats.org/presentationml/2006/main">
+  <p:cSld>
+    <p:spTree>
+      <p:nvGrpSpPr>
+        <p:cNvPr id="1" name=""/>
+        <p:cNvGrpSpPr/>
+        <p:nvPr/>
+      </p:nvGrpSpPr>
+      <p:grpSpPr>
+        <a:xfrm>
+          <a:off x="0" y="0"/>
+          <a:ext cx="0" cy="0"/>
+          <a:chOff x="0" y="0"/>
+          <a:chExt cx="0" cy="0"/>
+        </a:xfrm>
+      </p:grpSpPr>
+      <p:sp>
+        <p:nvSpPr>
+          <p:cNvPr id="6199" name="Rectangle 55"/>
+          <p:cNvSpPr>
+            <a:spLocks noChangeArrowheads="1"/>
+          </p:cNvSpPr>
+          <p:nvPr/>
+        </p:nvSpPr>
+        <p:spPr bwMode="auto">
+          <a:xfrm>
+            <a:off x="0" y="0"/>
+            <a:ext cx="9144000" cy="692150"/>
+          </a:xfrm>
+          <a:prstGeom prst="rect">
+            <a:avLst/>
+          </a:prstGeom>
+          <a:solidFill>
+            <a:srgbClr val="3333FF"/>
+          </a:solidFill>
+          <a:ln>
+            <a:noFill/>
+          </a:ln>
+          <a:effectLst/>
+          <a:extLst>
+            <a:ext uri="{91240B29-F687-4F45-9708-019B960494DF}">
+              <a14:hiddenLine xmlns:a14="http://schemas.microsoft.com/office/drawing/2010/main" w="9525">
+                <a:solidFill>
+                  <a:schemeClr val="tx1"/>
+                </a:solidFill>
+                <a:miter lim="800000"/>
+                <a:headEnd/>
+                <a:tailEnd/>
+              </a14:hiddenLine>
+            </a:ext>
+            <a:ext uri="{AF507438-7753-43E0-B8FC-AC1667EBCBE1}">
+              <a14:hiddenEffects xmlns:a14="http://schemas.microsoft.com/office/drawing/2010/main">
+                <a:effectLst>
+                  <a:outerShdw dist="35921" dir="2700000" algn="ctr" rotWithShape="0">
+                    <a:schemeClr val="bg2"/>
+                  </a:outerShdw>
+                </a:effectLst>
+              </a14:hiddenEffects>
+            </a:ext>
+          </a:extLst>
+        </p:spPr>
+        <p:txBody>
+          <a:bodyPr wrap="none" anchor="ctr"/>
+          <a:lstStyle/>
+          <a:p>
+            <a:pPr algn="ctr"/>
+            <a:endParaRPr lang="en-US" altLang="ko-KR" sz="2800" dirty="0">
+              <a:solidFill>
+                <a:schemeClr val="bg1"/>
+              </a:solidFill>
+              <a:latin typeface="Arial" panose="020B0604020202020204" pitchFamily="34" charset="0"/>
+            </a:endParaRPr>
+          </a:p>
+        </p:txBody>
+      </p:sp>
+      <p:sp>
+        <p:nvSpPr>
+          <p:cNvPr id="2" name="직사각형 1"/>
+          <p:cNvSpPr/>
+          <p:nvPr/>
+        </p:nvSpPr>
+        <p:spPr>
+          <a:xfrm>
+            <a:off x="906897" y="2356104"/>
+            <a:ext cx="7330206" cy="2145792"/>
+          </a:xfrm>
+          <a:prstGeom prst="rect">
+            <a:avLst/>
+          </a:prstGeom>
+          <a:noFill/>
+          <a:ln w="38100">
+            <a:solidFill>
+              <a:srgbClr val="3333FF"/>
+            </a:solidFill>
+          </a:ln>
+        </p:spPr>
+        <p:style>
+          <a:lnRef idx="2">
+            <a:schemeClr val="accent1">
+              <a:shade val="50000"/>
+            </a:schemeClr>
+          </a:lnRef>
+          <a:fillRef idx="1">
+            <a:schemeClr val="accent1"/>
+          </a:fillRef>
+          <a:effectRef idx="0">
+            <a:schemeClr val="accent1"/>
+          </a:effectRef>
+          <a:fontRef idx="minor">
+            <a:schemeClr val="lt1"/>
+          </a:fontRef>
+        </p:style>
+        <p:txBody>
+          <a:bodyPr rtlCol="0" anchor="ctr"/>
+          <a:lstStyle/>
+          <a:p>
+            <a:pPr algn="ctr"/>
+            <a:r>
+              <a:rPr lang="en-US" altLang="ko-KR" sz="3600" dirty="0" smtClean="0">
+                <a:solidFill>
+                  <a:srgbClr val="3333FF"/>
+                </a:solidFill>
+                <a:latin typeface="Arial" panose="020B0604020202020204" pitchFamily="34" charset="0"/>
+              </a:rPr>
+              <a:t>Sample Requirements</a:t>
+            </a:r>
+            <a:endParaRPr lang="ko-KR" altLang="en-US" sz="3600" dirty="0"/>
+          </a:p>
+        </p:txBody>
+      </p:sp>
+    </p:spTree>
+    <p:extLst>
+      <p:ext uri="{BB962C8B-B14F-4D97-AF65-F5344CB8AC3E}">
+        <p14:creationId xmlns:p14="http://schemas.microsoft.com/office/powerpoint/2010/main" val="72386611"/>
+      </p:ext>
+    </p:extLst>
+  </p:cSld>
+  <p:clrMapOvr>
+    <a:masterClrMapping/>
+  </p:clrMapOvr>
+  <p:timing>
+    <p:tnLst>
+      <p:par>
+        <p:cTn id="1" dur="indefinite" restart="never" nodeType="tmRoot"/>
+      </p:par>
+    </p:tnLst>
+  </p:timing>
+</p:sld>
+</file>
+
+<file path=ppt/slides/slide19.xml><?xml version="1.0" encoding="utf-8"?>
+<p:sld xmlns:a="http://schemas.openxmlformats.org/drawingml/2006/main" xmlns:r="http://schemas.openxmlformats.org/officeDocument/2006/relationships" xmlns:p="http://schemas.openxmlformats.org/presentationml/2006/main">
+  <p:cSld>
+    <p:spTree>
+      <p:nvGrpSpPr>
+        <p:cNvPr id="1" name=""/>
+        <p:cNvGrpSpPr/>
+        <p:nvPr/>
+      </p:nvGrpSpPr>
+      <p:grpSpPr>
+        <a:xfrm>
+          <a:off x="0" y="0"/>
+          <a:ext cx="0" cy="0"/>
+          <a:chOff x="0" y="0"/>
+          <a:chExt cx="0" cy="0"/>
+        </a:xfrm>
+      </p:grpSpPr>
+      <p:sp>
+        <p:nvSpPr>
+          <p:cNvPr id="6199" name="Rectangle 55"/>
+          <p:cNvSpPr>
+            <a:spLocks noChangeArrowheads="1"/>
+          </p:cNvSpPr>
+          <p:nvPr/>
+        </p:nvSpPr>
+        <p:spPr bwMode="auto">
+          <a:xfrm>
+            <a:off x="0" y="0"/>
+            <a:ext cx="9144000" cy="692150"/>
+          </a:xfrm>
+          <a:prstGeom prst="rect">
+            <a:avLst/>
+          </a:prstGeom>
+          <a:solidFill>
+            <a:srgbClr val="3333FF"/>
+          </a:solidFill>
+          <a:ln>
+            <a:noFill/>
+          </a:ln>
+          <a:effectLst/>
+          <a:extLst>
+            <a:ext uri="{91240B29-F687-4F45-9708-019B960494DF}">
+              <a14:hiddenLine xmlns:a14="http://schemas.microsoft.com/office/drawing/2010/main" w="9525">
+                <a:solidFill>
+                  <a:schemeClr val="tx1"/>
+                </a:solidFill>
+                <a:miter lim="800000"/>
+                <a:headEnd/>
+                <a:tailEnd/>
+              </a14:hiddenLine>
+            </a:ext>
+            <a:ext uri="{AF507438-7753-43E0-B8FC-AC1667EBCBE1}">
+              <a14:hiddenEffects xmlns:a14="http://schemas.microsoft.com/office/drawing/2010/main">
+                <a:effectLst>
+                  <a:outerShdw dist="35921" dir="2700000" algn="ctr" rotWithShape="0">
+                    <a:schemeClr val="bg2"/>
+                  </a:outerShdw>
+                </a:effectLst>
+              </a14:hiddenEffects>
+            </a:ext>
+          </a:extLst>
+        </p:spPr>
+        <p:txBody>
+          <a:bodyPr wrap="none" anchor="ctr"/>
+          <a:lstStyle/>
+          <a:p>
+            <a:pPr algn="ctr"/>
+            <a:r>
+              <a:rPr lang="en-US" altLang="ko-KR" sz="2800" dirty="0" smtClean="0">
+                <a:solidFill>
+                  <a:schemeClr val="bg1"/>
+                </a:solidFill>
+                <a:latin typeface="Arial" panose="020B0604020202020204" pitchFamily="34" charset="0"/>
+              </a:rPr>
               <a:t>References</a:t>
             </a:r>
             <a:endParaRPr lang="en-US" altLang="ko-KR" sz="2800" dirty="0">
@@ -5383,7 +12406,7 @@
         <p:spPr>
           <a:xfrm>
             <a:off x="268165" y="1362807"/>
-            <a:ext cx="8607669" cy="923330"/>
+            <a:ext cx="8607669" cy="3970318"/>
           </a:xfrm>
           <a:prstGeom prst="rect">
             <a:avLst/>
@@ -5454,7 +12477,150 @@
                 <a:latin typeface="Times New Roman" panose="02020603050405020304" pitchFamily="18" charset="0"/>
                 <a:cs typeface="Times New Roman" panose="02020603050405020304" pitchFamily="18" charset="0"/>
               </a:rPr>
-              <a:t>, Vol. 18, No. 7, 2001, pp. 1562-1571.</a:t>
+              <a:t>, Vol. 18, No. 7, 2001, pp. 1562-1571</a:t>
+            </a:r>
+            <a:r>
+              <a:rPr lang="en-US" altLang="ko-KR" dirty="0" smtClean="0">
+                <a:latin typeface="Times New Roman" panose="02020603050405020304" pitchFamily="18" charset="0"/>
+                <a:cs typeface="Times New Roman" panose="02020603050405020304" pitchFamily="18" charset="0"/>
+              </a:rPr>
+              <a:t>.</a:t>
+            </a:r>
+          </a:p>
+          <a:p>
+            <a:pPr marL="285750" indent="-285750">
+              <a:buFont typeface="Arial" panose="020B0604020202020204" pitchFamily="34" charset="0"/>
+              <a:buChar char="•"/>
+            </a:pPr>
+            <a:r>
+              <a:rPr lang="en-US" altLang="ko-KR" dirty="0" err="1" smtClean="0">
+                <a:latin typeface="Times New Roman" panose="02020603050405020304" pitchFamily="18" charset="0"/>
+                <a:cs typeface="Times New Roman" panose="02020603050405020304" pitchFamily="18" charset="0"/>
+              </a:rPr>
+              <a:t>Gatesman</a:t>
+            </a:r>
+            <a:r>
+              <a:rPr lang="en-US" altLang="ko-KR" dirty="0" smtClean="0">
+                <a:latin typeface="Times New Roman" panose="02020603050405020304" pitchFamily="18" charset="0"/>
+                <a:cs typeface="Times New Roman" panose="02020603050405020304" pitchFamily="18" charset="0"/>
+              </a:rPr>
+              <a:t>, A. J., R. H. Giles, and J. Waldman, “High-Precision Reflectometer for Submillimeter wavelength,” </a:t>
+            </a:r>
+            <a:r>
+              <a:rPr lang="en-US" altLang="ko-KR" i="1" dirty="0" smtClean="0">
+                <a:latin typeface="Times New Roman" panose="02020603050405020304" pitchFamily="18" charset="0"/>
+                <a:cs typeface="Times New Roman" panose="02020603050405020304" pitchFamily="18" charset="0"/>
+              </a:rPr>
+              <a:t>Journal of the Optical Society of America B: Optical Physics</a:t>
+            </a:r>
+            <a:r>
+              <a:rPr lang="en-US" altLang="ko-KR" dirty="0" smtClean="0">
+                <a:latin typeface="Times New Roman" panose="02020603050405020304" pitchFamily="18" charset="0"/>
+                <a:cs typeface="Times New Roman" panose="02020603050405020304" pitchFamily="18" charset="0"/>
+              </a:rPr>
+              <a:t>, Vol. 12, No. 2, 1995, pp. 212-219.</a:t>
+            </a:r>
+          </a:p>
+          <a:p>
+            <a:pPr marL="285750" indent="-285750">
+              <a:buFont typeface="Arial" panose="020B0604020202020204" pitchFamily="34" charset="0"/>
+              <a:buChar char="•"/>
+            </a:pPr>
+            <a:r>
+              <a:rPr lang="en-US" altLang="ko-KR" dirty="0" err="1" smtClean="0">
+                <a:latin typeface="Times New Roman" panose="02020603050405020304" pitchFamily="18" charset="0"/>
+                <a:cs typeface="Times New Roman" panose="02020603050405020304" pitchFamily="18" charset="0"/>
+              </a:rPr>
+              <a:t>Møller</a:t>
+            </a:r>
+            <a:r>
+              <a:rPr lang="en-US" altLang="ko-KR" dirty="0" smtClean="0">
+                <a:latin typeface="Times New Roman" panose="02020603050405020304" pitchFamily="18" charset="0"/>
+                <a:cs typeface="Times New Roman" panose="02020603050405020304" pitchFamily="18" charset="0"/>
+              </a:rPr>
+              <a:t>, U., et al., “Terahertz Reflection Spectroscopy of Debye Relaxation in Polar Liquids,” </a:t>
+            </a:r>
+            <a:r>
+              <a:rPr lang="en-US" altLang="ko-KR" i="1" dirty="0" smtClean="0">
+                <a:latin typeface="Times New Roman" panose="02020603050405020304" pitchFamily="18" charset="0"/>
+                <a:cs typeface="Times New Roman" panose="02020603050405020304" pitchFamily="18" charset="0"/>
+              </a:rPr>
+              <a:t>JOSA B</a:t>
+            </a:r>
+            <a:r>
+              <a:rPr lang="en-US" altLang="ko-KR" dirty="0" smtClean="0">
+                <a:latin typeface="Times New Roman" panose="02020603050405020304" pitchFamily="18" charset="0"/>
+                <a:cs typeface="Times New Roman" panose="02020603050405020304" pitchFamily="18" charset="0"/>
+              </a:rPr>
+              <a:t>, Vol. 26, No. 9, 2009, pp. A113-A125.</a:t>
+            </a:r>
+          </a:p>
+          <a:p>
+            <a:pPr marL="285750" indent="-285750">
+              <a:buFont typeface="Arial" panose="020B0604020202020204" pitchFamily="34" charset="0"/>
+              <a:buChar char="•"/>
+            </a:pPr>
+            <a:r>
+              <a:rPr lang="en-US" altLang="ko-KR" dirty="0" smtClean="0">
+                <a:latin typeface="Times New Roman" panose="02020603050405020304" pitchFamily="18" charset="0"/>
+                <a:cs typeface="Times New Roman" panose="02020603050405020304" pitchFamily="18" charset="0"/>
+              </a:rPr>
+              <a:t>Nagai, </a:t>
+            </a:r>
+            <a:r>
+              <a:rPr lang="en-US" altLang="ko-KR" dirty="0" err="1" smtClean="0">
+                <a:latin typeface="Times New Roman" panose="02020603050405020304" pitchFamily="18" charset="0"/>
+                <a:cs typeface="Times New Roman" panose="02020603050405020304" pitchFamily="18" charset="0"/>
+              </a:rPr>
+              <a:t>M.m</a:t>
+            </a:r>
+            <a:r>
+              <a:rPr lang="en-US" altLang="ko-KR" dirty="0" smtClean="0">
+                <a:latin typeface="Times New Roman" panose="02020603050405020304" pitchFamily="18" charset="0"/>
+                <a:cs typeface="Times New Roman" panose="02020603050405020304" pitchFamily="18" charset="0"/>
+              </a:rPr>
+              <a:t> et al, “Terahertz Time-Domain Attenuated Total Reflection Spectroscopy in Water and Biological Solution,” </a:t>
+            </a:r>
+            <a:r>
+              <a:rPr lang="en-US" altLang="ko-KR" i="1" dirty="0" smtClean="0">
+                <a:latin typeface="Times New Roman" panose="02020603050405020304" pitchFamily="18" charset="0"/>
+                <a:cs typeface="Times New Roman" panose="02020603050405020304" pitchFamily="18" charset="0"/>
+              </a:rPr>
+              <a:t>International Journal of Infrared and Millimeter Waves</a:t>
+            </a:r>
+            <a:r>
+              <a:rPr lang="en-US" altLang="ko-KR" dirty="0" smtClean="0">
+                <a:latin typeface="Times New Roman" panose="02020603050405020304" pitchFamily="18" charset="0"/>
+                <a:cs typeface="Times New Roman" panose="02020603050405020304" pitchFamily="18" charset="0"/>
+              </a:rPr>
+              <a:t>, Vol. 27, No. 4, 2006, pp. 505-515.</a:t>
+            </a:r>
+          </a:p>
+          <a:p>
+            <a:pPr marL="285750" indent="-285750">
+              <a:buFont typeface="Arial" panose="020B0604020202020204" pitchFamily="34" charset="0"/>
+              <a:buChar char="•"/>
+            </a:pPr>
+            <a:r>
+              <a:rPr lang="en-US" altLang="ko-KR" dirty="0" smtClean="0">
+                <a:latin typeface="Times New Roman" panose="02020603050405020304" pitchFamily="18" charset="0"/>
+                <a:cs typeface="Times New Roman" panose="02020603050405020304" pitchFamily="18" charset="0"/>
+              </a:rPr>
+              <a:t>Fischer, B. M., M. Hoffmann, and P. U. Jepsen, “Dynamic Range and Numerical Error Propagation in Terahertz Time-Domain Spectroscopy,” in </a:t>
+            </a:r>
+            <a:r>
+              <a:rPr lang="en-US" altLang="ko-KR" i="1" dirty="0" smtClean="0">
+                <a:latin typeface="Times New Roman" panose="02020603050405020304" pitchFamily="18" charset="0"/>
+                <a:cs typeface="Times New Roman" panose="02020603050405020304" pitchFamily="18" charset="0"/>
+              </a:rPr>
+              <a:t>Optical Terahertz Science and Technology, Technical Digest (CD). </a:t>
+            </a:r>
+            <a:r>
+              <a:rPr lang="en-US" altLang="ko-KR" dirty="0" smtClean="0">
+                <a:latin typeface="Times New Roman" panose="02020603050405020304" pitchFamily="18" charset="0"/>
+                <a:cs typeface="Times New Roman" panose="02020603050405020304" pitchFamily="18" charset="0"/>
+              </a:rPr>
+              <a:t>Optical Society of America, 2005, paper TuD1.</a:t>
             </a:r>
             <a:endParaRPr lang="en-US" altLang="ko-KR" dirty="0" smtClean="0">
               <a:latin typeface="Times New Roman" panose="02020603050405020304" pitchFamily="18" charset="0"/>
@@ -10464,8 +17630,8 @@
           </a:prstGeom>
         </p:spPr>
       </p:pic>
-      <mc:AlternateContent xmlns:mc="http://schemas.openxmlformats.org/markup-compatibility/2006">
-        <mc:Choice xmlns:a14="http://schemas.microsoft.com/office/drawing/2010/main" Requires="a14">
+      <mc:AlternateContent xmlns:mc="http://schemas.openxmlformats.org/markup-compatibility/2006" xmlns:a14="http://schemas.microsoft.com/office/drawing/2010/main">
+        <mc:Choice Requires="a14">
           <p:sp>
             <p:nvSpPr>
               <p:cNvPr id="4" name="TextBox 3"/>
@@ -10488,6 +17654,7 @@
               </a:bodyPr>
               <a:lstStyle/>
               <a:p>
+                <a:pPr/>
                 <a14:m>
                   <m:oMathPara xmlns:m="http://schemas.openxmlformats.org/officeDocument/2006/math">
                     <m:oMathParaPr>
@@ -10576,7 +17743,7 @@
             </p:txBody>
           </p:sp>
         </mc:Choice>
-        <mc:Fallback>
+        <mc:Fallback xmlns="">
           <p:sp>
             <p:nvSpPr>
               <p:cNvPr id="4" name="TextBox 3"/>
@@ -10615,8 +17782,8 @@
           </p:sp>
         </mc:Fallback>
       </mc:AlternateContent>
-      <mc:AlternateContent xmlns:mc="http://schemas.openxmlformats.org/markup-compatibility/2006">
-        <mc:Choice xmlns:a14="http://schemas.microsoft.com/office/drawing/2010/main" Requires="a14">
+      <mc:AlternateContent xmlns:mc="http://schemas.openxmlformats.org/markup-compatibility/2006" xmlns:a14="http://schemas.microsoft.com/office/drawing/2010/main">
+        <mc:Choice Requires="a14">
           <p:sp>
             <p:nvSpPr>
               <p:cNvPr id="5" name="TextBox 4"/>
@@ -10639,6 +17806,7 @@
               </a:bodyPr>
               <a:lstStyle/>
               <a:p>
+                <a:pPr/>
                 <a14:m>
                   <m:oMathPara xmlns:m="http://schemas.openxmlformats.org/officeDocument/2006/math">
                     <m:oMathParaPr>
@@ -10727,7 +17895,7 @@
             </p:txBody>
           </p:sp>
         </mc:Choice>
-        <mc:Fallback>
+        <mc:Fallback xmlns="">
           <p:sp>
             <p:nvSpPr>
               <p:cNvPr id="5" name="TextBox 4"/>
@@ -11023,49 +18191,13 @@
                 </a:solidFill>
                 <a:latin typeface="Arial" panose="020B0604020202020204" pitchFamily="34" charset="0"/>
               </a:rPr>
-              <a:t>2.1 </a:t>
-            </a:r>
-            <a:r>
-              <a:rPr lang="en-US" altLang="ko-KR" sz="2800" dirty="0" smtClean="0">
-                <a:solidFill>
-                  <a:schemeClr val="bg1"/>
-                </a:solidFill>
-                <a:latin typeface="Arial" panose="020B0604020202020204" pitchFamily="34" charset="0"/>
-              </a:rPr>
-              <a:t>Transmission-Mode </a:t>
-            </a:r>
-            <a:r>
-              <a:rPr lang="en-US" altLang="ko-KR" sz="2800" dirty="0" smtClean="0">
-                <a:solidFill>
-                  <a:schemeClr val="bg1"/>
-                </a:solidFill>
-                <a:latin typeface="Arial" panose="020B0604020202020204" pitchFamily="34" charset="0"/>
-              </a:rPr>
-              <a:t>Terahertz </a:t>
-            </a:r>
-            <a:r>
-              <a:rPr lang="en-US" altLang="ko-KR" sz="2800" dirty="0" smtClean="0">
-                <a:solidFill>
-                  <a:schemeClr val="bg1"/>
-                </a:solidFill>
-                <a:latin typeface="Arial" panose="020B0604020202020204" pitchFamily="34" charset="0"/>
-              </a:rPr>
-              <a:t>TDS: </a:t>
-            </a:r>
-            <a:r>
-              <a:rPr lang="en-US" altLang="ko-KR" sz="2800" dirty="0" smtClean="0">
-                <a:solidFill>
-                  <a:schemeClr val="bg1"/>
-                </a:solidFill>
-                <a:latin typeface="Arial" panose="020B0604020202020204" pitchFamily="34" charset="0"/>
-              </a:rPr>
-              <a:t>Approximation</a:t>
+              <a:t>2.1 Transmission-Mode Terahertz TDS: Approximation</a:t>
             </a:r>
           </a:p>
         </p:txBody>
       </p:sp>
-      <mc:AlternateContent xmlns:mc="http://schemas.openxmlformats.org/markup-compatibility/2006">
-        <mc:Choice xmlns:a14="http://schemas.microsoft.com/office/drawing/2010/main" Requires="a14">
+      <mc:AlternateContent xmlns:mc="http://schemas.openxmlformats.org/markup-compatibility/2006" xmlns:a14="http://schemas.microsoft.com/office/drawing/2010/main">
+        <mc:Choice Requires="a14">
           <p:sp>
             <p:nvSpPr>
               <p:cNvPr id="2" name="TextBox 1"/>
@@ -11088,6 +18220,7 @@
               </a:bodyPr>
               <a:lstStyle/>
               <a:p>
+                <a:pPr/>
                 <a14:m>
                   <m:oMathPara xmlns:m="http://schemas.openxmlformats.org/officeDocument/2006/math">
                     <m:oMathParaPr>
@@ -11498,7 +18631,7 @@
             </p:txBody>
           </p:sp>
         </mc:Choice>
-        <mc:Fallback>
+        <mc:Fallback xmlns="">
           <p:sp>
             <p:nvSpPr>
               <p:cNvPr id="2" name="TextBox 1"/>
@@ -11537,8 +18670,8 @@
           </p:sp>
         </mc:Fallback>
       </mc:AlternateContent>
-      <mc:AlternateContent xmlns:mc="http://schemas.openxmlformats.org/markup-compatibility/2006">
-        <mc:Choice xmlns:a14="http://schemas.microsoft.com/office/drawing/2010/main" Requires="a14">
+      <mc:AlternateContent xmlns:mc="http://schemas.openxmlformats.org/markup-compatibility/2006" xmlns:a14="http://schemas.microsoft.com/office/drawing/2010/main">
+        <mc:Choice Requires="a14">
           <p:sp>
             <p:nvSpPr>
               <p:cNvPr id="3" name="TextBox 2"/>
@@ -11561,6 +18694,7 @@
               </a:bodyPr>
               <a:lstStyle/>
               <a:p>
+                <a:pPr/>
                 <a14:m>
                   <m:oMathPara xmlns:m="http://schemas.openxmlformats.org/officeDocument/2006/math">
                     <m:oMathParaPr>
@@ -11777,7 +18911,7 @@
             </p:txBody>
           </p:sp>
         </mc:Choice>
-        <mc:Fallback>
+        <mc:Fallback xmlns="">
           <p:sp>
             <p:nvSpPr>
               <p:cNvPr id="3" name="TextBox 2"/>
@@ -11816,8 +18950,8 @@
           </p:sp>
         </mc:Fallback>
       </mc:AlternateContent>
-      <mc:AlternateContent xmlns:mc="http://schemas.openxmlformats.org/markup-compatibility/2006">
-        <mc:Choice xmlns:a14="http://schemas.microsoft.com/office/drawing/2010/main" Requires="a14">
+      <mc:AlternateContent xmlns:mc="http://schemas.openxmlformats.org/markup-compatibility/2006" xmlns:a14="http://schemas.microsoft.com/office/drawing/2010/main">
+        <mc:Choice Requires="a14">
           <p:sp>
             <p:nvSpPr>
               <p:cNvPr id="4" name="TextBox 3"/>
@@ -11840,6 +18974,7 @@
               </a:bodyPr>
               <a:lstStyle/>
               <a:p>
+                <a:pPr/>
                 <a14:m>
                   <m:oMathPara xmlns:m="http://schemas.openxmlformats.org/officeDocument/2006/math">
                     <m:oMathParaPr>
@@ -12359,7 +19494,7 @@
             </p:txBody>
           </p:sp>
         </mc:Choice>
-        <mc:Fallback>
+        <mc:Fallback xmlns="">
           <p:sp>
             <p:nvSpPr>
               <p:cNvPr id="4" name="TextBox 3"/>
@@ -12398,8 +19533,8 @@
           </p:sp>
         </mc:Fallback>
       </mc:AlternateContent>
-      <mc:AlternateContent xmlns:mc="http://schemas.openxmlformats.org/markup-compatibility/2006">
-        <mc:Choice xmlns:a14="http://schemas.microsoft.com/office/drawing/2010/main" Requires="a14">
+      <mc:AlternateContent xmlns:mc="http://schemas.openxmlformats.org/markup-compatibility/2006" xmlns:a14="http://schemas.microsoft.com/office/drawing/2010/main">
+        <mc:Choice Requires="a14">
           <p:sp>
             <p:nvSpPr>
               <p:cNvPr id="5" name="TextBox 4"/>
@@ -12422,6 +19557,7 @@
               </a:bodyPr>
               <a:lstStyle/>
               <a:p>
+                <a:pPr/>
                 <a14:m>
                   <m:oMathPara xmlns:m="http://schemas.openxmlformats.org/officeDocument/2006/math">
                     <m:oMathParaPr>
@@ -12571,7 +19707,7 @@
             </p:txBody>
           </p:sp>
         </mc:Choice>
-        <mc:Fallback>
+        <mc:Fallback xmlns="">
           <p:sp>
             <p:nvSpPr>
               <p:cNvPr id="5" name="TextBox 4"/>
@@ -12610,8 +19746,8 @@
           </p:sp>
         </mc:Fallback>
       </mc:AlternateContent>
-      <mc:AlternateContent xmlns:mc="http://schemas.openxmlformats.org/markup-compatibility/2006">
-        <mc:Choice xmlns:a14="http://schemas.microsoft.com/office/drawing/2010/main" Requires="a14">
+      <mc:AlternateContent xmlns:mc="http://schemas.openxmlformats.org/markup-compatibility/2006" xmlns:a14="http://schemas.microsoft.com/office/drawing/2010/main">
+        <mc:Choice Requires="a14">
           <p:sp>
             <p:nvSpPr>
               <p:cNvPr id="6" name="TextBox 5"/>
@@ -12634,6 +19770,7 @@
               </a:bodyPr>
               <a:lstStyle/>
               <a:p>
+                <a:pPr/>
                 <a14:m>
                   <m:oMathPara xmlns:m="http://schemas.openxmlformats.org/officeDocument/2006/math">
                     <m:oMathParaPr>
@@ -12964,7 +20101,7 @@
             </p:txBody>
           </p:sp>
         </mc:Choice>
-        <mc:Fallback>
+        <mc:Fallback xmlns="">
           <p:sp>
             <p:nvSpPr>
               <p:cNvPr id="6" name="TextBox 5"/>
@@ -13003,8 +20140,8 @@
           </p:sp>
         </mc:Fallback>
       </mc:AlternateContent>
-      <mc:AlternateContent xmlns:mc="http://schemas.openxmlformats.org/markup-compatibility/2006">
-        <mc:Choice xmlns:a14="http://schemas.microsoft.com/office/drawing/2010/main" Requires="a14">
+      <mc:AlternateContent xmlns:mc="http://schemas.openxmlformats.org/markup-compatibility/2006" xmlns:a14="http://schemas.microsoft.com/office/drawing/2010/main">
+        <mc:Choice Requires="a14">
           <p:sp>
             <p:nvSpPr>
               <p:cNvPr id="7" name="TextBox 6"/>
@@ -13027,6 +20164,7 @@
               </a:bodyPr>
               <a:lstStyle/>
               <a:p>
+                <a:pPr/>
                 <a14:m>
                   <m:oMathPara xmlns:m="http://schemas.openxmlformats.org/officeDocument/2006/math">
                     <m:oMathParaPr>
@@ -13163,7 +20301,7 @@
             </p:txBody>
           </p:sp>
         </mc:Choice>
-        <mc:Fallback>
+        <mc:Fallback xmlns="">
           <p:sp>
             <p:nvSpPr>
               <p:cNvPr id="7" name="TextBox 6"/>
@@ -13202,8 +20340,8 @@
           </p:sp>
         </mc:Fallback>
       </mc:AlternateContent>
-      <mc:AlternateContent xmlns:mc="http://schemas.openxmlformats.org/markup-compatibility/2006">
-        <mc:Choice xmlns:a14="http://schemas.microsoft.com/office/drawing/2010/main" Requires="a14">
+      <mc:AlternateContent xmlns:mc="http://schemas.openxmlformats.org/markup-compatibility/2006" xmlns:a14="http://schemas.microsoft.com/office/drawing/2010/main">
+        <mc:Choice Requires="a14">
           <p:sp>
             <p:nvSpPr>
               <p:cNvPr id="8" name="TextBox 7"/>
@@ -13226,6 +20364,7 @@
               </a:bodyPr>
               <a:lstStyle/>
               <a:p>
+                <a:pPr/>
                 <a14:m>
                   <m:oMathPara xmlns:m="http://schemas.openxmlformats.org/officeDocument/2006/math">
                     <m:oMathParaPr>
@@ -13569,7 +20708,7 @@
             </p:txBody>
           </p:sp>
         </mc:Choice>
-        <mc:Fallback>
+        <mc:Fallback xmlns="">
           <p:sp>
             <p:nvSpPr>
               <p:cNvPr id="8" name="TextBox 7"/>

--- a/Terahertz Metrology/Ch2/Terahertz Metrology_Ch2.pptx
+++ b/Terahertz Metrology/Ch2/Terahertz Metrology_Ch2.pptx
@@ -5,7 +5,7 @@
     <p:sldMasterId id="2147483660" r:id="rId1"/>
   </p:sldMasterIdLst>
   <p:notesMasterIdLst>
-    <p:notesMasterId r:id="rId21"/>
+    <p:notesMasterId r:id="rId24"/>
   </p:notesMasterIdLst>
   <p:sldIdLst>
     <p:sldId id="258" r:id="rId2"/>
@@ -26,7 +26,10 @@
     <p:sldId id="289" r:id="rId17"/>
     <p:sldId id="290" r:id="rId18"/>
     <p:sldId id="291" r:id="rId19"/>
-    <p:sldId id="275" r:id="rId20"/>
+    <p:sldId id="292" r:id="rId20"/>
+    <p:sldId id="293" r:id="rId21"/>
+    <p:sldId id="294" r:id="rId22"/>
+    <p:sldId id="275" r:id="rId23"/>
   </p:sldIdLst>
   <p:sldSz cx="9144000" cy="6858000" type="screen4x3"/>
   <p:notesSz cx="6858000" cy="9144000"/>
@@ -215,7 +218,7 @@
           <a:p>
             <a:fld id="{A9D6DECA-6E4E-4D09-9277-E151A2E3F74C}" type="datetimeFigureOut">
               <a:rPr lang="ko-KR" altLang="en-US" smtClean="0"/>
-              <a:t>2018-03-08</a:t>
+              <a:t>2018-03-09</a:t>
             </a:fld>
             <a:endParaRPr lang="ko-KR" altLang="en-US"/>
           </a:p>
@@ -1397,7 +1400,7 @@
     </p:spTree>
     <p:extLst>
       <p:ext uri="{BB962C8B-B14F-4D97-AF65-F5344CB8AC3E}">
-        <p14:creationId xmlns:p14="http://schemas.microsoft.com/office/powerpoint/2010/main" val="1671263539"/>
+        <p14:creationId xmlns:p14="http://schemas.microsoft.com/office/powerpoint/2010/main" val="3778348784"/>
       </p:ext>
     </p:extLst>
   </p:cSld>
@@ -1482,6 +1485,258 @@
     <p:extLst>
       <p:ext uri="{BB962C8B-B14F-4D97-AF65-F5344CB8AC3E}">
         <p14:creationId xmlns:p14="http://schemas.microsoft.com/office/powerpoint/2010/main" val="3753383617"/>
+      </p:ext>
+    </p:extLst>
+  </p:cSld>
+  <p:clrMapOvr>
+    <a:masterClrMapping/>
+  </p:clrMapOvr>
+</p:notes>
+</file>
+
+<file path=ppt/notesSlides/notesSlide20.xml><?xml version="1.0" encoding="utf-8"?>
+<p:notes xmlns:a="http://schemas.openxmlformats.org/drawingml/2006/main" xmlns:r="http://schemas.openxmlformats.org/officeDocument/2006/relationships" xmlns:p="http://schemas.openxmlformats.org/presentationml/2006/main">
+  <p:cSld>
+    <p:spTree>
+      <p:nvGrpSpPr>
+        <p:cNvPr id="1" name=""/>
+        <p:cNvGrpSpPr/>
+        <p:nvPr/>
+      </p:nvGrpSpPr>
+      <p:grpSpPr>
+        <a:xfrm>
+          <a:off x="0" y="0"/>
+          <a:ext cx="0" cy="0"/>
+          <a:chOff x="0" y="0"/>
+          <a:chExt cx="0" cy="0"/>
+        </a:xfrm>
+      </p:grpSpPr>
+      <p:sp>
+        <p:nvSpPr>
+          <p:cNvPr id="2" name="슬라이드 이미지 개체 틀 1"/>
+          <p:cNvSpPr>
+            <a:spLocks noGrp="1" noRot="1" noChangeAspect="1"/>
+          </p:cNvSpPr>
+          <p:nvPr>
+            <p:ph type="sldImg"/>
+          </p:nvPr>
+        </p:nvSpPr>
+        <p:spPr/>
+      </p:sp>
+      <p:sp>
+        <p:nvSpPr>
+          <p:cNvPr id="3" name="슬라이드 노트 개체 틀 2"/>
+          <p:cNvSpPr>
+            <a:spLocks noGrp="1"/>
+          </p:cNvSpPr>
+          <p:nvPr>
+            <p:ph type="body" idx="1"/>
+          </p:nvPr>
+        </p:nvSpPr>
+        <p:spPr/>
+        <p:txBody>
+          <a:bodyPr/>
+          <a:lstStyle/>
+          <a:p>
+            <a:endParaRPr lang="ko-KR" altLang="en-US"/>
+          </a:p>
+        </p:txBody>
+      </p:sp>
+      <p:sp>
+        <p:nvSpPr>
+          <p:cNvPr id="4" name="슬라이드 번호 개체 틀 3"/>
+          <p:cNvSpPr>
+            <a:spLocks noGrp="1"/>
+          </p:cNvSpPr>
+          <p:nvPr>
+            <p:ph type="sldNum" sz="quarter" idx="10"/>
+          </p:nvPr>
+        </p:nvSpPr>
+        <p:spPr/>
+        <p:txBody>
+          <a:bodyPr/>
+          <a:lstStyle/>
+          <a:p>
+            <a:fld id="{6D0ABE42-EEBB-47F0-BC6E-2BB25FA03CFE}" type="slidenum">
+              <a:rPr lang="ko-KR" altLang="en-US" smtClean="0"/>
+              <a:t>20</a:t>
+            </a:fld>
+            <a:endParaRPr lang="ko-KR" altLang="en-US"/>
+          </a:p>
+        </p:txBody>
+      </p:sp>
+    </p:spTree>
+    <p:extLst>
+      <p:ext uri="{BB962C8B-B14F-4D97-AF65-F5344CB8AC3E}">
+        <p14:creationId xmlns:p14="http://schemas.microsoft.com/office/powerpoint/2010/main" val="734329444"/>
+      </p:ext>
+    </p:extLst>
+  </p:cSld>
+  <p:clrMapOvr>
+    <a:masterClrMapping/>
+  </p:clrMapOvr>
+</p:notes>
+</file>
+
+<file path=ppt/notesSlides/notesSlide21.xml><?xml version="1.0" encoding="utf-8"?>
+<p:notes xmlns:a="http://schemas.openxmlformats.org/drawingml/2006/main" xmlns:r="http://schemas.openxmlformats.org/officeDocument/2006/relationships" xmlns:p="http://schemas.openxmlformats.org/presentationml/2006/main">
+  <p:cSld>
+    <p:spTree>
+      <p:nvGrpSpPr>
+        <p:cNvPr id="1" name=""/>
+        <p:cNvGrpSpPr/>
+        <p:nvPr/>
+      </p:nvGrpSpPr>
+      <p:grpSpPr>
+        <a:xfrm>
+          <a:off x="0" y="0"/>
+          <a:ext cx="0" cy="0"/>
+          <a:chOff x="0" y="0"/>
+          <a:chExt cx="0" cy="0"/>
+        </a:xfrm>
+      </p:grpSpPr>
+      <p:sp>
+        <p:nvSpPr>
+          <p:cNvPr id="2" name="슬라이드 이미지 개체 틀 1"/>
+          <p:cNvSpPr>
+            <a:spLocks noGrp="1" noRot="1" noChangeAspect="1"/>
+          </p:cNvSpPr>
+          <p:nvPr>
+            <p:ph type="sldImg"/>
+          </p:nvPr>
+        </p:nvSpPr>
+        <p:spPr/>
+      </p:sp>
+      <p:sp>
+        <p:nvSpPr>
+          <p:cNvPr id="3" name="슬라이드 노트 개체 틀 2"/>
+          <p:cNvSpPr>
+            <a:spLocks noGrp="1"/>
+          </p:cNvSpPr>
+          <p:nvPr>
+            <p:ph type="body" idx="1"/>
+          </p:nvPr>
+        </p:nvSpPr>
+        <p:spPr/>
+        <p:txBody>
+          <a:bodyPr/>
+          <a:lstStyle/>
+          <a:p>
+            <a:endParaRPr lang="ko-KR" altLang="en-US"/>
+          </a:p>
+        </p:txBody>
+      </p:sp>
+      <p:sp>
+        <p:nvSpPr>
+          <p:cNvPr id="4" name="슬라이드 번호 개체 틀 3"/>
+          <p:cNvSpPr>
+            <a:spLocks noGrp="1"/>
+          </p:cNvSpPr>
+          <p:nvPr>
+            <p:ph type="sldNum" sz="quarter" idx="10"/>
+          </p:nvPr>
+        </p:nvSpPr>
+        <p:spPr/>
+        <p:txBody>
+          <a:bodyPr/>
+          <a:lstStyle/>
+          <a:p>
+            <a:fld id="{6D0ABE42-EEBB-47F0-BC6E-2BB25FA03CFE}" type="slidenum">
+              <a:rPr lang="ko-KR" altLang="en-US" smtClean="0"/>
+              <a:t>21</a:t>
+            </a:fld>
+            <a:endParaRPr lang="ko-KR" altLang="en-US"/>
+          </a:p>
+        </p:txBody>
+      </p:sp>
+    </p:spTree>
+    <p:extLst>
+      <p:ext uri="{BB962C8B-B14F-4D97-AF65-F5344CB8AC3E}">
+        <p14:creationId xmlns:p14="http://schemas.microsoft.com/office/powerpoint/2010/main" val="31526210"/>
+      </p:ext>
+    </p:extLst>
+  </p:cSld>
+  <p:clrMapOvr>
+    <a:masterClrMapping/>
+  </p:clrMapOvr>
+</p:notes>
+</file>
+
+<file path=ppt/notesSlides/notesSlide22.xml><?xml version="1.0" encoding="utf-8"?>
+<p:notes xmlns:a="http://schemas.openxmlformats.org/drawingml/2006/main" xmlns:r="http://schemas.openxmlformats.org/officeDocument/2006/relationships" xmlns:p="http://schemas.openxmlformats.org/presentationml/2006/main">
+  <p:cSld>
+    <p:spTree>
+      <p:nvGrpSpPr>
+        <p:cNvPr id="1" name=""/>
+        <p:cNvGrpSpPr/>
+        <p:nvPr/>
+      </p:nvGrpSpPr>
+      <p:grpSpPr>
+        <a:xfrm>
+          <a:off x="0" y="0"/>
+          <a:ext cx="0" cy="0"/>
+          <a:chOff x="0" y="0"/>
+          <a:chExt cx="0" cy="0"/>
+        </a:xfrm>
+      </p:grpSpPr>
+      <p:sp>
+        <p:nvSpPr>
+          <p:cNvPr id="2" name="슬라이드 이미지 개체 틀 1"/>
+          <p:cNvSpPr>
+            <a:spLocks noGrp="1" noRot="1" noChangeAspect="1"/>
+          </p:cNvSpPr>
+          <p:nvPr>
+            <p:ph type="sldImg"/>
+          </p:nvPr>
+        </p:nvSpPr>
+        <p:spPr/>
+      </p:sp>
+      <p:sp>
+        <p:nvSpPr>
+          <p:cNvPr id="3" name="슬라이드 노트 개체 틀 2"/>
+          <p:cNvSpPr>
+            <a:spLocks noGrp="1"/>
+          </p:cNvSpPr>
+          <p:nvPr>
+            <p:ph type="body" idx="1"/>
+          </p:nvPr>
+        </p:nvSpPr>
+        <p:spPr/>
+        <p:txBody>
+          <a:bodyPr/>
+          <a:lstStyle/>
+          <a:p>
+            <a:endParaRPr lang="ko-KR" altLang="en-US"/>
+          </a:p>
+        </p:txBody>
+      </p:sp>
+      <p:sp>
+        <p:nvSpPr>
+          <p:cNvPr id="4" name="슬라이드 번호 개체 틀 3"/>
+          <p:cNvSpPr>
+            <a:spLocks noGrp="1"/>
+          </p:cNvSpPr>
+          <p:nvPr>
+            <p:ph type="sldNum" sz="quarter" idx="10"/>
+          </p:nvPr>
+        </p:nvSpPr>
+        <p:spPr/>
+        <p:txBody>
+          <a:bodyPr/>
+          <a:lstStyle/>
+          <a:p>
+            <a:fld id="{6D0ABE42-EEBB-47F0-BC6E-2BB25FA03CFE}" type="slidenum">
+              <a:rPr lang="ko-KR" altLang="en-US" smtClean="0"/>
+              <a:t>22</a:t>
+            </a:fld>
+            <a:endParaRPr lang="ko-KR" altLang="en-US"/>
+          </a:p>
+        </p:txBody>
+      </p:sp>
+    </p:spTree>
+    <p:extLst>
+      <p:ext uri="{BB962C8B-B14F-4D97-AF65-F5344CB8AC3E}">
+        <p14:creationId xmlns:p14="http://schemas.microsoft.com/office/powerpoint/2010/main" val="1671263539"/>
       </p:ext>
     </p:extLst>
   </p:cSld>
@@ -2210,7 +2465,7 @@
           <a:p>
             <a:fld id="{A4C346B5-C0DF-4EB7-A5EE-A79D8A2B2CA8}" type="datetimeFigureOut">
               <a:rPr lang="ko-KR" altLang="en-US" smtClean="0"/>
-              <a:t>2018-03-08</a:t>
+              <a:t>2018-03-09</a:t>
             </a:fld>
             <a:endParaRPr lang="ko-KR" altLang="en-US"/>
           </a:p>
@@ -2387,7 +2642,7 @@
           <a:p>
             <a:fld id="{A4C346B5-C0DF-4EB7-A5EE-A79D8A2B2CA8}" type="datetimeFigureOut">
               <a:rPr lang="ko-KR" altLang="en-US" smtClean="0"/>
-              <a:t>2018-03-08</a:t>
+              <a:t>2018-03-09</a:t>
             </a:fld>
             <a:endParaRPr lang="ko-KR" altLang="en-US"/>
           </a:p>
@@ -2567,7 +2822,7 @@
           <a:p>
             <a:fld id="{A4C346B5-C0DF-4EB7-A5EE-A79D8A2B2CA8}" type="datetimeFigureOut">
               <a:rPr lang="ko-KR" altLang="en-US" smtClean="0"/>
-              <a:t>2018-03-08</a:t>
+              <a:t>2018-03-09</a:t>
             </a:fld>
             <a:endParaRPr lang="ko-KR" altLang="en-US"/>
           </a:p>
@@ -2737,7 +2992,7 @@
           <a:p>
             <a:fld id="{A4C346B5-C0DF-4EB7-A5EE-A79D8A2B2CA8}" type="datetimeFigureOut">
               <a:rPr lang="ko-KR" altLang="en-US" smtClean="0"/>
-              <a:t>2018-03-08</a:t>
+              <a:t>2018-03-09</a:t>
             </a:fld>
             <a:endParaRPr lang="ko-KR" altLang="en-US"/>
           </a:p>
@@ -2981,7 +3236,7 @@
           <a:p>
             <a:fld id="{A4C346B5-C0DF-4EB7-A5EE-A79D8A2B2CA8}" type="datetimeFigureOut">
               <a:rPr lang="ko-KR" altLang="en-US" smtClean="0"/>
-              <a:t>2018-03-08</a:t>
+              <a:t>2018-03-09</a:t>
             </a:fld>
             <a:endParaRPr lang="ko-KR" altLang="en-US"/>
           </a:p>
@@ -3213,7 +3468,7 @@
           <a:p>
             <a:fld id="{A4C346B5-C0DF-4EB7-A5EE-A79D8A2B2CA8}" type="datetimeFigureOut">
               <a:rPr lang="ko-KR" altLang="en-US" smtClean="0"/>
-              <a:t>2018-03-08</a:t>
+              <a:t>2018-03-09</a:t>
             </a:fld>
             <a:endParaRPr lang="ko-KR" altLang="en-US"/>
           </a:p>
@@ -3580,7 +3835,7 @@
           <a:p>
             <a:fld id="{A4C346B5-C0DF-4EB7-A5EE-A79D8A2B2CA8}" type="datetimeFigureOut">
               <a:rPr lang="ko-KR" altLang="en-US" smtClean="0"/>
-              <a:t>2018-03-08</a:t>
+              <a:t>2018-03-09</a:t>
             </a:fld>
             <a:endParaRPr lang="ko-KR" altLang="en-US"/>
           </a:p>
@@ -3698,7 +3953,7 @@
           <a:p>
             <a:fld id="{A4C346B5-C0DF-4EB7-A5EE-A79D8A2B2CA8}" type="datetimeFigureOut">
               <a:rPr lang="ko-KR" altLang="en-US" smtClean="0"/>
-              <a:t>2018-03-08</a:t>
+              <a:t>2018-03-09</a:t>
             </a:fld>
             <a:endParaRPr lang="ko-KR" altLang="en-US"/>
           </a:p>
@@ -3793,7 +4048,7 @@
           <a:p>
             <a:fld id="{A4C346B5-C0DF-4EB7-A5EE-A79D8A2B2CA8}" type="datetimeFigureOut">
               <a:rPr lang="ko-KR" altLang="en-US" smtClean="0"/>
-              <a:t>2018-03-08</a:t>
+              <a:t>2018-03-09</a:t>
             </a:fld>
             <a:endParaRPr lang="ko-KR" altLang="en-US"/>
           </a:p>
@@ -4070,7 +4325,7 @@
           <a:p>
             <a:fld id="{A4C346B5-C0DF-4EB7-A5EE-A79D8A2B2CA8}" type="datetimeFigureOut">
               <a:rPr lang="ko-KR" altLang="en-US" smtClean="0"/>
-              <a:t>2018-03-08</a:t>
+              <a:t>2018-03-09</a:t>
             </a:fld>
             <a:endParaRPr lang="ko-KR" altLang="en-US"/>
           </a:p>
@@ -4327,7 +4582,7 @@
           <a:p>
             <a:fld id="{A4C346B5-C0DF-4EB7-A5EE-A79D8A2B2CA8}" type="datetimeFigureOut">
               <a:rPr lang="ko-KR" altLang="en-US" smtClean="0"/>
-              <a:t>2018-03-08</a:t>
+              <a:t>2018-03-09</a:t>
             </a:fld>
             <a:endParaRPr lang="ko-KR" altLang="en-US"/>
           </a:p>
@@ -4540,7 +4795,7 @@
           <a:p>
             <a:fld id="{A4C346B5-C0DF-4EB7-A5EE-A79D8A2B2CA8}" type="datetimeFigureOut">
               <a:rPr lang="ko-KR" altLang="en-US" smtClean="0"/>
-              <a:t>2018-03-08</a:t>
+              <a:t>2018-03-09</a:t>
             </a:fld>
             <a:endParaRPr lang="ko-KR" altLang="en-US"/>
           </a:p>
@@ -5792,8 +6047,8 @@
           </a:prstGeom>
         </p:spPr>
       </p:pic>
-      <mc:AlternateContent xmlns:mc="http://schemas.openxmlformats.org/markup-compatibility/2006">
-        <mc:Choice xmlns:a14="http://schemas.microsoft.com/office/drawing/2010/main" Requires="a14">
+      <mc:AlternateContent xmlns:mc="http://schemas.openxmlformats.org/markup-compatibility/2006" xmlns:a14="http://schemas.microsoft.com/office/drawing/2010/main">
+        <mc:Choice Requires="a14">
           <p:sp>
             <p:nvSpPr>
               <p:cNvPr id="6" name="TextBox 5"/>
@@ -5816,6 +6071,7 @@
               </a:bodyPr>
               <a:lstStyle/>
               <a:p>
+                <a:pPr/>
                 <a14:m>
                   <m:oMathPara xmlns:m="http://schemas.openxmlformats.org/officeDocument/2006/math">
                     <m:oMathParaPr>
@@ -5924,7 +6180,7 @@
             </p:txBody>
           </p:sp>
         </mc:Choice>
-        <mc:Fallback>
+        <mc:Fallback xmlns="">
           <p:sp>
             <p:nvSpPr>
               <p:cNvPr id="6" name="TextBox 5"/>
@@ -5963,8 +6219,8 @@
           </p:sp>
         </mc:Fallback>
       </mc:AlternateContent>
-      <mc:AlternateContent xmlns:mc="http://schemas.openxmlformats.org/markup-compatibility/2006">
-        <mc:Choice xmlns:a14="http://schemas.microsoft.com/office/drawing/2010/main" Requires="a14">
+      <mc:AlternateContent xmlns:mc="http://schemas.openxmlformats.org/markup-compatibility/2006" xmlns:a14="http://schemas.microsoft.com/office/drawing/2010/main">
+        <mc:Choice Requires="a14">
           <p:sp>
             <p:nvSpPr>
               <p:cNvPr id="7" name="TextBox 6"/>
@@ -5987,6 +6243,7 @@
               </a:bodyPr>
               <a:lstStyle/>
               <a:p>
+                <a:pPr/>
                 <a14:m>
                   <m:oMathPara xmlns:m="http://schemas.openxmlformats.org/officeDocument/2006/math">
                     <m:oMathParaPr>
@@ -6100,7 +6357,7 @@
             </p:txBody>
           </p:sp>
         </mc:Choice>
-        <mc:Fallback>
+        <mc:Fallback xmlns="">
           <p:sp>
             <p:nvSpPr>
               <p:cNvPr id="7" name="TextBox 6"/>
@@ -6139,8 +6396,8 @@
           </p:sp>
         </mc:Fallback>
       </mc:AlternateContent>
-      <mc:AlternateContent xmlns:mc="http://schemas.openxmlformats.org/markup-compatibility/2006">
-        <mc:Choice xmlns:a14="http://schemas.microsoft.com/office/drawing/2010/main" Requires="a14">
+      <mc:AlternateContent xmlns:mc="http://schemas.openxmlformats.org/markup-compatibility/2006" xmlns:a14="http://schemas.microsoft.com/office/drawing/2010/main">
+        <mc:Choice Requires="a14">
           <p:sp>
             <p:nvSpPr>
               <p:cNvPr id="9" name="TextBox 8"/>
@@ -6163,6 +6420,7 @@
               </a:bodyPr>
               <a:lstStyle/>
               <a:p>
+                <a:pPr/>
                 <a14:m>
                   <m:oMathPara xmlns:m="http://schemas.openxmlformats.org/officeDocument/2006/math">
                     <m:oMathParaPr>
@@ -6653,7 +6911,7 @@
             </p:txBody>
           </p:sp>
         </mc:Choice>
-        <mc:Fallback>
+        <mc:Fallback xmlns="">
           <p:sp>
             <p:nvSpPr>
               <p:cNvPr id="9" name="TextBox 8"/>
@@ -6692,8 +6950,8 @@
           </p:sp>
         </mc:Fallback>
       </mc:AlternateContent>
-      <mc:AlternateContent xmlns:mc="http://schemas.openxmlformats.org/markup-compatibility/2006">
-        <mc:Choice xmlns:a14="http://schemas.microsoft.com/office/drawing/2010/main" Requires="a14">
+      <mc:AlternateContent xmlns:mc="http://schemas.openxmlformats.org/markup-compatibility/2006" xmlns:a14="http://schemas.microsoft.com/office/drawing/2010/main">
+        <mc:Choice Requires="a14">
           <p:sp>
             <p:nvSpPr>
               <p:cNvPr id="10" name="TextBox 9"/>
@@ -6716,6 +6974,7 @@
               </a:bodyPr>
               <a:lstStyle/>
               <a:p>
+                <a:pPr/>
                 <a14:m>
                   <m:oMathPara xmlns:m="http://schemas.openxmlformats.org/officeDocument/2006/math">
                     <m:oMathParaPr>
@@ -6893,7 +7152,7 @@
             </p:txBody>
           </p:sp>
         </mc:Choice>
-        <mc:Fallback>
+        <mc:Fallback xmlns="">
           <p:sp>
             <p:nvSpPr>
               <p:cNvPr id="10" name="TextBox 9"/>
@@ -6932,8 +7191,8 @@
           </p:sp>
         </mc:Fallback>
       </mc:AlternateContent>
-      <mc:AlternateContent xmlns:mc="http://schemas.openxmlformats.org/markup-compatibility/2006">
-        <mc:Choice xmlns:a14="http://schemas.microsoft.com/office/drawing/2010/main" Requires="a14">
+      <mc:AlternateContent xmlns:mc="http://schemas.openxmlformats.org/markup-compatibility/2006" xmlns:a14="http://schemas.microsoft.com/office/drawing/2010/main">
+        <mc:Choice Requires="a14">
           <p:sp>
             <p:nvSpPr>
               <p:cNvPr id="12" name="TextBox 11"/>
@@ -6956,6 +7215,7 @@
               </a:bodyPr>
               <a:lstStyle/>
               <a:p>
+                <a:pPr/>
                 <a14:m>
                   <m:oMathPara xmlns:m="http://schemas.openxmlformats.org/officeDocument/2006/math">
                     <m:oMathParaPr>
@@ -7142,7 +7402,7 @@
             </p:txBody>
           </p:sp>
         </mc:Choice>
-        <mc:Fallback>
+        <mc:Fallback xmlns="">
           <p:sp>
             <p:nvSpPr>
               <p:cNvPr id="12" name="TextBox 11"/>
@@ -7325,49 +7585,13 @@
                 </a:solidFill>
                 <a:latin typeface="Arial" panose="020B0604020202020204" pitchFamily="34" charset="0"/>
               </a:rPr>
-              <a:t>2.4 </a:t>
-            </a:r>
-            <a:r>
-              <a:rPr lang="en-US" altLang="ko-KR" sz="2800" dirty="0" smtClean="0">
-                <a:solidFill>
-                  <a:schemeClr val="bg1"/>
-                </a:solidFill>
-                <a:latin typeface="Arial" panose="020B0604020202020204" pitchFamily="34" charset="0"/>
-              </a:rPr>
-              <a:t>Reflection-Mode Terahertz TDS: </a:t>
-            </a:r>
-            <a:r>
-              <a:rPr lang="en-US" altLang="ko-KR" sz="2800" dirty="0" smtClean="0">
-                <a:solidFill>
-                  <a:schemeClr val="bg1"/>
-                </a:solidFill>
-                <a:latin typeface="Arial" panose="020B0604020202020204" pitchFamily="34" charset="0"/>
-              </a:rPr>
-              <a:t>Double</a:t>
-            </a:r>
-            <a:r>
-              <a:rPr lang="en-US" altLang="ko-KR" sz="2800" dirty="0" smtClean="0">
-                <a:solidFill>
-                  <a:schemeClr val="bg1"/>
-                </a:solidFill>
-                <a:latin typeface="Arial" panose="020B0604020202020204" pitchFamily="34" charset="0"/>
-              </a:rPr>
-              <a:t> </a:t>
-            </a:r>
-            <a:r>
-              <a:rPr lang="en-US" altLang="ko-KR" sz="2800" dirty="0" smtClean="0">
-                <a:solidFill>
-                  <a:schemeClr val="bg1"/>
-                </a:solidFill>
-                <a:latin typeface="Arial" panose="020B0604020202020204" pitchFamily="34" charset="0"/>
-              </a:rPr>
-              <a:t>Reflection</a:t>
+              <a:t>2.4 Reflection-Mode Terahertz TDS: Double Reflection</a:t>
             </a:r>
           </a:p>
         </p:txBody>
       </p:sp>
-      <mc:AlternateContent xmlns:mc="http://schemas.openxmlformats.org/markup-compatibility/2006">
-        <mc:Choice xmlns:a14="http://schemas.microsoft.com/office/drawing/2010/main" Requires="a14">
+      <mc:AlternateContent xmlns:mc="http://schemas.openxmlformats.org/markup-compatibility/2006" xmlns:a14="http://schemas.microsoft.com/office/drawing/2010/main">
+        <mc:Choice Requires="a14">
           <p:sp>
             <p:nvSpPr>
               <p:cNvPr id="6" name="TextBox 5"/>
@@ -7390,6 +7614,7 @@
               </a:bodyPr>
               <a:lstStyle/>
               <a:p>
+                <a:pPr/>
                 <a14:m>
                   <m:oMathPara xmlns:m="http://schemas.openxmlformats.org/officeDocument/2006/math">
                     <m:oMathParaPr>
@@ -7523,7 +7748,7 @@
             </p:txBody>
           </p:sp>
         </mc:Choice>
-        <mc:Fallback>
+        <mc:Fallback xmlns="">
           <p:sp>
             <p:nvSpPr>
               <p:cNvPr id="6" name="TextBox 5"/>
@@ -7562,8 +7787,8 @@
           </p:sp>
         </mc:Fallback>
       </mc:AlternateContent>
-      <mc:AlternateContent xmlns:mc="http://schemas.openxmlformats.org/markup-compatibility/2006">
-        <mc:Choice xmlns:a14="http://schemas.microsoft.com/office/drawing/2010/main" Requires="a14">
+      <mc:AlternateContent xmlns:mc="http://schemas.openxmlformats.org/markup-compatibility/2006" xmlns:a14="http://schemas.microsoft.com/office/drawing/2010/main">
+        <mc:Choice Requires="a14">
           <p:sp>
             <p:nvSpPr>
               <p:cNvPr id="7" name="TextBox 6"/>
@@ -7586,6 +7811,7 @@
               </a:bodyPr>
               <a:lstStyle/>
               <a:p>
+                <a:pPr/>
                 <a14:m>
                   <m:oMathPara xmlns:m="http://schemas.openxmlformats.org/officeDocument/2006/math">
                     <m:oMathParaPr>
@@ -7871,7 +8097,7 @@
             </p:txBody>
           </p:sp>
         </mc:Choice>
-        <mc:Fallback>
+        <mc:Fallback xmlns="">
           <p:sp>
             <p:nvSpPr>
               <p:cNvPr id="7" name="TextBox 6"/>
@@ -7910,8 +8136,8 @@
           </p:sp>
         </mc:Fallback>
       </mc:AlternateContent>
-      <mc:AlternateContent xmlns:mc="http://schemas.openxmlformats.org/markup-compatibility/2006">
-        <mc:Choice xmlns:a14="http://schemas.microsoft.com/office/drawing/2010/main" Requires="a14">
+      <mc:AlternateContent xmlns:mc="http://schemas.openxmlformats.org/markup-compatibility/2006" xmlns:a14="http://schemas.microsoft.com/office/drawing/2010/main">
+        <mc:Choice Requires="a14">
           <p:sp>
             <p:nvSpPr>
               <p:cNvPr id="10" name="TextBox 9"/>
@@ -7934,6 +8160,7 @@
               </a:bodyPr>
               <a:lstStyle/>
               <a:p>
+                <a:pPr/>
                 <a14:m>
                   <m:oMathPara xmlns:m="http://schemas.openxmlformats.org/officeDocument/2006/math">
                     <m:oMathParaPr>
@@ -8147,7 +8374,7 @@
             </p:txBody>
           </p:sp>
         </mc:Choice>
-        <mc:Fallback>
+        <mc:Fallback xmlns="">
           <p:sp>
             <p:nvSpPr>
               <p:cNvPr id="10" name="TextBox 9"/>
@@ -8186,8 +8413,8 @@
           </p:sp>
         </mc:Fallback>
       </mc:AlternateContent>
-      <mc:AlternateContent xmlns:mc="http://schemas.openxmlformats.org/markup-compatibility/2006">
-        <mc:Choice xmlns:a14="http://schemas.microsoft.com/office/drawing/2010/main" Requires="a14">
+      <mc:AlternateContent xmlns:mc="http://schemas.openxmlformats.org/markup-compatibility/2006" xmlns:a14="http://schemas.microsoft.com/office/drawing/2010/main">
+        <mc:Choice Requires="a14">
           <p:sp>
             <p:nvSpPr>
               <p:cNvPr id="12" name="TextBox 11"/>
@@ -8210,6 +8437,7 @@
               </a:bodyPr>
               <a:lstStyle/>
               <a:p>
+                <a:pPr/>
                 <a14:m>
                   <m:oMathPara xmlns:m="http://schemas.openxmlformats.org/officeDocument/2006/math">
                     <m:oMathParaPr>
@@ -8421,7 +8649,7 @@
             </p:txBody>
           </p:sp>
         </mc:Choice>
-        <mc:Fallback>
+        <mc:Fallback xmlns="">
           <p:sp>
             <p:nvSpPr>
               <p:cNvPr id="12" name="TextBox 11"/>
@@ -8484,8 +8712,8 @@
           </a:prstGeom>
         </p:spPr>
       </p:pic>
-      <mc:AlternateContent xmlns:mc="http://schemas.openxmlformats.org/markup-compatibility/2006">
-        <mc:Choice xmlns:a14="http://schemas.microsoft.com/office/drawing/2010/main" Requires="a14">
+      <mc:AlternateContent xmlns:mc="http://schemas.openxmlformats.org/markup-compatibility/2006" xmlns:a14="http://schemas.microsoft.com/office/drawing/2010/main">
+        <mc:Choice Requires="a14">
           <p:sp>
             <p:nvSpPr>
               <p:cNvPr id="13" name="TextBox 12"/>
@@ -8508,6 +8736,7 @@
               </a:bodyPr>
               <a:lstStyle/>
               <a:p>
+                <a:pPr/>
                 <a14:m>
                   <m:oMathPara xmlns:m="http://schemas.openxmlformats.org/officeDocument/2006/math">
                     <m:oMathParaPr>
@@ -8970,7 +9199,7 @@
             </p:txBody>
           </p:sp>
         </mc:Choice>
-        <mc:Fallback>
+        <mc:Fallback xmlns="">
           <p:sp>
             <p:nvSpPr>
               <p:cNvPr id="13" name="TextBox 12"/>
@@ -9105,12 +9334,6 @@
               </a:rPr>
               <a:t>2.5 Attenuated Total Reflection</a:t>
             </a:r>
-            <a:endParaRPr lang="en-US" altLang="ko-KR" sz="2800" dirty="0" smtClean="0">
-              <a:solidFill>
-                <a:schemeClr val="bg1"/>
-              </a:solidFill>
-              <a:latin typeface="Arial" panose="020B0604020202020204" pitchFamily="34" charset="0"/>
-            </a:endParaRPr>
           </a:p>
         </p:txBody>
       </p:sp>
@@ -9249,8 +9472,8 @@
           </a:prstGeom>
         </p:spPr>
       </p:pic>
-      <mc:AlternateContent xmlns:mc="http://schemas.openxmlformats.org/markup-compatibility/2006">
-        <mc:Choice xmlns:a14="http://schemas.microsoft.com/office/drawing/2010/main" Requires="a14">
+      <mc:AlternateContent xmlns:mc="http://schemas.openxmlformats.org/markup-compatibility/2006" xmlns:a14="http://schemas.microsoft.com/office/drawing/2010/main">
+        <mc:Choice Requires="a14">
           <p:sp>
             <p:nvSpPr>
               <p:cNvPr id="5" name="TextBox 4"/>
@@ -9273,6 +9496,7 @@
               </a:bodyPr>
               <a:lstStyle/>
               <a:p>
+                <a:pPr/>
                 <a14:m>
                   <m:oMathPara xmlns:m="http://schemas.openxmlformats.org/officeDocument/2006/math">
                     <m:oMathParaPr>
@@ -9865,7 +10089,7 @@
             </p:txBody>
           </p:sp>
         </mc:Choice>
-        <mc:Fallback>
+        <mc:Fallback xmlns="">
           <p:sp>
             <p:nvSpPr>
               <p:cNvPr id="5" name="TextBox 4"/>
@@ -9904,8 +10128,8 @@
           </p:sp>
         </mc:Fallback>
       </mc:AlternateContent>
-      <mc:AlternateContent xmlns:mc="http://schemas.openxmlformats.org/markup-compatibility/2006">
-        <mc:Choice xmlns:a14="http://schemas.microsoft.com/office/drawing/2010/main" Requires="a14">
+      <mc:AlternateContent xmlns:mc="http://schemas.openxmlformats.org/markup-compatibility/2006" xmlns:a14="http://schemas.microsoft.com/office/drawing/2010/main">
+        <mc:Choice Requires="a14">
           <p:sp>
             <p:nvSpPr>
               <p:cNvPr id="13" name="TextBox 12"/>
@@ -9928,6 +10152,7 @@
               </a:bodyPr>
               <a:lstStyle/>
               <a:p>
+                <a:pPr/>
                 <a14:m>
                   <m:oMathPara xmlns:m="http://schemas.openxmlformats.org/officeDocument/2006/math">
                     <m:oMathParaPr>
@@ -10433,7 +10658,7 @@
             </p:txBody>
           </p:sp>
         </mc:Choice>
-        <mc:Fallback>
+        <mc:Fallback xmlns="">
           <p:sp>
             <p:nvSpPr>
               <p:cNvPr id="13" name="TextBox 12"/>
@@ -10472,8 +10697,8 @@
           </p:sp>
         </mc:Fallback>
       </mc:AlternateContent>
-      <mc:AlternateContent xmlns:mc="http://schemas.openxmlformats.org/markup-compatibility/2006">
-        <mc:Choice xmlns:a14="http://schemas.microsoft.com/office/drawing/2010/main" Requires="a14">
+      <mc:AlternateContent xmlns:mc="http://schemas.openxmlformats.org/markup-compatibility/2006" xmlns:a14="http://schemas.microsoft.com/office/drawing/2010/main">
+        <mc:Choice Requires="a14">
           <p:sp>
             <p:nvSpPr>
               <p:cNvPr id="14" name="TextBox 13"/>
@@ -10496,6 +10721,7 @@
               </a:bodyPr>
               <a:lstStyle/>
               <a:p>
+                <a:pPr/>
                 <a14:m>
                   <m:oMathPara xmlns:m="http://schemas.openxmlformats.org/officeDocument/2006/math">
                     <m:oMathParaPr>
@@ -10602,7 +10828,7 @@
                                   <m:sSub>
                                     <m:sSubPr>
                                       <m:ctrlPr>
-                                        <a:rPr lang="en-US" altLang="ko-KR" b="0" smtClean="0">
+                                        <a:rPr lang="en-US" altLang="ko-KR" b="0" i="1" smtClean="0">
                                           <a:latin typeface="Cambria Math" panose="02040503050406030204" pitchFamily="18" charset="0"/>
                                         </a:rPr>
                                       </m:ctrlPr>
@@ -11119,7 +11345,7 @@
             </p:txBody>
           </p:sp>
         </mc:Choice>
-        <mc:Fallback>
+        <mc:Fallback xmlns="">
           <p:sp>
             <p:nvSpPr>
               <p:cNvPr id="14" name="TextBox 13"/>
@@ -11158,8 +11384,8 @@
           </p:sp>
         </mc:Fallback>
       </mc:AlternateContent>
-      <mc:AlternateContent xmlns:mc="http://schemas.openxmlformats.org/markup-compatibility/2006">
-        <mc:Choice xmlns:a14="http://schemas.microsoft.com/office/drawing/2010/main" Requires="a14">
+      <mc:AlternateContent xmlns:mc="http://schemas.openxmlformats.org/markup-compatibility/2006" xmlns:a14="http://schemas.microsoft.com/office/drawing/2010/main">
+        <mc:Choice Requires="a14">
           <p:sp>
             <p:nvSpPr>
               <p:cNvPr id="11" name="TextBox 10"/>
@@ -11182,6 +11408,7 @@
               </a:bodyPr>
               <a:lstStyle/>
               <a:p>
+                <a:pPr/>
                 <a14:m>
                   <m:oMathPara xmlns:m="http://schemas.openxmlformats.org/officeDocument/2006/math">
                     <m:oMathParaPr>
@@ -11294,7 +11521,7 @@
             </p:txBody>
           </p:sp>
         </mc:Choice>
-        <mc:Fallback>
+        <mc:Fallback xmlns="">
           <p:sp>
             <p:nvSpPr>
               <p:cNvPr id="11" name="TextBox 10"/>
@@ -11601,12 +11828,6 @@
               </a:rPr>
               <a:t>3.1 Signal Averaging in the Time and Frequency Domains</a:t>
             </a:r>
-            <a:endParaRPr lang="en-US" altLang="ko-KR" sz="2700" dirty="0" smtClean="0">
-              <a:solidFill>
-                <a:schemeClr val="bg1"/>
-              </a:solidFill>
-              <a:latin typeface="Arial" panose="020B0604020202020204" pitchFamily="34" charset="0"/>
-            </a:endParaRPr>
           </a:p>
         </p:txBody>
       </p:sp>
@@ -12052,12 +12273,6 @@
               </a:rPr>
               <a:t>3.3 Phase Unwrapping</a:t>
             </a:r>
-            <a:endParaRPr lang="en-US" altLang="ko-KR" sz="2700" dirty="0" smtClean="0">
-              <a:solidFill>
-                <a:schemeClr val="bg1"/>
-              </a:solidFill>
-              <a:latin typeface="Arial" panose="020B0604020202020204" pitchFamily="34" charset="0"/>
-            </a:endParaRPr>
           </a:p>
         </p:txBody>
       </p:sp>
@@ -12131,7 +12346,19 @@
           <a:p>
             <a:r>
               <a:rPr lang="en-US" altLang="ko-KR" dirty="0" smtClean="0"/>
-              <a:t>In most case the assumption of a linear phase is sufficient. Phase-jumping causes discontinuities in a phase spectrum</a:t>
+              <a:t>In most case the assumption of </a:t>
+            </a:r>
+            <a:r>
+              <a:rPr lang="en-US" altLang="ko-KR" dirty="0" smtClean="0">
+                <a:solidFill>
+                  <a:srgbClr val="3333FF"/>
+                </a:solidFill>
+              </a:rPr>
+              <a:t>a linear phase is sufficient</a:t>
+            </a:r>
+            <a:r>
+              <a:rPr lang="en-US" altLang="ko-KR" dirty="0" smtClean="0"/>
+              <a:t>. Phase-jumping causes discontinuities in a phase spectrum</a:t>
             </a:r>
             <a:endParaRPr lang="ko-KR" altLang="en-US" dirty="0">
               <a:solidFill>
@@ -12141,6 +12368,78 @@
           </a:p>
         </p:txBody>
       </p:sp>
+      <p:pic>
+        <p:nvPicPr>
+          <p:cNvPr id="2" name="그림 1"/>
+          <p:cNvPicPr>
+            <a:picLocks noChangeAspect="1"/>
+          </p:cNvPicPr>
+          <p:nvPr/>
+        </p:nvPicPr>
+        <p:blipFill>
+          <a:blip r:embed="rId3"/>
+          <a:stretch>
+            <a:fillRect/>
+          </a:stretch>
+        </p:blipFill>
+        <p:spPr>
+          <a:xfrm>
+            <a:off x="1986097" y="1622683"/>
+            <a:ext cx="5171806" cy="2358344"/>
+          </a:xfrm>
+          <a:prstGeom prst="rect">
+            <a:avLst/>
+          </a:prstGeom>
+        </p:spPr>
+      </p:pic>
+      <p:pic>
+        <p:nvPicPr>
+          <p:cNvPr id="3" name="그림 2"/>
+          <p:cNvPicPr>
+            <a:picLocks noChangeAspect="1"/>
+          </p:cNvPicPr>
+          <p:nvPr/>
+        </p:nvPicPr>
+        <p:blipFill>
+          <a:blip r:embed="rId4"/>
+          <a:stretch>
+            <a:fillRect/>
+          </a:stretch>
+        </p:blipFill>
+        <p:spPr>
+          <a:xfrm>
+            <a:off x="1778244" y="3981027"/>
+            <a:ext cx="2882383" cy="2232148"/>
+          </a:xfrm>
+          <a:prstGeom prst="rect">
+            <a:avLst/>
+          </a:prstGeom>
+        </p:spPr>
+      </p:pic>
+      <p:pic>
+        <p:nvPicPr>
+          <p:cNvPr id="4" name="그림 3"/>
+          <p:cNvPicPr>
+            <a:picLocks noChangeAspect="1"/>
+          </p:cNvPicPr>
+          <p:nvPr/>
+        </p:nvPicPr>
+        <p:blipFill>
+          <a:blip r:embed="rId5"/>
+          <a:stretch>
+            <a:fillRect/>
+          </a:stretch>
+        </p:blipFill>
+        <p:spPr>
+          <a:xfrm>
+            <a:off x="4871642" y="3975589"/>
+            <a:ext cx="2755383" cy="2232148"/>
+          </a:xfrm>
+          <a:prstGeom prst="rect">
+            <a:avLst/>
+          </a:prstGeom>
+        </p:spPr>
+      </p:pic>
     </p:spTree>
     <p:extLst>
       <p:ext uri="{BB962C8B-B14F-4D97-AF65-F5344CB8AC3E}">
@@ -12380,15 +12679,33 @@
           <a:p>
             <a:pPr algn="ctr"/>
             <a:r>
-              <a:rPr lang="en-US" altLang="ko-KR" sz="2800" dirty="0" smtClean="0">
+              <a:rPr lang="en-US" altLang="ko-KR" sz="2700" dirty="0" smtClean="0">
                 <a:solidFill>
                   <a:schemeClr val="bg1"/>
                 </a:solidFill>
                 <a:latin typeface="Arial" panose="020B0604020202020204" pitchFamily="34" charset="0"/>
               </a:rPr>
-              <a:t>References</a:t>
-            </a:r>
-            <a:endParaRPr lang="en-US" altLang="ko-KR" sz="2800" dirty="0">
+              <a:t>4</a:t>
+            </a:r>
+            <a:r>
+              <a:rPr lang="en-US" altLang="ko-KR" sz="2700" dirty="0" smtClean="0">
+                <a:solidFill>
+                  <a:schemeClr val="bg1"/>
+                </a:solidFill>
+                <a:latin typeface="Arial" panose="020B0604020202020204" pitchFamily="34" charset="0"/>
+              </a:rPr>
+              <a:t>.1 </a:t>
+            </a:r>
+            <a:r>
+              <a:rPr lang="en-US" altLang="ko-KR" sz="2700" dirty="0" smtClean="0">
+                <a:solidFill>
+                  <a:schemeClr val="bg1"/>
+                </a:solidFill>
+                <a:latin typeface="Arial" panose="020B0604020202020204" pitchFamily="34" charset="0"/>
+              </a:rPr>
+              <a:t>Sample Thickness</a:t>
+            </a:r>
+            <a:endParaRPr lang="en-US" altLang="ko-KR" sz="2700" dirty="0" smtClean="0">
               <a:solidFill>
                 <a:schemeClr val="bg1"/>
               </a:solidFill>
@@ -12399,14 +12716,14 @@
       </p:sp>
       <p:sp>
         <p:nvSpPr>
-          <p:cNvPr id="2" name="TextBox 1"/>
+          <p:cNvPr id="8" name="TextBox 7"/>
           <p:cNvSpPr txBox="1"/>
           <p:nvPr/>
         </p:nvSpPr>
         <p:spPr>
           <a:xfrm>
-            <a:off x="268165" y="1362807"/>
-            <a:ext cx="8607669" cy="3970318"/>
+            <a:off x="268165" y="6338128"/>
+            <a:ext cx="8607669" cy="415498"/>
           </a:xfrm>
           <a:prstGeom prst="rect">
             <a:avLst/>
@@ -12419,212 +12736,449 @@
           </a:bodyPr>
           <a:lstStyle/>
           <a:p>
-            <a:pPr marL="285750" indent="-285750">
-              <a:buFont typeface="Arial" panose="020B0604020202020204" pitchFamily="34" charset="0"/>
-              <a:buChar char="•"/>
-            </a:pPr>
-            <a:r>
-              <a:rPr lang="en-US" altLang="ko-KR" dirty="0" err="1" smtClean="0">
-                <a:latin typeface="Times New Roman" panose="02020603050405020304" pitchFamily="18" charset="0"/>
-                <a:cs typeface="Times New Roman" panose="02020603050405020304" pitchFamily="18" charset="0"/>
-              </a:rPr>
-              <a:t>Dorney</a:t>
-            </a:r>
-            <a:r>
-              <a:rPr lang="en-US" altLang="ko-KR" dirty="0" smtClean="0">
-                <a:latin typeface="Times New Roman" panose="02020603050405020304" pitchFamily="18" charset="0"/>
-                <a:cs typeface="Times New Roman" panose="02020603050405020304" pitchFamily="18" charset="0"/>
-              </a:rPr>
-              <a:t>, T., R. </a:t>
-            </a:r>
-            <a:r>
-              <a:rPr lang="en-US" altLang="ko-KR" dirty="0" err="1" smtClean="0">
-                <a:latin typeface="Times New Roman" panose="02020603050405020304" pitchFamily="18" charset="0"/>
-                <a:cs typeface="Times New Roman" panose="02020603050405020304" pitchFamily="18" charset="0"/>
-              </a:rPr>
-              <a:t>Baraniuk</a:t>
-            </a:r>
-            <a:r>
-              <a:rPr lang="en-US" altLang="ko-KR" dirty="0" smtClean="0">
-                <a:latin typeface="Times New Roman" panose="02020603050405020304" pitchFamily="18" charset="0"/>
-                <a:cs typeface="Times New Roman" panose="02020603050405020304" pitchFamily="18" charset="0"/>
-              </a:rPr>
-              <a:t>, and D. </a:t>
-            </a:r>
-            <a:r>
-              <a:rPr lang="en-US" altLang="ko-KR" dirty="0" err="1" smtClean="0">
-                <a:latin typeface="Times New Roman" panose="02020603050405020304" pitchFamily="18" charset="0"/>
-                <a:cs typeface="Times New Roman" panose="02020603050405020304" pitchFamily="18" charset="0"/>
-              </a:rPr>
-              <a:t>Mittleman</a:t>
-            </a:r>
-            <a:r>
-              <a:rPr lang="en-US" altLang="ko-KR" dirty="0" smtClean="0">
-                <a:latin typeface="Times New Roman" panose="02020603050405020304" pitchFamily="18" charset="0"/>
-                <a:cs typeface="Times New Roman" panose="02020603050405020304" pitchFamily="18" charset="0"/>
-              </a:rPr>
-              <a:t>, “Material Parameter Estimation with Terahertz Time-Domain Spectroscopy,” </a:t>
-            </a:r>
-            <a:r>
-              <a:rPr lang="en-US" altLang="ko-KR" i="1" dirty="0" smtClean="0">
-                <a:latin typeface="Times New Roman" panose="02020603050405020304" pitchFamily="18" charset="0"/>
-                <a:cs typeface="Times New Roman" panose="02020603050405020304" pitchFamily="18" charset="0"/>
-              </a:rPr>
-              <a:t>Journal of the Optical Society of America A: Optics, Image Science, and Vision</a:t>
-            </a:r>
-            <a:r>
-              <a:rPr lang="en-US" altLang="ko-KR" dirty="0" smtClean="0">
-                <a:latin typeface="Times New Roman" panose="02020603050405020304" pitchFamily="18" charset="0"/>
-                <a:cs typeface="Times New Roman" panose="02020603050405020304" pitchFamily="18" charset="0"/>
-              </a:rPr>
-              <a:t>, Vol. 18, No. 7, 2001, pp. 1562-1571</a:t>
-            </a:r>
-            <a:r>
-              <a:rPr lang="en-US" altLang="ko-KR" dirty="0" smtClean="0">
-                <a:latin typeface="Times New Roman" panose="02020603050405020304" pitchFamily="18" charset="0"/>
-                <a:cs typeface="Times New Roman" panose="02020603050405020304" pitchFamily="18" charset="0"/>
-              </a:rPr>
-              <a:t>.</a:t>
-            </a:r>
-          </a:p>
-          <a:p>
-            <a:pPr marL="285750" indent="-285750">
-              <a:buFont typeface="Arial" panose="020B0604020202020204" pitchFamily="34" charset="0"/>
-              <a:buChar char="•"/>
-            </a:pPr>
-            <a:r>
-              <a:rPr lang="en-US" altLang="ko-KR" dirty="0" err="1" smtClean="0">
-                <a:latin typeface="Times New Roman" panose="02020603050405020304" pitchFamily="18" charset="0"/>
-                <a:cs typeface="Times New Roman" panose="02020603050405020304" pitchFamily="18" charset="0"/>
-              </a:rPr>
-              <a:t>Gatesman</a:t>
-            </a:r>
-            <a:r>
-              <a:rPr lang="en-US" altLang="ko-KR" dirty="0" smtClean="0">
-                <a:latin typeface="Times New Roman" panose="02020603050405020304" pitchFamily="18" charset="0"/>
-                <a:cs typeface="Times New Roman" panose="02020603050405020304" pitchFamily="18" charset="0"/>
-              </a:rPr>
-              <a:t>, A. J., R. H. Giles, and J. Waldman, “High-Precision Reflectometer for Submillimeter wavelength,” </a:t>
-            </a:r>
-            <a:r>
-              <a:rPr lang="en-US" altLang="ko-KR" i="1" dirty="0" smtClean="0">
-                <a:latin typeface="Times New Roman" panose="02020603050405020304" pitchFamily="18" charset="0"/>
-                <a:cs typeface="Times New Roman" panose="02020603050405020304" pitchFamily="18" charset="0"/>
-              </a:rPr>
-              <a:t>Journal of the Optical Society of America B: Optical Physics</a:t>
-            </a:r>
-            <a:r>
-              <a:rPr lang="en-US" altLang="ko-KR" dirty="0" smtClean="0">
-                <a:latin typeface="Times New Roman" panose="02020603050405020304" pitchFamily="18" charset="0"/>
-                <a:cs typeface="Times New Roman" panose="02020603050405020304" pitchFamily="18" charset="0"/>
-              </a:rPr>
-              <a:t>, Vol. 12, No. 2, 1995, pp. 212-219.</a:t>
-            </a:r>
-          </a:p>
-          <a:p>
-            <a:pPr marL="285750" indent="-285750">
-              <a:buFont typeface="Arial" panose="020B0604020202020204" pitchFamily="34" charset="0"/>
-              <a:buChar char="•"/>
-            </a:pPr>
-            <a:r>
-              <a:rPr lang="en-US" altLang="ko-KR" dirty="0" err="1" smtClean="0">
-                <a:latin typeface="Times New Roman" panose="02020603050405020304" pitchFamily="18" charset="0"/>
-                <a:cs typeface="Times New Roman" panose="02020603050405020304" pitchFamily="18" charset="0"/>
-              </a:rPr>
-              <a:t>Møller</a:t>
-            </a:r>
-            <a:r>
-              <a:rPr lang="en-US" altLang="ko-KR" dirty="0" smtClean="0">
-                <a:latin typeface="Times New Roman" panose="02020603050405020304" pitchFamily="18" charset="0"/>
-                <a:cs typeface="Times New Roman" panose="02020603050405020304" pitchFamily="18" charset="0"/>
-              </a:rPr>
-              <a:t>, U., et al., “Terahertz Reflection Spectroscopy of Debye Relaxation in Polar Liquids,” </a:t>
-            </a:r>
-            <a:r>
-              <a:rPr lang="en-US" altLang="ko-KR" i="1" dirty="0" smtClean="0">
-                <a:latin typeface="Times New Roman" panose="02020603050405020304" pitchFamily="18" charset="0"/>
-                <a:cs typeface="Times New Roman" panose="02020603050405020304" pitchFamily="18" charset="0"/>
-              </a:rPr>
-              <a:t>JOSA B</a:t>
-            </a:r>
-            <a:r>
-              <a:rPr lang="en-US" altLang="ko-KR" dirty="0" smtClean="0">
-                <a:latin typeface="Times New Roman" panose="02020603050405020304" pitchFamily="18" charset="0"/>
-                <a:cs typeface="Times New Roman" panose="02020603050405020304" pitchFamily="18" charset="0"/>
-              </a:rPr>
-              <a:t>, Vol. 26, No. 9, 2009, pp. A113-A125.</a:t>
-            </a:r>
-          </a:p>
-          <a:p>
-            <a:pPr marL="285750" indent="-285750">
-              <a:buFont typeface="Arial" panose="020B0604020202020204" pitchFamily="34" charset="0"/>
-              <a:buChar char="•"/>
-            </a:pPr>
-            <a:r>
-              <a:rPr lang="en-US" altLang="ko-KR" dirty="0" smtClean="0">
-                <a:latin typeface="Times New Roman" panose="02020603050405020304" pitchFamily="18" charset="0"/>
-                <a:cs typeface="Times New Roman" panose="02020603050405020304" pitchFamily="18" charset="0"/>
-              </a:rPr>
-              <a:t>Nagai, </a:t>
-            </a:r>
-            <a:r>
-              <a:rPr lang="en-US" altLang="ko-KR" dirty="0" err="1" smtClean="0">
-                <a:latin typeface="Times New Roman" panose="02020603050405020304" pitchFamily="18" charset="0"/>
-                <a:cs typeface="Times New Roman" panose="02020603050405020304" pitchFamily="18" charset="0"/>
-              </a:rPr>
-              <a:t>M.m</a:t>
-            </a:r>
-            <a:r>
-              <a:rPr lang="en-US" altLang="ko-KR" dirty="0" smtClean="0">
-                <a:latin typeface="Times New Roman" panose="02020603050405020304" pitchFamily="18" charset="0"/>
-                <a:cs typeface="Times New Roman" panose="02020603050405020304" pitchFamily="18" charset="0"/>
-              </a:rPr>
-              <a:t> et al, “Terahertz Time-Domain Attenuated Total Reflection Spectroscopy in Water and Biological Solution,” </a:t>
-            </a:r>
-            <a:r>
-              <a:rPr lang="en-US" altLang="ko-KR" i="1" dirty="0" smtClean="0">
-                <a:latin typeface="Times New Roman" panose="02020603050405020304" pitchFamily="18" charset="0"/>
-                <a:cs typeface="Times New Roman" panose="02020603050405020304" pitchFamily="18" charset="0"/>
-              </a:rPr>
-              <a:t>International Journal of Infrared and Millimeter Waves</a:t>
-            </a:r>
-            <a:r>
-              <a:rPr lang="en-US" altLang="ko-KR" dirty="0" smtClean="0">
-                <a:latin typeface="Times New Roman" panose="02020603050405020304" pitchFamily="18" charset="0"/>
-                <a:cs typeface="Times New Roman" panose="02020603050405020304" pitchFamily="18" charset="0"/>
-              </a:rPr>
-              <a:t>, Vol. 27, No. 4, 2006, pp. 505-515.</a:t>
-            </a:r>
-          </a:p>
-          <a:p>
-            <a:pPr marL="285750" indent="-285750">
-              <a:buFont typeface="Arial" panose="020B0604020202020204" pitchFamily="34" charset="0"/>
-              <a:buChar char="•"/>
-            </a:pPr>
-            <a:r>
-              <a:rPr lang="en-US" altLang="ko-KR" dirty="0" smtClean="0">
+            <a:r>
+              <a:rPr lang="en-US" altLang="ko-KR" sz="1050" dirty="0">
                 <a:latin typeface="Times New Roman" panose="02020603050405020304" pitchFamily="18" charset="0"/>
                 <a:cs typeface="Times New Roman" panose="02020603050405020304" pitchFamily="18" charset="0"/>
               </a:rPr>
               <a:t>Fischer, B. M., M. Hoffmann, and P. U. Jepsen, “Dynamic Range and Numerical Error Propagation in Terahertz Time-Domain Spectroscopy,” in </a:t>
             </a:r>
             <a:r>
-              <a:rPr lang="en-US" altLang="ko-KR" i="1" dirty="0" smtClean="0">
+              <a:rPr lang="en-US" altLang="ko-KR" sz="1050" i="1" dirty="0">
                 <a:latin typeface="Times New Roman" panose="02020603050405020304" pitchFamily="18" charset="0"/>
                 <a:cs typeface="Times New Roman" panose="02020603050405020304" pitchFamily="18" charset="0"/>
               </a:rPr>
               <a:t>Optical Terahertz Science and Technology, Technical Digest (CD). </a:t>
             </a:r>
             <a:r>
-              <a:rPr lang="en-US" altLang="ko-KR" dirty="0" smtClean="0">
+              <a:rPr lang="en-US" altLang="ko-KR" sz="1050" dirty="0">
                 <a:latin typeface="Times New Roman" panose="02020603050405020304" pitchFamily="18" charset="0"/>
                 <a:cs typeface="Times New Roman" panose="02020603050405020304" pitchFamily="18" charset="0"/>
               </a:rPr>
               <a:t>Optical Society of America, 2005, paper TuD1.</a:t>
             </a:r>
-            <a:endParaRPr lang="en-US" altLang="ko-KR" dirty="0" smtClean="0">
-              <a:latin typeface="Times New Roman" panose="02020603050405020304" pitchFamily="18" charset="0"/>
-              <a:cs typeface="Times New Roman" panose="02020603050405020304" pitchFamily="18" charset="0"/>
+          </a:p>
+        </p:txBody>
+      </p:sp>
+      <p:sp>
+        <p:nvSpPr>
+          <p:cNvPr id="9" name="TextBox 8"/>
+          <p:cNvSpPr txBox="1"/>
+          <p:nvPr/>
+        </p:nvSpPr>
+        <p:spPr>
+          <a:xfrm>
+            <a:off x="345758" y="1196316"/>
+            <a:ext cx="8560849" cy="646331"/>
+          </a:xfrm>
+          <a:prstGeom prst="rect">
+            <a:avLst/>
+          </a:prstGeom>
+          <a:noFill/>
+        </p:spPr>
+        <p:txBody>
+          <a:bodyPr wrap="square" rtlCol="0">
+            <a:spAutoFit/>
+          </a:bodyPr>
+          <a:lstStyle/>
+          <a:p>
+            <a:r>
+              <a:rPr lang="en-US" altLang="ko-KR" dirty="0" smtClean="0"/>
+              <a:t> An upper bound of the sample thickness for a given </a:t>
+            </a:r>
+            <a:r>
+              <a:rPr lang="en-US" altLang="ko-KR" dirty="0" smtClean="0">
+                <a:solidFill>
+                  <a:srgbClr val="3333FF"/>
+                </a:solidFill>
+              </a:rPr>
+              <a:t>absorption value </a:t>
+            </a:r>
+            <a:r>
+              <a:rPr lang="en-US" altLang="ko-KR" dirty="0" smtClean="0"/>
+              <a:t>is determined from the system’s </a:t>
+            </a:r>
+            <a:r>
+              <a:rPr lang="en-US" altLang="ko-KR" dirty="0" smtClean="0">
+                <a:solidFill>
+                  <a:srgbClr val="3333FF"/>
+                </a:solidFill>
+              </a:rPr>
+              <a:t>dynamic range</a:t>
+            </a:r>
+            <a:r>
+              <a:rPr lang="en-US" altLang="ko-KR" dirty="0" smtClean="0"/>
+              <a:t>.</a:t>
+            </a:r>
+            <a:endParaRPr lang="ko-KR" altLang="en-US" dirty="0">
+              <a:solidFill>
+                <a:srgbClr val="3333FF"/>
+              </a:solidFill>
+            </a:endParaRPr>
+          </a:p>
+        </p:txBody>
+      </p:sp>
+      <p:sp>
+        <p:nvSpPr>
+          <p:cNvPr id="5" name="TextBox 4"/>
+          <p:cNvSpPr txBox="1"/>
+          <p:nvPr/>
+        </p:nvSpPr>
+        <p:spPr>
+          <a:xfrm>
+            <a:off x="563750" y="796206"/>
+            <a:ext cx="3199357" cy="400110"/>
+          </a:xfrm>
+          <a:prstGeom prst="rect">
+            <a:avLst/>
+          </a:prstGeom>
+          <a:noFill/>
+        </p:spPr>
+        <p:txBody>
+          <a:bodyPr wrap="square" rtlCol="0">
+            <a:spAutoFit/>
+          </a:bodyPr>
+          <a:lstStyle/>
+          <a:p>
+            <a:r>
+              <a:rPr lang="en-US" altLang="ko-KR" sz="2000" dirty="0" smtClean="0">
+                <a:solidFill>
+                  <a:srgbClr val="3333FF"/>
+                </a:solidFill>
+              </a:rPr>
+              <a:t>Maximum Thickness</a:t>
+            </a:r>
+            <a:endParaRPr lang="ko-KR" altLang="en-US" sz="2000" dirty="0">
+              <a:solidFill>
+                <a:srgbClr val="3333FF"/>
+              </a:solidFill>
+            </a:endParaRPr>
+          </a:p>
+        </p:txBody>
+      </p:sp>
+      <mc:AlternateContent xmlns:mc="http://schemas.openxmlformats.org/markup-compatibility/2006">
+        <mc:Choice xmlns:a14="http://schemas.microsoft.com/office/drawing/2010/main" Requires="a14">
+          <p:sp>
+            <p:nvSpPr>
+              <p:cNvPr id="2" name="TextBox 1"/>
+              <p:cNvSpPr txBox="1"/>
+              <p:nvPr/>
+            </p:nvSpPr>
+            <p:spPr>
+              <a:xfrm>
+                <a:off x="2892669" y="1962937"/>
+                <a:ext cx="2583078" cy="559640"/>
+              </a:xfrm>
+              <a:prstGeom prst="rect">
+                <a:avLst/>
+              </a:prstGeom>
+              <a:noFill/>
+            </p:spPr>
+            <p:txBody>
+              <a:bodyPr wrap="none" lIns="0" tIns="0" rIns="0" bIns="0" rtlCol="0">
+                <a:spAutoFit/>
+              </a:bodyPr>
+              <a:lstStyle/>
+              <a:p>
+                <a14:m>
+                  <m:oMathPara xmlns:m="http://schemas.openxmlformats.org/officeDocument/2006/math">
+                    <m:oMathParaPr>
+                      <m:jc m:val="centerGroup"/>
+                    </m:oMathParaPr>
+                    <m:oMath xmlns:m="http://schemas.openxmlformats.org/officeDocument/2006/math">
+                      <m:sSub>
+                        <m:sSubPr>
+                          <m:ctrlPr>
+                            <a:rPr lang="en-US" altLang="ko-KR" b="0" i="1" smtClean="0">
+                              <a:latin typeface="Cambria Math" panose="02040503050406030204" pitchFamily="18" charset="0"/>
+                            </a:rPr>
+                          </m:ctrlPr>
+                        </m:sSubPr>
+                        <m:e>
+                          <m:r>
+                            <a:rPr lang="en-US" altLang="ko-KR" b="0" i="1" smtClean="0">
+                              <a:latin typeface="Cambria Math" panose="02040503050406030204" pitchFamily="18" charset="0"/>
+                            </a:rPr>
+                            <m:t>𝑙</m:t>
+                          </m:r>
+                        </m:e>
+                        <m:sub>
+                          <m:r>
+                            <m:rPr>
+                              <m:sty m:val="p"/>
+                            </m:rPr>
+                            <a:rPr lang="en-US" altLang="ko-KR" b="0" i="0" smtClean="0">
+                              <a:latin typeface="Cambria Math" panose="02040503050406030204" pitchFamily="18" charset="0"/>
+                            </a:rPr>
+                            <m:t>max</m:t>
+                          </m:r>
+                        </m:sub>
+                      </m:sSub>
+                      <m:r>
+                        <a:rPr lang="en-US" altLang="ko-KR" b="0" i="1" smtClean="0">
+                          <a:latin typeface="Cambria Math" panose="02040503050406030204" pitchFamily="18" charset="0"/>
+                        </a:rPr>
+                        <m:t>=</m:t>
+                      </m:r>
+                      <m:f>
+                        <m:fPr>
+                          <m:ctrlPr>
+                            <a:rPr lang="en-US" altLang="ko-KR" b="0" i="1" smtClean="0">
+                              <a:latin typeface="Cambria Math" panose="02040503050406030204" pitchFamily="18" charset="0"/>
+                            </a:rPr>
+                          </m:ctrlPr>
+                        </m:fPr>
+                        <m:num>
+                          <m:r>
+                            <a:rPr lang="en-US" altLang="ko-KR" b="0" i="1" smtClean="0">
+                              <a:latin typeface="Cambria Math" panose="02040503050406030204" pitchFamily="18" charset="0"/>
+                            </a:rPr>
+                            <m:t>2</m:t>
+                          </m:r>
+                        </m:num>
+                        <m:den>
+                          <m:r>
+                            <a:rPr lang="en-US" altLang="ko-KR" b="0" i="1" smtClean="0">
+                              <a:latin typeface="Cambria Math" panose="02040503050406030204" pitchFamily="18" charset="0"/>
+                            </a:rPr>
+                            <m:t>𝛼</m:t>
+                          </m:r>
+                        </m:den>
+                      </m:f>
+                      <m:func>
+                        <m:funcPr>
+                          <m:ctrlPr>
+                            <a:rPr lang="en-US" altLang="ko-KR" b="0" i="1" smtClean="0">
+                              <a:latin typeface="Cambria Math" panose="02040503050406030204" pitchFamily="18" charset="0"/>
+                            </a:rPr>
+                          </m:ctrlPr>
+                        </m:funcPr>
+                        <m:fName>
+                          <m:r>
+                            <m:rPr>
+                              <m:sty m:val="p"/>
+                            </m:rPr>
+                            <a:rPr lang="en-US" altLang="ko-KR" b="0" i="0" smtClean="0">
+                              <a:latin typeface="Cambria Math" panose="02040503050406030204" pitchFamily="18" charset="0"/>
+                            </a:rPr>
+                            <m:t>ln</m:t>
+                          </m:r>
+                        </m:fName>
+                        <m:e>
+                          <m:d>
+                            <m:dPr>
+                              <m:begChr m:val="["/>
+                              <m:endChr m:val="]"/>
+                              <m:ctrlPr>
+                                <a:rPr lang="en-US" altLang="ko-KR" b="0" i="1" smtClean="0">
+                                  <a:latin typeface="Cambria Math" panose="02040503050406030204" pitchFamily="18" charset="0"/>
+                                </a:rPr>
+                              </m:ctrlPr>
+                            </m:dPr>
+                            <m:e>
+                              <m:r>
+                                <m:rPr>
+                                  <m:sty m:val="p"/>
+                                </m:rPr>
+                                <a:rPr lang="en-US" altLang="ko-KR" b="0" i="0" smtClean="0">
+                                  <a:latin typeface="Cambria Math" panose="02040503050406030204" pitchFamily="18" charset="0"/>
+                                </a:rPr>
+                                <m:t>DR</m:t>
+                              </m:r>
+                              <m:f>
+                                <m:fPr>
+                                  <m:ctrlPr>
+                                    <a:rPr lang="en-US" altLang="ko-KR" b="0" i="1" smtClean="0">
+                                      <a:latin typeface="Cambria Math" panose="02040503050406030204" pitchFamily="18" charset="0"/>
+                                    </a:rPr>
+                                  </m:ctrlPr>
+                                </m:fPr>
+                                <m:num>
+                                  <m:r>
+                                    <a:rPr lang="en-US" altLang="ko-KR" b="0" i="1" smtClean="0">
+                                      <a:latin typeface="Cambria Math" panose="02040503050406030204" pitchFamily="18" charset="0"/>
+                                    </a:rPr>
+                                    <m:t>4</m:t>
+                                  </m:r>
+                                  <m:r>
+                                    <a:rPr lang="en-US" altLang="ko-KR" b="0" i="1" smtClean="0">
+                                      <a:latin typeface="Cambria Math" panose="02040503050406030204" pitchFamily="18" charset="0"/>
+                                    </a:rPr>
+                                    <m:t>𝑛</m:t>
+                                  </m:r>
+                                </m:num>
+                                <m:den>
+                                  <m:sSup>
+                                    <m:sSupPr>
+                                      <m:ctrlPr>
+                                        <a:rPr lang="en-US" altLang="ko-KR" b="0" i="1" smtClean="0">
+                                          <a:latin typeface="Cambria Math" panose="02040503050406030204" pitchFamily="18" charset="0"/>
+                                        </a:rPr>
+                                      </m:ctrlPr>
+                                    </m:sSupPr>
+                                    <m:e>
+                                      <m:d>
+                                        <m:dPr>
+                                          <m:ctrlPr>
+                                            <a:rPr lang="en-US" altLang="ko-KR" b="0" i="1" smtClean="0">
+                                              <a:latin typeface="Cambria Math" panose="02040503050406030204" pitchFamily="18" charset="0"/>
+                                            </a:rPr>
+                                          </m:ctrlPr>
+                                        </m:dPr>
+                                        <m:e>
+                                          <m:r>
+                                            <a:rPr lang="en-US" altLang="ko-KR" b="0" i="1" smtClean="0">
+                                              <a:latin typeface="Cambria Math" panose="02040503050406030204" pitchFamily="18" charset="0"/>
+                                            </a:rPr>
+                                            <m:t>𝑛</m:t>
+                                          </m:r>
+                                          <m:r>
+                                            <a:rPr lang="en-US" altLang="ko-KR" b="0" i="1" smtClean="0">
+                                              <a:latin typeface="Cambria Math" panose="02040503050406030204" pitchFamily="18" charset="0"/>
+                                            </a:rPr>
+                                            <m:t>+1</m:t>
+                                          </m:r>
+                                        </m:e>
+                                      </m:d>
+                                    </m:e>
+                                    <m:sup>
+                                      <m:r>
+                                        <a:rPr lang="en-US" altLang="ko-KR" b="0" i="1" smtClean="0">
+                                          <a:latin typeface="Cambria Math" panose="02040503050406030204" pitchFamily="18" charset="0"/>
+                                        </a:rPr>
+                                        <m:t>2</m:t>
+                                      </m:r>
+                                    </m:sup>
+                                  </m:sSup>
+                                </m:den>
+                              </m:f>
+                            </m:e>
+                          </m:d>
+                        </m:e>
+                      </m:func>
+                    </m:oMath>
+                  </m:oMathPara>
+                </a14:m>
+                <a:endParaRPr lang="ko-KR" altLang="en-US" dirty="0"/>
+              </a:p>
+            </p:txBody>
+          </p:sp>
+        </mc:Choice>
+        <mc:Fallback>
+          <p:sp>
+            <p:nvSpPr>
+              <p:cNvPr id="2" name="TextBox 1"/>
+              <p:cNvSpPr txBox="1">
+                <a:spLocks noRot="1" noChangeAspect="1" noMove="1" noResize="1" noEditPoints="1" noAdjustHandles="1" noChangeArrowheads="1" noChangeShapeType="1" noTextEdit="1"/>
+              </p:cNvSpPr>
+              <p:nvPr/>
+            </p:nvSpPr>
+            <p:spPr>
+              <a:xfrm>
+                <a:off x="2892669" y="1962937"/>
+                <a:ext cx="2583078" cy="559640"/>
+              </a:xfrm>
+              <a:prstGeom prst="rect">
+                <a:avLst/>
+              </a:prstGeom>
+              <a:blipFill rotWithShape="0">
+                <a:blip r:embed="rId3"/>
+                <a:stretch>
+                  <a:fillRect/>
+                </a:stretch>
+              </a:blipFill>
+            </p:spPr>
+            <p:txBody>
+              <a:bodyPr/>
+              <a:lstStyle/>
+              <a:p>
+                <a:r>
+                  <a:rPr lang="ko-KR" altLang="en-US">
+                    <a:noFill/>
+                  </a:rPr>
+                  <a:t> </a:t>
+                </a:r>
+              </a:p>
+            </p:txBody>
+          </p:sp>
+        </mc:Fallback>
+      </mc:AlternateContent>
+      <p:sp>
+        <p:nvSpPr>
+          <p:cNvPr id="11" name="TextBox 10"/>
+          <p:cNvSpPr txBox="1"/>
+          <p:nvPr/>
+        </p:nvSpPr>
+        <p:spPr>
+          <a:xfrm>
+            <a:off x="345758" y="3042977"/>
+            <a:ext cx="8560849" cy="369332"/>
+          </a:xfrm>
+          <a:prstGeom prst="rect">
+            <a:avLst/>
+          </a:prstGeom>
+          <a:noFill/>
+        </p:spPr>
+        <p:txBody>
+          <a:bodyPr wrap="square" rtlCol="0">
+            <a:spAutoFit/>
+          </a:bodyPr>
+          <a:lstStyle/>
+          <a:p>
+            <a:r>
+              <a:rPr lang="en-US" altLang="ko-KR" dirty="0" smtClean="0"/>
+              <a:t> The minimal thickness is limited by the standard deviation of the signal</a:t>
+            </a:r>
+            <a:endParaRPr lang="ko-KR" altLang="en-US" dirty="0">
+              <a:solidFill>
+                <a:srgbClr val="3333FF"/>
+              </a:solidFill>
+            </a:endParaRPr>
+          </a:p>
+        </p:txBody>
+      </p:sp>
+      <p:sp>
+        <p:nvSpPr>
+          <p:cNvPr id="12" name="TextBox 11"/>
+          <p:cNvSpPr txBox="1"/>
+          <p:nvPr/>
+        </p:nvSpPr>
+        <p:spPr>
+          <a:xfrm>
+            <a:off x="563750" y="2642867"/>
+            <a:ext cx="3199357" cy="400110"/>
+          </a:xfrm>
+          <a:prstGeom prst="rect">
+            <a:avLst/>
+          </a:prstGeom>
+          <a:noFill/>
+        </p:spPr>
+        <p:txBody>
+          <a:bodyPr wrap="square" rtlCol="0">
+            <a:spAutoFit/>
+          </a:bodyPr>
+          <a:lstStyle/>
+          <a:p>
+            <a:r>
+              <a:rPr lang="en-US" altLang="ko-KR" sz="2000" dirty="0" smtClean="0">
+                <a:solidFill>
+                  <a:srgbClr val="3333FF"/>
+                </a:solidFill>
+              </a:rPr>
+              <a:t>Minimum</a:t>
+            </a:r>
+            <a:r>
+              <a:rPr lang="en-US" altLang="ko-KR" sz="2000" dirty="0" smtClean="0">
+                <a:solidFill>
+                  <a:srgbClr val="3333FF"/>
+                </a:solidFill>
+              </a:rPr>
+              <a:t> Thickness</a:t>
+            </a:r>
+            <a:endParaRPr lang="ko-KR" altLang="en-US" sz="2000" dirty="0">
+              <a:solidFill>
+                <a:srgbClr val="3333FF"/>
+              </a:solidFill>
             </a:endParaRPr>
           </a:p>
         </p:txBody>
@@ -12632,7 +13186,7 @@
     </p:spTree>
     <p:extLst>
       <p:ext uri="{BB962C8B-B14F-4D97-AF65-F5344CB8AC3E}">
-        <p14:creationId xmlns:p14="http://schemas.microsoft.com/office/powerpoint/2010/main" val="3518239763"/>
+        <p14:creationId xmlns:p14="http://schemas.microsoft.com/office/powerpoint/2010/main" val="2345409815"/>
       </p:ext>
     </p:extLst>
   </p:cSld>
@@ -12973,6 +13527,744 @@
     <p:extLst>
       <p:ext uri="{BB962C8B-B14F-4D97-AF65-F5344CB8AC3E}">
         <p14:creationId xmlns:p14="http://schemas.microsoft.com/office/powerpoint/2010/main" val="1136480468"/>
+      </p:ext>
+    </p:extLst>
+  </p:cSld>
+  <p:clrMapOvr>
+    <a:masterClrMapping/>
+  </p:clrMapOvr>
+  <p:timing>
+    <p:tnLst>
+      <p:par>
+        <p:cTn id="1" dur="indefinite" restart="never" nodeType="tmRoot"/>
+      </p:par>
+    </p:tnLst>
+  </p:timing>
+</p:sld>
+</file>
+
+<file path=ppt/slides/slide20.xml><?xml version="1.0" encoding="utf-8"?>
+<p:sld xmlns:a="http://schemas.openxmlformats.org/drawingml/2006/main" xmlns:r="http://schemas.openxmlformats.org/officeDocument/2006/relationships" xmlns:p="http://schemas.openxmlformats.org/presentationml/2006/main">
+  <p:cSld>
+    <p:spTree>
+      <p:nvGrpSpPr>
+        <p:cNvPr id="1" name=""/>
+        <p:cNvGrpSpPr/>
+        <p:nvPr/>
+      </p:nvGrpSpPr>
+      <p:grpSpPr>
+        <a:xfrm>
+          <a:off x="0" y="0"/>
+          <a:ext cx="0" cy="0"/>
+          <a:chOff x="0" y="0"/>
+          <a:chExt cx="0" cy="0"/>
+        </a:xfrm>
+      </p:grpSpPr>
+      <p:sp>
+        <p:nvSpPr>
+          <p:cNvPr id="6199" name="Rectangle 55"/>
+          <p:cNvSpPr>
+            <a:spLocks noChangeArrowheads="1"/>
+          </p:cNvSpPr>
+          <p:nvPr/>
+        </p:nvSpPr>
+        <p:spPr bwMode="auto">
+          <a:xfrm>
+            <a:off x="0" y="0"/>
+            <a:ext cx="9144000" cy="692150"/>
+          </a:xfrm>
+          <a:prstGeom prst="rect">
+            <a:avLst/>
+          </a:prstGeom>
+          <a:solidFill>
+            <a:srgbClr val="3333FF"/>
+          </a:solidFill>
+          <a:ln>
+            <a:noFill/>
+          </a:ln>
+          <a:effectLst/>
+          <a:extLst>
+            <a:ext uri="{91240B29-F687-4F45-9708-019B960494DF}">
+              <a14:hiddenLine xmlns:a14="http://schemas.microsoft.com/office/drawing/2010/main" w="9525">
+                <a:solidFill>
+                  <a:schemeClr val="tx1"/>
+                </a:solidFill>
+                <a:miter lim="800000"/>
+                <a:headEnd/>
+                <a:tailEnd/>
+              </a14:hiddenLine>
+            </a:ext>
+            <a:ext uri="{AF507438-7753-43E0-B8FC-AC1667EBCBE1}">
+              <a14:hiddenEffects xmlns:a14="http://schemas.microsoft.com/office/drawing/2010/main">
+                <a:effectLst>
+                  <a:outerShdw dist="35921" dir="2700000" algn="ctr" rotWithShape="0">
+                    <a:schemeClr val="bg2"/>
+                  </a:outerShdw>
+                </a:effectLst>
+              </a14:hiddenEffects>
+            </a:ext>
+          </a:extLst>
+        </p:spPr>
+        <p:txBody>
+          <a:bodyPr wrap="none" anchor="ctr"/>
+          <a:lstStyle/>
+          <a:p>
+            <a:pPr algn="ctr"/>
+            <a:r>
+              <a:rPr lang="en-US" altLang="ko-KR" sz="2700" dirty="0" smtClean="0">
+                <a:solidFill>
+                  <a:schemeClr val="bg1"/>
+                </a:solidFill>
+                <a:latin typeface="Arial" panose="020B0604020202020204" pitchFamily="34" charset="0"/>
+              </a:rPr>
+              <a:t>4</a:t>
+            </a:r>
+            <a:r>
+              <a:rPr lang="en-US" altLang="ko-KR" sz="2700" dirty="0" smtClean="0">
+                <a:solidFill>
+                  <a:schemeClr val="bg1"/>
+                </a:solidFill>
+                <a:latin typeface="Arial" panose="020B0604020202020204" pitchFamily="34" charset="0"/>
+              </a:rPr>
+              <a:t>.2 Lateral Dimensions of Samples</a:t>
+            </a:r>
+            <a:endParaRPr lang="en-US" altLang="ko-KR" sz="2700" dirty="0" smtClean="0">
+              <a:solidFill>
+                <a:schemeClr val="bg1"/>
+              </a:solidFill>
+              <a:latin typeface="Arial" panose="020B0604020202020204" pitchFamily="34" charset="0"/>
+            </a:endParaRPr>
+          </a:p>
+        </p:txBody>
+      </p:sp>
+      <p:sp>
+        <p:nvSpPr>
+          <p:cNvPr id="8" name="TextBox 7"/>
+          <p:cNvSpPr txBox="1"/>
+          <p:nvPr/>
+        </p:nvSpPr>
+        <p:spPr>
+          <a:xfrm>
+            <a:off x="268165" y="6338128"/>
+            <a:ext cx="8607669" cy="415498"/>
+          </a:xfrm>
+          <a:prstGeom prst="rect">
+            <a:avLst/>
+          </a:prstGeom>
+          <a:noFill/>
+        </p:spPr>
+        <p:txBody>
+          <a:bodyPr wrap="square" rtlCol="0">
+            <a:spAutoFit/>
+          </a:bodyPr>
+          <a:lstStyle/>
+          <a:p>
+            <a:r>
+              <a:rPr lang="en-US" altLang="ko-KR" sz="1050" dirty="0">
+                <a:latin typeface="Times New Roman" panose="02020603050405020304" pitchFamily="18" charset="0"/>
+                <a:cs typeface="Times New Roman" panose="02020603050405020304" pitchFamily="18" charset="0"/>
+              </a:rPr>
+              <a:t>Fischer, B. M., M. Hoffmann, and P. U. Jepsen, “Dynamic Range and Numerical Error Propagation in Terahertz Time-Domain Spectroscopy,” in </a:t>
+            </a:r>
+            <a:r>
+              <a:rPr lang="en-US" altLang="ko-KR" sz="1050" i="1" dirty="0">
+                <a:latin typeface="Times New Roman" panose="02020603050405020304" pitchFamily="18" charset="0"/>
+                <a:cs typeface="Times New Roman" panose="02020603050405020304" pitchFamily="18" charset="0"/>
+              </a:rPr>
+              <a:t>Optical Terahertz Science and Technology, Technical Digest (CD). </a:t>
+            </a:r>
+            <a:r>
+              <a:rPr lang="en-US" altLang="ko-KR" sz="1050" dirty="0">
+                <a:latin typeface="Times New Roman" panose="02020603050405020304" pitchFamily="18" charset="0"/>
+                <a:cs typeface="Times New Roman" panose="02020603050405020304" pitchFamily="18" charset="0"/>
+              </a:rPr>
+              <a:t>Optical Society of America, 2005, paper TuD1.</a:t>
+            </a:r>
+          </a:p>
+        </p:txBody>
+      </p:sp>
+      <p:sp>
+        <p:nvSpPr>
+          <p:cNvPr id="9" name="TextBox 8"/>
+          <p:cNvSpPr txBox="1"/>
+          <p:nvPr/>
+        </p:nvSpPr>
+        <p:spPr>
+          <a:xfrm>
+            <a:off x="345758" y="834251"/>
+            <a:ext cx="8560849" cy="646331"/>
+          </a:xfrm>
+          <a:prstGeom prst="rect">
+            <a:avLst/>
+          </a:prstGeom>
+          <a:noFill/>
+        </p:spPr>
+        <p:txBody>
+          <a:bodyPr wrap="square" rtlCol="0">
+            <a:spAutoFit/>
+          </a:bodyPr>
+          <a:lstStyle/>
+          <a:p>
+            <a:r>
+              <a:rPr lang="en-US" altLang="ko-KR" dirty="0" smtClean="0"/>
+              <a:t>Noise in a terahertz signal could be reduced by </a:t>
+            </a:r>
+            <a:r>
+              <a:rPr lang="en-US" altLang="ko-KR" dirty="0" smtClean="0">
+                <a:solidFill>
+                  <a:srgbClr val="3333FF"/>
+                </a:solidFill>
+              </a:rPr>
+              <a:t>digital signal processing</a:t>
+            </a:r>
+            <a:r>
+              <a:rPr lang="en-US" altLang="ko-KR" dirty="0" smtClean="0"/>
+              <a:t> techniques in addition to signal averaging.</a:t>
+            </a:r>
+            <a:endParaRPr lang="ko-KR" altLang="en-US" dirty="0">
+              <a:solidFill>
+                <a:srgbClr val="3333FF"/>
+              </a:solidFill>
+            </a:endParaRPr>
+          </a:p>
+        </p:txBody>
+      </p:sp>
+    </p:spTree>
+    <p:extLst>
+      <p:ext uri="{BB962C8B-B14F-4D97-AF65-F5344CB8AC3E}">
+        <p14:creationId xmlns:p14="http://schemas.microsoft.com/office/powerpoint/2010/main" val="1463509654"/>
+      </p:ext>
+    </p:extLst>
+  </p:cSld>
+  <p:clrMapOvr>
+    <a:masterClrMapping/>
+  </p:clrMapOvr>
+  <p:timing>
+    <p:tnLst>
+      <p:par>
+        <p:cTn id="1" dur="indefinite" restart="never" nodeType="tmRoot"/>
+      </p:par>
+    </p:tnLst>
+  </p:timing>
+</p:sld>
+</file>
+
+<file path=ppt/slides/slide21.xml><?xml version="1.0" encoding="utf-8"?>
+<p:sld xmlns:a="http://schemas.openxmlformats.org/drawingml/2006/main" xmlns:r="http://schemas.openxmlformats.org/officeDocument/2006/relationships" xmlns:p="http://schemas.openxmlformats.org/presentationml/2006/main">
+  <p:cSld>
+    <p:spTree>
+      <p:nvGrpSpPr>
+        <p:cNvPr id="1" name=""/>
+        <p:cNvGrpSpPr/>
+        <p:nvPr/>
+      </p:nvGrpSpPr>
+      <p:grpSpPr>
+        <a:xfrm>
+          <a:off x="0" y="0"/>
+          <a:ext cx="0" cy="0"/>
+          <a:chOff x="0" y="0"/>
+          <a:chExt cx="0" cy="0"/>
+        </a:xfrm>
+      </p:grpSpPr>
+      <p:sp>
+        <p:nvSpPr>
+          <p:cNvPr id="6199" name="Rectangle 55"/>
+          <p:cNvSpPr>
+            <a:spLocks noChangeArrowheads="1"/>
+          </p:cNvSpPr>
+          <p:nvPr/>
+        </p:nvSpPr>
+        <p:spPr bwMode="auto">
+          <a:xfrm>
+            <a:off x="0" y="0"/>
+            <a:ext cx="9144000" cy="692150"/>
+          </a:xfrm>
+          <a:prstGeom prst="rect">
+            <a:avLst/>
+          </a:prstGeom>
+          <a:solidFill>
+            <a:srgbClr val="3333FF"/>
+          </a:solidFill>
+          <a:ln>
+            <a:noFill/>
+          </a:ln>
+          <a:effectLst/>
+          <a:extLst>
+            <a:ext uri="{91240B29-F687-4F45-9708-019B960494DF}">
+              <a14:hiddenLine xmlns:a14="http://schemas.microsoft.com/office/drawing/2010/main" w="9525">
+                <a:solidFill>
+                  <a:schemeClr val="tx1"/>
+                </a:solidFill>
+                <a:miter lim="800000"/>
+                <a:headEnd/>
+                <a:tailEnd/>
+              </a14:hiddenLine>
+            </a:ext>
+            <a:ext uri="{AF507438-7753-43E0-B8FC-AC1667EBCBE1}">
+              <a14:hiddenEffects xmlns:a14="http://schemas.microsoft.com/office/drawing/2010/main">
+                <a:effectLst>
+                  <a:outerShdw dist="35921" dir="2700000" algn="ctr" rotWithShape="0">
+                    <a:schemeClr val="bg2"/>
+                  </a:outerShdw>
+                </a:effectLst>
+              </a14:hiddenEffects>
+            </a:ext>
+          </a:extLst>
+        </p:spPr>
+        <p:txBody>
+          <a:bodyPr wrap="none" anchor="ctr"/>
+          <a:lstStyle/>
+          <a:p>
+            <a:pPr algn="ctr"/>
+            <a:r>
+              <a:rPr lang="en-US" altLang="ko-KR" sz="2700" dirty="0" smtClean="0">
+                <a:solidFill>
+                  <a:schemeClr val="bg1"/>
+                </a:solidFill>
+                <a:latin typeface="Arial" panose="020B0604020202020204" pitchFamily="34" charset="0"/>
+              </a:rPr>
+              <a:t>4</a:t>
+            </a:r>
+            <a:r>
+              <a:rPr lang="en-US" altLang="ko-KR" sz="2700" dirty="0" smtClean="0">
+                <a:solidFill>
+                  <a:schemeClr val="bg1"/>
+                </a:solidFill>
+                <a:latin typeface="Arial" panose="020B0604020202020204" pitchFamily="34" charset="0"/>
+              </a:rPr>
+              <a:t>.3 Loss: Absorption, Scattering, Diffraction</a:t>
+            </a:r>
+            <a:endParaRPr lang="en-US" altLang="ko-KR" sz="2700" dirty="0" smtClean="0">
+              <a:solidFill>
+                <a:schemeClr val="bg1"/>
+              </a:solidFill>
+              <a:latin typeface="Arial" panose="020B0604020202020204" pitchFamily="34" charset="0"/>
+            </a:endParaRPr>
+          </a:p>
+        </p:txBody>
+      </p:sp>
+      <p:sp>
+        <p:nvSpPr>
+          <p:cNvPr id="8" name="TextBox 7"/>
+          <p:cNvSpPr txBox="1"/>
+          <p:nvPr/>
+        </p:nvSpPr>
+        <p:spPr>
+          <a:xfrm>
+            <a:off x="268165" y="6338128"/>
+            <a:ext cx="8607669" cy="415498"/>
+          </a:xfrm>
+          <a:prstGeom prst="rect">
+            <a:avLst/>
+          </a:prstGeom>
+          <a:noFill/>
+        </p:spPr>
+        <p:txBody>
+          <a:bodyPr wrap="square" rtlCol="0">
+            <a:spAutoFit/>
+          </a:bodyPr>
+          <a:lstStyle/>
+          <a:p>
+            <a:r>
+              <a:rPr lang="en-US" altLang="ko-KR" sz="1050" dirty="0">
+                <a:latin typeface="Times New Roman" panose="02020603050405020304" pitchFamily="18" charset="0"/>
+                <a:cs typeface="Times New Roman" panose="02020603050405020304" pitchFamily="18" charset="0"/>
+              </a:rPr>
+              <a:t>Fischer, B. M., M. Hoffmann, and P. U. Jepsen, “Dynamic Range and Numerical Error Propagation in Terahertz Time-Domain Spectroscopy,” in </a:t>
+            </a:r>
+            <a:r>
+              <a:rPr lang="en-US" altLang="ko-KR" sz="1050" i="1" dirty="0">
+                <a:latin typeface="Times New Roman" panose="02020603050405020304" pitchFamily="18" charset="0"/>
+                <a:cs typeface="Times New Roman" panose="02020603050405020304" pitchFamily="18" charset="0"/>
+              </a:rPr>
+              <a:t>Optical Terahertz Science and Technology, Technical Digest (CD). </a:t>
+            </a:r>
+            <a:r>
+              <a:rPr lang="en-US" altLang="ko-KR" sz="1050" dirty="0">
+                <a:latin typeface="Times New Roman" panose="02020603050405020304" pitchFamily="18" charset="0"/>
+                <a:cs typeface="Times New Roman" panose="02020603050405020304" pitchFamily="18" charset="0"/>
+              </a:rPr>
+              <a:t>Optical Society of America, 2005, paper TuD1.</a:t>
+            </a:r>
+          </a:p>
+        </p:txBody>
+      </p:sp>
+      <p:sp>
+        <p:nvSpPr>
+          <p:cNvPr id="9" name="TextBox 8"/>
+          <p:cNvSpPr txBox="1"/>
+          <p:nvPr/>
+        </p:nvSpPr>
+        <p:spPr>
+          <a:xfrm>
+            <a:off x="345758" y="834251"/>
+            <a:ext cx="8560849" cy="646331"/>
+          </a:xfrm>
+          <a:prstGeom prst="rect">
+            <a:avLst/>
+          </a:prstGeom>
+          <a:noFill/>
+        </p:spPr>
+        <p:txBody>
+          <a:bodyPr wrap="square" rtlCol="0">
+            <a:spAutoFit/>
+          </a:bodyPr>
+          <a:lstStyle/>
+          <a:p>
+            <a:r>
+              <a:rPr lang="en-US" altLang="ko-KR" dirty="0" smtClean="0"/>
+              <a:t>Noise in a terahertz signal could be reduced by </a:t>
+            </a:r>
+            <a:r>
+              <a:rPr lang="en-US" altLang="ko-KR" dirty="0" smtClean="0">
+                <a:solidFill>
+                  <a:srgbClr val="3333FF"/>
+                </a:solidFill>
+              </a:rPr>
+              <a:t>digital signal processing</a:t>
+            </a:r>
+            <a:r>
+              <a:rPr lang="en-US" altLang="ko-KR" dirty="0" smtClean="0"/>
+              <a:t> techniques in addition to signal averaging.</a:t>
+            </a:r>
+            <a:endParaRPr lang="ko-KR" altLang="en-US" dirty="0">
+              <a:solidFill>
+                <a:srgbClr val="3333FF"/>
+              </a:solidFill>
+            </a:endParaRPr>
+          </a:p>
+        </p:txBody>
+      </p:sp>
+    </p:spTree>
+    <p:extLst>
+      <p:ext uri="{BB962C8B-B14F-4D97-AF65-F5344CB8AC3E}">
+        <p14:creationId xmlns:p14="http://schemas.microsoft.com/office/powerpoint/2010/main" val="2202019002"/>
+      </p:ext>
+    </p:extLst>
+  </p:cSld>
+  <p:clrMapOvr>
+    <a:masterClrMapping/>
+  </p:clrMapOvr>
+  <p:timing>
+    <p:tnLst>
+      <p:par>
+        <p:cTn id="1" dur="indefinite" restart="never" nodeType="tmRoot"/>
+      </p:par>
+    </p:tnLst>
+  </p:timing>
+</p:sld>
+</file>
+
+<file path=ppt/slides/slide22.xml><?xml version="1.0" encoding="utf-8"?>
+<p:sld xmlns:a="http://schemas.openxmlformats.org/drawingml/2006/main" xmlns:r="http://schemas.openxmlformats.org/officeDocument/2006/relationships" xmlns:p="http://schemas.openxmlformats.org/presentationml/2006/main">
+  <p:cSld>
+    <p:spTree>
+      <p:nvGrpSpPr>
+        <p:cNvPr id="1" name=""/>
+        <p:cNvGrpSpPr/>
+        <p:nvPr/>
+      </p:nvGrpSpPr>
+      <p:grpSpPr>
+        <a:xfrm>
+          <a:off x="0" y="0"/>
+          <a:ext cx="0" cy="0"/>
+          <a:chOff x="0" y="0"/>
+          <a:chExt cx="0" cy="0"/>
+        </a:xfrm>
+      </p:grpSpPr>
+      <p:sp>
+        <p:nvSpPr>
+          <p:cNvPr id="6199" name="Rectangle 55"/>
+          <p:cNvSpPr>
+            <a:spLocks noChangeArrowheads="1"/>
+          </p:cNvSpPr>
+          <p:nvPr/>
+        </p:nvSpPr>
+        <p:spPr bwMode="auto">
+          <a:xfrm>
+            <a:off x="0" y="0"/>
+            <a:ext cx="9144000" cy="692150"/>
+          </a:xfrm>
+          <a:prstGeom prst="rect">
+            <a:avLst/>
+          </a:prstGeom>
+          <a:solidFill>
+            <a:srgbClr val="3333FF"/>
+          </a:solidFill>
+          <a:ln>
+            <a:noFill/>
+          </a:ln>
+          <a:effectLst/>
+          <a:extLst>
+            <a:ext uri="{91240B29-F687-4F45-9708-019B960494DF}">
+              <a14:hiddenLine xmlns:a14="http://schemas.microsoft.com/office/drawing/2010/main" w="9525">
+                <a:solidFill>
+                  <a:schemeClr val="tx1"/>
+                </a:solidFill>
+                <a:miter lim="800000"/>
+                <a:headEnd/>
+                <a:tailEnd/>
+              </a14:hiddenLine>
+            </a:ext>
+            <a:ext uri="{AF507438-7753-43E0-B8FC-AC1667EBCBE1}">
+              <a14:hiddenEffects xmlns:a14="http://schemas.microsoft.com/office/drawing/2010/main">
+                <a:effectLst>
+                  <a:outerShdw dist="35921" dir="2700000" algn="ctr" rotWithShape="0">
+                    <a:schemeClr val="bg2"/>
+                  </a:outerShdw>
+                </a:effectLst>
+              </a14:hiddenEffects>
+            </a:ext>
+          </a:extLst>
+        </p:spPr>
+        <p:txBody>
+          <a:bodyPr wrap="none" anchor="ctr"/>
+          <a:lstStyle/>
+          <a:p>
+            <a:pPr algn="ctr"/>
+            <a:r>
+              <a:rPr lang="en-US" altLang="ko-KR" sz="2800" dirty="0" smtClean="0">
+                <a:solidFill>
+                  <a:schemeClr val="bg1"/>
+                </a:solidFill>
+                <a:latin typeface="Arial" panose="020B0604020202020204" pitchFamily="34" charset="0"/>
+              </a:rPr>
+              <a:t>References</a:t>
+            </a:r>
+            <a:endParaRPr lang="en-US" altLang="ko-KR" sz="2800" dirty="0">
+              <a:solidFill>
+                <a:schemeClr val="bg1"/>
+              </a:solidFill>
+              <a:latin typeface="Arial" panose="020B0604020202020204" pitchFamily="34" charset="0"/>
+            </a:endParaRPr>
+          </a:p>
+        </p:txBody>
+      </p:sp>
+      <p:sp>
+        <p:nvSpPr>
+          <p:cNvPr id="2" name="TextBox 1"/>
+          <p:cNvSpPr txBox="1"/>
+          <p:nvPr/>
+        </p:nvSpPr>
+        <p:spPr>
+          <a:xfrm>
+            <a:off x="268165" y="1362807"/>
+            <a:ext cx="8607669" cy="3970318"/>
+          </a:xfrm>
+          <a:prstGeom prst="rect">
+            <a:avLst/>
+          </a:prstGeom>
+          <a:noFill/>
+        </p:spPr>
+        <p:txBody>
+          <a:bodyPr wrap="square" rtlCol="0">
+            <a:spAutoFit/>
+          </a:bodyPr>
+          <a:lstStyle/>
+          <a:p>
+            <a:pPr marL="285750" indent="-285750">
+              <a:buFont typeface="Arial" panose="020B0604020202020204" pitchFamily="34" charset="0"/>
+              <a:buChar char="•"/>
+            </a:pPr>
+            <a:r>
+              <a:rPr lang="en-US" altLang="ko-KR" dirty="0" err="1" smtClean="0">
+                <a:latin typeface="Times New Roman" panose="02020603050405020304" pitchFamily="18" charset="0"/>
+                <a:cs typeface="Times New Roman" panose="02020603050405020304" pitchFamily="18" charset="0"/>
+              </a:rPr>
+              <a:t>Dorney</a:t>
+            </a:r>
+            <a:r>
+              <a:rPr lang="en-US" altLang="ko-KR" dirty="0" smtClean="0">
+                <a:latin typeface="Times New Roman" panose="02020603050405020304" pitchFamily="18" charset="0"/>
+                <a:cs typeface="Times New Roman" panose="02020603050405020304" pitchFamily="18" charset="0"/>
+              </a:rPr>
+              <a:t>, T., R. </a:t>
+            </a:r>
+            <a:r>
+              <a:rPr lang="en-US" altLang="ko-KR" dirty="0" err="1" smtClean="0">
+                <a:latin typeface="Times New Roman" panose="02020603050405020304" pitchFamily="18" charset="0"/>
+                <a:cs typeface="Times New Roman" panose="02020603050405020304" pitchFamily="18" charset="0"/>
+              </a:rPr>
+              <a:t>Baraniuk</a:t>
+            </a:r>
+            <a:r>
+              <a:rPr lang="en-US" altLang="ko-KR" dirty="0" smtClean="0">
+                <a:latin typeface="Times New Roman" panose="02020603050405020304" pitchFamily="18" charset="0"/>
+                <a:cs typeface="Times New Roman" panose="02020603050405020304" pitchFamily="18" charset="0"/>
+              </a:rPr>
+              <a:t>, and D. </a:t>
+            </a:r>
+            <a:r>
+              <a:rPr lang="en-US" altLang="ko-KR" dirty="0" err="1" smtClean="0">
+                <a:latin typeface="Times New Roman" panose="02020603050405020304" pitchFamily="18" charset="0"/>
+                <a:cs typeface="Times New Roman" panose="02020603050405020304" pitchFamily="18" charset="0"/>
+              </a:rPr>
+              <a:t>Mittleman</a:t>
+            </a:r>
+            <a:r>
+              <a:rPr lang="en-US" altLang="ko-KR" dirty="0" smtClean="0">
+                <a:latin typeface="Times New Roman" panose="02020603050405020304" pitchFamily="18" charset="0"/>
+                <a:cs typeface="Times New Roman" panose="02020603050405020304" pitchFamily="18" charset="0"/>
+              </a:rPr>
+              <a:t>, “Material Parameter Estimation with Terahertz Time-Domain Spectroscopy,” </a:t>
+            </a:r>
+            <a:r>
+              <a:rPr lang="en-US" altLang="ko-KR" i="1" dirty="0" smtClean="0">
+                <a:latin typeface="Times New Roman" panose="02020603050405020304" pitchFamily="18" charset="0"/>
+                <a:cs typeface="Times New Roman" panose="02020603050405020304" pitchFamily="18" charset="0"/>
+              </a:rPr>
+              <a:t>Journal of the Optical Society of America A: Optics, Image Science, and Vision</a:t>
+            </a:r>
+            <a:r>
+              <a:rPr lang="en-US" altLang="ko-KR" dirty="0" smtClean="0">
+                <a:latin typeface="Times New Roman" panose="02020603050405020304" pitchFamily="18" charset="0"/>
+                <a:cs typeface="Times New Roman" panose="02020603050405020304" pitchFamily="18" charset="0"/>
+              </a:rPr>
+              <a:t>, Vol. 18, No. 7, 2001, pp. 1562-1571.</a:t>
+            </a:r>
+          </a:p>
+          <a:p>
+            <a:pPr marL="285750" indent="-285750">
+              <a:buFont typeface="Arial" panose="020B0604020202020204" pitchFamily="34" charset="0"/>
+              <a:buChar char="•"/>
+            </a:pPr>
+            <a:r>
+              <a:rPr lang="en-US" altLang="ko-KR" dirty="0" err="1" smtClean="0">
+                <a:latin typeface="Times New Roman" panose="02020603050405020304" pitchFamily="18" charset="0"/>
+                <a:cs typeface="Times New Roman" panose="02020603050405020304" pitchFamily="18" charset="0"/>
+              </a:rPr>
+              <a:t>Gatesman</a:t>
+            </a:r>
+            <a:r>
+              <a:rPr lang="en-US" altLang="ko-KR" dirty="0" smtClean="0">
+                <a:latin typeface="Times New Roman" panose="02020603050405020304" pitchFamily="18" charset="0"/>
+                <a:cs typeface="Times New Roman" panose="02020603050405020304" pitchFamily="18" charset="0"/>
+              </a:rPr>
+              <a:t>, A. J., R. H. Giles, and J. Waldman, “High-Precision Reflectometer for Submillimeter wavelength,” </a:t>
+            </a:r>
+            <a:r>
+              <a:rPr lang="en-US" altLang="ko-KR" i="1" dirty="0" smtClean="0">
+                <a:latin typeface="Times New Roman" panose="02020603050405020304" pitchFamily="18" charset="0"/>
+                <a:cs typeface="Times New Roman" panose="02020603050405020304" pitchFamily="18" charset="0"/>
+              </a:rPr>
+              <a:t>Journal of the Optical Society of America B: Optical Physics</a:t>
+            </a:r>
+            <a:r>
+              <a:rPr lang="en-US" altLang="ko-KR" dirty="0" smtClean="0">
+                <a:latin typeface="Times New Roman" panose="02020603050405020304" pitchFamily="18" charset="0"/>
+                <a:cs typeface="Times New Roman" panose="02020603050405020304" pitchFamily="18" charset="0"/>
+              </a:rPr>
+              <a:t>, Vol. 12, No. 2, 1995, pp. 212-219.</a:t>
+            </a:r>
+          </a:p>
+          <a:p>
+            <a:pPr marL="285750" indent="-285750">
+              <a:buFont typeface="Arial" panose="020B0604020202020204" pitchFamily="34" charset="0"/>
+              <a:buChar char="•"/>
+            </a:pPr>
+            <a:r>
+              <a:rPr lang="en-US" altLang="ko-KR" dirty="0" err="1" smtClean="0">
+                <a:latin typeface="Times New Roman" panose="02020603050405020304" pitchFamily="18" charset="0"/>
+                <a:cs typeface="Times New Roman" panose="02020603050405020304" pitchFamily="18" charset="0"/>
+              </a:rPr>
+              <a:t>Møller</a:t>
+            </a:r>
+            <a:r>
+              <a:rPr lang="en-US" altLang="ko-KR" dirty="0" smtClean="0">
+                <a:latin typeface="Times New Roman" panose="02020603050405020304" pitchFamily="18" charset="0"/>
+                <a:cs typeface="Times New Roman" panose="02020603050405020304" pitchFamily="18" charset="0"/>
+              </a:rPr>
+              <a:t>, U., et al., “Terahertz Reflection Spectroscopy of Debye Relaxation in Polar Liquids,” </a:t>
+            </a:r>
+            <a:r>
+              <a:rPr lang="en-US" altLang="ko-KR" i="1" dirty="0" smtClean="0">
+                <a:latin typeface="Times New Roman" panose="02020603050405020304" pitchFamily="18" charset="0"/>
+                <a:cs typeface="Times New Roman" panose="02020603050405020304" pitchFamily="18" charset="0"/>
+              </a:rPr>
+              <a:t>JOSA B</a:t>
+            </a:r>
+            <a:r>
+              <a:rPr lang="en-US" altLang="ko-KR" dirty="0" smtClean="0">
+                <a:latin typeface="Times New Roman" panose="02020603050405020304" pitchFamily="18" charset="0"/>
+                <a:cs typeface="Times New Roman" panose="02020603050405020304" pitchFamily="18" charset="0"/>
+              </a:rPr>
+              <a:t>, Vol. 26, No. 9, 2009, pp. A113-A125.</a:t>
+            </a:r>
+          </a:p>
+          <a:p>
+            <a:pPr marL="285750" indent="-285750">
+              <a:buFont typeface="Arial" panose="020B0604020202020204" pitchFamily="34" charset="0"/>
+              <a:buChar char="•"/>
+            </a:pPr>
+            <a:r>
+              <a:rPr lang="en-US" altLang="ko-KR" dirty="0" smtClean="0">
+                <a:latin typeface="Times New Roman" panose="02020603050405020304" pitchFamily="18" charset="0"/>
+                <a:cs typeface="Times New Roman" panose="02020603050405020304" pitchFamily="18" charset="0"/>
+              </a:rPr>
+              <a:t>Nagai, </a:t>
+            </a:r>
+            <a:r>
+              <a:rPr lang="en-US" altLang="ko-KR" dirty="0" err="1" smtClean="0">
+                <a:latin typeface="Times New Roman" panose="02020603050405020304" pitchFamily="18" charset="0"/>
+                <a:cs typeface="Times New Roman" panose="02020603050405020304" pitchFamily="18" charset="0"/>
+              </a:rPr>
+              <a:t>M.m</a:t>
+            </a:r>
+            <a:r>
+              <a:rPr lang="en-US" altLang="ko-KR" dirty="0" smtClean="0">
+                <a:latin typeface="Times New Roman" panose="02020603050405020304" pitchFamily="18" charset="0"/>
+                <a:cs typeface="Times New Roman" panose="02020603050405020304" pitchFamily="18" charset="0"/>
+              </a:rPr>
+              <a:t> et al, “Terahertz Time-Domain Attenuated Total Reflection Spectroscopy in Water and Biological Solution,” </a:t>
+            </a:r>
+            <a:r>
+              <a:rPr lang="en-US" altLang="ko-KR" i="1" dirty="0" smtClean="0">
+                <a:latin typeface="Times New Roman" panose="02020603050405020304" pitchFamily="18" charset="0"/>
+                <a:cs typeface="Times New Roman" panose="02020603050405020304" pitchFamily="18" charset="0"/>
+              </a:rPr>
+              <a:t>International Journal of Infrared and Millimeter Waves</a:t>
+            </a:r>
+            <a:r>
+              <a:rPr lang="en-US" altLang="ko-KR" dirty="0" smtClean="0">
+                <a:latin typeface="Times New Roman" panose="02020603050405020304" pitchFamily="18" charset="0"/>
+                <a:cs typeface="Times New Roman" panose="02020603050405020304" pitchFamily="18" charset="0"/>
+              </a:rPr>
+              <a:t>, Vol. 27, No. 4, 2006, pp. 505-515.</a:t>
+            </a:r>
+          </a:p>
+          <a:p>
+            <a:pPr marL="285750" indent="-285750">
+              <a:buFont typeface="Arial" panose="020B0604020202020204" pitchFamily="34" charset="0"/>
+              <a:buChar char="•"/>
+            </a:pPr>
+            <a:r>
+              <a:rPr lang="en-US" altLang="ko-KR" dirty="0" smtClean="0">
+                <a:latin typeface="Times New Roman" panose="02020603050405020304" pitchFamily="18" charset="0"/>
+                <a:cs typeface="Times New Roman" panose="02020603050405020304" pitchFamily="18" charset="0"/>
+              </a:rPr>
+              <a:t>Fischer, B. M., M. Hoffmann, and P. U. Jepsen, “Dynamic Range and Numerical Error Propagation in Terahertz Time-Domain Spectroscopy,” in </a:t>
+            </a:r>
+            <a:r>
+              <a:rPr lang="en-US" altLang="ko-KR" i="1" dirty="0" smtClean="0">
+                <a:latin typeface="Times New Roman" panose="02020603050405020304" pitchFamily="18" charset="0"/>
+                <a:cs typeface="Times New Roman" panose="02020603050405020304" pitchFamily="18" charset="0"/>
+              </a:rPr>
+              <a:t>Optical Terahertz Science and Technology, Technical Digest (CD). </a:t>
+            </a:r>
+            <a:r>
+              <a:rPr lang="en-US" altLang="ko-KR" dirty="0" smtClean="0">
+                <a:latin typeface="Times New Roman" panose="02020603050405020304" pitchFamily="18" charset="0"/>
+                <a:cs typeface="Times New Roman" panose="02020603050405020304" pitchFamily="18" charset="0"/>
+              </a:rPr>
+              <a:t>Optical Society of America, 2005, paper TuD1.</a:t>
+            </a:r>
+          </a:p>
+        </p:txBody>
+      </p:sp>
+    </p:spTree>
+    <p:extLst>
+      <p:ext uri="{BB962C8B-B14F-4D97-AF65-F5344CB8AC3E}">
+        <p14:creationId xmlns:p14="http://schemas.microsoft.com/office/powerpoint/2010/main" val="3518239763"/>
       </p:ext>
     </p:extLst>
   </p:cSld>

--- a/Terahertz Metrology/Ch2/Terahertz Metrology_Ch2.pptx
+++ b/Terahertz Metrology/Ch2/Terahertz Metrology_Ch2.pptx
@@ -218,7 +218,7 @@
           <a:p>
             <a:fld id="{A9D6DECA-6E4E-4D09-9277-E151A2E3F74C}" type="datetimeFigureOut">
               <a:rPr lang="ko-KR" altLang="en-US" smtClean="0"/>
-              <a:t>2018-03-09</a:t>
+              <a:t>2018-03-11</a:t>
             </a:fld>
             <a:endParaRPr lang="ko-KR" altLang="en-US"/>
           </a:p>
@@ -2465,7 +2465,7 @@
           <a:p>
             <a:fld id="{A4C346B5-C0DF-4EB7-A5EE-A79D8A2B2CA8}" type="datetimeFigureOut">
               <a:rPr lang="ko-KR" altLang="en-US" smtClean="0"/>
-              <a:t>2018-03-09</a:t>
+              <a:t>2018-03-11</a:t>
             </a:fld>
             <a:endParaRPr lang="ko-KR" altLang="en-US"/>
           </a:p>
@@ -2642,7 +2642,7 @@
           <a:p>
             <a:fld id="{A4C346B5-C0DF-4EB7-A5EE-A79D8A2B2CA8}" type="datetimeFigureOut">
               <a:rPr lang="ko-KR" altLang="en-US" smtClean="0"/>
-              <a:t>2018-03-09</a:t>
+              <a:t>2018-03-11</a:t>
             </a:fld>
             <a:endParaRPr lang="ko-KR" altLang="en-US"/>
           </a:p>
@@ -2822,7 +2822,7 @@
           <a:p>
             <a:fld id="{A4C346B5-C0DF-4EB7-A5EE-A79D8A2B2CA8}" type="datetimeFigureOut">
               <a:rPr lang="ko-KR" altLang="en-US" smtClean="0"/>
-              <a:t>2018-03-09</a:t>
+              <a:t>2018-03-11</a:t>
             </a:fld>
             <a:endParaRPr lang="ko-KR" altLang="en-US"/>
           </a:p>
@@ -2992,7 +2992,7 @@
           <a:p>
             <a:fld id="{A4C346B5-C0DF-4EB7-A5EE-A79D8A2B2CA8}" type="datetimeFigureOut">
               <a:rPr lang="ko-KR" altLang="en-US" smtClean="0"/>
-              <a:t>2018-03-09</a:t>
+              <a:t>2018-03-11</a:t>
             </a:fld>
             <a:endParaRPr lang="ko-KR" altLang="en-US"/>
           </a:p>
@@ -3236,7 +3236,7 @@
           <a:p>
             <a:fld id="{A4C346B5-C0DF-4EB7-A5EE-A79D8A2B2CA8}" type="datetimeFigureOut">
               <a:rPr lang="ko-KR" altLang="en-US" smtClean="0"/>
-              <a:t>2018-03-09</a:t>
+              <a:t>2018-03-11</a:t>
             </a:fld>
             <a:endParaRPr lang="ko-KR" altLang="en-US"/>
           </a:p>
@@ -3468,7 +3468,7 @@
           <a:p>
             <a:fld id="{A4C346B5-C0DF-4EB7-A5EE-A79D8A2B2CA8}" type="datetimeFigureOut">
               <a:rPr lang="ko-KR" altLang="en-US" smtClean="0"/>
-              <a:t>2018-03-09</a:t>
+              <a:t>2018-03-11</a:t>
             </a:fld>
             <a:endParaRPr lang="ko-KR" altLang="en-US"/>
           </a:p>
@@ -3835,7 +3835,7 @@
           <a:p>
             <a:fld id="{A4C346B5-C0DF-4EB7-A5EE-A79D8A2B2CA8}" type="datetimeFigureOut">
               <a:rPr lang="ko-KR" altLang="en-US" smtClean="0"/>
-              <a:t>2018-03-09</a:t>
+              <a:t>2018-03-11</a:t>
             </a:fld>
             <a:endParaRPr lang="ko-KR" altLang="en-US"/>
           </a:p>
@@ -3953,7 +3953,7 @@
           <a:p>
             <a:fld id="{A4C346B5-C0DF-4EB7-A5EE-A79D8A2B2CA8}" type="datetimeFigureOut">
               <a:rPr lang="ko-KR" altLang="en-US" smtClean="0"/>
-              <a:t>2018-03-09</a:t>
+              <a:t>2018-03-11</a:t>
             </a:fld>
             <a:endParaRPr lang="ko-KR" altLang="en-US"/>
           </a:p>
@@ -4048,7 +4048,7 @@
           <a:p>
             <a:fld id="{A4C346B5-C0DF-4EB7-A5EE-A79D8A2B2CA8}" type="datetimeFigureOut">
               <a:rPr lang="ko-KR" altLang="en-US" smtClean="0"/>
-              <a:t>2018-03-09</a:t>
+              <a:t>2018-03-11</a:t>
             </a:fld>
             <a:endParaRPr lang="ko-KR" altLang="en-US"/>
           </a:p>
@@ -4325,7 +4325,7 @@
           <a:p>
             <a:fld id="{A4C346B5-C0DF-4EB7-A5EE-A79D8A2B2CA8}" type="datetimeFigureOut">
               <a:rPr lang="ko-KR" altLang="en-US" smtClean="0"/>
-              <a:t>2018-03-09</a:t>
+              <a:t>2018-03-11</a:t>
             </a:fld>
             <a:endParaRPr lang="ko-KR" altLang="en-US"/>
           </a:p>
@@ -4582,7 +4582,7 @@
           <a:p>
             <a:fld id="{A4C346B5-C0DF-4EB7-A5EE-A79D8A2B2CA8}" type="datetimeFigureOut">
               <a:rPr lang="ko-KR" altLang="en-US" smtClean="0"/>
-              <a:t>2018-03-09</a:t>
+              <a:t>2018-03-11</a:t>
             </a:fld>
             <a:endParaRPr lang="ko-KR" altLang="en-US"/>
           </a:p>
@@ -4795,7 +4795,7 @@
           <a:p>
             <a:fld id="{A4C346B5-C0DF-4EB7-A5EE-A79D8A2B2CA8}" type="datetimeFigureOut">
               <a:rPr lang="ko-KR" altLang="en-US" smtClean="0"/>
-              <a:t>2018-03-09</a:t>
+              <a:t>2018-03-11</a:t>
             </a:fld>
             <a:endParaRPr lang="ko-KR" altLang="en-US"/>
           </a:p>
@@ -12094,7 +12094,7 @@
         <p:spPr>
           <a:xfrm>
             <a:off x="268165" y="6338128"/>
-            <a:ext cx="8607669" cy="415498"/>
+            <a:ext cx="8607669" cy="253916"/>
           </a:xfrm>
           <a:prstGeom prst="rect">
             <a:avLst/>
@@ -12112,21 +12112,35 @@
                 <a:latin typeface="Times New Roman" panose="02020603050405020304" pitchFamily="18" charset="0"/>
                 <a:cs typeface="Times New Roman" panose="02020603050405020304" pitchFamily="18" charset="0"/>
               </a:rPr>
-              <a:t>Fischer, B. M., M. Hoffmann, and P. U. Jepsen, “Dynamic Range and Numerical Error Propagation in Terahertz Time-Domain Spectroscopy,” in </a:t>
+              <a:t>Ferguson, B., and D. Abbott, “De-Noising Techniques for Terahertz Responses of Biological Samples,” </a:t>
             </a:r>
             <a:r>
               <a:rPr lang="en-US" altLang="ko-KR" sz="1050" i="1" dirty="0">
                 <a:latin typeface="Times New Roman" panose="02020603050405020304" pitchFamily="18" charset="0"/>
                 <a:cs typeface="Times New Roman" panose="02020603050405020304" pitchFamily="18" charset="0"/>
               </a:rPr>
-              <a:t>Optical Terahertz Science and Technology, Technical Digest (CD). </a:t>
+              <a:t>Microelectronics Journal</a:t>
             </a:r>
             <a:r>
               <a:rPr lang="en-US" altLang="ko-KR" sz="1050" dirty="0">
                 <a:latin typeface="Times New Roman" panose="02020603050405020304" pitchFamily="18" charset="0"/>
                 <a:cs typeface="Times New Roman" panose="02020603050405020304" pitchFamily="18" charset="0"/>
               </a:rPr>
-              <a:t>Optical Society of America, 2005, paper TuD1.</a:t>
+              <a:t>, Vol. 32, No. 12, </a:t>
+            </a:r>
+            <a:r>
+              <a:rPr lang="en-US" altLang="ko-KR" sz="1050" dirty="0" smtClean="0">
+                <a:latin typeface="Times New Roman" panose="02020603050405020304" pitchFamily="18" charset="0"/>
+                <a:cs typeface="Times New Roman" panose="02020603050405020304" pitchFamily="18" charset="0"/>
+              </a:rPr>
+              <a:t>2001</a:t>
+            </a:r>
+            <a:r>
+              <a:rPr lang="en-US" altLang="ko-KR" sz="1050" dirty="0">
+                <a:latin typeface="Times New Roman" panose="02020603050405020304" pitchFamily="18" charset="0"/>
+                <a:cs typeface="Times New Roman" panose="02020603050405020304" pitchFamily="18" charset="0"/>
+              </a:rPr>
+              <a:t>.</a:t>
             </a:r>
           </a:p>
         </p:txBody>
@@ -12174,6 +12188,168 @@
                 <a:srgbClr val="3333FF"/>
               </a:solidFill>
             </a:endParaRPr>
+          </a:p>
+        </p:txBody>
+      </p:sp>
+      <p:pic>
+        <p:nvPicPr>
+          <p:cNvPr id="2" name="그림 1"/>
+          <p:cNvPicPr>
+            <a:picLocks noChangeAspect="1"/>
+          </p:cNvPicPr>
+          <p:nvPr/>
+        </p:nvPicPr>
+        <p:blipFill>
+          <a:blip r:embed="rId3"/>
+          <a:stretch>
+            <a:fillRect/>
+          </a:stretch>
+        </p:blipFill>
+        <p:spPr>
+          <a:xfrm>
+            <a:off x="1041273" y="2034454"/>
+            <a:ext cx="2546831" cy="3749802"/>
+          </a:xfrm>
+          <a:prstGeom prst="rect">
+            <a:avLst/>
+          </a:prstGeom>
+        </p:spPr>
+      </p:pic>
+      <p:pic>
+        <p:nvPicPr>
+          <p:cNvPr id="3" name="그림 2"/>
+          <p:cNvPicPr>
+            <a:picLocks noChangeAspect="1"/>
+          </p:cNvPicPr>
+          <p:nvPr/>
+        </p:nvPicPr>
+        <p:blipFill>
+          <a:blip r:embed="rId4"/>
+          <a:stretch>
+            <a:fillRect/>
+          </a:stretch>
+        </p:blipFill>
+        <p:spPr>
+          <a:xfrm>
+            <a:off x="4239357" y="2034454"/>
+            <a:ext cx="4197507" cy="3576215"/>
+          </a:xfrm>
+          <a:prstGeom prst="rect">
+            <a:avLst/>
+          </a:prstGeom>
+        </p:spPr>
+      </p:pic>
+      <p:pic>
+        <p:nvPicPr>
+          <p:cNvPr id="4" name="그림 3"/>
+          <p:cNvPicPr>
+            <a:picLocks noChangeAspect="1"/>
+          </p:cNvPicPr>
+          <p:nvPr/>
+        </p:nvPicPr>
+        <p:blipFill>
+          <a:blip r:embed="rId5"/>
+          <a:stretch>
+            <a:fillRect/>
+          </a:stretch>
+        </p:blipFill>
+        <p:spPr>
+          <a:xfrm>
+            <a:off x="4668084" y="5481792"/>
+            <a:ext cx="3340052" cy="841291"/>
+          </a:xfrm>
+          <a:prstGeom prst="rect">
+            <a:avLst/>
+          </a:prstGeom>
+        </p:spPr>
+      </p:pic>
+      <p:sp>
+        <p:nvSpPr>
+          <p:cNvPr id="10" name="TextBox 9"/>
+          <p:cNvSpPr txBox="1"/>
+          <p:nvPr/>
+        </p:nvSpPr>
+        <p:spPr>
+          <a:xfrm>
+            <a:off x="6536307" y="1895954"/>
+            <a:ext cx="1571374" cy="276999"/>
+          </a:xfrm>
+          <a:prstGeom prst="rect">
+            <a:avLst/>
+          </a:prstGeom>
+          <a:noFill/>
+        </p:spPr>
+        <p:txBody>
+          <a:bodyPr wrap="square" rtlCol="0">
+            <a:spAutoFit/>
+          </a:bodyPr>
+          <a:lstStyle/>
+          <a:p>
+            <a:r>
+              <a:rPr lang="en-US" altLang="ko-KR" sz="1200" dirty="0" smtClean="0"/>
+              <a:t>Leaf original response</a:t>
+            </a:r>
+            <a:endParaRPr lang="ko-KR" altLang="en-US" sz="1200" dirty="0"/>
+          </a:p>
+        </p:txBody>
+      </p:sp>
+      <p:sp>
+        <p:nvSpPr>
+          <p:cNvPr id="12" name="TextBox 11"/>
+          <p:cNvSpPr txBox="1"/>
+          <p:nvPr/>
+        </p:nvSpPr>
+        <p:spPr>
+          <a:xfrm>
+            <a:off x="6536307" y="3056864"/>
+            <a:ext cx="1571374" cy="276999"/>
+          </a:xfrm>
+          <a:prstGeom prst="rect">
+            <a:avLst/>
+          </a:prstGeom>
+          <a:noFill/>
+        </p:spPr>
+        <p:txBody>
+          <a:bodyPr wrap="square" rtlCol="0">
+            <a:spAutoFit/>
+          </a:bodyPr>
+          <a:lstStyle/>
+          <a:p>
+            <a:r>
+              <a:rPr lang="en-US" altLang="ko-KR" sz="1200" dirty="0" smtClean="0"/>
+              <a:t>Noise added</a:t>
+            </a:r>
+            <a:endParaRPr lang="ko-KR" altLang="en-US" sz="1200" dirty="0"/>
+          </a:p>
+        </p:txBody>
+      </p:sp>
+      <p:sp>
+        <p:nvSpPr>
+          <p:cNvPr id="13" name="TextBox 12"/>
+          <p:cNvSpPr txBox="1"/>
+          <p:nvPr/>
+        </p:nvSpPr>
+        <p:spPr>
+          <a:xfrm>
+            <a:off x="6536307" y="4130828"/>
+            <a:ext cx="1571374" cy="276999"/>
+          </a:xfrm>
+          <a:prstGeom prst="rect">
+            <a:avLst/>
+          </a:prstGeom>
+          <a:noFill/>
+        </p:spPr>
+        <p:txBody>
+          <a:bodyPr wrap="square" rtlCol="0">
+            <a:spAutoFit/>
+          </a:bodyPr>
+          <a:lstStyle/>
+          <a:p>
+            <a:r>
+              <a:rPr lang="en-US" altLang="ko-KR" sz="1200" dirty="0" smtClean="0"/>
+              <a:t>Wavelet de-noising</a:t>
+            </a:r>
+            <a:endParaRPr lang="ko-KR" altLang="en-US" sz="1200" dirty="0"/>
           </a:p>
         </p:txBody>
       </p:sp>
@@ -12272,52 +12448,6 @@
                 <a:latin typeface="Arial" panose="020B0604020202020204" pitchFamily="34" charset="0"/>
               </a:rPr>
               <a:t>3.3 Phase Unwrapping</a:t>
-            </a:r>
-          </a:p>
-        </p:txBody>
-      </p:sp>
-      <p:sp>
-        <p:nvSpPr>
-          <p:cNvPr id="8" name="TextBox 7"/>
-          <p:cNvSpPr txBox="1"/>
-          <p:nvPr/>
-        </p:nvSpPr>
-        <p:spPr>
-          <a:xfrm>
-            <a:off x="268165" y="6338128"/>
-            <a:ext cx="8607669" cy="415498"/>
-          </a:xfrm>
-          <a:prstGeom prst="rect">
-            <a:avLst/>
-          </a:prstGeom>
-          <a:noFill/>
-        </p:spPr>
-        <p:txBody>
-          <a:bodyPr wrap="square" rtlCol="0">
-            <a:spAutoFit/>
-          </a:bodyPr>
-          <a:lstStyle/>
-          <a:p>
-            <a:r>
-              <a:rPr lang="en-US" altLang="ko-KR" sz="1050" dirty="0">
-                <a:latin typeface="Times New Roman" panose="02020603050405020304" pitchFamily="18" charset="0"/>
-                <a:cs typeface="Times New Roman" panose="02020603050405020304" pitchFamily="18" charset="0"/>
-              </a:rPr>
-              <a:t>Fischer, B. M., M. Hoffmann, and P. U. Jepsen, “Dynamic Range and Numerical Error Propagation in Terahertz Time-Domain Spectroscopy,” in </a:t>
-            </a:r>
-            <a:r>
-              <a:rPr lang="en-US" altLang="ko-KR" sz="1050" i="1" dirty="0">
-                <a:latin typeface="Times New Roman" panose="02020603050405020304" pitchFamily="18" charset="0"/>
-                <a:cs typeface="Times New Roman" panose="02020603050405020304" pitchFamily="18" charset="0"/>
-              </a:rPr>
-              <a:t>Optical Terahertz Science and Technology, Technical Digest (CD). </a:t>
-            </a:r>
-            <a:r>
-              <a:rPr lang="en-US" altLang="ko-KR" sz="1050" dirty="0">
-                <a:latin typeface="Times New Roman" panose="02020603050405020304" pitchFamily="18" charset="0"/>
-                <a:cs typeface="Times New Roman" panose="02020603050405020304" pitchFamily="18" charset="0"/>
-              </a:rPr>
-              <a:t>Optical Society of America, 2005, paper TuD1.</a:t>
             </a:r>
           </a:p>
         </p:txBody>
@@ -12685,32 +12815,8 @@
                 </a:solidFill>
                 <a:latin typeface="Arial" panose="020B0604020202020204" pitchFamily="34" charset="0"/>
               </a:rPr>
-              <a:t>4</a:t>
-            </a:r>
-            <a:r>
-              <a:rPr lang="en-US" altLang="ko-KR" sz="2700" dirty="0" smtClean="0">
-                <a:solidFill>
-                  <a:schemeClr val="bg1"/>
-                </a:solidFill>
-                <a:latin typeface="Arial" panose="020B0604020202020204" pitchFamily="34" charset="0"/>
-              </a:rPr>
-              <a:t>.1 </a:t>
-            </a:r>
-            <a:r>
-              <a:rPr lang="en-US" altLang="ko-KR" sz="2700" dirty="0" smtClean="0">
-                <a:solidFill>
-                  <a:schemeClr val="bg1"/>
-                </a:solidFill>
-                <a:latin typeface="Arial" panose="020B0604020202020204" pitchFamily="34" charset="0"/>
-              </a:rPr>
-              <a:t>Sample Thickness</a:t>
-            </a:r>
-            <a:endParaRPr lang="en-US" altLang="ko-KR" sz="2700" dirty="0" smtClean="0">
-              <a:solidFill>
-                <a:schemeClr val="bg1"/>
-              </a:solidFill>
-              <a:latin typeface="Arial" panose="020B0604020202020204" pitchFamily="34" charset="0"/>
-            </a:endParaRPr>
+              <a:t>4.1 Sample Thickness</a:t>
+            </a:r>
           </a:p>
         </p:txBody>
       </p:sp>
@@ -12856,8 +12962,8 @@
           </a:p>
         </p:txBody>
       </p:sp>
-      <mc:AlternateContent xmlns:mc="http://schemas.openxmlformats.org/markup-compatibility/2006">
-        <mc:Choice xmlns:a14="http://schemas.microsoft.com/office/drawing/2010/main" Requires="a14">
+      <mc:AlternateContent xmlns:mc="http://schemas.openxmlformats.org/markup-compatibility/2006" xmlns:a14="http://schemas.microsoft.com/office/drawing/2010/main">
+        <mc:Choice Requires="a14">
           <p:sp>
             <p:nvSpPr>
               <p:cNvPr id="2" name="TextBox 1"/>
@@ -12880,6 +12986,7 @@
               </a:bodyPr>
               <a:lstStyle/>
               <a:p>
+                <a:pPr/>
                 <a14:m>
                   <m:oMathPara xmlns:m="http://schemas.openxmlformats.org/officeDocument/2006/math">
                     <m:oMathParaPr>
@@ -13064,7 +13171,7 @@
             </p:txBody>
           </p:sp>
         </mc:Choice>
-        <mc:Fallback>
+        <mc:Fallback xmlns="">
           <p:sp>
             <p:nvSpPr>
               <p:cNvPr id="2" name="TextBox 1"/>
@@ -13165,15 +13272,471 @@
                   <a:srgbClr val="3333FF"/>
                 </a:solidFill>
               </a:rPr>
-              <a:t>Minimum</a:t>
-            </a:r>
+              <a:t>Minimum Thickness</a:t>
+            </a:r>
+            <a:endParaRPr lang="ko-KR" altLang="en-US" sz="2000" dirty="0">
+              <a:solidFill>
+                <a:srgbClr val="3333FF"/>
+              </a:solidFill>
+            </a:endParaRPr>
+          </a:p>
+        </p:txBody>
+      </p:sp>
+      <mc:AlternateContent xmlns:mc="http://schemas.openxmlformats.org/markup-compatibility/2006">
+        <mc:Choice xmlns:a14="http://schemas.microsoft.com/office/drawing/2010/main" Requires="a14">
+          <p:sp>
+            <p:nvSpPr>
+              <p:cNvPr id="3" name="TextBox 2"/>
+              <p:cNvSpPr txBox="1"/>
+              <p:nvPr/>
+            </p:nvSpPr>
+            <p:spPr>
+              <a:xfrm>
+                <a:off x="3123108" y="3523526"/>
+                <a:ext cx="2897781" cy="818366"/>
+              </a:xfrm>
+              <a:prstGeom prst="rect">
+                <a:avLst/>
+              </a:prstGeom>
+              <a:noFill/>
+            </p:spPr>
+            <p:txBody>
+              <a:bodyPr wrap="none" lIns="0" tIns="0" rIns="0" bIns="0" rtlCol="0">
+                <a:spAutoFit/>
+              </a:bodyPr>
+              <a:lstStyle/>
+              <a:p>
+                <a14:m>
+                  <m:oMathPara xmlns:m="http://schemas.openxmlformats.org/officeDocument/2006/math">
+                    <m:oMathParaPr>
+                      <m:jc m:val="centerGroup"/>
+                    </m:oMathParaPr>
+                    <m:oMath xmlns:m="http://schemas.openxmlformats.org/officeDocument/2006/math">
+                      <m:sSub>
+                        <m:sSubPr>
+                          <m:ctrlPr>
+                            <a:rPr lang="en-US" altLang="ko-KR" b="0" i="1" smtClean="0">
+                              <a:latin typeface="Cambria Math" panose="02040503050406030204" pitchFamily="18" charset="0"/>
+                            </a:rPr>
+                          </m:ctrlPr>
+                        </m:sSubPr>
+                        <m:e>
+                          <m:r>
+                            <a:rPr lang="en-US" altLang="ko-KR" b="0" i="1" smtClean="0">
+                              <a:latin typeface="Cambria Math" panose="02040503050406030204" pitchFamily="18" charset="0"/>
+                            </a:rPr>
+                            <m:t>𝑙</m:t>
+                          </m:r>
+                        </m:e>
+                        <m:sub>
+                          <m:r>
+                            <m:rPr>
+                              <m:sty m:val="p"/>
+                            </m:rPr>
+                            <a:rPr lang="en-US" altLang="ko-KR" b="0" i="0" smtClean="0">
+                              <a:latin typeface="Cambria Math" panose="02040503050406030204" pitchFamily="18" charset="0"/>
+                            </a:rPr>
+                            <m:t>min</m:t>
+                          </m:r>
+                        </m:sub>
+                      </m:sSub>
+                      <m:r>
+                        <a:rPr lang="en-US" altLang="ko-KR" b="0" i="1" smtClean="0">
+                          <a:latin typeface="Cambria Math" panose="02040503050406030204" pitchFamily="18" charset="0"/>
+                          <a:ea typeface="Cambria Math" panose="02040503050406030204" pitchFamily="18" charset="0"/>
+                        </a:rPr>
+                        <m:t>&gt;</m:t>
+                      </m:r>
+                      <m:f>
+                        <m:fPr>
+                          <m:ctrlPr>
+                            <a:rPr lang="en-US" altLang="ko-KR" b="0" i="1" smtClean="0">
+                              <a:latin typeface="Cambria Math" panose="02040503050406030204" pitchFamily="18" charset="0"/>
+                              <a:ea typeface="Cambria Math" panose="02040503050406030204" pitchFamily="18" charset="0"/>
+                            </a:rPr>
+                          </m:ctrlPr>
+                        </m:fPr>
+                        <m:num>
+                          <m:sSub>
+                            <m:sSubPr>
+                              <m:ctrlPr>
+                                <a:rPr lang="en-US" altLang="ko-KR" b="0" i="1" smtClean="0">
+                                  <a:latin typeface="Cambria Math" panose="02040503050406030204" pitchFamily="18" charset="0"/>
+                                  <a:ea typeface="Cambria Math" panose="02040503050406030204" pitchFamily="18" charset="0"/>
+                                </a:rPr>
+                              </m:ctrlPr>
+                            </m:sSubPr>
+                            <m:e>
+                              <m:r>
+                                <a:rPr lang="en-US" altLang="ko-KR" b="0" i="1" smtClean="0">
+                                  <a:latin typeface="Cambria Math" panose="02040503050406030204" pitchFamily="18" charset="0"/>
+                                  <a:ea typeface="Cambria Math" panose="02040503050406030204" pitchFamily="18" charset="0"/>
+                                </a:rPr>
+                                <m:t>𝜅</m:t>
+                              </m:r>
+                            </m:e>
+                            <m:sub>
+                              <m:r>
+                                <a:rPr lang="en-US" altLang="ko-KR" b="0" i="1" smtClean="0">
+                                  <a:latin typeface="Cambria Math" panose="02040503050406030204" pitchFamily="18" charset="0"/>
+                                  <a:ea typeface="Cambria Math" panose="02040503050406030204" pitchFamily="18" charset="0"/>
+                                </a:rPr>
+                                <m:t>𝑃</m:t>
+                              </m:r>
+                            </m:sub>
+                          </m:sSub>
+                        </m:num>
+                        <m:den>
+                          <m:d>
+                            <m:dPr>
+                              <m:begChr m:val="|"/>
+                              <m:endChr m:val="|"/>
+                              <m:ctrlPr>
+                                <a:rPr lang="en-US" altLang="ko-KR" b="0" i="1" smtClean="0">
+                                  <a:latin typeface="Cambria Math" panose="02040503050406030204" pitchFamily="18" charset="0"/>
+                                  <a:ea typeface="Cambria Math" panose="02040503050406030204" pitchFamily="18" charset="0"/>
+                                </a:rPr>
+                              </m:ctrlPr>
+                            </m:dPr>
+                            <m:e>
+                              <m:r>
+                                <a:rPr lang="en-US" altLang="ko-KR" b="0" i="1" smtClean="0">
+                                  <a:latin typeface="Cambria Math" panose="02040503050406030204" pitchFamily="18" charset="0"/>
+                                  <a:ea typeface="Cambria Math" panose="02040503050406030204" pitchFamily="18" charset="0"/>
+                                </a:rPr>
+                                <m:t>∆</m:t>
+                              </m:r>
+                              <m:r>
+                                <a:rPr lang="en-US" altLang="ko-KR" b="0" i="1" smtClean="0">
+                                  <a:latin typeface="Cambria Math" panose="02040503050406030204" pitchFamily="18" charset="0"/>
+                                  <a:ea typeface="Cambria Math" panose="02040503050406030204" pitchFamily="18" charset="0"/>
+                                </a:rPr>
+                                <m:t>𝜅</m:t>
+                              </m:r>
+                            </m:e>
+                          </m:d>
+                        </m:den>
+                      </m:f>
+                      <m:f>
+                        <m:fPr>
+                          <m:ctrlPr>
+                            <a:rPr lang="en-US" altLang="ko-KR" b="0" i="1" smtClean="0">
+                              <a:latin typeface="Cambria Math" panose="02040503050406030204" pitchFamily="18" charset="0"/>
+                              <a:ea typeface="Cambria Math" panose="02040503050406030204" pitchFamily="18" charset="0"/>
+                            </a:rPr>
+                          </m:ctrlPr>
+                        </m:fPr>
+                        <m:num>
+                          <m:r>
+                            <a:rPr lang="en-US" altLang="ko-KR" b="0" i="1" smtClean="0">
+                              <a:latin typeface="Cambria Math" panose="02040503050406030204" pitchFamily="18" charset="0"/>
+                              <a:ea typeface="Cambria Math" panose="02040503050406030204" pitchFamily="18" charset="0"/>
+                            </a:rPr>
+                            <m:t>𝑐</m:t>
+                          </m:r>
+                        </m:num>
+                        <m:den>
+                          <m:r>
+                            <a:rPr lang="en-US" altLang="ko-KR" b="0" i="1" smtClean="0">
+                              <a:latin typeface="Cambria Math" panose="02040503050406030204" pitchFamily="18" charset="0"/>
+                              <a:ea typeface="Cambria Math" panose="02040503050406030204" pitchFamily="18" charset="0"/>
+                            </a:rPr>
+                            <m:t>𝜔</m:t>
+                          </m:r>
+                        </m:den>
+                      </m:f>
+                      <m:r>
+                        <a:rPr lang="en-US" altLang="ko-KR" b="0" i="1" smtClean="0">
+                          <a:latin typeface="Cambria Math" panose="02040503050406030204" pitchFamily="18" charset="0"/>
+                          <a:ea typeface="Cambria Math" panose="02040503050406030204" pitchFamily="18" charset="0"/>
+                        </a:rPr>
+                        <m:t> </m:t>
+                      </m:r>
+                      <m:rad>
+                        <m:radPr>
+                          <m:degHide m:val="on"/>
+                          <m:ctrlPr>
+                            <a:rPr lang="en-US" altLang="ko-KR" b="0" i="1" smtClean="0">
+                              <a:latin typeface="Cambria Math" panose="02040503050406030204" pitchFamily="18" charset="0"/>
+                              <a:ea typeface="Cambria Math" panose="02040503050406030204" pitchFamily="18" charset="0"/>
+                            </a:rPr>
+                          </m:ctrlPr>
+                        </m:radPr>
+                        <m:deg/>
+                        <m:e>
+                          <m:f>
+                            <m:fPr>
+                              <m:ctrlPr>
+                                <a:rPr lang="en-US" altLang="ko-KR" b="0" i="1" smtClean="0">
+                                  <a:latin typeface="Cambria Math" panose="02040503050406030204" pitchFamily="18" charset="0"/>
+                                  <a:ea typeface="Cambria Math" panose="02040503050406030204" pitchFamily="18" charset="0"/>
+                                </a:rPr>
+                              </m:ctrlPr>
+                            </m:fPr>
+                            <m:num>
+                              <m:r>
+                                <a:rPr lang="en-US" altLang="ko-KR" b="0" i="1" smtClean="0">
+                                  <a:latin typeface="Cambria Math" panose="02040503050406030204" pitchFamily="18" charset="0"/>
+                                  <a:ea typeface="Cambria Math" panose="02040503050406030204" pitchFamily="18" charset="0"/>
+                                </a:rPr>
+                                <m:t>2</m:t>
+                              </m:r>
+                            </m:num>
+                            <m:den>
+                              <m:sSub>
+                                <m:sSubPr>
+                                  <m:ctrlPr>
+                                    <a:rPr lang="en-US" altLang="ko-KR" b="0" i="1" smtClean="0">
+                                      <a:latin typeface="Cambria Math" panose="02040503050406030204" pitchFamily="18" charset="0"/>
+                                      <a:ea typeface="Cambria Math" panose="02040503050406030204" pitchFamily="18" charset="0"/>
+                                    </a:rPr>
+                                  </m:ctrlPr>
+                                </m:sSubPr>
+                                <m:e>
+                                  <m:r>
+                                    <a:rPr lang="en-US" altLang="ko-KR" b="0" i="1" smtClean="0">
+                                      <a:latin typeface="Cambria Math" panose="02040503050406030204" pitchFamily="18" charset="0"/>
+                                      <a:ea typeface="Cambria Math" panose="02040503050406030204" pitchFamily="18" charset="0"/>
+                                    </a:rPr>
+                                    <m:t>𝑁</m:t>
+                                  </m:r>
+                                </m:e>
+                                <m:sub>
+                                  <m:r>
+                                    <m:rPr>
+                                      <m:sty m:val="p"/>
+                                    </m:rPr>
+                                    <a:rPr lang="en-US" altLang="ko-KR" b="0" i="0" smtClean="0">
+                                      <a:latin typeface="Cambria Math" panose="02040503050406030204" pitchFamily="18" charset="0"/>
+                                      <a:ea typeface="Cambria Math" panose="02040503050406030204" pitchFamily="18" charset="0"/>
+                                    </a:rPr>
+                                    <m:t>ref</m:t>
+                                  </m:r>
+                                </m:sub>
+                              </m:sSub>
+                            </m:den>
+                          </m:f>
+                        </m:e>
+                      </m:rad>
+                      <m:r>
+                        <a:rPr lang="en-US" altLang="ko-KR" b="0" i="1" smtClean="0">
+                          <a:latin typeface="Cambria Math" panose="02040503050406030204" pitchFamily="18" charset="0"/>
+                          <a:ea typeface="Cambria Math" panose="02040503050406030204" pitchFamily="18" charset="0"/>
+                        </a:rPr>
+                        <m:t> </m:t>
+                      </m:r>
+                      <m:sSub>
+                        <m:sSubPr>
+                          <m:ctrlPr>
+                            <a:rPr lang="en-US" altLang="ko-KR" b="0" i="1" smtClean="0">
+                              <a:latin typeface="Cambria Math" panose="02040503050406030204" pitchFamily="18" charset="0"/>
+                              <a:ea typeface="Cambria Math" panose="02040503050406030204" pitchFamily="18" charset="0"/>
+                            </a:rPr>
+                          </m:ctrlPr>
+                        </m:sSubPr>
+                        <m:e>
+                          <m:r>
+                            <a:rPr lang="en-US" altLang="ko-KR" b="0" i="1" smtClean="0">
+                              <a:latin typeface="Cambria Math" panose="02040503050406030204" pitchFamily="18" charset="0"/>
+                              <a:ea typeface="Cambria Math" panose="02040503050406030204" pitchFamily="18" charset="0"/>
+                            </a:rPr>
+                            <m:t>𝑠</m:t>
+                          </m:r>
+                        </m:e>
+                        <m:sub>
+                          <m:func>
+                            <m:funcPr>
+                              <m:ctrlPr>
+                                <a:rPr lang="en-US" altLang="ko-KR" b="0" i="1" smtClean="0">
+                                  <a:latin typeface="Cambria Math" panose="02040503050406030204" pitchFamily="18" charset="0"/>
+                                  <a:ea typeface="Cambria Math" panose="02040503050406030204" pitchFamily="18" charset="0"/>
+                                </a:rPr>
+                              </m:ctrlPr>
+                            </m:funcPr>
+                            <m:fName>
+                              <m:r>
+                                <m:rPr>
+                                  <m:sty m:val="p"/>
+                                </m:rPr>
+                                <a:rPr lang="en-US" altLang="ko-KR" b="0" i="0" smtClean="0">
+                                  <a:latin typeface="Cambria Math" panose="02040503050406030204" pitchFamily="18" charset="0"/>
+                                  <a:ea typeface="Cambria Math" panose="02040503050406030204" pitchFamily="18" charset="0"/>
+                                </a:rPr>
+                                <m:t>ln</m:t>
+                              </m:r>
+                            </m:fName>
+                            <m:e>
+                              <m:d>
+                                <m:dPr>
+                                  <m:begChr m:val="|"/>
+                                  <m:endChr m:val="|"/>
+                                  <m:ctrlPr>
+                                    <a:rPr lang="en-US" altLang="ko-KR" b="0" i="1" smtClean="0">
+                                      <a:latin typeface="Cambria Math" panose="02040503050406030204" pitchFamily="18" charset="0"/>
+                                      <a:ea typeface="Cambria Math" panose="02040503050406030204" pitchFamily="18" charset="0"/>
+                                    </a:rPr>
+                                  </m:ctrlPr>
+                                </m:dPr>
+                                <m:e>
+                                  <m:sSub>
+                                    <m:sSubPr>
+                                      <m:ctrlPr>
+                                        <a:rPr lang="en-US" altLang="ko-KR" b="0" i="1" smtClean="0">
+                                          <a:latin typeface="Cambria Math" panose="02040503050406030204" pitchFamily="18" charset="0"/>
+                                          <a:ea typeface="Cambria Math" panose="02040503050406030204" pitchFamily="18" charset="0"/>
+                                        </a:rPr>
+                                      </m:ctrlPr>
+                                    </m:sSubPr>
+                                    <m:e>
+                                      <m:r>
+                                        <a:rPr lang="en-US" altLang="ko-KR" b="0" i="1" smtClean="0">
+                                          <a:latin typeface="Cambria Math" panose="02040503050406030204" pitchFamily="18" charset="0"/>
+                                          <a:ea typeface="Cambria Math" panose="02040503050406030204" pitchFamily="18" charset="0"/>
+                                        </a:rPr>
+                                        <m:t>𝐸</m:t>
+                                      </m:r>
+                                    </m:e>
+                                    <m:sub>
+                                      <m:r>
+                                        <m:rPr>
+                                          <m:sty m:val="p"/>
+                                        </m:rPr>
+                                        <a:rPr lang="en-US" altLang="ko-KR" b="0" i="0" smtClean="0">
+                                          <a:latin typeface="Cambria Math" panose="02040503050406030204" pitchFamily="18" charset="0"/>
+                                          <a:ea typeface="Cambria Math" panose="02040503050406030204" pitchFamily="18" charset="0"/>
+                                        </a:rPr>
+                                        <m:t>ref</m:t>
+                                      </m:r>
+                                    </m:sub>
+                                  </m:sSub>
+                                </m:e>
+                              </m:d>
+                            </m:e>
+                          </m:func>
+                        </m:sub>
+                      </m:sSub>
+                    </m:oMath>
+                  </m:oMathPara>
+                </a14:m>
+                <a:endParaRPr lang="ko-KR" altLang="en-US" dirty="0"/>
+              </a:p>
+            </p:txBody>
+          </p:sp>
+        </mc:Choice>
+        <mc:Fallback>
+          <p:sp>
+            <p:nvSpPr>
+              <p:cNvPr id="3" name="TextBox 2"/>
+              <p:cNvSpPr txBox="1">
+                <a:spLocks noRot="1" noChangeAspect="1" noMove="1" noResize="1" noEditPoints="1" noAdjustHandles="1" noChangeArrowheads="1" noChangeShapeType="1" noTextEdit="1"/>
+              </p:cNvSpPr>
+              <p:nvPr/>
+            </p:nvSpPr>
+            <p:spPr>
+              <a:xfrm>
+                <a:off x="3123108" y="3523526"/>
+                <a:ext cx="2897781" cy="818366"/>
+              </a:xfrm>
+              <a:prstGeom prst="rect">
+                <a:avLst/>
+              </a:prstGeom>
+              <a:blipFill>
+                <a:blip r:embed="rId4"/>
+                <a:stretch>
+                  <a:fillRect/>
+                </a:stretch>
+              </a:blipFill>
+            </p:spPr>
+            <p:txBody>
+              <a:bodyPr/>
+              <a:lstStyle/>
+              <a:p>
+                <a:r>
+                  <a:rPr lang="ko-KR" altLang="en-US">
+                    <a:noFill/>
+                  </a:rPr>
+                  <a:t> </a:t>
+                </a:r>
+              </a:p>
+            </p:txBody>
+          </p:sp>
+        </mc:Fallback>
+      </mc:AlternateContent>
+      <p:sp>
+        <p:nvSpPr>
+          <p:cNvPr id="10" name="TextBox 9"/>
+          <p:cNvSpPr txBox="1"/>
+          <p:nvPr/>
+        </p:nvSpPr>
+        <p:spPr>
+          <a:xfrm>
+            <a:off x="345758" y="4782432"/>
+            <a:ext cx="8560849" cy="646331"/>
+          </a:xfrm>
+          <a:prstGeom prst="rect">
+            <a:avLst/>
+          </a:prstGeom>
+          <a:noFill/>
+        </p:spPr>
+        <p:txBody>
+          <a:bodyPr wrap="square" rtlCol="0">
+            <a:spAutoFit/>
+          </a:bodyPr>
+          <a:lstStyle/>
+          <a:p>
+            <a:r>
+              <a:rPr lang="en-US" altLang="ko-KR" dirty="0" smtClean="0"/>
+              <a:t> The </a:t>
+            </a:r>
+            <a:r>
+              <a:rPr lang="en-US" altLang="ko-KR" dirty="0" smtClean="0"/>
+              <a:t>optimal sample thickness is determined solely from the intrinsic material properties, and not from the system characteristics</a:t>
+            </a:r>
+            <a:endParaRPr lang="ko-KR" altLang="en-US" dirty="0">
+              <a:solidFill>
+                <a:srgbClr val="3333FF"/>
+              </a:solidFill>
+            </a:endParaRPr>
+          </a:p>
+        </p:txBody>
+      </p:sp>
+      <p:sp>
+        <p:nvSpPr>
+          <p:cNvPr id="13" name="TextBox 12"/>
+          <p:cNvSpPr txBox="1"/>
+          <p:nvPr/>
+        </p:nvSpPr>
+        <p:spPr>
+          <a:xfrm>
+            <a:off x="563750" y="4382322"/>
+            <a:ext cx="3199357" cy="400110"/>
+          </a:xfrm>
+          <a:prstGeom prst="rect">
+            <a:avLst/>
+          </a:prstGeom>
+          <a:noFill/>
+        </p:spPr>
+        <p:txBody>
+          <a:bodyPr wrap="square" rtlCol="0">
+            <a:spAutoFit/>
+          </a:bodyPr>
+          <a:lstStyle/>
+          <a:p>
             <a:r>
               <a:rPr lang="en-US" altLang="ko-KR" sz="2000" dirty="0" smtClean="0">
                 <a:solidFill>
                   <a:srgbClr val="3333FF"/>
                 </a:solidFill>
               </a:rPr>
-              <a:t> Thickness</a:t>
+              <a:t>Optimal </a:t>
+            </a:r>
+            <a:r>
+              <a:rPr lang="en-US" altLang="ko-KR" sz="2000" dirty="0" smtClean="0">
+                <a:solidFill>
+                  <a:srgbClr val="3333FF"/>
+                </a:solidFill>
+              </a:rPr>
+              <a:t>Thickness</a:t>
             </a:r>
             <a:endParaRPr lang="ko-KR" altLang="en-US" sz="2000" dirty="0">
               <a:solidFill>
@@ -13183,6 +13746,176 @@
           </a:p>
         </p:txBody>
       </p:sp>
+      <mc:AlternateContent xmlns:mc="http://schemas.openxmlformats.org/markup-compatibility/2006">
+        <mc:Choice xmlns:a14="http://schemas.microsoft.com/office/drawing/2010/main" Requires="a14">
+          <p:sp>
+            <p:nvSpPr>
+              <p:cNvPr id="4" name="TextBox 3"/>
+              <p:cNvSpPr txBox="1"/>
+              <p:nvPr/>
+            </p:nvSpPr>
+            <p:spPr>
+              <a:xfrm>
+                <a:off x="3868763" y="5308474"/>
+                <a:ext cx="1514837" cy="520399"/>
+              </a:xfrm>
+              <a:prstGeom prst="rect">
+                <a:avLst/>
+              </a:prstGeom>
+              <a:noFill/>
+            </p:spPr>
+            <p:txBody>
+              <a:bodyPr wrap="none" lIns="0" tIns="0" rIns="0" bIns="0" rtlCol="0">
+                <a:spAutoFit/>
+              </a:bodyPr>
+              <a:lstStyle/>
+              <a:p>
+                <a14:m>
+                  <m:oMathPara xmlns:m="http://schemas.openxmlformats.org/officeDocument/2006/math">
+                    <m:oMathParaPr>
+                      <m:jc m:val="centerGroup"/>
+                    </m:oMathParaPr>
+                    <m:oMath xmlns:m="http://schemas.openxmlformats.org/officeDocument/2006/math">
+                      <m:sSub>
+                        <m:sSubPr>
+                          <m:ctrlPr>
+                            <a:rPr lang="en-US" altLang="ko-KR" b="0" i="1" smtClean="0">
+                              <a:latin typeface="Cambria Math" panose="02040503050406030204" pitchFamily="18" charset="0"/>
+                            </a:rPr>
+                          </m:ctrlPr>
+                        </m:sSubPr>
+                        <m:e>
+                          <m:r>
+                            <a:rPr lang="en-US" altLang="ko-KR" b="0" i="1" smtClean="0">
+                              <a:latin typeface="Cambria Math" panose="02040503050406030204" pitchFamily="18" charset="0"/>
+                            </a:rPr>
+                            <m:t>𝑙</m:t>
+                          </m:r>
+                        </m:e>
+                        <m:sub>
+                          <m:r>
+                            <a:rPr lang="en-US" altLang="ko-KR" b="0" i="1" smtClean="0">
+                              <a:latin typeface="Cambria Math" panose="02040503050406030204" pitchFamily="18" charset="0"/>
+                            </a:rPr>
+                            <m:t>𝑜𝑝𝑡</m:t>
+                          </m:r>
+                        </m:sub>
+                      </m:sSub>
+                      <m:r>
+                        <a:rPr lang="en-US" altLang="ko-KR" b="0" i="1" smtClean="0">
+                          <a:latin typeface="Cambria Math" panose="02040503050406030204" pitchFamily="18" charset="0"/>
+                        </a:rPr>
+                        <m:t>=</m:t>
+                      </m:r>
+                      <m:f>
+                        <m:fPr>
+                          <m:ctrlPr>
+                            <a:rPr lang="en-US" altLang="ko-KR" b="0" i="1" smtClean="0">
+                              <a:latin typeface="Cambria Math" panose="02040503050406030204" pitchFamily="18" charset="0"/>
+                            </a:rPr>
+                          </m:ctrlPr>
+                        </m:fPr>
+                        <m:num>
+                          <m:r>
+                            <a:rPr lang="en-US" altLang="ko-KR" b="0" i="1" smtClean="0">
+                              <a:latin typeface="Cambria Math" panose="02040503050406030204" pitchFamily="18" charset="0"/>
+                            </a:rPr>
+                            <m:t>𝑐</m:t>
+                          </m:r>
+                        </m:num>
+                        <m:den>
+                          <m:r>
+                            <a:rPr lang="en-US" altLang="ko-KR" b="0" i="1" smtClean="0">
+                              <a:latin typeface="Cambria Math" panose="02040503050406030204" pitchFamily="18" charset="0"/>
+                            </a:rPr>
+                            <m:t>𝜔𝜅</m:t>
+                          </m:r>
+                        </m:den>
+                      </m:f>
+                      <m:r>
+                        <a:rPr lang="en-US" altLang="ko-KR" b="0" i="1" smtClean="0">
+                          <a:latin typeface="Cambria Math" panose="02040503050406030204" pitchFamily="18" charset="0"/>
+                        </a:rPr>
+                        <m:t>=</m:t>
+                      </m:r>
+                      <m:f>
+                        <m:fPr>
+                          <m:ctrlPr>
+                            <a:rPr lang="en-US" altLang="ko-KR" b="0" i="1" smtClean="0">
+                              <a:latin typeface="Cambria Math" panose="02040503050406030204" pitchFamily="18" charset="0"/>
+                            </a:rPr>
+                          </m:ctrlPr>
+                        </m:fPr>
+                        <m:num>
+                          <m:r>
+                            <a:rPr lang="en-US" altLang="ko-KR" b="0" i="1" smtClean="0">
+                              <a:latin typeface="Cambria Math" panose="02040503050406030204" pitchFamily="18" charset="0"/>
+                            </a:rPr>
+                            <m:t>2</m:t>
+                          </m:r>
+                        </m:num>
+                        <m:den>
+                          <m:r>
+                            <a:rPr lang="en-US" altLang="ko-KR" b="0" i="1" smtClean="0">
+                              <a:latin typeface="Cambria Math" panose="02040503050406030204" pitchFamily="18" charset="0"/>
+                            </a:rPr>
+                            <m:t>𝛼</m:t>
+                          </m:r>
+                        </m:den>
+                      </m:f>
+                      <m:r>
+                        <a:rPr lang="en-US" altLang="ko-KR" b="0" i="1" smtClean="0">
+                          <a:latin typeface="Cambria Math" panose="02040503050406030204" pitchFamily="18" charset="0"/>
+                        </a:rPr>
+                        <m:t> </m:t>
+                      </m:r>
+                    </m:oMath>
+                  </m:oMathPara>
+                </a14:m>
+                <a:endParaRPr lang="ko-KR" altLang="en-US" dirty="0"/>
+              </a:p>
+            </p:txBody>
+          </p:sp>
+        </mc:Choice>
+        <mc:Fallback>
+          <p:sp>
+            <p:nvSpPr>
+              <p:cNvPr id="4" name="TextBox 3"/>
+              <p:cNvSpPr txBox="1">
+                <a:spLocks noRot="1" noChangeAspect="1" noMove="1" noResize="1" noEditPoints="1" noAdjustHandles="1" noChangeArrowheads="1" noChangeShapeType="1" noTextEdit="1"/>
+              </p:cNvSpPr>
+              <p:nvPr/>
+            </p:nvSpPr>
+            <p:spPr>
+              <a:xfrm>
+                <a:off x="3868763" y="5308474"/>
+                <a:ext cx="1514837" cy="520399"/>
+              </a:xfrm>
+              <a:prstGeom prst="rect">
+                <a:avLst/>
+              </a:prstGeom>
+              <a:blipFill>
+                <a:blip r:embed="rId5"/>
+                <a:stretch>
+                  <a:fillRect/>
+                </a:stretch>
+              </a:blipFill>
+            </p:spPr>
+            <p:txBody>
+              <a:bodyPr/>
+              <a:lstStyle/>
+              <a:p>
+                <a:r>
+                  <a:rPr lang="ko-KR" altLang="en-US">
+                    <a:noFill/>
+                  </a:rPr>
+                  <a:t> </a:t>
+                </a:r>
+              </a:p>
+            </p:txBody>
+          </p:sp>
+        </mc:Fallback>
+      </mc:AlternateContent>
     </p:spTree>
     <p:extLst>
       <p:ext uri="{BB962C8B-B14F-4D97-AF65-F5344CB8AC3E}">
@@ -13617,68 +14350,7 @@
                 </a:solidFill>
                 <a:latin typeface="Arial" panose="020B0604020202020204" pitchFamily="34" charset="0"/>
               </a:rPr>
-              <a:t>4</a:t>
-            </a:r>
-            <a:r>
-              <a:rPr lang="en-US" altLang="ko-KR" sz="2700" dirty="0" smtClean="0">
-                <a:solidFill>
-                  <a:schemeClr val="bg1"/>
-                </a:solidFill>
-                <a:latin typeface="Arial" panose="020B0604020202020204" pitchFamily="34" charset="0"/>
-              </a:rPr>
-              <a:t>.2 Lateral Dimensions of Samples</a:t>
-            </a:r>
-            <a:endParaRPr lang="en-US" altLang="ko-KR" sz="2700" dirty="0" smtClean="0">
-              <a:solidFill>
-                <a:schemeClr val="bg1"/>
-              </a:solidFill>
-              <a:latin typeface="Arial" panose="020B0604020202020204" pitchFamily="34" charset="0"/>
-            </a:endParaRPr>
-          </a:p>
-        </p:txBody>
-      </p:sp>
-      <p:sp>
-        <p:nvSpPr>
-          <p:cNvPr id="8" name="TextBox 7"/>
-          <p:cNvSpPr txBox="1"/>
-          <p:nvPr/>
-        </p:nvSpPr>
-        <p:spPr>
-          <a:xfrm>
-            <a:off x="268165" y="6338128"/>
-            <a:ext cx="8607669" cy="415498"/>
-          </a:xfrm>
-          <a:prstGeom prst="rect">
-            <a:avLst/>
-          </a:prstGeom>
-          <a:noFill/>
-        </p:spPr>
-        <p:txBody>
-          <a:bodyPr wrap="square" rtlCol="0">
-            <a:spAutoFit/>
-          </a:bodyPr>
-          <a:lstStyle/>
-          <a:p>
-            <a:r>
-              <a:rPr lang="en-US" altLang="ko-KR" sz="1050" dirty="0">
-                <a:latin typeface="Times New Roman" panose="02020603050405020304" pitchFamily="18" charset="0"/>
-                <a:cs typeface="Times New Roman" panose="02020603050405020304" pitchFamily="18" charset="0"/>
-              </a:rPr>
-              <a:t>Fischer, B. M., M. Hoffmann, and P. U. Jepsen, “Dynamic Range and Numerical Error Propagation in Terahertz Time-Domain Spectroscopy,” in </a:t>
-            </a:r>
-            <a:r>
-              <a:rPr lang="en-US" altLang="ko-KR" sz="1050" i="1" dirty="0">
-                <a:latin typeface="Times New Roman" panose="02020603050405020304" pitchFamily="18" charset="0"/>
-                <a:cs typeface="Times New Roman" panose="02020603050405020304" pitchFamily="18" charset="0"/>
-              </a:rPr>
-              <a:t>Optical Terahertz Science and Technology, Technical Digest (CD). </a:t>
-            </a:r>
-            <a:r>
-              <a:rPr lang="en-US" altLang="ko-KR" sz="1050" dirty="0">
-                <a:latin typeface="Times New Roman" panose="02020603050405020304" pitchFamily="18" charset="0"/>
-                <a:cs typeface="Times New Roman" panose="02020603050405020304" pitchFamily="18" charset="0"/>
-              </a:rPr>
-              <a:t>Optical Society of America, 2005, paper TuD1.</a:t>
+              <a:t>4.2 Lateral Dimensions of Samples</a:t>
             </a:r>
           </a:p>
         </p:txBody>
@@ -13707,19 +14379,7 @@
           <a:p>
             <a:r>
               <a:rPr lang="en-US" altLang="ko-KR" dirty="0" smtClean="0"/>
-              <a:t>Noise in a terahertz signal could be reduced by </a:t>
-            </a:r>
-            <a:r>
-              <a:rPr lang="en-US" altLang="ko-KR" dirty="0" smtClean="0">
-                <a:solidFill>
-                  <a:srgbClr val="3333FF"/>
-                </a:solidFill>
-              </a:rPr>
-              <a:t>digital signal processing</a:t>
-            </a:r>
-            <a:r>
-              <a:rPr lang="en-US" altLang="ko-KR" dirty="0" smtClean="0"/>
-              <a:t> techniques in addition to signal averaging.</a:t>
+              <a:t> The lateral dimensions of samples should be large enough to a accommodate the terahertz beam without clipping or edge diffraction.</a:t>
             </a:r>
             <a:endParaRPr lang="ko-KR" altLang="en-US" dirty="0">
               <a:solidFill>
@@ -13823,23 +14483,8 @@
                 </a:solidFill>
                 <a:latin typeface="Arial" panose="020B0604020202020204" pitchFamily="34" charset="0"/>
               </a:rPr>
-              <a:t>4</a:t>
-            </a:r>
-            <a:r>
-              <a:rPr lang="en-US" altLang="ko-KR" sz="2700" dirty="0" smtClean="0">
-                <a:solidFill>
-                  <a:schemeClr val="bg1"/>
-                </a:solidFill>
-                <a:latin typeface="Arial" panose="020B0604020202020204" pitchFamily="34" charset="0"/>
-              </a:rPr>
-              <a:t>.3 Loss: Absorption, Scattering, Diffraction</a:t>
-            </a:r>
-            <a:endParaRPr lang="en-US" altLang="ko-KR" sz="2700" dirty="0" smtClean="0">
-              <a:solidFill>
-                <a:schemeClr val="bg1"/>
-              </a:solidFill>
-              <a:latin typeface="Arial" panose="020B0604020202020204" pitchFamily="34" charset="0"/>
-            </a:endParaRPr>
+              <a:t>4.3 Loss: Absorption, Scattering, Diffraction</a:t>
+            </a:r>
           </a:p>
         </p:txBody>
       </p:sp>
@@ -14049,7 +14694,7 @@
         <p:spPr>
           <a:xfrm>
             <a:off x="268165" y="1362807"/>
-            <a:ext cx="8607669" cy="3970318"/>
+            <a:ext cx="8607669" cy="4524315"/>
           </a:xfrm>
           <a:prstGeom prst="rect">
             <a:avLst/>
@@ -14120,7 +14765,82 @@
                 <a:latin typeface="Times New Roman" panose="02020603050405020304" pitchFamily="18" charset="0"/>
                 <a:cs typeface="Times New Roman" panose="02020603050405020304" pitchFamily="18" charset="0"/>
               </a:rPr>
-              <a:t>, Vol. 18, No. 7, 2001, pp. 1562-1571.</a:t>
+              <a:t>, Vol. 18, No. 7, 2001, pp. 1562-1571</a:t>
+            </a:r>
+            <a:r>
+              <a:rPr lang="en-US" altLang="ko-KR" dirty="0" smtClean="0">
+                <a:latin typeface="Times New Roman" panose="02020603050405020304" pitchFamily="18" charset="0"/>
+                <a:cs typeface="Times New Roman" panose="02020603050405020304" pitchFamily="18" charset="0"/>
+              </a:rPr>
+              <a:t>.</a:t>
+            </a:r>
+          </a:p>
+          <a:p>
+            <a:pPr marL="285750" indent="-285750">
+              <a:buFont typeface="Arial" panose="020B0604020202020204" pitchFamily="34" charset="0"/>
+              <a:buChar char="•"/>
+            </a:pPr>
+            <a:r>
+              <a:rPr lang="en-US" altLang="ko-KR" dirty="0">
+                <a:latin typeface="Times New Roman" panose="02020603050405020304" pitchFamily="18" charset="0"/>
+                <a:cs typeface="Times New Roman" panose="02020603050405020304" pitchFamily="18" charset="0"/>
+              </a:rPr>
+              <a:t>Fischer, B. M., M. Hoffmann, and P. U. </a:t>
+            </a:r>
+            <a:r>
+              <a:rPr lang="en-US" altLang="ko-KR" dirty="0" err="1">
+                <a:latin typeface="Times New Roman" panose="02020603050405020304" pitchFamily="18" charset="0"/>
+                <a:cs typeface="Times New Roman" panose="02020603050405020304" pitchFamily="18" charset="0"/>
+              </a:rPr>
+              <a:t>Jepsen</a:t>
+            </a:r>
+            <a:r>
+              <a:rPr lang="en-US" altLang="ko-KR" dirty="0">
+                <a:latin typeface="Times New Roman" panose="02020603050405020304" pitchFamily="18" charset="0"/>
+                <a:cs typeface="Times New Roman" panose="02020603050405020304" pitchFamily="18" charset="0"/>
+              </a:rPr>
+              <a:t>, “Dynamic Range and Numerical Error Propagation in Terahertz Time-Domain Spectroscopy,” in </a:t>
+            </a:r>
+            <a:r>
+              <a:rPr lang="en-US" altLang="ko-KR" i="1" dirty="0">
+                <a:latin typeface="Times New Roman" panose="02020603050405020304" pitchFamily="18" charset="0"/>
+                <a:cs typeface="Times New Roman" panose="02020603050405020304" pitchFamily="18" charset="0"/>
+              </a:rPr>
+              <a:t>Optical Terahertz Science and Technology, Technical Digest (CD). </a:t>
+            </a:r>
+            <a:r>
+              <a:rPr lang="en-US" altLang="ko-KR" dirty="0">
+                <a:latin typeface="Times New Roman" panose="02020603050405020304" pitchFamily="18" charset="0"/>
+                <a:cs typeface="Times New Roman" panose="02020603050405020304" pitchFamily="18" charset="0"/>
+              </a:rPr>
+              <a:t>Optical Society of America, 2005, paper TuD1.</a:t>
+            </a:r>
+          </a:p>
+          <a:p>
+            <a:pPr marL="285750" indent="-285750">
+              <a:buFont typeface="Arial" panose="020B0604020202020204" pitchFamily="34" charset="0"/>
+              <a:buChar char="•"/>
+            </a:pPr>
+            <a:r>
+              <a:rPr lang="en-US" altLang="ko-KR" dirty="0">
+                <a:latin typeface="Times New Roman" panose="02020603050405020304" pitchFamily="18" charset="0"/>
+                <a:cs typeface="Times New Roman" panose="02020603050405020304" pitchFamily="18" charset="0"/>
+              </a:rPr>
+              <a:t>Ferguson, B., and D. Abbott, “De-Noising Techniques for Terahertz Responses of Biological Samples,” </a:t>
+            </a:r>
+            <a:r>
+              <a:rPr lang="en-US" altLang="ko-KR" i="1" dirty="0">
+                <a:latin typeface="Times New Roman" panose="02020603050405020304" pitchFamily="18" charset="0"/>
+                <a:cs typeface="Times New Roman" panose="02020603050405020304" pitchFamily="18" charset="0"/>
+              </a:rPr>
+              <a:t>Microelectronics Journal</a:t>
+            </a:r>
+            <a:r>
+              <a:rPr lang="en-US" altLang="ko-KR" dirty="0">
+                <a:latin typeface="Times New Roman" panose="02020603050405020304" pitchFamily="18" charset="0"/>
+                <a:cs typeface="Times New Roman" panose="02020603050405020304" pitchFamily="18" charset="0"/>
+              </a:rPr>
+              <a:t>, Vol. 32, No. 12, 2001, pp. 943-953.</a:t>
             </a:r>
           </a:p>
           <a:p>
@@ -14229,35 +14949,19 @@
                 <a:latin typeface="Times New Roman" panose="02020603050405020304" pitchFamily="18" charset="0"/>
                 <a:cs typeface="Times New Roman" panose="02020603050405020304" pitchFamily="18" charset="0"/>
               </a:rPr>
-              <a:t>, Vol. 27, No. 4, 2006, pp. 505-515.</a:t>
-            </a:r>
-          </a:p>
-          <a:p>
-            <a:pPr marL="285750" indent="-285750">
-              <a:buFont typeface="Arial" panose="020B0604020202020204" pitchFamily="34" charset="0"/>
-              <a:buChar char="•"/>
-            </a:pPr>
+              <a:t>, Vol. 27, No. 4, 2006, pp. 505-515</a:t>
+            </a:r>
             <a:r>
               <a:rPr lang="en-US" altLang="ko-KR" dirty="0" smtClean="0">
                 <a:latin typeface="Times New Roman" panose="02020603050405020304" pitchFamily="18" charset="0"/>
                 <a:cs typeface="Times New Roman" panose="02020603050405020304" pitchFamily="18" charset="0"/>
               </a:rPr>
-              <a:t>Fischer, B. M., M. Hoffmann, and P. U. Jepsen, “Dynamic Range and Numerical Error Propagation in Terahertz Time-Domain Spectroscopy,” in </a:t>
-            </a:r>
-            <a:r>
-              <a:rPr lang="en-US" altLang="ko-KR" i="1" dirty="0" smtClean="0">
-                <a:latin typeface="Times New Roman" panose="02020603050405020304" pitchFamily="18" charset="0"/>
-                <a:cs typeface="Times New Roman" panose="02020603050405020304" pitchFamily="18" charset="0"/>
-              </a:rPr>
-              <a:t>Optical Terahertz Science and Technology, Technical Digest (CD). </a:t>
-            </a:r>
-            <a:r>
-              <a:rPr lang="en-US" altLang="ko-KR" dirty="0" smtClean="0">
-                <a:latin typeface="Times New Roman" panose="02020603050405020304" pitchFamily="18" charset="0"/>
-                <a:cs typeface="Times New Roman" panose="02020603050405020304" pitchFamily="18" charset="0"/>
-              </a:rPr>
-              <a:t>Optical Society of America, 2005, paper TuD1.</a:t>
-            </a:r>
+              <a:t>.</a:t>
+            </a:r>
+            <a:endParaRPr lang="en-US" altLang="ko-KR" dirty="0" smtClean="0">
+              <a:latin typeface="Times New Roman" panose="02020603050405020304" pitchFamily="18" charset="0"/>
+              <a:cs typeface="Times New Roman" panose="02020603050405020304" pitchFamily="18" charset="0"/>
+            </a:endParaRPr>
           </a:p>
         </p:txBody>
       </p:sp>

--- a/Terahertz Metrology/Ch2/Terahertz Metrology_Ch2.pptx
+++ b/Terahertz Metrology/Ch2/Terahertz Metrology_Ch2.pptx
@@ -5,7 +5,7 @@
     <p:sldMasterId id="2147483660" r:id="rId1"/>
   </p:sldMasterIdLst>
   <p:notesMasterIdLst>
-    <p:notesMasterId r:id="rId24"/>
+    <p:notesMasterId r:id="rId25"/>
   </p:notesMasterIdLst>
   <p:sldIdLst>
     <p:sldId id="258" r:id="rId2"/>
@@ -24,12 +24,13 @@
     <p:sldId id="287" r:id="rId15"/>
     <p:sldId id="288" r:id="rId16"/>
     <p:sldId id="289" r:id="rId17"/>
-    <p:sldId id="290" r:id="rId18"/>
-    <p:sldId id="291" r:id="rId19"/>
-    <p:sldId id="292" r:id="rId20"/>
-    <p:sldId id="293" r:id="rId21"/>
-    <p:sldId id="294" r:id="rId22"/>
-    <p:sldId id="275" r:id="rId23"/>
+    <p:sldId id="295" r:id="rId18"/>
+    <p:sldId id="290" r:id="rId19"/>
+    <p:sldId id="291" r:id="rId20"/>
+    <p:sldId id="292" r:id="rId21"/>
+    <p:sldId id="293" r:id="rId22"/>
+    <p:sldId id="294" r:id="rId23"/>
+    <p:sldId id="275" r:id="rId24"/>
   </p:sldIdLst>
   <p:sldSz cx="9144000" cy="6858000" type="screen4x3"/>
   <p:notesSz cx="6858000" cy="9144000"/>
@@ -218,7 +219,7 @@
           <a:p>
             <a:fld id="{A9D6DECA-6E4E-4D09-9277-E151A2E3F74C}" type="datetimeFigureOut">
               <a:rPr lang="ko-KR" altLang="en-US" smtClean="0"/>
-              <a:t>2018-03-11</a:t>
+              <a:t>2018-03-12</a:t>
             </a:fld>
             <a:endParaRPr lang="ko-KR" altLang="en-US"/>
           </a:p>
@@ -1232,7 +1233,7 @@
     </p:spTree>
     <p:extLst>
       <p:ext uri="{BB962C8B-B14F-4D97-AF65-F5344CB8AC3E}">
-        <p14:creationId xmlns:p14="http://schemas.microsoft.com/office/powerpoint/2010/main" val="2344098492"/>
+        <p14:creationId xmlns:p14="http://schemas.microsoft.com/office/powerpoint/2010/main" val="2661348481"/>
       </p:ext>
     </p:extLst>
   </p:cSld>
@@ -1316,7 +1317,7 @@
     </p:spTree>
     <p:extLst>
       <p:ext uri="{BB962C8B-B14F-4D97-AF65-F5344CB8AC3E}">
-        <p14:creationId xmlns:p14="http://schemas.microsoft.com/office/powerpoint/2010/main" val="1128497601"/>
+        <p14:creationId xmlns:p14="http://schemas.microsoft.com/office/powerpoint/2010/main" val="2344098492"/>
       </p:ext>
     </p:extLst>
   </p:cSld>
@@ -1400,7 +1401,7 @@
     </p:spTree>
     <p:extLst>
       <p:ext uri="{BB962C8B-B14F-4D97-AF65-F5344CB8AC3E}">
-        <p14:creationId xmlns:p14="http://schemas.microsoft.com/office/powerpoint/2010/main" val="3778348784"/>
+        <p14:creationId xmlns:p14="http://schemas.microsoft.com/office/powerpoint/2010/main" val="1128497601"/>
       </p:ext>
     </p:extLst>
   </p:cSld>
@@ -1568,7 +1569,7 @@
     </p:spTree>
     <p:extLst>
       <p:ext uri="{BB962C8B-B14F-4D97-AF65-F5344CB8AC3E}">
-        <p14:creationId xmlns:p14="http://schemas.microsoft.com/office/powerpoint/2010/main" val="734329444"/>
+        <p14:creationId xmlns:p14="http://schemas.microsoft.com/office/powerpoint/2010/main" val="3778348784"/>
       </p:ext>
     </p:extLst>
   </p:cSld>
@@ -1652,7 +1653,7 @@
     </p:spTree>
     <p:extLst>
       <p:ext uri="{BB962C8B-B14F-4D97-AF65-F5344CB8AC3E}">
-        <p14:creationId xmlns:p14="http://schemas.microsoft.com/office/powerpoint/2010/main" val="31526210"/>
+        <p14:creationId xmlns:p14="http://schemas.microsoft.com/office/powerpoint/2010/main" val="734329444"/>
       </p:ext>
     </p:extLst>
   </p:cSld>
@@ -1728,6 +1729,90 @@
             <a:fld id="{6D0ABE42-EEBB-47F0-BC6E-2BB25FA03CFE}" type="slidenum">
               <a:rPr lang="ko-KR" altLang="en-US" smtClean="0"/>
               <a:t>22</a:t>
+            </a:fld>
+            <a:endParaRPr lang="ko-KR" altLang="en-US"/>
+          </a:p>
+        </p:txBody>
+      </p:sp>
+    </p:spTree>
+    <p:extLst>
+      <p:ext uri="{BB962C8B-B14F-4D97-AF65-F5344CB8AC3E}">
+        <p14:creationId xmlns:p14="http://schemas.microsoft.com/office/powerpoint/2010/main" val="31526210"/>
+      </p:ext>
+    </p:extLst>
+  </p:cSld>
+  <p:clrMapOvr>
+    <a:masterClrMapping/>
+  </p:clrMapOvr>
+</p:notes>
+</file>
+
+<file path=ppt/notesSlides/notesSlide23.xml><?xml version="1.0" encoding="utf-8"?>
+<p:notes xmlns:a="http://schemas.openxmlformats.org/drawingml/2006/main" xmlns:r="http://schemas.openxmlformats.org/officeDocument/2006/relationships" xmlns:p="http://schemas.openxmlformats.org/presentationml/2006/main">
+  <p:cSld>
+    <p:spTree>
+      <p:nvGrpSpPr>
+        <p:cNvPr id="1" name=""/>
+        <p:cNvGrpSpPr/>
+        <p:nvPr/>
+      </p:nvGrpSpPr>
+      <p:grpSpPr>
+        <a:xfrm>
+          <a:off x="0" y="0"/>
+          <a:ext cx="0" cy="0"/>
+          <a:chOff x="0" y="0"/>
+          <a:chExt cx="0" cy="0"/>
+        </a:xfrm>
+      </p:grpSpPr>
+      <p:sp>
+        <p:nvSpPr>
+          <p:cNvPr id="2" name="슬라이드 이미지 개체 틀 1"/>
+          <p:cNvSpPr>
+            <a:spLocks noGrp="1" noRot="1" noChangeAspect="1"/>
+          </p:cNvSpPr>
+          <p:nvPr>
+            <p:ph type="sldImg"/>
+          </p:nvPr>
+        </p:nvSpPr>
+        <p:spPr/>
+      </p:sp>
+      <p:sp>
+        <p:nvSpPr>
+          <p:cNvPr id="3" name="슬라이드 노트 개체 틀 2"/>
+          <p:cNvSpPr>
+            <a:spLocks noGrp="1"/>
+          </p:cNvSpPr>
+          <p:nvPr>
+            <p:ph type="body" idx="1"/>
+          </p:nvPr>
+        </p:nvSpPr>
+        <p:spPr/>
+        <p:txBody>
+          <a:bodyPr/>
+          <a:lstStyle/>
+          <a:p>
+            <a:endParaRPr lang="ko-KR" altLang="en-US"/>
+          </a:p>
+        </p:txBody>
+      </p:sp>
+      <p:sp>
+        <p:nvSpPr>
+          <p:cNvPr id="4" name="슬라이드 번호 개체 틀 3"/>
+          <p:cNvSpPr>
+            <a:spLocks noGrp="1"/>
+          </p:cNvSpPr>
+          <p:nvPr>
+            <p:ph type="sldNum" sz="quarter" idx="10"/>
+          </p:nvPr>
+        </p:nvSpPr>
+        <p:spPr/>
+        <p:txBody>
+          <a:bodyPr/>
+          <a:lstStyle/>
+          <a:p>
+            <a:fld id="{6D0ABE42-EEBB-47F0-BC6E-2BB25FA03CFE}" type="slidenum">
+              <a:rPr lang="ko-KR" altLang="en-US" smtClean="0"/>
+              <a:t>23</a:t>
             </a:fld>
             <a:endParaRPr lang="ko-KR" altLang="en-US"/>
           </a:p>
@@ -2463,9 +2548,9 @@
           <a:bodyPr/>
           <a:lstStyle/>
           <a:p>
-            <a:fld id="{A4C346B5-C0DF-4EB7-A5EE-A79D8A2B2CA8}" type="datetimeFigureOut">
+            <a:fld id="{78E89258-A40F-4400-BA1A-638141289729}" type="datetime1">
               <a:rPr lang="ko-KR" altLang="en-US" smtClean="0"/>
-              <a:t>2018-03-11</a:t>
+              <a:t>2018-03-12</a:t>
             </a:fld>
             <a:endParaRPr lang="ko-KR" altLang="en-US"/>
           </a:p>
@@ -2640,9 +2725,9 @@
           <a:bodyPr/>
           <a:lstStyle/>
           <a:p>
-            <a:fld id="{A4C346B5-C0DF-4EB7-A5EE-A79D8A2B2CA8}" type="datetimeFigureOut">
+            <a:fld id="{CD116CEF-802E-43F7-8932-78519DF2A264}" type="datetime1">
               <a:rPr lang="ko-KR" altLang="en-US" smtClean="0"/>
-              <a:t>2018-03-11</a:t>
+              <a:t>2018-03-12</a:t>
             </a:fld>
             <a:endParaRPr lang="ko-KR" altLang="en-US"/>
           </a:p>
@@ -2820,9 +2905,9 @@
           <a:bodyPr/>
           <a:lstStyle/>
           <a:p>
-            <a:fld id="{A4C346B5-C0DF-4EB7-A5EE-A79D8A2B2CA8}" type="datetimeFigureOut">
+            <a:fld id="{EFD9D7C3-1982-427D-BFA7-1AF9687AAB0F}" type="datetime1">
               <a:rPr lang="ko-KR" altLang="en-US" smtClean="0"/>
-              <a:t>2018-03-11</a:t>
+              <a:t>2018-03-12</a:t>
             </a:fld>
             <a:endParaRPr lang="ko-KR" altLang="en-US"/>
           </a:p>
@@ -2990,9 +3075,9 @@
           <a:bodyPr/>
           <a:lstStyle/>
           <a:p>
-            <a:fld id="{A4C346B5-C0DF-4EB7-A5EE-A79D8A2B2CA8}" type="datetimeFigureOut">
+            <a:fld id="{EDD93E7F-B437-40E5-8ACB-B79696783EFA}" type="datetime1">
               <a:rPr lang="ko-KR" altLang="en-US" smtClean="0"/>
-              <a:t>2018-03-11</a:t>
+              <a:t>2018-03-12</a:t>
             </a:fld>
             <a:endParaRPr lang="ko-KR" altLang="en-US"/>
           </a:p>
@@ -3234,9 +3319,9 @@
           <a:bodyPr/>
           <a:lstStyle/>
           <a:p>
-            <a:fld id="{A4C346B5-C0DF-4EB7-A5EE-A79D8A2B2CA8}" type="datetimeFigureOut">
+            <a:fld id="{DB249950-0BD4-4F6E-BE3F-CB53B7E2FD06}" type="datetime1">
               <a:rPr lang="ko-KR" altLang="en-US" smtClean="0"/>
-              <a:t>2018-03-11</a:t>
+              <a:t>2018-03-12</a:t>
             </a:fld>
             <a:endParaRPr lang="ko-KR" altLang="en-US"/>
           </a:p>
@@ -3466,9 +3551,9 @@
           <a:bodyPr/>
           <a:lstStyle/>
           <a:p>
-            <a:fld id="{A4C346B5-C0DF-4EB7-A5EE-A79D8A2B2CA8}" type="datetimeFigureOut">
+            <a:fld id="{7B016D7E-32C0-4DB3-B6B3-0506A62840FB}" type="datetime1">
               <a:rPr lang="ko-KR" altLang="en-US" smtClean="0"/>
-              <a:t>2018-03-11</a:t>
+              <a:t>2018-03-12</a:t>
             </a:fld>
             <a:endParaRPr lang="ko-KR" altLang="en-US"/>
           </a:p>
@@ -3833,9 +3918,9 @@
           <a:bodyPr/>
           <a:lstStyle/>
           <a:p>
-            <a:fld id="{A4C346B5-C0DF-4EB7-A5EE-A79D8A2B2CA8}" type="datetimeFigureOut">
+            <a:fld id="{B246672D-B3FD-4B2E-92C0-4A80DA670927}" type="datetime1">
               <a:rPr lang="ko-KR" altLang="en-US" smtClean="0"/>
-              <a:t>2018-03-11</a:t>
+              <a:t>2018-03-12</a:t>
             </a:fld>
             <a:endParaRPr lang="ko-KR" altLang="en-US"/>
           </a:p>
@@ -3951,9 +4036,9 @@
           <a:bodyPr/>
           <a:lstStyle/>
           <a:p>
-            <a:fld id="{A4C346B5-C0DF-4EB7-A5EE-A79D8A2B2CA8}" type="datetimeFigureOut">
+            <a:fld id="{9B9B7D2E-B202-4D7A-9519-0C490A04EB9C}" type="datetime1">
               <a:rPr lang="ko-KR" altLang="en-US" smtClean="0"/>
-              <a:t>2018-03-11</a:t>
+              <a:t>2018-03-12</a:t>
             </a:fld>
             <a:endParaRPr lang="ko-KR" altLang="en-US"/>
           </a:p>
@@ -4046,9 +4131,9 @@
           <a:bodyPr/>
           <a:lstStyle/>
           <a:p>
-            <a:fld id="{A4C346B5-C0DF-4EB7-A5EE-A79D8A2B2CA8}" type="datetimeFigureOut">
+            <a:fld id="{12FB9327-987E-47D6-AE2D-63CED8A79494}" type="datetime1">
               <a:rPr lang="ko-KR" altLang="en-US" smtClean="0"/>
-              <a:t>2018-03-11</a:t>
+              <a:t>2018-03-12</a:t>
             </a:fld>
             <a:endParaRPr lang="ko-KR" altLang="en-US"/>
           </a:p>
@@ -4323,9 +4408,9 @@
           <a:bodyPr/>
           <a:lstStyle/>
           <a:p>
-            <a:fld id="{A4C346B5-C0DF-4EB7-A5EE-A79D8A2B2CA8}" type="datetimeFigureOut">
+            <a:fld id="{D8D87011-7294-4632-A156-4F695AB9E41C}" type="datetime1">
               <a:rPr lang="ko-KR" altLang="en-US" smtClean="0"/>
-              <a:t>2018-03-11</a:t>
+              <a:t>2018-03-12</a:t>
             </a:fld>
             <a:endParaRPr lang="ko-KR" altLang="en-US"/>
           </a:p>
@@ -4580,9 +4665,9 @@
           <a:bodyPr/>
           <a:lstStyle/>
           <a:p>
-            <a:fld id="{A4C346B5-C0DF-4EB7-A5EE-A79D8A2B2CA8}" type="datetimeFigureOut">
+            <a:fld id="{1BDC7FDB-72DE-4D65-AF4F-510496DAF70F}" type="datetime1">
               <a:rPr lang="ko-KR" altLang="en-US" smtClean="0"/>
-              <a:t>2018-03-11</a:t>
+              <a:t>2018-03-12</a:t>
             </a:fld>
             <a:endParaRPr lang="ko-KR" altLang="en-US"/>
           </a:p>
@@ -4793,9 +4878,9 @@
             </a:lvl1pPr>
           </a:lstStyle>
           <a:p>
-            <a:fld id="{A4C346B5-C0DF-4EB7-A5EE-A79D8A2B2CA8}" type="datetimeFigureOut">
+            <a:fld id="{9A286DBF-DB43-470A-A903-26374CB6EF47}" type="datetime1">
               <a:rPr lang="ko-KR" altLang="en-US" smtClean="0"/>
-              <a:t>2018-03-11</a:t>
+              <a:t>2018-03-12</a:t>
             </a:fld>
             <a:endParaRPr lang="ko-KR" altLang="en-US"/>
           </a:p>
@@ -4900,6 +4985,7 @@
     <p:sldLayoutId id="2147483670" r:id="rId10"/>
     <p:sldLayoutId id="2147483671" r:id="rId11"/>
   </p:sldLayoutIdLst>
+  <p:hf hdr="0" ftr="0"/>
   <p:txStyles>
     <p:titleStyle>
       <a:lvl1pPr algn="l" defTabSz="914400" rtl="0" eaLnBrk="1" latinLnBrk="1" hangingPunct="1">
@@ -5388,6 +5474,52 @@
           </a:p>
         </p:txBody>
       </p:sp>
+      <p:sp>
+        <p:nvSpPr>
+          <p:cNvPr id="2" name="날짜 개체 틀 1"/>
+          <p:cNvSpPr>
+            <a:spLocks noGrp="1"/>
+          </p:cNvSpPr>
+          <p:nvPr>
+            <p:ph type="dt" sz="half" idx="10"/>
+          </p:nvPr>
+        </p:nvSpPr>
+        <p:spPr/>
+        <p:txBody>
+          <a:bodyPr/>
+          <a:lstStyle/>
+          <a:p>
+            <a:fld id="{32C03489-23FC-4021-B9AB-958EFB3C0FE7}" type="datetime1">
+              <a:rPr lang="ko-KR" altLang="en-US" smtClean="0"/>
+              <a:t>2018-03-12</a:t>
+            </a:fld>
+            <a:endParaRPr lang="ko-KR" altLang="en-US"/>
+          </a:p>
+        </p:txBody>
+      </p:sp>
+      <p:sp>
+        <p:nvSpPr>
+          <p:cNvPr id="3" name="슬라이드 번호 개체 틀 2"/>
+          <p:cNvSpPr>
+            <a:spLocks noGrp="1"/>
+          </p:cNvSpPr>
+          <p:nvPr>
+            <p:ph type="sldNum" sz="quarter" idx="12"/>
+          </p:nvPr>
+        </p:nvSpPr>
+        <p:spPr/>
+        <p:txBody>
+          <a:bodyPr/>
+          <a:lstStyle/>
+          <a:p>
+            <a:fld id="{8765F8EB-1186-4395-8E70-F957669279DD}" type="slidenum">
+              <a:rPr lang="ko-KR" altLang="en-US" smtClean="0"/>
+              <a:t>1</a:t>
+            </a:fld>
+            <a:endParaRPr lang="ko-KR" altLang="en-US"/>
+          </a:p>
+        </p:txBody>
+      </p:sp>
     </p:spTree>
     <p:extLst>
       <p:ext uri="{BB962C8B-B14F-4D97-AF65-F5344CB8AC3E}">
@@ -5604,7 +5736,7 @@
         <p:spPr>
           <a:xfrm>
             <a:off x="345759" y="2164894"/>
-            <a:ext cx="5017550" cy="1754326"/>
+            <a:ext cx="5017550" cy="2308324"/>
           </a:xfrm>
           <a:prstGeom prst="rect">
             <a:avLst/>
@@ -5673,8 +5805,21 @@
             </a:pPr>
             <a:r>
               <a:rPr lang="en-US" altLang="ko-KR" dirty="0" smtClean="0"/>
-              <a:t>Step 6: Determine the total variation</a:t>
-            </a:r>
+              <a:t>Step 6: Determine the total </a:t>
+            </a:r>
+            <a:r>
+              <a:rPr lang="en-US" altLang="ko-KR" dirty="0" smtClean="0"/>
+              <a:t>variation</a:t>
+            </a:r>
+          </a:p>
+          <a:p>
+            <a:r>
+              <a:rPr lang="en-US" altLang="ko-KR" dirty="0" smtClean="0">
+                <a:sym typeface="Wingdings" panose="05000000000000000000" pitchFamily="2" charset="2"/>
+              </a:rPr>
+              <a:t> The ultimate complex refractive index from Step 5 would contain ripple if the thickness selected</a:t>
+            </a:r>
+            <a:endParaRPr lang="en-US" altLang="ko-KR" dirty="0" smtClean="0"/>
           </a:p>
         </p:txBody>
       </p:sp>
@@ -5780,6 +5925,401 @@
               </a:rPr>
               <a:t>, Vol. 18, No. 7, 2001.</a:t>
             </a:r>
+          </a:p>
+        </p:txBody>
+      </p:sp>
+      <mc:AlternateContent xmlns:mc="http://schemas.openxmlformats.org/markup-compatibility/2006">
+        <mc:Choice xmlns:a14="http://schemas.microsoft.com/office/drawing/2010/main" Requires="a14">
+          <p:sp>
+            <p:nvSpPr>
+              <p:cNvPr id="5" name="TextBox 4"/>
+              <p:cNvSpPr txBox="1"/>
+              <p:nvPr/>
+            </p:nvSpPr>
+            <p:spPr>
+              <a:xfrm>
+                <a:off x="345758" y="4615319"/>
+                <a:ext cx="5522601" cy="672172"/>
+              </a:xfrm>
+              <a:prstGeom prst="rect">
+                <a:avLst/>
+              </a:prstGeom>
+              <a:noFill/>
+            </p:spPr>
+            <p:txBody>
+              <a:bodyPr wrap="none" lIns="0" tIns="0" rIns="0" bIns="0" rtlCol="0">
+                <a:spAutoFit/>
+              </a:bodyPr>
+              <a:lstStyle/>
+              <a:p>
+                <a14:m>
+                  <m:oMathPara xmlns:m="http://schemas.openxmlformats.org/officeDocument/2006/math">
+                    <m:oMathParaPr>
+                      <m:jc m:val="centerGroup"/>
+                    </m:oMathParaPr>
+                    <m:oMath xmlns:m="http://schemas.openxmlformats.org/officeDocument/2006/math">
+                      <m:r>
+                        <a:rPr lang="en-US" altLang="ko-KR" b="0" i="1" smtClean="0">
+                          <a:latin typeface="Cambria Math" panose="02040503050406030204" pitchFamily="18" charset="0"/>
+                        </a:rPr>
+                        <m:t>𝑇𝑉</m:t>
+                      </m:r>
+                      <m:r>
+                        <a:rPr lang="en-US" altLang="ko-KR" b="0" i="1" smtClean="0">
+                          <a:latin typeface="Cambria Math" panose="02040503050406030204" pitchFamily="18" charset="0"/>
+                        </a:rPr>
+                        <m:t>=</m:t>
+                      </m:r>
+                      <m:nary>
+                        <m:naryPr>
+                          <m:chr m:val="∑"/>
+                          <m:supHide m:val="on"/>
+                          <m:ctrlPr>
+                            <a:rPr lang="en-US" altLang="ko-KR" b="0" i="1" smtClean="0">
+                              <a:latin typeface="Cambria Math" panose="02040503050406030204" pitchFamily="18" charset="0"/>
+                            </a:rPr>
+                          </m:ctrlPr>
+                        </m:naryPr>
+                        <m:sub>
+                          <m:r>
+                            <m:rPr>
+                              <m:brk m:alnAt="7"/>
+                            </m:rPr>
+                            <a:rPr lang="en-US" altLang="ko-KR" b="0" i="1" smtClean="0">
+                              <a:latin typeface="Cambria Math" panose="02040503050406030204" pitchFamily="18" charset="0"/>
+                            </a:rPr>
+                            <m:t>𝑚</m:t>
+                          </m:r>
+                        </m:sub>
+                        <m:sup/>
+                        <m:e>
+                          <m:d>
+                            <m:dPr>
+                              <m:ctrlPr>
+                                <a:rPr lang="en-US" altLang="ko-KR" b="0" i="1" smtClean="0">
+                                  <a:latin typeface="Cambria Math" panose="02040503050406030204" pitchFamily="18" charset="0"/>
+                                </a:rPr>
+                              </m:ctrlPr>
+                            </m:dPr>
+                            <m:e>
+                              <m:d>
+                                <m:dPr>
+                                  <m:begChr m:val="|"/>
+                                  <m:endChr m:val="|"/>
+                                  <m:ctrlPr>
+                                    <a:rPr lang="en-US" altLang="ko-KR" b="0" i="1" smtClean="0">
+                                      <a:latin typeface="Cambria Math" panose="02040503050406030204" pitchFamily="18" charset="0"/>
+                                    </a:rPr>
+                                  </m:ctrlPr>
+                                </m:dPr>
+                                <m:e>
+                                  <m:sSub>
+                                    <m:sSubPr>
+                                      <m:ctrlPr>
+                                        <a:rPr lang="en-US" altLang="ko-KR" b="0" i="1" smtClean="0">
+                                          <a:latin typeface="Cambria Math" panose="02040503050406030204" pitchFamily="18" charset="0"/>
+                                        </a:rPr>
+                                      </m:ctrlPr>
+                                    </m:sSubPr>
+                                    <m:e>
+                                      <m:r>
+                                        <a:rPr lang="en-US" altLang="ko-KR" b="0" i="1" smtClean="0">
+                                          <a:latin typeface="Cambria Math" panose="02040503050406030204" pitchFamily="18" charset="0"/>
+                                        </a:rPr>
+                                        <m:t>𝑛</m:t>
+                                      </m:r>
+                                    </m:e>
+                                    <m:sub>
+                                      <m:r>
+                                        <a:rPr lang="en-US" altLang="ko-KR" b="0" i="1" smtClean="0">
+                                          <a:latin typeface="Cambria Math" panose="02040503050406030204" pitchFamily="18" charset="0"/>
+                                        </a:rPr>
+                                        <m:t>𝑠</m:t>
+                                      </m:r>
+                                    </m:sub>
+                                  </m:sSub>
+                                  <m:d>
+                                    <m:dPr>
+                                      <m:ctrlPr>
+                                        <a:rPr lang="en-US" altLang="ko-KR" b="0" i="1" smtClean="0">
+                                          <a:latin typeface="Cambria Math" panose="02040503050406030204" pitchFamily="18" charset="0"/>
+                                        </a:rPr>
+                                      </m:ctrlPr>
+                                    </m:dPr>
+                                    <m:e>
+                                      <m:r>
+                                        <a:rPr lang="en-US" altLang="ko-KR" b="0" i="1" smtClean="0">
+                                          <a:latin typeface="Cambria Math" panose="02040503050406030204" pitchFamily="18" charset="0"/>
+                                        </a:rPr>
+                                        <m:t>𝑚</m:t>
+                                      </m:r>
+                                    </m:e>
+                                  </m:d>
+                                  <m:r>
+                                    <a:rPr lang="en-US" altLang="ko-KR" b="0" i="1" smtClean="0">
+                                      <a:latin typeface="Cambria Math" panose="02040503050406030204" pitchFamily="18" charset="0"/>
+                                    </a:rPr>
+                                    <m:t>−</m:t>
+                                  </m:r>
+                                  <m:sSub>
+                                    <m:sSubPr>
+                                      <m:ctrlPr>
+                                        <a:rPr lang="en-US" altLang="ko-KR" b="0" i="1" smtClean="0">
+                                          <a:latin typeface="Cambria Math" panose="02040503050406030204" pitchFamily="18" charset="0"/>
+                                        </a:rPr>
+                                      </m:ctrlPr>
+                                    </m:sSubPr>
+                                    <m:e>
+                                      <m:r>
+                                        <a:rPr lang="en-US" altLang="ko-KR" b="0" i="1" smtClean="0">
+                                          <a:latin typeface="Cambria Math" panose="02040503050406030204" pitchFamily="18" charset="0"/>
+                                        </a:rPr>
+                                        <m:t>𝑛</m:t>
+                                      </m:r>
+                                    </m:e>
+                                    <m:sub>
+                                      <m:r>
+                                        <a:rPr lang="en-US" altLang="ko-KR" b="0" i="1" smtClean="0">
+                                          <a:latin typeface="Cambria Math" panose="02040503050406030204" pitchFamily="18" charset="0"/>
+                                        </a:rPr>
+                                        <m:t>𝑠</m:t>
+                                      </m:r>
+                                    </m:sub>
+                                  </m:sSub>
+                                  <m:d>
+                                    <m:dPr>
+                                      <m:ctrlPr>
+                                        <a:rPr lang="en-US" altLang="ko-KR" b="0" i="1" smtClean="0">
+                                          <a:latin typeface="Cambria Math" panose="02040503050406030204" pitchFamily="18" charset="0"/>
+                                        </a:rPr>
+                                      </m:ctrlPr>
+                                    </m:dPr>
+                                    <m:e>
+                                      <m:r>
+                                        <a:rPr lang="en-US" altLang="ko-KR" b="0" i="1" smtClean="0">
+                                          <a:latin typeface="Cambria Math" panose="02040503050406030204" pitchFamily="18" charset="0"/>
+                                        </a:rPr>
+                                        <m:t>𝑚</m:t>
+                                      </m:r>
+                                      <m:r>
+                                        <a:rPr lang="en-US" altLang="ko-KR" b="0" i="1" smtClean="0">
+                                          <a:latin typeface="Cambria Math" panose="02040503050406030204" pitchFamily="18" charset="0"/>
+                                        </a:rPr>
+                                        <m:t>−1</m:t>
+                                      </m:r>
+                                    </m:e>
+                                  </m:d>
+                                </m:e>
+                              </m:d>
+                              <m:r>
+                                <a:rPr lang="en-US" altLang="ko-KR" b="0" i="1" smtClean="0">
+                                  <a:latin typeface="Cambria Math" panose="02040503050406030204" pitchFamily="18" charset="0"/>
+                                </a:rPr>
+                                <m:t>+</m:t>
+                              </m:r>
+                              <m:d>
+                                <m:dPr>
+                                  <m:begChr m:val="|"/>
+                                  <m:endChr m:val="|"/>
+                                  <m:ctrlPr>
+                                    <a:rPr lang="en-US" altLang="ko-KR" b="0" i="1" smtClean="0">
+                                      <a:latin typeface="Cambria Math" panose="02040503050406030204" pitchFamily="18" charset="0"/>
+                                    </a:rPr>
+                                  </m:ctrlPr>
+                                </m:dPr>
+                                <m:e>
+                                  <m:sSub>
+                                    <m:sSubPr>
+                                      <m:ctrlPr>
+                                        <a:rPr lang="en-US" altLang="ko-KR" b="0" i="1" smtClean="0">
+                                          <a:latin typeface="Cambria Math" panose="02040503050406030204" pitchFamily="18" charset="0"/>
+                                        </a:rPr>
+                                      </m:ctrlPr>
+                                    </m:sSubPr>
+                                    <m:e>
+                                      <m:r>
+                                        <a:rPr lang="en-US" altLang="ko-KR" b="0" i="1" smtClean="0">
+                                          <a:latin typeface="Cambria Math" panose="02040503050406030204" pitchFamily="18" charset="0"/>
+                                        </a:rPr>
+                                        <m:t>𝜅</m:t>
+                                      </m:r>
+                                    </m:e>
+                                    <m:sub>
+                                      <m:r>
+                                        <a:rPr lang="en-US" altLang="ko-KR" b="0" i="1" smtClean="0">
+                                          <a:latin typeface="Cambria Math" panose="02040503050406030204" pitchFamily="18" charset="0"/>
+                                        </a:rPr>
+                                        <m:t>𝑠</m:t>
+                                      </m:r>
+                                    </m:sub>
+                                  </m:sSub>
+                                  <m:d>
+                                    <m:dPr>
+                                      <m:ctrlPr>
+                                        <a:rPr lang="en-US" altLang="ko-KR" b="0" i="1" smtClean="0">
+                                          <a:latin typeface="Cambria Math" panose="02040503050406030204" pitchFamily="18" charset="0"/>
+                                        </a:rPr>
+                                      </m:ctrlPr>
+                                    </m:dPr>
+                                    <m:e>
+                                      <m:r>
+                                        <a:rPr lang="en-US" altLang="ko-KR" b="0" i="1" smtClean="0">
+                                          <a:latin typeface="Cambria Math" panose="02040503050406030204" pitchFamily="18" charset="0"/>
+                                        </a:rPr>
+                                        <m:t>𝑚</m:t>
+                                      </m:r>
+                                    </m:e>
+                                  </m:d>
+                                  <m:r>
+                                    <a:rPr lang="en-US" altLang="ko-KR" b="0" i="1" smtClean="0">
+                                      <a:latin typeface="Cambria Math" panose="02040503050406030204" pitchFamily="18" charset="0"/>
+                                    </a:rPr>
+                                    <m:t>−</m:t>
+                                  </m:r>
+                                  <m:sSub>
+                                    <m:sSubPr>
+                                      <m:ctrlPr>
+                                        <a:rPr lang="en-US" altLang="ko-KR" b="0" i="1" smtClean="0">
+                                          <a:latin typeface="Cambria Math" panose="02040503050406030204" pitchFamily="18" charset="0"/>
+                                        </a:rPr>
+                                      </m:ctrlPr>
+                                    </m:sSubPr>
+                                    <m:e>
+                                      <m:r>
+                                        <a:rPr lang="en-US" altLang="ko-KR" b="0" i="1" smtClean="0">
+                                          <a:latin typeface="Cambria Math" panose="02040503050406030204" pitchFamily="18" charset="0"/>
+                                        </a:rPr>
+                                        <m:t>𝜅</m:t>
+                                      </m:r>
+                                    </m:e>
+                                    <m:sub>
+                                      <m:r>
+                                        <a:rPr lang="en-US" altLang="ko-KR" b="0" i="1" smtClean="0">
+                                          <a:latin typeface="Cambria Math" panose="02040503050406030204" pitchFamily="18" charset="0"/>
+                                        </a:rPr>
+                                        <m:t>𝑠</m:t>
+                                      </m:r>
+                                    </m:sub>
+                                  </m:sSub>
+                                  <m:d>
+                                    <m:dPr>
+                                      <m:ctrlPr>
+                                        <a:rPr lang="en-US" altLang="ko-KR" b="0" i="1" smtClean="0">
+                                          <a:latin typeface="Cambria Math" panose="02040503050406030204" pitchFamily="18" charset="0"/>
+                                        </a:rPr>
+                                      </m:ctrlPr>
+                                    </m:dPr>
+                                    <m:e>
+                                      <m:r>
+                                        <a:rPr lang="en-US" altLang="ko-KR" b="0" i="1" smtClean="0">
+                                          <a:latin typeface="Cambria Math" panose="02040503050406030204" pitchFamily="18" charset="0"/>
+                                        </a:rPr>
+                                        <m:t>𝑚</m:t>
+                                      </m:r>
+                                      <m:r>
+                                        <a:rPr lang="en-US" altLang="ko-KR" b="0" i="1" smtClean="0">
+                                          <a:latin typeface="Cambria Math" panose="02040503050406030204" pitchFamily="18" charset="0"/>
+                                        </a:rPr>
+                                        <m:t>−1</m:t>
+                                      </m:r>
+                                    </m:e>
+                                  </m:d>
+                                </m:e>
+                              </m:d>
+                            </m:e>
+                          </m:d>
+                        </m:e>
+                      </m:nary>
+                    </m:oMath>
+                  </m:oMathPara>
+                </a14:m>
+                <a:endParaRPr lang="ko-KR" altLang="en-US" dirty="0"/>
+              </a:p>
+            </p:txBody>
+          </p:sp>
+        </mc:Choice>
+        <mc:Fallback>
+          <p:sp>
+            <p:nvSpPr>
+              <p:cNvPr id="5" name="TextBox 4"/>
+              <p:cNvSpPr txBox="1">
+                <a:spLocks noRot="1" noChangeAspect="1" noMove="1" noResize="1" noEditPoints="1" noAdjustHandles="1" noChangeArrowheads="1" noChangeShapeType="1" noTextEdit="1"/>
+              </p:cNvSpPr>
+              <p:nvPr/>
+            </p:nvSpPr>
+            <p:spPr>
+              <a:xfrm>
+                <a:off x="345758" y="4615319"/>
+                <a:ext cx="5522601" cy="672172"/>
+              </a:xfrm>
+              <a:prstGeom prst="rect">
+                <a:avLst/>
+              </a:prstGeom>
+              <a:blipFill rotWithShape="0">
+                <a:blip r:embed="rId4"/>
+                <a:stretch>
+                  <a:fillRect/>
+                </a:stretch>
+              </a:blipFill>
+            </p:spPr>
+            <p:txBody>
+              <a:bodyPr/>
+              <a:lstStyle/>
+              <a:p>
+                <a:r>
+                  <a:rPr lang="ko-KR" altLang="en-US">
+                    <a:noFill/>
+                  </a:rPr>
+                  <a:t> </a:t>
+                </a:r>
+              </a:p>
+            </p:txBody>
+          </p:sp>
+        </mc:Fallback>
+      </mc:AlternateContent>
+      <p:sp>
+        <p:nvSpPr>
+          <p:cNvPr id="7" name="날짜 개체 틀 6"/>
+          <p:cNvSpPr>
+            <a:spLocks noGrp="1"/>
+          </p:cNvSpPr>
+          <p:nvPr>
+            <p:ph type="dt" sz="half" idx="10"/>
+          </p:nvPr>
+        </p:nvSpPr>
+        <p:spPr/>
+        <p:txBody>
+          <a:bodyPr/>
+          <a:lstStyle/>
+          <a:p>
+            <a:fld id="{14802A74-0555-4C81-A7D9-061B5F2AB338}" type="datetime1">
+              <a:rPr lang="ko-KR" altLang="en-US" smtClean="0"/>
+              <a:t>2018-03-12</a:t>
+            </a:fld>
+            <a:endParaRPr lang="ko-KR" altLang="en-US"/>
+          </a:p>
+        </p:txBody>
+      </p:sp>
+      <p:sp>
+        <p:nvSpPr>
+          <p:cNvPr id="9" name="슬라이드 번호 개체 틀 8"/>
+          <p:cNvSpPr>
+            <a:spLocks noGrp="1"/>
+          </p:cNvSpPr>
+          <p:nvPr>
+            <p:ph type="sldNum" sz="quarter" idx="12"/>
+          </p:nvPr>
+        </p:nvSpPr>
+        <p:spPr/>
+        <p:txBody>
+          <a:bodyPr/>
+          <a:lstStyle/>
+          <a:p>
+            <a:fld id="{8765F8EB-1186-4395-8E70-F957669279DD}" type="slidenum">
+              <a:rPr lang="ko-KR" altLang="en-US" smtClean="0"/>
+              <a:t>10</a:t>
+            </a:fld>
+            <a:endParaRPr lang="ko-KR" altLang="en-US"/>
           </a:p>
         </p:txBody>
       </p:sp>
@@ -7491,6 +8031,52 @@
           </a:p>
         </p:txBody>
       </p:sp>
+      <p:sp>
+        <p:nvSpPr>
+          <p:cNvPr id="4" name="날짜 개체 틀 3"/>
+          <p:cNvSpPr>
+            <a:spLocks noGrp="1"/>
+          </p:cNvSpPr>
+          <p:nvPr>
+            <p:ph type="dt" sz="half" idx="10"/>
+          </p:nvPr>
+        </p:nvSpPr>
+        <p:spPr/>
+        <p:txBody>
+          <a:bodyPr/>
+          <a:lstStyle/>
+          <a:p>
+            <a:fld id="{D23E4D73-8E87-40FA-9F54-D79AA380315D}" type="datetime1">
+              <a:rPr lang="ko-KR" altLang="en-US" smtClean="0"/>
+              <a:t>2018-03-12</a:t>
+            </a:fld>
+            <a:endParaRPr lang="ko-KR" altLang="en-US"/>
+          </a:p>
+        </p:txBody>
+      </p:sp>
+      <p:sp>
+        <p:nvSpPr>
+          <p:cNvPr id="11" name="슬라이드 번호 개체 틀 10"/>
+          <p:cNvSpPr>
+            <a:spLocks noGrp="1"/>
+          </p:cNvSpPr>
+          <p:nvPr>
+            <p:ph type="sldNum" sz="quarter" idx="12"/>
+          </p:nvPr>
+        </p:nvSpPr>
+        <p:spPr/>
+        <p:txBody>
+          <a:bodyPr/>
+          <a:lstStyle/>
+          <a:p>
+            <a:fld id="{8765F8EB-1186-4395-8E70-F957669279DD}" type="slidenum">
+              <a:rPr lang="ko-KR" altLang="en-US" smtClean="0"/>
+              <a:t>11</a:t>
+            </a:fld>
+            <a:endParaRPr lang="ko-KR" altLang="en-US"/>
+          </a:p>
+        </p:txBody>
+      </p:sp>
     </p:spTree>
     <p:extLst>
       <p:ext uri="{BB962C8B-B14F-4D97-AF65-F5344CB8AC3E}">
@@ -9238,6 +9824,52 @@
           </p:sp>
         </mc:Fallback>
       </mc:AlternateContent>
+      <p:sp>
+        <p:nvSpPr>
+          <p:cNvPr id="2" name="날짜 개체 틀 1"/>
+          <p:cNvSpPr>
+            <a:spLocks noGrp="1"/>
+          </p:cNvSpPr>
+          <p:nvPr>
+            <p:ph type="dt" sz="half" idx="10"/>
+          </p:nvPr>
+        </p:nvSpPr>
+        <p:spPr/>
+        <p:txBody>
+          <a:bodyPr/>
+          <a:lstStyle/>
+          <a:p>
+            <a:fld id="{3BC29368-14A9-4301-85E7-1A359714A2C4}" type="datetime1">
+              <a:rPr lang="ko-KR" altLang="en-US" smtClean="0"/>
+              <a:t>2018-03-12</a:t>
+            </a:fld>
+            <a:endParaRPr lang="ko-KR" altLang="en-US"/>
+          </a:p>
+        </p:txBody>
+      </p:sp>
+      <p:sp>
+        <p:nvSpPr>
+          <p:cNvPr id="3" name="슬라이드 번호 개체 틀 2"/>
+          <p:cNvSpPr>
+            <a:spLocks noGrp="1"/>
+          </p:cNvSpPr>
+          <p:nvPr>
+            <p:ph type="sldNum" sz="quarter" idx="12"/>
+          </p:nvPr>
+        </p:nvSpPr>
+        <p:spPr/>
+        <p:txBody>
+          <a:bodyPr/>
+          <a:lstStyle/>
+          <a:p>
+            <a:fld id="{8765F8EB-1186-4395-8E70-F957669279DD}" type="slidenum">
+              <a:rPr lang="ko-KR" altLang="en-US" smtClean="0"/>
+              <a:t>12</a:t>
+            </a:fld>
+            <a:endParaRPr lang="ko-KR" altLang="en-US"/>
+          </a:p>
+        </p:txBody>
+      </p:sp>
     </p:spTree>
     <p:extLst>
       <p:ext uri="{BB962C8B-B14F-4D97-AF65-F5344CB8AC3E}">
@@ -9464,8 +10096,8 @@
         </p:blipFill>
         <p:spPr>
           <a:xfrm>
-            <a:off x="2014536" y="3947746"/>
-            <a:ext cx="5114925" cy="2057400"/>
+            <a:off x="2014536" y="4108843"/>
+            <a:ext cx="4817087" cy="1937599"/>
           </a:xfrm>
           <a:prstGeom prst="rect">
             <a:avLst/>
@@ -11560,6 +12192,98 @@
           </p:sp>
         </mc:Fallback>
       </mc:AlternateContent>
+      <p:sp>
+        <p:nvSpPr>
+          <p:cNvPr id="3" name="날짜 개체 틀 2"/>
+          <p:cNvSpPr>
+            <a:spLocks noGrp="1"/>
+          </p:cNvSpPr>
+          <p:nvPr>
+            <p:ph type="dt" sz="half" idx="10"/>
+          </p:nvPr>
+        </p:nvSpPr>
+        <p:spPr/>
+        <p:txBody>
+          <a:bodyPr/>
+          <a:lstStyle/>
+          <a:p>
+            <a:fld id="{2885A3CE-9943-461A-86BB-B699857321E0}" type="datetime1">
+              <a:rPr lang="ko-KR" altLang="en-US" smtClean="0"/>
+              <a:t>2018-03-12</a:t>
+            </a:fld>
+            <a:endParaRPr lang="ko-KR" altLang="en-US"/>
+          </a:p>
+        </p:txBody>
+      </p:sp>
+      <p:sp>
+        <p:nvSpPr>
+          <p:cNvPr id="4" name="슬라이드 번호 개체 틀 3"/>
+          <p:cNvSpPr>
+            <a:spLocks noGrp="1"/>
+          </p:cNvSpPr>
+          <p:nvPr>
+            <p:ph type="sldNum" sz="quarter" idx="12"/>
+          </p:nvPr>
+        </p:nvSpPr>
+        <p:spPr/>
+        <p:txBody>
+          <a:bodyPr/>
+          <a:lstStyle/>
+          <a:p>
+            <a:fld id="{8765F8EB-1186-4395-8E70-F957669279DD}" type="slidenum">
+              <a:rPr lang="ko-KR" altLang="en-US" smtClean="0"/>
+              <a:t>13</a:t>
+            </a:fld>
+            <a:endParaRPr lang="ko-KR" altLang="en-US"/>
+          </a:p>
+        </p:txBody>
+      </p:sp>
+      <p:sp>
+        <p:nvSpPr>
+          <p:cNvPr id="12" name="타원 11"/>
+          <p:cNvSpPr/>
+          <p:nvPr/>
+        </p:nvSpPr>
+        <p:spPr>
+          <a:xfrm>
+            <a:off x="8153582" y="6281297"/>
+            <a:ext cx="508049" cy="508049"/>
+          </a:xfrm>
+          <a:prstGeom prst="ellipse">
+            <a:avLst/>
+          </a:prstGeom>
+          <a:noFill/>
+          <a:ln w="57150">
+            <a:solidFill>
+              <a:srgbClr val="C00000"/>
+            </a:solidFill>
+          </a:ln>
+        </p:spPr>
+        <p:style>
+          <a:lnRef idx="2">
+            <a:schemeClr val="accent1">
+              <a:shade val="50000"/>
+            </a:schemeClr>
+          </a:lnRef>
+          <a:fillRef idx="1">
+            <a:schemeClr val="accent1"/>
+          </a:fillRef>
+          <a:effectRef idx="0">
+            <a:schemeClr val="accent1"/>
+          </a:effectRef>
+          <a:fontRef idx="minor">
+            <a:schemeClr val="lt1"/>
+          </a:fontRef>
+        </p:style>
+        <p:txBody>
+          <a:bodyPr rtlCol="0" anchor="ctr"/>
+          <a:lstStyle/>
+          <a:p>
+            <a:pPr algn="ctr"/>
+            <a:endParaRPr lang="ko-KR" altLang="en-US"/>
+          </a:p>
+        </p:txBody>
+      </p:sp>
     </p:spTree>
     <p:extLst>
       <p:ext uri="{BB962C8B-B14F-4D97-AF65-F5344CB8AC3E}">
@@ -11729,6 +12453,52 @@
               <a:t> of Data</a:t>
             </a:r>
             <a:endParaRPr lang="ko-KR" altLang="en-US" sz="3600" dirty="0"/>
+          </a:p>
+        </p:txBody>
+      </p:sp>
+      <p:sp>
+        <p:nvSpPr>
+          <p:cNvPr id="3" name="날짜 개체 틀 2"/>
+          <p:cNvSpPr>
+            <a:spLocks noGrp="1"/>
+          </p:cNvSpPr>
+          <p:nvPr>
+            <p:ph type="dt" sz="half" idx="10"/>
+          </p:nvPr>
+        </p:nvSpPr>
+        <p:spPr/>
+        <p:txBody>
+          <a:bodyPr/>
+          <a:lstStyle/>
+          <a:p>
+            <a:fld id="{73610D12-162F-474F-B9B7-861A8F2D8731}" type="datetime1">
+              <a:rPr lang="ko-KR" altLang="en-US" smtClean="0"/>
+              <a:t>2018-03-12</a:t>
+            </a:fld>
+            <a:endParaRPr lang="ko-KR" altLang="en-US"/>
+          </a:p>
+        </p:txBody>
+      </p:sp>
+      <p:sp>
+        <p:nvSpPr>
+          <p:cNvPr id="4" name="슬라이드 번호 개체 틀 3"/>
+          <p:cNvSpPr>
+            <a:spLocks noGrp="1"/>
+          </p:cNvSpPr>
+          <p:nvPr>
+            <p:ph type="sldNum" sz="quarter" idx="12"/>
+          </p:nvPr>
+        </p:nvSpPr>
+        <p:spPr/>
+        <p:txBody>
+          <a:bodyPr/>
+          <a:lstStyle/>
+          <a:p>
+            <a:fld id="{8765F8EB-1186-4395-8E70-F957669279DD}" type="slidenum">
+              <a:rPr lang="ko-KR" altLang="en-US" smtClean="0"/>
+              <a:t>14</a:t>
+            </a:fld>
+            <a:endParaRPr lang="ko-KR" altLang="en-US"/>
           </a:p>
         </p:txBody>
       </p:sp>
@@ -11971,6 +12741,52 @@
           </a:prstGeom>
         </p:spPr>
       </p:pic>
+      <p:sp>
+        <p:nvSpPr>
+          <p:cNvPr id="2" name="날짜 개체 틀 1"/>
+          <p:cNvSpPr>
+            <a:spLocks noGrp="1"/>
+          </p:cNvSpPr>
+          <p:nvPr>
+            <p:ph type="dt" sz="half" idx="10"/>
+          </p:nvPr>
+        </p:nvSpPr>
+        <p:spPr/>
+        <p:txBody>
+          <a:bodyPr/>
+          <a:lstStyle/>
+          <a:p>
+            <a:fld id="{CA19037F-B72F-49F1-BADA-9CC9DBB36723}" type="datetime1">
+              <a:rPr lang="ko-KR" altLang="en-US" smtClean="0"/>
+              <a:t>2018-03-12</a:t>
+            </a:fld>
+            <a:endParaRPr lang="ko-KR" altLang="en-US"/>
+          </a:p>
+        </p:txBody>
+      </p:sp>
+      <p:sp>
+        <p:nvSpPr>
+          <p:cNvPr id="3" name="슬라이드 번호 개체 틀 2"/>
+          <p:cNvSpPr>
+            <a:spLocks noGrp="1"/>
+          </p:cNvSpPr>
+          <p:nvPr>
+            <p:ph type="sldNum" sz="quarter" idx="12"/>
+          </p:nvPr>
+        </p:nvSpPr>
+        <p:spPr/>
+        <p:txBody>
+          <a:bodyPr/>
+          <a:lstStyle/>
+          <a:p>
+            <a:fld id="{8765F8EB-1186-4395-8E70-F957669279DD}" type="slidenum">
+              <a:rPr lang="ko-KR" altLang="en-US" smtClean="0"/>
+              <a:t>15</a:t>
+            </a:fld>
+            <a:endParaRPr lang="ko-KR" altLang="en-US"/>
+          </a:p>
+        </p:txBody>
+      </p:sp>
     </p:spTree>
     <p:extLst>
       <p:ext uri="{BB962C8B-B14F-4D97-AF65-F5344CB8AC3E}">
@@ -12191,57 +13007,162 @@
           </a:p>
         </p:txBody>
       </p:sp>
+      <p:grpSp>
+        <p:nvGrpSpPr>
+          <p:cNvPr id="6" name="그룹 5"/>
+          <p:cNvGrpSpPr/>
+          <p:nvPr/>
+        </p:nvGrpSpPr>
+        <p:grpSpPr>
+          <a:xfrm>
+            <a:off x="455105" y="1480582"/>
+            <a:ext cx="3709985" cy="3837844"/>
+            <a:chOff x="2401723" y="1480582"/>
+            <a:chExt cx="4340551" cy="4530712"/>
+          </a:xfrm>
+        </p:grpSpPr>
+        <p:pic>
+          <p:nvPicPr>
+            <p:cNvPr id="3" name="그림 2"/>
+            <p:cNvPicPr>
+              <a:picLocks noChangeAspect="1"/>
+            </p:cNvPicPr>
+            <p:nvPr/>
+          </p:nvPicPr>
+          <p:blipFill>
+            <a:blip r:embed="rId3"/>
+            <a:stretch>
+              <a:fillRect/>
+            </a:stretch>
+          </p:blipFill>
+          <p:spPr>
+            <a:xfrm>
+              <a:off x="2401723" y="1480582"/>
+              <a:ext cx="4340551" cy="3698087"/>
+            </a:xfrm>
+            <a:prstGeom prst="rect">
+              <a:avLst/>
+            </a:prstGeom>
+          </p:spPr>
+        </p:pic>
+        <p:pic>
+          <p:nvPicPr>
+            <p:cNvPr id="4" name="그림 3"/>
+            <p:cNvPicPr>
+              <a:picLocks noChangeAspect="1"/>
+            </p:cNvPicPr>
+            <p:nvPr/>
+          </p:nvPicPr>
+          <p:blipFill>
+            <a:blip r:embed="rId4"/>
+            <a:stretch>
+              <a:fillRect/>
+            </a:stretch>
+          </p:blipFill>
+          <p:spPr>
+            <a:xfrm>
+              <a:off x="2919045" y="5145384"/>
+              <a:ext cx="3437793" cy="865910"/>
+            </a:xfrm>
+            <a:prstGeom prst="rect">
+              <a:avLst/>
+            </a:prstGeom>
+          </p:spPr>
+        </p:pic>
+        <p:sp>
+          <p:nvSpPr>
+            <p:cNvPr id="10" name="TextBox 9"/>
+            <p:cNvSpPr txBox="1"/>
+            <p:nvPr/>
+          </p:nvSpPr>
+          <p:spPr>
+            <a:xfrm>
+              <a:off x="4909258" y="1765206"/>
+              <a:ext cx="1833016" cy="327007"/>
+            </a:xfrm>
+            <a:prstGeom prst="rect">
+              <a:avLst/>
+            </a:prstGeom>
+            <a:noFill/>
+          </p:spPr>
+          <p:txBody>
+            <a:bodyPr wrap="square" rtlCol="0">
+              <a:spAutoFit/>
+            </a:bodyPr>
+            <a:lstStyle/>
+            <a:p>
+              <a:r>
+                <a:rPr lang="en-US" altLang="ko-KR" sz="1200" dirty="0" smtClean="0"/>
+                <a:t>Leaf original response</a:t>
+              </a:r>
+              <a:endParaRPr lang="ko-KR" altLang="en-US" sz="1200" dirty="0"/>
+            </a:p>
+          </p:txBody>
+        </p:sp>
+        <p:sp>
+          <p:nvSpPr>
+            <p:cNvPr id="12" name="TextBox 11"/>
+            <p:cNvSpPr txBox="1"/>
+            <p:nvPr/>
+          </p:nvSpPr>
+          <p:spPr>
+            <a:xfrm>
+              <a:off x="4909258" y="2836753"/>
+              <a:ext cx="1571374" cy="276999"/>
+            </a:xfrm>
+            <a:prstGeom prst="rect">
+              <a:avLst/>
+            </a:prstGeom>
+            <a:noFill/>
+          </p:spPr>
+          <p:txBody>
+            <a:bodyPr wrap="square" rtlCol="0">
+              <a:spAutoFit/>
+            </a:bodyPr>
+            <a:lstStyle/>
+            <a:p>
+              <a:r>
+                <a:rPr lang="en-US" altLang="ko-KR" sz="1200" dirty="0" smtClean="0"/>
+                <a:t>Noise added</a:t>
+              </a:r>
+              <a:endParaRPr lang="ko-KR" altLang="en-US" sz="1200" dirty="0"/>
+            </a:p>
+          </p:txBody>
+        </p:sp>
+        <p:sp>
+          <p:nvSpPr>
+            <p:cNvPr id="13" name="TextBox 12"/>
+            <p:cNvSpPr txBox="1"/>
+            <p:nvPr/>
+          </p:nvSpPr>
+          <p:spPr>
+            <a:xfrm>
+              <a:off x="4916394" y="3985816"/>
+              <a:ext cx="1656988" cy="327007"/>
+            </a:xfrm>
+            <a:prstGeom prst="rect">
+              <a:avLst/>
+            </a:prstGeom>
+            <a:noFill/>
+          </p:spPr>
+          <p:txBody>
+            <a:bodyPr wrap="square" rtlCol="0">
+              <a:spAutoFit/>
+            </a:bodyPr>
+            <a:lstStyle/>
+            <a:p>
+              <a:r>
+                <a:rPr lang="en-US" altLang="ko-KR" sz="1200" dirty="0" smtClean="0"/>
+                <a:t>Wavelet de-noising</a:t>
+              </a:r>
+              <a:endParaRPr lang="ko-KR" altLang="en-US" sz="1200" dirty="0"/>
+            </a:p>
+          </p:txBody>
+        </p:sp>
+      </p:grpSp>
       <p:pic>
         <p:nvPicPr>
-          <p:cNvPr id="2" name="그림 1"/>
-          <p:cNvPicPr>
-            <a:picLocks noChangeAspect="1"/>
-          </p:cNvPicPr>
-          <p:nvPr/>
-        </p:nvPicPr>
-        <p:blipFill>
-          <a:blip r:embed="rId3"/>
-          <a:stretch>
-            <a:fillRect/>
-          </a:stretch>
-        </p:blipFill>
-        <p:spPr>
-          <a:xfrm>
-            <a:off x="1041273" y="2034454"/>
-            <a:ext cx="2546831" cy="3749802"/>
-          </a:xfrm>
-          <a:prstGeom prst="rect">
-            <a:avLst/>
-          </a:prstGeom>
-        </p:spPr>
-      </p:pic>
-      <p:pic>
-        <p:nvPicPr>
-          <p:cNvPr id="3" name="그림 2"/>
-          <p:cNvPicPr>
-            <a:picLocks noChangeAspect="1"/>
-          </p:cNvPicPr>
-          <p:nvPr/>
-        </p:nvPicPr>
-        <p:blipFill>
-          <a:blip r:embed="rId4"/>
-          <a:stretch>
-            <a:fillRect/>
-          </a:stretch>
-        </p:blipFill>
-        <p:spPr>
-          <a:xfrm>
-            <a:off x="4239357" y="2034454"/>
-            <a:ext cx="4197507" cy="3576215"/>
-          </a:xfrm>
-          <a:prstGeom prst="rect">
-            <a:avLst/>
-          </a:prstGeom>
-        </p:spPr>
-      </p:pic>
-      <p:pic>
-        <p:nvPicPr>
-          <p:cNvPr id="4" name="그림 3"/>
+          <p:cNvPr id="7" name="그림 6"/>
           <p:cNvPicPr>
             <a:picLocks noChangeAspect="1"/>
           </p:cNvPicPr>
@@ -12255,8 +13176,32 @@
         </p:blipFill>
         <p:spPr>
           <a:xfrm>
-            <a:off x="4668084" y="5481792"/>
-            <a:ext cx="3340052" cy="841291"/>
+            <a:off x="5145519" y="1356057"/>
+            <a:ext cx="2520000" cy="2085518"/>
+          </a:xfrm>
+          <a:prstGeom prst="rect">
+            <a:avLst/>
+          </a:prstGeom>
+        </p:spPr>
+      </p:pic>
+      <p:pic>
+        <p:nvPicPr>
+          <p:cNvPr id="11" name="그림 10"/>
+          <p:cNvPicPr>
+            <a:picLocks noChangeAspect="1"/>
+          </p:cNvPicPr>
+          <p:nvPr/>
+        </p:nvPicPr>
+        <p:blipFill>
+          <a:blip r:embed="rId6"/>
+          <a:stretch>
+            <a:fillRect/>
+          </a:stretch>
+        </p:blipFill>
+        <p:spPr>
+          <a:xfrm>
+            <a:off x="5145519" y="3790483"/>
+            <a:ext cx="2520000" cy="2107296"/>
           </a:xfrm>
           <a:prstGeom prst="rect">
             <a:avLst/>
@@ -12265,14 +13210,136 @@
       </p:pic>
       <p:sp>
         <p:nvSpPr>
-          <p:cNvPr id="10" name="TextBox 9"/>
+          <p:cNvPr id="14" name="아래쪽 화살표 13"/>
+          <p:cNvSpPr/>
+          <p:nvPr/>
+        </p:nvSpPr>
+        <p:spPr>
+          <a:xfrm>
+            <a:off x="6405519" y="3441575"/>
+            <a:ext cx="132441" cy="267381"/>
+          </a:xfrm>
+          <a:prstGeom prst="downArrow">
+            <a:avLst/>
+          </a:prstGeom>
+          <a:solidFill>
+            <a:srgbClr val="3333FF"/>
+          </a:solidFill>
+          <a:ln>
+            <a:noFill/>
+          </a:ln>
+        </p:spPr>
+        <p:style>
+          <a:lnRef idx="2">
+            <a:schemeClr val="accent1">
+              <a:shade val="50000"/>
+            </a:schemeClr>
+          </a:lnRef>
+          <a:fillRef idx="1">
+            <a:schemeClr val="accent1"/>
+          </a:fillRef>
+          <a:effectRef idx="0">
+            <a:schemeClr val="accent1"/>
+          </a:effectRef>
+          <a:fontRef idx="minor">
+            <a:schemeClr val="lt1"/>
+          </a:fontRef>
+        </p:style>
+        <p:txBody>
+          <a:bodyPr rtlCol="0" anchor="ctr"/>
+          <a:lstStyle/>
+          <a:p>
+            <a:pPr algn="ctr"/>
+            <a:endParaRPr lang="ko-KR" altLang="en-US"/>
+          </a:p>
+        </p:txBody>
+      </p:sp>
+      <p:sp>
+        <p:nvSpPr>
+          <p:cNvPr id="15" name="왼쪽 중괄호 14"/>
+          <p:cNvSpPr/>
+          <p:nvPr/>
+        </p:nvSpPr>
+        <p:spPr>
+          <a:xfrm>
+            <a:off x="4927192" y="1920931"/>
+            <a:ext cx="180504" cy="2451318"/>
+          </a:xfrm>
+          <a:prstGeom prst="leftBrace">
+            <a:avLst/>
+          </a:prstGeom>
+        </p:spPr>
+        <p:style>
+          <a:lnRef idx="1">
+            <a:schemeClr val="dk1"/>
+          </a:lnRef>
+          <a:fillRef idx="0">
+            <a:schemeClr val="dk1"/>
+          </a:fillRef>
+          <a:effectRef idx="0">
+            <a:schemeClr val="dk1"/>
+          </a:effectRef>
+          <a:fontRef idx="minor">
+            <a:schemeClr val="tx1"/>
+          </a:fontRef>
+        </p:style>
+        <p:txBody>
+          <a:bodyPr rtlCol="0" anchor="ctr"/>
+          <a:lstStyle/>
+          <a:p>
+            <a:pPr algn="ctr"/>
+            <a:endParaRPr lang="ko-KR" altLang="en-US"/>
+          </a:p>
+        </p:txBody>
+      </p:sp>
+      <p:sp>
+        <p:nvSpPr>
+          <p:cNvPr id="17" name="왼쪽 중괄호 16"/>
+          <p:cNvSpPr/>
+          <p:nvPr/>
+        </p:nvSpPr>
+        <p:spPr>
+          <a:xfrm rot="10800000">
+            <a:off x="7742369" y="3009607"/>
+            <a:ext cx="186828" cy="2451318"/>
+          </a:xfrm>
+          <a:prstGeom prst="leftBrace">
+            <a:avLst/>
+          </a:prstGeom>
+        </p:spPr>
+        <p:style>
+          <a:lnRef idx="1">
+            <a:schemeClr val="dk1"/>
+          </a:lnRef>
+          <a:fillRef idx="0">
+            <a:schemeClr val="dk1"/>
+          </a:fillRef>
+          <a:effectRef idx="0">
+            <a:schemeClr val="dk1"/>
+          </a:effectRef>
+          <a:fontRef idx="minor">
+            <a:schemeClr val="tx1"/>
+          </a:fontRef>
+        </p:style>
+        <p:txBody>
+          <a:bodyPr rtlCol="0" anchor="ctr"/>
+          <a:lstStyle/>
+          <a:p>
+            <a:pPr algn="ctr"/>
+            <a:endParaRPr lang="ko-KR" altLang="en-US"/>
+          </a:p>
+        </p:txBody>
+      </p:sp>
+      <p:sp>
+        <p:nvSpPr>
+          <p:cNvPr id="16" name="TextBox 15"/>
           <p:cNvSpPr txBox="1"/>
           <p:nvPr/>
         </p:nvSpPr>
         <p:spPr>
           <a:xfrm>
-            <a:off x="6536307" y="1895954"/>
-            <a:ext cx="1571374" cy="276999"/>
+            <a:off x="4323853" y="2951646"/>
+            <a:ext cx="646234" cy="338554"/>
           </a:xfrm>
           <a:prstGeom prst="rect">
             <a:avLst/>
@@ -12286,23 +13353,23 @@
           <a:lstStyle/>
           <a:p>
             <a:r>
-              <a:rPr lang="en-US" altLang="ko-KR" sz="1200" dirty="0" smtClean="0"/>
-              <a:t>Leaf original response</a:t>
-            </a:r>
-            <a:endParaRPr lang="ko-KR" altLang="en-US" sz="1200" dirty="0"/>
+              <a:rPr lang="en-US" altLang="ko-KR" sz="1600" dirty="0" smtClean="0"/>
+              <a:t>Fatty</a:t>
+            </a:r>
+            <a:endParaRPr lang="ko-KR" altLang="en-US" sz="1600"/>
           </a:p>
         </p:txBody>
       </p:sp>
       <p:sp>
         <p:nvSpPr>
-          <p:cNvPr id="12" name="TextBox 11"/>
+          <p:cNvPr id="19" name="TextBox 18"/>
           <p:cNvSpPr txBox="1"/>
           <p:nvPr/>
         </p:nvSpPr>
         <p:spPr>
           <a:xfrm>
-            <a:off x="6536307" y="3056864"/>
-            <a:ext cx="1571374" cy="276999"/>
+            <a:off x="7929197" y="4065989"/>
+            <a:ext cx="646234" cy="338554"/>
           </a:xfrm>
           <a:prstGeom prst="rect">
             <a:avLst/>
@@ -12316,40 +13383,80 @@
           <a:lstStyle/>
           <a:p>
             <a:r>
-              <a:rPr lang="en-US" altLang="ko-KR" sz="1200" dirty="0" smtClean="0"/>
-              <a:t>Noise added</a:t>
-            </a:r>
-            <a:endParaRPr lang="ko-KR" altLang="en-US" sz="1200" dirty="0"/>
+              <a:rPr lang="en-US" altLang="ko-KR" sz="1600" dirty="0" smtClean="0"/>
+              <a:t>Meat</a:t>
+            </a:r>
+            <a:endParaRPr lang="ko-KR" altLang="en-US" sz="1600" dirty="0"/>
+          </a:p>
+        </p:txBody>
+      </p:sp>
+      <p:pic>
+        <p:nvPicPr>
+          <p:cNvPr id="18" name="그림 17"/>
+          <p:cNvPicPr>
+            <a:picLocks noChangeAspect="1"/>
+          </p:cNvPicPr>
+          <p:nvPr/>
+        </p:nvPicPr>
+        <p:blipFill>
+          <a:blip r:embed="rId7"/>
+          <a:stretch>
+            <a:fillRect/>
+          </a:stretch>
+        </p:blipFill>
+        <p:spPr>
+          <a:xfrm>
+            <a:off x="455105" y="5322600"/>
+            <a:ext cx="4055688" cy="864153"/>
+          </a:xfrm>
+          <a:prstGeom prst="rect">
+            <a:avLst/>
+          </a:prstGeom>
+        </p:spPr>
+      </p:pic>
+      <p:sp>
+        <p:nvSpPr>
+          <p:cNvPr id="20" name="날짜 개체 틀 19"/>
+          <p:cNvSpPr>
+            <a:spLocks noGrp="1"/>
+          </p:cNvSpPr>
+          <p:nvPr>
+            <p:ph type="dt" sz="half" idx="10"/>
+          </p:nvPr>
+        </p:nvSpPr>
+        <p:spPr/>
+        <p:txBody>
+          <a:bodyPr/>
+          <a:lstStyle/>
+          <a:p>
+            <a:fld id="{C58C57A3-1D53-48C0-9408-36F07A6CD38B}" type="datetime1">
+              <a:rPr lang="ko-KR" altLang="en-US" smtClean="0"/>
+              <a:t>2018-03-12</a:t>
+            </a:fld>
+            <a:endParaRPr lang="ko-KR" altLang="en-US"/>
           </a:p>
         </p:txBody>
       </p:sp>
       <p:sp>
         <p:nvSpPr>
-          <p:cNvPr id="13" name="TextBox 12"/>
-          <p:cNvSpPr txBox="1"/>
-          <p:nvPr/>
+          <p:cNvPr id="21" name="슬라이드 번호 개체 틀 20"/>
+          <p:cNvSpPr>
+            <a:spLocks noGrp="1"/>
+          </p:cNvSpPr>
+          <p:nvPr>
+            <p:ph type="sldNum" sz="quarter" idx="12"/>
+          </p:nvPr>
         </p:nvSpPr>
-        <p:spPr>
-          <a:xfrm>
-            <a:off x="6536307" y="4130828"/>
-            <a:ext cx="1571374" cy="276999"/>
-          </a:xfrm>
-          <a:prstGeom prst="rect">
-            <a:avLst/>
-          </a:prstGeom>
-          <a:noFill/>
-        </p:spPr>
+        <p:spPr/>
         <p:txBody>
-          <a:bodyPr wrap="square" rtlCol="0">
-            <a:spAutoFit/>
-          </a:bodyPr>
+          <a:bodyPr/>
           <a:lstStyle/>
           <a:p>
-            <a:r>
-              <a:rPr lang="en-US" altLang="ko-KR" sz="1200" dirty="0" smtClean="0"/>
-              <a:t>Wavelet de-noising</a:t>
-            </a:r>
-            <a:endParaRPr lang="ko-KR" altLang="en-US" sz="1200" dirty="0"/>
+            <a:fld id="{8765F8EB-1186-4395-8E70-F957669279DD}" type="slidenum">
+              <a:rPr lang="ko-KR" altLang="en-US" smtClean="0"/>
+              <a:t>16</a:t>
+            </a:fld>
+            <a:endParaRPr lang="ko-KR" altLang="en-US"/>
           </a:p>
         </p:txBody>
       </p:sp>
@@ -12447,8 +13554,23 @@
                 </a:solidFill>
                 <a:latin typeface="Arial" panose="020B0604020202020204" pitchFamily="34" charset="0"/>
               </a:rPr>
-              <a:t>3.3 Phase Unwrapping</a:t>
-            </a:r>
+              <a:t>3.2 Signal </a:t>
+            </a:r>
+            <a:r>
+              <a:rPr lang="en-US" altLang="ko-KR" sz="2700" dirty="0" err="1" smtClean="0">
+                <a:solidFill>
+                  <a:schemeClr val="bg1"/>
+                </a:solidFill>
+                <a:latin typeface="Arial" panose="020B0604020202020204" pitchFamily="34" charset="0"/>
+              </a:rPr>
+              <a:t>Denoising</a:t>
+            </a:r>
+            <a:endParaRPr lang="en-US" altLang="ko-KR" sz="2700" dirty="0" smtClean="0">
+              <a:solidFill>
+                <a:schemeClr val="bg1"/>
+              </a:solidFill>
+              <a:latin typeface="Arial" panose="020B0604020202020204" pitchFamily="34" charset="0"/>
+            </a:endParaRPr>
           </a:p>
         </p:txBody>
       </p:sp>
@@ -12461,7 +13583,7 @@
         <p:spPr>
           <a:xfrm>
             <a:off x="345758" y="834251"/>
-            <a:ext cx="8560849" cy="646331"/>
+            <a:ext cx="8560849" cy="369332"/>
           </a:xfrm>
           <a:prstGeom prst="rect">
             <a:avLst/>
@@ -12476,19 +13598,11 @@
           <a:p>
             <a:r>
               <a:rPr lang="en-US" altLang="ko-KR" dirty="0" smtClean="0"/>
-              <a:t>In most case the assumption of </a:t>
-            </a:r>
-            <a:r>
-              <a:rPr lang="en-US" altLang="ko-KR" dirty="0" smtClean="0">
-                <a:solidFill>
-                  <a:srgbClr val="3333FF"/>
-                </a:solidFill>
-              </a:rPr>
-              <a:t>a linear phase is sufficient</a:t>
-            </a:r>
-            <a:r>
-              <a:rPr lang="en-US" altLang="ko-KR" dirty="0" smtClean="0"/>
-              <a:t>. Phase-jumping causes discontinuities in a phase spectrum</a:t>
+              <a:t>The water vapor absorption peaks near 1THz are reduced in magnitude after </a:t>
+            </a:r>
+            <a:r>
+              <a:rPr lang="en-US" altLang="ko-KR" dirty="0" err="1" smtClean="0"/>
+              <a:t>denoising</a:t>
             </a:r>
             <a:endParaRPr lang="ko-KR" altLang="en-US" dirty="0">
               <a:solidFill>
@@ -12500,7 +13614,7 @@
       </p:sp>
       <p:pic>
         <p:nvPicPr>
-          <p:cNvPr id="2" name="그림 1"/>
+          <p:cNvPr id="5" name="그림 4"/>
           <p:cNvPicPr>
             <a:picLocks noChangeAspect="1"/>
           </p:cNvPicPr>
@@ -12514,66 +13628,64 @@
         </p:blipFill>
         <p:spPr>
           <a:xfrm>
-            <a:off x="1986097" y="1622683"/>
-            <a:ext cx="5171806" cy="2358344"/>
+            <a:off x="714072" y="1203583"/>
+            <a:ext cx="7715855" cy="5325805"/>
           </a:xfrm>
           <a:prstGeom prst="rect">
             <a:avLst/>
           </a:prstGeom>
         </p:spPr>
       </p:pic>
-      <p:pic>
-        <p:nvPicPr>
-          <p:cNvPr id="3" name="그림 2"/>
-          <p:cNvPicPr>
-            <a:picLocks noChangeAspect="1"/>
-          </p:cNvPicPr>
-          <p:nvPr/>
-        </p:nvPicPr>
-        <p:blipFill>
-          <a:blip r:embed="rId4"/>
-          <a:stretch>
-            <a:fillRect/>
-          </a:stretch>
-        </p:blipFill>
-        <p:spPr>
-          <a:xfrm>
-            <a:off x="1778244" y="3981027"/>
-            <a:ext cx="2882383" cy="2232148"/>
-          </a:xfrm>
-          <a:prstGeom prst="rect">
-            <a:avLst/>
-          </a:prstGeom>
-        </p:spPr>
-      </p:pic>
-      <p:pic>
-        <p:nvPicPr>
-          <p:cNvPr id="4" name="그림 3"/>
-          <p:cNvPicPr>
-            <a:picLocks noChangeAspect="1"/>
-          </p:cNvPicPr>
-          <p:nvPr/>
-        </p:nvPicPr>
-        <p:blipFill>
-          <a:blip r:embed="rId5"/>
-          <a:stretch>
-            <a:fillRect/>
-          </a:stretch>
-        </p:blipFill>
-        <p:spPr>
-          <a:xfrm>
-            <a:off x="4871642" y="3975589"/>
-            <a:ext cx="2755383" cy="2232148"/>
-          </a:xfrm>
-          <a:prstGeom prst="rect">
-            <a:avLst/>
-          </a:prstGeom>
-        </p:spPr>
-      </p:pic>
+      <p:sp>
+        <p:nvSpPr>
+          <p:cNvPr id="6" name="날짜 개체 틀 5"/>
+          <p:cNvSpPr>
+            <a:spLocks noGrp="1"/>
+          </p:cNvSpPr>
+          <p:nvPr>
+            <p:ph type="dt" sz="half" idx="10"/>
+          </p:nvPr>
+        </p:nvSpPr>
+        <p:spPr/>
+        <p:txBody>
+          <a:bodyPr/>
+          <a:lstStyle/>
+          <a:p>
+            <a:fld id="{C38E5249-97B3-4934-8A42-1AF092B685B8}" type="datetime1">
+              <a:rPr lang="ko-KR" altLang="en-US" smtClean="0"/>
+              <a:t>2018-03-12</a:t>
+            </a:fld>
+            <a:endParaRPr lang="ko-KR" altLang="en-US"/>
+          </a:p>
+        </p:txBody>
+      </p:sp>
+      <p:sp>
+        <p:nvSpPr>
+          <p:cNvPr id="7" name="슬라이드 번호 개체 틀 6"/>
+          <p:cNvSpPr>
+            <a:spLocks noGrp="1"/>
+          </p:cNvSpPr>
+          <p:nvPr>
+            <p:ph type="sldNum" sz="quarter" idx="12"/>
+          </p:nvPr>
+        </p:nvSpPr>
+        <p:spPr/>
+        <p:txBody>
+          <a:bodyPr/>
+          <a:lstStyle/>
+          <a:p>
+            <a:fld id="{8765F8EB-1186-4395-8E70-F957669279DD}" type="slidenum">
+              <a:rPr lang="ko-KR" altLang="en-US" smtClean="0"/>
+              <a:t>17</a:t>
+            </a:fld>
+            <a:endParaRPr lang="ko-KR" altLang="en-US"/>
+          </a:p>
+        </p:txBody>
+      </p:sp>
     </p:spTree>
     <p:extLst>
       <p:ext uri="{BB962C8B-B14F-4D97-AF65-F5344CB8AC3E}">
-        <p14:creationId xmlns:p14="http://schemas.microsoft.com/office/powerpoint/2010/main" val="1806746010"/>
+        <p14:creationId xmlns:p14="http://schemas.microsoft.com/office/powerpoint/2010/main" val="301425353"/>
       </p:ext>
     </p:extLst>
   </p:cSld>
@@ -12657,74 +13769,258 @@
           <a:lstStyle/>
           <a:p>
             <a:pPr algn="ctr"/>
-            <a:endParaRPr lang="en-US" altLang="ko-KR" sz="2800" dirty="0">
-              <a:solidFill>
-                <a:schemeClr val="bg1"/>
-              </a:solidFill>
-              <a:latin typeface="Arial" panose="020B0604020202020204" pitchFamily="34" charset="0"/>
-            </a:endParaRPr>
+            <a:r>
+              <a:rPr lang="en-US" altLang="ko-KR" sz="2700" dirty="0" smtClean="0">
+                <a:solidFill>
+                  <a:schemeClr val="bg1"/>
+                </a:solidFill>
+                <a:latin typeface="Arial" panose="020B0604020202020204" pitchFamily="34" charset="0"/>
+              </a:rPr>
+              <a:t>3.3 Phase Unwrapping</a:t>
+            </a:r>
           </a:p>
         </p:txBody>
       </p:sp>
       <p:sp>
         <p:nvSpPr>
-          <p:cNvPr id="2" name="직사각형 1"/>
-          <p:cNvSpPr/>
+          <p:cNvPr id="9" name="TextBox 8"/>
+          <p:cNvSpPr txBox="1"/>
           <p:nvPr/>
         </p:nvSpPr>
         <p:spPr>
           <a:xfrm>
-            <a:off x="906897" y="2356104"/>
-            <a:ext cx="7330206" cy="2145792"/>
+            <a:off x="345758" y="834251"/>
+            <a:ext cx="8560849" cy="646331"/>
           </a:xfrm>
           <a:prstGeom prst="rect">
             <a:avLst/>
           </a:prstGeom>
           <a:noFill/>
-          <a:ln w="38100">
+        </p:spPr>
+        <p:txBody>
+          <a:bodyPr wrap="square" rtlCol="0">
+            <a:spAutoFit/>
+          </a:bodyPr>
+          <a:lstStyle/>
+          <a:p>
+            <a:r>
+              <a:rPr lang="en-US" altLang="ko-KR" dirty="0" smtClean="0"/>
+              <a:t>In most case the assumption of </a:t>
+            </a:r>
+            <a:r>
+              <a:rPr lang="en-US" altLang="ko-KR" dirty="0" smtClean="0">
+                <a:solidFill>
+                  <a:srgbClr val="3333FF"/>
+                </a:solidFill>
+              </a:rPr>
+              <a:t>a linear phase is sufficient</a:t>
+            </a:r>
+            <a:r>
+              <a:rPr lang="en-US" altLang="ko-KR" dirty="0" smtClean="0"/>
+              <a:t>. Phase-jumping causes discontinuities in a phase spectrum</a:t>
+            </a:r>
+            <a:endParaRPr lang="ko-KR" altLang="en-US" dirty="0">
+              <a:solidFill>
+                <a:srgbClr val="3333FF"/>
+              </a:solidFill>
+            </a:endParaRPr>
+          </a:p>
+        </p:txBody>
+      </p:sp>
+      <p:pic>
+        <p:nvPicPr>
+          <p:cNvPr id="2" name="그림 1"/>
+          <p:cNvPicPr>
+            <a:picLocks noChangeAspect="1"/>
+          </p:cNvPicPr>
+          <p:nvPr/>
+        </p:nvPicPr>
+        <p:blipFill>
+          <a:blip r:embed="rId3"/>
+          <a:stretch>
+            <a:fillRect/>
+          </a:stretch>
+        </p:blipFill>
+        <p:spPr>
+          <a:xfrm>
+            <a:off x="1814791" y="1622683"/>
+            <a:ext cx="5812234" cy="2650379"/>
+          </a:xfrm>
+          <a:prstGeom prst="rect">
+            <a:avLst/>
+          </a:prstGeom>
+        </p:spPr>
+      </p:pic>
+      <p:pic>
+        <p:nvPicPr>
+          <p:cNvPr id="3" name="그림 2"/>
+          <p:cNvPicPr>
+            <a:picLocks noChangeAspect="1"/>
+          </p:cNvPicPr>
+          <p:nvPr/>
+        </p:nvPicPr>
+        <p:blipFill>
+          <a:blip r:embed="rId4"/>
+          <a:stretch>
+            <a:fillRect/>
+          </a:stretch>
+        </p:blipFill>
+        <p:spPr>
+          <a:xfrm>
+            <a:off x="1778244" y="4429435"/>
+            <a:ext cx="2882383" cy="2232148"/>
+          </a:xfrm>
+          <a:prstGeom prst="rect">
+            <a:avLst/>
+          </a:prstGeom>
+        </p:spPr>
+      </p:pic>
+      <p:pic>
+        <p:nvPicPr>
+          <p:cNvPr id="4" name="그림 3"/>
+          <p:cNvPicPr>
+            <a:picLocks noChangeAspect="1"/>
+          </p:cNvPicPr>
+          <p:nvPr/>
+        </p:nvPicPr>
+        <p:blipFill>
+          <a:blip r:embed="rId5"/>
+          <a:stretch>
+            <a:fillRect/>
+          </a:stretch>
+        </p:blipFill>
+        <p:spPr>
+          <a:xfrm>
+            <a:off x="4871642" y="4423997"/>
+            <a:ext cx="2755383" cy="2232148"/>
+          </a:xfrm>
+          <a:prstGeom prst="rect">
+            <a:avLst/>
+          </a:prstGeom>
+        </p:spPr>
+      </p:pic>
+      <p:cxnSp>
+        <p:nvCxnSpPr>
+          <p:cNvPr id="6" name="직선 연결선 5"/>
+          <p:cNvCxnSpPr/>
+          <p:nvPr/>
+        </p:nvCxnSpPr>
+        <p:spPr>
+          <a:xfrm flipV="1">
+            <a:off x="3596640" y="1480582"/>
+            <a:ext cx="0" cy="767318"/>
+          </a:xfrm>
+          <a:prstGeom prst="line">
+            <a:avLst/>
+          </a:prstGeom>
+          <a:ln>
             <a:solidFill>
               <a:srgbClr val="3333FF"/>
             </a:solidFill>
+            <a:prstDash val="sysDot"/>
           </a:ln>
         </p:spPr>
         <p:style>
-          <a:lnRef idx="2">
-            <a:schemeClr val="accent1">
-              <a:shade val="50000"/>
-            </a:schemeClr>
+          <a:lnRef idx="3">
+            <a:schemeClr val="accent2"/>
           </a:lnRef>
-          <a:fillRef idx="1">
-            <a:schemeClr val="accent1"/>
+          <a:fillRef idx="0">
+            <a:schemeClr val="accent2"/>
           </a:fillRef>
-          <a:effectRef idx="0">
-            <a:schemeClr val="accent1"/>
+          <a:effectRef idx="2">
+            <a:schemeClr val="accent2"/>
           </a:effectRef>
           <a:fontRef idx="minor">
-            <a:schemeClr val="lt1"/>
+            <a:schemeClr val="tx1"/>
           </a:fontRef>
         </p:style>
+      </p:cxnSp>
+      <p:cxnSp>
+        <p:nvCxnSpPr>
+          <p:cNvPr id="12" name="직선 연결선 11"/>
+          <p:cNvCxnSpPr/>
+          <p:nvPr/>
+        </p:nvCxnSpPr>
+        <p:spPr>
+          <a:xfrm flipV="1">
+            <a:off x="3596640" y="3027442"/>
+            <a:ext cx="0" cy="767318"/>
+          </a:xfrm>
+          <a:prstGeom prst="line">
+            <a:avLst/>
+          </a:prstGeom>
+          <a:ln>
+            <a:solidFill>
+              <a:srgbClr val="3333FF"/>
+            </a:solidFill>
+            <a:prstDash val="sysDot"/>
+          </a:ln>
+        </p:spPr>
+        <p:style>
+          <a:lnRef idx="3">
+            <a:schemeClr val="accent2"/>
+          </a:lnRef>
+          <a:fillRef idx="0">
+            <a:schemeClr val="accent2"/>
+          </a:fillRef>
+          <a:effectRef idx="2">
+            <a:schemeClr val="accent2"/>
+          </a:effectRef>
+          <a:fontRef idx="minor">
+            <a:schemeClr val="tx1"/>
+          </a:fontRef>
+        </p:style>
+      </p:cxnSp>
+      <p:sp>
+        <p:nvSpPr>
+          <p:cNvPr id="7" name="날짜 개체 틀 6"/>
+          <p:cNvSpPr>
+            <a:spLocks noGrp="1"/>
+          </p:cNvSpPr>
+          <p:nvPr>
+            <p:ph type="dt" sz="half" idx="10"/>
+          </p:nvPr>
+        </p:nvSpPr>
+        <p:spPr/>
         <p:txBody>
-          <a:bodyPr rtlCol="0" anchor="ctr"/>
+          <a:bodyPr/>
           <a:lstStyle/>
           <a:p>
-            <a:pPr algn="ctr"/>
-            <a:r>
-              <a:rPr lang="en-US" altLang="ko-KR" sz="3600" dirty="0" smtClean="0">
-                <a:solidFill>
-                  <a:srgbClr val="3333FF"/>
-                </a:solidFill>
-                <a:latin typeface="Arial" panose="020B0604020202020204" pitchFamily="34" charset="0"/>
-              </a:rPr>
-              <a:t>Sample Requirements</a:t>
-            </a:r>
-            <a:endParaRPr lang="ko-KR" altLang="en-US" sz="3600" dirty="0"/>
+            <a:fld id="{76B77F96-B325-4827-A7BE-D62BDBC3C4DA}" type="datetime1">
+              <a:rPr lang="ko-KR" altLang="en-US" smtClean="0"/>
+              <a:t>2018-03-12</a:t>
+            </a:fld>
+            <a:endParaRPr lang="ko-KR" altLang="en-US"/>
+          </a:p>
+        </p:txBody>
+      </p:sp>
+      <p:sp>
+        <p:nvSpPr>
+          <p:cNvPr id="8" name="슬라이드 번호 개체 틀 7"/>
+          <p:cNvSpPr>
+            <a:spLocks noGrp="1"/>
+          </p:cNvSpPr>
+          <p:nvPr>
+            <p:ph type="sldNum" sz="quarter" idx="12"/>
+          </p:nvPr>
+        </p:nvSpPr>
+        <p:spPr/>
+        <p:txBody>
+          <a:bodyPr/>
+          <a:lstStyle/>
+          <a:p>
+            <a:fld id="{8765F8EB-1186-4395-8E70-F957669279DD}" type="slidenum">
+              <a:rPr lang="ko-KR" altLang="en-US" smtClean="0"/>
+              <a:t>18</a:t>
+            </a:fld>
+            <a:endParaRPr lang="ko-KR" altLang="en-US"/>
           </a:p>
         </p:txBody>
       </p:sp>
     </p:spTree>
     <p:extLst>
       <p:ext uri="{BB962C8B-B14F-4D97-AF65-F5344CB8AC3E}">
-        <p14:creationId xmlns:p14="http://schemas.microsoft.com/office/powerpoint/2010/main" val="72386611"/>
+        <p14:creationId xmlns:p14="http://schemas.microsoft.com/office/powerpoint/2010/main" val="1806746010"/>
       </p:ext>
     </p:extLst>
   </p:cSld>
@@ -12808,6 +14104,589 @@
           <a:lstStyle/>
           <a:p>
             <a:pPr algn="ctr"/>
+            <a:endParaRPr lang="en-US" altLang="ko-KR" sz="2800" dirty="0">
+              <a:solidFill>
+                <a:schemeClr val="bg1"/>
+              </a:solidFill>
+              <a:latin typeface="Arial" panose="020B0604020202020204" pitchFamily="34" charset="0"/>
+            </a:endParaRPr>
+          </a:p>
+        </p:txBody>
+      </p:sp>
+      <p:sp>
+        <p:nvSpPr>
+          <p:cNvPr id="2" name="직사각형 1"/>
+          <p:cNvSpPr/>
+          <p:nvPr/>
+        </p:nvSpPr>
+        <p:spPr>
+          <a:xfrm>
+            <a:off x="906897" y="2356104"/>
+            <a:ext cx="7330206" cy="2145792"/>
+          </a:xfrm>
+          <a:prstGeom prst="rect">
+            <a:avLst/>
+          </a:prstGeom>
+          <a:noFill/>
+          <a:ln w="38100">
+            <a:solidFill>
+              <a:srgbClr val="3333FF"/>
+            </a:solidFill>
+          </a:ln>
+        </p:spPr>
+        <p:style>
+          <a:lnRef idx="2">
+            <a:schemeClr val="accent1">
+              <a:shade val="50000"/>
+            </a:schemeClr>
+          </a:lnRef>
+          <a:fillRef idx="1">
+            <a:schemeClr val="accent1"/>
+          </a:fillRef>
+          <a:effectRef idx="0">
+            <a:schemeClr val="accent1"/>
+          </a:effectRef>
+          <a:fontRef idx="minor">
+            <a:schemeClr val="lt1"/>
+          </a:fontRef>
+        </p:style>
+        <p:txBody>
+          <a:bodyPr rtlCol="0" anchor="ctr"/>
+          <a:lstStyle/>
+          <a:p>
+            <a:pPr algn="ctr"/>
+            <a:r>
+              <a:rPr lang="en-US" altLang="ko-KR" sz="3600" dirty="0" smtClean="0">
+                <a:solidFill>
+                  <a:srgbClr val="3333FF"/>
+                </a:solidFill>
+                <a:latin typeface="Arial" panose="020B0604020202020204" pitchFamily="34" charset="0"/>
+              </a:rPr>
+              <a:t>Sample Requirements</a:t>
+            </a:r>
+            <a:endParaRPr lang="ko-KR" altLang="en-US" sz="3600" dirty="0"/>
+          </a:p>
+        </p:txBody>
+      </p:sp>
+      <p:sp>
+        <p:nvSpPr>
+          <p:cNvPr id="3" name="날짜 개체 틀 2"/>
+          <p:cNvSpPr>
+            <a:spLocks noGrp="1"/>
+          </p:cNvSpPr>
+          <p:nvPr>
+            <p:ph type="dt" sz="half" idx="10"/>
+          </p:nvPr>
+        </p:nvSpPr>
+        <p:spPr/>
+        <p:txBody>
+          <a:bodyPr/>
+          <a:lstStyle/>
+          <a:p>
+            <a:fld id="{87AF2CAE-73A6-4E4A-95E7-C2205FC2B3F3}" type="datetime1">
+              <a:rPr lang="ko-KR" altLang="en-US" smtClean="0"/>
+              <a:t>2018-03-12</a:t>
+            </a:fld>
+            <a:endParaRPr lang="ko-KR" altLang="en-US"/>
+          </a:p>
+        </p:txBody>
+      </p:sp>
+      <p:sp>
+        <p:nvSpPr>
+          <p:cNvPr id="4" name="슬라이드 번호 개체 틀 3"/>
+          <p:cNvSpPr>
+            <a:spLocks noGrp="1"/>
+          </p:cNvSpPr>
+          <p:nvPr>
+            <p:ph type="sldNum" sz="quarter" idx="12"/>
+          </p:nvPr>
+        </p:nvSpPr>
+        <p:spPr/>
+        <p:txBody>
+          <a:bodyPr/>
+          <a:lstStyle/>
+          <a:p>
+            <a:fld id="{8765F8EB-1186-4395-8E70-F957669279DD}" type="slidenum">
+              <a:rPr lang="ko-KR" altLang="en-US" smtClean="0"/>
+              <a:t>19</a:t>
+            </a:fld>
+            <a:endParaRPr lang="ko-KR" altLang="en-US"/>
+          </a:p>
+        </p:txBody>
+      </p:sp>
+    </p:spTree>
+    <p:extLst>
+      <p:ext uri="{BB962C8B-B14F-4D97-AF65-F5344CB8AC3E}">
+        <p14:creationId xmlns:p14="http://schemas.microsoft.com/office/powerpoint/2010/main" val="72386611"/>
+      </p:ext>
+    </p:extLst>
+  </p:cSld>
+  <p:clrMapOvr>
+    <a:masterClrMapping/>
+  </p:clrMapOvr>
+  <p:timing>
+    <p:tnLst>
+      <p:par>
+        <p:cTn id="1" dur="indefinite" restart="never" nodeType="tmRoot"/>
+      </p:par>
+    </p:tnLst>
+  </p:timing>
+</p:sld>
+</file>
+
+<file path=ppt/slides/slide2.xml><?xml version="1.0" encoding="utf-8"?>
+<p:sld xmlns:a="http://schemas.openxmlformats.org/drawingml/2006/main" xmlns:r="http://schemas.openxmlformats.org/officeDocument/2006/relationships" xmlns:p="http://schemas.openxmlformats.org/presentationml/2006/main">
+  <p:cSld>
+    <p:spTree>
+      <p:nvGrpSpPr>
+        <p:cNvPr id="1" name=""/>
+        <p:cNvGrpSpPr/>
+        <p:nvPr/>
+      </p:nvGrpSpPr>
+      <p:grpSpPr>
+        <a:xfrm>
+          <a:off x="0" y="0"/>
+          <a:ext cx="0" cy="0"/>
+          <a:chOff x="0" y="0"/>
+          <a:chExt cx="0" cy="0"/>
+        </a:xfrm>
+      </p:grpSpPr>
+      <p:sp>
+        <p:nvSpPr>
+          <p:cNvPr id="6185" name="Text Box 41"/>
+          <p:cNvSpPr txBox="1">
+            <a:spLocks noChangeArrowheads="1"/>
+          </p:cNvSpPr>
+          <p:nvPr/>
+        </p:nvSpPr>
+        <p:spPr bwMode="auto">
+          <a:xfrm>
+            <a:off x="1775445" y="2213283"/>
+            <a:ext cx="5593111" cy="2431435"/>
+          </a:xfrm>
+          <a:prstGeom prst="rect">
+            <a:avLst/>
+          </a:prstGeom>
+          <a:noFill/>
+          <a:ln w="19050">
+            <a:solidFill>
+              <a:srgbClr val="3333FF"/>
+            </a:solidFill>
+            <a:miter lim="800000"/>
+            <a:headEnd/>
+            <a:tailEnd/>
+          </a:ln>
+          <a:effectLst/>
+          <a:extLst>
+            <a:ext uri="{909E8E84-426E-40DD-AFC4-6F175D3DCCD1}">
+              <a14:hiddenFill xmlns:a14="http://schemas.microsoft.com/office/drawing/2010/main">
+                <a:solidFill>
+                  <a:schemeClr val="accent1"/>
+                </a:solidFill>
+              </a14:hiddenFill>
+            </a:ext>
+            <a:ext uri="{AF507438-7753-43E0-B8FC-AC1667EBCBE1}">
+              <a14:hiddenEffects xmlns:a14="http://schemas.microsoft.com/office/drawing/2010/main">
+                <a:effectLst>
+                  <a:outerShdw dist="35921" dir="2700000" algn="ctr" rotWithShape="0">
+                    <a:schemeClr val="bg2"/>
+                  </a:outerShdw>
+                </a:effectLst>
+              </a14:hiddenEffects>
+            </a:ext>
+          </a:extLst>
+        </p:spPr>
+        <p:txBody>
+          <a:bodyPr wrap="square">
+            <a:spAutoFit/>
+          </a:bodyPr>
+          <a:lstStyle/>
+          <a:p>
+            <a:pPr marL="342900" indent="-342900">
+              <a:buAutoNum type="arabicPeriod"/>
+            </a:pPr>
+            <a:endParaRPr lang="en-US" altLang="ko-KR" sz="1600" dirty="0" smtClean="0">
+              <a:solidFill>
+                <a:srgbClr val="3333FF"/>
+              </a:solidFill>
+              <a:latin typeface="Arial" panose="020B0604020202020204" pitchFamily="34" charset="0"/>
+            </a:endParaRPr>
+          </a:p>
+          <a:p>
+            <a:pPr marL="342900" indent="-342900">
+              <a:buAutoNum type="arabicPeriod"/>
+            </a:pPr>
+            <a:r>
+              <a:rPr lang="en-US" altLang="ko-KR" sz="1600" dirty="0" smtClean="0">
+                <a:solidFill>
+                  <a:srgbClr val="3333FF"/>
+                </a:solidFill>
+                <a:latin typeface="Arial" panose="020B0604020202020204" pitchFamily="34" charset="0"/>
+              </a:rPr>
+              <a:t>Material </a:t>
+            </a:r>
+            <a:r>
+              <a:rPr lang="en-US" altLang="ko-KR" sz="1600" dirty="0" err="1" smtClean="0">
+                <a:solidFill>
+                  <a:srgbClr val="3333FF"/>
+                </a:solidFill>
+                <a:latin typeface="Arial" panose="020B0604020202020204" pitchFamily="34" charset="0"/>
+              </a:rPr>
+              <a:t>Properites</a:t>
+            </a:r>
+            <a:r>
+              <a:rPr lang="en-US" altLang="ko-KR" sz="1600" dirty="0" smtClean="0">
+                <a:solidFill>
+                  <a:srgbClr val="3333FF"/>
+                </a:solidFill>
+                <a:latin typeface="Arial" panose="020B0604020202020204" pitchFamily="34" charset="0"/>
+              </a:rPr>
+              <a:t> and Wave Propagation</a:t>
+            </a:r>
+          </a:p>
+          <a:p>
+            <a:pPr marL="342900" indent="-342900">
+              <a:buAutoNum type="arabicPeriod"/>
+            </a:pPr>
+            <a:endParaRPr lang="en-US" altLang="ko-KR" sz="1600" dirty="0" smtClean="0">
+              <a:solidFill>
+                <a:srgbClr val="3333FF"/>
+              </a:solidFill>
+              <a:latin typeface="Arial" panose="020B0604020202020204" pitchFamily="34" charset="0"/>
+            </a:endParaRPr>
+          </a:p>
+          <a:p>
+            <a:pPr marL="342900" indent="-342900">
+              <a:buAutoNum type="arabicPeriod"/>
+            </a:pPr>
+            <a:r>
+              <a:rPr lang="en-US" altLang="ko-KR" sz="1600" dirty="0" smtClean="0">
+                <a:solidFill>
+                  <a:srgbClr val="3333FF"/>
+                </a:solidFill>
+                <a:latin typeface="Arial" panose="020B0604020202020204" pitchFamily="34" charset="0"/>
+              </a:rPr>
+              <a:t>Extracting Optical Parameters </a:t>
+            </a:r>
+            <a:r>
+              <a:rPr lang="en-US" altLang="ko-KR" sz="1600" dirty="0" err="1" smtClean="0">
+                <a:solidFill>
+                  <a:srgbClr val="3333FF"/>
+                </a:solidFill>
+                <a:latin typeface="Arial" panose="020B0604020202020204" pitchFamily="34" charset="0"/>
+              </a:rPr>
+              <a:t>fromTerahertz</a:t>
+            </a:r>
+            <a:r>
+              <a:rPr lang="en-US" altLang="ko-KR" sz="1600" dirty="0" smtClean="0">
+                <a:solidFill>
+                  <a:srgbClr val="3333FF"/>
+                </a:solidFill>
+                <a:latin typeface="Arial" panose="020B0604020202020204" pitchFamily="34" charset="0"/>
+              </a:rPr>
+              <a:t> Time-Domain </a:t>
+            </a:r>
+            <a:r>
+              <a:rPr lang="en-US" altLang="ko-KR" sz="1600" dirty="0" err="1" smtClean="0">
+                <a:solidFill>
+                  <a:srgbClr val="3333FF"/>
+                </a:solidFill>
+                <a:latin typeface="Arial" panose="020B0604020202020204" pitchFamily="34" charset="0"/>
+              </a:rPr>
+              <a:t>Spectromerters</a:t>
+            </a:r>
+            <a:r>
+              <a:rPr lang="en-US" altLang="ko-KR" sz="1600" dirty="0" smtClean="0">
+                <a:solidFill>
+                  <a:srgbClr val="3333FF"/>
+                </a:solidFill>
+                <a:latin typeface="Arial" panose="020B0604020202020204" pitchFamily="34" charset="0"/>
+              </a:rPr>
+              <a:t> Data</a:t>
+            </a:r>
+          </a:p>
+          <a:p>
+            <a:pPr marL="342900" indent="-342900">
+              <a:buAutoNum type="arabicPeriod"/>
+            </a:pPr>
+            <a:endParaRPr lang="en-US" altLang="ko-KR" sz="1600" dirty="0" smtClean="0">
+              <a:solidFill>
+                <a:srgbClr val="3333FF"/>
+              </a:solidFill>
+              <a:latin typeface="Arial" panose="020B0604020202020204" pitchFamily="34" charset="0"/>
+            </a:endParaRPr>
+          </a:p>
+          <a:p>
+            <a:pPr marL="342900" indent="-342900">
+              <a:buAutoNum type="arabicPeriod"/>
+            </a:pPr>
+            <a:r>
+              <a:rPr lang="en-US" altLang="ko-KR" sz="1600" dirty="0" smtClean="0">
+                <a:solidFill>
+                  <a:srgbClr val="3333FF"/>
+                </a:solidFill>
+                <a:latin typeface="Arial" panose="020B0604020202020204" pitchFamily="34" charset="0"/>
+              </a:rPr>
+              <a:t>Preprocessing and </a:t>
+            </a:r>
+            <a:r>
+              <a:rPr lang="en-US" altLang="ko-KR" sz="1600" dirty="0" err="1" smtClean="0">
+                <a:solidFill>
+                  <a:srgbClr val="3333FF"/>
+                </a:solidFill>
+                <a:latin typeface="Arial" panose="020B0604020202020204" pitchFamily="34" charset="0"/>
+              </a:rPr>
+              <a:t>Postprocessing</a:t>
+            </a:r>
+            <a:r>
+              <a:rPr lang="en-US" altLang="ko-KR" sz="1600" dirty="0" smtClean="0">
+                <a:solidFill>
+                  <a:srgbClr val="3333FF"/>
+                </a:solidFill>
+                <a:latin typeface="Arial" panose="020B0604020202020204" pitchFamily="34" charset="0"/>
+              </a:rPr>
+              <a:t> of Data</a:t>
+            </a:r>
+          </a:p>
+          <a:p>
+            <a:pPr marL="342900" indent="-342900">
+              <a:buAutoNum type="arabicPeriod"/>
+            </a:pPr>
+            <a:endParaRPr lang="en-US" altLang="ko-KR" sz="1600" dirty="0" smtClean="0">
+              <a:solidFill>
+                <a:srgbClr val="3333FF"/>
+              </a:solidFill>
+              <a:latin typeface="Arial" panose="020B0604020202020204" pitchFamily="34" charset="0"/>
+            </a:endParaRPr>
+          </a:p>
+          <a:p>
+            <a:pPr marL="342900" indent="-342900">
+              <a:buAutoNum type="arabicPeriod"/>
+            </a:pPr>
+            <a:r>
+              <a:rPr lang="en-US" altLang="ko-KR" sz="1600" dirty="0" smtClean="0">
+                <a:solidFill>
+                  <a:srgbClr val="3333FF"/>
+                </a:solidFill>
+                <a:latin typeface="Arial" panose="020B0604020202020204" pitchFamily="34" charset="0"/>
+              </a:rPr>
+              <a:t>Sample Requirements</a:t>
+            </a:r>
+          </a:p>
+          <a:p>
+            <a:pPr marL="342900" indent="-342900">
+              <a:buAutoNum type="arabicPeriod"/>
+            </a:pPr>
+            <a:endParaRPr lang="en-US" altLang="ko-KR" sz="800" dirty="0">
+              <a:solidFill>
+                <a:srgbClr val="3333FF"/>
+              </a:solidFill>
+              <a:latin typeface="Arial" panose="020B0604020202020204" pitchFamily="34" charset="0"/>
+            </a:endParaRPr>
+          </a:p>
+        </p:txBody>
+      </p:sp>
+      <p:sp>
+        <p:nvSpPr>
+          <p:cNvPr id="6199" name="Rectangle 55"/>
+          <p:cNvSpPr>
+            <a:spLocks noChangeArrowheads="1"/>
+          </p:cNvSpPr>
+          <p:nvPr/>
+        </p:nvSpPr>
+        <p:spPr bwMode="auto">
+          <a:xfrm>
+            <a:off x="0" y="0"/>
+            <a:ext cx="9144000" cy="692150"/>
+          </a:xfrm>
+          <a:prstGeom prst="rect">
+            <a:avLst/>
+          </a:prstGeom>
+          <a:solidFill>
+            <a:srgbClr val="3333FF"/>
+          </a:solidFill>
+          <a:ln>
+            <a:noFill/>
+          </a:ln>
+          <a:effectLst/>
+          <a:extLst>
+            <a:ext uri="{91240B29-F687-4F45-9708-019B960494DF}">
+              <a14:hiddenLine xmlns:a14="http://schemas.microsoft.com/office/drawing/2010/main" w="9525">
+                <a:solidFill>
+                  <a:schemeClr val="tx1"/>
+                </a:solidFill>
+                <a:miter lim="800000"/>
+                <a:headEnd/>
+                <a:tailEnd/>
+              </a14:hiddenLine>
+            </a:ext>
+            <a:ext uri="{AF507438-7753-43E0-B8FC-AC1667EBCBE1}">
+              <a14:hiddenEffects xmlns:a14="http://schemas.microsoft.com/office/drawing/2010/main">
+                <a:effectLst>
+                  <a:outerShdw dist="35921" dir="2700000" algn="ctr" rotWithShape="0">
+                    <a:schemeClr val="bg2"/>
+                  </a:outerShdw>
+                </a:effectLst>
+              </a14:hiddenEffects>
+            </a:ext>
+          </a:extLst>
+        </p:spPr>
+        <p:txBody>
+          <a:bodyPr wrap="none" anchor="ctr"/>
+          <a:lstStyle/>
+          <a:p>
+            <a:pPr algn="ctr"/>
+            <a:r>
+              <a:rPr lang="en-US" altLang="ko-KR" sz="2800" dirty="0" smtClean="0">
+                <a:solidFill>
+                  <a:schemeClr val="bg1"/>
+                </a:solidFill>
+                <a:latin typeface="Arial" panose="020B0604020202020204" pitchFamily="34" charset="0"/>
+              </a:rPr>
+              <a:t>Contents</a:t>
+            </a:r>
+            <a:endParaRPr lang="en-US" altLang="ko-KR" sz="2800" dirty="0">
+              <a:solidFill>
+                <a:schemeClr val="bg1"/>
+              </a:solidFill>
+              <a:latin typeface="Arial" panose="020B0604020202020204" pitchFamily="34" charset="0"/>
+            </a:endParaRPr>
+          </a:p>
+        </p:txBody>
+      </p:sp>
+      <p:sp>
+        <p:nvSpPr>
+          <p:cNvPr id="2" name="날짜 개체 틀 1"/>
+          <p:cNvSpPr>
+            <a:spLocks noGrp="1"/>
+          </p:cNvSpPr>
+          <p:nvPr>
+            <p:ph type="dt" sz="half" idx="10"/>
+          </p:nvPr>
+        </p:nvSpPr>
+        <p:spPr/>
+        <p:txBody>
+          <a:bodyPr/>
+          <a:lstStyle/>
+          <a:p>
+            <a:fld id="{D71C2118-E1AA-468B-9259-8864ED518988}" type="datetime1">
+              <a:rPr lang="ko-KR" altLang="en-US" smtClean="0"/>
+              <a:t>2018-03-12</a:t>
+            </a:fld>
+            <a:endParaRPr lang="ko-KR" altLang="en-US"/>
+          </a:p>
+        </p:txBody>
+      </p:sp>
+      <p:sp>
+        <p:nvSpPr>
+          <p:cNvPr id="3" name="슬라이드 번호 개체 틀 2"/>
+          <p:cNvSpPr>
+            <a:spLocks noGrp="1"/>
+          </p:cNvSpPr>
+          <p:nvPr>
+            <p:ph type="sldNum" sz="quarter" idx="12"/>
+          </p:nvPr>
+        </p:nvSpPr>
+        <p:spPr/>
+        <p:txBody>
+          <a:bodyPr/>
+          <a:lstStyle/>
+          <a:p>
+            <a:fld id="{8765F8EB-1186-4395-8E70-F957669279DD}" type="slidenum">
+              <a:rPr lang="ko-KR" altLang="en-US" smtClean="0"/>
+              <a:t>2</a:t>
+            </a:fld>
+            <a:endParaRPr lang="ko-KR" altLang="en-US"/>
+          </a:p>
+        </p:txBody>
+      </p:sp>
+    </p:spTree>
+    <p:extLst>
+      <p:ext uri="{BB962C8B-B14F-4D97-AF65-F5344CB8AC3E}">
+        <p14:creationId xmlns:p14="http://schemas.microsoft.com/office/powerpoint/2010/main" val="1136480468"/>
+      </p:ext>
+    </p:extLst>
+  </p:cSld>
+  <p:clrMapOvr>
+    <a:masterClrMapping/>
+  </p:clrMapOvr>
+  <p:timing>
+    <p:tnLst>
+      <p:par>
+        <p:cTn id="1" dur="indefinite" restart="never" nodeType="tmRoot"/>
+      </p:par>
+    </p:tnLst>
+  </p:timing>
+</p:sld>
+</file>
+
+<file path=ppt/slides/slide20.xml><?xml version="1.0" encoding="utf-8"?>
+<p:sld xmlns:a="http://schemas.openxmlformats.org/drawingml/2006/main" xmlns:r="http://schemas.openxmlformats.org/officeDocument/2006/relationships" xmlns:p="http://schemas.openxmlformats.org/presentationml/2006/main">
+  <p:cSld>
+    <p:spTree>
+      <p:nvGrpSpPr>
+        <p:cNvPr id="1" name=""/>
+        <p:cNvGrpSpPr/>
+        <p:nvPr/>
+      </p:nvGrpSpPr>
+      <p:grpSpPr>
+        <a:xfrm>
+          <a:off x="0" y="0"/>
+          <a:ext cx="0" cy="0"/>
+          <a:chOff x="0" y="0"/>
+          <a:chExt cx="0" cy="0"/>
+        </a:xfrm>
+      </p:grpSpPr>
+      <p:sp>
+        <p:nvSpPr>
+          <p:cNvPr id="6199" name="Rectangle 55"/>
+          <p:cNvSpPr>
+            <a:spLocks noChangeArrowheads="1"/>
+          </p:cNvSpPr>
+          <p:nvPr/>
+        </p:nvSpPr>
+        <p:spPr bwMode="auto">
+          <a:xfrm>
+            <a:off x="0" y="0"/>
+            <a:ext cx="9144000" cy="692150"/>
+          </a:xfrm>
+          <a:prstGeom prst="rect">
+            <a:avLst/>
+          </a:prstGeom>
+          <a:solidFill>
+            <a:srgbClr val="3333FF"/>
+          </a:solidFill>
+          <a:ln>
+            <a:noFill/>
+          </a:ln>
+          <a:effectLst/>
+          <a:extLst>
+            <a:ext uri="{91240B29-F687-4F45-9708-019B960494DF}">
+              <a14:hiddenLine xmlns:a14="http://schemas.microsoft.com/office/drawing/2010/main" w="9525">
+                <a:solidFill>
+                  <a:schemeClr val="tx1"/>
+                </a:solidFill>
+                <a:miter lim="800000"/>
+                <a:headEnd/>
+                <a:tailEnd/>
+              </a14:hiddenLine>
+            </a:ext>
+            <a:ext uri="{AF507438-7753-43E0-B8FC-AC1667EBCBE1}">
+              <a14:hiddenEffects xmlns:a14="http://schemas.microsoft.com/office/drawing/2010/main">
+                <a:effectLst>
+                  <a:outerShdw dist="35921" dir="2700000" algn="ctr" rotWithShape="0">
+                    <a:schemeClr val="bg2"/>
+                  </a:outerShdw>
+                </a:effectLst>
+              </a14:hiddenEffects>
+            </a:ext>
+          </a:extLst>
+        </p:spPr>
+        <p:txBody>
+          <a:bodyPr wrap="none" anchor="ctr"/>
+          <a:lstStyle/>
+          <a:p>
+            <a:pPr algn="ctr"/>
             <a:r>
               <a:rPr lang="en-US" altLang="ko-KR" sz="2700" dirty="0" smtClean="0">
                 <a:solidFill>
@@ -12828,8 +14707,8 @@
         </p:nvSpPr>
         <p:spPr>
           <a:xfrm>
-            <a:off x="268165" y="6338128"/>
-            <a:ext cx="8607669" cy="415498"/>
+            <a:off x="268165" y="6060222"/>
+            <a:ext cx="8607669" cy="738664"/>
           </a:xfrm>
           <a:prstGeom prst="rect">
             <a:avLst/>
@@ -12861,7 +14740,72 @@
                 <a:latin typeface="Times New Roman" panose="02020603050405020304" pitchFamily="18" charset="0"/>
                 <a:cs typeface="Times New Roman" panose="02020603050405020304" pitchFamily="18" charset="0"/>
               </a:rPr>
-              <a:t>Optical Society of America, 2005, paper TuD1.</a:t>
+              <a:t>Optical Society of America, 2005, paper TuD1</a:t>
+            </a:r>
+            <a:r>
+              <a:rPr lang="en-US" altLang="ko-KR" sz="1050" dirty="0" smtClean="0">
+                <a:latin typeface="Times New Roman" panose="02020603050405020304" pitchFamily="18" charset="0"/>
+                <a:cs typeface="Times New Roman" panose="02020603050405020304" pitchFamily="18" charset="0"/>
+              </a:rPr>
+              <a:t>.</a:t>
+            </a:r>
+          </a:p>
+          <a:p>
+            <a:r>
+              <a:rPr lang="en-US" altLang="ko-KR" sz="1050" dirty="0" err="1">
+                <a:latin typeface="Times New Roman" panose="02020603050405020304" pitchFamily="18" charset="0"/>
+                <a:cs typeface="Times New Roman" panose="02020603050405020304" pitchFamily="18" charset="0"/>
+              </a:rPr>
+              <a:t>Withayachumnankul</a:t>
+            </a:r>
+            <a:r>
+              <a:rPr lang="en-US" altLang="ko-KR" sz="1050" dirty="0">
+                <a:latin typeface="Times New Roman" panose="02020603050405020304" pitchFamily="18" charset="0"/>
+                <a:cs typeface="Times New Roman" panose="02020603050405020304" pitchFamily="18" charset="0"/>
+              </a:rPr>
+              <a:t>, W., et al., “Limitation in Thin-Film Sensing with </a:t>
+            </a:r>
+            <a:r>
+              <a:rPr lang="en-US" altLang="ko-KR" sz="1050" dirty="0" err="1">
+                <a:latin typeface="Times New Roman" panose="02020603050405020304" pitchFamily="18" charset="0"/>
+                <a:cs typeface="Times New Roman" panose="02020603050405020304" pitchFamily="18" charset="0"/>
+              </a:rPr>
+              <a:t>Tranmissin</a:t>
+            </a:r>
+            <a:r>
+              <a:rPr lang="en-US" altLang="ko-KR" sz="1050" dirty="0">
+                <a:latin typeface="Times New Roman" panose="02020603050405020304" pitchFamily="18" charset="0"/>
+                <a:cs typeface="Times New Roman" panose="02020603050405020304" pitchFamily="18" charset="0"/>
+              </a:rPr>
+              <a:t>-Mode Terahertz Time-Domain Spectroscopy,” </a:t>
+            </a:r>
+            <a:r>
+              <a:rPr lang="en-US" altLang="ko-KR" sz="1050" i="1" dirty="0">
+                <a:latin typeface="Times New Roman" panose="02020603050405020304" pitchFamily="18" charset="0"/>
+                <a:cs typeface="Times New Roman" panose="02020603050405020304" pitchFamily="18" charset="0"/>
+              </a:rPr>
+              <a:t>Optics Express</a:t>
+            </a:r>
+            <a:r>
+              <a:rPr lang="en-US" altLang="ko-KR" sz="1050" dirty="0">
+                <a:latin typeface="Times New Roman" panose="02020603050405020304" pitchFamily="18" charset="0"/>
+                <a:cs typeface="Times New Roman" panose="02020603050405020304" pitchFamily="18" charset="0"/>
+              </a:rPr>
+              <a:t>, Vol. 22, No. 1, </a:t>
+            </a:r>
+            <a:r>
+              <a:rPr lang="en-US" altLang="ko-KR" sz="1050" dirty="0" smtClean="0">
+                <a:latin typeface="Times New Roman" panose="02020603050405020304" pitchFamily="18" charset="0"/>
+                <a:cs typeface="Times New Roman" panose="02020603050405020304" pitchFamily="18" charset="0"/>
+              </a:rPr>
+              <a:t>2014</a:t>
+            </a:r>
+            <a:r>
+              <a:rPr lang="en-US" altLang="ko-KR" sz="1050" dirty="0">
+                <a:latin typeface="Times New Roman" panose="02020603050405020304" pitchFamily="18" charset="0"/>
+                <a:cs typeface="Times New Roman" panose="02020603050405020304" pitchFamily="18" charset="0"/>
+              </a:rPr>
+              <a:t>.</a:t>
             </a:r>
           </a:p>
         </p:txBody>
@@ -13306,6 +15250,7 @@
               </a:bodyPr>
               <a:lstStyle/>
               <a:p>
+                <a:pPr/>
                 <a14:m>
                   <m:oMathPara xmlns:m="http://schemas.openxmlformats.org/officeDocument/2006/math">
                     <m:oMathParaPr>
@@ -13372,7 +15317,7 @@
                                   <a:latin typeface="Cambria Math" panose="02040503050406030204" pitchFamily="18" charset="0"/>
                                   <a:ea typeface="Cambria Math" panose="02040503050406030204" pitchFamily="18" charset="0"/>
                                 </a:rPr>
-                                <m:t>𝜅</m:t>
+                                <m:t>𝑘</m:t>
                               </m:r>
                             </m:e>
                             <m:sub>
@@ -13640,7 +15585,7 @@
               <a:prstGeom prst="rect">
                 <a:avLst/>
               </a:prstGeom>
-              <a:blipFill>
+              <a:blipFill rotWithShape="0">
                 <a:blip r:embed="rId4"/>
                 <a:stretch>
                   <a:fillRect/>
@@ -13671,7 +15616,7 @@
         <p:spPr>
           <a:xfrm>
             <a:off x="345758" y="4782432"/>
-            <a:ext cx="8560849" cy="646331"/>
+            <a:ext cx="5502781" cy="923330"/>
           </a:xfrm>
           <a:prstGeom prst="rect">
             <a:avLst/>
@@ -13686,11 +15631,7 @@
           <a:p>
             <a:r>
               <a:rPr lang="en-US" altLang="ko-KR" dirty="0" smtClean="0"/>
-              <a:t> The </a:t>
-            </a:r>
-            <a:r>
-              <a:rPr lang="en-US" altLang="ko-KR" dirty="0" smtClean="0"/>
-              <a:t>optimal sample thickness is determined solely from the intrinsic material properties, and not from the system characteristics</a:t>
+              <a:t> The optimal sample thickness is determined solely from the intrinsic material properties, and not from the system characteristics</a:t>
             </a:r>
             <a:endParaRPr lang="ko-KR" altLang="en-US" dirty="0">
               <a:solidFill>
@@ -13728,15 +15669,7 @@
                   <a:srgbClr val="3333FF"/>
                 </a:solidFill>
               </a:rPr>
-              <a:t>Optimal </a:t>
-            </a:r>
-            <a:r>
-              <a:rPr lang="en-US" altLang="ko-KR" sz="2000" dirty="0" smtClean="0">
-                <a:solidFill>
-                  <a:srgbClr val="3333FF"/>
-                </a:solidFill>
-              </a:rPr>
-              <a:t>Thickness</a:t>
+              <a:t>Optimal Thickness</a:t>
             </a:r>
             <a:endParaRPr lang="ko-KR" altLang="en-US" sz="2000" dirty="0">
               <a:solidFill>
@@ -13746,8 +15679,8 @@
           </a:p>
         </p:txBody>
       </p:sp>
-      <mc:AlternateContent xmlns:mc="http://schemas.openxmlformats.org/markup-compatibility/2006">
-        <mc:Choice xmlns:a14="http://schemas.microsoft.com/office/drawing/2010/main" Requires="a14">
+      <mc:AlternateContent xmlns:mc="http://schemas.openxmlformats.org/markup-compatibility/2006" xmlns:a14="http://schemas.microsoft.com/office/drawing/2010/main">
+        <mc:Choice Requires="a14">
           <p:sp>
             <p:nvSpPr>
               <p:cNvPr id="4" name="TextBox 3"/>
@@ -13770,6 +15703,7 @@
               </a:bodyPr>
               <a:lstStyle/>
               <a:p>
+                <a:pPr/>
                 <a14:m>
                   <m:oMathPara xmlns:m="http://schemas.openxmlformats.org/officeDocument/2006/math">
                     <m:oMathParaPr>
@@ -13877,7 +15811,7 @@
             </p:txBody>
           </p:sp>
         </mc:Choice>
-        <mc:Fallback>
+        <mc:Fallback xmlns="">
           <p:sp>
             <p:nvSpPr>
               <p:cNvPr id="4" name="TextBox 3"/>
@@ -13916,483 +15850,297 @@
           </p:sp>
         </mc:Fallback>
       </mc:AlternateContent>
-    </p:spTree>
-    <p:extLst>
-      <p:ext uri="{BB962C8B-B14F-4D97-AF65-F5344CB8AC3E}">
-        <p14:creationId xmlns:p14="http://schemas.microsoft.com/office/powerpoint/2010/main" val="2345409815"/>
-      </p:ext>
-    </p:extLst>
-  </p:cSld>
-  <p:clrMapOvr>
-    <a:masterClrMapping/>
-  </p:clrMapOvr>
-  <p:timing>
-    <p:tnLst>
-      <p:par>
-        <p:cTn id="1" dur="indefinite" restart="never" nodeType="tmRoot"/>
-      </p:par>
-    </p:tnLst>
-  </p:timing>
-</p:sld>
-</file>
-
-<file path=ppt/slides/slide2.xml><?xml version="1.0" encoding="utf-8"?>
-<p:sld xmlns:a="http://schemas.openxmlformats.org/drawingml/2006/main" xmlns:r="http://schemas.openxmlformats.org/officeDocument/2006/relationships" xmlns:p="http://schemas.openxmlformats.org/presentationml/2006/main">
-  <p:cSld>
-    <p:spTree>
-      <p:nvGrpSpPr>
-        <p:cNvPr id="1" name=""/>
-        <p:cNvGrpSpPr/>
-        <p:nvPr/>
-      </p:nvGrpSpPr>
-      <p:grpSpPr>
-        <a:xfrm>
-          <a:off x="0" y="0"/>
-          <a:ext cx="0" cy="0"/>
-          <a:chOff x="0" y="0"/>
-          <a:chExt cx="0" cy="0"/>
-        </a:xfrm>
-      </p:grpSpPr>
-      <p:sp>
-        <p:nvSpPr>
-          <p:cNvPr id="6185" name="Text Box 41"/>
-          <p:cNvSpPr txBox="1">
-            <a:spLocks noChangeArrowheads="1"/>
-          </p:cNvSpPr>
+      <mc:AlternateContent xmlns:mc="http://schemas.openxmlformats.org/markup-compatibility/2006">
+        <mc:Choice xmlns:a14="http://schemas.microsoft.com/office/drawing/2010/main" Requires="a14">
+          <p:sp>
+            <p:nvSpPr>
+              <p:cNvPr id="6" name="직사각형 5"/>
+              <p:cNvSpPr/>
+              <p:nvPr/>
+            </p:nvSpPr>
+            <p:spPr>
+              <a:xfrm>
+                <a:off x="6020889" y="3656107"/>
+                <a:ext cx="2998450" cy="665567"/>
+              </a:xfrm>
+              <a:prstGeom prst="rect">
+                <a:avLst/>
+              </a:prstGeom>
+            </p:spPr>
+            <p:txBody>
+              <a:bodyPr wrap="none">
+                <a:spAutoFit/>
+              </a:bodyPr>
+              <a:lstStyle/>
+              <a:p>
+                <a14:m>
+                  <m:oMath xmlns:m="http://schemas.openxmlformats.org/officeDocument/2006/math">
+                    <m:sSub>
+                      <m:sSubPr>
+                        <m:ctrlPr>
+                          <a:rPr lang="en-US" altLang="ko-KR" sz="1200" i="1">
+                            <a:latin typeface="Cambria Math" panose="02040503050406030204" pitchFamily="18" charset="0"/>
+                            <a:ea typeface="Cambria Math" panose="02040503050406030204" pitchFamily="18" charset="0"/>
+                          </a:rPr>
+                        </m:ctrlPr>
+                      </m:sSubPr>
+                      <m:e>
+                        <m:r>
+                          <a:rPr lang="en-US" altLang="ko-KR" sz="1200" i="1">
+                            <a:latin typeface="Cambria Math" panose="02040503050406030204" pitchFamily="18" charset="0"/>
+                            <a:ea typeface="Cambria Math" panose="02040503050406030204" pitchFamily="18" charset="0"/>
+                          </a:rPr>
+                          <m:t>𝑁</m:t>
+                        </m:r>
+                      </m:e>
+                      <m:sub>
+                        <m:r>
+                          <m:rPr>
+                            <m:sty m:val="p"/>
+                          </m:rPr>
+                          <a:rPr lang="en-US" altLang="ko-KR" sz="1200">
+                            <a:latin typeface="Cambria Math" panose="02040503050406030204" pitchFamily="18" charset="0"/>
+                            <a:ea typeface="Cambria Math" panose="02040503050406030204" pitchFamily="18" charset="0"/>
+                          </a:rPr>
+                          <m:t>ref</m:t>
+                        </m:r>
+                      </m:sub>
+                    </m:sSub>
+                  </m:oMath>
+                </a14:m>
+                <a:r>
+                  <a:rPr lang="en-US" altLang="ko-KR" sz="1200" dirty="0" smtClean="0"/>
+                  <a:t>: number of reference </a:t>
+                </a:r>
+                <a:r>
+                  <a:rPr lang="en-US" altLang="ko-KR" sz="1200" dirty="0" err="1" smtClean="0"/>
+                  <a:t>scnas</a:t>
+                </a:r>
+                <a:endParaRPr lang="en-US" altLang="ko-KR" sz="1200" dirty="0" smtClean="0"/>
+              </a:p>
+              <a:p>
+                <a14:m>
+                  <m:oMath xmlns:m="http://schemas.openxmlformats.org/officeDocument/2006/math">
+                    <m:sSub>
+                      <m:sSubPr>
+                        <m:ctrlPr>
+                          <a:rPr lang="en-US" altLang="ko-KR" sz="1200" i="1">
+                            <a:latin typeface="Cambria Math" panose="02040503050406030204" pitchFamily="18" charset="0"/>
+                            <a:ea typeface="Cambria Math" panose="02040503050406030204" pitchFamily="18" charset="0"/>
+                          </a:rPr>
+                        </m:ctrlPr>
+                      </m:sSubPr>
+                      <m:e>
+                        <m:r>
+                          <a:rPr lang="en-US" altLang="ko-KR" sz="1200" i="1">
+                            <a:latin typeface="Cambria Math" panose="02040503050406030204" pitchFamily="18" charset="0"/>
+                            <a:ea typeface="Cambria Math" panose="02040503050406030204" pitchFamily="18" charset="0"/>
+                          </a:rPr>
+                          <m:t>𝑠</m:t>
+                        </m:r>
+                      </m:e>
+                      <m:sub>
+                        <m:func>
+                          <m:funcPr>
+                            <m:ctrlPr>
+                              <a:rPr lang="en-US" altLang="ko-KR" sz="1200" i="1">
+                                <a:latin typeface="Cambria Math" panose="02040503050406030204" pitchFamily="18" charset="0"/>
+                                <a:ea typeface="Cambria Math" panose="02040503050406030204" pitchFamily="18" charset="0"/>
+                              </a:rPr>
+                            </m:ctrlPr>
+                          </m:funcPr>
+                          <m:fName>
+                            <m:r>
+                              <m:rPr>
+                                <m:sty m:val="p"/>
+                              </m:rPr>
+                              <a:rPr lang="en-US" altLang="ko-KR" sz="1200">
+                                <a:latin typeface="Cambria Math" panose="02040503050406030204" pitchFamily="18" charset="0"/>
+                                <a:ea typeface="Cambria Math" panose="02040503050406030204" pitchFamily="18" charset="0"/>
+                              </a:rPr>
+                              <m:t>ln</m:t>
+                            </m:r>
+                          </m:fName>
+                          <m:e>
+                            <m:d>
+                              <m:dPr>
+                                <m:begChr m:val="|"/>
+                                <m:endChr m:val="|"/>
+                                <m:ctrlPr>
+                                  <a:rPr lang="en-US" altLang="ko-KR" sz="1200" i="1">
+                                    <a:latin typeface="Cambria Math" panose="02040503050406030204" pitchFamily="18" charset="0"/>
+                                    <a:ea typeface="Cambria Math" panose="02040503050406030204" pitchFamily="18" charset="0"/>
+                                  </a:rPr>
+                                </m:ctrlPr>
+                              </m:dPr>
+                              <m:e>
+                                <m:sSub>
+                                  <m:sSubPr>
+                                    <m:ctrlPr>
+                                      <a:rPr lang="en-US" altLang="ko-KR" sz="1200" i="1">
+                                        <a:latin typeface="Cambria Math" panose="02040503050406030204" pitchFamily="18" charset="0"/>
+                                        <a:ea typeface="Cambria Math" panose="02040503050406030204" pitchFamily="18" charset="0"/>
+                                      </a:rPr>
+                                    </m:ctrlPr>
+                                  </m:sSubPr>
+                                  <m:e>
+                                    <m:r>
+                                      <a:rPr lang="en-US" altLang="ko-KR" sz="1200" i="1">
+                                        <a:latin typeface="Cambria Math" panose="02040503050406030204" pitchFamily="18" charset="0"/>
+                                        <a:ea typeface="Cambria Math" panose="02040503050406030204" pitchFamily="18" charset="0"/>
+                                      </a:rPr>
+                                      <m:t>𝐸</m:t>
+                                    </m:r>
+                                  </m:e>
+                                  <m:sub>
+                                    <m:r>
+                                      <m:rPr>
+                                        <m:sty m:val="p"/>
+                                      </m:rPr>
+                                      <a:rPr lang="en-US" altLang="ko-KR" sz="1200">
+                                        <a:latin typeface="Cambria Math" panose="02040503050406030204" pitchFamily="18" charset="0"/>
+                                        <a:ea typeface="Cambria Math" panose="02040503050406030204" pitchFamily="18" charset="0"/>
+                                      </a:rPr>
+                                      <m:t>ref</m:t>
+                                    </m:r>
+                                  </m:sub>
+                                </m:sSub>
+                              </m:e>
+                            </m:d>
+                          </m:e>
+                        </m:func>
+                      </m:sub>
+                    </m:sSub>
+                  </m:oMath>
+                </a14:m>
+                <a:r>
+                  <a:rPr lang="en-US" altLang="ko-KR" sz="1200" dirty="0" smtClean="0"/>
+                  <a:t>:  standard deviation in the amplitude</a:t>
+                </a:r>
+              </a:p>
+              <a:p>
+                <a:r>
+                  <a:rPr lang="en-US" altLang="ko-KR" sz="1200" dirty="0" smtClean="0"/>
+                  <a:t>                 of the reference spectrum</a:t>
+                </a:r>
+                <a:endParaRPr lang="ko-KR" altLang="en-US" sz="1200" dirty="0"/>
+              </a:p>
+            </p:txBody>
+          </p:sp>
+        </mc:Choice>
+        <mc:Fallback>
+          <p:sp>
+            <p:nvSpPr>
+              <p:cNvPr id="6" name="직사각형 5"/>
+              <p:cNvSpPr>
+                <a:spLocks noRot="1" noChangeAspect="1" noMove="1" noResize="1" noEditPoints="1" noAdjustHandles="1" noChangeArrowheads="1" noChangeShapeType="1" noTextEdit="1"/>
+              </p:cNvSpPr>
+              <p:nvPr/>
+            </p:nvSpPr>
+            <p:spPr>
+              <a:xfrm>
+                <a:off x="6020889" y="3656107"/>
+                <a:ext cx="2998450" cy="665567"/>
+              </a:xfrm>
+              <a:prstGeom prst="rect">
+                <a:avLst/>
+              </a:prstGeom>
+              <a:blipFill rotWithShape="0">
+                <a:blip r:embed="rId6"/>
+                <a:stretch>
+                  <a:fillRect t="-917" b="-7339"/>
+                </a:stretch>
+              </a:blipFill>
+            </p:spPr>
+            <p:txBody>
+              <a:bodyPr/>
+              <a:lstStyle/>
+              <a:p>
+                <a:r>
+                  <a:rPr lang="ko-KR" altLang="en-US">
+                    <a:noFill/>
+                  </a:rPr>
+                  <a:t> </a:t>
+                </a:r>
+              </a:p>
+            </p:txBody>
+          </p:sp>
+        </mc:Fallback>
+      </mc:AlternateContent>
+      <p:pic>
+        <p:nvPicPr>
+          <p:cNvPr id="7" name="그림 6"/>
+          <p:cNvPicPr>
+            <a:picLocks noChangeAspect="1"/>
+          </p:cNvPicPr>
           <p:nvPr/>
-        </p:nvSpPr>
-        <p:spPr bwMode="auto">
+        </p:nvPicPr>
+        <p:blipFill>
+          <a:blip r:embed="rId7"/>
+          <a:stretch>
+            <a:fillRect/>
+          </a:stretch>
+        </p:blipFill>
+        <p:spPr>
           <a:xfrm>
-            <a:off x="1775445" y="2213283"/>
-            <a:ext cx="5593111" cy="2431435"/>
+            <a:off x="5921675" y="4321033"/>
+            <a:ext cx="2499956" cy="1718971"/>
           </a:xfrm>
           <a:prstGeom prst="rect">
             <a:avLst/>
           </a:prstGeom>
-          <a:noFill/>
-          <a:ln w="19050">
-            <a:solidFill>
-              <a:srgbClr val="3333FF"/>
-            </a:solidFill>
-            <a:miter lim="800000"/>
-            <a:headEnd/>
-            <a:tailEnd/>
-          </a:ln>
-          <a:effectLst/>
-          <a:extLst>
-            <a:ext uri="{909E8E84-426E-40DD-AFC4-6F175D3DCCD1}">
-              <a14:hiddenFill xmlns:a14="http://schemas.microsoft.com/office/drawing/2010/main">
-                <a:solidFill>
-                  <a:schemeClr val="accent1"/>
-                </a:solidFill>
-              </a14:hiddenFill>
-            </a:ext>
-            <a:ext uri="{AF507438-7753-43E0-B8FC-AC1667EBCBE1}">
-              <a14:hiddenEffects xmlns:a14="http://schemas.microsoft.com/office/drawing/2010/main">
-                <a:effectLst>
-                  <a:outerShdw dist="35921" dir="2700000" algn="ctr" rotWithShape="0">
-                    <a:schemeClr val="bg2"/>
-                  </a:outerShdw>
-                </a:effectLst>
-              </a14:hiddenEffects>
-            </a:ext>
-          </a:extLst>
         </p:spPr>
+      </p:pic>
+      <p:sp>
+        <p:nvSpPr>
+          <p:cNvPr id="14" name="날짜 개체 틀 13"/>
+          <p:cNvSpPr>
+            <a:spLocks noGrp="1"/>
+          </p:cNvSpPr>
+          <p:nvPr>
+            <p:ph type="dt" sz="half" idx="10"/>
+          </p:nvPr>
+        </p:nvSpPr>
+        <p:spPr/>
         <p:txBody>
-          <a:bodyPr wrap="square">
-            <a:spAutoFit/>
-          </a:bodyPr>
+          <a:bodyPr/>
           <a:lstStyle/>
           <a:p>
-            <a:pPr marL="342900" indent="-342900">
-              <a:buAutoNum type="arabicPeriod"/>
-            </a:pPr>
-            <a:endParaRPr lang="en-US" altLang="ko-KR" sz="1600" dirty="0" smtClean="0">
-              <a:solidFill>
-                <a:srgbClr val="3333FF"/>
-              </a:solidFill>
-              <a:latin typeface="Arial" panose="020B0604020202020204" pitchFamily="34" charset="0"/>
-            </a:endParaRPr>
-          </a:p>
-          <a:p>
-            <a:pPr marL="342900" indent="-342900">
-              <a:buAutoNum type="arabicPeriod"/>
-            </a:pPr>
-            <a:r>
-              <a:rPr lang="en-US" altLang="ko-KR" sz="1600" dirty="0" smtClean="0">
-                <a:solidFill>
-                  <a:srgbClr val="3333FF"/>
-                </a:solidFill>
-                <a:latin typeface="Arial" panose="020B0604020202020204" pitchFamily="34" charset="0"/>
-              </a:rPr>
-              <a:t>Material </a:t>
-            </a:r>
-            <a:r>
-              <a:rPr lang="en-US" altLang="ko-KR" sz="1600" dirty="0" err="1" smtClean="0">
-                <a:solidFill>
-                  <a:srgbClr val="3333FF"/>
-                </a:solidFill>
-                <a:latin typeface="Arial" panose="020B0604020202020204" pitchFamily="34" charset="0"/>
-              </a:rPr>
-              <a:t>Properites</a:t>
-            </a:r>
-            <a:r>
-              <a:rPr lang="en-US" altLang="ko-KR" sz="1600" dirty="0" smtClean="0">
-                <a:solidFill>
-                  <a:srgbClr val="3333FF"/>
-                </a:solidFill>
-                <a:latin typeface="Arial" panose="020B0604020202020204" pitchFamily="34" charset="0"/>
-              </a:rPr>
-              <a:t> and Wave Propagation</a:t>
-            </a:r>
-          </a:p>
-          <a:p>
-            <a:pPr marL="342900" indent="-342900">
-              <a:buAutoNum type="arabicPeriod"/>
-            </a:pPr>
-            <a:endParaRPr lang="en-US" altLang="ko-KR" sz="1600" dirty="0" smtClean="0">
-              <a:solidFill>
-                <a:srgbClr val="3333FF"/>
-              </a:solidFill>
-              <a:latin typeface="Arial" panose="020B0604020202020204" pitchFamily="34" charset="0"/>
-            </a:endParaRPr>
-          </a:p>
-          <a:p>
-            <a:pPr marL="342900" indent="-342900">
-              <a:buAutoNum type="arabicPeriod"/>
-            </a:pPr>
-            <a:r>
-              <a:rPr lang="en-US" altLang="ko-KR" sz="1600" dirty="0" smtClean="0">
-                <a:solidFill>
-                  <a:srgbClr val="3333FF"/>
-                </a:solidFill>
-                <a:latin typeface="Arial" panose="020B0604020202020204" pitchFamily="34" charset="0"/>
-              </a:rPr>
-              <a:t>Extracting Optical Parameters </a:t>
-            </a:r>
-            <a:r>
-              <a:rPr lang="en-US" altLang="ko-KR" sz="1600" dirty="0" err="1" smtClean="0">
-                <a:solidFill>
-                  <a:srgbClr val="3333FF"/>
-                </a:solidFill>
-                <a:latin typeface="Arial" panose="020B0604020202020204" pitchFamily="34" charset="0"/>
-              </a:rPr>
-              <a:t>fromTerahertz</a:t>
-            </a:r>
-            <a:r>
-              <a:rPr lang="en-US" altLang="ko-KR" sz="1600" dirty="0" smtClean="0">
-                <a:solidFill>
-                  <a:srgbClr val="3333FF"/>
-                </a:solidFill>
-                <a:latin typeface="Arial" panose="020B0604020202020204" pitchFamily="34" charset="0"/>
-              </a:rPr>
-              <a:t> Time-Domain </a:t>
-            </a:r>
-            <a:r>
-              <a:rPr lang="en-US" altLang="ko-KR" sz="1600" dirty="0" err="1" smtClean="0">
-                <a:solidFill>
-                  <a:srgbClr val="3333FF"/>
-                </a:solidFill>
-                <a:latin typeface="Arial" panose="020B0604020202020204" pitchFamily="34" charset="0"/>
-              </a:rPr>
-              <a:t>Spectromerters</a:t>
-            </a:r>
-            <a:r>
-              <a:rPr lang="en-US" altLang="ko-KR" sz="1600" dirty="0" smtClean="0">
-                <a:solidFill>
-                  <a:srgbClr val="3333FF"/>
-                </a:solidFill>
-                <a:latin typeface="Arial" panose="020B0604020202020204" pitchFamily="34" charset="0"/>
-              </a:rPr>
-              <a:t> Data</a:t>
-            </a:r>
-          </a:p>
-          <a:p>
-            <a:pPr marL="342900" indent="-342900">
-              <a:buAutoNum type="arabicPeriod"/>
-            </a:pPr>
-            <a:endParaRPr lang="en-US" altLang="ko-KR" sz="1600" dirty="0" smtClean="0">
-              <a:solidFill>
-                <a:srgbClr val="3333FF"/>
-              </a:solidFill>
-              <a:latin typeface="Arial" panose="020B0604020202020204" pitchFamily="34" charset="0"/>
-            </a:endParaRPr>
-          </a:p>
-          <a:p>
-            <a:pPr marL="342900" indent="-342900">
-              <a:buAutoNum type="arabicPeriod"/>
-            </a:pPr>
-            <a:r>
-              <a:rPr lang="en-US" altLang="ko-KR" sz="1600" dirty="0" smtClean="0">
-                <a:solidFill>
-                  <a:srgbClr val="3333FF"/>
-                </a:solidFill>
-                <a:latin typeface="Arial" panose="020B0604020202020204" pitchFamily="34" charset="0"/>
-              </a:rPr>
-              <a:t>Preprocessing and </a:t>
-            </a:r>
-            <a:r>
-              <a:rPr lang="en-US" altLang="ko-KR" sz="1600" dirty="0" err="1" smtClean="0">
-                <a:solidFill>
-                  <a:srgbClr val="3333FF"/>
-                </a:solidFill>
-                <a:latin typeface="Arial" panose="020B0604020202020204" pitchFamily="34" charset="0"/>
-              </a:rPr>
-              <a:t>Postprocessing</a:t>
-            </a:r>
-            <a:r>
-              <a:rPr lang="en-US" altLang="ko-KR" sz="1600" dirty="0" smtClean="0">
-                <a:solidFill>
-                  <a:srgbClr val="3333FF"/>
-                </a:solidFill>
-                <a:latin typeface="Arial" panose="020B0604020202020204" pitchFamily="34" charset="0"/>
-              </a:rPr>
-              <a:t> of Data</a:t>
-            </a:r>
-          </a:p>
-          <a:p>
-            <a:pPr marL="342900" indent="-342900">
-              <a:buAutoNum type="arabicPeriod"/>
-            </a:pPr>
-            <a:endParaRPr lang="en-US" altLang="ko-KR" sz="1600" dirty="0" smtClean="0">
-              <a:solidFill>
-                <a:srgbClr val="3333FF"/>
-              </a:solidFill>
-              <a:latin typeface="Arial" panose="020B0604020202020204" pitchFamily="34" charset="0"/>
-            </a:endParaRPr>
-          </a:p>
-          <a:p>
-            <a:pPr marL="342900" indent="-342900">
-              <a:buAutoNum type="arabicPeriod"/>
-            </a:pPr>
-            <a:r>
-              <a:rPr lang="en-US" altLang="ko-KR" sz="1600" dirty="0" smtClean="0">
-                <a:solidFill>
-                  <a:srgbClr val="3333FF"/>
-                </a:solidFill>
-                <a:latin typeface="Arial" panose="020B0604020202020204" pitchFamily="34" charset="0"/>
-              </a:rPr>
-              <a:t>Sample Requirements</a:t>
-            </a:r>
-          </a:p>
-          <a:p>
-            <a:pPr marL="342900" indent="-342900">
-              <a:buAutoNum type="arabicPeriod"/>
-            </a:pPr>
-            <a:endParaRPr lang="en-US" altLang="ko-KR" sz="800" dirty="0">
-              <a:solidFill>
-                <a:srgbClr val="3333FF"/>
-              </a:solidFill>
-              <a:latin typeface="Arial" panose="020B0604020202020204" pitchFamily="34" charset="0"/>
-            </a:endParaRPr>
+            <a:fld id="{4B61D728-8D74-466E-A247-830E5D1FA4E5}" type="datetime1">
+              <a:rPr lang="ko-KR" altLang="en-US" smtClean="0"/>
+              <a:t>2018-03-12</a:t>
+            </a:fld>
+            <a:endParaRPr lang="ko-KR" altLang="en-US"/>
           </a:p>
         </p:txBody>
       </p:sp>
       <p:sp>
         <p:nvSpPr>
-          <p:cNvPr id="6199" name="Rectangle 55"/>
+          <p:cNvPr id="15" name="슬라이드 번호 개체 틀 14"/>
           <p:cNvSpPr>
-            <a:spLocks noChangeArrowheads="1"/>
+            <a:spLocks noGrp="1"/>
           </p:cNvSpPr>
-          <p:nvPr/>
+          <p:nvPr>
+            <p:ph type="sldNum" sz="quarter" idx="12"/>
+          </p:nvPr>
         </p:nvSpPr>
-        <p:spPr bwMode="auto">
-          <a:xfrm>
-            <a:off x="0" y="0"/>
-            <a:ext cx="9144000" cy="692150"/>
-          </a:xfrm>
-          <a:prstGeom prst="rect">
-            <a:avLst/>
-          </a:prstGeom>
-          <a:solidFill>
-            <a:srgbClr val="3333FF"/>
-          </a:solidFill>
-          <a:ln>
-            <a:noFill/>
-          </a:ln>
-          <a:effectLst/>
-          <a:extLst>
-            <a:ext uri="{91240B29-F687-4F45-9708-019B960494DF}">
-              <a14:hiddenLine xmlns:a14="http://schemas.microsoft.com/office/drawing/2010/main" w="9525">
-                <a:solidFill>
-                  <a:schemeClr val="tx1"/>
-                </a:solidFill>
-                <a:miter lim="800000"/>
-                <a:headEnd/>
-                <a:tailEnd/>
-              </a14:hiddenLine>
-            </a:ext>
-            <a:ext uri="{AF507438-7753-43E0-B8FC-AC1667EBCBE1}">
-              <a14:hiddenEffects xmlns:a14="http://schemas.microsoft.com/office/drawing/2010/main">
-                <a:effectLst>
-                  <a:outerShdw dist="35921" dir="2700000" algn="ctr" rotWithShape="0">
-                    <a:schemeClr val="bg2"/>
-                  </a:outerShdw>
-                </a:effectLst>
-              </a14:hiddenEffects>
-            </a:ext>
-          </a:extLst>
-        </p:spPr>
+        <p:spPr/>
         <p:txBody>
-          <a:bodyPr wrap="none" anchor="ctr"/>
+          <a:bodyPr/>
           <a:lstStyle/>
           <a:p>
-            <a:pPr algn="ctr"/>
-            <a:r>
-              <a:rPr lang="en-US" altLang="ko-KR" sz="2800" dirty="0" smtClean="0">
-                <a:solidFill>
-                  <a:schemeClr val="bg1"/>
-                </a:solidFill>
-                <a:latin typeface="Arial" panose="020B0604020202020204" pitchFamily="34" charset="0"/>
-              </a:rPr>
-              <a:t>Contents</a:t>
-            </a:r>
-            <a:endParaRPr lang="en-US" altLang="ko-KR" sz="2800" dirty="0">
-              <a:solidFill>
-                <a:schemeClr val="bg1"/>
-              </a:solidFill>
-              <a:latin typeface="Arial" panose="020B0604020202020204" pitchFamily="34" charset="0"/>
-            </a:endParaRPr>
+            <a:fld id="{8765F8EB-1186-4395-8E70-F957669279DD}" type="slidenum">
+              <a:rPr lang="ko-KR" altLang="en-US" smtClean="0"/>
+              <a:t>20</a:t>
+            </a:fld>
+            <a:endParaRPr lang="ko-KR" altLang="en-US"/>
           </a:p>
         </p:txBody>
       </p:sp>
     </p:spTree>
     <p:extLst>
       <p:ext uri="{BB962C8B-B14F-4D97-AF65-F5344CB8AC3E}">
-        <p14:creationId xmlns:p14="http://schemas.microsoft.com/office/powerpoint/2010/main" val="1136480468"/>
-      </p:ext>
-    </p:extLst>
-  </p:cSld>
-  <p:clrMapOvr>
-    <a:masterClrMapping/>
-  </p:clrMapOvr>
-  <p:timing>
-    <p:tnLst>
-      <p:par>
-        <p:cTn id="1" dur="indefinite" restart="never" nodeType="tmRoot"/>
-      </p:par>
-    </p:tnLst>
-  </p:timing>
-</p:sld>
-</file>
-
-<file path=ppt/slides/slide20.xml><?xml version="1.0" encoding="utf-8"?>
-<p:sld xmlns:a="http://schemas.openxmlformats.org/drawingml/2006/main" xmlns:r="http://schemas.openxmlformats.org/officeDocument/2006/relationships" xmlns:p="http://schemas.openxmlformats.org/presentationml/2006/main">
-  <p:cSld>
-    <p:spTree>
-      <p:nvGrpSpPr>
-        <p:cNvPr id="1" name=""/>
-        <p:cNvGrpSpPr/>
-        <p:nvPr/>
-      </p:nvGrpSpPr>
-      <p:grpSpPr>
-        <a:xfrm>
-          <a:off x="0" y="0"/>
-          <a:ext cx="0" cy="0"/>
-          <a:chOff x="0" y="0"/>
-          <a:chExt cx="0" cy="0"/>
-        </a:xfrm>
-      </p:grpSpPr>
-      <p:sp>
-        <p:nvSpPr>
-          <p:cNvPr id="6199" name="Rectangle 55"/>
-          <p:cNvSpPr>
-            <a:spLocks noChangeArrowheads="1"/>
-          </p:cNvSpPr>
-          <p:nvPr/>
-        </p:nvSpPr>
-        <p:spPr bwMode="auto">
-          <a:xfrm>
-            <a:off x="0" y="0"/>
-            <a:ext cx="9144000" cy="692150"/>
-          </a:xfrm>
-          <a:prstGeom prst="rect">
-            <a:avLst/>
-          </a:prstGeom>
-          <a:solidFill>
-            <a:srgbClr val="3333FF"/>
-          </a:solidFill>
-          <a:ln>
-            <a:noFill/>
-          </a:ln>
-          <a:effectLst/>
-          <a:extLst>
-            <a:ext uri="{91240B29-F687-4F45-9708-019B960494DF}">
-              <a14:hiddenLine xmlns:a14="http://schemas.microsoft.com/office/drawing/2010/main" w="9525">
-                <a:solidFill>
-                  <a:schemeClr val="tx1"/>
-                </a:solidFill>
-                <a:miter lim="800000"/>
-                <a:headEnd/>
-                <a:tailEnd/>
-              </a14:hiddenLine>
-            </a:ext>
-            <a:ext uri="{AF507438-7753-43E0-B8FC-AC1667EBCBE1}">
-              <a14:hiddenEffects xmlns:a14="http://schemas.microsoft.com/office/drawing/2010/main">
-                <a:effectLst>
-                  <a:outerShdw dist="35921" dir="2700000" algn="ctr" rotWithShape="0">
-                    <a:schemeClr val="bg2"/>
-                  </a:outerShdw>
-                </a:effectLst>
-              </a14:hiddenEffects>
-            </a:ext>
-          </a:extLst>
-        </p:spPr>
-        <p:txBody>
-          <a:bodyPr wrap="none" anchor="ctr"/>
-          <a:lstStyle/>
-          <a:p>
-            <a:pPr algn="ctr"/>
-            <a:r>
-              <a:rPr lang="en-US" altLang="ko-KR" sz="2700" dirty="0" smtClean="0">
-                <a:solidFill>
-                  <a:schemeClr val="bg1"/>
-                </a:solidFill>
-                <a:latin typeface="Arial" panose="020B0604020202020204" pitchFamily="34" charset="0"/>
-              </a:rPr>
-              <a:t>4.2 Lateral Dimensions of Samples</a:t>
-            </a:r>
-          </a:p>
-        </p:txBody>
-      </p:sp>
-      <p:sp>
-        <p:nvSpPr>
-          <p:cNvPr id="9" name="TextBox 8"/>
-          <p:cNvSpPr txBox="1"/>
-          <p:nvPr/>
-        </p:nvSpPr>
-        <p:spPr>
-          <a:xfrm>
-            <a:off x="345758" y="834251"/>
-            <a:ext cx="8560849" cy="646331"/>
-          </a:xfrm>
-          <a:prstGeom prst="rect">
-            <a:avLst/>
-          </a:prstGeom>
-          <a:noFill/>
-        </p:spPr>
-        <p:txBody>
-          <a:bodyPr wrap="square" rtlCol="0">
-            <a:spAutoFit/>
-          </a:bodyPr>
-          <a:lstStyle/>
-          <a:p>
-            <a:r>
-              <a:rPr lang="en-US" altLang="ko-KR" dirty="0" smtClean="0"/>
-              <a:t> The lateral dimensions of samples should be large enough to a accommodate the terahertz beam without clipping or edge diffraction.</a:t>
-            </a:r>
-            <a:endParaRPr lang="ko-KR" altLang="en-US" dirty="0">
-              <a:solidFill>
-                <a:srgbClr val="3333FF"/>
-              </a:solidFill>
-            </a:endParaRPr>
-          </a:p>
-        </p:txBody>
-      </p:sp>
-    </p:spTree>
-    <p:extLst>
-      <p:ext uri="{BB962C8B-B14F-4D97-AF65-F5344CB8AC3E}">
-        <p14:creationId xmlns:p14="http://schemas.microsoft.com/office/powerpoint/2010/main" val="1463509654"/>
+        <p14:creationId xmlns:p14="http://schemas.microsoft.com/office/powerpoint/2010/main" val="2345409815"/>
       </p:ext>
     </p:extLst>
   </p:cSld>
@@ -14483,53 +16231,7 @@
                 </a:solidFill>
                 <a:latin typeface="Arial" panose="020B0604020202020204" pitchFamily="34" charset="0"/>
               </a:rPr>
-              <a:t>4.3 Loss: Absorption, Scattering, Diffraction</a:t>
-            </a:r>
-          </a:p>
-        </p:txBody>
-      </p:sp>
-      <p:sp>
-        <p:nvSpPr>
-          <p:cNvPr id="8" name="TextBox 7"/>
-          <p:cNvSpPr txBox="1"/>
-          <p:nvPr/>
-        </p:nvSpPr>
-        <p:spPr>
-          <a:xfrm>
-            <a:off x="268165" y="6338128"/>
-            <a:ext cx="8607669" cy="415498"/>
-          </a:xfrm>
-          <a:prstGeom prst="rect">
-            <a:avLst/>
-          </a:prstGeom>
-          <a:noFill/>
-        </p:spPr>
-        <p:txBody>
-          <a:bodyPr wrap="square" rtlCol="0">
-            <a:spAutoFit/>
-          </a:bodyPr>
-          <a:lstStyle/>
-          <a:p>
-            <a:r>
-              <a:rPr lang="en-US" altLang="ko-KR" sz="1050" dirty="0">
-                <a:latin typeface="Times New Roman" panose="02020603050405020304" pitchFamily="18" charset="0"/>
-                <a:cs typeface="Times New Roman" panose="02020603050405020304" pitchFamily="18" charset="0"/>
-              </a:rPr>
-              <a:t>Fischer, B. M., M. Hoffmann, and P. U. Jepsen, “Dynamic Range and Numerical Error Propagation in Terahertz Time-Domain Spectroscopy,” in </a:t>
-            </a:r>
-            <a:r>
-              <a:rPr lang="en-US" altLang="ko-KR" sz="1050" i="1" dirty="0">
-                <a:latin typeface="Times New Roman" panose="02020603050405020304" pitchFamily="18" charset="0"/>
-                <a:cs typeface="Times New Roman" panose="02020603050405020304" pitchFamily="18" charset="0"/>
-              </a:rPr>
-              <a:t>Optical Terahertz Science and Technology, Technical Digest (CD). </a:t>
-            </a:r>
-            <a:r>
-              <a:rPr lang="en-US" altLang="ko-KR" sz="1050" dirty="0">
-                <a:latin typeface="Times New Roman" panose="02020603050405020304" pitchFamily="18" charset="0"/>
-                <a:cs typeface="Times New Roman" panose="02020603050405020304" pitchFamily="18" charset="0"/>
-              </a:rPr>
-              <a:t>Optical Society of America, 2005, paper TuD1.</a:t>
+              <a:t>4.2 Lateral Dimensions of Samples</a:t>
             </a:r>
           </a:p>
         </p:txBody>
@@ -14558,7 +16260,7 @@
           <a:p>
             <a:r>
               <a:rPr lang="en-US" altLang="ko-KR" dirty="0" smtClean="0"/>
-              <a:t>Noise in a terahertz signal could be reduced by </a:t>
+              <a:t> The lateral dimensions of samples should be large enough to a accommodate the terahertz beam </a:t>
             </a:r>
             <a:r>
               <a:rPr lang="en-US" altLang="ko-KR" dirty="0" smtClean="0">
@@ -14566,11 +16268,11 @@
                   <a:srgbClr val="3333FF"/>
                 </a:solidFill>
               </a:rPr>
-              <a:t>digital signal processing</a:t>
+              <a:t>without clipping or edge diffraction</a:t>
             </a:r>
             <a:r>
               <a:rPr lang="en-US" altLang="ko-KR" dirty="0" smtClean="0"/>
-              <a:t> techniques in addition to signal averaging.</a:t>
+              <a:t>.</a:t>
             </a:r>
             <a:endParaRPr lang="ko-KR" altLang="en-US" dirty="0">
               <a:solidFill>
@@ -14580,10 +16282,482 @@
           </a:p>
         </p:txBody>
       </p:sp>
+      <p:pic>
+        <p:nvPicPr>
+          <p:cNvPr id="2" name="그림 1"/>
+          <p:cNvPicPr>
+            <a:picLocks noChangeAspect="1"/>
+          </p:cNvPicPr>
+          <p:nvPr/>
+        </p:nvPicPr>
+        <p:blipFill>
+          <a:blip r:embed="rId3"/>
+          <a:stretch>
+            <a:fillRect/>
+          </a:stretch>
+        </p:blipFill>
+        <p:spPr>
+          <a:xfrm>
+            <a:off x="4881819" y="1966812"/>
+            <a:ext cx="3585173" cy="2765862"/>
+          </a:xfrm>
+          <a:prstGeom prst="rect">
+            <a:avLst/>
+          </a:prstGeom>
+        </p:spPr>
+      </p:pic>
+      <p:sp>
+        <p:nvSpPr>
+          <p:cNvPr id="3" name="직사각형 2"/>
+          <p:cNvSpPr/>
+          <p:nvPr/>
+        </p:nvSpPr>
+        <p:spPr>
+          <a:xfrm>
+            <a:off x="808893" y="2848707"/>
+            <a:ext cx="2224453" cy="1494693"/>
+          </a:xfrm>
+          <a:prstGeom prst="rect">
+            <a:avLst/>
+          </a:prstGeom>
+          <a:solidFill>
+            <a:schemeClr val="bg2"/>
+          </a:solidFill>
+        </p:spPr>
+        <p:style>
+          <a:lnRef idx="2">
+            <a:schemeClr val="accent1">
+              <a:shade val="50000"/>
+            </a:schemeClr>
+          </a:lnRef>
+          <a:fillRef idx="1">
+            <a:schemeClr val="accent1"/>
+          </a:fillRef>
+          <a:effectRef idx="0">
+            <a:schemeClr val="accent1"/>
+          </a:effectRef>
+          <a:fontRef idx="minor">
+            <a:schemeClr val="lt1"/>
+          </a:fontRef>
+        </p:style>
+        <p:txBody>
+          <a:bodyPr rtlCol="0" anchor="ctr"/>
+          <a:lstStyle/>
+          <a:p>
+            <a:pPr algn="ctr"/>
+            <a:endParaRPr lang="ko-KR" altLang="en-US"/>
+          </a:p>
+        </p:txBody>
+      </p:sp>
+      <p:sp>
+        <p:nvSpPr>
+          <p:cNvPr id="4" name="타원 3"/>
+          <p:cNvSpPr/>
+          <p:nvPr/>
+        </p:nvSpPr>
+        <p:spPr>
+          <a:xfrm>
+            <a:off x="1074859" y="2749793"/>
+            <a:ext cx="1692520" cy="1692520"/>
+          </a:xfrm>
+          <a:prstGeom prst="ellipse">
+            <a:avLst/>
+          </a:prstGeom>
+          <a:solidFill>
+            <a:srgbClr val="FF0000"/>
+          </a:solidFill>
+        </p:spPr>
+        <p:style>
+          <a:lnRef idx="2">
+            <a:schemeClr val="accent1">
+              <a:shade val="50000"/>
+            </a:schemeClr>
+          </a:lnRef>
+          <a:fillRef idx="1">
+            <a:schemeClr val="accent1"/>
+          </a:fillRef>
+          <a:effectRef idx="0">
+            <a:schemeClr val="accent1"/>
+          </a:effectRef>
+          <a:fontRef idx="minor">
+            <a:schemeClr val="lt1"/>
+          </a:fontRef>
+        </p:style>
+        <p:txBody>
+          <a:bodyPr rtlCol="0" anchor="ctr"/>
+          <a:lstStyle/>
+          <a:p>
+            <a:pPr algn="ctr"/>
+            <a:endParaRPr lang="ko-KR" altLang="en-US"/>
+          </a:p>
+        </p:txBody>
+      </p:sp>
+      <p:sp>
+        <p:nvSpPr>
+          <p:cNvPr id="7" name="TextBox 6"/>
+          <p:cNvSpPr txBox="1"/>
+          <p:nvPr/>
+        </p:nvSpPr>
+        <p:spPr>
+          <a:xfrm>
+            <a:off x="2000946" y="1872257"/>
+            <a:ext cx="3028254" cy="584775"/>
+          </a:xfrm>
+          <a:prstGeom prst="rect">
+            <a:avLst/>
+          </a:prstGeom>
+          <a:noFill/>
+        </p:spPr>
+        <p:txBody>
+          <a:bodyPr wrap="square" rtlCol="0">
+            <a:spAutoFit/>
+          </a:bodyPr>
+          <a:lstStyle/>
+          <a:p>
+            <a:r>
+              <a:rPr lang="en-US" altLang="ko-KR" sz="1600" dirty="0" smtClean="0"/>
+              <a:t>Leaking </a:t>
+            </a:r>
+            <a:r>
+              <a:rPr lang="en-US" altLang="ko-KR" sz="1600" dirty="0" smtClean="0">
+                <a:sym typeface="Wingdings" panose="05000000000000000000" pitchFamily="2" charset="2"/>
+              </a:rPr>
+              <a:t> </a:t>
+            </a:r>
+            <a:r>
+              <a:rPr lang="en-US" altLang="ko-KR" sz="1600" dirty="0" smtClean="0"/>
+              <a:t> </a:t>
+            </a:r>
+            <a:r>
+              <a:rPr lang="en-US" altLang="ko-KR" sz="1600" dirty="0" err="1" smtClean="0"/>
+              <a:t>Fabry</a:t>
+            </a:r>
+            <a:r>
+              <a:rPr lang="en-US" altLang="ko-KR" sz="1600" dirty="0" smtClean="0"/>
+              <a:t>-Perot effect</a:t>
+            </a:r>
+          </a:p>
+          <a:p>
+            <a:r>
+              <a:rPr lang="en-US" altLang="ko-KR" sz="1600" dirty="0" smtClean="0"/>
+              <a:t>Diffracted at edge</a:t>
+            </a:r>
+            <a:endParaRPr lang="ko-KR" altLang="en-US" sz="1600" dirty="0"/>
+          </a:p>
+        </p:txBody>
+      </p:sp>
+      <p:cxnSp>
+        <p:nvCxnSpPr>
+          <p:cNvPr id="6" name="구부러진 연결선 5"/>
+          <p:cNvCxnSpPr>
+            <a:stCxn id="7" idx="2"/>
+          </p:cNvCxnSpPr>
+          <p:nvPr/>
+        </p:nvCxnSpPr>
+        <p:spPr>
+          <a:xfrm rot="5400000">
+            <a:off x="2744270" y="2016347"/>
+            <a:ext cx="330118" cy="1211488"/>
+          </a:xfrm>
+          <a:prstGeom prst="curvedConnector2">
+            <a:avLst/>
+          </a:prstGeom>
+          <a:ln>
+            <a:tailEnd type="triangle"/>
+          </a:ln>
+        </p:spPr>
+        <p:style>
+          <a:lnRef idx="1">
+            <a:schemeClr val="dk1"/>
+          </a:lnRef>
+          <a:fillRef idx="0">
+            <a:schemeClr val="dk1"/>
+          </a:fillRef>
+          <a:effectRef idx="0">
+            <a:schemeClr val="dk1"/>
+          </a:effectRef>
+          <a:fontRef idx="minor">
+            <a:schemeClr val="tx1"/>
+          </a:fontRef>
+        </p:style>
+      </p:cxnSp>
+      <mc:AlternateContent xmlns:mc="http://schemas.openxmlformats.org/markup-compatibility/2006">
+        <mc:Choice xmlns:a14="http://schemas.microsoft.com/office/drawing/2010/main" Requires="a14">
+          <p:sp>
+            <p:nvSpPr>
+              <p:cNvPr id="12" name="TextBox 11"/>
+              <p:cNvSpPr txBox="1"/>
+              <p:nvPr/>
+            </p:nvSpPr>
+            <p:spPr>
+              <a:xfrm>
+                <a:off x="345758" y="4829630"/>
+                <a:ext cx="8560849" cy="374526"/>
+              </a:xfrm>
+              <a:prstGeom prst="rect">
+                <a:avLst/>
+              </a:prstGeom>
+              <a:noFill/>
+            </p:spPr>
+            <p:txBody>
+              <a:bodyPr wrap="square" rtlCol="0">
+                <a:spAutoFit/>
+              </a:bodyPr>
+              <a:lstStyle/>
+              <a:p>
+                <a:r>
+                  <a:rPr lang="en-US" altLang="ko-KR" dirty="0" smtClean="0">
+                    <a:solidFill>
+                      <a:schemeClr val="tx1"/>
+                    </a:solidFill>
+                  </a:rPr>
+                  <a:t>The sample size must be </a:t>
+                </a:r>
+                <a14:m>
+                  <m:oMath xmlns:m="http://schemas.openxmlformats.org/officeDocument/2006/math">
+                    <m:r>
+                      <a:rPr lang="en-US" altLang="ko-KR" b="0" i="1" smtClean="0">
+                        <a:solidFill>
+                          <a:srgbClr val="3333FF"/>
+                        </a:solidFill>
+                        <a:latin typeface="Cambria Math" panose="02040503050406030204" pitchFamily="18" charset="0"/>
+                      </a:rPr>
+                      <m:t>&gt;10</m:t>
+                    </m:r>
+                    <m:r>
+                      <a:rPr lang="en-US" altLang="ko-KR" b="0" i="1" smtClean="0">
+                        <a:solidFill>
+                          <a:srgbClr val="3333FF"/>
+                        </a:solidFill>
+                        <a:latin typeface="Cambria Math" panose="02040503050406030204" pitchFamily="18" charset="0"/>
+                      </a:rPr>
+                      <m:t>𝑤</m:t>
+                    </m:r>
+                  </m:oMath>
+                </a14:m>
+                <a:r>
+                  <a:rPr lang="ko-KR" altLang="en-US" dirty="0" smtClean="0">
+                    <a:solidFill>
+                      <a:srgbClr val="3333FF"/>
+                    </a:solidFill>
+                  </a:rPr>
+                  <a:t> </a:t>
+                </a:r>
+                <a:r>
+                  <a:rPr lang="en-US" altLang="ko-KR" dirty="0" smtClean="0">
+                    <a:solidFill>
+                      <a:srgbClr val="3333FF"/>
+                    </a:solidFill>
+                  </a:rPr>
+                  <a:t>at the focus</a:t>
+                </a:r>
+                <a:r>
+                  <a:rPr lang="en-US" altLang="ko-KR" dirty="0" smtClean="0">
+                    <a:solidFill>
+                      <a:schemeClr val="tx1"/>
+                    </a:solidFill>
+                  </a:rPr>
+                  <a:t> and </a:t>
+                </a:r>
+                <a14:m>
+                  <m:oMath xmlns:m="http://schemas.openxmlformats.org/officeDocument/2006/math">
+                    <m:r>
+                      <a:rPr lang="en-US" altLang="ko-KR" i="1" smtClean="0">
+                        <a:solidFill>
+                          <a:srgbClr val="3333FF"/>
+                        </a:solidFill>
+                        <a:latin typeface="Cambria Math" panose="02040503050406030204" pitchFamily="18" charset="0"/>
+                      </a:rPr>
+                      <m:t>&gt;</m:t>
+                    </m:r>
+                    <m:r>
+                      <a:rPr lang="en-US" altLang="ko-KR" b="0" i="1" smtClean="0">
+                        <a:solidFill>
+                          <a:srgbClr val="3333FF"/>
+                        </a:solidFill>
+                        <a:latin typeface="Cambria Math" panose="02040503050406030204" pitchFamily="18" charset="0"/>
+                      </a:rPr>
+                      <m:t>2.5</m:t>
+                    </m:r>
+                    <m:r>
+                      <a:rPr lang="en-US" altLang="ko-KR" i="1">
+                        <a:solidFill>
+                          <a:srgbClr val="3333FF"/>
+                        </a:solidFill>
+                        <a:latin typeface="Cambria Math" panose="02040503050406030204" pitchFamily="18" charset="0"/>
+                      </a:rPr>
+                      <m:t>𝑤</m:t>
+                    </m:r>
+                  </m:oMath>
+                </a14:m>
+                <a:r>
+                  <a:rPr lang="ko-KR" altLang="en-US" dirty="0" smtClean="0">
+                    <a:solidFill>
+                      <a:srgbClr val="3333FF"/>
+                    </a:solidFill>
+                  </a:rPr>
+                  <a:t> </a:t>
+                </a:r>
+                <a:r>
+                  <a:rPr lang="en-US" altLang="ko-KR" dirty="0" smtClean="0">
+                    <a:solidFill>
+                      <a:srgbClr val="3333FF"/>
+                    </a:solidFill>
+                  </a:rPr>
+                  <a:t>in the collimated beam</a:t>
+                </a:r>
+                <a:r>
+                  <a:rPr lang="en-US" altLang="ko-KR" dirty="0" smtClean="0"/>
+                  <a:t>.</a:t>
+                </a:r>
+                <a:r>
+                  <a:rPr lang="ko-KR" altLang="en-US" dirty="0" smtClean="0"/>
+                  <a:t> </a:t>
+                </a:r>
+                <a:endParaRPr lang="ko-KR" altLang="en-US" dirty="0">
+                  <a:solidFill>
+                    <a:schemeClr val="tx1"/>
+                  </a:solidFill>
+                </a:endParaRPr>
+              </a:p>
+            </p:txBody>
+          </p:sp>
+        </mc:Choice>
+        <mc:Fallback>
+          <p:sp>
+            <p:nvSpPr>
+              <p:cNvPr id="12" name="TextBox 11"/>
+              <p:cNvSpPr txBox="1">
+                <a:spLocks noRot="1" noChangeAspect="1" noMove="1" noResize="1" noEditPoints="1" noAdjustHandles="1" noChangeArrowheads="1" noChangeShapeType="1" noTextEdit="1"/>
+              </p:cNvSpPr>
+              <p:nvPr/>
+            </p:nvSpPr>
+            <p:spPr>
+              <a:xfrm>
+                <a:off x="345758" y="4829630"/>
+                <a:ext cx="8560849" cy="374526"/>
+              </a:xfrm>
+              <a:prstGeom prst="rect">
+                <a:avLst/>
+              </a:prstGeom>
+              <a:blipFill rotWithShape="0">
+                <a:blip r:embed="rId4"/>
+                <a:stretch>
+                  <a:fillRect l="-641" t="-8065" b="-22581"/>
+                </a:stretch>
+              </a:blipFill>
+            </p:spPr>
+            <p:txBody>
+              <a:bodyPr/>
+              <a:lstStyle/>
+              <a:p>
+                <a:r>
+                  <a:rPr lang="ko-KR" altLang="en-US">
+                    <a:noFill/>
+                  </a:rPr>
+                  <a:t> </a:t>
+                </a:r>
+              </a:p>
+            </p:txBody>
+          </p:sp>
+        </mc:Fallback>
+      </mc:AlternateContent>
+      <p:sp>
+        <p:nvSpPr>
+          <p:cNvPr id="11" name="날짜 개체 틀 10"/>
+          <p:cNvSpPr>
+            <a:spLocks noGrp="1"/>
+          </p:cNvSpPr>
+          <p:nvPr>
+            <p:ph type="dt" sz="half" idx="10"/>
+          </p:nvPr>
+        </p:nvSpPr>
+        <p:spPr/>
+        <p:txBody>
+          <a:bodyPr/>
+          <a:lstStyle/>
+          <a:p>
+            <a:fld id="{B675ED0F-AD16-46CF-A5E1-DDF428734767}" type="datetime1">
+              <a:rPr lang="ko-KR" altLang="en-US" smtClean="0"/>
+              <a:t>2018-03-12</a:t>
+            </a:fld>
+            <a:endParaRPr lang="ko-KR" altLang="en-US"/>
+          </a:p>
+        </p:txBody>
+      </p:sp>
+      <p:sp>
+        <p:nvSpPr>
+          <p:cNvPr id="13" name="슬라이드 번호 개체 틀 12"/>
+          <p:cNvSpPr>
+            <a:spLocks noGrp="1"/>
+          </p:cNvSpPr>
+          <p:nvPr>
+            <p:ph type="sldNum" sz="quarter" idx="12"/>
+          </p:nvPr>
+        </p:nvSpPr>
+        <p:spPr/>
+        <p:txBody>
+          <a:bodyPr/>
+          <a:lstStyle/>
+          <a:p>
+            <a:fld id="{8765F8EB-1186-4395-8E70-F957669279DD}" type="slidenum">
+              <a:rPr lang="ko-KR" altLang="en-US" smtClean="0"/>
+              <a:t>21</a:t>
+            </a:fld>
+            <a:endParaRPr lang="ko-KR" altLang="en-US"/>
+          </a:p>
+        </p:txBody>
+      </p:sp>
+      <p:sp>
+        <p:nvSpPr>
+          <p:cNvPr id="15" name="타원 14"/>
+          <p:cNvSpPr/>
+          <p:nvPr/>
+        </p:nvSpPr>
+        <p:spPr>
+          <a:xfrm>
+            <a:off x="8153582" y="6281297"/>
+            <a:ext cx="508049" cy="508049"/>
+          </a:xfrm>
+          <a:prstGeom prst="ellipse">
+            <a:avLst/>
+          </a:prstGeom>
+          <a:noFill/>
+          <a:ln w="57150">
+            <a:solidFill>
+              <a:srgbClr val="C00000"/>
+            </a:solidFill>
+          </a:ln>
+        </p:spPr>
+        <p:style>
+          <a:lnRef idx="2">
+            <a:schemeClr val="accent1">
+              <a:shade val="50000"/>
+            </a:schemeClr>
+          </a:lnRef>
+          <a:fillRef idx="1">
+            <a:schemeClr val="accent1"/>
+          </a:fillRef>
+          <a:effectRef idx="0">
+            <a:schemeClr val="accent1"/>
+          </a:effectRef>
+          <a:fontRef idx="minor">
+            <a:schemeClr val="lt1"/>
+          </a:fontRef>
+        </p:style>
+        <p:txBody>
+          <a:bodyPr rtlCol="0" anchor="ctr"/>
+          <a:lstStyle/>
+          <a:p>
+            <a:pPr algn="ctr"/>
+            <a:endParaRPr lang="ko-KR" altLang="en-US"/>
+          </a:p>
+        </p:txBody>
+      </p:sp>
     </p:spTree>
     <p:extLst>
       <p:ext uri="{BB962C8B-B14F-4D97-AF65-F5344CB8AC3E}">
-        <p14:creationId xmlns:p14="http://schemas.microsoft.com/office/powerpoint/2010/main" val="2202019002"/>
+        <p14:creationId xmlns:p14="http://schemas.microsoft.com/office/powerpoint/2010/main" val="1463509654"/>
       </p:ext>
     </p:extLst>
   </p:cSld>
@@ -14668,6 +16842,732 @@
           <a:p>
             <a:pPr algn="ctr"/>
             <a:r>
+              <a:rPr lang="en-US" altLang="ko-KR" sz="2700" dirty="0" smtClean="0">
+                <a:solidFill>
+                  <a:schemeClr val="bg1"/>
+                </a:solidFill>
+                <a:latin typeface="Arial" panose="020B0604020202020204" pitchFamily="34" charset="0"/>
+              </a:rPr>
+              <a:t>4.3 Loss: Absorption, Scattering, Diffraction</a:t>
+            </a:r>
+          </a:p>
+        </p:txBody>
+      </p:sp>
+      <p:sp>
+        <p:nvSpPr>
+          <p:cNvPr id="9" name="TextBox 8"/>
+          <p:cNvSpPr txBox="1"/>
+          <p:nvPr/>
+        </p:nvSpPr>
+        <p:spPr>
+          <a:xfrm>
+            <a:off x="345758" y="834251"/>
+            <a:ext cx="8560849" cy="646331"/>
+          </a:xfrm>
+          <a:prstGeom prst="rect">
+            <a:avLst/>
+          </a:prstGeom>
+          <a:noFill/>
+        </p:spPr>
+        <p:txBody>
+          <a:bodyPr wrap="square" rtlCol="0">
+            <a:spAutoFit/>
+          </a:bodyPr>
+          <a:lstStyle/>
+          <a:p>
+            <a:r>
+              <a:rPr lang="en-US" altLang="ko-KR" dirty="0" smtClean="0"/>
+              <a:t>Absorption is </a:t>
+            </a:r>
+            <a:r>
+              <a:rPr lang="en-US" altLang="ko-KR" dirty="0" smtClean="0">
+                <a:solidFill>
+                  <a:srgbClr val="3333FF"/>
+                </a:solidFill>
+              </a:rPr>
+              <a:t>an intrinsic property of the material</a:t>
+            </a:r>
+            <a:r>
+              <a:rPr lang="en-US" altLang="ko-KR" dirty="0" smtClean="0"/>
+              <a:t>, scattering and diffraction arise from </a:t>
+            </a:r>
+            <a:r>
+              <a:rPr lang="en-US" altLang="ko-KR" dirty="0" smtClean="0">
+                <a:solidFill>
+                  <a:srgbClr val="3333FF"/>
+                </a:solidFill>
+              </a:rPr>
+              <a:t>medium-scale material structure</a:t>
+            </a:r>
+            <a:r>
+              <a:rPr lang="en-US" altLang="ko-KR" dirty="0" smtClean="0"/>
+              <a:t>.</a:t>
+            </a:r>
+            <a:endParaRPr lang="ko-KR" altLang="en-US" dirty="0">
+              <a:solidFill>
+                <a:srgbClr val="3333FF"/>
+              </a:solidFill>
+            </a:endParaRPr>
+          </a:p>
+        </p:txBody>
+      </p:sp>
+      <p:pic>
+        <p:nvPicPr>
+          <p:cNvPr id="2" name="그림 1"/>
+          <p:cNvPicPr>
+            <a:picLocks noChangeAspect="1"/>
+          </p:cNvPicPr>
+          <p:nvPr/>
+        </p:nvPicPr>
+        <p:blipFill>
+          <a:blip r:embed="rId3"/>
+          <a:stretch>
+            <a:fillRect/>
+          </a:stretch>
+        </p:blipFill>
+        <p:spPr>
+          <a:xfrm>
+            <a:off x="1408414" y="1622683"/>
+            <a:ext cx="3392186" cy="2364677"/>
+          </a:xfrm>
+          <a:prstGeom prst="rect">
+            <a:avLst/>
+          </a:prstGeom>
+        </p:spPr>
+      </p:pic>
+      <p:sp>
+        <p:nvSpPr>
+          <p:cNvPr id="5" name="TextBox 4"/>
+          <p:cNvSpPr txBox="1"/>
+          <p:nvPr/>
+        </p:nvSpPr>
+        <p:spPr>
+          <a:xfrm>
+            <a:off x="4989159" y="1935224"/>
+            <a:ext cx="3561360" cy="923330"/>
+          </a:xfrm>
+          <a:prstGeom prst="rect">
+            <a:avLst/>
+          </a:prstGeom>
+          <a:noFill/>
+        </p:spPr>
+        <p:txBody>
+          <a:bodyPr wrap="none" rtlCol="0">
+            <a:spAutoFit/>
+          </a:bodyPr>
+          <a:lstStyle/>
+          <a:p>
+            <a:pPr marL="285750" indent="-285750">
+              <a:buFont typeface="Wingdings" panose="05000000000000000000" pitchFamily="2" charset="2"/>
+              <a:buChar char="è"/>
+            </a:pPr>
+            <a:r>
+              <a:rPr lang="en-US" altLang="ko-KR" dirty="0" err="1"/>
+              <a:t>Kramers-Krönig</a:t>
+            </a:r>
+            <a:r>
+              <a:rPr lang="en-US" altLang="ko-KR" dirty="0"/>
+              <a:t> </a:t>
+            </a:r>
+            <a:r>
+              <a:rPr lang="en-US" altLang="ko-KR" dirty="0" smtClean="0"/>
+              <a:t>relationship</a:t>
+            </a:r>
+            <a:endParaRPr lang="en-US" altLang="ko-KR" dirty="0" smtClean="0">
+              <a:sym typeface="Wingdings" panose="05000000000000000000" pitchFamily="2" charset="2"/>
+            </a:endParaRPr>
+          </a:p>
+          <a:p>
+            <a:pPr marL="285750" indent="-285750">
+              <a:buFont typeface="Wingdings" panose="05000000000000000000" pitchFamily="2" charset="2"/>
+              <a:buChar char="è"/>
+            </a:pPr>
+            <a:r>
+              <a:rPr lang="en-US" altLang="ko-KR" dirty="0" smtClean="0">
+                <a:sym typeface="Wingdings" panose="05000000000000000000" pitchFamily="2" charset="2"/>
+              </a:rPr>
+              <a:t>Resonant absorption peaks</a:t>
+            </a:r>
+          </a:p>
+          <a:p>
+            <a:r>
+              <a:rPr lang="en-US" altLang="ko-KR" dirty="0" smtClean="0">
+                <a:sym typeface="Wingdings" panose="05000000000000000000" pitchFamily="2" charset="2"/>
+              </a:rPr>
+              <a:t>      can be unambiguously identified</a:t>
+            </a:r>
+            <a:endParaRPr lang="ko-KR" altLang="en-US" dirty="0"/>
+          </a:p>
+        </p:txBody>
+      </p:sp>
+      <p:sp>
+        <p:nvSpPr>
+          <p:cNvPr id="11" name="TextBox 10"/>
+          <p:cNvSpPr txBox="1"/>
+          <p:nvPr/>
+        </p:nvSpPr>
+        <p:spPr>
+          <a:xfrm>
+            <a:off x="345758" y="3987360"/>
+            <a:ext cx="8560849" cy="646331"/>
+          </a:xfrm>
+          <a:prstGeom prst="rect">
+            <a:avLst/>
+          </a:prstGeom>
+          <a:noFill/>
+        </p:spPr>
+        <p:txBody>
+          <a:bodyPr wrap="square" rtlCol="0">
+            <a:spAutoFit/>
+          </a:bodyPr>
+          <a:lstStyle/>
+          <a:p>
+            <a:r>
+              <a:rPr lang="en-US" altLang="ko-KR" dirty="0" smtClean="0"/>
+              <a:t> The case that non-resonance absorption </a:t>
+            </a:r>
+            <a:r>
+              <a:rPr lang="en-US" altLang="ko-KR" dirty="0" smtClean="0">
+                <a:solidFill>
+                  <a:srgbClr val="3333FF"/>
+                </a:solidFill>
+              </a:rPr>
+              <a:t>cannot be reliably differentiated </a:t>
+            </a:r>
+            <a:r>
+              <a:rPr lang="en-US" altLang="ko-KR" dirty="0" smtClean="0"/>
+              <a:t>from scattering loss</a:t>
+            </a:r>
+            <a:endParaRPr lang="ko-KR" altLang="en-US" dirty="0">
+              <a:solidFill>
+                <a:srgbClr val="3333FF"/>
+              </a:solidFill>
+            </a:endParaRPr>
+          </a:p>
+        </p:txBody>
+      </p:sp>
+      <p:pic>
+        <p:nvPicPr>
+          <p:cNvPr id="10" name="그림 9"/>
+          <p:cNvPicPr>
+            <a:picLocks noChangeAspect="1"/>
+          </p:cNvPicPr>
+          <p:nvPr/>
+        </p:nvPicPr>
+        <p:blipFill>
+          <a:blip r:embed="rId4"/>
+          <a:stretch>
+            <a:fillRect/>
+          </a:stretch>
+        </p:blipFill>
+        <p:spPr>
+          <a:xfrm>
+            <a:off x="1084891" y="4319922"/>
+            <a:ext cx="3232936" cy="2183613"/>
+          </a:xfrm>
+          <a:prstGeom prst="rect">
+            <a:avLst/>
+          </a:prstGeom>
+        </p:spPr>
+      </p:pic>
+      <mc:AlternateContent xmlns:mc="http://schemas.openxmlformats.org/markup-compatibility/2006">
+        <mc:Choice xmlns:a14="http://schemas.microsoft.com/office/drawing/2010/main" Requires="a14">
+          <p:sp>
+            <p:nvSpPr>
+              <p:cNvPr id="12" name="TextBox 11"/>
+              <p:cNvSpPr txBox="1"/>
+              <p:nvPr/>
+            </p:nvSpPr>
+            <p:spPr>
+              <a:xfrm>
+                <a:off x="5149089" y="4488715"/>
+                <a:ext cx="2436436" cy="289951"/>
+              </a:xfrm>
+              <a:prstGeom prst="rect">
+                <a:avLst/>
+              </a:prstGeom>
+              <a:noFill/>
+            </p:spPr>
+            <p:txBody>
+              <a:bodyPr wrap="none" lIns="0" tIns="0" rIns="0" bIns="0" rtlCol="0">
+                <a:spAutoFit/>
+              </a:bodyPr>
+              <a:lstStyle/>
+              <a:p>
+                <a14:m>
+                  <m:oMathPara xmlns:m="http://schemas.openxmlformats.org/officeDocument/2006/math">
+                    <m:oMathParaPr>
+                      <m:jc m:val="centerGroup"/>
+                    </m:oMathParaPr>
+                    <m:oMath xmlns:m="http://schemas.openxmlformats.org/officeDocument/2006/math">
+                      <m:r>
+                        <a:rPr lang="en-US" altLang="ko-KR" b="0" i="1" smtClean="0">
+                          <a:latin typeface="Cambria Math" panose="02040503050406030204" pitchFamily="18" charset="0"/>
+                        </a:rPr>
+                        <m:t>𝛼</m:t>
+                      </m:r>
+                      <m:r>
+                        <a:rPr lang="en-US" altLang="ko-KR" b="0" i="1" smtClean="0">
+                          <a:latin typeface="Cambria Math" panose="02040503050406030204" pitchFamily="18" charset="0"/>
+                        </a:rPr>
+                        <m:t>=</m:t>
+                      </m:r>
+                      <m:r>
+                        <a:rPr lang="en-US" altLang="ko-KR" b="0" i="1" smtClean="0">
+                          <a:latin typeface="Cambria Math" panose="02040503050406030204" pitchFamily="18" charset="0"/>
+                        </a:rPr>
+                        <m:t>𝐵</m:t>
+                      </m:r>
+                      <m:sSup>
+                        <m:sSupPr>
+                          <m:ctrlPr>
+                            <a:rPr lang="en-US" altLang="ko-KR" b="0" i="1" smtClean="0">
+                              <a:latin typeface="Cambria Math" panose="02040503050406030204" pitchFamily="18" charset="0"/>
+                            </a:rPr>
+                          </m:ctrlPr>
+                        </m:sSupPr>
+                        <m:e>
+                          <m:r>
+                            <a:rPr lang="en-US" altLang="ko-KR" b="0" i="1" smtClean="0">
+                              <a:latin typeface="Cambria Math" panose="02040503050406030204" pitchFamily="18" charset="0"/>
+                            </a:rPr>
+                            <m:t>𝑓</m:t>
+                          </m:r>
+                        </m:e>
+                        <m:sup>
+                          <m:r>
+                            <a:rPr lang="en-US" altLang="ko-KR" b="0" i="1" smtClean="0">
+                              <a:latin typeface="Cambria Math" panose="02040503050406030204" pitchFamily="18" charset="0"/>
+                            </a:rPr>
+                            <m:t>𝛽</m:t>
+                          </m:r>
+                        </m:sup>
+                      </m:sSup>
+                      <m:r>
+                        <a:rPr lang="en-US" altLang="ko-KR" b="0" i="1" smtClean="0">
+                          <a:latin typeface="Cambria Math" panose="02040503050406030204" pitchFamily="18" charset="0"/>
+                        </a:rPr>
+                        <m:t>,  2&lt;</m:t>
+                      </m:r>
+                      <m:r>
+                        <a:rPr lang="en-US" altLang="ko-KR" b="0" i="1" smtClean="0">
+                          <a:latin typeface="Cambria Math" panose="02040503050406030204" pitchFamily="18" charset="0"/>
+                        </a:rPr>
+                        <m:t>𝛽</m:t>
+                      </m:r>
+                      <m:r>
+                        <a:rPr lang="en-US" altLang="ko-KR" b="0" i="1" smtClean="0">
+                          <a:latin typeface="Cambria Math" panose="02040503050406030204" pitchFamily="18" charset="0"/>
+                        </a:rPr>
+                        <m:t>&lt;4</m:t>
+                      </m:r>
+                    </m:oMath>
+                  </m:oMathPara>
+                </a14:m>
+                <a:endParaRPr lang="ko-KR" altLang="en-US" dirty="0"/>
+              </a:p>
+            </p:txBody>
+          </p:sp>
+        </mc:Choice>
+        <mc:Fallback>
+          <p:sp>
+            <p:nvSpPr>
+              <p:cNvPr id="12" name="TextBox 11"/>
+              <p:cNvSpPr txBox="1">
+                <a:spLocks noRot="1" noChangeAspect="1" noMove="1" noResize="1" noEditPoints="1" noAdjustHandles="1" noChangeArrowheads="1" noChangeShapeType="1" noTextEdit="1"/>
+              </p:cNvSpPr>
+              <p:nvPr/>
+            </p:nvSpPr>
+            <p:spPr>
+              <a:xfrm>
+                <a:off x="5149089" y="4488715"/>
+                <a:ext cx="2436436" cy="289951"/>
+              </a:xfrm>
+              <a:prstGeom prst="rect">
+                <a:avLst/>
+              </a:prstGeom>
+              <a:blipFill rotWithShape="0">
+                <a:blip r:embed="rId5"/>
+                <a:stretch>
+                  <a:fillRect l="-1003" t="-6250" r="-2005" b="-33333"/>
+                </a:stretch>
+              </a:blipFill>
+            </p:spPr>
+            <p:txBody>
+              <a:bodyPr/>
+              <a:lstStyle/>
+              <a:p>
+                <a:r>
+                  <a:rPr lang="ko-KR" altLang="en-US">
+                    <a:noFill/>
+                  </a:rPr>
+                  <a:t> </a:t>
+                </a:r>
+              </a:p>
+            </p:txBody>
+          </p:sp>
+        </mc:Fallback>
+      </mc:AlternateContent>
+      <mc:AlternateContent xmlns:mc="http://schemas.openxmlformats.org/markup-compatibility/2006">
+        <mc:Choice xmlns:a14="http://schemas.microsoft.com/office/drawing/2010/main" Requires="a14">
+          <p:sp>
+            <p:nvSpPr>
+              <p:cNvPr id="15" name="TextBox 14"/>
+              <p:cNvSpPr txBox="1"/>
+              <p:nvPr/>
+            </p:nvSpPr>
+            <p:spPr>
+              <a:xfrm>
+                <a:off x="5149089" y="4778666"/>
+                <a:ext cx="2182264" cy="276999"/>
+              </a:xfrm>
+              <a:prstGeom prst="rect">
+                <a:avLst/>
+              </a:prstGeom>
+              <a:noFill/>
+            </p:spPr>
+            <p:txBody>
+              <a:bodyPr wrap="none" lIns="0" tIns="0" rIns="0" bIns="0" rtlCol="0">
+                <a:spAutoFit/>
+              </a:bodyPr>
+              <a:lstStyle/>
+              <a:p>
+                <a14:m>
+                  <m:oMathPara xmlns:m="http://schemas.openxmlformats.org/officeDocument/2006/math">
+                    <m:oMathParaPr>
+                      <m:jc m:val="centerGroup"/>
+                    </m:oMathParaPr>
+                    <m:oMath xmlns:m="http://schemas.openxmlformats.org/officeDocument/2006/math">
+                      <m:r>
+                        <a:rPr lang="en-US" altLang="ko-KR" b="0" i="1" smtClean="0">
+                          <a:latin typeface="Cambria Math" panose="02040503050406030204" pitchFamily="18" charset="0"/>
+                        </a:rPr>
+                        <m:t>𝛼</m:t>
+                      </m:r>
+                      <m:r>
+                        <a:rPr lang="en-US" altLang="ko-KR" b="0" i="1" smtClean="0">
+                          <a:latin typeface="Cambria Math" panose="02040503050406030204" pitchFamily="18" charset="0"/>
+                        </a:rPr>
+                        <m:t>:</m:t>
+                      </m:r>
+                      <m:r>
+                        <m:rPr>
+                          <m:sty m:val="p"/>
+                        </m:rPr>
+                        <a:rPr lang="en-US" altLang="ko-KR" b="0" i="0" smtClean="0">
+                          <a:latin typeface="Cambria Math" panose="02040503050406030204" pitchFamily="18" charset="0"/>
+                        </a:rPr>
+                        <m:t>The</m:t>
+                      </m:r>
+                      <m:r>
+                        <a:rPr lang="en-US" altLang="ko-KR" b="0" i="0" smtClean="0">
+                          <a:latin typeface="Cambria Math" panose="02040503050406030204" pitchFamily="18" charset="0"/>
+                        </a:rPr>
+                        <m:t> </m:t>
+                      </m:r>
+                      <m:r>
+                        <m:rPr>
+                          <m:sty m:val="p"/>
+                        </m:rPr>
+                        <a:rPr lang="en-US" altLang="ko-KR" b="0" i="0" smtClean="0">
+                          <a:latin typeface="Cambria Math" panose="02040503050406030204" pitchFamily="18" charset="0"/>
+                        </a:rPr>
+                        <m:t>loss</m:t>
+                      </m:r>
+                      <m:r>
+                        <a:rPr lang="en-US" altLang="ko-KR" b="0" i="0" smtClean="0">
+                          <a:latin typeface="Cambria Math" panose="02040503050406030204" pitchFamily="18" charset="0"/>
+                        </a:rPr>
+                        <m:t> </m:t>
+                      </m:r>
+                      <m:r>
+                        <m:rPr>
+                          <m:sty m:val="p"/>
+                        </m:rPr>
+                        <a:rPr lang="en-US" altLang="ko-KR" b="0" i="0" smtClean="0">
+                          <a:latin typeface="Cambria Math" panose="02040503050406030204" pitchFamily="18" charset="0"/>
+                        </a:rPr>
+                        <m:t>coefficient</m:t>
+                      </m:r>
+                    </m:oMath>
+                  </m:oMathPara>
+                </a14:m>
+                <a:endParaRPr lang="ko-KR" altLang="en-US" dirty="0"/>
+              </a:p>
+            </p:txBody>
+          </p:sp>
+        </mc:Choice>
+        <mc:Fallback>
+          <p:sp>
+            <p:nvSpPr>
+              <p:cNvPr id="15" name="TextBox 14"/>
+              <p:cNvSpPr txBox="1">
+                <a:spLocks noRot="1" noChangeAspect="1" noMove="1" noResize="1" noEditPoints="1" noAdjustHandles="1" noChangeArrowheads="1" noChangeShapeType="1" noTextEdit="1"/>
+              </p:cNvSpPr>
+              <p:nvPr/>
+            </p:nvSpPr>
+            <p:spPr>
+              <a:xfrm>
+                <a:off x="5149089" y="4778666"/>
+                <a:ext cx="2182264" cy="276999"/>
+              </a:xfrm>
+              <a:prstGeom prst="rect">
+                <a:avLst/>
+              </a:prstGeom>
+              <a:blipFill rotWithShape="0">
+                <a:blip r:embed="rId6"/>
+                <a:stretch>
+                  <a:fillRect l="-1117" r="-2514" b="-8889"/>
+                </a:stretch>
+              </a:blipFill>
+            </p:spPr>
+            <p:txBody>
+              <a:bodyPr/>
+              <a:lstStyle/>
+              <a:p>
+                <a:r>
+                  <a:rPr lang="ko-KR" altLang="en-US">
+                    <a:noFill/>
+                  </a:rPr>
+                  <a:t> </a:t>
+                </a:r>
+              </a:p>
+            </p:txBody>
+          </p:sp>
+        </mc:Fallback>
+      </mc:AlternateContent>
+      <p:sp>
+        <p:nvSpPr>
+          <p:cNvPr id="16" name="TextBox 15"/>
+          <p:cNvSpPr txBox="1"/>
+          <p:nvPr/>
+        </p:nvSpPr>
+        <p:spPr>
+          <a:xfrm>
+            <a:off x="4571999" y="5089516"/>
+            <a:ext cx="3880411" cy="646331"/>
+          </a:xfrm>
+          <a:prstGeom prst="rect">
+            <a:avLst/>
+          </a:prstGeom>
+          <a:noFill/>
+        </p:spPr>
+        <p:txBody>
+          <a:bodyPr wrap="square" rtlCol="0">
+            <a:spAutoFit/>
+          </a:bodyPr>
+          <a:lstStyle/>
+          <a:p>
+            <a:r>
+              <a:rPr lang="en-US" altLang="ko-KR" dirty="0" smtClean="0"/>
+              <a:t>SiO</a:t>
+            </a:r>
+            <a:r>
+              <a:rPr lang="en-US" altLang="ko-KR" baseline="-25000" dirty="0" smtClean="0"/>
+              <a:t>2</a:t>
+            </a:r>
+            <a:r>
+              <a:rPr lang="en-US" altLang="ko-KR" dirty="0" smtClean="0"/>
+              <a:t> glass: absorption by charge defects</a:t>
+            </a:r>
+          </a:p>
+          <a:p>
+            <a:r>
+              <a:rPr lang="en-US" altLang="ko-KR" dirty="0" smtClean="0"/>
+              <a:t>BN</a:t>
+            </a:r>
+            <a:r>
+              <a:rPr lang="en-US" altLang="ko-KR" dirty="0" smtClean="0"/>
+              <a:t> ceramic: scattering</a:t>
+            </a:r>
+            <a:endParaRPr lang="ko-KR" altLang="en-US" baseline="-25000" dirty="0">
+              <a:solidFill>
+                <a:srgbClr val="3333FF"/>
+              </a:solidFill>
+            </a:endParaRPr>
+          </a:p>
+        </p:txBody>
+      </p:sp>
+      <p:sp>
+        <p:nvSpPr>
+          <p:cNvPr id="13" name="날짜 개체 틀 12"/>
+          <p:cNvSpPr>
+            <a:spLocks noGrp="1"/>
+          </p:cNvSpPr>
+          <p:nvPr>
+            <p:ph type="dt" sz="half" idx="10"/>
+          </p:nvPr>
+        </p:nvSpPr>
+        <p:spPr/>
+        <p:txBody>
+          <a:bodyPr/>
+          <a:lstStyle/>
+          <a:p>
+            <a:fld id="{76BFC201-7698-4709-9ED8-C40796827A90}" type="datetime1">
+              <a:rPr lang="ko-KR" altLang="en-US" smtClean="0"/>
+              <a:t>2018-03-12</a:t>
+            </a:fld>
+            <a:endParaRPr lang="ko-KR" altLang="en-US"/>
+          </a:p>
+        </p:txBody>
+      </p:sp>
+      <p:sp>
+        <p:nvSpPr>
+          <p:cNvPr id="17" name="슬라이드 번호 개체 틀 16"/>
+          <p:cNvSpPr>
+            <a:spLocks noGrp="1"/>
+          </p:cNvSpPr>
+          <p:nvPr>
+            <p:ph type="sldNum" sz="quarter" idx="12"/>
+          </p:nvPr>
+        </p:nvSpPr>
+        <p:spPr/>
+        <p:txBody>
+          <a:bodyPr/>
+          <a:lstStyle/>
+          <a:p>
+            <a:fld id="{8765F8EB-1186-4395-8E70-F957669279DD}" type="slidenum">
+              <a:rPr lang="ko-KR" altLang="en-US" smtClean="0"/>
+              <a:t>22</a:t>
+            </a:fld>
+            <a:endParaRPr lang="ko-KR" altLang="en-US"/>
+          </a:p>
+        </p:txBody>
+      </p:sp>
+      <p:sp>
+        <p:nvSpPr>
+          <p:cNvPr id="19" name="타원 18"/>
+          <p:cNvSpPr/>
+          <p:nvPr/>
+        </p:nvSpPr>
+        <p:spPr>
+          <a:xfrm>
+            <a:off x="8153582" y="6281297"/>
+            <a:ext cx="508049" cy="508049"/>
+          </a:xfrm>
+          <a:prstGeom prst="ellipse">
+            <a:avLst/>
+          </a:prstGeom>
+          <a:noFill/>
+          <a:ln w="57150">
+            <a:solidFill>
+              <a:srgbClr val="C00000"/>
+            </a:solidFill>
+          </a:ln>
+        </p:spPr>
+        <p:style>
+          <a:lnRef idx="2">
+            <a:schemeClr val="accent1">
+              <a:shade val="50000"/>
+            </a:schemeClr>
+          </a:lnRef>
+          <a:fillRef idx="1">
+            <a:schemeClr val="accent1"/>
+          </a:fillRef>
+          <a:effectRef idx="0">
+            <a:schemeClr val="accent1"/>
+          </a:effectRef>
+          <a:fontRef idx="minor">
+            <a:schemeClr val="lt1"/>
+          </a:fontRef>
+        </p:style>
+        <p:txBody>
+          <a:bodyPr rtlCol="0" anchor="ctr"/>
+          <a:lstStyle/>
+          <a:p>
+            <a:pPr algn="ctr"/>
+            <a:endParaRPr lang="ko-KR" altLang="en-US"/>
+          </a:p>
+        </p:txBody>
+      </p:sp>
+    </p:spTree>
+    <p:extLst>
+      <p:ext uri="{BB962C8B-B14F-4D97-AF65-F5344CB8AC3E}">
+        <p14:creationId xmlns:p14="http://schemas.microsoft.com/office/powerpoint/2010/main" val="2202019002"/>
+      </p:ext>
+    </p:extLst>
+  </p:cSld>
+  <p:clrMapOvr>
+    <a:masterClrMapping/>
+  </p:clrMapOvr>
+  <p:timing>
+    <p:tnLst>
+      <p:par>
+        <p:cTn id="1" dur="indefinite" restart="never" nodeType="tmRoot"/>
+      </p:par>
+    </p:tnLst>
+  </p:timing>
+</p:sld>
+</file>
+
+<file path=ppt/slides/slide23.xml><?xml version="1.0" encoding="utf-8"?>
+<p:sld xmlns:a="http://schemas.openxmlformats.org/drawingml/2006/main" xmlns:r="http://schemas.openxmlformats.org/officeDocument/2006/relationships" xmlns:p="http://schemas.openxmlformats.org/presentationml/2006/main">
+  <p:cSld>
+    <p:spTree>
+      <p:nvGrpSpPr>
+        <p:cNvPr id="1" name=""/>
+        <p:cNvGrpSpPr/>
+        <p:nvPr/>
+      </p:nvGrpSpPr>
+      <p:grpSpPr>
+        <a:xfrm>
+          <a:off x="0" y="0"/>
+          <a:ext cx="0" cy="0"/>
+          <a:chOff x="0" y="0"/>
+          <a:chExt cx="0" cy="0"/>
+        </a:xfrm>
+      </p:grpSpPr>
+      <p:sp>
+        <p:nvSpPr>
+          <p:cNvPr id="6199" name="Rectangle 55"/>
+          <p:cNvSpPr>
+            <a:spLocks noChangeArrowheads="1"/>
+          </p:cNvSpPr>
+          <p:nvPr/>
+        </p:nvSpPr>
+        <p:spPr bwMode="auto">
+          <a:xfrm>
+            <a:off x="0" y="0"/>
+            <a:ext cx="9144000" cy="692150"/>
+          </a:xfrm>
+          <a:prstGeom prst="rect">
+            <a:avLst/>
+          </a:prstGeom>
+          <a:solidFill>
+            <a:srgbClr val="3333FF"/>
+          </a:solidFill>
+          <a:ln>
+            <a:noFill/>
+          </a:ln>
+          <a:effectLst/>
+          <a:extLst>
+            <a:ext uri="{91240B29-F687-4F45-9708-019B960494DF}">
+              <a14:hiddenLine xmlns:a14="http://schemas.microsoft.com/office/drawing/2010/main" w="9525">
+                <a:solidFill>
+                  <a:schemeClr val="tx1"/>
+                </a:solidFill>
+                <a:miter lim="800000"/>
+                <a:headEnd/>
+                <a:tailEnd/>
+              </a14:hiddenLine>
+            </a:ext>
+            <a:ext uri="{AF507438-7753-43E0-B8FC-AC1667EBCBE1}">
+              <a14:hiddenEffects xmlns:a14="http://schemas.microsoft.com/office/drawing/2010/main">
+                <a:effectLst>
+                  <a:outerShdw dist="35921" dir="2700000" algn="ctr" rotWithShape="0">
+                    <a:schemeClr val="bg2"/>
+                  </a:outerShdw>
+                </a:effectLst>
+              </a14:hiddenEffects>
+            </a:ext>
+          </a:extLst>
+        </p:spPr>
+        <p:txBody>
+          <a:bodyPr wrap="none" anchor="ctr"/>
+          <a:lstStyle/>
+          <a:p>
+            <a:pPr algn="ctr"/>
+            <a:r>
               <a:rPr lang="en-US" altLang="ko-KR" sz="2800" dirty="0" smtClean="0">
                 <a:solidFill>
                   <a:schemeClr val="bg1"/>
@@ -14694,7 +17594,7 @@
         <p:spPr>
           <a:xfrm>
             <a:off x="268165" y="1362807"/>
-            <a:ext cx="8607669" cy="4524315"/>
+            <a:ext cx="8607669" cy="5355312"/>
           </a:xfrm>
           <a:prstGeom prst="rect">
             <a:avLst/>
@@ -14765,7 +17665,184 @@
                 <a:latin typeface="Times New Roman" panose="02020603050405020304" pitchFamily="18" charset="0"/>
                 <a:cs typeface="Times New Roman" panose="02020603050405020304" pitchFamily="18" charset="0"/>
               </a:rPr>
-              <a:t>, Vol. 18, No. 7, 2001, pp. 1562-1571</a:t>
+              <a:t>, Vol. 18, No. 7, 2001, pp. 1562-1571.</a:t>
+            </a:r>
+          </a:p>
+          <a:p>
+            <a:pPr marL="285750" indent="-285750">
+              <a:buFont typeface="Arial" panose="020B0604020202020204" pitchFamily="34" charset="0"/>
+              <a:buChar char="•"/>
+            </a:pPr>
+            <a:r>
+              <a:rPr lang="en-US" altLang="ko-KR" dirty="0">
+                <a:latin typeface="Times New Roman" panose="02020603050405020304" pitchFamily="18" charset="0"/>
+                <a:cs typeface="Times New Roman" panose="02020603050405020304" pitchFamily="18" charset="0"/>
+              </a:rPr>
+              <a:t>Fischer, B. M., M. Hoffmann, and P. U. </a:t>
+            </a:r>
+            <a:r>
+              <a:rPr lang="en-US" altLang="ko-KR" dirty="0" err="1">
+                <a:latin typeface="Times New Roman" panose="02020603050405020304" pitchFamily="18" charset="0"/>
+                <a:cs typeface="Times New Roman" panose="02020603050405020304" pitchFamily="18" charset="0"/>
+              </a:rPr>
+              <a:t>Jepsen</a:t>
+            </a:r>
+            <a:r>
+              <a:rPr lang="en-US" altLang="ko-KR" dirty="0">
+                <a:latin typeface="Times New Roman" panose="02020603050405020304" pitchFamily="18" charset="0"/>
+                <a:cs typeface="Times New Roman" panose="02020603050405020304" pitchFamily="18" charset="0"/>
+              </a:rPr>
+              <a:t>, “Dynamic Range and Numerical Error Propagation in Terahertz Time-Domain Spectroscopy,” in </a:t>
+            </a:r>
+            <a:r>
+              <a:rPr lang="en-US" altLang="ko-KR" i="1" dirty="0">
+                <a:latin typeface="Times New Roman" panose="02020603050405020304" pitchFamily="18" charset="0"/>
+                <a:cs typeface="Times New Roman" panose="02020603050405020304" pitchFamily="18" charset="0"/>
+              </a:rPr>
+              <a:t>Optical Terahertz Science and Technology, Technical Digest (CD). </a:t>
+            </a:r>
+            <a:r>
+              <a:rPr lang="en-US" altLang="ko-KR" dirty="0">
+                <a:latin typeface="Times New Roman" panose="02020603050405020304" pitchFamily="18" charset="0"/>
+                <a:cs typeface="Times New Roman" panose="02020603050405020304" pitchFamily="18" charset="0"/>
+              </a:rPr>
+              <a:t>Optical Society of America, 2005, paper TuD1.</a:t>
+            </a:r>
+          </a:p>
+          <a:p>
+            <a:pPr marL="285750" indent="-285750">
+              <a:buFont typeface="Arial" panose="020B0604020202020204" pitchFamily="34" charset="0"/>
+              <a:buChar char="•"/>
+            </a:pPr>
+            <a:r>
+              <a:rPr lang="en-US" altLang="ko-KR" dirty="0">
+                <a:latin typeface="Times New Roman" panose="02020603050405020304" pitchFamily="18" charset="0"/>
+                <a:cs typeface="Times New Roman" panose="02020603050405020304" pitchFamily="18" charset="0"/>
+              </a:rPr>
+              <a:t>Ferguson, B., and D. Abbott, “De-Noising Techniques for Terahertz Responses of Biological Samples,” </a:t>
+            </a:r>
+            <a:r>
+              <a:rPr lang="en-US" altLang="ko-KR" i="1" dirty="0">
+                <a:latin typeface="Times New Roman" panose="02020603050405020304" pitchFamily="18" charset="0"/>
+                <a:cs typeface="Times New Roman" panose="02020603050405020304" pitchFamily="18" charset="0"/>
+              </a:rPr>
+              <a:t>Microelectronics Journal</a:t>
+            </a:r>
+            <a:r>
+              <a:rPr lang="en-US" altLang="ko-KR" dirty="0">
+                <a:latin typeface="Times New Roman" panose="02020603050405020304" pitchFamily="18" charset="0"/>
+                <a:cs typeface="Times New Roman" panose="02020603050405020304" pitchFamily="18" charset="0"/>
+              </a:rPr>
+              <a:t>, Vol. 32, No. 12, 2001, pp. 943-953.</a:t>
+            </a:r>
+          </a:p>
+          <a:p>
+            <a:pPr marL="285750" indent="-285750">
+              <a:buFont typeface="Arial" panose="020B0604020202020204" pitchFamily="34" charset="0"/>
+              <a:buChar char="•"/>
+            </a:pPr>
+            <a:r>
+              <a:rPr lang="en-US" altLang="ko-KR" dirty="0" err="1" smtClean="0">
+                <a:latin typeface="Times New Roman" panose="02020603050405020304" pitchFamily="18" charset="0"/>
+                <a:cs typeface="Times New Roman" panose="02020603050405020304" pitchFamily="18" charset="0"/>
+              </a:rPr>
+              <a:t>Gatesman</a:t>
+            </a:r>
+            <a:r>
+              <a:rPr lang="en-US" altLang="ko-KR" dirty="0" smtClean="0">
+                <a:latin typeface="Times New Roman" panose="02020603050405020304" pitchFamily="18" charset="0"/>
+                <a:cs typeface="Times New Roman" panose="02020603050405020304" pitchFamily="18" charset="0"/>
+              </a:rPr>
+              <a:t>, A. J., R. H. Giles, and J. Waldman, “High-Precision Reflectometer for Submillimeter wavelength,” </a:t>
+            </a:r>
+            <a:r>
+              <a:rPr lang="en-US" altLang="ko-KR" i="1" dirty="0" smtClean="0">
+                <a:latin typeface="Times New Roman" panose="02020603050405020304" pitchFamily="18" charset="0"/>
+                <a:cs typeface="Times New Roman" panose="02020603050405020304" pitchFamily="18" charset="0"/>
+              </a:rPr>
+              <a:t>Journal of the Optical Society of America B: Optical Physics</a:t>
+            </a:r>
+            <a:r>
+              <a:rPr lang="en-US" altLang="ko-KR" dirty="0" smtClean="0">
+                <a:latin typeface="Times New Roman" panose="02020603050405020304" pitchFamily="18" charset="0"/>
+                <a:cs typeface="Times New Roman" panose="02020603050405020304" pitchFamily="18" charset="0"/>
+              </a:rPr>
+              <a:t>, Vol. 12, No. 2, 1995, pp. 212-219.</a:t>
+            </a:r>
+          </a:p>
+          <a:p>
+            <a:pPr marL="285750" indent="-285750">
+              <a:buFont typeface="Arial" panose="020B0604020202020204" pitchFamily="34" charset="0"/>
+              <a:buChar char="•"/>
+            </a:pPr>
+            <a:r>
+              <a:rPr lang="en-US" altLang="ko-KR" dirty="0" err="1" smtClean="0">
+                <a:latin typeface="Times New Roman" panose="02020603050405020304" pitchFamily="18" charset="0"/>
+                <a:cs typeface="Times New Roman" panose="02020603050405020304" pitchFamily="18" charset="0"/>
+              </a:rPr>
+              <a:t>Møller</a:t>
+            </a:r>
+            <a:r>
+              <a:rPr lang="en-US" altLang="ko-KR" dirty="0" smtClean="0">
+                <a:latin typeface="Times New Roman" panose="02020603050405020304" pitchFamily="18" charset="0"/>
+                <a:cs typeface="Times New Roman" panose="02020603050405020304" pitchFamily="18" charset="0"/>
+              </a:rPr>
+              <a:t>, U., et al., “Terahertz Reflection Spectroscopy of Debye Relaxation in Polar Liquids,” </a:t>
+            </a:r>
+            <a:r>
+              <a:rPr lang="en-US" altLang="ko-KR" i="1" dirty="0" smtClean="0">
+                <a:latin typeface="Times New Roman" panose="02020603050405020304" pitchFamily="18" charset="0"/>
+                <a:cs typeface="Times New Roman" panose="02020603050405020304" pitchFamily="18" charset="0"/>
+              </a:rPr>
+              <a:t>JOSA B</a:t>
+            </a:r>
+            <a:r>
+              <a:rPr lang="en-US" altLang="ko-KR" dirty="0" smtClean="0">
+                <a:latin typeface="Times New Roman" panose="02020603050405020304" pitchFamily="18" charset="0"/>
+                <a:cs typeface="Times New Roman" panose="02020603050405020304" pitchFamily="18" charset="0"/>
+              </a:rPr>
+              <a:t>, Vol. 26, No. 9, 2009, pp. A113-A125.</a:t>
+            </a:r>
+          </a:p>
+          <a:p>
+            <a:pPr marL="285750" indent="-285750">
+              <a:buFont typeface="Arial" panose="020B0604020202020204" pitchFamily="34" charset="0"/>
+              <a:buChar char="•"/>
+            </a:pPr>
+            <a:r>
+              <a:rPr lang="en-US" altLang="ko-KR" dirty="0" smtClean="0">
+                <a:latin typeface="Times New Roman" panose="02020603050405020304" pitchFamily="18" charset="0"/>
+                <a:cs typeface="Times New Roman" panose="02020603050405020304" pitchFamily="18" charset="0"/>
+              </a:rPr>
+              <a:t>Nagai, </a:t>
+            </a:r>
+            <a:r>
+              <a:rPr lang="en-US" altLang="ko-KR" dirty="0" err="1" smtClean="0">
+                <a:latin typeface="Times New Roman" panose="02020603050405020304" pitchFamily="18" charset="0"/>
+                <a:cs typeface="Times New Roman" panose="02020603050405020304" pitchFamily="18" charset="0"/>
+              </a:rPr>
+              <a:t>M.m</a:t>
+            </a:r>
+            <a:r>
+              <a:rPr lang="en-US" altLang="ko-KR" dirty="0" smtClean="0">
+                <a:latin typeface="Times New Roman" panose="02020603050405020304" pitchFamily="18" charset="0"/>
+                <a:cs typeface="Times New Roman" panose="02020603050405020304" pitchFamily="18" charset="0"/>
+              </a:rPr>
+              <a:t> et al, “Terahertz Time-Domain Attenuated Total Reflection Spectroscopy in Water and Biological Solution,” </a:t>
+            </a:r>
+            <a:r>
+              <a:rPr lang="en-US" altLang="ko-KR" i="1" dirty="0" smtClean="0">
+                <a:latin typeface="Times New Roman" panose="02020603050405020304" pitchFamily="18" charset="0"/>
+                <a:cs typeface="Times New Roman" panose="02020603050405020304" pitchFamily="18" charset="0"/>
+              </a:rPr>
+              <a:t>International Journal of Infrared and Millimeter Waves</a:t>
+            </a:r>
+            <a:r>
+              <a:rPr lang="en-US" altLang="ko-KR" dirty="0" smtClean="0">
+                <a:latin typeface="Times New Roman" panose="02020603050405020304" pitchFamily="18" charset="0"/>
+                <a:cs typeface="Times New Roman" panose="02020603050405020304" pitchFamily="18" charset="0"/>
+              </a:rPr>
+              <a:t>, Vol. 27, No. 4, 2006, pp. 505-515</a:t>
             </a:r>
             <a:r>
               <a:rPr lang="en-US" altLang="ko-KR" dirty="0" smtClean="0">
@@ -14781,187 +17858,97 @@
               <a:buChar char="•"/>
             </a:pPr>
             <a:r>
-              <a:rPr lang="en-US" altLang="ko-KR" dirty="0">
-                <a:latin typeface="Times New Roman" panose="02020603050405020304" pitchFamily="18" charset="0"/>
-                <a:cs typeface="Times New Roman" panose="02020603050405020304" pitchFamily="18" charset="0"/>
-              </a:rPr>
-              <a:t>Fischer, B. M., M. Hoffmann, and P. U. </a:t>
-            </a:r>
-            <a:r>
-              <a:rPr lang="en-US" altLang="ko-KR" dirty="0" err="1">
-                <a:latin typeface="Times New Roman" panose="02020603050405020304" pitchFamily="18" charset="0"/>
-                <a:cs typeface="Times New Roman" panose="02020603050405020304" pitchFamily="18" charset="0"/>
-              </a:rPr>
-              <a:t>Jepsen</a:t>
-            </a:r>
-            <a:r>
-              <a:rPr lang="en-US" altLang="ko-KR" dirty="0">
-                <a:latin typeface="Times New Roman" panose="02020603050405020304" pitchFamily="18" charset="0"/>
-                <a:cs typeface="Times New Roman" panose="02020603050405020304" pitchFamily="18" charset="0"/>
-              </a:rPr>
-              <a:t>, “Dynamic Range and Numerical Error Propagation in Terahertz Time-Domain Spectroscopy,” in </a:t>
-            </a:r>
-            <a:r>
-              <a:rPr lang="en-US" altLang="ko-KR" i="1" dirty="0">
-                <a:latin typeface="Times New Roman" panose="02020603050405020304" pitchFamily="18" charset="0"/>
-                <a:cs typeface="Times New Roman" panose="02020603050405020304" pitchFamily="18" charset="0"/>
-              </a:rPr>
-              <a:t>Optical Terahertz Science and Technology, Technical Digest (CD). </a:t>
-            </a:r>
-            <a:r>
-              <a:rPr lang="en-US" altLang="ko-KR" dirty="0">
-                <a:latin typeface="Times New Roman" panose="02020603050405020304" pitchFamily="18" charset="0"/>
-                <a:cs typeface="Times New Roman" panose="02020603050405020304" pitchFamily="18" charset="0"/>
-              </a:rPr>
-              <a:t>Optical Society of America, 2005, paper TuD1.</a:t>
-            </a:r>
-          </a:p>
-          <a:p>
-            <a:pPr marL="285750" indent="-285750">
-              <a:buFont typeface="Arial" panose="020B0604020202020204" pitchFamily="34" charset="0"/>
-              <a:buChar char="•"/>
-            </a:pPr>
-            <a:r>
-              <a:rPr lang="en-US" altLang="ko-KR" dirty="0">
-                <a:latin typeface="Times New Roman" panose="02020603050405020304" pitchFamily="18" charset="0"/>
-                <a:cs typeface="Times New Roman" panose="02020603050405020304" pitchFamily="18" charset="0"/>
-              </a:rPr>
-              <a:t>Ferguson, B., and D. Abbott, “De-Noising Techniques for Terahertz Responses of Biological Samples,” </a:t>
-            </a:r>
-            <a:r>
-              <a:rPr lang="en-US" altLang="ko-KR" i="1" dirty="0">
-                <a:latin typeface="Times New Roman" panose="02020603050405020304" pitchFamily="18" charset="0"/>
-                <a:cs typeface="Times New Roman" panose="02020603050405020304" pitchFamily="18" charset="0"/>
-              </a:rPr>
-              <a:t>Microelectronics Journal</a:t>
-            </a:r>
-            <a:r>
-              <a:rPr lang="en-US" altLang="ko-KR" dirty="0">
-                <a:latin typeface="Times New Roman" panose="02020603050405020304" pitchFamily="18" charset="0"/>
-                <a:cs typeface="Times New Roman" panose="02020603050405020304" pitchFamily="18" charset="0"/>
-              </a:rPr>
-              <a:t>, Vol. 32, No. 12, 2001, pp. 943-953.</a:t>
-            </a:r>
-          </a:p>
-          <a:p>
-            <a:pPr marL="285750" indent="-285750">
-              <a:buFont typeface="Arial" panose="020B0604020202020204" pitchFamily="34" charset="0"/>
-              <a:buChar char="•"/>
-            </a:pPr>
-            <a:r>
               <a:rPr lang="en-US" altLang="ko-KR" dirty="0" err="1" smtClean="0">
                 <a:latin typeface="Times New Roman" panose="02020603050405020304" pitchFamily="18" charset="0"/>
                 <a:cs typeface="Times New Roman" panose="02020603050405020304" pitchFamily="18" charset="0"/>
               </a:rPr>
-              <a:t>Gatesman</a:t>
+              <a:t>Withayachumnankul</a:t>
             </a:r>
             <a:r>
               <a:rPr lang="en-US" altLang="ko-KR" dirty="0" smtClean="0">
                 <a:latin typeface="Times New Roman" panose="02020603050405020304" pitchFamily="18" charset="0"/>
                 <a:cs typeface="Times New Roman" panose="02020603050405020304" pitchFamily="18" charset="0"/>
               </a:rPr>
-              <a:t>, A. J., R. H. Giles, and J. Waldman, “High-Precision Reflectometer for Submillimeter wavelength,” </a:t>
+              <a:t>, W., et al., “Limitation in Thin-Film Sensing with </a:t>
+            </a:r>
+            <a:r>
+              <a:rPr lang="en-US" altLang="ko-KR" dirty="0" err="1" smtClean="0">
+                <a:latin typeface="Times New Roman" panose="02020603050405020304" pitchFamily="18" charset="0"/>
+                <a:cs typeface="Times New Roman" panose="02020603050405020304" pitchFamily="18" charset="0"/>
+              </a:rPr>
+              <a:t>Tranmissin</a:t>
+            </a:r>
+            <a:r>
+              <a:rPr lang="en-US" altLang="ko-KR" dirty="0" smtClean="0">
+                <a:latin typeface="Times New Roman" panose="02020603050405020304" pitchFamily="18" charset="0"/>
+                <a:cs typeface="Times New Roman" panose="02020603050405020304" pitchFamily="18" charset="0"/>
+              </a:rPr>
+              <a:t>-Mode Terahertz Time-Domain Spectroscopy,” </a:t>
             </a:r>
             <a:r>
               <a:rPr lang="en-US" altLang="ko-KR" i="1" dirty="0" smtClean="0">
                 <a:latin typeface="Times New Roman" panose="02020603050405020304" pitchFamily="18" charset="0"/>
                 <a:cs typeface="Times New Roman" panose="02020603050405020304" pitchFamily="18" charset="0"/>
               </a:rPr>
-              <a:t>Journal of the Optical Society of America B: Optical Physics</a:t>
+              <a:t>Optics Express</a:t>
             </a:r>
             <a:r>
               <a:rPr lang="en-US" altLang="ko-KR" dirty="0" smtClean="0">
                 <a:latin typeface="Times New Roman" panose="02020603050405020304" pitchFamily="18" charset="0"/>
                 <a:cs typeface="Times New Roman" panose="02020603050405020304" pitchFamily="18" charset="0"/>
               </a:rPr>
-              <a:t>, Vol. 12, No. 2, 1995, pp. 212-219.</a:t>
-            </a:r>
-          </a:p>
-          <a:p>
-            <a:pPr marL="285750" indent="-285750">
-              <a:buFont typeface="Arial" panose="020B0604020202020204" pitchFamily="34" charset="0"/>
-              <a:buChar char="•"/>
-            </a:pPr>
-            <a:r>
-              <a:rPr lang="en-US" altLang="ko-KR" dirty="0" err="1" smtClean="0">
-                <a:latin typeface="Times New Roman" panose="02020603050405020304" pitchFamily="18" charset="0"/>
-                <a:cs typeface="Times New Roman" panose="02020603050405020304" pitchFamily="18" charset="0"/>
-              </a:rPr>
-              <a:t>Møller</a:t>
-            </a:r>
-            <a:r>
-              <a:rPr lang="en-US" altLang="ko-KR" dirty="0" smtClean="0">
-                <a:latin typeface="Times New Roman" panose="02020603050405020304" pitchFamily="18" charset="0"/>
-                <a:cs typeface="Times New Roman" panose="02020603050405020304" pitchFamily="18" charset="0"/>
-              </a:rPr>
-              <a:t>, U., et al., “Terahertz Reflection Spectroscopy of Debye Relaxation in Polar Liquids,” </a:t>
-            </a:r>
-            <a:r>
-              <a:rPr lang="en-US" altLang="ko-KR" i="1" dirty="0" smtClean="0">
-                <a:latin typeface="Times New Roman" panose="02020603050405020304" pitchFamily="18" charset="0"/>
-                <a:cs typeface="Times New Roman" panose="02020603050405020304" pitchFamily="18" charset="0"/>
-              </a:rPr>
-              <a:t>JOSA B</a:t>
-            </a:r>
-            <a:r>
-              <a:rPr lang="en-US" altLang="ko-KR" dirty="0" smtClean="0">
-                <a:latin typeface="Times New Roman" panose="02020603050405020304" pitchFamily="18" charset="0"/>
-                <a:cs typeface="Times New Roman" panose="02020603050405020304" pitchFamily="18" charset="0"/>
-              </a:rPr>
-              <a:t>, Vol. 26, No. 9, 2009, pp. A113-A125.</a:t>
-            </a:r>
-          </a:p>
-          <a:p>
-            <a:pPr marL="285750" indent="-285750">
-              <a:buFont typeface="Arial" panose="020B0604020202020204" pitchFamily="34" charset="0"/>
-              <a:buChar char="•"/>
-            </a:pPr>
-            <a:r>
-              <a:rPr lang="en-US" altLang="ko-KR" dirty="0" smtClean="0">
-                <a:latin typeface="Times New Roman" panose="02020603050405020304" pitchFamily="18" charset="0"/>
-                <a:cs typeface="Times New Roman" panose="02020603050405020304" pitchFamily="18" charset="0"/>
-              </a:rPr>
-              <a:t>Nagai, </a:t>
-            </a:r>
-            <a:r>
-              <a:rPr lang="en-US" altLang="ko-KR" dirty="0" err="1" smtClean="0">
-                <a:latin typeface="Times New Roman" panose="02020603050405020304" pitchFamily="18" charset="0"/>
-                <a:cs typeface="Times New Roman" panose="02020603050405020304" pitchFamily="18" charset="0"/>
-              </a:rPr>
-              <a:t>M.m</a:t>
-            </a:r>
-            <a:r>
-              <a:rPr lang="en-US" altLang="ko-KR" dirty="0" smtClean="0">
-                <a:latin typeface="Times New Roman" panose="02020603050405020304" pitchFamily="18" charset="0"/>
-                <a:cs typeface="Times New Roman" panose="02020603050405020304" pitchFamily="18" charset="0"/>
-              </a:rPr>
-              <a:t> et al, “Terahertz Time-Domain Attenuated Total Reflection Spectroscopy in Water and Biological Solution,” </a:t>
-            </a:r>
-            <a:r>
-              <a:rPr lang="en-US" altLang="ko-KR" i="1" dirty="0" smtClean="0">
-                <a:latin typeface="Times New Roman" panose="02020603050405020304" pitchFamily="18" charset="0"/>
-                <a:cs typeface="Times New Roman" panose="02020603050405020304" pitchFamily="18" charset="0"/>
-              </a:rPr>
-              <a:t>International Journal of Infrared and Millimeter Waves</a:t>
-            </a:r>
-            <a:r>
-              <a:rPr lang="en-US" altLang="ko-KR" dirty="0" smtClean="0">
-                <a:latin typeface="Times New Roman" panose="02020603050405020304" pitchFamily="18" charset="0"/>
-                <a:cs typeface="Times New Roman" panose="02020603050405020304" pitchFamily="18" charset="0"/>
-              </a:rPr>
-              <a:t>, Vol. 27, No. 4, 2006, pp. 505-515</a:t>
-            </a:r>
-            <a:r>
-              <a:rPr lang="en-US" altLang="ko-KR" dirty="0" smtClean="0">
-                <a:latin typeface="Times New Roman" panose="02020603050405020304" pitchFamily="18" charset="0"/>
-                <a:cs typeface="Times New Roman" panose="02020603050405020304" pitchFamily="18" charset="0"/>
-              </a:rPr>
-              <a:t>.</a:t>
+              <a:t>, Vol. 22, No. 1, 2014, pp. 972-986.</a:t>
             </a:r>
             <a:endParaRPr lang="en-US" altLang="ko-KR" dirty="0" smtClean="0">
               <a:latin typeface="Times New Roman" panose="02020603050405020304" pitchFamily="18" charset="0"/>
               <a:cs typeface="Times New Roman" panose="02020603050405020304" pitchFamily="18" charset="0"/>
             </a:endParaRPr>
+          </a:p>
+        </p:txBody>
+      </p:sp>
+      <p:sp>
+        <p:nvSpPr>
+          <p:cNvPr id="3" name="날짜 개체 틀 2"/>
+          <p:cNvSpPr>
+            <a:spLocks noGrp="1"/>
+          </p:cNvSpPr>
+          <p:nvPr>
+            <p:ph type="dt" sz="half" idx="10"/>
+          </p:nvPr>
+        </p:nvSpPr>
+        <p:spPr/>
+        <p:txBody>
+          <a:bodyPr/>
+          <a:lstStyle/>
+          <a:p>
+            <a:fld id="{6509A91F-0059-474E-BAEC-65E67593FE25}" type="datetime1">
+              <a:rPr lang="ko-KR" altLang="en-US" smtClean="0"/>
+              <a:t>2018-03-12</a:t>
+            </a:fld>
+            <a:endParaRPr lang="ko-KR" altLang="en-US"/>
+          </a:p>
+        </p:txBody>
+      </p:sp>
+      <p:sp>
+        <p:nvSpPr>
+          <p:cNvPr id="4" name="슬라이드 번호 개체 틀 3"/>
+          <p:cNvSpPr>
+            <a:spLocks noGrp="1"/>
+          </p:cNvSpPr>
+          <p:nvPr>
+            <p:ph type="sldNum" sz="quarter" idx="12"/>
+          </p:nvPr>
+        </p:nvSpPr>
+        <p:spPr/>
+        <p:txBody>
+          <a:bodyPr/>
+          <a:lstStyle/>
+          <a:p>
+            <a:fld id="{8765F8EB-1186-4395-8E70-F957669279DD}" type="slidenum">
+              <a:rPr lang="ko-KR" altLang="en-US" smtClean="0"/>
+              <a:t>23</a:t>
+            </a:fld>
+            <a:endParaRPr lang="ko-KR" altLang="en-US"/>
           </a:p>
         </p:txBody>
       </p:sp>
@@ -15125,6 +18112,52 @@
               <a:t>Wave Propagation</a:t>
             </a:r>
             <a:endParaRPr lang="ko-KR" altLang="en-US" sz="3600" dirty="0"/>
+          </a:p>
+        </p:txBody>
+      </p:sp>
+      <p:sp>
+        <p:nvSpPr>
+          <p:cNvPr id="3" name="날짜 개체 틀 2"/>
+          <p:cNvSpPr>
+            <a:spLocks noGrp="1"/>
+          </p:cNvSpPr>
+          <p:nvPr>
+            <p:ph type="dt" sz="half" idx="10"/>
+          </p:nvPr>
+        </p:nvSpPr>
+        <p:spPr/>
+        <p:txBody>
+          <a:bodyPr/>
+          <a:lstStyle/>
+          <a:p>
+            <a:fld id="{F85A177F-6FD3-496B-8A9C-B332CA04E863}" type="datetime1">
+              <a:rPr lang="ko-KR" altLang="en-US" smtClean="0"/>
+              <a:t>2018-03-12</a:t>
+            </a:fld>
+            <a:endParaRPr lang="ko-KR" altLang="en-US"/>
+          </a:p>
+        </p:txBody>
+      </p:sp>
+      <p:sp>
+        <p:nvSpPr>
+          <p:cNvPr id="4" name="슬라이드 번호 개체 틀 3"/>
+          <p:cNvSpPr>
+            <a:spLocks noGrp="1"/>
+          </p:cNvSpPr>
+          <p:nvPr>
+            <p:ph type="sldNum" sz="quarter" idx="12"/>
+          </p:nvPr>
+        </p:nvSpPr>
+        <p:spPr/>
+        <p:txBody>
+          <a:bodyPr/>
+          <a:lstStyle/>
+          <a:p>
+            <a:fld id="{8765F8EB-1186-4395-8E70-F957669279DD}" type="slidenum">
+              <a:rPr lang="ko-KR" altLang="en-US" smtClean="0"/>
+              <a:t>3</a:t>
+            </a:fld>
+            <a:endParaRPr lang="ko-KR" altLang="en-US"/>
           </a:p>
         </p:txBody>
       </p:sp>
@@ -17108,6 +20141,52 @@
           </p:sp>
         </mc:Fallback>
       </mc:AlternateContent>
+      <p:sp>
+        <p:nvSpPr>
+          <p:cNvPr id="2" name="날짜 개체 틀 1"/>
+          <p:cNvSpPr>
+            <a:spLocks noGrp="1"/>
+          </p:cNvSpPr>
+          <p:nvPr>
+            <p:ph type="dt" sz="half" idx="10"/>
+          </p:nvPr>
+        </p:nvSpPr>
+        <p:spPr/>
+        <p:txBody>
+          <a:bodyPr/>
+          <a:lstStyle/>
+          <a:p>
+            <a:fld id="{53646E5C-8775-44A9-9523-40B6CCA06789}" type="datetime1">
+              <a:rPr lang="ko-KR" altLang="en-US" smtClean="0"/>
+              <a:t>2018-03-12</a:t>
+            </a:fld>
+            <a:endParaRPr lang="ko-KR" altLang="en-US"/>
+          </a:p>
+        </p:txBody>
+      </p:sp>
+      <p:sp>
+        <p:nvSpPr>
+          <p:cNvPr id="15" name="슬라이드 번호 개체 틀 14"/>
+          <p:cNvSpPr>
+            <a:spLocks noGrp="1"/>
+          </p:cNvSpPr>
+          <p:nvPr>
+            <p:ph type="sldNum" sz="quarter" idx="12"/>
+          </p:nvPr>
+        </p:nvSpPr>
+        <p:spPr/>
+        <p:txBody>
+          <a:bodyPr/>
+          <a:lstStyle/>
+          <a:p>
+            <a:fld id="{8765F8EB-1186-4395-8E70-F957669279DD}" type="slidenum">
+              <a:rPr lang="ko-KR" altLang="en-US" smtClean="0"/>
+              <a:t>4</a:t>
+            </a:fld>
+            <a:endParaRPr lang="ko-KR" altLang="en-US"/>
+          </a:p>
+        </p:txBody>
+      </p:sp>
     </p:spTree>
     <p:extLst>
       <p:ext uri="{BB962C8B-B14F-4D97-AF65-F5344CB8AC3E}">
@@ -19314,6 +22393,52 @@
           </p:sp>
         </mc:Fallback>
       </mc:AlternateContent>
+      <p:sp>
+        <p:nvSpPr>
+          <p:cNvPr id="9" name="날짜 개체 틀 8"/>
+          <p:cNvSpPr>
+            <a:spLocks noGrp="1"/>
+          </p:cNvSpPr>
+          <p:nvPr>
+            <p:ph type="dt" sz="half" idx="10"/>
+          </p:nvPr>
+        </p:nvSpPr>
+        <p:spPr/>
+        <p:txBody>
+          <a:bodyPr/>
+          <a:lstStyle/>
+          <a:p>
+            <a:fld id="{7C8D4B38-891E-4F54-A70A-6E9745DD623C}" type="datetime1">
+              <a:rPr lang="ko-KR" altLang="en-US" smtClean="0"/>
+              <a:t>2018-03-12</a:t>
+            </a:fld>
+            <a:endParaRPr lang="ko-KR" altLang="en-US"/>
+          </a:p>
+        </p:txBody>
+      </p:sp>
+      <p:sp>
+        <p:nvSpPr>
+          <p:cNvPr id="10" name="슬라이드 번호 개체 틀 9"/>
+          <p:cNvSpPr>
+            <a:spLocks noGrp="1"/>
+          </p:cNvSpPr>
+          <p:nvPr>
+            <p:ph type="sldNum" sz="quarter" idx="12"/>
+          </p:nvPr>
+        </p:nvSpPr>
+        <p:spPr/>
+        <p:txBody>
+          <a:bodyPr/>
+          <a:lstStyle/>
+          <a:p>
+            <a:fld id="{8765F8EB-1186-4395-8E70-F957669279DD}" type="slidenum">
+              <a:rPr lang="ko-KR" altLang="en-US" smtClean="0"/>
+              <a:t>5</a:t>
+            </a:fld>
+            <a:endParaRPr lang="ko-KR" altLang="en-US"/>
+          </a:p>
+        </p:txBody>
+      </p:sp>
     </p:spTree>
     <p:extLst>
       <p:ext uri="{BB962C8B-B14F-4D97-AF65-F5344CB8AC3E}">
@@ -19461,6 +22586,144 @@
           </a:prstGeom>
         </p:spPr>
       </p:pic>
+      <p:sp>
+        <p:nvSpPr>
+          <p:cNvPr id="2" name="직사각형 1"/>
+          <p:cNvSpPr/>
+          <p:nvPr/>
+        </p:nvSpPr>
+        <p:spPr>
+          <a:xfrm>
+            <a:off x="1494692" y="3610518"/>
+            <a:ext cx="3033965" cy="3033965"/>
+          </a:xfrm>
+          <a:prstGeom prst="rect">
+            <a:avLst/>
+          </a:prstGeom>
+          <a:noFill/>
+          <a:ln w="28575">
+            <a:solidFill>
+              <a:srgbClr val="3333FF"/>
+            </a:solidFill>
+          </a:ln>
+        </p:spPr>
+        <p:style>
+          <a:lnRef idx="2">
+            <a:schemeClr val="accent1">
+              <a:shade val="50000"/>
+            </a:schemeClr>
+          </a:lnRef>
+          <a:fillRef idx="1">
+            <a:schemeClr val="accent1"/>
+          </a:fillRef>
+          <a:effectRef idx="0">
+            <a:schemeClr val="accent1"/>
+          </a:effectRef>
+          <a:fontRef idx="minor">
+            <a:schemeClr val="lt1"/>
+          </a:fontRef>
+        </p:style>
+        <p:txBody>
+          <a:bodyPr rtlCol="0" anchor="ctr"/>
+          <a:lstStyle/>
+          <a:p>
+            <a:pPr algn="ctr"/>
+            <a:endParaRPr lang="ko-KR" altLang="en-US"/>
+          </a:p>
+        </p:txBody>
+      </p:sp>
+      <p:sp>
+        <p:nvSpPr>
+          <p:cNvPr id="6" name="직사각형 5"/>
+          <p:cNvSpPr/>
+          <p:nvPr/>
+        </p:nvSpPr>
+        <p:spPr>
+          <a:xfrm>
+            <a:off x="4571999" y="3610518"/>
+            <a:ext cx="3033965" cy="3033965"/>
+          </a:xfrm>
+          <a:prstGeom prst="rect">
+            <a:avLst/>
+          </a:prstGeom>
+          <a:noFill/>
+          <a:ln w="28575">
+            <a:solidFill>
+              <a:srgbClr val="3333FF"/>
+            </a:solidFill>
+          </a:ln>
+        </p:spPr>
+        <p:style>
+          <a:lnRef idx="2">
+            <a:schemeClr val="accent1">
+              <a:shade val="50000"/>
+            </a:schemeClr>
+          </a:lnRef>
+          <a:fillRef idx="1">
+            <a:schemeClr val="accent1"/>
+          </a:fillRef>
+          <a:effectRef idx="0">
+            <a:schemeClr val="accent1"/>
+          </a:effectRef>
+          <a:fontRef idx="minor">
+            <a:schemeClr val="lt1"/>
+          </a:fontRef>
+        </p:style>
+        <p:txBody>
+          <a:bodyPr rtlCol="0" anchor="ctr"/>
+          <a:lstStyle/>
+          <a:p>
+            <a:pPr algn="ctr"/>
+            <a:endParaRPr lang="ko-KR" altLang="en-US"/>
+          </a:p>
+        </p:txBody>
+      </p:sp>
+      <p:sp>
+        <p:nvSpPr>
+          <p:cNvPr id="5" name="날짜 개체 틀 4"/>
+          <p:cNvSpPr>
+            <a:spLocks noGrp="1"/>
+          </p:cNvSpPr>
+          <p:nvPr>
+            <p:ph type="dt" sz="half" idx="10"/>
+          </p:nvPr>
+        </p:nvSpPr>
+        <p:spPr/>
+        <p:txBody>
+          <a:bodyPr/>
+          <a:lstStyle/>
+          <a:p>
+            <a:fld id="{183980C8-240D-4CA8-9FC2-AF32D6F4D202}" type="datetime1">
+              <a:rPr lang="ko-KR" altLang="en-US" smtClean="0"/>
+              <a:t>2018-03-12</a:t>
+            </a:fld>
+            <a:endParaRPr lang="ko-KR" altLang="en-US"/>
+          </a:p>
+        </p:txBody>
+      </p:sp>
+      <p:sp>
+        <p:nvSpPr>
+          <p:cNvPr id="7" name="슬라이드 번호 개체 틀 6"/>
+          <p:cNvSpPr>
+            <a:spLocks noGrp="1"/>
+          </p:cNvSpPr>
+          <p:nvPr>
+            <p:ph type="sldNum" sz="quarter" idx="12"/>
+          </p:nvPr>
+        </p:nvSpPr>
+        <p:spPr/>
+        <p:txBody>
+          <a:bodyPr/>
+          <a:lstStyle/>
+          <a:p>
+            <a:fld id="{8765F8EB-1186-4395-8E70-F957669279DD}" type="slidenum">
+              <a:rPr lang="ko-KR" altLang="en-US" smtClean="0"/>
+              <a:t>6</a:t>
+            </a:fld>
+            <a:endParaRPr lang="ko-KR" altLang="en-US"/>
+          </a:p>
+        </p:txBody>
+      </p:sp>
     </p:spTree>
     <p:extLst>
       <p:ext uri="{BB962C8B-B14F-4D97-AF65-F5344CB8AC3E}">
@@ -19930,6 +23193,52 @@
           </p:sp>
         </mc:Fallback>
       </mc:AlternateContent>
+      <p:sp>
+        <p:nvSpPr>
+          <p:cNvPr id="6" name="날짜 개체 틀 5"/>
+          <p:cNvSpPr>
+            <a:spLocks noGrp="1"/>
+          </p:cNvSpPr>
+          <p:nvPr>
+            <p:ph type="dt" sz="half" idx="10"/>
+          </p:nvPr>
+        </p:nvSpPr>
+        <p:spPr/>
+        <p:txBody>
+          <a:bodyPr/>
+          <a:lstStyle/>
+          <a:p>
+            <a:fld id="{4F111C1C-3260-43A9-8B4C-65CBF29ED5B0}" type="datetime1">
+              <a:rPr lang="ko-KR" altLang="en-US" smtClean="0"/>
+              <a:t>2018-03-12</a:t>
+            </a:fld>
+            <a:endParaRPr lang="ko-KR" altLang="en-US"/>
+          </a:p>
+        </p:txBody>
+      </p:sp>
+      <p:sp>
+        <p:nvSpPr>
+          <p:cNvPr id="7" name="슬라이드 번호 개체 틀 6"/>
+          <p:cNvSpPr>
+            <a:spLocks noGrp="1"/>
+          </p:cNvSpPr>
+          <p:nvPr>
+            <p:ph type="sldNum" sz="quarter" idx="12"/>
+          </p:nvPr>
+        </p:nvSpPr>
+        <p:spPr/>
+        <p:txBody>
+          <a:bodyPr/>
+          <a:lstStyle/>
+          <a:p>
+            <a:fld id="{8765F8EB-1186-4395-8E70-F957669279DD}" type="slidenum">
+              <a:rPr lang="ko-KR" altLang="en-US" smtClean="0"/>
+              <a:t>7</a:t>
+            </a:fld>
+            <a:endParaRPr lang="ko-KR" altLang="en-US"/>
+          </a:p>
+        </p:txBody>
+      </p:sp>
     </p:spTree>
     <p:extLst>
       <p:ext uri="{BB962C8B-B14F-4D97-AF65-F5344CB8AC3E}">
@@ -20090,6 +23399,52 @@
               <a:t>Terahertz TDS Data</a:t>
             </a:r>
             <a:endParaRPr lang="ko-KR" altLang="en-US" sz="3600" dirty="0"/>
+          </a:p>
+        </p:txBody>
+      </p:sp>
+      <p:sp>
+        <p:nvSpPr>
+          <p:cNvPr id="3" name="날짜 개체 틀 2"/>
+          <p:cNvSpPr>
+            <a:spLocks noGrp="1"/>
+          </p:cNvSpPr>
+          <p:nvPr>
+            <p:ph type="dt" sz="half" idx="10"/>
+          </p:nvPr>
+        </p:nvSpPr>
+        <p:spPr/>
+        <p:txBody>
+          <a:bodyPr/>
+          <a:lstStyle/>
+          <a:p>
+            <a:fld id="{AE66DB40-2E44-4D73-B0C7-6373D077081F}" type="datetime1">
+              <a:rPr lang="ko-KR" altLang="en-US" smtClean="0"/>
+              <a:t>2018-03-12</a:t>
+            </a:fld>
+            <a:endParaRPr lang="ko-KR" altLang="en-US"/>
+          </a:p>
+        </p:txBody>
+      </p:sp>
+      <p:sp>
+        <p:nvSpPr>
+          <p:cNvPr id="4" name="슬라이드 번호 개체 틀 3"/>
+          <p:cNvSpPr>
+            <a:spLocks noGrp="1"/>
+          </p:cNvSpPr>
+          <p:nvPr>
+            <p:ph type="sldNum" sz="quarter" idx="12"/>
+          </p:nvPr>
+        </p:nvSpPr>
+        <p:spPr/>
+        <p:txBody>
+          <a:bodyPr/>
+          <a:lstStyle/>
+          <a:p>
+            <a:fld id="{8765F8EB-1186-4395-8E70-F957669279DD}" type="slidenum">
+              <a:rPr lang="ko-KR" altLang="en-US" smtClean="0"/>
+              <a:t>8</a:t>
+            </a:fld>
+            <a:endParaRPr lang="ko-KR" altLang="en-US"/>
           </a:p>
         </p:txBody>
       </p:sp>
@@ -22824,6 +26179,98 @@
                 <a:srgbClr val="3333FF"/>
               </a:solidFill>
             </a:endParaRPr>
+          </a:p>
+        </p:txBody>
+      </p:sp>
+      <p:sp>
+        <p:nvSpPr>
+          <p:cNvPr id="11" name="날짜 개체 틀 10"/>
+          <p:cNvSpPr>
+            <a:spLocks noGrp="1"/>
+          </p:cNvSpPr>
+          <p:nvPr>
+            <p:ph type="dt" sz="half" idx="10"/>
+          </p:nvPr>
+        </p:nvSpPr>
+        <p:spPr/>
+        <p:txBody>
+          <a:bodyPr/>
+          <a:lstStyle/>
+          <a:p>
+            <a:fld id="{F09619A3-133D-4122-9751-AD3B8CFAF160}" type="datetime1">
+              <a:rPr lang="ko-KR" altLang="en-US" smtClean="0"/>
+              <a:t>2018-03-12</a:t>
+            </a:fld>
+            <a:endParaRPr lang="ko-KR" altLang="en-US"/>
+          </a:p>
+        </p:txBody>
+      </p:sp>
+      <p:sp>
+        <p:nvSpPr>
+          <p:cNvPr id="12" name="슬라이드 번호 개체 틀 11"/>
+          <p:cNvSpPr>
+            <a:spLocks noGrp="1"/>
+          </p:cNvSpPr>
+          <p:nvPr>
+            <p:ph type="sldNum" sz="quarter" idx="12"/>
+          </p:nvPr>
+        </p:nvSpPr>
+        <p:spPr/>
+        <p:txBody>
+          <a:bodyPr/>
+          <a:lstStyle/>
+          <a:p>
+            <a:fld id="{8765F8EB-1186-4395-8E70-F957669279DD}" type="slidenum">
+              <a:rPr lang="ko-KR" altLang="en-US" smtClean="0"/>
+              <a:t>9</a:t>
+            </a:fld>
+            <a:endParaRPr lang="ko-KR" altLang="en-US"/>
+          </a:p>
+        </p:txBody>
+      </p:sp>
+      <p:sp>
+        <p:nvSpPr>
+          <p:cNvPr id="13" name="타원 12"/>
+          <p:cNvSpPr/>
+          <p:nvPr/>
+        </p:nvSpPr>
+        <p:spPr>
+          <a:xfrm>
+            <a:off x="8153582" y="6281297"/>
+            <a:ext cx="508049" cy="508049"/>
+          </a:xfrm>
+          <a:prstGeom prst="ellipse">
+            <a:avLst/>
+          </a:prstGeom>
+          <a:noFill/>
+          <a:ln w="57150">
+            <a:solidFill>
+              <a:srgbClr val="C00000"/>
+            </a:solidFill>
+          </a:ln>
+        </p:spPr>
+        <p:style>
+          <a:lnRef idx="2">
+            <a:schemeClr val="accent1">
+              <a:shade val="50000"/>
+            </a:schemeClr>
+          </a:lnRef>
+          <a:fillRef idx="1">
+            <a:schemeClr val="accent1"/>
+          </a:fillRef>
+          <a:effectRef idx="0">
+            <a:schemeClr val="accent1"/>
+          </a:effectRef>
+          <a:fontRef idx="minor">
+            <a:schemeClr val="lt1"/>
+          </a:fontRef>
+        </p:style>
+        <p:txBody>
+          <a:bodyPr rtlCol="0" anchor="ctr"/>
+          <a:lstStyle/>
+          <a:p>
+            <a:pPr algn="ctr"/>
+            <a:endParaRPr lang="ko-KR" altLang="en-US"/>
           </a:p>
         </p:txBody>
       </p:sp>

--- a/Terahertz Metrology/Ch2/Terahertz Metrology_Ch2.pptx
+++ b/Terahertz Metrology/Ch2/Terahertz Metrology_Ch2.pptx
@@ -219,7 +219,7 @@
           <a:p>
             <a:fld id="{A9D6DECA-6E4E-4D09-9277-E151A2E3F74C}" type="datetimeFigureOut">
               <a:rPr lang="ko-KR" altLang="en-US" smtClean="0"/>
-              <a:t>2018-03-12</a:t>
+              <a:t>2018-03-19</a:t>
             </a:fld>
             <a:endParaRPr lang="ko-KR" altLang="en-US"/>
           </a:p>
@@ -2550,7 +2550,7 @@
           <a:p>
             <a:fld id="{78E89258-A40F-4400-BA1A-638141289729}" type="datetime1">
               <a:rPr lang="ko-KR" altLang="en-US" smtClean="0"/>
-              <a:t>2018-03-12</a:t>
+              <a:t>2018-03-19</a:t>
             </a:fld>
             <a:endParaRPr lang="ko-KR" altLang="en-US"/>
           </a:p>
@@ -2727,7 +2727,7 @@
           <a:p>
             <a:fld id="{CD116CEF-802E-43F7-8932-78519DF2A264}" type="datetime1">
               <a:rPr lang="ko-KR" altLang="en-US" smtClean="0"/>
-              <a:t>2018-03-12</a:t>
+              <a:t>2018-03-19</a:t>
             </a:fld>
             <a:endParaRPr lang="ko-KR" altLang="en-US"/>
           </a:p>
@@ -2907,7 +2907,7 @@
           <a:p>
             <a:fld id="{EFD9D7C3-1982-427D-BFA7-1AF9687AAB0F}" type="datetime1">
               <a:rPr lang="ko-KR" altLang="en-US" smtClean="0"/>
-              <a:t>2018-03-12</a:t>
+              <a:t>2018-03-19</a:t>
             </a:fld>
             <a:endParaRPr lang="ko-KR" altLang="en-US"/>
           </a:p>
@@ -3077,7 +3077,7 @@
           <a:p>
             <a:fld id="{EDD93E7F-B437-40E5-8ACB-B79696783EFA}" type="datetime1">
               <a:rPr lang="ko-KR" altLang="en-US" smtClean="0"/>
-              <a:t>2018-03-12</a:t>
+              <a:t>2018-03-19</a:t>
             </a:fld>
             <a:endParaRPr lang="ko-KR" altLang="en-US"/>
           </a:p>
@@ -3321,7 +3321,7 @@
           <a:p>
             <a:fld id="{DB249950-0BD4-4F6E-BE3F-CB53B7E2FD06}" type="datetime1">
               <a:rPr lang="ko-KR" altLang="en-US" smtClean="0"/>
-              <a:t>2018-03-12</a:t>
+              <a:t>2018-03-19</a:t>
             </a:fld>
             <a:endParaRPr lang="ko-KR" altLang="en-US"/>
           </a:p>
@@ -3553,7 +3553,7 @@
           <a:p>
             <a:fld id="{7B016D7E-32C0-4DB3-B6B3-0506A62840FB}" type="datetime1">
               <a:rPr lang="ko-KR" altLang="en-US" smtClean="0"/>
-              <a:t>2018-03-12</a:t>
+              <a:t>2018-03-19</a:t>
             </a:fld>
             <a:endParaRPr lang="ko-KR" altLang="en-US"/>
           </a:p>
@@ -3920,7 +3920,7 @@
           <a:p>
             <a:fld id="{B246672D-B3FD-4B2E-92C0-4A80DA670927}" type="datetime1">
               <a:rPr lang="ko-KR" altLang="en-US" smtClean="0"/>
-              <a:t>2018-03-12</a:t>
+              <a:t>2018-03-19</a:t>
             </a:fld>
             <a:endParaRPr lang="ko-KR" altLang="en-US"/>
           </a:p>
@@ -4038,7 +4038,7 @@
           <a:p>
             <a:fld id="{9B9B7D2E-B202-4D7A-9519-0C490A04EB9C}" type="datetime1">
               <a:rPr lang="ko-KR" altLang="en-US" smtClean="0"/>
-              <a:t>2018-03-12</a:t>
+              <a:t>2018-03-19</a:t>
             </a:fld>
             <a:endParaRPr lang="ko-KR" altLang="en-US"/>
           </a:p>
@@ -4133,7 +4133,7 @@
           <a:p>
             <a:fld id="{12FB9327-987E-47D6-AE2D-63CED8A79494}" type="datetime1">
               <a:rPr lang="ko-KR" altLang="en-US" smtClean="0"/>
-              <a:t>2018-03-12</a:t>
+              <a:t>2018-03-19</a:t>
             </a:fld>
             <a:endParaRPr lang="ko-KR" altLang="en-US"/>
           </a:p>
@@ -4410,7 +4410,7 @@
           <a:p>
             <a:fld id="{D8D87011-7294-4632-A156-4F695AB9E41C}" type="datetime1">
               <a:rPr lang="ko-KR" altLang="en-US" smtClean="0"/>
-              <a:t>2018-03-12</a:t>
+              <a:t>2018-03-19</a:t>
             </a:fld>
             <a:endParaRPr lang="ko-KR" altLang="en-US"/>
           </a:p>
@@ -4667,7 +4667,7 @@
           <a:p>
             <a:fld id="{1BDC7FDB-72DE-4D65-AF4F-510496DAF70F}" type="datetime1">
               <a:rPr lang="ko-KR" altLang="en-US" smtClean="0"/>
-              <a:t>2018-03-12</a:t>
+              <a:t>2018-03-19</a:t>
             </a:fld>
             <a:endParaRPr lang="ko-KR" altLang="en-US"/>
           </a:p>
@@ -4880,7 +4880,7 @@
           <a:p>
             <a:fld id="{9A286DBF-DB43-470A-A903-26374CB6EF47}" type="datetime1">
               <a:rPr lang="ko-KR" altLang="en-US" smtClean="0"/>
-              <a:t>2018-03-12</a:t>
+              <a:t>2018-03-19</a:t>
             </a:fld>
             <a:endParaRPr lang="ko-KR" altLang="en-US"/>
           </a:p>
@@ -5491,7 +5491,7 @@
           <a:p>
             <a:fld id="{32C03489-23FC-4021-B9AB-958EFB3C0FE7}" type="datetime1">
               <a:rPr lang="ko-KR" altLang="en-US" smtClean="0"/>
-              <a:t>2018-03-12</a:t>
+              <a:t>2018-03-19</a:t>
             </a:fld>
             <a:endParaRPr lang="ko-KR" altLang="en-US"/>
           </a:p>
@@ -5805,11 +5805,7 @@
             </a:pPr>
             <a:r>
               <a:rPr lang="en-US" altLang="ko-KR" dirty="0" smtClean="0"/>
-              <a:t>Step 6: Determine the total </a:t>
-            </a:r>
-            <a:r>
-              <a:rPr lang="en-US" altLang="ko-KR" dirty="0" smtClean="0"/>
-              <a:t>variation</a:t>
+              <a:t>Step 6: Determine the total variation</a:t>
             </a:r>
           </a:p>
           <a:p>
@@ -5928,8 +5924,8 @@
           </a:p>
         </p:txBody>
       </p:sp>
-      <mc:AlternateContent xmlns:mc="http://schemas.openxmlformats.org/markup-compatibility/2006">
-        <mc:Choice xmlns:a14="http://schemas.microsoft.com/office/drawing/2010/main" Requires="a14">
+      <mc:AlternateContent xmlns:mc="http://schemas.openxmlformats.org/markup-compatibility/2006" xmlns:a14="http://schemas.microsoft.com/office/drawing/2010/main">
+        <mc:Choice Requires="a14">
           <p:sp>
             <p:nvSpPr>
               <p:cNvPr id="5" name="TextBox 4"/>
@@ -5952,6 +5948,7 @@
               </a:bodyPr>
               <a:lstStyle/>
               <a:p>
+                <a:pPr/>
                 <a14:m>
                   <m:oMathPara xmlns:m="http://schemas.openxmlformats.org/officeDocument/2006/math">
                     <m:oMathParaPr>
@@ -6238,7 +6235,7 @@
             </p:txBody>
           </p:sp>
         </mc:Choice>
-        <mc:Fallback>
+        <mc:Fallback xmlns="">
           <p:sp>
             <p:nvSpPr>
               <p:cNvPr id="5" name="TextBox 4"/>
@@ -6294,7 +6291,7 @@
           <a:p>
             <a:fld id="{14802A74-0555-4C81-A7D9-061B5F2AB338}" type="datetime1">
               <a:rPr lang="ko-KR" altLang="en-US" smtClean="0"/>
-              <a:t>2018-03-12</a:t>
+              <a:t>2018-03-19</a:t>
             </a:fld>
             <a:endParaRPr lang="ko-KR" altLang="en-US"/>
           </a:p>
@@ -6936,8 +6933,8 @@
           </p:sp>
         </mc:Fallback>
       </mc:AlternateContent>
-      <mc:AlternateContent xmlns:mc="http://schemas.openxmlformats.org/markup-compatibility/2006" xmlns:a14="http://schemas.microsoft.com/office/drawing/2010/main">
-        <mc:Choice Requires="a14">
+      <mc:AlternateContent xmlns:mc="http://schemas.openxmlformats.org/markup-compatibility/2006">
+        <mc:Choice xmlns:a14="http://schemas.microsoft.com/office/drawing/2010/main" Requires="a14">
           <p:sp>
             <p:nvSpPr>
               <p:cNvPr id="9" name="TextBox 8"/>
@@ -6946,8 +6943,8 @@
             </p:nvSpPr>
             <p:spPr>
               <a:xfrm>
-                <a:off x="1710992" y="2171926"/>
-                <a:ext cx="5722016" cy="584391"/>
+                <a:off x="3114135" y="2226335"/>
+                <a:ext cx="3005310" cy="584327"/>
               </a:xfrm>
               <a:prstGeom prst="rect">
                 <a:avLst/>
@@ -7156,293 +7153,6 @@
                           </m:d>
                         </m:den>
                       </m:f>
-                      <m:r>
-                        <a:rPr lang="en-US" altLang="ko-KR" b="0" i="1" smtClean="0">
-                          <a:latin typeface="Cambria Math" panose="02040503050406030204" pitchFamily="18" charset="0"/>
-                        </a:rPr>
-                        <m:t>=−</m:t>
-                      </m:r>
-                      <m:r>
-                        <a:rPr lang="en-US" altLang="ko-KR" b="0" i="1" smtClean="0">
-                          <a:latin typeface="Cambria Math" panose="02040503050406030204" pitchFamily="18" charset="0"/>
-                        </a:rPr>
-                        <m:t>𝑟</m:t>
-                      </m:r>
-                      <m:r>
-                        <a:rPr lang="en-US" altLang="ko-KR" b="0" i="1" smtClean="0">
-                          <a:latin typeface="Cambria Math" panose="02040503050406030204" pitchFamily="18" charset="0"/>
-                        </a:rPr>
-                        <m:t>=</m:t>
-                      </m:r>
-                      <m:f>
-                        <m:fPr>
-                          <m:ctrlPr>
-                            <a:rPr lang="en-US" altLang="ko-KR" b="0" i="1" smtClean="0">
-                              <a:latin typeface="Cambria Math" panose="02040503050406030204" pitchFamily="18" charset="0"/>
-                            </a:rPr>
-                          </m:ctrlPr>
-                        </m:fPr>
-                        <m:num>
-                          <m:sSub>
-                            <m:sSubPr>
-                              <m:ctrlPr>
-                                <a:rPr lang="en-US" altLang="ko-KR" b="0" i="1" smtClean="0">
-                                  <a:latin typeface="Cambria Math" panose="02040503050406030204" pitchFamily="18" charset="0"/>
-                                </a:rPr>
-                              </m:ctrlPr>
-                            </m:sSubPr>
-                            <m:e>
-                              <m:r>
-                                <a:rPr lang="en-US" altLang="ko-KR" b="0" i="1" smtClean="0">
-                                  <a:latin typeface="Cambria Math" panose="02040503050406030204" pitchFamily="18" charset="0"/>
-                                </a:rPr>
-                                <m:t>𝑛</m:t>
-                              </m:r>
-                            </m:e>
-                            <m:sub>
-                              <m:r>
-                                <a:rPr lang="en-US" altLang="ko-KR" b="0" i="1" smtClean="0">
-                                  <a:latin typeface="Cambria Math" panose="02040503050406030204" pitchFamily="18" charset="0"/>
-                                </a:rPr>
-                                <m:t>𝑠</m:t>
-                              </m:r>
-                            </m:sub>
-                          </m:sSub>
-                          <m:func>
-                            <m:funcPr>
-                              <m:ctrlPr>
-                                <a:rPr lang="en-US" altLang="ko-KR" b="0" i="1" smtClean="0">
-                                  <a:latin typeface="Cambria Math" panose="02040503050406030204" pitchFamily="18" charset="0"/>
-                                </a:rPr>
-                              </m:ctrlPr>
-                            </m:funcPr>
-                            <m:fName>
-                              <m:r>
-                                <m:rPr>
-                                  <m:sty m:val="p"/>
-                                </m:rPr>
-                                <a:rPr lang="en-US" altLang="ko-KR" b="0" i="0" smtClean="0">
-                                  <a:latin typeface="Cambria Math" panose="02040503050406030204" pitchFamily="18" charset="0"/>
-                                </a:rPr>
-                                <m:t>cos</m:t>
-                              </m:r>
-                            </m:fName>
-                            <m:e>
-                              <m:sSub>
-                                <m:sSubPr>
-                                  <m:ctrlPr>
-                                    <a:rPr lang="en-US" altLang="ko-KR" b="0" i="1" smtClean="0">
-                                      <a:latin typeface="Cambria Math" panose="02040503050406030204" pitchFamily="18" charset="0"/>
-                                    </a:rPr>
-                                  </m:ctrlPr>
-                                </m:sSubPr>
-                                <m:e>
-                                  <m:r>
-                                    <a:rPr lang="en-US" altLang="ko-KR" b="0" i="1" smtClean="0">
-                                      <a:latin typeface="Cambria Math" panose="02040503050406030204" pitchFamily="18" charset="0"/>
-                                    </a:rPr>
-                                    <m:t>𝜃</m:t>
-                                  </m:r>
-                                </m:e>
-                                <m:sub>
-                                  <m:r>
-                                    <a:rPr lang="en-US" altLang="ko-KR" b="0" i="1" smtClean="0">
-                                      <a:latin typeface="Cambria Math" panose="02040503050406030204" pitchFamily="18" charset="0"/>
-                                    </a:rPr>
-                                    <m:t>𝑡</m:t>
-                                  </m:r>
-                                </m:sub>
-                              </m:sSub>
-                            </m:e>
-                          </m:func>
-                          <m:r>
-                            <a:rPr lang="en-US" altLang="ko-KR" b="0" i="1" smtClean="0">
-                              <a:latin typeface="Cambria Math" panose="02040503050406030204" pitchFamily="18" charset="0"/>
-                            </a:rPr>
-                            <m:t>−</m:t>
-                          </m:r>
-                          <m:func>
-                            <m:funcPr>
-                              <m:ctrlPr>
-                                <a:rPr lang="en-US" altLang="ko-KR" b="0" i="1" smtClean="0">
-                                  <a:latin typeface="Cambria Math" panose="02040503050406030204" pitchFamily="18" charset="0"/>
-                                </a:rPr>
-                              </m:ctrlPr>
-                            </m:funcPr>
-                            <m:fName>
-                              <m:r>
-                                <m:rPr>
-                                  <m:sty m:val="p"/>
-                                </m:rPr>
-                                <a:rPr lang="en-US" altLang="ko-KR" b="0" i="0" smtClean="0">
-                                  <a:latin typeface="Cambria Math" panose="02040503050406030204" pitchFamily="18" charset="0"/>
-                                </a:rPr>
-                                <m:t>cos</m:t>
-                              </m:r>
-                            </m:fName>
-                            <m:e>
-                              <m:sSub>
-                                <m:sSubPr>
-                                  <m:ctrlPr>
-                                    <a:rPr lang="en-US" altLang="ko-KR" b="0" i="1" smtClean="0">
-                                      <a:latin typeface="Cambria Math" panose="02040503050406030204" pitchFamily="18" charset="0"/>
-                                    </a:rPr>
-                                  </m:ctrlPr>
-                                </m:sSubPr>
-                                <m:e>
-                                  <m:r>
-                                    <a:rPr lang="en-US" altLang="ko-KR" b="0" i="1" smtClean="0">
-                                      <a:latin typeface="Cambria Math" panose="02040503050406030204" pitchFamily="18" charset="0"/>
-                                    </a:rPr>
-                                    <m:t>𝜃</m:t>
-                                  </m:r>
-                                </m:e>
-                                <m:sub>
-                                  <m:r>
-                                    <a:rPr lang="en-US" altLang="ko-KR" b="0" i="1" smtClean="0">
-                                      <a:latin typeface="Cambria Math" panose="02040503050406030204" pitchFamily="18" charset="0"/>
-                                    </a:rPr>
-                                    <m:t>𝑖</m:t>
-                                  </m:r>
-                                </m:sub>
-                              </m:sSub>
-                            </m:e>
-                          </m:func>
-                        </m:num>
-                        <m:den>
-                          <m:sSub>
-                            <m:sSubPr>
-                              <m:ctrlPr>
-                                <a:rPr lang="en-US" altLang="ko-KR" b="0" i="1" smtClean="0">
-                                  <a:latin typeface="Cambria Math" panose="02040503050406030204" pitchFamily="18" charset="0"/>
-                                </a:rPr>
-                              </m:ctrlPr>
-                            </m:sSubPr>
-                            <m:e>
-                              <m:r>
-                                <a:rPr lang="en-US" altLang="ko-KR" b="0" i="1" smtClean="0">
-                                  <a:latin typeface="Cambria Math" panose="02040503050406030204" pitchFamily="18" charset="0"/>
-                                </a:rPr>
-                                <m:t>𝑛</m:t>
-                              </m:r>
-                            </m:e>
-                            <m:sub>
-                              <m:r>
-                                <a:rPr lang="en-US" altLang="ko-KR" b="0" i="1" smtClean="0">
-                                  <a:latin typeface="Cambria Math" panose="02040503050406030204" pitchFamily="18" charset="0"/>
-                                </a:rPr>
-                                <m:t>𝑠</m:t>
-                              </m:r>
-                            </m:sub>
-                          </m:sSub>
-                          <m:func>
-                            <m:funcPr>
-                              <m:ctrlPr>
-                                <a:rPr lang="en-US" altLang="ko-KR" b="0" i="1" smtClean="0">
-                                  <a:latin typeface="Cambria Math" panose="02040503050406030204" pitchFamily="18" charset="0"/>
-                                </a:rPr>
-                              </m:ctrlPr>
-                            </m:funcPr>
-                            <m:fName>
-                              <m:r>
-                                <m:rPr>
-                                  <m:sty m:val="p"/>
-                                </m:rPr>
-                                <a:rPr lang="en-US" altLang="ko-KR" b="0" i="0" smtClean="0">
-                                  <a:latin typeface="Cambria Math" panose="02040503050406030204" pitchFamily="18" charset="0"/>
-                                </a:rPr>
-                                <m:t>cos</m:t>
-                              </m:r>
-                            </m:fName>
-                            <m:e>
-                              <m:sSub>
-                                <m:sSubPr>
-                                  <m:ctrlPr>
-                                    <a:rPr lang="en-US" altLang="ko-KR" b="0" i="1" smtClean="0">
-                                      <a:latin typeface="Cambria Math" panose="02040503050406030204" pitchFamily="18" charset="0"/>
-                                    </a:rPr>
-                                  </m:ctrlPr>
-                                </m:sSubPr>
-                                <m:e>
-                                  <m:r>
-                                    <a:rPr lang="en-US" altLang="ko-KR" b="0" i="1" smtClean="0">
-                                      <a:latin typeface="Cambria Math" panose="02040503050406030204" pitchFamily="18" charset="0"/>
-                                    </a:rPr>
-                                    <m:t>𝜃</m:t>
-                                  </m:r>
-                                </m:e>
-                                <m:sub>
-                                  <m:r>
-                                    <a:rPr lang="en-US" altLang="ko-KR" b="0" i="1" smtClean="0">
-                                      <a:latin typeface="Cambria Math" panose="02040503050406030204" pitchFamily="18" charset="0"/>
-                                    </a:rPr>
-                                    <m:t>𝑡</m:t>
-                                  </m:r>
-                                </m:sub>
-                              </m:sSub>
-                            </m:e>
-                          </m:func>
-                          <m:r>
-                            <a:rPr lang="en-US" altLang="ko-KR" b="0" i="1" smtClean="0">
-                              <a:latin typeface="Cambria Math" panose="02040503050406030204" pitchFamily="18" charset="0"/>
-                            </a:rPr>
-                            <m:t>−</m:t>
-                          </m:r>
-                          <m:func>
-                            <m:funcPr>
-                              <m:ctrlPr>
-                                <a:rPr lang="en-US" altLang="ko-KR" b="0" i="1" smtClean="0">
-                                  <a:latin typeface="Cambria Math" panose="02040503050406030204" pitchFamily="18" charset="0"/>
-                                </a:rPr>
-                              </m:ctrlPr>
-                            </m:funcPr>
-                            <m:fName>
-                              <m:r>
-                                <m:rPr>
-                                  <m:sty m:val="p"/>
-                                </m:rPr>
-                                <a:rPr lang="en-US" altLang="ko-KR" b="0" i="0" smtClean="0">
-                                  <a:latin typeface="Cambria Math" panose="02040503050406030204" pitchFamily="18" charset="0"/>
-                                </a:rPr>
-                                <m:t>cos</m:t>
-                              </m:r>
-                            </m:fName>
-                            <m:e>
-                              <m:sSub>
-                                <m:sSubPr>
-                                  <m:ctrlPr>
-                                    <a:rPr lang="en-US" altLang="ko-KR" b="0" i="1" smtClean="0">
-                                      <a:latin typeface="Cambria Math" panose="02040503050406030204" pitchFamily="18" charset="0"/>
-                                    </a:rPr>
-                                  </m:ctrlPr>
-                                </m:sSubPr>
-                                <m:e>
-                                  <m:r>
-                                    <a:rPr lang="en-US" altLang="ko-KR" b="0" i="1" smtClean="0">
-                                      <a:latin typeface="Cambria Math" panose="02040503050406030204" pitchFamily="18" charset="0"/>
-                                    </a:rPr>
-                                    <m:t>𝜃</m:t>
-                                  </m:r>
-                                </m:e>
-                                <m:sub>
-                                  <m:r>
-                                    <a:rPr lang="en-US" altLang="ko-KR" b="0" i="1" smtClean="0">
-                                      <a:latin typeface="Cambria Math" panose="02040503050406030204" pitchFamily="18" charset="0"/>
-                                    </a:rPr>
-                                    <m:t>𝑖</m:t>
-                                  </m:r>
-                                </m:sub>
-                              </m:sSub>
-                            </m:e>
-                          </m:func>
-                        </m:den>
-                      </m:f>
-                      <m:r>
-                        <a:rPr lang="en-US" altLang="ko-KR" b="0" i="1" smtClean="0">
-                          <a:latin typeface="Cambria Math" panose="02040503050406030204" pitchFamily="18" charset="0"/>
-                        </a:rPr>
-                        <m:t> </m:t>
-                      </m:r>
                     </m:oMath>
                   </m:oMathPara>
                 </a14:m>
@@ -7451,7 +7161,7 @@
             </p:txBody>
           </p:sp>
         </mc:Choice>
-        <mc:Fallback xmlns="">
+        <mc:Fallback>
           <p:sp>
             <p:nvSpPr>
               <p:cNvPr id="9" name="TextBox 8"/>
@@ -7462,8 +7172,8 @@
             </p:nvSpPr>
             <p:spPr>
               <a:xfrm>
-                <a:off x="1710992" y="2171926"/>
-                <a:ext cx="5722016" cy="584391"/>
+                <a:off x="3114135" y="2226335"/>
+                <a:ext cx="3005310" cy="584327"/>
               </a:xfrm>
               <a:prstGeom prst="rect">
                 <a:avLst/>
@@ -8048,7 +7758,7 @@
           <a:p>
             <a:fld id="{D23E4D73-8E87-40FA-9F54-D79AA380315D}" type="datetime1">
               <a:rPr lang="ko-KR" altLang="en-US" smtClean="0"/>
-              <a:t>2018-03-12</a:t>
+              <a:t>2018-03-19</a:t>
             </a:fld>
             <a:endParaRPr lang="ko-KR" altLang="en-US"/>
           </a:p>
@@ -9841,7 +9551,7 @@
           <a:p>
             <a:fld id="{3BC29368-14A9-4301-85E7-1A359714A2C4}" type="datetime1">
               <a:rPr lang="ko-KR" altLang="en-US" smtClean="0"/>
-              <a:t>2018-03-12</a:t>
+              <a:t>2018-03-19</a:t>
             </a:fld>
             <a:endParaRPr lang="ko-KR" altLang="en-US"/>
           </a:p>
@@ -10096,7 +9806,7 @@
         </p:blipFill>
         <p:spPr>
           <a:xfrm>
-            <a:off x="2014536" y="4108843"/>
+            <a:off x="2031475" y="4225019"/>
             <a:ext cx="4817087" cy="1937599"/>
           </a:xfrm>
           <a:prstGeom prst="rect">
@@ -12016,8 +11726,8 @@
           </p:sp>
         </mc:Fallback>
       </mc:AlternateContent>
-      <mc:AlternateContent xmlns:mc="http://schemas.openxmlformats.org/markup-compatibility/2006" xmlns:a14="http://schemas.microsoft.com/office/drawing/2010/main">
-        <mc:Choice Requires="a14">
+      <mc:AlternateContent xmlns:mc="http://schemas.openxmlformats.org/markup-compatibility/2006">
+        <mc:Choice xmlns:a14="http://schemas.microsoft.com/office/drawing/2010/main" Requires="a14">
           <p:sp>
             <p:nvSpPr>
               <p:cNvPr id="11" name="TextBox 10"/>
@@ -12026,8 +11736,8 @@
             </p:nvSpPr>
             <p:spPr>
               <a:xfrm>
-                <a:off x="3393290" y="2720040"/>
-                <a:ext cx="1303114" cy="521168"/>
+                <a:off x="3288636" y="2604081"/>
+                <a:ext cx="2566728" cy="521168"/>
               </a:xfrm>
               <a:prstGeom prst="rect">
                 <a:avLst/>
@@ -12145,6 +11855,71 @@
                           </m:sSub>
                         </m:den>
                       </m:f>
+                      <m:r>
+                        <a:rPr lang="en-US" altLang="ko-KR" b="0" i="1" smtClean="0">
+                          <a:latin typeface="Cambria Math" panose="02040503050406030204" pitchFamily="18" charset="0"/>
+                        </a:rPr>
+                        <m:t>=</m:t>
+                      </m:r>
+                      <m:sSub>
+                        <m:sSubPr>
+                          <m:ctrlPr>
+                            <a:rPr lang="en-US" altLang="ko-KR" b="0" i="1" smtClean="0">
+                              <a:latin typeface="Cambria Math" panose="02040503050406030204" pitchFamily="18" charset="0"/>
+                            </a:rPr>
+                          </m:ctrlPr>
+                        </m:sSubPr>
+                        <m:e>
+                          <m:r>
+                            <a:rPr lang="en-US" altLang="ko-KR" b="0" i="1" smtClean="0">
+                              <a:latin typeface="Cambria Math" panose="02040503050406030204" pitchFamily="18" charset="0"/>
+                            </a:rPr>
+                            <m:t>𝐴</m:t>
+                          </m:r>
+                        </m:e>
+                        <m:sub>
+                          <m:r>
+                            <a:rPr lang="en-US" altLang="ko-KR" b="0" i="1" smtClean="0">
+                              <a:latin typeface="Cambria Math" panose="02040503050406030204" pitchFamily="18" charset="0"/>
+                            </a:rPr>
+                            <m:t>𝜙</m:t>
+                          </m:r>
+                        </m:sub>
+                      </m:sSub>
+                      <m:func>
+                        <m:funcPr>
+                          <m:ctrlPr>
+                            <a:rPr lang="en-US" altLang="ko-KR" b="0" i="1" smtClean="0">
+                              <a:latin typeface="Cambria Math" panose="02040503050406030204" pitchFamily="18" charset="0"/>
+                            </a:rPr>
+                          </m:ctrlPr>
+                        </m:funcPr>
+                        <m:fName>
+                          <m:r>
+                            <m:rPr>
+                              <m:sty m:val="p"/>
+                            </m:rPr>
+                            <a:rPr lang="en-US" altLang="ko-KR" b="0" i="0" smtClean="0">
+                              <a:latin typeface="Cambria Math" panose="02040503050406030204" pitchFamily="18" charset="0"/>
+                            </a:rPr>
+                            <m:t>exp</m:t>
+                          </m:r>
+                        </m:fName>
+                        <m:e>
+                          <m:r>
+                            <a:rPr lang="en-US" altLang="ko-KR" b="0" i="1" smtClean="0">
+                              <a:latin typeface="Cambria Math" panose="02040503050406030204" pitchFamily="18" charset="0"/>
+                            </a:rPr>
+                            <m:t>𝑗</m:t>
+                          </m:r>
+                          <m:r>
+                            <a:rPr lang="en-US" altLang="ko-KR" b="0" i="1" smtClean="0">
+                              <a:latin typeface="Cambria Math" panose="02040503050406030204" pitchFamily="18" charset="0"/>
+                            </a:rPr>
+                            <m:t>𝜙</m:t>
+                          </m:r>
+                        </m:e>
+                      </m:func>
                     </m:oMath>
                   </m:oMathPara>
                 </a14:m>
@@ -12153,7 +11928,7 @@
             </p:txBody>
           </p:sp>
         </mc:Choice>
-        <mc:Fallback xmlns="">
+        <mc:Fallback>
           <p:sp>
             <p:nvSpPr>
               <p:cNvPr id="11" name="TextBox 10"/>
@@ -12164,8 +11939,8 @@
             </p:nvSpPr>
             <p:spPr>
               <a:xfrm>
-                <a:off x="3393290" y="2720040"/>
-                <a:ext cx="1303114" cy="521168"/>
+                <a:off x="3288636" y="2604081"/>
+                <a:ext cx="2566728" cy="521168"/>
               </a:xfrm>
               <a:prstGeom prst="rect">
                 <a:avLst/>
@@ -12209,7 +11984,7 @@
           <a:p>
             <a:fld id="{2885A3CE-9943-461A-86BB-B699857321E0}" type="datetime1">
               <a:rPr lang="ko-KR" altLang="en-US" smtClean="0"/>
-              <a:t>2018-03-12</a:t>
+              <a:t>2018-03-19</a:t>
             </a:fld>
             <a:endParaRPr lang="ko-KR" altLang="en-US"/>
           </a:p>
@@ -12473,7 +12248,7 @@
           <a:p>
             <a:fld id="{73610D12-162F-474F-B9B7-861A8F2D8731}" type="datetime1">
               <a:rPr lang="ko-KR" altLang="en-US" smtClean="0"/>
-              <a:t>2018-03-12</a:t>
+              <a:t>2018-03-19</a:t>
             </a:fld>
             <a:endParaRPr lang="ko-KR" altLang="en-US"/>
           </a:p>
@@ -12758,7 +12533,7 @@
           <a:p>
             <a:fld id="{CA19037F-B72F-49F1-BADA-9CC9DBB36723}" type="datetime1">
               <a:rPr lang="ko-KR" altLang="en-US" smtClean="0"/>
-              <a:t>2018-03-12</a:t>
+              <a:t>2018-03-19</a:t>
             </a:fld>
             <a:endParaRPr lang="ko-KR" altLang="en-US"/>
           </a:p>
@@ -13431,7 +13206,7 @@
           <a:p>
             <a:fld id="{C58C57A3-1D53-48C0-9408-36F07A6CD38B}" type="datetime1">
               <a:rPr lang="ko-KR" altLang="en-US" smtClean="0"/>
-              <a:t>2018-03-12</a:t>
+              <a:t>2018-03-19</a:t>
             </a:fld>
             <a:endParaRPr lang="ko-KR" altLang="en-US"/>
           </a:p>
@@ -13653,7 +13428,7 @@
           <a:p>
             <a:fld id="{C38E5249-97B3-4934-8A42-1AF092B685B8}" type="datetime1">
               <a:rPr lang="ko-KR" altLang="en-US" smtClean="0"/>
-              <a:t>2018-03-12</a:t>
+              <a:t>2018-03-19</a:t>
             </a:fld>
             <a:endParaRPr lang="ko-KR" altLang="en-US"/>
           </a:p>
@@ -13988,7 +13763,7 @@
           <a:p>
             <a:fld id="{76B77F96-B325-4827-A7BE-D62BDBC3C4DA}" type="datetime1">
               <a:rPr lang="ko-KR" altLang="en-US" smtClean="0"/>
-              <a:t>2018-03-12</a:t>
+              <a:t>2018-03-19</a:t>
             </a:fld>
             <a:endParaRPr lang="ko-KR" altLang="en-US"/>
           </a:p>
@@ -14185,7 +13960,7 @@
           <a:p>
             <a:fld id="{87AF2CAE-73A6-4E4A-95E7-C2205FC2B3F3}" type="datetime1">
               <a:rPr lang="ko-KR" altLang="en-US" smtClean="0"/>
-              <a:t>2018-03-12</a:t>
+              <a:t>2018-03-19</a:t>
             </a:fld>
             <a:endParaRPr lang="ko-KR" altLang="en-US"/>
           </a:p>
@@ -14571,7 +14346,7 @@
           <a:p>
             <a:fld id="{D71C2118-E1AA-468B-9259-8864ED518988}" type="datetime1">
               <a:rPr lang="ko-KR" altLang="en-US" smtClean="0"/>
-              <a:t>2018-03-12</a:t>
+              <a:t>2018-03-19</a:t>
             </a:fld>
             <a:endParaRPr lang="ko-KR" altLang="en-US"/>
           </a:p>
@@ -15226,8 +15001,8 @@
           </a:p>
         </p:txBody>
       </p:sp>
-      <mc:AlternateContent xmlns:mc="http://schemas.openxmlformats.org/markup-compatibility/2006">
-        <mc:Choice xmlns:a14="http://schemas.microsoft.com/office/drawing/2010/main" Requires="a14">
+      <mc:AlternateContent xmlns:mc="http://schemas.openxmlformats.org/markup-compatibility/2006" xmlns:a14="http://schemas.microsoft.com/office/drawing/2010/main">
+        <mc:Choice Requires="a14">
           <p:sp>
             <p:nvSpPr>
               <p:cNvPr id="3" name="TextBox 2"/>
@@ -15568,7 +15343,7 @@
             </p:txBody>
           </p:sp>
         </mc:Choice>
-        <mc:Fallback>
+        <mc:Fallback xmlns="">
           <p:sp>
             <p:nvSpPr>
               <p:cNvPr id="3" name="TextBox 2"/>
@@ -15850,8 +15625,8 @@
           </p:sp>
         </mc:Fallback>
       </mc:AlternateContent>
-      <mc:AlternateContent xmlns:mc="http://schemas.openxmlformats.org/markup-compatibility/2006">
-        <mc:Choice xmlns:a14="http://schemas.microsoft.com/office/drawing/2010/main" Requires="a14">
+      <mc:AlternateContent xmlns:mc="http://schemas.openxmlformats.org/markup-compatibility/2006" xmlns:a14="http://schemas.microsoft.com/office/drawing/2010/main">
+        <mc:Choice Requires="a14">
           <p:sp>
             <p:nvSpPr>
               <p:cNvPr id="6" name="직사각형 5"/>
@@ -16028,7 +15803,7 @@
             </p:txBody>
           </p:sp>
         </mc:Choice>
-        <mc:Fallback>
+        <mc:Fallback xmlns="">
           <p:sp>
             <p:nvSpPr>
               <p:cNvPr id="6" name="직사각형 5"/>
@@ -16108,7 +15883,7 @@
           <a:p>
             <a:fld id="{4B61D728-8D74-466E-A247-830E5D1FA4E5}" type="datetime1">
               <a:rPr lang="ko-KR" altLang="en-US" smtClean="0"/>
-              <a:t>2018-03-12</a:t>
+              <a:t>2018-03-19</a:t>
             </a:fld>
             <a:endParaRPr lang="ko-KR" altLang="en-US"/>
           </a:p>
@@ -16481,8 +16256,8 @@
           </a:fontRef>
         </p:style>
       </p:cxnSp>
-      <mc:AlternateContent xmlns:mc="http://schemas.openxmlformats.org/markup-compatibility/2006">
-        <mc:Choice xmlns:a14="http://schemas.microsoft.com/office/drawing/2010/main" Requires="a14">
+      <mc:AlternateContent xmlns:mc="http://schemas.openxmlformats.org/markup-compatibility/2006" xmlns:a14="http://schemas.microsoft.com/office/drawing/2010/main">
+        <mc:Choice Requires="a14">
           <p:sp>
             <p:nvSpPr>
               <p:cNvPr id="12" name="TextBox 11"/>
@@ -16623,7 +16398,7 @@
             </p:txBody>
           </p:sp>
         </mc:Choice>
-        <mc:Fallback>
+        <mc:Fallback xmlns="">
           <p:sp>
             <p:nvSpPr>
               <p:cNvPr id="12" name="TextBox 11"/>
@@ -16679,7 +16454,7 @@
           <a:p>
             <a:fld id="{B675ED0F-AD16-46CF-A5E1-DDF428734767}" type="datetime1">
               <a:rPr lang="ko-KR" altLang="en-US" smtClean="0"/>
-              <a:t>2018-03-12</a:t>
+              <a:t>2018-03-19</a:t>
             </a:fld>
             <a:endParaRPr lang="ko-KR" altLang="en-US"/>
           </a:p>
@@ -17070,8 +16845,8 @@
           </a:prstGeom>
         </p:spPr>
       </p:pic>
-      <mc:AlternateContent xmlns:mc="http://schemas.openxmlformats.org/markup-compatibility/2006">
-        <mc:Choice xmlns:a14="http://schemas.microsoft.com/office/drawing/2010/main" Requires="a14">
+      <mc:AlternateContent xmlns:mc="http://schemas.openxmlformats.org/markup-compatibility/2006" xmlns:a14="http://schemas.microsoft.com/office/drawing/2010/main">
+        <mc:Choice Requires="a14">
           <p:sp>
             <p:nvSpPr>
               <p:cNvPr id="12" name="TextBox 11"/>
@@ -17094,6 +16869,7 @@
               </a:bodyPr>
               <a:lstStyle/>
               <a:p>
+                <a:pPr/>
                 <a14:m>
                   <m:oMathPara xmlns:m="http://schemas.openxmlformats.org/officeDocument/2006/math">
                     <m:oMathParaPr>
@@ -17169,7 +16945,7 @@
             </p:txBody>
           </p:sp>
         </mc:Choice>
-        <mc:Fallback>
+        <mc:Fallback xmlns="">
           <p:sp>
             <p:nvSpPr>
               <p:cNvPr id="12" name="TextBox 11"/>
@@ -17208,8 +16984,8 @@
           </p:sp>
         </mc:Fallback>
       </mc:AlternateContent>
-      <mc:AlternateContent xmlns:mc="http://schemas.openxmlformats.org/markup-compatibility/2006">
-        <mc:Choice xmlns:a14="http://schemas.microsoft.com/office/drawing/2010/main" Requires="a14">
+      <mc:AlternateContent xmlns:mc="http://schemas.openxmlformats.org/markup-compatibility/2006" xmlns:a14="http://schemas.microsoft.com/office/drawing/2010/main">
+        <mc:Choice Requires="a14">
           <p:sp>
             <p:nvSpPr>
               <p:cNvPr id="15" name="TextBox 14"/>
@@ -17232,6 +17008,7 @@
               </a:bodyPr>
               <a:lstStyle/>
               <a:p>
+                <a:pPr/>
                 <a14:m>
                   <m:oMathPara xmlns:m="http://schemas.openxmlformats.org/officeDocument/2006/math">
                     <m:oMathParaPr>
@@ -17297,7 +17074,7 @@
             </p:txBody>
           </p:sp>
         </mc:Choice>
-        <mc:Fallback>
+        <mc:Fallback xmlns="">
           <p:sp>
             <p:nvSpPr>
               <p:cNvPr id="15" name="TextBox 14"/>
@@ -17374,11 +17151,7 @@
           <a:p>
             <a:r>
               <a:rPr lang="en-US" altLang="ko-KR" dirty="0" smtClean="0"/>
-              <a:t>BN</a:t>
-            </a:r>
-            <a:r>
-              <a:rPr lang="en-US" altLang="ko-KR" dirty="0" smtClean="0"/>
-              <a:t> ceramic: scattering</a:t>
+              <a:t>BN ceramic: scattering</a:t>
             </a:r>
             <a:endParaRPr lang="ko-KR" altLang="en-US" baseline="-25000" dirty="0">
               <a:solidFill>
@@ -17405,7 +17178,7 @@
           <a:p>
             <a:fld id="{76BFC201-7698-4709-9ED8-C40796827A90}" type="datetime1">
               <a:rPr lang="ko-KR" altLang="en-US" smtClean="0"/>
-              <a:t>2018-03-12</a:t>
+              <a:t>2018-03-19</a:t>
             </a:fld>
             <a:endParaRPr lang="ko-KR" altLang="en-US"/>
           </a:p>
@@ -17842,14 +17615,7 @@
                 <a:latin typeface="Times New Roman" panose="02020603050405020304" pitchFamily="18" charset="0"/>
                 <a:cs typeface="Times New Roman" panose="02020603050405020304" pitchFamily="18" charset="0"/>
               </a:rPr>
-              <a:t>, Vol. 27, No. 4, 2006, pp. 505-515</a:t>
-            </a:r>
-            <a:r>
-              <a:rPr lang="en-US" altLang="ko-KR" dirty="0" smtClean="0">
-                <a:latin typeface="Times New Roman" panose="02020603050405020304" pitchFamily="18" charset="0"/>
-                <a:cs typeface="Times New Roman" panose="02020603050405020304" pitchFamily="18" charset="0"/>
-              </a:rPr>
-              <a:t>.</a:t>
+              <a:t>, Vol. 27, No. 4, 2006, pp. 505-515.</a:t>
             </a:r>
           </a:p>
           <a:p>
@@ -17899,10 +17665,6 @@
               </a:rPr>
               <a:t>, Vol. 22, No. 1, 2014, pp. 972-986.</a:t>
             </a:r>
-            <a:endParaRPr lang="en-US" altLang="ko-KR" dirty="0" smtClean="0">
-              <a:latin typeface="Times New Roman" panose="02020603050405020304" pitchFamily="18" charset="0"/>
-              <a:cs typeface="Times New Roman" panose="02020603050405020304" pitchFamily="18" charset="0"/>
-            </a:endParaRPr>
           </a:p>
         </p:txBody>
       </p:sp>
@@ -17923,7 +17685,7 @@
           <a:p>
             <a:fld id="{6509A91F-0059-474E-BAEC-65E67593FE25}" type="datetime1">
               <a:rPr lang="ko-KR" altLang="en-US" smtClean="0"/>
-              <a:t>2018-03-12</a:t>
+              <a:t>2018-03-19</a:t>
             </a:fld>
             <a:endParaRPr lang="ko-KR" altLang="en-US"/>
           </a:p>
@@ -18132,7 +17894,7 @@
           <a:p>
             <a:fld id="{F85A177F-6FD3-496B-8A9C-B332CA04E863}" type="datetime1">
               <a:rPr lang="ko-KR" altLang="en-US" smtClean="0"/>
-              <a:t>2018-03-12</a:t>
+              <a:t>2018-03-19</a:t>
             </a:fld>
             <a:endParaRPr lang="ko-KR" altLang="en-US"/>
           </a:p>
@@ -20158,7 +19920,7 @@
           <a:p>
             <a:fld id="{53646E5C-8775-44A9-9523-40B6CCA06789}" type="datetime1">
               <a:rPr lang="ko-KR" altLang="en-US" smtClean="0"/>
-              <a:t>2018-03-12</a:t>
+              <a:t>2018-03-19</a:t>
             </a:fld>
             <a:endParaRPr lang="ko-KR" altLang="en-US"/>
           </a:p>
@@ -22410,7 +22172,7 @@
           <a:p>
             <a:fld id="{7C8D4B38-891E-4F54-A70A-6E9745DD623C}" type="datetime1">
               <a:rPr lang="ko-KR" altLang="en-US" smtClean="0"/>
-              <a:t>2018-03-12</a:t>
+              <a:t>2018-03-19</a:t>
             </a:fld>
             <a:endParaRPr lang="ko-KR" altLang="en-US"/>
           </a:p>
@@ -22695,7 +22457,7 @@
           <a:p>
             <a:fld id="{183980C8-240D-4CA8-9FC2-AF32D6F4D202}" type="datetime1">
               <a:rPr lang="ko-KR" altLang="en-US" smtClean="0"/>
-              <a:t>2018-03-12</a:t>
+              <a:t>2018-03-19</a:t>
             </a:fld>
             <a:endParaRPr lang="ko-KR" altLang="en-US"/>
           </a:p>
@@ -23210,7 +22972,7 @@
           <a:p>
             <a:fld id="{4F111C1C-3260-43A9-8B4C-65CBF29ED5B0}" type="datetime1">
               <a:rPr lang="ko-KR" altLang="en-US" smtClean="0"/>
-              <a:t>2018-03-12</a:t>
+              <a:t>2018-03-19</a:t>
             </a:fld>
             <a:endParaRPr lang="ko-KR" altLang="en-US"/>
           </a:p>
@@ -23419,7 +23181,7 @@
           <a:p>
             <a:fld id="{AE66DB40-2E44-4D73-B0C7-6373D077081F}" type="datetime1">
               <a:rPr lang="ko-KR" altLang="en-US" smtClean="0"/>
-              <a:t>2018-03-12</a:t>
+              <a:t>2018-03-19</a:t>
             </a:fld>
             <a:endParaRPr lang="ko-KR" altLang="en-US"/>
           </a:p>
@@ -26199,7 +25961,7 @@
           <a:p>
             <a:fld id="{F09619A3-133D-4122-9751-AD3B8CFAF160}" type="datetime1">
               <a:rPr lang="ko-KR" altLang="en-US" smtClean="0"/>
-              <a:t>2018-03-12</a:t>
+              <a:t>2018-03-19</a:t>
             </a:fld>
             <a:endParaRPr lang="ko-KR" altLang="en-US"/>
           </a:p>
